--- a/SDC2013.pptx
+++ b/SDC2013.pptx
@@ -5,7 +5,7 @@
     <p:sldMasterId id="2147483648" r:id="rId1"/>
   </p:sldMasterIdLst>
   <p:notesMasterIdLst>
-    <p:notesMasterId r:id="rId36"/>
+    <p:notesMasterId r:id="rId35"/>
   </p:notesMasterIdLst>
   <p:sldIdLst>
     <p:sldId id="256" r:id="rId2"/>
@@ -32,16 +32,15 @@
     <p:sldId id="287" r:id="rId23"/>
     <p:sldId id="272" r:id="rId24"/>
     <p:sldId id="294" r:id="rId25"/>
-    <p:sldId id="295" r:id="rId26"/>
-    <p:sldId id="296" r:id="rId27"/>
-    <p:sldId id="273" r:id="rId28"/>
-    <p:sldId id="285" r:id="rId29"/>
-    <p:sldId id="288" r:id="rId30"/>
-    <p:sldId id="292" r:id="rId31"/>
-    <p:sldId id="283" r:id="rId32"/>
-    <p:sldId id="260" r:id="rId33"/>
-    <p:sldId id="300" r:id="rId34"/>
-    <p:sldId id="289" r:id="rId35"/>
+    <p:sldId id="296" r:id="rId26"/>
+    <p:sldId id="273" r:id="rId27"/>
+    <p:sldId id="285" r:id="rId28"/>
+    <p:sldId id="288" r:id="rId29"/>
+    <p:sldId id="292" r:id="rId30"/>
+    <p:sldId id="283" r:id="rId31"/>
+    <p:sldId id="260" r:id="rId32"/>
+    <p:sldId id="300" r:id="rId33"/>
+    <p:sldId id="289" r:id="rId34"/>
   </p:sldIdLst>
   <p:sldSz cx="9144000" cy="6858000" type="screen4x3"/>
   <p:notesSz cx="6858000" cy="9144000"/>
@@ -988,7 +987,7 @@
             <a:fld id="{7BC0C7B8-101C-4F8C-9143-43222D1AB2E2}" type="slidenum">
               <a:rPr lang="en-US" smtClean="0"/>
               <a:pPr/>
-              <a:t>27</a:t>
+              <a:t>26</a:t>
             </a:fld>
             <a:endParaRPr lang="en-US"/>
           </a:p>
@@ -1079,7 +1078,7 @@
             <a:fld id="{7BC0C7B8-101C-4F8C-9143-43222D1AB2E2}" type="slidenum">
               <a:rPr lang="en-US" smtClean="0"/>
               <a:pPr/>
-              <a:t>29</a:t>
+              <a:t>28</a:t>
             </a:fld>
             <a:endParaRPr lang="en-US"/>
           </a:p>
@@ -1251,7 +1250,7 @@
             <a:fld id="{7BC0C7B8-101C-4F8C-9143-43222D1AB2E2}" type="slidenum">
               <a:rPr lang="en-US" smtClean="0"/>
               <a:pPr/>
-              <a:t>31</a:t>
+              <a:t>30</a:t>
             </a:fld>
             <a:endParaRPr lang="en-US"/>
           </a:p>
@@ -1412,7 +1411,7 @@
             <a:fld id="{7BC0C7B8-101C-4F8C-9143-43222D1AB2E2}" type="slidenum">
               <a:rPr lang="en-US" smtClean="0"/>
               <a:pPr/>
-              <a:t>33</a:t>
+              <a:t>32</a:t>
             </a:fld>
             <a:endParaRPr lang="en-US"/>
           </a:p>
@@ -5850,7 +5849,7 @@
                 </a:solidFill>
                 <a:latin typeface="Proxima Nova Rg" panose="02000506030000020004" pitchFamily="2" charset="0"/>
               </a:rPr>
-              <a:t>Why?</a:t>
+              <a:t>Why Use Streams?</a:t>
             </a:r>
             <a:endParaRPr lang="en-US" dirty="0">
               <a:solidFill>
@@ -8087,7 +8086,7 @@
                 </a:solidFill>
                 <a:latin typeface="Proxima Nova Rg" panose="02000506030000020004" pitchFamily="2" charset="0"/>
               </a:rPr>
-              <a:t>Streams</a:t>
+              <a:t>The Stream Class</a:t>
             </a:r>
             <a:endParaRPr lang="en-US" dirty="0">
               <a:solidFill>
@@ -8142,9 +8141,9 @@
                   <a:schemeClr val="bg1"/>
                 </a:solidFill>
               </a:rPr>
-              <a:t>Compose with pipe</a:t>
-            </a:r>
-            <a:endParaRPr lang="en-US" dirty="0">
+              <a:t>Composition through pipe method</a:t>
+            </a:r>
+            <a:endParaRPr lang="en-US" dirty="0" smtClean="0">
               <a:solidFill>
                 <a:schemeClr val="bg1"/>
               </a:solidFill>
@@ -8751,10 +8750,8 @@
                 </a:solidFill>
                 <a:latin typeface="Proxima Nova Rg" panose="02000506030000020004" pitchFamily="50" charset="0"/>
               </a:rPr>
-              <a:t>Emit data and end events</a:t>
-            </a:r>
-          </a:p>
-          <a:p>
+              <a:t>Emit </a:t>
+            </a:r>
             <a:r>
               <a:rPr lang="en-US" dirty="0" smtClean="0">
                 <a:solidFill>
@@ -8762,9 +8759,27 @@
                 </a:solidFill>
                 <a:latin typeface="Proxima Nova Rg" panose="02000506030000020004" pitchFamily="50" charset="0"/>
               </a:rPr>
-              <a:t>Pause? Drain?</a:t>
-            </a:r>
-            <a:endParaRPr lang="en-US" dirty="0">
+              <a:t>many data events </a:t>
+            </a:r>
+            <a:r>
+              <a:rPr lang="en-US" dirty="0" smtClean="0">
+                <a:solidFill>
+                  <a:schemeClr val="bg1"/>
+                </a:solidFill>
+                <a:latin typeface="Proxima Nova Rg" panose="02000506030000020004" pitchFamily="50" charset="0"/>
+              </a:rPr>
+              <a:t>and </a:t>
+            </a:r>
+            <a:r>
+              <a:rPr lang="en-US" dirty="0" smtClean="0">
+                <a:solidFill>
+                  <a:schemeClr val="bg1"/>
+                </a:solidFill>
+                <a:latin typeface="Proxima Nova Rg" panose="02000506030000020004" pitchFamily="50" charset="0"/>
+              </a:rPr>
+              <a:t>a single end event</a:t>
+            </a:r>
+            <a:endParaRPr lang="en-US" dirty="0" smtClean="0">
               <a:solidFill>
                 <a:schemeClr val="bg1"/>
               </a:solidFill>
@@ -9405,10 +9420,8 @@
                 </a:solidFill>
                 <a:latin typeface="Proxima Nova Rg" panose="02000506030000020004" pitchFamily="50" charset="0"/>
               </a:rPr>
-              <a:t>Set writable to true</a:t>
-            </a:r>
-          </a:p>
-          <a:p>
+              <a:t>Implement </a:t>
+            </a:r>
             <a:r>
               <a:rPr lang="en-US" dirty="0" smtClean="0">
                 <a:solidFill>
@@ -9416,7 +9429,7 @@
                 </a:solidFill>
                 <a:latin typeface="Proxima Nova Rg" panose="02000506030000020004" pitchFamily="50" charset="0"/>
               </a:rPr>
-              <a:t>Implement write, end and destroy methods</a:t>
+              <a:t>write, end and destroy methods</a:t>
             </a:r>
             <a:endParaRPr lang="en-US" dirty="0">
               <a:solidFill>
@@ -9436,7 +9449,7 @@
         <p:spPr>
           <a:xfrm>
             <a:off x="457200" y="2887682"/>
-            <a:ext cx="8229600" cy="3416320"/>
+            <a:ext cx="8229600" cy="3785652"/>
           </a:xfrm>
           <a:prstGeom prst="rect">
             <a:avLst/>
@@ -9450,7 +9463,7 @@
           <a:lstStyle/>
           <a:p>
             <a:r>
-              <a:rPr lang="en-US" b="1" dirty="0" err="1" smtClean="0">
+              <a:rPr lang="en-US" sz="2000" b="1" dirty="0" err="1" smtClean="0">
                 <a:solidFill>
                   <a:schemeClr val="bg1"/>
                 </a:solidFill>
@@ -9460,7 +9473,7 @@
               <a:t>stream.writable</a:t>
             </a:r>
             <a:r>
-              <a:rPr lang="en-US" b="1" dirty="0" smtClean="0">
+              <a:rPr lang="en-US" sz="2000" b="1" dirty="0" smtClean="0">
                 <a:solidFill>
                   <a:schemeClr val="bg1"/>
                 </a:solidFill>
@@ -9470,7 +9483,7 @@
               <a:t> </a:t>
             </a:r>
             <a:r>
-              <a:rPr lang="en-US" b="1" dirty="0">
+              <a:rPr lang="en-US" sz="2000" b="1" dirty="0">
                 <a:solidFill>
                   <a:schemeClr val="bg1"/>
                 </a:solidFill>
@@ -9480,7 +9493,7 @@
               <a:t>= </a:t>
             </a:r>
             <a:r>
-              <a:rPr lang="en-US" b="1" dirty="0">
+              <a:rPr lang="en-US" sz="2000" b="1" dirty="0">
                 <a:solidFill>
                   <a:srgbClr val="AE81FF"/>
                 </a:solidFill>
@@ -9490,7 +9503,7 @@
               <a:t>true</a:t>
             </a:r>
             <a:r>
-              <a:rPr lang="en-US" b="1" dirty="0">
+              <a:rPr lang="en-US" sz="2000" b="1" dirty="0">
                 <a:solidFill>
                   <a:schemeClr val="bg1"/>
                 </a:solidFill>
@@ -9501,7 +9514,7 @@
             </a:r>
           </a:p>
           <a:p>
-            <a:endParaRPr lang="en-US" b="1" dirty="0">
+            <a:endParaRPr lang="en-US" sz="2000" b="1" dirty="0">
               <a:solidFill>
                 <a:schemeClr val="bg1"/>
               </a:solidFill>
@@ -9511,7 +9524,7 @@
           </a:p>
           <a:p>
             <a:r>
-              <a:rPr lang="en-US" b="1" dirty="0" err="1">
+              <a:rPr lang="en-US" sz="2000" b="1" dirty="0" err="1">
                 <a:solidFill>
                   <a:srgbClr val="66D9EF"/>
                 </a:solidFill>
@@ -9521,7 +9534,7 @@
               <a:t>s</a:t>
             </a:r>
             <a:r>
-              <a:rPr lang="en-US" b="1" dirty="0" err="1">
+              <a:rPr lang="en-US" sz="2000" b="1" dirty="0" err="1">
                 <a:solidFill>
                   <a:schemeClr val="bg1"/>
                 </a:solidFill>
@@ -9531,7 +9544,7 @@
               <a:t>.</a:t>
             </a:r>
             <a:r>
-              <a:rPr lang="en-US" b="1" dirty="0" err="1">
+              <a:rPr lang="en-US" sz="2000" b="1" dirty="0" err="1">
                 <a:solidFill>
                   <a:srgbClr val="A6E22E"/>
                 </a:solidFill>
@@ -9541,7 +9554,7 @@
               <a:t>write</a:t>
             </a:r>
             <a:r>
-              <a:rPr lang="en-US" b="1" dirty="0">
+              <a:rPr lang="en-US" sz="2000" b="1" dirty="0">
                 <a:solidFill>
                   <a:schemeClr val="bg1"/>
                 </a:solidFill>
@@ -9551,7 +9564,7 @@
               <a:t> = </a:t>
             </a:r>
             <a:r>
-              <a:rPr lang="en-US" b="1" dirty="0">
+              <a:rPr lang="en-US" sz="2000" b="1" dirty="0">
                 <a:solidFill>
                   <a:srgbClr val="66D9EF"/>
                 </a:solidFill>
@@ -9561,7 +9574,7 @@
               <a:t>function</a:t>
             </a:r>
             <a:r>
-              <a:rPr lang="en-US" b="1" dirty="0">
+              <a:rPr lang="en-US" sz="2000" b="1" dirty="0">
                 <a:solidFill>
                   <a:schemeClr val="bg1"/>
                 </a:solidFill>
@@ -9571,7 +9584,7 @@
               <a:t> (</a:t>
             </a:r>
             <a:r>
-              <a:rPr lang="en-US" b="1" dirty="0">
+              <a:rPr lang="en-US" sz="2000" b="1" dirty="0">
                 <a:solidFill>
                   <a:srgbClr val="FD971F"/>
                 </a:solidFill>
@@ -9581,7 +9594,7 @@
               <a:t>data</a:t>
             </a:r>
             <a:r>
-              <a:rPr lang="en-US" b="1" dirty="0">
+              <a:rPr lang="en-US" sz="2000" b="1" dirty="0">
                 <a:solidFill>
                   <a:schemeClr val="bg1"/>
                 </a:solidFill>
@@ -9591,7 +9604,7 @@
               <a:t>) </a:t>
             </a:r>
             <a:r>
-              <a:rPr lang="en-US" b="1" dirty="0" smtClean="0">
+              <a:rPr lang="en-US" sz="2000" b="1" dirty="0" smtClean="0">
                 <a:solidFill>
                   <a:schemeClr val="bg1"/>
                 </a:solidFill>
@@ -9600,7 +9613,7 @@
               </a:rPr>
               <a:t>{ ... };</a:t>
             </a:r>
-            <a:endParaRPr lang="en-US" b="1" dirty="0">
+            <a:endParaRPr lang="en-US" sz="2000" b="1" dirty="0">
               <a:solidFill>
                 <a:schemeClr val="bg1"/>
               </a:solidFill>
@@ -9609,7 +9622,7 @@
             </a:endParaRPr>
           </a:p>
           <a:p>
-            <a:endParaRPr lang="en-US" b="1" dirty="0">
+            <a:endParaRPr lang="en-US" sz="2000" b="1" dirty="0">
               <a:solidFill>
                 <a:schemeClr val="bg1"/>
               </a:solidFill>
@@ -9619,7 +9632,7 @@
           </a:p>
           <a:p>
             <a:r>
-              <a:rPr lang="en-US" b="1" dirty="0" err="1">
+              <a:rPr lang="en-US" sz="2000" b="1" dirty="0" err="1">
                 <a:solidFill>
                   <a:srgbClr val="66D9EF"/>
                 </a:solidFill>
@@ -9629,7 +9642,7 @@
               <a:t>s</a:t>
             </a:r>
             <a:r>
-              <a:rPr lang="en-US" b="1" dirty="0" err="1">
+              <a:rPr lang="en-US" sz="2000" b="1" dirty="0" err="1">
                 <a:solidFill>
                   <a:schemeClr val="bg1"/>
                 </a:solidFill>
@@ -9639,7 +9652,7 @@
               <a:t>.</a:t>
             </a:r>
             <a:r>
-              <a:rPr lang="en-US" b="1" dirty="0" err="1">
+              <a:rPr lang="en-US" sz="2000" b="1" dirty="0" err="1">
                 <a:solidFill>
                   <a:srgbClr val="A6E22E"/>
                 </a:solidFill>
@@ -9649,7 +9662,7 @@
               <a:t>end</a:t>
             </a:r>
             <a:r>
-              <a:rPr lang="en-US" b="1" dirty="0">
+              <a:rPr lang="en-US" sz="2000" b="1" dirty="0">
                 <a:solidFill>
                   <a:schemeClr val="bg1"/>
                 </a:solidFill>
@@ -9659,7 +9672,7 @@
               <a:t> = </a:t>
             </a:r>
             <a:r>
-              <a:rPr lang="en-US" b="1" dirty="0">
+              <a:rPr lang="en-US" sz="2000" b="1" dirty="0">
                 <a:solidFill>
                   <a:srgbClr val="66D9EF"/>
                 </a:solidFill>
@@ -9669,7 +9682,7 @@
               <a:t>function</a:t>
             </a:r>
             <a:r>
-              <a:rPr lang="en-US" b="1" dirty="0">
+              <a:rPr lang="en-US" sz="2000" b="1" dirty="0">
                 <a:solidFill>
                   <a:schemeClr val="bg1"/>
                 </a:solidFill>
@@ -9679,7 +9692,7 @@
               <a:t> (</a:t>
             </a:r>
             <a:r>
-              <a:rPr lang="en-US" b="1" dirty="0">
+              <a:rPr lang="en-US" sz="2000" b="1" dirty="0">
                 <a:solidFill>
                   <a:srgbClr val="FD971F"/>
                 </a:solidFill>
@@ -9689,7 +9702,7 @@
               <a:t>data</a:t>
             </a:r>
             <a:r>
-              <a:rPr lang="en-US" b="1" dirty="0">
+              <a:rPr lang="en-US" sz="2000" b="1" dirty="0">
                 <a:solidFill>
                   <a:schemeClr val="bg1"/>
                 </a:solidFill>
@@ -9701,7 +9714,7 @@
           </a:p>
           <a:p>
             <a:r>
-              <a:rPr lang="en-US" b="1" dirty="0" smtClean="0">
+              <a:rPr lang="en-US" sz="2000" b="1" dirty="0" smtClean="0">
                 <a:solidFill>
                   <a:schemeClr val="bg1"/>
                 </a:solidFill>
@@ -9711,7 +9724,7 @@
               <a:t>    </a:t>
             </a:r>
             <a:r>
-              <a:rPr lang="en-US" b="1" dirty="0" smtClean="0">
+              <a:rPr lang="en-US" sz="2000" b="1" dirty="0" smtClean="0">
                 <a:solidFill>
                   <a:srgbClr val="F92672"/>
                 </a:solidFill>
@@ -9721,7 +9734,7 @@
               <a:t>if</a:t>
             </a:r>
             <a:r>
-              <a:rPr lang="en-US" b="1" dirty="0" smtClean="0">
+              <a:rPr lang="en-US" sz="2000" b="1" dirty="0" smtClean="0">
                 <a:solidFill>
                   <a:schemeClr val="bg1"/>
                 </a:solidFill>
@@ -9731,7 +9744,7 @@
               <a:t> (</a:t>
             </a:r>
             <a:r>
-              <a:rPr lang="en-US" b="1" dirty="0" err="1" smtClean="0">
+              <a:rPr lang="en-US" sz="2000" b="1" dirty="0" err="1" smtClean="0">
                 <a:solidFill>
                   <a:schemeClr val="bg1"/>
                 </a:solidFill>
@@ -9741,7 +9754,7 @@
               <a:t>arguments.length</a:t>
             </a:r>
             <a:r>
-              <a:rPr lang="en-US" b="1" dirty="0" smtClean="0">
+              <a:rPr lang="en-US" sz="2000" b="1" dirty="0" smtClean="0">
                 <a:solidFill>
                   <a:schemeClr val="bg1"/>
                 </a:solidFill>
@@ -9751,7 +9764,7 @@
               <a:t>) </a:t>
             </a:r>
             <a:r>
-              <a:rPr lang="en-US" b="1" dirty="0" err="1" smtClean="0">
+              <a:rPr lang="en-US" sz="2000" b="1" dirty="0" err="1" smtClean="0">
                 <a:solidFill>
                   <a:schemeClr val="bg1"/>
                 </a:solidFill>
@@ -9761,7 +9774,7 @@
               <a:t>s.write</a:t>
             </a:r>
             <a:r>
-              <a:rPr lang="en-US" b="1" dirty="0" smtClean="0">
+              <a:rPr lang="en-US" sz="2000" b="1" dirty="0" smtClean="0">
                 <a:solidFill>
                   <a:schemeClr val="bg1"/>
                 </a:solidFill>
@@ -9773,7 +9786,7 @@
           </a:p>
           <a:p>
             <a:r>
-              <a:rPr lang="en-US" b="1" dirty="0">
+              <a:rPr lang="en-US" sz="2000" b="1" dirty="0">
                 <a:solidFill>
                   <a:schemeClr val="bg1"/>
                 </a:solidFill>
@@ -9783,7 +9796,7 @@
               <a:t> </a:t>
             </a:r>
             <a:r>
-              <a:rPr lang="en-US" b="1" dirty="0" smtClean="0">
+              <a:rPr lang="en-US" sz="2000" b="1" dirty="0" smtClean="0">
                 <a:solidFill>
                   <a:schemeClr val="bg1"/>
                 </a:solidFill>
@@ -9793,7 +9806,7 @@
               <a:t>   </a:t>
             </a:r>
             <a:r>
-              <a:rPr lang="en-US" b="1" dirty="0" err="1" smtClean="0">
+              <a:rPr lang="en-US" sz="2000" b="1" dirty="0" err="1" smtClean="0">
                 <a:solidFill>
                   <a:schemeClr val="bg1"/>
                 </a:solidFill>
@@ -9803,7 +9816,7 @@
               <a:t>this.destroy</a:t>
             </a:r>
             <a:r>
-              <a:rPr lang="en-US" b="1" dirty="0" smtClean="0">
+              <a:rPr lang="en-US" sz="2000" b="1" dirty="0" smtClean="0">
                 <a:solidFill>
                   <a:schemeClr val="bg1"/>
                 </a:solidFill>
@@ -9812,7 +9825,7 @@
               </a:rPr>
               <a:t>();</a:t>
             </a:r>
-            <a:endParaRPr lang="en-US" b="1" dirty="0">
+            <a:endParaRPr lang="en-US" sz="2000" b="1" dirty="0">
               <a:solidFill>
                 <a:schemeClr val="bg1"/>
               </a:solidFill>
@@ -9822,7 +9835,7 @@
           </a:p>
           <a:p>
             <a:r>
-              <a:rPr lang="en-US" b="1" dirty="0">
+              <a:rPr lang="en-US" sz="2000" b="1" dirty="0">
                 <a:solidFill>
                   <a:schemeClr val="bg1"/>
                 </a:solidFill>
@@ -9833,7 +9846,7 @@
             </a:r>
           </a:p>
           <a:p>
-            <a:endParaRPr lang="en-US" b="1" dirty="0">
+            <a:endParaRPr lang="en-US" sz="2000" b="1" dirty="0">
               <a:solidFill>
                 <a:schemeClr val="bg1"/>
               </a:solidFill>
@@ -9843,7 +9856,7 @@
           </a:p>
           <a:p>
             <a:r>
-              <a:rPr lang="en-US" b="1" dirty="0" err="1">
+              <a:rPr lang="en-US" sz="2000" b="1" dirty="0" err="1">
                 <a:solidFill>
                   <a:srgbClr val="66D9EF"/>
                 </a:solidFill>
@@ -9853,7 +9866,7 @@
               <a:t>s</a:t>
             </a:r>
             <a:r>
-              <a:rPr lang="en-US" b="1" dirty="0" err="1">
+              <a:rPr lang="en-US" sz="2000" b="1" dirty="0" err="1">
                 <a:solidFill>
                   <a:schemeClr val="bg1"/>
                 </a:solidFill>
@@ -9863,7 +9876,7 @@
               <a:t>.</a:t>
             </a:r>
             <a:r>
-              <a:rPr lang="en-US" b="1" dirty="0" err="1">
+              <a:rPr lang="en-US" sz="2000" b="1" dirty="0" err="1">
                 <a:solidFill>
                   <a:srgbClr val="A6E22E"/>
                 </a:solidFill>
@@ -9873,7 +9886,7 @@
               <a:t>destroy</a:t>
             </a:r>
             <a:r>
-              <a:rPr lang="en-US" b="1" dirty="0">
+              <a:rPr lang="en-US" sz="2000" b="1" dirty="0">
                 <a:solidFill>
                   <a:schemeClr val="bg1"/>
                 </a:solidFill>
@@ -9883,7 +9896,7 @@
               <a:t> = </a:t>
             </a:r>
             <a:r>
-              <a:rPr lang="en-US" b="1" dirty="0">
+              <a:rPr lang="en-US" sz="2000" b="1" dirty="0">
                 <a:solidFill>
                   <a:srgbClr val="66D9EF"/>
                 </a:solidFill>
@@ -9893,7 +9906,7 @@
               <a:t>function</a:t>
             </a:r>
             <a:r>
-              <a:rPr lang="en-US" b="1" dirty="0">
+              <a:rPr lang="en-US" sz="2000" b="1" dirty="0">
                 <a:solidFill>
                   <a:schemeClr val="bg1"/>
                 </a:solidFill>
@@ -9905,7 +9918,7 @@
           </a:p>
           <a:p>
             <a:r>
-              <a:rPr lang="en-US" b="1" dirty="0">
+              <a:rPr lang="en-US" sz="2000" b="1" dirty="0">
                 <a:solidFill>
                   <a:schemeClr val="bg1"/>
                 </a:solidFill>
@@ -9915,7 +9928,7 @@
               <a:t>    </a:t>
             </a:r>
             <a:r>
-              <a:rPr lang="en-US" b="1" dirty="0" err="1">
+              <a:rPr lang="en-US" sz="2000" b="1" dirty="0" err="1">
                 <a:solidFill>
                   <a:schemeClr val="bg1"/>
                 </a:solidFill>
@@ -9925,7 +9938,7 @@
               <a:t>this.writable</a:t>
             </a:r>
             <a:r>
-              <a:rPr lang="en-US" b="1" dirty="0">
+              <a:rPr lang="en-US" sz="2000" b="1" dirty="0">
                 <a:solidFill>
                   <a:schemeClr val="bg1"/>
                 </a:solidFill>
@@ -9935,7 +9948,7 @@
               <a:t> = </a:t>
             </a:r>
             <a:r>
-              <a:rPr lang="en-US" b="1" dirty="0">
+              <a:rPr lang="en-US" sz="2000" b="1" dirty="0">
                 <a:solidFill>
                   <a:srgbClr val="AE81FF"/>
                 </a:solidFill>
@@ -9945,7 +9958,7 @@
               <a:t>false</a:t>
             </a:r>
             <a:r>
-              <a:rPr lang="en-US" b="1" dirty="0">
+              <a:rPr lang="en-US" sz="2000" b="1" dirty="0">
                 <a:solidFill>
                   <a:schemeClr val="bg1"/>
                 </a:solidFill>
@@ -9957,7 +9970,7 @@
           </a:p>
           <a:p>
             <a:r>
-              <a:rPr lang="en-US" b="1" dirty="0">
+              <a:rPr lang="en-US" sz="2000" b="1" dirty="0">
                 <a:solidFill>
                   <a:schemeClr val="bg1"/>
                 </a:solidFill>
@@ -10997,7 +11010,7 @@
         <p:spPr>
           <a:xfrm>
             <a:off x="609600" y="4267200"/>
-            <a:ext cx="7924800" cy="553998"/>
+            <a:ext cx="7924800" cy="461665"/>
           </a:xfrm>
           <a:prstGeom prst="rect">
             <a:avLst/>
@@ -11012,11 +11025,11 @@
           <a:p>
             <a:pPr algn="ctr"/>
             <a:r>
-              <a:rPr lang="en-US" sz="3000" dirty="0" smtClean="0">
-                <a:solidFill>
-                  <a:schemeClr val="bg1"/>
-                </a:solidFill>
-                <a:latin typeface="Consolas" pitchFamily="49" charset="0"/>
+              <a:rPr lang="en-US" sz="2400" dirty="0" smtClean="0">
+                <a:solidFill>
+                  <a:schemeClr val="bg1"/>
+                </a:solidFill>
+                <a:latin typeface="Lucida Console" panose="020B0609040504020204" pitchFamily="49" charset="0"/>
               </a:rPr>
               <a:t>stream1.pipe(stream2).pipe(stream1);</a:t>
             </a:r>
@@ -11349,12 +11362,27 @@
   <p:clrMapOvr>
     <a:masterClrMapping/>
   </p:clrMapOvr>
+  <p:timing>
+    <p:tnLst>
+      <p:par>
+        <p:cTn id="1" dur="indefinite" restart="never" nodeType="tmRoot"/>
+      </p:par>
+    </p:tnLst>
+  </p:timing>
 </p:sld>
 </file>
 
 <file path=ppt/slides/slide25.xml><?xml version="1.0" encoding="utf-8"?>
 <p:sld xmlns:a="http://schemas.openxmlformats.org/drawingml/2006/main" xmlns:r="http://schemas.openxmlformats.org/officeDocument/2006/relationships" xmlns:p="http://schemas.openxmlformats.org/presentationml/2006/main">
   <p:cSld>
+    <p:bg>
+      <p:bgPr>
+        <a:solidFill>
+          <a:schemeClr val="tx1"/>
+        </a:solidFill>
+        <a:effectLst/>
+      </p:bgPr>
+    </p:bg>
     <p:spTree>
       <p:nvGrpSpPr>
         <p:cNvPr id="1" name=""/>
@@ -11369,6 +11397,30 @@
           <a:chExt cx="0" cy="0"/>
         </a:xfrm>
       </p:grpSpPr>
+      <p:pic>
+        <p:nvPicPr>
+          <p:cNvPr id="6" name="Picture 5"/>
+          <p:cNvPicPr>
+            <a:picLocks noChangeAspect="1"/>
+          </p:cNvPicPr>
+          <p:nvPr/>
+        </p:nvPicPr>
+        <p:blipFill>
+          <a:blip r:embed="rId2" cstate="print"/>
+          <a:stretch>
+            <a:fillRect/>
+          </a:stretch>
+        </p:blipFill>
+        <p:spPr>
+          <a:xfrm>
+            <a:off x="10886" y="0"/>
+            <a:ext cx="2781300" cy="2257425"/>
+          </a:xfrm>
+          <a:prstGeom prst="rect">
+            <a:avLst/>
+          </a:prstGeom>
+        </p:spPr>
+      </p:pic>
       <p:sp>
         <p:nvSpPr>
           <p:cNvPr id="2" name="Title 1"/>
@@ -11381,105 +11433,292 @@
         </p:nvSpPr>
         <p:spPr/>
         <p:txBody>
-          <a:bodyPr/>
+          <a:bodyPr>
+            <a:normAutofit fontScale="90000"/>
+          </a:bodyPr>
           <a:lstStyle/>
           <a:p>
-            <a:r>
-              <a:rPr lang="en-US" dirty="0" smtClean="0"/>
-              <a:t>Complex Event Processing</a:t>
-            </a:r>
-            <a:endParaRPr lang="en-US" dirty="0"/>
-          </a:p>
-        </p:txBody>
-      </p:sp>
-      <p:sp>
-        <p:nvSpPr>
-          <p:cNvPr id="3" name="Content Placeholder 2"/>
-          <p:cNvSpPr>
-            <a:spLocks noGrp="1"/>
-          </p:cNvSpPr>
-          <p:nvPr>
-            <p:ph idx="1"/>
-          </p:nvPr>
-        </p:nvSpPr>
-        <p:spPr/>
-        <p:txBody>
-          <a:bodyPr/>
+            <a:pPr algn="r"/>
+            <a:r>
+              <a:rPr lang="en-US" dirty="0" smtClean="0">
+                <a:solidFill>
+                  <a:schemeClr val="bg1"/>
+                </a:solidFill>
+                <a:latin typeface="Proxima Nova Rg" panose="02000506030000020004" pitchFamily="2" charset="0"/>
+              </a:rPr>
+              <a:t>Distributed </a:t>
+            </a:r>
+            <a:r>
+              <a:rPr lang="en-US" dirty="0" smtClean="0">
+                <a:solidFill>
+                  <a:schemeClr val="bg1"/>
+                </a:solidFill>
+                <a:latin typeface="Proxima Nova Rg" panose="02000506030000020004" pitchFamily="2" charset="0"/>
+              </a:rPr>
+              <a:t>Streams</a:t>
+            </a:r>
+            <a:br>
+              <a:rPr lang="en-US" dirty="0" smtClean="0">
+                <a:solidFill>
+                  <a:schemeClr val="bg1"/>
+                </a:solidFill>
+                <a:latin typeface="Proxima Nova Rg" panose="02000506030000020004" pitchFamily="2" charset="0"/>
+              </a:rPr>
+            </a:br>
+            <a:r>
+              <a:rPr lang="en-US" sz="3600" dirty="0" smtClean="0">
+                <a:solidFill>
+                  <a:schemeClr val="bg1"/>
+                </a:solidFill>
+                <a:latin typeface="Proxima Nova Rg" panose="02000506030000020004" pitchFamily="2" charset="0"/>
+              </a:rPr>
+              <a:t>with Scuttlebutt</a:t>
+            </a:r>
+            <a:endParaRPr lang="en-US" sz="3600" dirty="0">
+              <a:solidFill>
+                <a:schemeClr val="bg1"/>
+              </a:solidFill>
+              <a:latin typeface="Proxima Nova Rg" panose="02000506030000020004" pitchFamily="2" charset="0"/>
+            </a:endParaRPr>
+          </a:p>
+        </p:txBody>
+      </p:sp>
+      <p:sp>
+        <p:nvSpPr>
+          <p:cNvPr id="4" name="TextBox 3"/>
+          <p:cNvSpPr txBox="1"/>
+          <p:nvPr/>
+        </p:nvSpPr>
+        <p:spPr>
+          <a:xfrm>
+            <a:off x="457200" y="1600200"/>
+            <a:ext cx="8229600" cy="4524315"/>
+          </a:xfrm>
+          <a:prstGeom prst="rect">
+            <a:avLst/>
+          </a:prstGeom>
+          <a:noFill/>
+        </p:spPr>
+        <p:txBody>
+          <a:bodyPr wrap="square" rtlCol="0">
+            <a:spAutoFit/>
+          </a:bodyPr>
           <a:lstStyle/>
           <a:p>
-            <a:endParaRPr lang="en-US"/>
-          </a:p>
-        </p:txBody>
-      </p:sp>
-    </p:spTree>
-    <p:extLst>
-      <p:ext uri="{BB962C8B-B14F-4D97-AF65-F5344CB8AC3E}">
-        <p14:creationId xmlns:p14="http://schemas.microsoft.com/office/powerpoint/2010/main" val="3328053085"/>
-      </p:ext>
-    </p:extLst>
-  </p:cSld>
-  <p:clrMapOvr>
-    <a:masterClrMapping/>
-  </p:clrMapOvr>
-</p:sld>
-</file>
-
-<file path=ppt/slides/slide26.xml><?xml version="1.0" encoding="utf-8"?>
-<p:sld xmlns:a="http://schemas.openxmlformats.org/drawingml/2006/main" xmlns:r="http://schemas.openxmlformats.org/officeDocument/2006/relationships" xmlns:p="http://schemas.openxmlformats.org/presentationml/2006/main">
-  <p:cSld>
-    <p:spTree>
-      <p:nvGrpSpPr>
-        <p:cNvPr id="1" name=""/>
-        <p:cNvGrpSpPr/>
-        <p:nvPr/>
-      </p:nvGrpSpPr>
-      <p:grpSpPr>
-        <a:xfrm>
-          <a:off x="0" y="0"/>
-          <a:ext cx="0" cy="0"/>
-          <a:chOff x="0" y="0"/>
-          <a:chExt cx="0" cy="0"/>
-        </a:xfrm>
-      </p:grpSpPr>
-      <p:sp>
-        <p:nvSpPr>
-          <p:cNvPr id="2" name="Title 1"/>
-          <p:cNvSpPr>
-            <a:spLocks noGrp="1"/>
-          </p:cNvSpPr>
-          <p:nvPr>
-            <p:ph type="title"/>
-          </p:nvPr>
-        </p:nvSpPr>
-        <p:spPr/>
-        <p:txBody>
-          <a:bodyPr/>
-          <a:lstStyle/>
-          <a:p>
-            <a:r>
-              <a:rPr lang="en-US" dirty="0" smtClean="0"/>
-              <a:t>Distributed Streams</a:t>
-            </a:r>
-            <a:endParaRPr lang="en-US" dirty="0"/>
-          </a:p>
-        </p:txBody>
-      </p:sp>
-      <p:sp>
-        <p:nvSpPr>
-          <p:cNvPr id="3" name="Content Placeholder 2"/>
-          <p:cNvSpPr>
-            <a:spLocks noGrp="1"/>
-          </p:cNvSpPr>
-          <p:nvPr>
-            <p:ph idx="1"/>
-          </p:nvPr>
-        </p:nvSpPr>
-        <p:spPr/>
-        <p:txBody>
-          <a:bodyPr/>
-          <a:lstStyle/>
-          <a:p>
-            <a:endParaRPr lang="en-US"/>
+            <a:endParaRPr lang="en-US" sz="2400" dirty="0">
+              <a:solidFill>
+                <a:schemeClr val="bg1"/>
+              </a:solidFill>
+              <a:latin typeface="Lucida Console" panose="020B0609040504020204" pitchFamily="49" charset="0"/>
+            </a:endParaRPr>
+          </a:p>
+          <a:p>
+            <a:r>
+              <a:rPr lang="en-US" sz="2400" dirty="0" err="1">
+                <a:solidFill>
+                  <a:schemeClr val="bg1"/>
+                </a:solidFill>
+                <a:latin typeface="Lucida Console" panose="020B0609040504020204" pitchFamily="49" charset="0"/>
+              </a:rPr>
+              <a:t>var</a:t>
+            </a:r>
+            <a:r>
+              <a:rPr lang="en-US" sz="2400" dirty="0">
+                <a:solidFill>
+                  <a:schemeClr val="bg1"/>
+                </a:solidFill>
+                <a:latin typeface="Lucida Console" panose="020B0609040504020204" pitchFamily="49" charset="0"/>
+              </a:rPr>
+              <a:t> Model = require('scuttlebutt/model')</a:t>
+            </a:r>
+          </a:p>
+          <a:p>
+            <a:endParaRPr lang="en-US" sz="2400" dirty="0">
+              <a:solidFill>
+                <a:schemeClr val="bg1"/>
+              </a:solidFill>
+              <a:latin typeface="Lucida Console" panose="020B0609040504020204" pitchFamily="49" charset="0"/>
+            </a:endParaRPr>
+          </a:p>
+          <a:p>
+            <a:r>
+              <a:rPr lang="en-US" sz="2400" dirty="0" err="1">
+                <a:solidFill>
+                  <a:schemeClr val="bg1"/>
+                </a:solidFill>
+                <a:latin typeface="Lucida Console" panose="020B0609040504020204" pitchFamily="49" charset="0"/>
+              </a:rPr>
+              <a:t>var</a:t>
+            </a:r>
+            <a:r>
+              <a:rPr lang="en-US" sz="2400" dirty="0">
+                <a:solidFill>
+                  <a:schemeClr val="bg1"/>
+                </a:solidFill>
+                <a:latin typeface="Lucida Console" panose="020B0609040504020204" pitchFamily="49" charset="0"/>
+              </a:rPr>
+              <a:t> a = new Model()</a:t>
+            </a:r>
+          </a:p>
+          <a:p>
+            <a:r>
+              <a:rPr lang="en-US" sz="2400" dirty="0" err="1">
+                <a:solidFill>
+                  <a:schemeClr val="bg1"/>
+                </a:solidFill>
+                <a:latin typeface="Lucida Console" panose="020B0609040504020204" pitchFamily="49" charset="0"/>
+              </a:rPr>
+              <a:t>var</a:t>
+            </a:r>
+            <a:r>
+              <a:rPr lang="en-US" sz="2400" dirty="0">
+                <a:solidFill>
+                  <a:schemeClr val="bg1"/>
+                </a:solidFill>
+                <a:latin typeface="Lucida Console" panose="020B0609040504020204" pitchFamily="49" charset="0"/>
+              </a:rPr>
+              <a:t> b = new Model()</a:t>
+            </a:r>
+          </a:p>
+          <a:p>
+            <a:endParaRPr lang="en-US" sz="2400" dirty="0">
+              <a:solidFill>
+                <a:schemeClr val="bg1"/>
+              </a:solidFill>
+              <a:latin typeface="Lucida Console" panose="020B0609040504020204" pitchFamily="49" charset="0"/>
+            </a:endParaRPr>
+          </a:p>
+          <a:p>
+            <a:r>
+              <a:rPr lang="en-US" sz="2400" dirty="0" err="1">
+                <a:solidFill>
+                  <a:schemeClr val="bg1"/>
+                </a:solidFill>
+                <a:latin typeface="Lucida Console" panose="020B0609040504020204" pitchFamily="49" charset="0"/>
+              </a:rPr>
+              <a:t>a.set</a:t>
+            </a:r>
+            <a:r>
+              <a:rPr lang="en-US" sz="2400" dirty="0">
+                <a:solidFill>
+                  <a:schemeClr val="bg1"/>
+                </a:solidFill>
+                <a:latin typeface="Lucida Console" panose="020B0609040504020204" pitchFamily="49" charset="0"/>
+              </a:rPr>
+              <a:t>(key, value)</a:t>
+            </a:r>
+          </a:p>
+          <a:p>
+            <a:endParaRPr lang="en-US" sz="2400" dirty="0">
+              <a:solidFill>
+                <a:schemeClr val="bg1"/>
+              </a:solidFill>
+              <a:latin typeface="Lucida Console" panose="020B0609040504020204" pitchFamily="49" charset="0"/>
+            </a:endParaRPr>
+          </a:p>
+          <a:p>
+            <a:r>
+              <a:rPr lang="en-US" sz="2400" dirty="0" err="1">
+                <a:solidFill>
+                  <a:schemeClr val="bg1"/>
+                </a:solidFill>
+                <a:latin typeface="Lucida Console" panose="020B0609040504020204" pitchFamily="49" charset="0"/>
+              </a:rPr>
+              <a:t>b.on</a:t>
+            </a:r>
+            <a:r>
+              <a:rPr lang="en-US" sz="2400" dirty="0">
+                <a:solidFill>
+                  <a:schemeClr val="bg1"/>
+                </a:solidFill>
+                <a:latin typeface="Lucida Console" panose="020B0609040504020204" pitchFamily="49" charset="0"/>
+              </a:rPr>
+              <a:t>('update', console.log)</a:t>
+            </a:r>
+          </a:p>
+          <a:p>
+            <a:endParaRPr lang="en-US" sz="2400" dirty="0">
+              <a:solidFill>
+                <a:schemeClr val="bg1"/>
+              </a:solidFill>
+              <a:latin typeface="Lucida Console" panose="020B0609040504020204" pitchFamily="49" charset="0"/>
+            </a:endParaRPr>
+          </a:p>
+          <a:p>
+            <a:r>
+              <a:rPr lang="en-US" sz="2400" dirty="0" err="1">
+                <a:solidFill>
+                  <a:schemeClr val="bg1"/>
+                </a:solidFill>
+                <a:latin typeface="Lucida Console" panose="020B0609040504020204" pitchFamily="49" charset="0"/>
+              </a:rPr>
+              <a:t>var</a:t>
+            </a:r>
+            <a:r>
+              <a:rPr lang="en-US" sz="2400" dirty="0">
+                <a:solidFill>
+                  <a:schemeClr val="bg1"/>
+                </a:solidFill>
+                <a:latin typeface="Lucida Console" panose="020B0609040504020204" pitchFamily="49" charset="0"/>
+              </a:rPr>
+              <a:t> s = </a:t>
+            </a:r>
+            <a:r>
+              <a:rPr lang="en-US" sz="2400" dirty="0" err="1">
+                <a:solidFill>
+                  <a:schemeClr val="bg1"/>
+                </a:solidFill>
+                <a:latin typeface="Lucida Console" panose="020B0609040504020204" pitchFamily="49" charset="0"/>
+              </a:rPr>
+              <a:t>a.createStream</a:t>
+            </a:r>
+            <a:r>
+              <a:rPr lang="en-US" sz="2400" dirty="0">
+                <a:solidFill>
+                  <a:schemeClr val="bg1"/>
+                </a:solidFill>
+                <a:latin typeface="Lucida Console" panose="020B0609040504020204" pitchFamily="49" charset="0"/>
+              </a:rPr>
+              <a:t>()</a:t>
+            </a:r>
+          </a:p>
+          <a:p>
+            <a:r>
+              <a:rPr lang="en-US" sz="2400" dirty="0" err="1">
+                <a:solidFill>
+                  <a:schemeClr val="bg1"/>
+                </a:solidFill>
+                <a:latin typeface="Lucida Console" panose="020B0609040504020204" pitchFamily="49" charset="0"/>
+              </a:rPr>
+              <a:t>s.pipe</a:t>
+            </a:r>
+            <a:r>
+              <a:rPr lang="en-US" sz="2400" dirty="0">
+                <a:solidFill>
+                  <a:schemeClr val="bg1"/>
+                </a:solidFill>
+                <a:latin typeface="Lucida Console" panose="020B0609040504020204" pitchFamily="49" charset="0"/>
+              </a:rPr>
+              <a:t>(</a:t>
+            </a:r>
+            <a:r>
+              <a:rPr lang="en-US" sz="2400" dirty="0" err="1">
+                <a:solidFill>
+                  <a:schemeClr val="bg1"/>
+                </a:solidFill>
+                <a:latin typeface="Lucida Console" panose="020B0609040504020204" pitchFamily="49" charset="0"/>
+              </a:rPr>
+              <a:t>b.createStream</a:t>
+            </a:r>
+            <a:r>
+              <a:rPr lang="en-US" sz="2400" dirty="0">
+                <a:solidFill>
+                  <a:schemeClr val="bg1"/>
+                </a:solidFill>
+                <a:latin typeface="Lucida Console" panose="020B0609040504020204" pitchFamily="49" charset="0"/>
+              </a:rPr>
+              <a:t>()).pipe(s)</a:t>
+            </a:r>
           </a:p>
         </p:txBody>
       </p:sp>
@@ -11493,10 +11732,17 @@
   <p:clrMapOvr>
     <a:masterClrMapping/>
   </p:clrMapOvr>
+  <p:timing>
+    <p:tnLst>
+      <p:par>
+        <p:cTn id="1" dur="indefinite" restart="never" nodeType="tmRoot"/>
+      </p:par>
+    </p:tnLst>
+  </p:timing>
 </p:sld>
 </file>
 
-<file path=ppt/slides/slide27.xml><?xml version="1.0" encoding="utf-8"?>
+<file path=ppt/slides/slide26.xml><?xml version="1.0" encoding="utf-8"?>
 <p:sld xmlns:a="http://schemas.openxmlformats.org/drawingml/2006/main" xmlns:r="http://schemas.openxmlformats.org/officeDocument/2006/relationships" xmlns:p="http://schemas.openxmlformats.org/presentationml/2006/main">
   <p:cSld>
     <p:bg>
@@ -11648,10 +11894,17 @@
   <p:clrMapOvr>
     <a:masterClrMapping/>
   </p:clrMapOvr>
+  <p:timing>
+    <p:tnLst>
+      <p:par>
+        <p:cTn id="1" dur="indefinite" restart="never" nodeType="tmRoot"/>
+      </p:par>
+    </p:tnLst>
+  </p:timing>
 </p:sld>
 </file>
 
-<file path=ppt/slides/slide28.xml><?xml version="1.0" encoding="utf-8"?>
+<file path=ppt/slides/slide27.xml><?xml version="1.0" encoding="utf-8"?>
 <p:sld xmlns:a="http://schemas.openxmlformats.org/drawingml/2006/main" xmlns:r="http://schemas.openxmlformats.org/officeDocument/2006/relationships" xmlns:p="http://schemas.openxmlformats.org/presentationml/2006/main">
   <p:cSld>
     <p:bg>
@@ -11976,10 +12229,17 @@
   <p:clrMapOvr>
     <a:masterClrMapping/>
   </p:clrMapOvr>
+  <p:timing>
+    <p:tnLst>
+      <p:par>
+        <p:cTn id="1" dur="indefinite" restart="never" nodeType="tmRoot"/>
+      </p:par>
+    </p:tnLst>
+  </p:timing>
 </p:sld>
 </file>
 
-<file path=ppt/slides/slide29.xml><?xml version="1.0" encoding="utf-8"?>
+<file path=ppt/slides/slide28.xml><?xml version="1.0" encoding="utf-8"?>
 <p:sld xmlns:a="http://schemas.openxmlformats.org/drawingml/2006/main" xmlns:r="http://schemas.openxmlformats.org/officeDocument/2006/relationships" xmlns:p="http://schemas.openxmlformats.org/presentationml/2006/main">
   <p:cSld>
     <p:bg>
@@ -12368,6 +12628,144 @@
     <p:extLst>
       <p:ext uri="{BB962C8B-B14F-4D97-AF65-F5344CB8AC3E}">
         <p14:creationId xmlns:p14="http://schemas.microsoft.com/office/powerpoint/2010/main" val="3655590222"/>
+      </p:ext>
+    </p:extLst>
+  </p:cSld>
+  <p:clrMapOvr>
+    <a:masterClrMapping/>
+  </p:clrMapOvr>
+</p:sld>
+</file>
+
+<file path=ppt/slides/slide29.xml><?xml version="1.0" encoding="utf-8"?>
+<p:sld xmlns:a="http://schemas.openxmlformats.org/drawingml/2006/main" xmlns:r="http://schemas.openxmlformats.org/officeDocument/2006/relationships" xmlns:p="http://schemas.openxmlformats.org/presentationml/2006/main">
+  <p:cSld>
+    <p:bg>
+      <p:bgPr>
+        <a:solidFill>
+          <a:schemeClr val="tx1"/>
+        </a:solidFill>
+        <a:effectLst/>
+      </p:bgPr>
+    </p:bg>
+    <p:spTree>
+      <p:nvGrpSpPr>
+        <p:cNvPr id="1" name=""/>
+        <p:cNvGrpSpPr/>
+        <p:nvPr/>
+      </p:nvGrpSpPr>
+      <p:grpSpPr>
+        <a:xfrm>
+          <a:off x="0" y="0"/>
+          <a:ext cx="0" cy="0"/>
+          <a:chOff x="0" y="0"/>
+          <a:chExt cx="0" cy="0"/>
+        </a:xfrm>
+      </p:grpSpPr>
+      <p:sp>
+        <p:nvSpPr>
+          <p:cNvPr id="4" name="TextBox 3"/>
+          <p:cNvSpPr txBox="1"/>
+          <p:nvPr/>
+        </p:nvSpPr>
+        <p:spPr>
+          <a:xfrm>
+            <a:off x="762000" y="2766536"/>
+            <a:ext cx="7543800" cy="738664"/>
+          </a:xfrm>
+          <a:prstGeom prst="rect">
+            <a:avLst/>
+          </a:prstGeom>
+          <a:noFill/>
+        </p:spPr>
+        <p:txBody>
+          <a:bodyPr wrap="square" rtlCol="0">
+            <a:spAutoFit/>
+          </a:bodyPr>
+          <a:lstStyle/>
+          <a:p>
+            <a:pPr algn="ctr"/>
+            <a:r>
+              <a:rPr lang="en-US" sz="4200" dirty="0" smtClean="0">
+                <a:solidFill>
+                  <a:schemeClr val="bg1"/>
+                </a:solidFill>
+                <a:latin typeface="Proxima Nova Rg" panose="02000506030000020004" pitchFamily="2" charset="0"/>
+              </a:rPr>
+              <a:t>Stream Handbook</a:t>
+            </a:r>
+            <a:endParaRPr lang="en-US" sz="4200" dirty="0">
+              <a:solidFill>
+                <a:schemeClr val="bg1"/>
+              </a:solidFill>
+              <a:latin typeface="Proxima Nova Rg" panose="02000506030000020004" pitchFamily="2" charset="0"/>
+            </a:endParaRPr>
+          </a:p>
+        </p:txBody>
+      </p:sp>
+      <p:sp>
+        <p:nvSpPr>
+          <p:cNvPr id="5" name="TextBox 4"/>
+          <p:cNvSpPr txBox="1"/>
+          <p:nvPr/>
+        </p:nvSpPr>
+        <p:spPr>
+          <a:xfrm>
+            <a:off x="762000" y="3505200"/>
+            <a:ext cx="7543800" cy="461665"/>
+          </a:xfrm>
+          <a:prstGeom prst="rect">
+            <a:avLst/>
+          </a:prstGeom>
+          <a:noFill/>
+        </p:spPr>
+        <p:txBody>
+          <a:bodyPr wrap="square" rtlCol="0">
+            <a:spAutoFit/>
+          </a:bodyPr>
+          <a:lstStyle/>
+          <a:p>
+            <a:pPr algn="ctr"/>
+            <a:r>
+              <a:rPr lang="en-US" sz="2400" u="sng" dirty="0">
+                <a:solidFill>
+                  <a:schemeClr val="bg1"/>
+                </a:solidFill>
+                <a:latin typeface="Proxima Nova Rg" panose="02000506030000020004" pitchFamily="50" charset="0"/>
+              </a:rPr>
+              <a:t>https://github.com/substack/stream-handbook</a:t>
+            </a:r>
+          </a:p>
+        </p:txBody>
+      </p:sp>
+      <p:pic>
+        <p:nvPicPr>
+          <p:cNvPr id="6" name="Picture 5"/>
+          <p:cNvPicPr>
+            <a:picLocks noChangeAspect="1"/>
+          </p:cNvPicPr>
+          <p:nvPr/>
+        </p:nvPicPr>
+        <p:blipFill>
+          <a:blip r:embed="rId2" cstate="print"/>
+          <a:stretch>
+            <a:fillRect/>
+          </a:stretch>
+        </p:blipFill>
+        <p:spPr>
+          <a:xfrm>
+            <a:off x="0" y="0"/>
+            <a:ext cx="2781300" cy="2257425"/>
+          </a:xfrm>
+          <a:prstGeom prst="rect">
+            <a:avLst/>
+          </a:prstGeom>
+        </p:spPr>
+      </p:pic>
+    </p:spTree>
+    <p:extLst>
+      <p:ext uri="{BB962C8B-B14F-4D97-AF65-F5344CB8AC3E}">
+        <p14:creationId xmlns:p14="http://schemas.microsoft.com/office/powerpoint/2010/main" val="3335521030"/>
       </p:ext>
     </p:extLst>
   </p:cSld>
@@ -12546,144 +12944,6 @@
           <a:chExt cx="0" cy="0"/>
         </a:xfrm>
       </p:grpSpPr>
-      <p:sp>
-        <p:nvSpPr>
-          <p:cNvPr id="4" name="TextBox 3"/>
-          <p:cNvSpPr txBox="1"/>
-          <p:nvPr/>
-        </p:nvSpPr>
-        <p:spPr>
-          <a:xfrm>
-            <a:off x="762000" y="2766536"/>
-            <a:ext cx="7543800" cy="738664"/>
-          </a:xfrm>
-          <a:prstGeom prst="rect">
-            <a:avLst/>
-          </a:prstGeom>
-          <a:noFill/>
-        </p:spPr>
-        <p:txBody>
-          <a:bodyPr wrap="square" rtlCol="0">
-            <a:spAutoFit/>
-          </a:bodyPr>
-          <a:lstStyle/>
-          <a:p>
-            <a:pPr algn="ctr"/>
-            <a:r>
-              <a:rPr lang="en-US" sz="4200" dirty="0" smtClean="0">
-                <a:solidFill>
-                  <a:schemeClr val="bg1"/>
-                </a:solidFill>
-                <a:latin typeface="Proxima Nova Rg" panose="02000506030000020004" pitchFamily="2" charset="0"/>
-              </a:rPr>
-              <a:t>Stream Handbook</a:t>
-            </a:r>
-            <a:endParaRPr lang="en-US" sz="4200" dirty="0">
-              <a:solidFill>
-                <a:schemeClr val="bg1"/>
-              </a:solidFill>
-              <a:latin typeface="Proxima Nova Rg" panose="02000506030000020004" pitchFamily="2" charset="0"/>
-            </a:endParaRPr>
-          </a:p>
-        </p:txBody>
-      </p:sp>
-      <p:sp>
-        <p:nvSpPr>
-          <p:cNvPr id="5" name="TextBox 4"/>
-          <p:cNvSpPr txBox="1"/>
-          <p:nvPr/>
-        </p:nvSpPr>
-        <p:spPr>
-          <a:xfrm>
-            <a:off x="762000" y="3505200"/>
-            <a:ext cx="7543800" cy="461665"/>
-          </a:xfrm>
-          <a:prstGeom prst="rect">
-            <a:avLst/>
-          </a:prstGeom>
-          <a:noFill/>
-        </p:spPr>
-        <p:txBody>
-          <a:bodyPr wrap="square" rtlCol="0">
-            <a:spAutoFit/>
-          </a:bodyPr>
-          <a:lstStyle/>
-          <a:p>
-            <a:pPr algn="ctr"/>
-            <a:r>
-              <a:rPr lang="en-US" sz="2400" u="sng" dirty="0">
-                <a:solidFill>
-                  <a:schemeClr val="bg1"/>
-                </a:solidFill>
-                <a:latin typeface="Proxima Nova Rg" panose="02000506030000020004" pitchFamily="50" charset="0"/>
-              </a:rPr>
-              <a:t>https://github.com/substack/stream-handbook</a:t>
-            </a:r>
-          </a:p>
-        </p:txBody>
-      </p:sp>
-      <p:pic>
-        <p:nvPicPr>
-          <p:cNvPr id="6" name="Picture 5"/>
-          <p:cNvPicPr>
-            <a:picLocks noChangeAspect="1"/>
-          </p:cNvPicPr>
-          <p:nvPr/>
-        </p:nvPicPr>
-        <p:blipFill>
-          <a:blip r:embed="rId2" cstate="print"/>
-          <a:stretch>
-            <a:fillRect/>
-          </a:stretch>
-        </p:blipFill>
-        <p:spPr>
-          <a:xfrm>
-            <a:off x="0" y="0"/>
-            <a:ext cx="2781300" cy="2257425"/>
-          </a:xfrm>
-          <a:prstGeom prst="rect">
-            <a:avLst/>
-          </a:prstGeom>
-        </p:spPr>
-      </p:pic>
-    </p:spTree>
-    <p:extLst>
-      <p:ext uri="{BB962C8B-B14F-4D97-AF65-F5344CB8AC3E}">
-        <p14:creationId xmlns:p14="http://schemas.microsoft.com/office/powerpoint/2010/main" val="3335521030"/>
-      </p:ext>
-    </p:extLst>
-  </p:cSld>
-  <p:clrMapOvr>
-    <a:masterClrMapping/>
-  </p:clrMapOvr>
-</p:sld>
-</file>
-
-<file path=ppt/slides/slide31.xml><?xml version="1.0" encoding="utf-8"?>
-<p:sld xmlns:a="http://schemas.openxmlformats.org/drawingml/2006/main" xmlns:r="http://schemas.openxmlformats.org/officeDocument/2006/relationships" xmlns:p="http://schemas.openxmlformats.org/presentationml/2006/main">
-  <p:cSld>
-    <p:bg>
-      <p:bgPr>
-        <a:solidFill>
-          <a:schemeClr val="tx1"/>
-        </a:solidFill>
-        <a:effectLst/>
-      </p:bgPr>
-    </p:bg>
-    <p:spTree>
-      <p:nvGrpSpPr>
-        <p:cNvPr id="1" name=""/>
-        <p:cNvGrpSpPr/>
-        <p:nvPr/>
-      </p:nvGrpSpPr>
-      <p:grpSpPr>
-        <a:xfrm>
-          <a:off x="0" y="0"/>
-          <a:ext cx="0" cy="0"/>
-          <a:chOff x="0" y="0"/>
-          <a:chExt cx="0" cy="0"/>
-        </a:xfrm>
-      </p:grpSpPr>
       <p:pic>
         <p:nvPicPr>
           <p:cNvPr id="4" name="Picture 3"/>
@@ -12858,7 +13118,7 @@
 </p:sld>
 </file>
 
-<file path=ppt/slides/slide32.xml><?xml version="1.0" encoding="utf-8"?>
+<file path=ppt/slides/slide31.xml><?xml version="1.0" encoding="utf-8"?>
 <p:sld xmlns:a="http://schemas.openxmlformats.org/drawingml/2006/main" xmlns:r="http://schemas.openxmlformats.org/officeDocument/2006/relationships" xmlns:p="http://schemas.openxmlformats.org/presentationml/2006/main">
   <p:cSld>
     <p:bg>
@@ -13168,7 +13428,7 @@
 </p:sld>
 </file>
 
-<file path=ppt/slides/slide33.xml><?xml version="1.0" encoding="utf-8"?>
+<file path=ppt/slides/slide32.xml><?xml version="1.0" encoding="utf-8"?>
 <p:sld xmlns:a="http://schemas.openxmlformats.org/drawingml/2006/main" xmlns:r="http://schemas.openxmlformats.org/officeDocument/2006/relationships" xmlns:p="http://schemas.openxmlformats.org/presentationml/2006/main">
   <p:cSld>
     <p:bg>
@@ -13347,7 +13607,7 @@
 </p:sld>
 </file>
 
-<file path=ppt/slides/slide34.xml><?xml version="1.0" encoding="utf-8"?>
+<file path=ppt/slides/slide33.xml><?xml version="1.0" encoding="utf-8"?>
 <p:sld xmlns:a="http://schemas.openxmlformats.org/drawingml/2006/main" xmlns:r="http://schemas.openxmlformats.org/officeDocument/2006/relationships" xmlns:p="http://schemas.openxmlformats.org/presentationml/2006/main">
   <p:cSld>
     <p:bg>

--- a/SDC2013.pptx
+++ b/SDC2013.pptx
@@ -5,42 +5,44 @@
     <p:sldMasterId id="2147483648" r:id="rId1"/>
   </p:sldMasterIdLst>
   <p:notesMasterIdLst>
-    <p:notesMasterId r:id="rId35"/>
+    <p:notesMasterId r:id="rId37"/>
   </p:notesMasterIdLst>
   <p:sldIdLst>
     <p:sldId id="256" r:id="rId2"/>
     <p:sldId id="257" r:id="rId3"/>
     <p:sldId id="277" r:id="rId4"/>
-    <p:sldId id="297" r:id="rId5"/>
-    <p:sldId id="298" r:id="rId6"/>
-    <p:sldId id="258" r:id="rId7"/>
-    <p:sldId id="274" r:id="rId8"/>
-    <p:sldId id="278" r:id="rId9"/>
-    <p:sldId id="291" r:id="rId10"/>
-    <p:sldId id="302" r:id="rId11"/>
-    <p:sldId id="265" r:id="rId12"/>
-    <p:sldId id="275" r:id="rId13"/>
-    <p:sldId id="299" r:id="rId14"/>
-    <p:sldId id="279" r:id="rId15"/>
-    <p:sldId id="286" r:id="rId16"/>
-    <p:sldId id="266" r:id="rId17"/>
-    <p:sldId id="267" r:id="rId18"/>
-    <p:sldId id="282" r:id="rId19"/>
-    <p:sldId id="270" r:id="rId20"/>
-    <p:sldId id="271" r:id="rId21"/>
-    <p:sldId id="280" r:id="rId22"/>
-    <p:sldId id="287" r:id="rId23"/>
-    <p:sldId id="272" r:id="rId24"/>
-    <p:sldId id="294" r:id="rId25"/>
-    <p:sldId id="296" r:id="rId26"/>
-    <p:sldId id="273" r:id="rId27"/>
-    <p:sldId id="285" r:id="rId28"/>
-    <p:sldId id="288" r:id="rId29"/>
-    <p:sldId id="292" r:id="rId30"/>
-    <p:sldId id="283" r:id="rId31"/>
-    <p:sldId id="260" r:id="rId32"/>
-    <p:sldId id="300" r:id="rId33"/>
-    <p:sldId id="289" r:id="rId34"/>
+    <p:sldId id="304" r:id="rId5"/>
+    <p:sldId id="305" r:id="rId6"/>
+    <p:sldId id="297" r:id="rId7"/>
+    <p:sldId id="298" r:id="rId8"/>
+    <p:sldId id="258" r:id="rId9"/>
+    <p:sldId id="274" r:id="rId10"/>
+    <p:sldId id="278" r:id="rId11"/>
+    <p:sldId id="291" r:id="rId12"/>
+    <p:sldId id="302" r:id="rId13"/>
+    <p:sldId id="265" r:id="rId14"/>
+    <p:sldId id="275" r:id="rId15"/>
+    <p:sldId id="299" r:id="rId16"/>
+    <p:sldId id="279" r:id="rId17"/>
+    <p:sldId id="286" r:id="rId18"/>
+    <p:sldId id="266" r:id="rId19"/>
+    <p:sldId id="267" r:id="rId20"/>
+    <p:sldId id="282" r:id="rId21"/>
+    <p:sldId id="270" r:id="rId22"/>
+    <p:sldId id="271" r:id="rId23"/>
+    <p:sldId id="280" r:id="rId24"/>
+    <p:sldId id="287" r:id="rId25"/>
+    <p:sldId id="272" r:id="rId26"/>
+    <p:sldId id="296" r:id="rId27"/>
+    <p:sldId id="303" r:id="rId28"/>
+    <p:sldId id="273" r:id="rId29"/>
+    <p:sldId id="285" r:id="rId30"/>
+    <p:sldId id="288" r:id="rId31"/>
+    <p:sldId id="292" r:id="rId32"/>
+    <p:sldId id="283" r:id="rId33"/>
+    <p:sldId id="260" r:id="rId34"/>
+    <p:sldId id="300" r:id="rId35"/>
+    <p:sldId id="289" r:id="rId36"/>
   </p:sldIdLst>
   <p:sldSz cx="9144000" cy="6858000" type="screen4x3"/>
   <p:notesSz cx="6858000" cy="9144000"/>
@@ -241,7 +243,7 @@
             <a:fld id="{CA30D78F-0F54-4F01-AC72-8A29916C1167}" type="datetimeFigureOut">
               <a:rPr lang="en-US" smtClean="0"/>
               <a:pPr/>
-              <a:t>2/26/2013</a:t>
+              <a:t>3/1/2013</a:t>
             </a:fld>
             <a:endParaRPr lang="en-US"/>
           </a:p>
@@ -714,53 +716,17 @@
         </p:nvSpPr>
         <p:spPr/>
         <p:txBody>
-          <a:bodyPr>
-            <a:normAutofit/>
-          </a:bodyPr>
+          <a:bodyPr/>
           <a:lstStyle/>
           <a:p>
             <a:r>
-              <a:rPr lang="en-US" b="1" dirty="0" smtClean="0"/>
-              <a:t>Through (sync writable and readable, aka: 'filter')</a:t>
-            </a:r>
-          </a:p>
-          <a:p>
-            <a:r>
               <a:rPr lang="en-US" dirty="0" smtClean="0"/>
-              <a:t>A Stream that is both readable and writable, and where the input is processed and then emitted as output, more or less directly. Example, </a:t>
-            </a:r>
-            <a:r>
-              <a:rPr lang="en-US" dirty="0" err="1" smtClean="0">
-                <a:hlinkClick r:id="rId3"/>
-              </a:rPr>
-              <a:t>zlib</a:t>
-            </a:r>
-            <a:r>
-              <a:rPr lang="en-US" dirty="0" smtClean="0"/>
-              <a:t>. contrast this with duplex stream.</a:t>
-            </a:r>
-          </a:p>
-          <a:p>
-            <a:r>
-              <a:rPr lang="en-US" dirty="0" smtClean="0"/>
-              <a:t>when you call pause() on a </a:t>
-            </a:r>
-            <a:r>
-              <a:rPr lang="en-US" dirty="0" err="1" smtClean="0"/>
-              <a:t>ThroughStream</a:t>
-            </a:r>
-            <a:r>
-              <a:rPr lang="en-US" dirty="0" smtClean="0"/>
-              <a:t>, it should change it into a paused state on the writable side also, and write()===false. Calling resume() should cause 'drain' to be emitted eventually.</a:t>
-            </a:r>
-          </a:p>
-          <a:p>
-            <a:r>
-              <a:rPr lang="en-US" dirty="0" smtClean="0"/>
-              <a:t>If the option {strict: true} is passed, it means the stream is not allowed to emit 'data' or 'end' when the stream is paused.</a:t>
-            </a:r>
-          </a:p>
-          <a:p>
+              <a:t>Fix</a:t>
+            </a:r>
+            <a:r>
+              <a:rPr lang="en-US" baseline="0" dirty="0" smtClean="0"/>
+              <a:t> this slide</a:t>
+            </a:r>
             <a:endParaRPr lang="en-US" dirty="0"/>
           </a:p>
         </p:txBody>
@@ -783,7 +749,7 @@
             <a:fld id="{7BC0C7B8-101C-4F8C-9143-43222D1AB2E2}" type="slidenum">
               <a:rPr lang="en-US" smtClean="0"/>
               <a:pPr/>
-              <a:t>21</a:t>
+              <a:t>19</a:t>
             </a:fld>
             <a:endParaRPr lang="en-US"/>
           </a:p>
@@ -792,7 +758,7 @@
     </p:spTree>
     <p:extLst>
       <p:ext uri="{BB962C8B-B14F-4D97-AF65-F5344CB8AC3E}">
-        <p14:creationId xmlns:p14="http://schemas.microsoft.com/office/powerpoint/2010/main" val="2735555154"/>
+        <p14:creationId xmlns:p14="http://schemas.microsoft.com/office/powerpoint/2010/main" val="2277777993"/>
       </p:ext>
     </p:extLst>
   </p:cSld>
@@ -849,24 +815,38 @@
           <a:lstStyle/>
           <a:p>
             <a:r>
+              <a:rPr lang="en-US" b="1" dirty="0" smtClean="0"/>
+              <a:t>Through (sync writable and readable, aka: 'filter')</a:t>
+            </a:r>
+          </a:p>
+          <a:p>
+            <a:r>
               <a:rPr lang="en-US" dirty="0" smtClean="0"/>
-              <a:t>A Stream that is both readable and writable, but the streams go off to some other place or thing, and are not coupled directly. The readable and writable side of a </a:t>
+              <a:t>A Stream that is both readable and writable, and where the input is processed and then emitted as output, more or less directly. Example, </a:t>
+            </a:r>
+            <a:r>
+              <a:rPr lang="en-US" dirty="0" err="1" smtClean="0">
+                <a:hlinkClick r:id="rId3"/>
+              </a:rPr>
+              <a:t>zlib</a:t>
+            </a:r>
+            <a:r>
+              <a:rPr lang="en-US" dirty="0" smtClean="0"/>
+              <a:t>. contrast this with duplex stream.</a:t>
+            </a:r>
+          </a:p>
+          <a:p>
+            <a:r>
+              <a:rPr lang="en-US" dirty="0" smtClean="0"/>
+              <a:t>when you call pause() on a </a:t>
             </a:r>
             <a:r>
               <a:rPr lang="en-US" dirty="0" err="1" smtClean="0"/>
-              <a:t>DuplexStream</a:t>
+              <a:t>ThroughStream</a:t>
             </a:r>
             <a:r>
               <a:rPr lang="en-US" dirty="0" smtClean="0"/>
-              <a:t> has </a:t>
-            </a:r>
-            <a:r>
-              <a:rPr lang="en-US" dirty="0" err="1" smtClean="0"/>
-              <a:t>thier</a:t>
-            </a:r>
-            <a:r>
-              <a:rPr lang="en-US" dirty="0" smtClean="0"/>
-              <a:t> own pause state.</a:t>
+              <a:t>, it should change it into a paused state on the writable side also, and write()===false. Calling resume() should cause 'drain' to be emitted eventually.</a:t>
             </a:r>
           </a:p>
           <a:p>
@@ -874,6 +854,8 @@
               <a:rPr lang="en-US" dirty="0" smtClean="0"/>
               <a:t>If the option {strict: true} is passed, it means the stream is not allowed to emit 'data' or 'end' when the stream is paused.</a:t>
             </a:r>
+          </a:p>
+          <a:p>
             <a:endParaRPr lang="en-US" dirty="0"/>
           </a:p>
         </p:txBody>
@@ -896,7 +878,7 @@
             <a:fld id="{7BC0C7B8-101C-4F8C-9143-43222D1AB2E2}" type="slidenum">
               <a:rPr lang="en-US" smtClean="0"/>
               <a:pPr/>
-              <a:t>22</a:t>
+              <a:t>23</a:t>
             </a:fld>
             <a:endParaRPr lang="en-US"/>
           </a:p>
@@ -905,7 +887,7 @@
     </p:spTree>
     <p:extLst>
       <p:ext uri="{BB962C8B-B14F-4D97-AF65-F5344CB8AC3E}">
-        <p14:creationId xmlns:p14="http://schemas.microsoft.com/office/powerpoint/2010/main" val="269910082"/>
+        <p14:creationId xmlns:p14="http://schemas.microsoft.com/office/powerpoint/2010/main" val="2735555154"/>
       </p:ext>
     </p:extLst>
   </p:cSld>
@@ -956,15 +938,37 @@
         </p:nvSpPr>
         <p:spPr/>
         <p:txBody>
-          <a:bodyPr/>
+          <a:bodyPr>
+            <a:normAutofit/>
+          </a:bodyPr>
           <a:lstStyle/>
           <a:p>
             <a:r>
               <a:rPr lang="en-US" dirty="0" smtClean="0"/>
-              <a:t>TODO: Split</a:t>
-            </a:r>
-          </a:p>
-          <a:p>
+              <a:t>A Stream that is both readable and writable, but the streams go off to some other place or thing, and are not coupled directly. The readable and writable side of a </a:t>
+            </a:r>
+            <a:r>
+              <a:rPr lang="en-US" dirty="0" err="1" smtClean="0"/>
+              <a:t>DuplexStream</a:t>
+            </a:r>
+            <a:r>
+              <a:rPr lang="en-US" dirty="0" smtClean="0"/>
+              <a:t> has </a:t>
+            </a:r>
+            <a:r>
+              <a:rPr lang="en-US" dirty="0" smtClean="0"/>
+              <a:t>their </a:t>
+            </a:r>
+            <a:r>
+              <a:rPr lang="en-US" dirty="0" smtClean="0"/>
+              <a:t>own pause state.</a:t>
+            </a:r>
+          </a:p>
+          <a:p>
+            <a:r>
+              <a:rPr lang="en-US" dirty="0" smtClean="0"/>
+              <a:t>If the option {strict: true} is passed, it means the stream is not allowed to emit 'data' or 'end' when the stream is paused.</a:t>
+            </a:r>
             <a:endParaRPr lang="en-US" dirty="0"/>
           </a:p>
         </p:txBody>
@@ -987,7 +991,7 @@
             <a:fld id="{7BC0C7B8-101C-4F8C-9143-43222D1AB2E2}" type="slidenum">
               <a:rPr lang="en-US" smtClean="0"/>
               <a:pPr/>
-              <a:t>26</a:t>
+              <a:t>24</a:t>
             </a:fld>
             <a:endParaRPr lang="en-US"/>
           </a:p>
@@ -996,7 +1000,7 @@
     </p:spTree>
     <p:extLst>
       <p:ext uri="{BB962C8B-B14F-4D97-AF65-F5344CB8AC3E}">
-        <p14:creationId xmlns:p14="http://schemas.microsoft.com/office/powerpoint/2010/main" val="773604664"/>
+        <p14:creationId xmlns:p14="http://schemas.microsoft.com/office/powerpoint/2010/main" val="269910082"/>
       </p:ext>
     </p:extLst>
   </p:cSld>
@@ -1087,7 +1091,7 @@
     </p:spTree>
     <p:extLst>
       <p:ext uri="{BB962C8B-B14F-4D97-AF65-F5344CB8AC3E}">
-        <p14:creationId xmlns:p14="http://schemas.microsoft.com/office/powerpoint/2010/main" val="1253670454"/>
+        <p14:creationId xmlns:p14="http://schemas.microsoft.com/office/powerpoint/2010/main" val="773604664"/>
       </p:ext>
     </p:extLst>
   </p:cSld>
@@ -1143,89 +1147,8 @@
           <a:p>
             <a:r>
               <a:rPr lang="en-US" dirty="0" smtClean="0"/>
-              <a:t>https://npmjs.org/package/request</a:t>
-            </a:r>
-          </a:p>
-          <a:p>
-            <a:r>
-              <a:rPr lang="en-US" dirty="0" smtClean="0">
-                <a:hlinkClick r:id="rId3"/>
-              </a:rPr>
-              <a:t>https://npmjs.org/package/filed</a:t>
-            </a:r>
-            <a:endParaRPr lang="en-US" dirty="0" smtClean="0"/>
-          </a:p>
-          <a:p>
-            <a:r>
-              <a:rPr lang="en-US" dirty="0" smtClean="0">
-                <a:hlinkClick r:id="rId4"/>
-              </a:rPr>
-              <a:t>https://npmjs.org/package/JSONStream</a:t>
-            </a:r>
-            <a:endParaRPr lang="en-US" dirty="0" smtClean="0"/>
-          </a:p>
-          <a:p>
-            <a:r>
-              <a:rPr lang="en-US" dirty="0" smtClean="0">
-                <a:hlinkClick r:id="rId5"/>
-              </a:rPr>
-              <a:t>https://npmjs.org/package/mux-demux</a:t>
-            </a:r>
-            <a:endParaRPr lang="en-US" dirty="0" smtClean="0"/>
-          </a:p>
-          <a:p>
-            <a:r>
-              <a:rPr lang="en-US" dirty="0" smtClean="0">
-                <a:hlinkClick r:id="rId6"/>
-              </a:rPr>
-              <a:t>https://npmjs.org/package/shoe</a:t>
-            </a:r>
-            <a:endParaRPr lang="en-US" dirty="0" smtClean="0"/>
-          </a:p>
-          <a:p>
-            <a:r>
-              <a:rPr lang="en-US" dirty="0" smtClean="0">
-                <a:hlinkClick r:id="rId7"/>
-              </a:rPr>
-              <a:t>https://npmjs.org/package/pause-stream</a:t>
-            </a:r>
-            <a:endParaRPr lang="en-US" dirty="0" smtClean="0"/>
-          </a:p>
-          <a:p>
-            <a:r>
-              <a:rPr lang="en-US" dirty="0" smtClean="0">
-                <a:hlinkClick r:id="rId8"/>
-              </a:rPr>
-              <a:t>https://npmjs.org/package/through</a:t>
-            </a:r>
-            <a:endParaRPr lang="en-US" dirty="0" smtClean="0"/>
-          </a:p>
-          <a:p>
-            <a:r>
-              <a:rPr lang="en-US" dirty="0" smtClean="0">
-                <a:hlinkClick r:id="rId9"/>
-              </a:rPr>
-              <a:t>https://npmjs.org/package/scuttlebutt</a:t>
-            </a:r>
-            <a:endParaRPr lang="en-US" dirty="0" smtClean="0"/>
-          </a:p>
-          <a:p>
-            <a:r>
-              <a:rPr lang="en-US" dirty="0" smtClean="0">
-                <a:hlinkClick r:id="rId10"/>
-              </a:rPr>
-              <a:t>https://npmjs.org/package/tar</a:t>
-            </a:r>
-            <a:endParaRPr lang="en-US" dirty="0" smtClean="0"/>
-          </a:p>
-          <a:p>
-            <a:r>
-              <a:rPr lang="en-US" dirty="0" smtClean="0">
-                <a:hlinkClick r:id="rId11"/>
-              </a:rPr>
-              <a:t>https://npmjs.org/package/dnode</a:t>
-            </a:r>
-            <a:endParaRPr lang="en-US" dirty="0" smtClean="0"/>
+              <a:t>TODO: Split</a:t>
+            </a:r>
           </a:p>
           <a:p>
             <a:endParaRPr lang="en-US" dirty="0"/>
@@ -1259,7 +1182,7 @@
     </p:spTree>
     <p:extLst>
       <p:ext uri="{BB962C8B-B14F-4D97-AF65-F5344CB8AC3E}">
-        <p14:creationId xmlns:p14="http://schemas.microsoft.com/office/powerpoint/2010/main" val="1879848718"/>
+        <p14:creationId xmlns:p14="http://schemas.microsoft.com/office/powerpoint/2010/main" val="1253670454"/>
       </p:ext>
     </p:extLst>
   </p:cSld>
@@ -1315,80 +1238,91 @@
           <a:p>
             <a:r>
               <a:rPr lang="en-US" dirty="0" smtClean="0"/>
-              <a:t>Streams in Action</a:t>
-            </a:r>
-          </a:p>
-          <a:p>
-            <a:r>
-              <a:rPr lang="en-US" dirty="0" smtClean="0"/>
-              <a:t>- Processing</a:t>
-            </a:r>
-          </a:p>
-          <a:p>
-            <a:r>
-              <a:rPr lang="en-US" dirty="0" smtClean="0"/>
-              <a:t>- Complex Event Processing</a:t>
-            </a:r>
-          </a:p>
-          <a:p>
-            <a:r>
-              <a:rPr lang="en-US" dirty="0" smtClean="0"/>
-              <a:t> - https://github.com/darach/eep-js</a:t>
-            </a:r>
-          </a:p>
-          <a:p>
-            <a:r>
-              <a:rPr lang="en-US" dirty="0" smtClean="0"/>
-              <a:t> - https://github.com/indexzero/window-stream</a:t>
-            </a:r>
-          </a:p>
-          <a:p>
-            <a:r>
-              <a:rPr lang="en-US" dirty="0" smtClean="0"/>
-              <a:t>- Distributed programming</a:t>
-            </a:r>
-          </a:p>
-          <a:p>
-            <a:r>
-              <a:rPr lang="en-US" dirty="0" smtClean="0"/>
-              <a:t>- Audio streams</a:t>
-            </a:r>
-          </a:p>
-          <a:p>
+              <a:t>https://npmjs.org/package/request</a:t>
+            </a:r>
+          </a:p>
+          <a:p>
+            <a:r>
+              <a:rPr lang="en-US" dirty="0" smtClean="0">
+                <a:hlinkClick r:id="rId3"/>
+              </a:rPr>
+              <a:t>https://npmjs.org/package/filed</a:t>
+            </a:r>
             <a:endParaRPr lang="en-US" dirty="0" smtClean="0"/>
           </a:p>
           <a:p>
             <a:r>
-              <a:rPr lang="en-US" dirty="0" smtClean="0"/>
-              <a:t>JIFASNIF: </a:t>
-            </a:r>
-            <a:r>
-              <a:rPr lang="en-US" dirty="0" err="1" smtClean="0"/>
-              <a:t>Javascript</a:t>
-            </a:r>
-            <a:r>
-              <a:rPr lang="en-US" dirty="0" smtClean="0"/>
-              <a:t> is Fun and so Node.js is Fun.</a:t>
-            </a:r>
-          </a:p>
-          <a:p>
-            <a:r>
-              <a:rPr lang="en-US" dirty="0" smtClean="0"/>
-              <a:t>https://twitter.com/izs/status/187639633641865216</a:t>
-            </a:r>
-          </a:p>
-          <a:p>
+              <a:rPr lang="en-US" dirty="0" smtClean="0">
+                <a:hlinkClick r:id="rId4"/>
+              </a:rPr>
+              <a:t>https://npmjs.org/package/JSONStream</a:t>
+            </a:r>
             <a:endParaRPr lang="en-US" dirty="0" smtClean="0"/>
           </a:p>
           <a:p>
             <a:r>
-              <a:rPr lang="en-US" dirty="0" smtClean="0"/>
-              <a:t>Node.js is a platform built on Chrome's JavaScript runtime for easily building fast, scalable network applications. </a:t>
-            </a:r>
-            <a:r>
-              <a:rPr lang="en-US" smtClean="0"/>
-              <a:t>Node.js uses an event-driven, non-blocking I/O model that makes it lightweight and efficient, perfect for data-intensive real-time applications that run across distributed devices.</a:t>
-            </a:r>
+              <a:rPr lang="en-US" dirty="0" smtClean="0">
+                <a:hlinkClick r:id="rId5"/>
+              </a:rPr>
+              <a:t>https://npmjs.org/package/mux-demux</a:t>
+            </a:r>
+            <a:endParaRPr lang="en-US" dirty="0" smtClean="0"/>
+          </a:p>
+          <a:p>
+            <a:r>
+              <a:rPr lang="en-US" dirty="0" smtClean="0">
+                <a:hlinkClick r:id="rId6"/>
+              </a:rPr>
+              <a:t>https://npmjs.org/package/shoe</a:t>
+            </a:r>
+            <a:endParaRPr lang="en-US" dirty="0" smtClean="0"/>
+          </a:p>
+          <a:p>
+            <a:r>
+              <a:rPr lang="en-US" dirty="0" smtClean="0">
+                <a:hlinkClick r:id="rId7"/>
+              </a:rPr>
+              <a:t>https://npmjs.org/package/pause-stream</a:t>
+            </a:r>
+            <a:endParaRPr lang="en-US" dirty="0" smtClean="0"/>
+          </a:p>
+          <a:p>
+            <a:r>
+              <a:rPr lang="en-US" dirty="0" smtClean="0">
+                <a:hlinkClick r:id="rId8"/>
+              </a:rPr>
+              <a:t>https://npmjs.org/package/through</a:t>
+            </a:r>
+            <a:endParaRPr lang="en-US" dirty="0" smtClean="0"/>
+          </a:p>
+          <a:p>
+            <a:r>
+              <a:rPr lang="en-US" dirty="0" smtClean="0">
+                <a:hlinkClick r:id="rId9"/>
+              </a:rPr>
+              <a:t>https://npmjs.org/package/scuttlebutt</a:t>
+            </a:r>
+            <a:endParaRPr lang="en-US" dirty="0" smtClean="0"/>
+          </a:p>
+          <a:p>
+            <a:r>
+              <a:rPr lang="en-US" dirty="0" smtClean="0">
+                <a:hlinkClick r:id="rId10"/>
+              </a:rPr>
+              <a:t>https://npmjs.org/package/tar</a:t>
+            </a:r>
+            <a:endParaRPr lang="en-US" dirty="0" smtClean="0"/>
+          </a:p>
+          <a:p>
+            <a:r>
+              <a:rPr lang="en-US" dirty="0" smtClean="0">
+                <a:hlinkClick r:id="rId11"/>
+              </a:rPr>
+              <a:t>https://npmjs.org/package/dnode</a:t>
+            </a:r>
+            <a:endParaRPr lang="en-US" dirty="0" smtClean="0"/>
+          </a:p>
+          <a:p>
             <a:endParaRPr lang="en-US" dirty="0"/>
           </a:p>
         </p:txBody>
@@ -1412,6 +1346,167 @@
               <a:rPr lang="en-US" smtClean="0"/>
               <a:pPr/>
               <a:t>32</a:t>
+            </a:fld>
+            <a:endParaRPr lang="en-US"/>
+          </a:p>
+        </p:txBody>
+      </p:sp>
+    </p:spTree>
+    <p:extLst>
+      <p:ext uri="{BB962C8B-B14F-4D97-AF65-F5344CB8AC3E}">
+        <p14:creationId xmlns:p14="http://schemas.microsoft.com/office/powerpoint/2010/main" val="1879848718"/>
+      </p:ext>
+    </p:extLst>
+  </p:cSld>
+  <p:clrMapOvr>
+    <a:masterClrMapping/>
+  </p:clrMapOvr>
+</p:notes>
+</file>
+
+<file path=ppt/notesSlides/notesSlide16.xml><?xml version="1.0" encoding="utf-8"?>
+<p:notes xmlns:a="http://schemas.openxmlformats.org/drawingml/2006/main" xmlns:r="http://schemas.openxmlformats.org/officeDocument/2006/relationships" xmlns:p="http://schemas.openxmlformats.org/presentationml/2006/main">
+  <p:cSld>
+    <p:spTree>
+      <p:nvGrpSpPr>
+        <p:cNvPr id="1" name=""/>
+        <p:cNvGrpSpPr/>
+        <p:nvPr/>
+      </p:nvGrpSpPr>
+      <p:grpSpPr>
+        <a:xfrm>
+          <a:off x="0" y="0"/>
+          <a:ext cx="0" cy="0"/>
+          <a:chOff x="0" y="0"/>
+          <a:chExt cx="0" cy="0"/>
+        </a:xfrm>
+      </p:grpSpPr>
+      <p:sp>
+        <p:nvSpPr>
+          <p:cNvPr id="2" name="Slide Image Placeholder 1"/>
+          <p:cNvSpPr>
+            <a:spLocks noGrp="1" noRot="1" noChangeAspect="1"/>
+          </p:cNvSpPr>
+          <p:nvPr>
+            <p:ph type="sldImg"/>
+          </p:nvPr>
+        </p:nvSpPr>
+        <p:spPr/>
+      </p:sp>
+      <p:sp>
+        <p:nvSpPr>
+          <p:cNvPr id="3" name="Notes Placeholder 2"/>
+          <p:cNvSpPr>
+            <a:spLocks noGrp="1"/>
+          </p:cNvSpPr>
+          <p:nvPr>
+            <p:ph type="body" idx="1"/>
+          </p:nvPr>
+        </p:nvSpPr>
+        <p:spPr/>
+        <p:txBody>
+          <a:bodyPr/>
+          <a:lstStyle/>
+          <a:p>
+            <a:r>
+              <a:rPr lang="en-US" dirty="0" smtClean="0"/>
+              <a:t>Streams in Action</a:t>
+            </a:r>
+          </a:p>
+          <a:p>
+            <a:r>
+              <a:rPr lang="en-US" dirty="0" smtClean="0"/>
+              <a:t>- Processing</a:t>
+            </a:r>
+          </a:p>
+          <a:p>
+            <a:r>
+              <a:rPr lang="en-US" dirty="0" smtClean="0"/>
+              <a:t>- Complex Event Processing</a:t>
+            </a:r>
+          </a:p>
+          <a:p>
+            <a:r>
+              <a:rPr lang="en-US" dirty="0" smtClean="0"/>
+              <a:t> - https://github.com/darach/eep-js</a:t>
+            </a:r>
+          </a:p>
+          <a:p>
+            <a:r>
+              <a:rPr lang="en-US" dirty="0" smtClean="0"/>
+              <a:t> - https://github.com/indexzero/window-stream</a:t>
+            </a:r>
+          </a:p>
+          <a:p>
+            <a:r>
+              <a:rPr lang="en-US" dirty="0" smtClean="0"/>
+              <a:t>- Distributed programming</a:t>
+            </a:r>
+          </a:p>
+          <a:p>
+            <a:r>
+              <a:rPr lang="en-US" dirty="0" smtClean="0"/>
+              <a:t>- Audio streams</a:t>
+            </a:r>
+          </a:p>
+          <a:p>
+            <a:endParaRPr lang="en-US" dirty="0" smtClean="0"/>
+          </a:p>
+          <a:p>
+            <a:r>
+              <a:rPr lang="en-US" dirty="0" smtClean="0"/>
+              <a:t>JIFASNIF: </a:t>
+            </a:r>
+            <a:r>
+              <a:rPr lang="en-US" dirty="0" err="1" smtClean="0"/>
+              <a:t>Javascript</a:t>
+            </a:r>
+            <a:r>
+              <a:rPr lang="en-US" dirty="0" smtClean="0"/>
+              <a:t> is Fun and so Node.js is Fun.</a:t>
+            </a:r>
+          </a:p>
+          <a:p>
+            <a:r>
+              <a:rPr lang="en-US" dirty="0" smtClean="0"/>
+              <a:t>https://twitter.com/izs/status/187639633641865216</a:t>
+            </a:r>
+          </a:p>
+          <a:p>
+            <a:endParaRPr lang="en-US" dirty="0" smtClean="0"/>
+          </a:p>
+          <a:p>
+            <a:r>
+              <a:rPr lang="en-US" dirty="0" smtClean="0"/>
+              <a:t>Node.js is a platform built on Chrome's JavaScript runtime for easily building fast, scalable network applications. </a:t>
+            </a:r>
+            <a:r>
+              <a:rPr lang="en-US" smtClean="0"/>
+              <a:t>Node.js uses an event-driven, non-blocking I/O model that makes it lightweight and efficient, perfect for data-intensive real-time applications that run across distributed devices.</a:t>
+            </a:r>
+            <a:endParaRPr lang="en-US" dirty="0"/>
+          </a:p>
+        </p:txBody>
+      </p:sp>
+      <p:sp>
+        <p:nvSpPr>
+          <p:cNvPr id="4" name="Slide Number Placeholder 3"/>
+          <p:cNvSpPr>
+            <a:spLocks noGrp="1"/>
+          </p:cNvSpPr>
+          <p:nvPr>
+            <p:ph type="sldNum" sz="quarter" idx="10"/>
+          </p:nvPr>
+        </p:nvSpPr>
+        <p:spPr/>
+        <p:txBody>
+          <a:bodyPr/>
+          <a:lstStyle/>
+          <a:p>
+            <a:fld id="{7BC0C7B8-101C-4F8C-9143-43222D1AB2E2}" type="slidenum">
+              <a:rPr lang="en-US" smtClean="0"/>
+              <a:pPr/>
+              <a:t>34</a:t>
             </a:fld>
             <a:endParaRPr lang="en-US"/>
           </a:p>
@@ -1474,24 +1569,6 @@
           <a:bodyPr/>
           <a:lstStyle/>
           <a:p>
-            <a:r>
-              <a:rPr lang="en-US" dirty="0" smtClean="0"/>
-              <a:t>JIFASNIF: </a:t>
-            </a:r>
-            <a:r>
-              <a:rPr lang="en-US" dirty="0" err="1" smtClean="0"/>
-              <a:t>Javascript</a:t>
-            </a:r>
-            <a:r>
-              <a:rPr lang="en-US" dirty="0" smtClean="0"/>
-              <a:t> is Fun and so Node.js is Fun.</a:t>
-            </a:r>
-          </a:p>
-          <a:p>
-            <a:r>
-              <a:rPr lang="en-US" dirty="0" smtClean="0"/>
-              <a:t>https://twitter.com/izs/status/187639633641865216</a:t>
-            </a:r>
             <a:endParaRPr lang="en-US" dirty="0"/>
           </a:p>
         </p:txBody>
@@ -1523,7 +1600,7 @@
     </p:spTree>
     <p:extLst>
       <p:ext uri="{BB962C8B-B14F-4D97-AF65-F5344CB8AC3E}">
-        <p14:creationId xmlns:p14="http://schemas.microsoft.com/office/powerpoint/2010/main" val="424385324"/>
+        <p14:creationId xmlns:p14="http://schemas.microsoft.com/office/powerpoint/2010/main" val="534140405"/>
       </p:ext>
     </p:extLst>
   </p:cSld>
@@ -1579,208 +1656,21 @@
           <a:p>
             <a:r>
               <a:rPr lang="en-US" dirty="0" smtClean="0"/>
-              <a:t>Dr. </a:t>
+              <a:t>JIFASNIF: </a:t>
             </a:r>
             <a:r>
               <a:rPr lang="en-US" dirty="0" err="1" smtClean="0"/>
-              <a:t>McIlroy</a:t>
+              <a:t>Javascript</a:t>
             </a:r>
             <a:r>
               <a:rPr lang="en-US" dirty="0" smtClean="0"/>
-              <a:t> is best known for having originally developed </a:t>
-            </a:r>
-            <a:r>
-              <a:rPr lang="en-US" dirty="0" smtClean="0">
-                <a:hlinkClick r:id="rId3" tooltip="Pipeline (Unix)"/>
-              </a:rPr>
-              <a:t>Unix pipelines</a:t>
-            </a:r>
+              <a:t> is Fun and so Node.js is Fun.</a:t>
+            </a:r>
+          </a:p>
+          <a:p>
             <a:r>
               <a:rPr lang="en-US" dirty="0" smtClean="0"/>
-              <a:t>, </a:t>
-            </a:r>
-            <a:r>
-              <a:rPr lang="en-US" dirty="0" smtClean="0">
-                <a:hlinkClick r:id="rId4" tooltip="Software componentry"/>
-              </a:rPr>
-              <a:t>software componentry</a:t>
-            </a:r>
-            <a:r>
-              <a:rPr lang="en-US" dirty="0" smtClean="0"/>
-              <a:t> and several </a:t>
-            </a:r>
-            <a:r>
-              <a:rPr lang="en-US" dirty="0" smtClean="0">
-                <a:hlinkClick r:id="rId5" tooltip="Unix"/>
-              </a:rPr>
-              <a:t>Unix</a:t>
-            </a:r>
-            <a:r>
-              <a:rPr lang="en-US" dirty="0" smtClean="0"/>
-              <a:t> tools, such as </a:t>
-            </a:r>
-            <a:r>
-              <a:rPr lang="en-US" dirty="0" smtClean="0">
-                <a:hlinkClick r:id="rId6" tooltip="Spell (Unix)"/>
-              </a:rPr>
-              <a:t>spell</a:t>
-            </a:r>
-            <a:r>
-              <a:rPr lang="en-US" dirty="0" smtClean="0"/>
-              <a:t>, </a:t>
-            </a:r>
-            <a:r>
-              <a:rPr lang="en-US" dirty="0" smtClean="0">
-                <a:hlinkClick r:id="rId7" tooltip="Diff"/>
-              </a:rPr>
-              <a:t>diff</a:t>
-            </a:r>
-            <a:r>
-              <a:rPr lang="en-US" dirty="0" smtClean="0"/>
-              <a:t>, </a:t>
-            </a:r>
-            <a:r>
-              <a:rPr lang="en-US" dirty="0" smtClean="0">
-                <a:hlinkClick r:id="rId8" tooltip="Sort (Unix)"/>
-              </a:rPr>
-              <a:t>sort</a:t>
-            </a:r>
-            <a:r>
-              <a:rPr lang="en-US" dirty="0" smtClean="0"/>
-              <a:t>, </a:t>
-            </a:r>
-            <a:r>
-              <a:rPr lang="en-US" dirty="0" smtClean="0">
-                <a:hlinkClick r:id="rId9" tooltip="Join (Unix utility)"/>
-              </a:rPr>
-              <a:t>join</a:t>
-            </a:r>
-            <a:r>
-              <a:rPr lang="en-US" dirty="0" smtClean="0"/>
-              <a:t>, </a:t>
-            </a:r>
-            <a:r>
-              <a:rPr lang="en-US" dirty="0" smtClean="0">
-                <a:hlinkClick r:id="rId10" tooltip="Graph (Unix) (page does not exist)"/>
-              </a:rPr>
-              <a:t>graph</a:t>
-            </a:r>
-            <a:r>
-              <a:rPr lang="en-US" dirty="0" smtClean="0"/>
-              <a:t>, </a:t>
-            </a:r>
-            <a:r>
-              <a:rPr lang="en-US" dirty="0" smtClean="0">
-                <a:hlinkClick r:id="rId11" tooltip="Speak (Unix)"/>
-              </a:rPr>
-              <a:t>speak</a:t>
-            </a:r>
-            <a:r>
-              <a:rPr lang="en-US" dirty="0" smtClean="0"/>
-              <a:t>, and </a:t>
-            </a:r>
-            <a:r>
-              <a:rPr lang="en-US" dirty="0" smtClean="0">
-                <a:hlinkClick r:id="rId12" tooltip="Tr (Unix)"/>
-              </a:rPr>
-              <a:t>tr</a:t>
-            </a:r>
-            <a:r>
-              <a:rPr lang="en-US" dirty="0" smtClean="0"/>
-              <a:t>.</a:t>
-            </a:r>
-          </a:p>
-          <a:p>
-            <a:endParaRPr lang="en-US" dirty="0" smtClean="0"/>
-          </a:p>
-          <a:p>
-            <a:r>
-              <a:rPr lang="en-US" dirty="0" smtClean="0"/>
-              <a:t>He wrote this memo in</a:t>
-            </a:r>
-            <a:r>
-              <a:rPr lang="en-US" baseline="0" dirty="0" smtClean="0"/>
-              <a:t> 1964 outlaying the first point in an internal memo at Bell Labs.  In there, he laid out </a:t>
-            </a:r>
-            <a:endParaRPr lang="en-US" dirty="0" smtClean="0"/>
-          </a:p>
-          <a:p>
-            <a:endParaRPr lang="en-US" dirty="0" smtClean="0"/>
-          </a:p>
-          <a:p>
-            <a:r>
-              <a:rPr lang="en-US" dirty="0" smtClean="0"/>
-              <a:t>His ideas were implemented in 1973 when </a:t>
-            </a:r>
-            <a:r>
-              <a:rPr lang="en-US" dirty="0" smtClean="0">
-                <a:hlinkClick r:id="rId13" tooltip="Ken Thompson"/>
-              </a:rPr>
-              <a:t>Ken Thompson</a:t>
-            </a:r>
-            <a:r>
-              <a:rPr lang="en-US" dirty="0" smtClean="0"/>
-              <a:t> added pipes to the </a:t>
-            </a:r>
-            <a:r>
-              <a:rPr lang="en-US" dirty="0" smtClean="0">
-                <a:hlinkClick r:id="rId14" tooltip="UNIX"/>
-              </a:rPr>
-              <a:t>UNIX</a:t>
-            </a:r>
-            <a:r>
-              <a:rPr lang="en-US" dirty="0" smtClean="0"/>
-              <a:t> operating system.</a:t>
-            </a:r>
-            <a:r>
-              <a:rPr lang="en-US" baseline="30000" dirty="0" smtClean="0">
-                <a:hlinkClick r:id="rId3"/>
-              </a:rPr>
-              <a:t>[3]</a:t>
-            </a:r>
-            <a:r>
-              <a:rPr lang="en-US" dirty="0" smtClean="0"/>
-              <a:t> The idea was eventually ported to other operating systems, such as </a:t>
-            </a:r>
-            <a:r>
-              <a:rPr lang="en-US" dirty="0" smtClean="0">
-                <a:hlinkClick r:id="rId15" tooltip="DOS"/>
-              </a:rPr>
-              <a:t>DOS</a:t>
-            </a:r>
-            <a:r>
-              <a:rPr lang="en-US" dirty="0" smtClean="0"/>
-              <a:t>, </a:t>
-            </a:r>
-            <a:r>
-              <a:rPr lang="en-US" dirty="0" smtClean="0">
-                <a:hlinkClick r:id="rId16" tooltip="OS/2"/>
-              </a:rPr>
-              <a:t>OS/2</a:t>
-            </a:r>
-            <a:r>
-              <a:rPr lang="en-US" dirty="0" smtClean="0"/>
-              <a:t>, </a:t>
-            </a:r>
-            <a:r>
-              <a:rPr lang="en-US" dirty="0" smtClean="0">
-                <a:hlinkClick r:id="rId17" tooltip="Microsoft Windows"/>
-              </a:rPr>
-              <a:t>Microsoft Windows</a:t>
-            </a:r>
-            <a:r>
-              <a:rPr lang="en-US" dirty="0" smtClean="0"/>
-              <a:t>, and </a:t>
-            </a:r>
-            <a:r>
-              <a:rPr lang="en-US" dirty="0" smtClean="0">
-                <a:hlinkClick r:id="rId18" tooltip="BeOS"/>
-              </a:rPr>
-              <a:t>BeOS</a:t>
-            </a:r>
-            <a:r>
-              <a:rPr lang="en-US" dirty="0" smtClean="0"/>
-              <a:t>, often with the same notation.</a:t>
+              <a:t>https://twitter.com/izs/status/187639633641865216</a:t>
             </a:r>
             <a:endParaRPr lang="en-US" dirty="0"/>
           </a:p>
@@ -1804,7 +1694,7 @@
             <a:fld id="{7BC0C7B8-101C-4F8C-9143-43222D1AB2E2}" type="slidenum">
               <a:rPr lang="en-US" smtClean="0"/>
               <a:pPr/>
-              <a:t>6</a:t>
+              <a:t>7</a:t>
             </a:fld>
             <a:endParaRPr lang="en-US"/>
           </a:p>
@@ -1813,7 +1703,7 @@
     </p:spTree>
     <p:extLst>
       <p:ext uri="{BB962C8B-B14F-4D97-AF65-F5344CB8AC3E}">
-        <p14:creationId xmlns:p14="http://schemas.microsoft.com/office/powerpoint/2010/main" val="57736211"/>
+        <p14:creationId xmlns:p14="http://schemas.microsoft.com/office/powerpoint/2010/main" val="424385324"/>
       </p:ext>
     </p:extLst>
   </p:cSld>
@@ -1867,34 +1757,211 @@
           <a:bodyPr/>
           <a:lstStyle/>
           <a:p>
-            <a:pPr marL="0" marR="0" indent="0" algn="l" defTabSz="914400" rtl="0" eaLnBrk="1" fontAlgn="auto" latinLnBrk="0" hangingPunct="1">
-              <a:lnSpc>
-                <a:spcPct val="100000"/>
-              </a:lnSpc>
-              <a:spcBef>
-                <a:spcPts val="0"/>
-              </a:spcBef>
-              <a:spcAft>
-                <a:spcPts val="0"/>
-              </a:spcAft>
-              <a:buClrTx/>
-              <a:buSzTx/>
-              <a:buFontTx/>
-              <a:buNone/>
-              <a:tabLst/>
-              <a:defRPr/>
-            </a:pPr>
+            <a:r>
+              <a:rPr lang="en-US" dirty="0" smtClean="0"/>
+              <a:t>Dr. </a:t>
+            </a:r>
+            <a:r>
+              <a:rPr lang="en-US" dirty="0" err="1" smtClean="0"/>
+              <a:t>McIlroy</a:t>
+            </a:r>
+            <a:r>
+              <a:rPr lang="en-US" dirty="0" smtClean="0"/>
+              <a:t> is best known for having originally developed </a:t>
+            </a:r>
             <a:r>
               <a:rPr lang="en-US" dirty="0" smtClean="0">
-                <a:solidFill>
-                  <a:schemeClr val="bg1"/>
-                </a:solidFill>
-                <a:latin typeface="Proxima Nova Rg"/>
-              </a:rPr>
-              <a:t>Incremental data in time with back pressure</a:t>
-            </a:r>
-          </a:p>
-          <a:p>
+                <a:hlinkClick r:id="rId3" tooltip="Pipeline (Unix)"/>
+              </a:rPr>
+              <a:t>Unix pipelines</a:t>
+            </a:r>
+            <a:r>
+              <a:rPr lang="en-US" dirty="0" smtClean="0"/>
+              <a:t>, </a:t>
+            </a:r>
+            <a:r>
+              <a:rPr lang="en-US" dirty="0" smtClean="0">
+                <a:hlinkClick r:id="rId4" tooltip="Software componentry"/>
+              </a:rPr>
+              <a:t>software componentry</a:t>
+            </a:r>
+            <a:r>
+              <a:rPr lang="en-US" dirty="0" smtClean="0"/>
+              <a:t> and several </a:t>
+            </a:r>
+            <a:r>
+              <a:rPr lang="en-US" dirty="0" smtClean="0">
+                <a:hlinkClick r:id="rId5" tooltip="Unix"/>
+              </a:rPr>
+              <a:t>Unix</a:t>
+            </a:r>
+            <a:r>
+              <a:rPr lang="en-US" dirty="0" smtClean="0"/>
+              <a:t> tools, such as </a:t>
+            </a:r>
+            <a:r>
+              <a:rPr lang="en-US" dirty="0" smtClean="0">
+                <a:hlinkClick r:id="rId6" tooltip="Spell (Unix)"/>
+              </a:rPr>
+              <a:t>spell</a:t>
+            </a:r>
+            <a:r>
+              <a:rPr lang="en-US" dirty="0" smtClean="0"/>
+              <a:t>, </a:t>
+            </a:r>
+            <a:r>
+              <a:rPr lang="en-US" dirty="0" smtClean="0">
+                <a:hlinkClick r:id="rId7" tooltip="Diff"/>
+              </a:rPr>
+              <a:t>diff</a:t>
+            </a:r>
+            <a:r>
+              <a:rPr lang="en-US" dirty="0" smtClean="0"/>
+              <a:t>, </a:t>
+            </a:r>
+            <a:r>
+              <a:rPr lang="en-US" dirty="0" smtClean="0">
+                <a:hlinkClick r:id="rId8" tooltip="Sort (Unix)"/>
+              </a:rPr>
+              <a:t>sort</a:t>
+            </a:r>
+            <a:r>
+              <a:rPr lang="en-US" dirty="0" smtClean="0"/>
+              <a:t>, </a:t>
+            </a:r>
+            <a:r>
+              <a:rPr lang="en-US" dirty="0" smtClean="0">
+                <a:hlinkClick r:id="rId9" tooltip="Join (Unix utility)"/>
+              </a:rPr>
+              <a:t>join</a:t>
+            </a:r>
+            <a:r>
+              <a:rPr lang="en-US" dirty="0" smtClean="0"/>
+              <a:t>, </a:t>
+            </a:r>
+            <a:r>
+              <a:rPr lang="en-US" dirty="0" smtClean="0">
+                <a:hlinkClick r:id="rId10" tooltip="Graph (Unix) (page does not exist)"/>
+              </a:rPr>
+              <a:t>graph</a:t>
+            </a:r>
+            <a:r>
+              <a:rPr lang="en-US" dirty="0" smtClean="0"/>
+              <a:t>, </a:t>
+            </a:r>
+            <a:r>
+              <a:rPr lang="en-US" dirty="0" smtClean="0">
+                <a:hlinkClick r:id="rId11" tooltip="Speak (Unix)"/>
+              </a:rPr>
+              <a:t>speak</a:t>
+            </a:r>
+            <a:r>
+              <a:rPr lang="en-US" dirty="0" smtClean="0"/>
+              <a:t>, and </a:t>
+            </a:r>
+            <a:r>
+              <a:rPr lang="en-US" dirty="0" smtClean="0">
+                <a:hlinkClick r:id="rId12" tooltip="Tr (Unix)"/>
+              </a:rPr>
+              <a:t>tr</a:t>
+            </a:r>
+            <a:r>
+              <a:rPr lang="en-US" dirty="0" smtClean="0"/>
+              <a:t>.</a:t>
+            </a:r>
+          </a:p>
+          <a:p>
+            <a:endParaRPr lang="en-US" dirty="0" smtClean="0"/>
+          </a:p>
+          <a:p>
+            <a:r>
+              <a:rPr lang="en-US" dirty="0" smtClean="0"/>
+              <a:t>He wrote this memo in</a:t>
+            </a:r>
+            <a:r>
+              <a:rPr lang="en-US" baseline="0" dirty="0" smtClean="0"/>
+              <a:t> 1964 outlaying the first point in an internal memo at Bell Labs.  In there, he laid out </a:t>
+            </a:r>
+            <a:endParaRPr lang="en-US" dirty="0" smtClean="0"/>
+          </a:p>
+          <a:p>
+            <a:endParaRPr lang="en-US" dirty="0" smtClean="0"/>
+          </a:p>
+          <a:p>
+            <a:r>
+              <a:rPr lang="en-US" dirty="0" smtClean="0"/>
+              <a:t>His ideas were implemented in 1973 when </a:t>
+            </a:r>
+            <a:r>
+              <a:rPr lang="en-US" dirty="0" smtClean="0">
+                <a:hlinkClick r:id="rId13" tooltip="Ken Thompson"/>
+              </a:rPr>
+              <a:t>Ken Thompson</a:t>
+            </a:r>
+            <a:r>
+              <a:rPr lang="en-US" dirty="0" smtClean="0"/>
+              <a:t> added pipes to the </a:t>
+            </a:r>
+            <a:r>
+              <a:rPr lang="en-US" dirty="0" smtClean="0">
+                <a:hlinkClick r:id="rId14" tooltip="UNIX"/>
+              </a:rPr>
+              <a:t>UNIX</a:t>
+            </a:r>
+            <a:r>
+              <a:rPr lang="en-US" dirty="0" smtClean="0"/>
+              <a:t> operating system.</a:t>
+            </a:r>
+            <a:r>
+              <a:rPr lang="en-US" baseline="30000" dirty="0" smtClean="0">
+                <a:hlinkClick r:id="rId3"/>
+              </a:rPr>
+              <a:t>[3]</a:t>
+            </a:r>
+            <a:r>
+              <a:rPr lang="en-US" dirty="0" smtClean="0"/>
+              <a:t> The idea was eventually ported to other operating systems, such as </a:t>
+            </a:r>
+            <a:r>
+              <a:rPr lang="en-US" dirty="0" smtClean="0">
+                <a:hlinkClick r:id="rId15" tooltip="DOS"/>
+              </a:rPr>
+              <a:t>DOS</a:t>
+            </a:r>
+            <a:r>
+              <a:rPr lang="en-US" dirty="0" smtClean="0"/>
+              <a:t>, </a:t>
+            </a:r>
+            <a:r>
+              <a:rPr lang="en-US" dirty="0" smtClean="0">
+                <a:hlinkClick r:id="rId16" tooltip="OS/2"/>
+              </a:rPr>
+              <a:t>OS/2</a:t>
+            </a:r>
+            <a:r>
+              <a:rPr lang="en-US" dirty="0" smtClean="0"/>
+              <a:t>, </a:t>
+            </a:r>
+            <a:r>
+              <a:rPr lang="en-US" dirty="0" smtClean="0">
+                <a:hlinkClick r:id="rId17" tooltip="Microsoft Windows"/>
+              </a:rPr>
+              <a:t>Microsoft Windows</a:t>
+            </a:r>
+            <a:r>
+              <a:rPr lang="en-US" dirty="0" smtClean="0"/>
+              <a:t>, and </a:t>
+            </a:r>
+            <a:r>
+              <a:rPr lang="en-US" dirty="0" smtClean="0">
+                <a:hlinkClick r:id="rId18" tooltip="BeOS"/>
+              </a:rPr>
+              <a:t>BeOS</a:t>
+            </a:r>
+            <a:r>
+              <a:rPr lang="en-US" dirty="0" smtClean="0"/>
+              <a:t>, often with the same notation.</a:t>
+            </a:r>
             <a:endParaRPr lang="en-US" dirty="0"/>
           </a:p>
         </p:txBody>
@@ -1917,7 +1984,7 @@
             <a:fld id="{7BC0C7B8-101C-4F8C-9143-43222D1AB2E2}" type="slidenum">
               <a:rPr lang="en-US" smtClean="0"/>
               <a:pPr/>
-              <a:t>9</a:t>
+              <a:t>8</a:t>
             </a:fld>
             <a:endParaRPr lang="en-US"/>
           </a:p>
@@ -1926,7 +1993,7 @@
     </p:spTree>
     <p:extLst>
       <p:ext uri="{BB962C8B-B14F-4D97-AF65-F5344CB8AC3E}">
-        <p14:creationId xmlns:p14="http://schemas.microsoft.com/office/powerpoint/2010/main" val="711811476"/>
+        <p14:creationId xmlns:p14="http://schemas.microsoft.com/office/powerpoint/2010/main" val="57736211"/>
       </p:ext>
     </p:extLst>
   </p:cSld>
@@ -2030,7 +2097,7 @@
             <a:fld id="{7BC0C7B8-101C-4F8C-9143-43222D1AB2E2}" type="slidenum">
               <a:rPr lang="en-US" smtClean="0"/>
               <a:pPr/>
-              <a:t>10</a:t>
+              <a:t>11</a:t>
             </a:fld>
             <a:endParaRPr lang="en-US"/>
           </a:p>
@@ -2039,7 +2106,7 @@
     </p:spTree>
     <p:extLst>
       <p:ext uri="{BB962C8B-B14F-4D97-AF65-F5344CB8AC3E}">
-        <p14:creationId xmlns:p14="http://schemas.microsoft.com/office/powerpoint/2010/main" val="2016156578"/>
+        <p14:creationId xmlns:p14="http://schemas.microsoft.com/office/powerpoint/2010/main" val="711811476"/>
       </p:ext>
     </p:extLst>
   </p:cSld>
@@ -2093,10 +2160,34 @@
           <a:bodyPr/>
           <a:lstStyle/>
           <a:p>
-            <a:r>
-              <a:rPr lang="en-US" dirty="0" smtClean="0"/>
-              <a:t>Colorize</a:t>
-            </a:r>
+            <a:pPr marL="0" marR="0" indent="0" algn="l" defTabSz="914400" rtl="0" eaLnBrk="1" fontAlgn="auto" latinLnBrk="0" hangingPunct="1">
+              <a:lnSpc>
+                <a:spcPct val="100000"/>
+              </a:lnSpc>
+              <a:spcBef>
+                <a:spcPts val="0"/>
+              </a:spcBef>
+              <a:spcAft>
+                <a:spcPts val="0"/>
+              </a:spcAft>
+              <a:buClrTx/>
+              <a:buSzTx/>
+              <a:buFontTx/>
+              <a:buNone/>
+              <a:tabLst/>
+              <a:defRPr/>
+            </a:pPr>
+            <a:r>
+              <a:rPr lang="en-US" dirty="0" smtClean="0">
+                <a:solidFill>
+                  <a:schemeClr val="bg1"/>
+                </a:solidFill>
+                <a:latin typeface="Proxima Nova Rg"/>
+              </a:rPr>
+              <a:t>Incremental data in time with back pressure</a:t>
+            </a:r>
+          </a:p>
+          <a:p>
             <a:endParaRPr lang="en-US" dirty="0"/>
           </a:p>
         </p:txBody>
@@ -2128,7 +2219,7 @@
     </p:spTree>
     <p:extLst>
       <p:ext uri="{BB962C8B-B14F-4D97-AF65-F5344CB8AC3E}">
-        <p14:creationId xmlns:p14="http://schemas.microsoft.com/office/powerpoint/2010/main" val="4240775550"/>
+        <p14:creationId xmlns:p14="http://schemas.microsoft.com/office/powerpoint/2010/main" val="2016156578"/>
       </p:ext>
     </p:extLst>
   </p:cSld>
@@ -2208,7 +2299,7 @@
             <a:fld id="{7BC0C7B8-101C-4F8C-9143-43222D1AB2E2}" type="slidenum">
               <a:rPr lang="en-US" smtClean="0"/>
               <a:pPr/>
-              <a:t>13</a:t>
+              <a:t>14</a:t>
             </a:fld>
             <a:endParaRPr lang="en-US"/>
           </a:p>
@@ -2217,7 +2308,7 @@
     </p:spTree>
     <p:extLst>
       <p:ext uri="{BB962C8B-B14F-4D97-AF65-F5344CB8AC3E}">
-        <p14:creationId xmlns:p14="http://schemas.microsoft.com/office/powerpoint/2010/main" val="933726685"/>
+        <p14:creationId xmlns:p14="http://schemas.microsoft.com/office/powerpoint/2010/main" val="4240775550"/>
       </p:ext>
     </p:extLst>
   </p:cSld>
@@ -2271,6 +2362,10 @@
           <a:bodyPr/>
           <a:lstStyle/>
           <a:p>
+            <a:r>
+              <a:rPr lang="en-US" dirty="0" smtClean="0"/>
+              <a:t>Colorize</a:t>
+            </a:r>
             <a:endParaRPr lang="en-US" dirty="0"/>
           </a:p>
         </p:txBody>
@@ -2293,7 +2388,7 @@
             <a:fld id="{7BC0C7B8-101C-4F8C-9143-43222D1AB2E2}" type="slidenum">
               <a:rPr lang="en-US" smtClean="0"/>
               <a:pPr/>
-              <a:t>16</a:t>
+              <a:t>15</a:t>
             </a:fld>
             <a:endParaRPr lang="en-US"/>
           </a:p>
@@ -2302,7 +2397,7 @@
     </p:spTree>
     <p:extLst>
       <p:ext uri="{BB962C8B-B14F-4D97-AF65-F5344CB8AC3E}">
-        <p14:creationId xmlns:p14="http://schemas.microsoft.com/office/powerpoint/2010/main" val="3830402389"/>
+        <p14:creationId xmlns:p14="http://schemas.microsoft.com/office/powerpoint/2010/main" val="933726685"/>
       </p:ext>
     </p:extLst>
   </p:cSld>
@@ -2356,14 +2451,6 @@
           <a:bodyPr/>
           <a:lstStyle/>
           <a:p>
-            <a:r>
-              <a:rPr lang="en-US" dirty="0" smtClean="0"/>
-              <a:t>Fix</a:t>
-            </a:r>
-            <a:r>
-              <a:rPr lang="en-US" baseline="0" dirty="0" smtClean="0"/>
-              <a:t> this slide</a:t>
-            </a:r>
             <a:endParaRPr lang="en-US" dirty="0"/>
           </a:p>
         </p:txBody>
@@ -2386,7 +2473,7 @@
             <a:fld id="{7BC0C7B8-101C-4F8C-9143-43222D1AB2E2}" type="slidenum">
               <a:rPr lang="en-US" smtClean="0"/>
               <a:pPr/>
-              <a:t>17</a:t>
+              <a:t>18</a:t>
             </a:fld>
             <a:endParaRPr lang="en-US"/>
           </a:p>
@@ -2395,7 +2482,7 @@
     </p:spTree>
     <p:extLst>
       <p:ext uri="{BB962C8B-B14F-4D97-AF65-F5344CB8AC3E}">
-        <p14:creationId xmlns:p14="http://schemas.microsoft.com/office/powerpoint/2010/main" val="2277777993"/>
+        <p14:creationId xmlns:p14="http://schemas.microsoft.com/office/powerpoint/2010/main" val="3830402389"/>
       </p:ext>
     </p:extLst>
   </p:cSld>
@@ -2587,7 +2674,7 @@
             <a:fld id="{A87304A5-FA2F-4C00-A6F1-62351DDCCCB4}" type="datetimeFigureOut">
               <a:rPr lang="en-US" smtClean="0"/>
               <a:pPr/>
-              <a:t>2/26/2013</a:t>
+              <a:t>3/1/2013</a:t>
             </a:fld>
             <a:endParaRPr lang="en-US"/>
           </a:p>
@@ -2754,7 +2841,7 @@
             <a:fld id="{A87304A5-FA2F-4C00-A6F1-62351DDCCCB4}" type="datetimeFigureOut">
               <a:rPr lang="en-US" smtClean="0"/>
               <a:pPr/>
-              <a:t>2/26/2013</a:t>
+              <a:t>3/1/2013</a:t>
             </a:fld>
             <a:endParaRPr lang="en-US"/>
           </a:p>
@@ -2931,7 +3018,7 @@
             <a:fld id="{A87304A5-FA2F-4C00-A6F1-62351DDCCCB4}" type="datetimeFigureOut">
               <a:rPr lang="en-US" smtClean="0"/>
               <a:pPr/>
-              <a:t>2/26/2013</a:t>
+              <a:t>3/1/2013</a:t>
             </a:fld>
             <a:endParaRPr lang="en-US"/>
           </a:p>
@@ -3098,7 +3185,7 @@
             <a:fld id="{A87304A5-FA2F-4C00-A6F1-62351DDCCCB4}" type="datetimeFigureOut">
               <a:rPr lang="en-US" smtClean="0"/>
               <a:pPr/>
-              <a:t>2/26/2013</a:t>
+              <a:t>3/1/2013</a:t>
             </a:fld>
             <a:endParaRPr lang="en-US"/>
           </a:p>
@@ -3341,7 +3428,7 @@
             <a:fld id="{A87304A5-FA2F-4C00-A6F1-62351DDCCCB4}" type="datetimeFigureOut">
               <a:rPr lang="en-US" smtClean="0"/>
               <a:pPr/>
-              <a:t>2/26/2013</a:t>
+              <a:t>3/1/2013</a:t>
             </a:fld>
             <a:endParaRPr lang="en-US"/>
           </a:p>
@@ -3626,7 +3713,7 @@
             <a:fld id="{A87304A5-FA2F-4C00-A6F1-62351DDCCCB4}" type="datetimeFigureOut">
               <a:rPr lang="en-US" smtClean="0"/>
               <a:pPr/>
-              <a:t>2/26/2013</a:t>
+              <a:t>3/1/2013</a:t>
             </a:fld>
             <a:endParaRPr lang="en-US"/>
           </a:p>
@@ -4045,7 +4132,7 @@
             <a:fld id="{A87304A5-FA2F-4C00-A6F1-62351DDCCCB4}" type="datetimeFigureOut">
               <a:rPr lang="en-US" smtClean="0"/>
               <a:pPr/>
-              <a:t>2/26/2013</a:t>
+              <a:t>3/1/2013</a:t>
             </a:fld>
             <a:endParaRPr lang="en-US"/>
           </a:p>
@@ -4160,7 +4247,7 @@
             <a:fld id="{A87304A5-FA2F-4C00-A6F1-62351DDCCCB4}" type="datetimeFigureOut">
               <a:rPr lang="en-US" smtClean="0"/>
               <a:pPr/>
-              <a:t>2/26/2013</a:t>
+              <a:t>3/1/2013</a:t>
             </a:fld>
             <a:endParaRPr lang="en-US"/>
           </a:p>
@@ -4252,7 +4339,7 @@
             <a:fld id="{A87304A5-FA2F-4C00-A6F1-62351DDCCCB4}" type="datetimeFigureOut">
               <a:rPr lang="en-US" smtClean="0"/>
               <a:pPr/>
-              <a:t>2/26/2013</a:t>
+              <a:t>3/1/2013</a:t>
             </a:fld>
             <a:endParaRPr lang="en-US"/>
           </a:p>
@@ -4526,7 +4613,7 @@
             <a:fld id="{A87304A5-FA2F-4C00-A6F1-62351DDCCCB4}" type="datetimeFigureOut">
               <a:rPr lang="en-US" smtClean="0"/>
               <a:pPr/>
-              <a:t>2/26/2013</a:t>
+              <a:t>3/1/2013</a:t>
             </a:fld>
             <a:endParaRPr lang="en-US"/>
           </a:p>
@@ -4776,7 +4863,7 @@
             <a:fld id="{A87304A5-FA2F-4C00-A6F1-62351DDCCCB4}" type="datetimeFigureOut">
               <a:rPr lang="en-US" smtClean="0"/>
               <a:pPr/>
-              <a:t>2/26/2013</a:t>
+              <a:t>3/1/2013</a:t>
             </a:fld>
             <a:endParaRPr lang="en-US"/>
           </a:p>
@@ -4986,7 +5073,7 @@
             <a:fld id="{A87304A5-FA2F-4C00-A6F1-62351DDCCCB4}" type="datetimeFigureOut">
               <a:rPr lang="en-US" smtClean="0"/>
               <a:pPr/>
-              <a:t>2/26/2013</a:t>
+              <a:t>3/1/2013</a:t>
             </a:fld>
             <a:endParaRPr lang="en-US"/>
           </a:p>
@@ -5539,6 +5626,277 @@
           <a:chExt cx="0" cy="0"/>
         </a:xfrm>
       </p:grpSpPr>
+      <p:sp>
+        <p:nvSpPr>
+          <p:cNvPr id="2" name="Title 1"/>
+          <p:cNvSpPr>
+            <a:spLocks noGrp="1"/>
+          </p:cNvSpPr>
+          <p:nvPr>
+            <p:ph type="title"/>
+          </p:nvPr>
+        </p:nvSpPr>
+        <p:spPr/>
+        <p:txBody>
+          <a:bodyPr/>
+          <a:lstStyle/>
+          <a:p>
+            <a:pPr algn="r"/>
+            <a:r>
+              <a:rPr lang="en-US" dirty="0" smtClean="0">
+                <a:solidFill>
+                  <a:schemeClr val="bg1"/>
+                </a:solidFill>
+                <a:latin typeface="Proxima Nova Rg" panose="02000506030000020004" pitchFamily="2" charset="0"/>
+              </a:rPr>
+              <a:t>The Node.js Way</a:t>
+            </a:r>
+            <a:endParaRPr lang="en-US" dirty="0">
+              <a:solidFill>
+                <a:schemeClr val="bg1"/>
+              </a:solidFill>
+              <a:latin typeface="Proxima Nova Rg" panose="02000506030000020004" pitchFamily="2" charset="0"/>
+            </a:endParaRPr>
+          </a:p>
+        </p:txBody>
+      </p:sp>
+      <p:sp>
+        <p:nvSpPr>
+          <p:cNvPr id="3" name="Content Placeholder 2"/>
+          <p:cNvSpPr>
+            <a:spLocks noGrp="1"/>
+          </p:cNvSpPr>
+          <p:nvPr>
+            <p:ph idx="4294967295"/>
+          </p:nvPr>
+        </p:nvSpPr>
+        <p:spPr>
+          <a:xfrm>
+            <a:off x="457200" y="1600200"/>
+            <a:ext cx="8229600" cy="4525963"/>
+          </a:xfrm>
+        </p:spPr>
+        <p:txBody>
+          <a:bodyPr anchor="ctr">
+            <a:normAutofit/>
+          </a:bodyPr>
+          <a:lstStyle/>
+          <a:p>
+            <a:pPr marL="0" indent="0">
+              <a:buNone/>
+            </a:pPr>
+            <a:r>
+              <a:rPr lang="pl-PL" sz="2500" b="1" dirty="0">
+                <a:solidFill>
+                  <a:schemeClr val="bg1"/>
+                </a:solidFill>
+                <a:latin typeface="Lucida Console" panose="020B0609040504020204" pitchFamily="49" charset="0"/>
+                <a:cs typeface="Consolas" panose="020B0609020204030204" pitchFamily="49" charset="0"/>
+              </a:rPr>
+              <a:t>fs.createReadStream(</a:t>
+            </a:r>
+            <a:r>
+              <a:rPr lang="pl-PL" sz="2500" b="1" dirty="0">
+                <a:solidFill>
+                  <a:srgbClr val="E6DB74"/>
+                </a:solidFill>
+                <a:latin typeface="Lucida Console" panose="020B0609040504020204" pitchFamily="49" charset="0"/>
+                <a:cs typeface="Consolas" panose="020B0609020204030204" pitchFamily="49" charset="0"/>
+              </a:rPr>
+              <a:t>'in.txt'</a:t>
+            </a:r>
+            <a:r>
+              <a:rPr lang="pl-PL" sz="2500" b="1" dirty="0">
+                <a:solidFill>
+                  <a:schemeClr val="bg1"/>
+                </a:solidFill>
+                <a:latin typeface="Lucida Console" panose="020B0609040504020204" pitchFamily="49" charset="0"/>
+                <a:cs typeface="Consolas" panose="020B0609020204030204" pitchFamily="49" charset="0"/>
+              </a:rPr>
+              <a:t>)</a:t>
+            </a:r>
+          </a:p>
+          <a:p>
+            <a:pPr marL="0" indent="0">
+              <a:buNone/>
+            </a:pPr>
+            <a:r>
+              <a:rPr lang="pl-PL" sz="2500" b="1" dirty="0">
+                <a:solidFill>
+                  <a:schemeClr val="bg1"/>
+                </a:solidFill>
+                <a:latin typeface="Lucida Console" panose="020B0609040504020204" pitchFamily="49" charset="0"/>
+                <a:cs typeface="Consolas" panose="020B0609020204030204" pitchFamily="49" charset="0"/>
+              </a:rPr>
+              <a:t>  </a:t>
+            </a:r>
+            <a:r>
+              <a:rPr lang="pl-PL" sz="2500" b="1" dirty="0" smtClean="0">
+                <a:solidFill>
+                  <a:schemeClr val="bg1"/>
+                </a:solidFill>
+                <a:latin typeface="Lucida Console" panose="020B0609040504020204" pitchFamily="49" charset="0"/>
+                <a:cs typeface="Consolas" panose="020B0609020204030204" pitchFamily="49" charset="0"/>
+              </a:rPr>
+              <a:t>.pipe(</a:t>
+            </a:r>
+            <a:r>
+              <a:rPr lang="en-US" sz="2500" b="1" dirty="0" smtClean="0">
+                <a:solidFill>
+                  <a:schemeClr val="bg1"/>
+                </a:solidFill>
+                <a:latin typeface="Lucida Console" panose="020B0609040504020204" pitchFamily="49" charset="0"/>
+                <a:cs typeface="Consolas" panose="020B0609020204030204" pitchFamily="49" charset="0"/>
+              </a:rPr>
+              <a:t>transform</a:t>
+            </a:r>
+            <a:r>
+              <a:rPr lang="pl-PL" sz="2500" b="1" dirty="0" smtClean="0">
+                <a:solidFill>
+                  <a:schemeClr val="bg1"/>
+                </a:solidFill>
+                <a:latin typeface="Lucida Console" panose="020B0609040504020204" pitchFamily="49" charset="0"/>
+                <a:cs typeface="Consolas" panose="020B0609020204030204" pitchFamily="49" charset="0"/>
+              </a:rPr>
+              <a:t>Stream</a:t>
+            </a:r>
+            <a:r>
+              <a:rPr lang="pl-PL" sz="2500" b="1" dirty="0">
+                <a:solidFill>
+                  <a:schemeClr val="bg1"/>
+                </a:solidFill>
+                <a:latin typeface="Lucida Console" panose="020B0609040504020204" pitchFamily="49" charset="0"/>
+                <a:cs typeface="Consolas" panose="020B0609020204030204" pitchFamily="49" charset="0"/>
+              </a:rPr>
+              <a:t>())</a:t>
+            </a:r>
+          </a:p>
+          <a:p>
+            <a:pPr marL="0" indent="0">
+              <a:buNone/>
+            </a:pPr>
+            <a:r>
+              <a:rPr lang="pl-PL" sz="2500" b="1" dirty="0">
+                <a:solidFill>
+                  <a:schemeClr val="bg1"/>
+                </a:solidFill>
+                <a:latin typeface="Lucida Console" panose="020B0609040504020204" pitchFamily="49" charset="0"/>
+                <a:cs typeface="Consolas" panose="020B0609020204030204" pitchFamily="49" charset="0"/>
+              </a:rPr>
+              <a:t>  </a:t>
+            </a:r>
+            <a:r>
+              <a:rPr lang="pl-PL" sz="2500" b="1" dirty="0" smtClean="0">
+                <a:solidFill>
+                  <a:schemeClr val="bg1"/>
+                </a:solidFill>
+                <a:latin typeface="Lucida Console" panose="020B0609040504020204" pitchFamily="49" charset="0"/>
+                <a:cs typeface="Consolas" panose="020B0609020204030204" pitchFamily="49" charset="0"/>
+              </a:rPr>
+              <a:t>.</a:t>
+            </a:r>
+            <a:r>
+              <a:rPr lang="pl-PL" sz="2500" b="1" dirty="0">
+                <a:solidFill>
+                  <a:schemeClr val="bg1"/>
+                </a:solidFill>
+                <a:latin typeface="Lucida Console" panose="020B0609040504020204" pitchFamily="49" charset="0"/>
+                <a:cs typeface="Consolas" panose="020B0609020204030204" pitchFamily="49" charset="0"/>
+              </a:rPr>
+              <a:t>pipe(fs.createWriteStream(</a:t>
+            </a:r>
+            <a:r>
+              <a:rPr lang="pl-PL" sz="2500" b="1" dirty="0">
+                <a:solidFill>
+                  <a:srgbClr val="E6DB74"/>
+                </a:solidFill>
+                <a:latin typeface="Lucida Console" panose="020B0609040504020204" pitchFamily="49" charset="0"/>
+                <a:cs typeface="Consolas" panose="020B0609020204030204" pitchFamily="49" charset="0"/>
+              </a:rPr>
+              <a:t>'out.txt'</a:t>
+            </a:r>
+            <a:r>
+              <a:rPr lang="pl-PL" sz="2500" b="1" dirty="0">
+                <a:solidFill>
+                  <a:schemeClr val="bg1"/>
+                </a:solidFill>
+                <a:latin typeface="Lucida Console" panose="020B0609040504020204" pitchFamily="49" charset="0"/>
+                <a:cs typeface="Consolas" panose="020B0609020204030204" pitchFamily="49" charset="0"/>
+              </a:rPr>
+              <a:t>));</a:t>
+            </a:r>
+            <a:endParaRPr lang="en-US" sz="2500" b="1" dirty="0">
+              <a:solidFill>
+                <a:schemeClr val="bg1"/>
+              </a:solidFill>
+              <a:latin typeface="Lucida Console" panose="020B0609040504020204" pitchFamily="49" charset="0"/>
+              <a:cs typeface="Consolas" panose="020B0609020204030204" pitchFamily="49" charset="0"/>
+            </a:endParaRPr>
+          </a:p>
+        </p:txBody>
+      </p:sp>
+      <p:pic>
+        <p:nvPicPr>
+          <p:cNvPr id="5" name="Picture 4"/>
+          <p:cNvPicPr>
+            <a:picLocks noChangeAspect="1"/>
+          </p:cNvPicPr>
+          <p:nvPr/>
+        </p:nvPicPr>
+        <p:blipFill>
+          <a:blip r:embed="rId2" cstate="print"/>
+          <a:stretch>
+            <a:fillRect/>
+          </a:stretch>
+        </p:blipFill>
+        <p:spPr>
+          <a:xfrm>
+            <a:off x="0" y="0"/>
+            <a:ext cx="2781300" cy="2257425"/>
+          </a:xfrm>
+          <a:prstGeom prst="rect">
+            <a:avLst/>
+          </a:prstGeom>
+        </p:spPr>
+      </p:pic>
+    </p:spTree>
+    <p:extLst>
+      <p:ext uri="{BB962C8B-B14F-4D97-AF65-F5344CB8AC3E}">
+        <p14:creationId xmlns:p14="http://schemas.microsoft.com/office/powerpoint/2010/main" val="1418459360"/>
+      </p:ext>
+    </p:extLst>
+  </p:cSld>
+  <p:clrMapOvr>
+    <a:masterClrMapping/>
+  </p:clrMapOvr>
+</p:sld>
+</file>
+
+<file path=ppt/slides/slide11.xml><?xml version="1.0" encoding="utf-8"?>
+<p:sld xmlns:a="http://schemas.openxmlformats.org/drawingml/2006/main" xmlns:r="http://schemas.openxmlformats.org/officeDocument/2006/relationships" xmlns:p="http://schemas.openxmlformats.org/presentationml/2006/main">
+  <p:cSld>
+    <p:bg>
+      <p:bgPr>
+        <a:solidFill>
+          <a:schemeClr val="tx1"/>
+        </a:solidFill>
+        <a:effectLst/>
+      </p:bgPr>
+    </p:bg>
+    <p:spTree>
+      <p:nvGrpSpPr>
+        <p:cNvPr id="1" name=""/>
+        <p:cNvGrpSpPr/>
+        <p:nvPr/>
+      </p:nvGrpSpPr>
+      <p:grpSpPr>
+        <a:xfrm>
+          <a:off x="0" y="0"/>
+          <a:ext cx="0" cy="0"/>
+          <a:chOff x="0" y="0"/>
+          <a:chExt cx="0" cy="0"/>
+        </a:xfrm>
+      </p:grpSpPr>
       <p:pic>
         <p:nvPicPr>
           <p:cNvPr id="4" name="Picture 3"/>
@@ -5586,6 +5944,271 @@
                 </a:solidFill>
                 <a:latin typeface="Proxima Nova Rg" panose="02000506030000020004" pitchFamily="2" charset="0"/>
               </a:rPr>
+              <a:t>Streams are…</a:t>
+            </a:r>
+            <a:endParaRPr lang="en-US" dirty="0">
+              <a:solidFill>
+                <a:schemeClr val="bg1"/>
+              </a:solidFill>
+              <a:latin typeface="Proxima Nova Rg" panose="02000506030000020004" pitchFamily="2" charset="0"/>
+            </a:endParaRPr>
+          </a:p>
+        </p:txBody>
+      </p:sp>
+      <p:sp>
+        <p:nvSpPr>
+          <p:cNvPr id="5" name="TextBox 4"/>
+          <p:cNvSpPr txBox="1"/>
+          <p:nvPr/>
+        </p:nvSpPr>
+        <p:spPr>
+          <a:xfrm>
+            <a:off x="914400" y="1905000"/>
+            <a:ext cx="7086600" cy="769441"/>
+          </a:xfrm>
+          <a:prstGeom prst="rect">
+            <a:avLst/>
+          </a:prstGeom>
+          <a:noFill/>
+        </p:spPr>
+        <p:txBody>
+          <a:bodyPr wrap="square" rtlCol="0">
+            <a:spAutoFit/>
+          </a:bodyPr>
+          <a:lstStyle/>
+          <a:p>
+            <a:r>
+              <a:rPr lang="en-US" sz="4400" dirty="0" smtClean="0">
+                <a:solidFill>
+                  <a:schemeClr val="bg1"/>
+                </a:solidFill>
+                <a:latin typeface="Proxima Nova Rg" panose="02000506030000020004" pitchFamily="2" charset="0"/>
+              </a:rPr>
+              <a:t>…an </a:t>
+            </a:r>
+            <a:r>
+              <a:rPr lang="en-US" sz="4400" dirty="0">
+                <a:solidFill>
+                  <a:schemeClr val="bg1"/>
+                </a:solidFill>
+                <a:latin typeface="Proxima Nova Rg" panose="02000506030000020004" pitchFamily="2" charset="0"/>
+              </a:rPr>
+              <a:t>a</a:t>
+            </a:r>
+            <a:r>
+              <a:rPr lang="en-US" sz="4400" dirty="0" smtClean="0">
+                <a:solidFill>
+                  <a:schemeClr val="bg1"/>
+                </a:solidFill>
+                <a:latin typeface="Proxima Nova Rg" panose="02000506030000020004" pitchFamily="2" charset="0"/>
+              </a:rPr>
+              <a:t>bstraction of IO…</a:t>
+            </a:r>
+            <a:endParaRPr lang="en-US" sz="4400" dirty="0">
+              <a:solidFill>
+                <a:schemeClr val="bg1"/>
+              </a:solidFill>
+              <a:latin typeface="Proxima Nova Rg" panose="02000506030000020004" pitchFamily="2" charset="0"/>
+            </a:endParaRPr>
+          </a:p>
+        </p:txBody>
+      </p:sp>
+      <p:sp>
+        <p:nvSpPr>
+          <p:cNvPr id="6" name="TextBox 5"/>
+          <p:cNvSpPr txBox="1"/>
+          <p:nvPr/>
+        </p:nvSpPr>
+        <p:spPr>
+          <a:xfrm>
+            <a:off x="914400" y="3124200"/>
+            <a:ext cx="7696200" cy="1446550"/>
+          </a:xfrm>
+          <a:prstGeom prst="rect">
+            <a:avLst/>
+          </a:prstGeom>
+          <a:noFill/>
+        </p:spPr>
+        <p:txBody>
+          <a:bodyPr wrap="square" rtlCol="0">
+            <a:spAutoFit/>
+          </a:bodyPr>
+          <a:lstStyle/>
+          <a:p>
+            <a:pPr>
+              <a:defRPr/>
+            </a:pPr>
+            <a:r>
+              <a:rPr lang="en-US" sz="4400" dirty="0" smtClean="0">
+                <a:solidFill>
+                  <a:schemeClr val="bg1"/>
+                </a:solidFill>
+                <a:latin typeface="Proxima Nova Rg"/>
+              </a:rPr>
+              <a:t>…incremental </a:t>
+            </a:r>
+            <a:r>
+              <a:rPr lang="en-US" sz="4400" dirty="0">
+                <a:solidFill>
+                  <a:schemeClr val="bg1"/>
+                </a:solidFill>
+                <a:latin typeface="Proxima Nova Rg"/>
+              </a:rPr>
+              <a:t>data in time with back </a:t>
+            </a:r>
+            <a:r>
+              <a:rPr lang="en-US" sz="4400" dirty="0" smtClean="0">
+                <a:solidFill>
+                  <a:schemeClr val="bg1"/>
+                </a:solidFill>
+                <a:latin typeface="Proxima Nova Rg"/>
+              </a:rPr>
+              <a:t>pressure…</a:t>
+            </a:r>
+            <a:endParaRPr lang="en-US" sz="4400" dirty="0">
+              <a:solidFill>
+                <a:schemeClr val="bg1"/>
+              </a:solidFill>
+              <a:latin typeface="Proxima Nova Rg"/>
+            </a:endParaRPr>
+          </a:p>
+        </p:txBody>
+      </p:sp>
+      <p:sp>
+        <p:nvSpPr>
+          <p:cNvPr id="7" name="TextBox 6"/>
+          <p:cNvSpPr txBox="1"/>
+          <p:nvPr/>
+        </p:nvSpPr>
+        <p:spPr>
+          <a:xfrm>
+            <a:off x="914400" y="4801850"/>
+            <a:ext cx="7696200" cy="1446550"/>
+          </a:xfrm>
+          <a:prstGeom prst="rect">
+            <a:avLst/>
+          </a:prstGeom>
+          <a:noFill/>
+        </p:spPr>
+        <p:txBody>
+          <a:bodyPr wrap="square" rtlCol="0">
+            <a:spAutoFit/>
+          </a:bodyPr>
+          <a:lstStyle/>
+          <a:p>
+            <a:pPr>
+              <a:defRPr/>
+            </a:pPr>
+            <a:r>
+              <a:rPr lang="en-US" sz="4400" dirty="0" smtClean="0">
+                <a:solidFill>
+                  <a:schemeClr val="bg1"/>
+                </a:solidFill>
+                <a:latin typeface="Proxima Nova Rg"/>
+              </a:rPr>
+              <a:t>…are like Lego blocks that you can put together…</a:t>
+            </a:r>
+            <a:endParaRPr lang="en-US" sz="4400" dirty="0">
+              <a:solidFill>
+                <a:schemeClr val="bg1"/>
+              </a:solidFill>
+              <a:latin typeface="Proxima Nova Rg"/>
+            </a:endParaRPr>
+          </a:p>
+        </p:txBody>
+      </p:sp>
+    </p:spTree>
+    <p:extLst>
+      <p:ext uri="{BB962C8B-B14F-4D97-AF65-F5344CB8AC3E}">
+        <p14:creationId xmlns:p14="http://schemas.microsoft.com/office/powerpoint/2010/main" val="167956377"/>
+      </p:ext>
+    </p:extLst>
+  </p:cSld>
+  <p:clrMapOvr>
+    <a:masterClrMapping/>
+  </p:clrMapOvr>
+  <p:timing>
+    <p:tnLst>
+      <p:par>
+        <p:cTn id="1" dur="indefinite" restart="never" nodeType="tmRoot"/>
+      </p:par>
+    </p:tnLst>
+  </p:timing>
+</p:sld>
+</file>
+
+<file path=ppt/slides/slide12.xml><?xml version="1.0" encoding="utf-8"?>
+<p:sld xmlns:a="http://schemas.openxmlformats.org/drawingml/2006/main" xmlns:r="http://schemas.openxmlformats.org/officeDocument/2006/relationships" xmlns:p="http://schemas.openxmlformats.org/presentationml/2006/main">
+  <p:cSld>
+    <p:bg>
+      <p:bgPr>
+        <a:solidFill>
+          <a:schemeClr val="tx1"/>
+        </a:solidFill>
+        <a:effectLst/>
+      </p:bgPr>
+    </p:bg>
+    <p:spTree>
+      <p:nvGrpSpPr>
+        <p:cNvPr id="1" name=""/>
+        <p:cNvGrpSpPr/>
+        <p:nvPr/>
+      </p:nvGrpSpPr>
+      <p:grpSpPr>
+        <a:xfrm>
+          <a:off x="0" y="0"/>
+          <a:ext cx="0" cy="0"/>
+          <a:chOff x="0" y="0"/>
+          <a:chExt cx="0" cy="0"/>
+        </a:xfrm>
+      </p:grpSpPr>
+      <p:pic>
+        <p:nvPicPr>
+          <p:cNvPr id="4" name="Picture 3"/>
+          <p:cNvPicPr>
+            <a:picLocks noChangeAspect="1"/>
+          </p:cNvPicPr>
+          <p:nvPr/>
+        </p:nvPicPr>
+        <p:blipFill>
+          <a:blip r:embed="rId3" cstate="print"/>
+          <a:stretch>
+            <a:fillRect/>
+          </a:stretch>
+        </p:blipFill>
+        <p:spPr>
+          <a:xfrm>
+            <a:off x="0" y="0"/>
+            <a:ext cx="2781300" cy="2257425"/>
+          </a:xfrm>
+          <a:prstGeom prst="rect">
+            <a:avLst/>
+          </a:prstGeom>
+        </p:spPr>
+      </p:pic>
+      <p:sp>
+        <p:nvSpPr>
+          <p:cNvPr id="2" name="Title 1"/>
+          <p:cNvSpPr>
+            <a:spLocks noGrp="1"/>
+          </p:cNvSpPr>
+          <p:nvPr>
+            <p:ph type="title"/>
+          </p:nvPr>
+        </p:nvSpPr>
+        <p:spPr/>
+        <p:txBody>
+          <a:bodyPr/>
+          <a:lstStyle/>
+          <a:p>
+            <a:pPr algn="r"/>
+            <a:r>
+              <a:rPr lang="en-US" dirty="0" smtClean="0">
+                <a:solidFill>
+                  <a:schemeClr val="bg1"/>
+                </a:solidFill>
+                <a:latin typeface="Proxima Nova Rg" panose="02000506030000020004" pitchFamily="2" charset="0"/>
+              </a:rPr>
               <a:t>Why Streams?</a:t>
             </a:r>
             <a:endParaRPr lang="en-US" dirty="0">
@@ -5628,12 +6251,6 @@
               </a:rPr>
               <a:t>Improve Latency</a:t>
             </a:r>
-            <a:endParaRPr lang="en-US" sz="4400" dirty="0">
-              <a:solidFill>
-                <a:schemeClr val="bg1"/>
-              </a:solidFill>
-              <a:latin typeface="Proxima Nova Rg"/>
-            </a:endParaRPr>
           </a:p>
         </p:txBody>
       </p:sp>
@@ -5668,12 +6285,6 @@
               </a:rPr>
               <a:t>Reduce memory footprint</a:t>
             </a:r>
-            <a:endParaRPr lang="en-US" sz="4400" dirty="0">
-              <a:solidFill>
-                <a:schemeClr val="bg1"/>
-              </a:solidFill>
-              <a:latin typeface="Proxima Nova Rg"/>
-            </a:endParaRPr>
           </a:p>
         </p:txBody>
       </p:sp>
@@ -5777,7 +6388,7 @@
 </p:sld>
 </file>
 
-<file path=ppt/slides/slide11.xml><?xml version="1.0" encoding="utf-8"?>
+<file path=ppt/slides/slide13.xml><?xml version="1.0" encoding="utf-8"?>
 <p:sld xmlns:a="http://schemas.openxmlformats.org/drawingml/2006/main" xmlns:r="http://schemas.openxmlformats.org/officeDocument/2006/relationships" xmlns:p="http://schemas.openxmlformats.org/presentationml/2006/main">
   <p:cSld>
     <p:bg>
@@ -6569,7 +7180,7 @@
 </p:sld>
 </file>
 
-<file path=ppt/slides/slide12.xml><?xml version="1.0" encoding="utf-8"?>
+<file path=ppt/slides/slide14.xml><?xml version="1.0" encoding="utf-8"?>
 <p:sld xmlns:a="http://schemas.openxmlformats.org/drawingml/2006/main" xmlns:r="http://schemas.openxmlformats.org/officeDocument/2006/relationships" xmlns:p="http://schemas.openxmlformats.org/presentationml/2006/main">
   <p:cSld>
     <p:bg>
@@ -7252,7 +7863,7 @@
 </p:sld>
 </file>
 
-<file path=ppt/slides/slide13.xml><?xml version="1.0" encoding="utf-8"?>
+<file path=ppt/slides/slide15.xml><?xml version="1.0" encoding="utf-8"?>
 <p:sld xmlns:a="http://schemas.openxmlformats.org/drawingml/2006/main" xmlns:r="http://schemas.openxmlformats.org/officeDocument/2006/relationships" xmlns:p="http://schemas.openxmlformats.org/presentationml/2006/main">
   <p:cSld>
     <p:bg>
@@ -7528,17 +8139,7 @@
                 <a:latin typeface="Lucida Console" panose="020B0609040504020204" pitchFamily="49" charset="0"/>
                 <a:cs typeface="Consolas" panose="020B0609020204030204" pitchFamily="49" charset="0"/>
               </a:rPr>
-              <a:t>)</a:t>
-            </a:r>
-            <a:r>
-              <a:rPr lang="en-US" sz="2200" b="1" dirty="0" smtClean="0">
-                <a:solidFill>
-                  <a:schemeClr val="bg1"/>
-                </a:solidFill>
-                <a:latin typeface="Lucida Console" panose="020B0609040504020204" pitchFamily="49" charset="0"/>
-                <a:cs typeface="Consolas" panose="020B0609020204030204" pitchFamily="49" charset="0"/>
-              </a:rPr>
-              <a:t>;</a:t>
+              <a:t>);</a:t>
             </a:r>
             <a:endParaRPr lang="en-US" sz="2200" b="1" dirty="0">
               <a:solidFill>
@@ -7976,13 +8577,6 @@
               </a:rPr>
               <a:t>));</a:t>
             </a:r>
-            <a:endParaRPr lang="en-US" sz="2200" b="1" dirty="0">
-              <a:solidFill>
-                <a:schemeClr val="bg1"/>
-              </a:solidFill>
-              <a:latin typeface="Lucida Console" panose="020B0609040504020204" pitchFamily="49" charset="0"/>
-              <a:cs typeface="Consolas" panose="020B0609020204030204" pitchFamily="49" charset="0"/>
-            </a:endParaRPr>
           </a:p>
           <a:p>
             <a:pPr marL="0" indent="0">
@@ -8014,7 +8608,7 @@
 </p:sld>
 </file>
 
-<file path=ppt/slides/slide14.xml><?xml version="1.0" encoding="utf-8"?>
+<file path=ppt/slides/slide16.xml><?xml version="1.0" encoding="utf-8"?>
 <p:sld xmlns:a="http://schemas.openxmlformats.org/drawingml/2006/main" xmlns:r="http://schemas.openxmlformats.org/officeDocument/2006/relationships" xmlns:p="http://schemas.openxmlformats.org/presentationml/2006/main">
   <p:cSld>
     <p:bg>
@@ -8118,15 +8712,7 @@
                   <a:schemeClr val="bg1"/>
                 </a:solidFill>
               </a:rPr>
-              <a:t>Subclass of </a:t>
-            </a:r>
-            <a:r>
-              <a:rPr lang="en-US" dirty="0" err="1" smtClean="0">
-                <a:solidFill>
-                  <a:schemeClr val="bg1"/>
-                </a:solidFill>
-              </a:rPr>
-              <a:t>EventEmitter</a:t>
+              <a:t>Special kind of Event Emitter</a:t>
             </a:r>
             <a:endParaRPr lang="en-US" dirty="0" smtClean="0">
               <a:solidFill>
@@ -8141,7 +8727,15 @@
                   <a:schemeClr val="bg1"/>
                 </a:solidFill>
               </a:rPr>
-              <a:t>Composition through pipe method</a:t>
+              <a:t>Composition through </a:t>
+            </a:r>
+            <a:r>
+              <a:rPr lang="en-US" dirty="0" smtClean="0">
+                <a:solidFill>
+                  <a:schemeClr val="bg1"/>
+                </a:solidFill>
+              </a:rPr>
+              <a:t>pipe</a:t>
             </a:r>
             <a:endParaRPr lang="en-US" dirty="0" smtClean="0">
               <a:solidFill>
@@ -8369,7 +8963,7 @@
 </p:sld>
 </file>
 
-<file path=ppt/slides/slide15.xml><?xml version="1.0" encoding="utf-8"?>
+<file path=ppt/slides/slide17.xml><?xml version="1.0" encoding="utf-8"?>
 <p:sld xmlns:a="http://schemas.openxmlformats.org/drawingml/2006/main" xmlns:r="http://schemas.openxmlformats.org/officeDocument/2006/relationships" xmlns:p="http://schemas.openxmlformats.org/presentationml/2006/main">
   <p:cSld>
     <p:spTree>
@@ -8474,7 +9068,7 @@
 </p:sld>
 </file>
 
-<file path=ppt/slides/slide16.xml><?xml version="1.0" encoding="utf-8"?>
+<file path=ppt/slides/slide18.xml><?xml version="1.0" encoding="utf-8"?>
 <p:sld xmlns:a="http://schemas.openxmlformats.org/drawingml/2006/main" xmlns:r="http://schemas.openxmlformats.org/officeDocument/2006/relationships" xmlns:p="http://schemas.openxmlformats.org/presentationml/2006/main">
   <p:cSld>
     <p:bg>
@@ -8645,7 +9239,7 @@
 </p:sld>
 </file>
 
-<file path=ppt/slides/slide17.xml><?xml version="1.0" encoding="utf-8"?>
+<file path=ppt/slides/slide19.xml><?xml version="1.0" encoding="utf-8"?>
 <p:sld xmlns:a="http://schemas.openxmlformats.org/drawingml/2006/main" xmlns:r="http://schemas.openxmlformats.org/officeDocument/2006/relationships" xmlns:p="http://schemas.openxmlformats.org/presentationml/2006/main">
   <p:cSld>
     <p:bg>
@@ -8750,41 +9344,8 @@
                 </a:solidFill>
                 <a:latin typeface="Proxima Nova Rg" panose="02000506030000020004" pitchFamily="50" charset="0"/>
               </a:rPr>
-              <a:t>Emit </a:t>
-            </a:r>
-            <a:r>
-              <a:rPr lang="en-US" dirty="0" smtClean="0">
-                <a:solidFill>
-                  <a:schemeClr val="bg1"/>
-                </a:solidFill>
-                <a:latin typeface="Proxima Nova Rg" panose="02000506030000020004" pitchFamily="50" charset="0"/>
-              </a:rPr>
-              <a:t>many data events </a:t>
-            </a:r>
-            <a:r>
-              <a:rPr lang="en-US" dirty="0" smtClean="0">
-                <a:solidFill>
-                  <a:schemeClr val="bg1"/>
-                </a:solidFill>
-                <a:latin typeface="Proxima Nova Rg" panose="02000506030000020004" pitchFamily="50" charset="0"/>
-              </a:rPr>
-              <a:t>and </a:t>
-            </a:r>
-            <a:r>
-              <a:rPr lang="en-US" dirty="0" smtClean="0">
-                <a:solidFill>
-                  <a:schemeClr val="bg1"/>
-                </a:solidFill>
-                <a:latin typeface="Proxima Nova Rg" panose="02000506030000020004" pitchFamily="50" charset="0"/>
-              </a:rPr>
-              <a:t>a single end event</a:t>
-            </a:r>
-            <a:endParaRPr lang="en-US" dirty="0" smtClean="0">
-              <a:solidFill>
-                <a:schemeClr val="bg1"/>
-              </a:solidFill>
-              <a:latin typeface="Proxima Nova Rg" panose="02000506030000020004" pitchFamily="50" charset="0"/>
-            </a:endParaRPr>
+              <a:t>Emit many data events and a single end event</a:t>
+            </a:r>
           </a:p>
         </p:txBody>
       </p:sp>
@@ -9312,1133 +9873,6 @@
       </p:par>
     </p:tnLst>
   </p:timing>
-</p:sld>
-</file>
-
-<file path=ppt/slides/slide18.xml><?xml version="1.0" encoding="utf-8"?>
-<p:sld xmlns:a="http://schemas.openxmlformats.org/drawingml/2006/main" xmlns:r="http://schemas.openxmlformats.org/officeDocument/2006/relationships" xmlns:p="http://schemas.openxmlformats.org/presentationml/2006/main">
-  <p:cSld>
-    <p:bg>
-      <p:bgPr>
-        <a:solidFill>
-          <a:schemeClr val="tx1"/>
-        </a:solidFill>
-        <a:effectLst/>
-      </p:bgPr>
-    </p:bg>
-    <p:spTree>
-      <p:nvGrpSpPr>
-        <p:cNvPr id="1" name=""/>
-        <p:cNvGrpSpPr/>
-        <p:nvPr/>
-      </p:nvGrpSpPr>
-      <p:grpSpPr>
-        <a:xfrm>
-          <a:off x="0" y="0"/>
-          <a:ext cx="0" cy="0"/>
-          <a:chOff x="0" y="0"/>
-          <a:chExt cx="0" cy="0"/>
-        </a:xfrm>
-      </p:grpSpPr>
-      <p:pic>
-        <p:nvPicPr>
-          <p:cNvPr id="6" name="Picture 5"/>
-          <p:cNvPicPr>
-            <a:picLocks noChangeAspect="1"/>
-          </p:cNvPicPr>
-          <p:nvPr/>
-        </p:nvPicPr>
-        <p:blipFill>
-          <a:blip r:embed="rId2" cstate="print"/>
-          <a:stretch>
-            <a:fillRect/>
-          </a:stretch>
-        </p:blipFill>
-        <p:spPr>
-          <a:xfrm>
-            <a:off x="10886" y="0"/>
-            <a:ext cx="2781300" cy="2257425"/>
-          </a:xfrm>
-          <a:prstGeom prst="rect">
-            <a:avLst/>
-          </a:prstGeom>
-        </p:spPr>
-      </p:pic>
-      <p:sp>
-        <p:nvSpPr>
-          <p:cNvPr id="2" name="Title 1"/>
-          <p:cNvSpPr>
-            <a:spLocks noGrp="1"/>
-          </p:cNvSpPr>
-          <p:nvPr>
-            <p:ph type="title"/>
-          </p:nvPr>
-        </p:nvSpPr>
-        <p:spPr/>
-        <p:txBody>
-          <a:bodyPr/>
-          <a:lstStyle/>
-          <a:p>
-            <a:pPr algn="r"/>
-            <a:r>
-              <a:rPr lang="en-US" dirty="0" smtClean="0">
-                <a:solidFill>
-                  <a:schemeClr val="bg1"/>
-                </a:solidFill>
-                <a:latin typeface="Proxima Nova Rg" panose="02000506030000020004" pitchFamily="2" charset="0"/>
-              </a:rPr>
-              <a:t>Writeable Stream</a:t>
-            </a:r>
-            <a:endParaRPr lang="en-US" dirty="0">
-              <a:solidFill>
-                <a:schemeClr val="bg1"/>
-              </a:solidFill>
-              <a:latin typeface="Proxima Nova Rg" panose="02000506030000020004" pitchFamily="2" charset="0"/>
-            </a:endParaRPr>
-          </a:p>
-        </p:txBody>
-      </p:sp>
-      <p:sp>
-        <p:nvSpPr>
-          <p:cNvPr id="3" name="Content Placeholder 2"/>
-          <p:cNvSpPr>
-            <a:spLocks noGrp="1"/>
-          </p:cNvSpPr>
-          <p:nvPr>
-            <p:ph idx="1"/>
-          </p:nvPr>
-        </p:nvSpPr>
-        <p:spPr/>
-        <p:txBody>
-          <a:bodyPr/>
-          <a:lstStyle/>
-          <a:p>
-            <a:r>
-              <a:rPr lang="en-US" dirty="0" smtClean="0">
-                <a:solidFill>
-                  <a:schemeClr val="bg1"/>
-                </a:solidFill>
-                <a:latin typeface="Proxima Nova Rg" panose="02000506030000020004" pitchFamily="50" charset="0"/>
-              </a:rPr>
-              <a:t>Implement </a:t>
-            </a:r>
-            <a:r>
-              <a:rPr lang="en-US" dirty="0" smtClean="0">
-                <a:solidFill>
-                  <a:schemeClr val="bg1"/>
-                </a:solidFill>
-                <a:latin typeface="Proxima Nova Rg" panose="02000506030000020004" pitchFamily="50" charset="0"/>
-              </a:rPr>
-              <a:t>write, end and destroy methods</a:t>
-            </a:r>
-            <a:endParaRPr lang="en-US" dirty="0">
-              <a:solidFill>
-                <a:schemeClr val="bg1"/>
-              </a:solidFill>
-              <a:latin typeface="Proxima Nova Rg" panose="02000506030000020004" pitchFamily="50" charset="0"/>
-            </a:endParaRPr>
-          </a:p>
-        </p:txBody>
-      </p:sp>
-      <p:sp>
-        <p:nvSpPr>
-          <p:cNvPr id="5" name="TextBox 4"/>
-          <p:cNvSpPr txBox="1"/>
-          <p:nvPr/>
-        </p:nvSpPr>
-        <p:spPr>
-          <a:xfrm>
-            <a:off x="457200" y="2887682"/>
-            <a:ext cx="8229600" cy="3785652"/>
-          </a:xfrm>
-          <a:prstGeom prst="rect">
-            <a:avLst/>
-          </a:prstGeom>
-          <a:noFill/>
-        </p:spPr>
-        <p:txBody>
-          <a:bodyPr wrap="square" rtlCol="0">
-            <a:spAutoFit/>
-          </a:bodyPr>
-          <a:lstStyle/>
-          <a:p>
-            <a:r>
-              <a:rPr lang="en-US" sz="2000" b="1" dirty="0" err="1" smtClean="0">
-                <a:solidFill>
-                  <a:schemeClr val="bg1"/>
-                </a:solidFill>
-                <a:latin typeface="Lucida Console" panose="020B0609040504020204" pitchFamily="49" charset="0"/>
-                <a:cs typeface="Consolas" panose="020B0609020204030204" pitchFamily="49" charset="0"/>
-              </a:rPr>
-              <a:t>stream.writable</a:t>
-            </a:r>
-            <a:r>
-              <a:rPr lang="en-US" sz="2000" b="1" dirty="0" smtClean="0">
-                <a:solidFill>
-                  <a:schemeClr val="bg1"/>
-                </a:solidFill>
-                <a:latin typeface="Lucida Console" panose="020B0609040504020204" pitchFamily="49" charset="0"/>
-                <a:cs typeface="Consolas" panose="020B0609020204030204" pitchFamily="49" charset="0"/>
-              </a:rPr>
-              <a:t> </a:t>
-            </a:r>
-            <a:r>
-              <a:rPr lang="en-US" sz="2000" b="1" dirty="0">
-                <a:solidFill>
-                  <a:schemeClr val="bg1"/>
-                </a:solidFill>
-                <a:latin typeface="Lucida Console" panose="020B0609040504020204" pitchFamily="49" charset="0"/>
-                <a:cs typeface="Consolas" panose="020B0609020204030204" pitchFamily="49" charset="0"/>
-              </a:rPr>
-              <a:t>= </a:t>
-            </a:r>
-            <a:r>
-              <a:rPr lang="en-US" sz="2000" b="1" dirty="0">
-                <a:solidFill>
-                  <a:srgbClr val="AE81FF"/>
-                </a:solidFill>
-                <a:latin typeface="Lucida Console" panose="020B0609040504020204" pitchFamily="49" charset="0"/>
-                <a:cs typeface="Consolas" panose="020B0609020204030204" pitchFamily="49" charset="0"/>
-              </a:rPr>
-              <a:t>true</a:t>
-            </a:r>
-            <a:r>
-              <a:rPr lang="en-US" sz="2000" b="1" dirty="0">
-                <a:solidFill>
-                  <a:schemeClr val="bg1"/>
-                </a:solidFill>
-                <a:latin typeface="Lucida Console" panose="020B0609040504020204" pitchFamily="49" charset="0"/>
-                <a:cs typeface="Consolas" panose="020B0609020204030204" pitchFamily="49" charset="0"/>
-              </a:rPr>
-              <a:t>;</a:t>
-            </a:r>
-          </a:p>
-          <a:p>
-            <a:endParaRPr lang="en-US" sz="2000" b="1" dirty="0">
-              <a:solidFill>
-                <a:schemeClr val="bg1"/>
-              </a:solidFill>
-              <a:latin typeface="Lucida Console" panose="020B0609040504020204" pitchFamily="49" charset="0"/>
-              <a:cs typeface="Consolas" panose="020B0609020204030204" pitchFamily="49" charset="0"/>
-            </a:endParaRPr>
-          </a:p>
-          <a:p>
-            <a:r>
-              <a:rPr lang="en-US" sz="2000" b="1" dirty="0" err="1">
-                <a:solidFill>
-                  <a:srgbClr val="66D9EF"/>
-                </a:solidFill>
-                <a:latin typeface="Lucida Console" panose="020B0609040504020204" pitchFamily="49" charset="0"/>
-                <a:cs typeface="Consolas" panose="020B0609020204030204" pitchFamily="49" charset="0"/>
-              </a:rPr>
-              <a:t>s</a:t>
-            </a:r>
-            <a:r>
-              <a:rPr lang="en-US" sz="2000" b="1" dirty="0" err="1">
-                <a:solidFill>
-                  <a:schemeClr val="bg1"/>
-                </a:solidFill>
-                <a:latin typeface="Lucida Console" panose="020B0609040504020204" pitchFamily="49" charset="0"/>
-                <a:cs typeface="Consolas" panose="020B0609020204030204" pitchFamily="49" charset="0"/>
-              </a:rPr>
-              <a:t>.</a:t>
-            </a:r>
-            <a:r>
-              <a:rPr lang="en-US" sz="2000" b="1" dirty="0" err="1">
-                <a:solidFill>
-                  <a:srgbClr val="A6E22E"/>
-                </a:solidFill>
-                <a:latin typeface="Lucida Console" panose="020B0609040504020204" pitchFamily="49" charset="0"/>
-                <a:cs typeface="Consolas" panose="020B0609020204030204" pitchFamily="49" charset="0"/>
-              </a:rPr>
-              <a:t>write</a:t>
-            </a:r>
-            <a:r>
-              <a:rPr lang="en-US" sz="2000" b="1" dirty="0">
-                <a:solidFill>
-                  <a:schemeClr val="bg1"/>
-                </a:solidFill>
-                <a:latin typeface="Lucida Console" panose="020B0609040504020204" pitchFamily="49" charset="0"/>
-                <a:cs typeface="Consolas" panose="020B0609020204030204" pitchFamily="49" charset="0"/>
-              </a:rPr>
-              <a:t> = </a:t>
-            </a:r>
-            <a:r>
-              <a:rPr lang="en-US" sz="2000" b="1" dirty="0">
-                <a:solidFill>
-                  <a:srgbClr val="66D9EF"/>
-                </a:solidFill>
-                <a:latin typeface="Lucida Console" panose="020B0609040504020204" pitchFamily="49" charset="0"/>
-                <a:cs typeface="Consolas" panose="020B0609020204030204" pitchFamily="49" charset="0"/>
-              </a:rPr>
-              <a:t>function</a:t>
-            </a:r>
-            <a:r>
-              <a:rPr lang="en-US" sz="2000" b="1" dirty="0">
-                <a:solidFill>
-                  <a:schemeClr val="bg1"/>
-                </a:solidFill>
-                <a:latin typeface="Lucida Console" panose="020B0609040504020204" pitchFamily="49" charset="0"/>
-                <a:cs typeface="Consolas" panose="020B0609020204030204" pitchFamily="49" charset="0"/>
-              </a:rPr>
-              <a:t> (</a:t>
-            </a:r>
-            <a:r>
-              <a:rPr lang="en-US" sz="2000" b="1" dirty="0">
-                <a:solidFill>
-                  <a:srgbClr val="FD971F"/>
-                </a:solidFill>
-                <a:latin typeface="Lucida Console" panose="020B0609040504020204" pitchFamily="49" charset="0"/>
-                <a:cs typeface="Consolas" panose="020B0609020204030204" pitchFamily="49" charset="0"/>
-              </a:rPr>
-              <a:t>data</a:t>
-            </a:r>
-            <a:r>
-              <a:rPr lang="en-US" sz="2000" b="1" dirty="0">
-                <a:solidFill>
-                  <a:schemeClr val="bg1"/>
-                </a:solidFill>
-                <a:latin typeface="Lucida Console" panose="020B0609040504020204" pitchFamily="49" charset="0"/>
-                <a:cs typeface="Consolas" panose="020B0609020204030204" pitchFamily="49" charset="0"/>
-              </a:rPr>
-              <a:t>) </a:t>
-            </a:r>
-            <a:r>
-              <a:rPr lang="en-US" sz="2000" b="1" dirty="0" smtClean="0">
-                <a:solidFill>
-                  <a:schemeClr val="bg1"/>
-                </a:solidFill>
-                <a:latin typeface="Lucida Console" panose="020B0609040504020204" pitchFamily="49" charset="0"/>
-                <a:cs typeface="Consolas" panose="020B0609020204030204" pitchFamily="49" charset="0"/>
-              </a:rPr>
-              <a:t>{ ... };</a:t>
-            </a:r>
-            <a:endParaRPr lang="en-US" sz="2000" b="1" dirty="0">
-              <a:solidFill>
-                <a:schemeClr val="bg1"/>
-              </a:solidFill>
-              <a:latin typeface="Lucida Console" panose="020B0609040504020204" pitchFamily="49" charset="0"/>
-              <a:cs typeface="Consolas" panose="020B0609020204030204" pitchFamily="49" charset="0"/>
-            </a:endParaRPr>
-          </a:p>
-          <a:p>
-            <a:endParaRPr lang="en-US" sz="2000" b="1" dirty="0">
-              <a:solidFill>
-                <a:schemeClr val="bg1"/>
-              </a:solidFill>
-              <a:latin typeface="Lucida Console" panose="020B0609040504020204" pitchFamily="49" charset="0"/>
-              <a:cs typeface="Consolas" panose="020B0609020204030204" pitchFamily="49" charset="0"/>
-            </a:endParaRPr>
-          </a:p>
-          <a:p>
-            <a:r>
-              <a:rPr lang="en-US" sz="2000" b="1" dirty="0" err="1">
-                <a:solidFill>
-                  <a:srgbClr val="66D9EF"/>
-                </a:solidFill>
-                <a:latin typeface="Lucida Console" panose="020B0609040504020204" pitchFamily="49" charset="0"/>
-                <a:cs typeface="Consolas" panose="020B0609020204030204" pitchFamily="49" charset="0"/>
-              </a:rPr>
-              <a:t>s</a:t>
-            </a:r>
-            <a:r>
-              <a:rPr lang="en-US" sz="2000" b="1" dirty="0" err="1">
-                <a:solidFill>
-                  <a:schemeClr val="bg1"/>
-                </a:solidFill>
-                <a:latin typeface="Lucida Console" panose="020B0609040504020204" pitchFamily="49" charset="0"/>
-                <a:cs typeface="Consolas" panose="020B0609020204030204" pitchFamily="49" charset="0"/>
-              </a:rPr>
-              <a:t>.</a:t>
-            </a:r>
-            <a:r>
-              <a:rPr lang="en-US" sz="2000" b="1" dirty="0" err="1">
-                <a:solidFill>
-                  <a:srgbClr val="A6E22E"/>
-                </a:solidFill>
-                <a:latin typeface="Lucida Console" panose="020B0609040504020204" pitchFamily="49" charset="0"/>
-                <a:cs typeface="Consolas" panose="020B0609020204030204" pitchFamily="49" charset="0"/>
-              </a:rPr>
-              <a:t>end</a:t>
-            </a:r>
-            <a:r>
-              <a:rPr lang="en-US" sz="2000" b="1" dirty="0">
-                <a:solidFill>
-                  <a:schemeClr val="bg1"/>
-                </a:solidFill>
-                <a:latin typeface="Lucida Console" panose="020B0609040504020204" pitchFamily="49" charset="0"/>
-                <a:cs typeface="Consolas" panose="020B0609020204030204" pitchFamily="49" charset="0"/>
-              </a:rPr>
-              <a:t> = </a:t>
-            </a:r>
-            <a:r>
-              <a:rPr lang="en-US" sz="2000" b="1" dirty="0">
-                <a:solidFill>
-                  <a:srgbClr val="66D9EF"/>
-                </a:solidFill>
-                <a:latin typeface="Lucida Console" panose="020B0609040504020204" pitchFamily="49" charset="0"/>
-                <a:cs typeface="Consolas" panose="020B0609020204030204" pitchFamily="49" charset="0"/>
-              </a:rPr>
-              <a:t>function</a:t>
-            </a:r>
-            <a:r>
-              <a:rPr lang="en-US" sz="2000" b="1" dirty="0">
-                <a:solidFill>
-                  <a:schemeClr val="bg1"/>
-                </a:solidFill>
-                <a:latin typeface="Lucida Console" panose="020B0609040504020204" pitchFamily="49" charset="0"/>
-                <a:cs typeface="Consolas" panose="020B0609020204030204" pitchFamily="49" charset="0"/>
-              </a:rPr>
-              <a:t> (</a:t>
-            </a:r>
-            <a:r>
-              <a:rPr lang="en-US" sz="2000" b="1" dirty="0">
-                <a:solidFill>
-                  <a:srgbClr val="FD971F"/>
-                </a:solidFill>
-                <a:latin typeface="Lucida Console" panose="020B0609040504020204" pitchFamily="49" charset="0"/>
-                <a:cs typeface="Consolas" panose="020B0609020204030204" pitchFamily="49" charset="0"/>
-              </a:rPr>
-              <a:t>data</a:t>
-            </a:r>
-            <a:r>
-              <a:rPr lang="en-US" sz="2000" b="1" dirty="0">
-                <a:solidFill>
-                  <a:schemeClr val="bg1"/>
-                </a:solidFill>
-                <a:latin typeface="Lucida Console" panose="020B0609040504020204" pitchFamily="49" charset="0"/>
-                <a:cs typeface="Consolas" panose="020B0609020204030204" pitchFamily="49" charset="0"/>
-              </a:rPr>
-              <a:t>) {</a:t>
-            </a:r>
-          </a:p>
-          <a:p>
-            <a:r>
-              <a:rPr lang="en-US" sz="2000" b="1" dirty="0" smtClean="0">
-                <a:solidFill>
-                  <a:schemeClr val="bg1"/>
-                </a:solidFill>
-                <a:latin typeface="Lucida Console" panose="020B0609040504020204" pitchFamily="49" charset="0"/>
-                <a:cs typeface="Consolas" panose="020B0609020204030204" pitchFamily="49" charset="0"/>
-              </a:rPr>
-              <a:t>    </a:t>
-            </a:r>
-            <a:r>
-              <a:rPr lang="en-US" sz="2000" b="1" dirty="0" smtClean="0">
-                <a:solidFill>
-                  <a:srgbClr val="F92672"/>
-                </a:solidFill>
-                <a:latin typeface="Lucida Console" panose="020B0609040504020204" pitchFamily="49" charset="0"/>
-                <a:cs typeface="Consolas" panose="020B0609020204030204" pitchFamily="49" charset="0"/>
-              </a:rPr>
-              <a:t>if</a:t>
-            </a:r>
-            <a:r>
-              <a:rPr lang="en-US" sz="2000" b="1" dirty="0" smtClean="0">
-                <a:solidFill>
-                  <a:schemeClr val="bg1"/>
-                </a:solidFill>
-                <a:latin typeface="Lucida Console" panose="020B0609040504020204" pitchFamily="49" charset="0"/>
-                <a:cs typeface="Consolas" panose="020B0609020204030204" pitchFamily="49" charset="0"/>
-              </a:rPr>
-              <a:t> (</a:t>
-            </a:r>
-            <a:r>
-              <a:rPr lang="en-US" sz="2000" b="1" dirty="0" err="1" smtClean="0">
-                <a:solidFill>
-                  <a:schemeClr val="bg1"/>
-                </a:solidFill>
-                <a:latin typeface="Lucida Console" panose="020B0609040504020204" pitchFamily="49" charset="0"/>
-                <a:cs typeface="Consolas" panose="020B0609020204030204" pitchFamily="49" charset="0"/>
-              </a:rPr>
-              <a:t>arguments.length</a:t>
-            </a:r>
-            <a:r>
-              <a:rPr lang="en-US" sz="2000" b="1" dirty="0" smtClean="0">
-                <a:solidFill>
-                  <a:schemeClr val="bg1"/>
-                </a:solidFill>
-                <a:latin typeface="Lucida Console" panose="020B0609040504020204" pitchFamily="49" charset="0"/>
-                <a:cs typeface="Consolas" panose="020B0609020204030204" pitchFamily="49" charset="0"/>
-              </a:rPr>
-              <a:t>) </a:t>
-            </a:r>
-            <a:r>
-              <a:rPr lang="en-US" sz="2000" b="1" dirty="0" err="1" smtClean="0">
-                <a:solidFill>
-                  <a:schemeClr val="bg1"/>
-                </a:solidFill>
-                <a:latin typeface="Lucida Console" panose="020B0609040504020204" pitchFamily="49" charset="0"/>
-                <a:cs typeface="Consolas" panose="020B0609020204030204" pitchFamily="49" charset="0"/>
-              </a:rPr>
-              <a:t>s.write</a:t>
-            </a:r>
-            <a:r>
-              <a:rPr lang="en-US" sz="2000" b="1" dirty="0" smtClean="0">
-                <a:solidFill>
-                  <a:schemeClr val="bg1"/>
-                </a:solidFill>
-                <a:latin typeface="Lucida Console" panose="020B0609040504020204" pitchFamily="49" charset="0"/>
-                <a:cs typeface="Consolas" panose="020B0609020204030204" pitchFamily="49" charset="0"/>
-              </a:rPr>
-              <a:t>(data);</a:t>
-            </a:r>
-          </a:p>
-          <a:p>
-            <a:r>
-              <a:rPr lang="en-US" sz="2000" b="1" dirty="0">
-                <a:solidFill>
-                  <a:schemeClr val="bg1"/>
-                </a:solidFill>
-                <a:latin typeface="Lucida Console" panose="020B0609040504020204" pitchFamily="49" charset="0"/>
-                <a:cs typeface="Consolas" panose="020B0609020204030204" pitchFamily="49" charset="0"/>
-              </a:rPr>
-              <a:t> </a:t>
-            </a:r>
-            <a:r>
-              <a:rPr lang="en-US" sz="2000" b="1" dirty="0" smtClean="0">
-                <a:solidFill>
-                  <a:schemeClr val="bg1"/>
-                </a:solidFill>
-                <a:latin typeface="Lucida Console" panose="020B0609040504020204" pitchFamily="49" charset="0"/>
-                <a:cs typeface="Consolas" panose="020B0609020204030204" pitchFamily="49" charset="0"/>
-              </a:rPr>
-              <a:t>   </a:t>
-            </a:r>
-            <a:r>
-              <a:rPr lang="en-US" sz="2000" b="1" dirty="0" err="1" smtClean="0">
-                <a:solidFill>
-                  <a:schemeClr val="bg1"/>
-                </a:solidFill>
-                <a:latin typeface="Lucida Console" panose="020B0609040504020204" pitchFamily="49" charset="0"/>
-                <a:cs typeface="Consolas" panose="020B0609020204030204" pitchFamily="49" charset="0"/>
-              </a:rPr>
-              <a:t>this.destroy</a:t>
-            </a:r>
-            <a:r>
-              <a:rPr lang="en-US" sz="2000" b="1" dirty="0" smtClean="0">
-                <a:solidFill>
-                  <a:schemeClr val="bg1"/>
-                </a:solidFill>
-                <a:latin typeface="Lucida Console" panose="020B0609040504020204" pitchFamily="49" charset="0"/>
-                <a:cs typeface="Consolas" panose="020B0609020204030204" pitchFamily="49" charset="0"/>
-              </a:rPr>
-              <a:t>();</a:t>
-            </a:r>
-            <a:endParaRPr lang="en-US" sz="2000" b="1" dirty="0">
-              <a:solidFill>
-                <a:schemeClr val="bg1"/>
-              </a:solidFill>
-              <a:latin typeface="Lucida Console" panose="020B0609040504020204" pitchFamily="49" charset="0"/>
-              <a:cs typeface="Consolas" panose="020B0609020204030204" pitchFamily="49" charset="0"/>
-            </a:endParaRPr>
-          </a:p>
-          <a:p>
-            <a:r>
-              <a:rPr lang="en-US" sz="2000" b="1" dirty="0">
-                <a:solidFill>
-                  <a:schemeClr val="bg1"/>
-                </a:solidFill>
-                <a:latin typeface="Lucida Console" panose="020B0609040504020204" pitchFamily="49" charset="0"/>
-                <a:cs typeface="Consolas" panose="020B0609020204030204" pitchFamily="49" charset="0"/>
-              </a:rPr>
-              <a:t>};</a:t>
-            </a:r>
-          </a:p>
-          <a:p>
-            <a:endParaRPr lang="en-US" sz="2000" b="1" dirty="0">
-              <a:solidFill>
-                <a:schemeClr val="bg1"/>
-              </a:solidFill>
-              <a:latin typeface="Lucida Console" panose="020B0609040504020204" pitchFamily="49" charset="0"/>
-              <a:cs typeface="Consolas" panose="020B0609020204030204" pitchFamily="49" charset="0"/>
-            </a:endParaRPr>
-          </a:p>
-          <a:p>
-            <a:r>
-              <a:rPr lang="en-US" sz="2000" b="1" dirty="0" err="1">
-                <a:solidFill>
-                  <a:srgbClr val="66D9EF"/>
-                </a:solidFill>
-                <a:latin typeface="Lucida Console" panose="020B0609040504020204" pitchFamily="49" charset="0"/>
-                <a:cs typeface="Consolas" panose="020B0609020204030204" pitchFamily="49" charset="0"/>
-              </a:rPr>
-              <a:t>s</a:t>
-            </a:r>
-            <a:r>
-              <a:rPr lang="en-US" sz="2000" b="1" dirty="0" err="1">
-                <a:solidFill>
-                  <a:schemeClr val="bg1"/>
-                </a:solidFill>
-                <a:latin typeface="Lucida Console" panose="020B0609040504020204" pitchFamily="49" charset="0"/>
-                <a:cs typeface="Consolas" panose="020B0609020204030204" pitchFamily="49" charset="0"/>
-              </a:rPr>
-              <a:t>.</a:t>
-            </a:r>
-            <a:r>
-              <a:rPr lang="en-US" sz="2000" b="1" dirty="0" err="1">
-                <a:solidFill>
-                  <a:srgbClr val="A6E22E"/>
-                </a:solidFill>
-                <a:latin typeface="Lucida Console" panose="020B0609040504020204" pitchFamily="49" charset="0"/>
-                <a:cs typeface="Consolas" panose="020B0609020204030204" pitchFamily="49" charset="0"/>
-              </a:rPr>
-              <a:t>destroy</a:t>
-            </a:r>
-            <a:r>
-              <a:rPr lang="en-US" sz="2000" b="1" dirty="0">
-                <a:solidFill>
-                  <a:schemeClr val="bg1"/>
-                </a:solidFill>
-                <a:latin typeface="Lucida Console" panose="020B0609040504020204" pitchFamily="49" charset="0"/>
-                <a:cs typeface="Consolas" panose="020B0609020204030204" pitchFamily="49" charset="0"/>
-              </a:rPr>
-              <a:t> = </a:t>
-            </a:r>
-            <a:r>
-              <a:rPr lang="en-US" sz="2000" b="1" dirty="0">
-                <a:solidFill>
-                  <a:srgbClr val="66D9EF"/>
-                </a:solidFill>
-                <a:latin typeface="Lucida Console" panose="020B0609040504020204" pitchFamily="49" charset="0"/>
-                <a:cs typeface="Consolas" panose="020B0609020204030204" pitchFamily="49" charset="0"/>
-              </a:rPr>
-              <a:t>function</a:t>
-            </a:r>
-            <a:r>
-              <a:rPr lang="en-US" sz="2000" b="1" dirty="0">
-                <a:solidFill>
-                  <a:schemeClr val="bg1"/>
-                </a:solidFill>
-                <a:latin typeface="Lucida Console" panose="020B0609040504020204" pitchFamily="49" charset="0"/>
-                <a:cs typeface="Consolas" panose="020B0609020204030204" pitchFamily="49" charset="0"/>
-              </a:rPr>
-              <a:t> () {</a:t>
-            </a:r>
-          </a:p>
-          <a:p>
-            <a:r>
-              <a:rPr lang="en-US" sz="2000" b="1" dirty="0">
-                <a:solidFill>
-                  <a:schemeClr val="bg1"/>
-                </a:solidFill>
-                <a:latin typeface="Lucida Console" panose="020B0609040504020204" pitchFamily="49" charset="0"/>
-                <a:cs typeface="Consolas" panose="020B0609020204030204" pitchFamily="49" charset="0"/>
-              </a:rPr>
-              <a:t>    </a:t>
-            </a:r>
-            <a:r>
-              <a:rPr lang="en-US" sz="2000" b="1" dirty="0" err="1">
-                <a:solidFill>
-                  <a:schemeClr val="bg1"/>
-                </a:solidFill>
-                <a:latin typeface="Lucida Console" panose="020B0609040504020204" pitchFamily="49" charset="0"/>
-                <a:cs typeface="Consolas" panose="020B0609020204030204" pitchFamily="49" charset="0"/>
-              </a:rPr>
-              <a:t>this.writable</a:t>
-            </a:r>
-            <a:r>
-              <a:rPr lang="en-US" sz="2000" b="1" dirty="0">
-                <a:solidFill>
-                  <a:schemeClr val="bg1"/>
-                </a:solidFill>
-                <a:latin typeface="Lucida Console" panose="020B0609040504020204" pitchFamily="49" charset="0"/>
-                <a:cs typeface="Consolas" panose="020B0609020204030204" pitchFamily="49" charset="0"/>
-              </a:rPr>
-              <a:t> = </a:t>
-            </a:r>
-            <a:r>
-              <a:rPr lang="en-US" sz="2000" b="1" dirty="0">
-                <a:solidFill>
-                  <a:srgbClr val="AE81FF"/>
-                </a:solidFill>
-                <a:latin typeface="Lucida Console" panose="020B0609040504020204" pitchFamily="49" charset="0"/>
-                <a:cs typeface="Consolas" panose="020B0609020204030204" pitchFamily="49" charset="0"/>
-              </a:rPr>
-              <a:t>false</a:t>
-            </a:r>
-            <a:r>
-              <a:rPr lang="en-US" sz="2000" b="1" dirty="0">
-                <a:solidFill>
-                  <a:schemeClr val="bg1"/>
-                </a:solidFill>
-                <a:latin typeface="Lucida Console" panose="020B0609040504020204" pitchFamily="49" charset="0"/>
-                <a:cs typeface="Consolas" panose="020B0609020204030204" pitchFamily="49" charset="0"/>
-              </a:rPr>
-              <a:t>;</a:t>
-            </a:r>
-          </a:p>
-          <a:p>
-            <a:r>
-              <a:rPr lang="en-US" sz="2000" b="1" dirty="0">
-                <a:solidFill>
-                  <a:schemeClr val="bg1"/>
-                </a:solidFill>
-                <a:latin typeface="Lucida Console" panose="020B0609040504020204" pitchFamily="49" charset="0"/>
-                <a:cs typeface="Consolas" panose="020B0609020204030204" pitchFamily="49" charset="0"/>
-              </a:rPr>
-              <a:t>};</a:t>
-            </a:r>
-          </a:p>
-        </p:txBody>
-      </p:sp>
-    </p:spTree>
-    <p:extLst>
-      <p:ext uri="{BB962C8B-B14F-4D97-AF65-F5344CB8AC3E}">
-        <p14:creationId xmlns:p14="http://schemas.microsoft.com/office/powerpoint/2010/main" val="1624771621"/>
-      </p:ext>
-    </p:extLst>
-  </p:cSld>
-  <p:clrMapOvr>
-    <a:masterClrMapping/>
-  </p:clrMapOvr>
-  <p:timing>
-    <p:tnLst>
-      <p:par>
-        <p:cTn id="1" dur="indefinite" restart="never" nodeType="tmRoot"/>
-      </p:par>
-    </p:tnLst>
-  </p:timing>
-</p:sld>
-</file>
-
-<file path=ppt/slides/slide19.xml><?xml version="1.0" encoding="utf-8"?>
-<p:sld xmlns:a="http://schemas.openxmlformats.org/drawingml/2006/main" xmlns:r="http://schemas.openxmlformats.org/officeDocument/2006/relationships" xmlns:p="http://schemas.openxmlformats.org/presentationml/2006/main">
-  <p:cSld>
-    <p:bg>
-      <p:bgPr>
-        <a:solidFill>
-          <a:schemeClr val="tx1"/>
-        </a:solidFill>
-        <a:effectLst/>
-      </p:bgPr>
-    </p:bg>
-    <p:spTree>
-      <p:nvGrpSpPr>
-        <p:cNvPr id="1" name=""/>
-        <p:cNvGrpSpPr/>
-        <p:nvPr/>
-      </p:nvGrpSpPr>
-      <p:grpSpPr>
-        <a:xfrm>
-          <a:off x="0" y="0"/>
-          <a:ext cx="0" cy="0"/>
-          <a:chOff x="0" y="0"/>
-          <a:chExt cx="0" cy="0"/>
-        </a:xfrm>
-      </p:grpSpPr>
-      <p:pic>
-        <p:nvPicPr>
-          <p:cNvPr id="9" name="Picture 8"/>
-          <p:cNvPicPr>
-            <a:picLocks noChangeAspect="1"/>
-          </p:cNvPicPr>
-          <p:nvPr/>
-        </p:nvPicPr>
-        <p:blipFill>
-          <a:blip r:embed="rId2" cstate="print"/>
-          <a:stretch>
-            <a:fillRect/>
-          </a:stretch>
-        </p:blipFill>
-        <p:spPr>
-          <a:xfrm>
-            <a:off x="10886" y="0"/>
-            <a:ext cx="2781300" cy="2257425"/>
-          </a:xfrm>
-          <a:prstGeom prst="rect">
-            <a:avLst/>
-          </a:prstGeom>
-        </p:spPr>
-      </p:pic>
-      <p:sp>
-        <p:nvSpPr>
-          <p:cNvPr id="2" name="Title 1"/>
-          <p:cNvSpPr>
-            <a:spLocks noGrp="1"/>
-          </p:cNvSpPr>
-          <p:nvPr>
-            <p:ph type="title"/>
-          </p:nvPr>
-        </p:nvSpPr>
-        <p:spPr/>
-        <p:txBody>
-          <a:bodyPr/>
-          <a:lstStyle/>
-          <a:p>
-            <a:pPr algn="r"/>
-            <a:r>
-              <a:rPr lang="en-US" dirty="0" smtClean="0">
-                <a:solidFill>
-                  <a:schemeClr val="bg1"/>
-                </a:solidFill>
-                <a:latin typeface="Proxima Nova Rg" panose="02000506030000020004" pitchFamily="2" charset="0"/>
-              </a:rPr>
-              <a:t>Back pressure</a:t>
-            </a:r>
-            <a:endParaRPr lang="en-US" dirty="0">
-              <a:solidFill>
-                <a:schemeClr val="bg1"/>
-              </a:solidFill>
-              <a:latin typeface="Proxima Nova Rg" panose="02000506030000020004" pitchFamily="2" charset="0"/>
-            </a:endParaRPr>
-          </a:p>
-        </p:txBody>
-      </p:sp>
-      <p:sp>
-        <p:nvSpPr>
-          <p:cNvPr id="3" name="Content Placeholder 2"/>
-          <p:cNvSpPr>
-            <a:spLocks noGrp="1"/>
-          </p:cNvSpPr>
-          <p:nvPr>
-            <p:ph idx="1"/>
-          </p:nvPr>
-        </p:nvSpPr>
-        <p:spPr/>
-        <p:txBody>
-          <a:bodyPr/>
-          <a:lstStyle/>
-          <a:p>
-            <a:r>
-              <a:rPr lang="en-US" dirty="0" smtClean="0">
-                <a:solidFill>
-                  <a:schemeClr val="bg1"/>
-                </a:solidFill>
-              </a:rPr>
-              <a:t>Ensure Readable streams don’t emit faster than Writeable streams can consume</a:t>
-            </a:r>
-          </a:p>
-          <a:p>
-            <a:r>
-              <a:rPr lang="en-US" dirty="0" smtClean="0">
-                <a:solidFill>
-                  <a:schemeClr val="bg1"/>
-                </a:solidFill>
-              </a:rPr>
-              <a:t>Drastically changing with Node </a:t>
-            </a:r>
-            <a:r>
-              <a:rPr lang="en-US" dirty="0" smtClean="0">
-                <a:solidFill>
-                  <a:schemeClr val="bg1"/>
-                </a:solidFill>
-              </a:rPr>
-              <a:t>&gt;= 0.9</a:t>
-            </a:r>
-            <a:endParaRPr lang="en-US" dirty="0">
-              <a:solidFill>
-                <a:schemeClr val="bg1"/>
-              </a:solidFill>
-            </a:endParaRPr>
-          </a:p>
-        </p:txBody>
-      </p:sp>
-      <p:sp>
-        <p:nvSpPr>
-          <p:cNvPr id="4" name="TextBox 3"/>
-          <p:cNvSpPr txBox="1"/>
-          <p:nvPr/>
-        </p:nvSpPr>
-        <p:spPr>
-          <a:xfrm>
-            <a:off x="457200" y="4202668"/>
-            <a:ext cx="7315200" cy="461665"/>
-          </a:xfrm>
-          <a:prstGeom prst="rect">
-            <a:avLst/>
-          </a:prstGeom>
-          <a:noFill/>
-        </p:spPr>
-        <p:txBody>
-          <a:bodyPr wrap="square" rtlCol="0">
-            <a:spAutoFit/>
-          </a:bodyPr>
-          <a:lstStyle/>
-          <a:p>
-            <a:r>
-              <a:rPr lang="en-US" sz="2400" dirty="0" err="1" smtClean="0">
-                <a:solidFill>
-                  <a:srgbClr val="66D9EF"/>
-                </a:solidFill>
-                <a:latin typeface="Consolas" panose="020B0609020204030204" pitchFamily="49" charset="0"/>
-                <a:cs typeface="Consolas" panose="020B0609020204030204" pitchFamily="49" charset="0"/>
-              </a:rPr>
-              <a:t>writer</a:t>
-            </a:r>
-            <a:r>
-              <a:rPr lang="en-US" sz="2400" dirty="0" err="1" smtClean="0">
-                <a:solidFill>
-                  <a:schemeClr val="bg1"/>
-                </a:solidFill>
-                <a:latin typeface="Consolas" panose="020B0609020204030204" pitchFamily="49" charset="0"/>
-                <a:cs typeface="Consolas" panose="020B0609020204030204" pitchFamily="49" charset="0"/>
-              </a:rPr>
-              <a:t>.</a:t>
-            </a:r>
-            <a:r>
-              <a:rPr lang="en-US" sz="2400" dirty="0" err="1" smtClean="0">
-                <a:solidFill>
-                  <a:srgbClr val="A6E22E"/>
-                </a:solidFill>
-                <a:latin typeface="Consolas" panose="020B0609020204030204" pitchFamily="49" charset="0"/>
-                <a:cs typeface="Consolas" panose="020B0609020204030204" pitchFamily="49" charset="0"/>
-              </a:rPr>
-              <a:t>write</a:t>
-            </a:r>
-            <a:r>
-              <a:rPr lang="en-US" sz="2400" dirty="0">
-                <a:solidFill>
-                  <a:schemeClr val="bg1"/>
-                </a:solidFill>
-                <a:latin typeface="Consolas" panose="020B0609020204030204" pitchFamily="49" charset="0"/>
-                <a:cs typeface="Consolas" panose="020B0609020204030204" pitchFamily="49" charset="0"/>
-              </a:rPr>
-              <a:t>() </a:t>
-            </a:r>
-            <a:r>
-              <a:rPr lang="en-US" sz="2400" dirty="0" smtClean="0">
-                <a:solidFill>
-                  <a:schemeClr val="bg1"/>
-                </a:solidFill>
-                <a:latin typeface="Consolas" panose="020B0609020204030204" pitchFamily="49" charset="0"/>
-                <a:cs typeface="Consolas" panose="020B0609020204030204" pitchFamily="49" charset="0"/>
-              </a:rPr>
-              <a:t>=== </a:t>
-            </a:r>
-            <a:r>
-              <a:rPr lang="en-US" sz="2400" dirty="0">
-                <a:solidFill>
-                  <a:srgbClr val="AE81FF"/>
-                </a:solidFill>
-                <a:latin typeface="Consolas" panose="020B0609020204030204" pitchFamily="49" charset="0"/>
-                <a:cs typeface="Consolas" panose="020B0609020204030204" pitchFamily="49" charset="0"/>
-              </a:rPr>
-              <a:t>false</a:t>
-            </a:r>
-          </a:p>
-        </p:txBody>
-      </p:sp>
-      <p:sp>
-        <p:nvSpPr>
-          <p:cNvPr id="5" name="TextBox 4"/>
-          <p:cNvSpPr txBox="1"/>
-          <p:nvPr/>
-        </p:nvSpPr>
-        <p:spPr>
-          <a:xfrm>
-            <a:off x="457200" y="4948535"/>
-            <a:ext cx="7315200" cy="461665"/>
-          </a:xfrm>
-          <a:prstGeom prst="rect">
-            <a:avLst/>
-          </a:prstGeom>
-          <a:noFill/>
-        </p:spPr>
-        <p:txBody>
-          <a:bodyPr wrap="square" rtlCol="0">
-            <a:spAutoFit/>
-          </a:bodyPr>
-          <a:lstStyle/>
-          <a:p>
-            <a:r>
-              <a:rPr lang="en-US" sz="2400" dirty="0" err="1" smtClean="0">
-                <a:solidFill>
-                  <a:srgbClr val="66D9EF"/>
-                </a:solidFill>
-                <a:latin typeface="Consolas" panose="020B0609020204030204" pitchFamily="49" charset="0"/>
-                <a:cs typeface="Consolas" panose="020B0609020204030204" pitchFamily="49" charset="0"/>
-              </a:rPr>
-              <a:t>writer</a:t>
-            </a:r>
-            <a:r>
-              <a:rPr lang="en-US" sz="2400" dirty="0" err="1" smtClean="0">
-                <a:solidFill>
-                  <a:schemeClr val="bg1"/>
-                </a:solidFill>
-                <a:latin typeface="Consolas" panose="020B0609020204030204" pitchFamily="49" charset="0"/>
-                <a:cs typeface="Consolas" panose="020B0609020204030204" pitchFamily="49" charset="0"/>
-              </a:rPr>
-              <a:t>.</a:t>
-            </a:r>
-            <a:r>
-              <a:rPr lang="en-US" sz="2400" dirty="0" err="1" smtClean="0">
-                <a:solidFill>
-                  <a:srgbClr val="A6E22E"/>
-                </a:solidFill>
-                <a:latin typeface="Consolas" panose="020B0609020204030204" pitchFamily="49" charset="0"/>
-                <a:cs typeface="Consolas" panose="020B0609020204030204" pitchFamily="49" charset="0"/>
-              </a:rPr>
-              <a:t>emit</a:t>
-            </a:r>
-            <a:r>
-              <a:rPr lang="en-US" sz="2400" dirty="0">
-                <a:solidFill>
-                  <a:schemeClr val="bg1"/>
-                </a:solidFill>
-                <a:latin typeface="Consolas" panose="020B0609020204030204" pitchFamily="49" charset="0"/>
-                <a:cs typeface="Consolas" panose="020B0609020204030204" pitchFamily="49" charset="0"/>
-              </a:rPr>
-              <a:t>(</a:t>
-            </a:r>
-            <a:r>
-              <a:rPr lang="en-US" sz="2400" dirty="0">
-                <a:solidFill>
-                  <a:srgbClr val="E6DB74"/>
-                </a:solidFill>
-                <a:latin typeface="Consolas" panose="020B0609020204030204" pitchFamily="49" charset="0"/>
-                <a:cs typeface="Consolas" panose="020B0609020204030204" pitchFamily="49" charset="0"/>
-              </a:rPr>
-              <a:t>'drain'</a:t>
-            </a:r>
-            <a:r>
-              <a:rPr lang="en-US" sz="2400" dirty="0">
-                <a:solidFill>
-                  <a:schemeClr val="bg1"/>
-                </a:solidFill>
-                <a:latin typeface="Consolas" panose="020B0609020204030204" pitchFamily="49" charset="0"/>
-                <a:cs typeface="Consolas" panose="020B0609020204030204" pitchFamily="49" charset="0"/>
-              </a:rPr>
-              <a:t>)</a:t>
-            </a:r>
-          </a:p>
-        </p:txBody>
-      </p:sp>
-      <p:sp>
-        <p:nvSpPr>
-          <p:cNvPr id="7" name="TextBox 6"/>
-          <p:cNvSpPr txBox="1"/>
-          <p:nvPr/>
-        </p:nvSpPr>
-        <p:spPr>
-          <a:xfrm>
-            <a:off x="4953000" y="4191000"/>
-            <a:ext cx="3962400" cy="461665"/>
-          </a:xfrm>
-          <a:prstGeom prst="rect">
-            <a:avLst/>
-          </a:prstGeom>
-          <a:noFill/>
-        </p:spPr>
-        <p:txBody>
-          <a:bodyPr wrap="square" rtlCol="0">
-            <a:spAutoFit/>
-          </a:bodyPr>
-          <a:lstStyle/>
-          <a:p>
-            <a:r>
-              <a:rPr lang="en-US" sz="2400" dirty="0" err="1">
-                <a:solidFill>
-                  <a:srgbClr val="66D9EF"/>
-                </a:solidFill>
-                <a:latin typeface="Consolas" panose="020B0609020204030204" pitchFamily="49" charset="0"/>
-                <a:cs typeface="Consolas" panose="020B0609020204030204" pitchFamily="49" charset="0"/>
-              </a:rPr>
-              <a:t>reader</a:t>
-            </a:r>
-            <a:r>
-              <a:rPr lang="en-US" sz="2400" dirty="0" err="1">
-                <a:solidFill>
-                  <a:schemeClr val="bg1"/>
-                </a:solidFill>
-                <a:latin typeface="Consolas" panose="020B0609020204030204" pitchFamily="49" charset="0"/>
-                <a:cs typeface="Consolas" panose="020B0609020204030204" pitchFamily="49" charset="0"/>
-              </a:rPr>
-              <a:t>.</a:t>
-            </a:r>
-            <a:r>
-              <a:rPr lang="en-US" sz="2400" dirty="0" err="1">
-                <a:solidFill>
-                  <a:srgbClr val="A6E22E"/>
-                </a:solidFill>
-                <a:latin typeface="Consolas" panose="020B0609020204030204" pitchFamily="49" charset="0"/>
-                <a:cs typeface="Consolas" panose="020B0609020204030204" pitchFamily="49" charset="0"/>
-              </a:rPr>
-              <a:t>pause</a:t>
-            </a:r>
-            <a:r>
-              <a:rPr lang="en-US" sz="2400" dirty="0">
-                <a:solidFill>
-                  <a:schemeClr val="bg1"/>
-                </a:solidFill>
-                <a:latin typeface="Consolas" panose="020B0609020204030204" pitchFamily="49" charset="0"/>
-                <a:cs typeface="Consolas" panose="020B0609020204030204" pitchFamily="49" charset="0"/>
-              </a:rPr>
-              <a:t>()</a:t>
-            </a:r>
-          </a:p>
-        </p:txBody>
-      </p:sp>
-      <p:sp>
-        <p:nvSpPr>
-          <p:cNvPr id="8" name="TextBox 7"/>
-          <p:cNvSpPr txBox="1"/>
-          <p:nvPr/>
-        </p:nvSpPr>
-        <p:spPr>
-          <a:xfrm>
-            <a:off x="4953000" y="4936867"/>
-            <a:ext cx="3733800" cy="461665"/>
-          </a:xfrm>
-          <a:prstGeom prst="rect">
-            <a:avLst/>
-          </a:prstGeom>
-          <a:noFill/>
-        </p:spPr>
-        <p:txBody>
-          <a:bodyPr wrap="square" rtlCol="0">
-            <a:spAutoFit/>
-          </a:bodyPr>
-          <a:lstStyle/>
-          <a:p>
-            <a:r>
-              <a:rPr lang="en-US" sz="2400" dirty="0" err="1">
-                <a:solidFill>
-                  <a:srgbClr val="66D9EF"/>
-                </a:solidFill>
-                <a:latin typeface="Consolas" panose="020B0609020204030204" pitchFamily="49" charset="0"/>
-                <a:cs typeface="Consolas" panose="020B0609020204030204" pitchFamily="49" charset="0"/>
-              </a:rPr>
-              <a:t>reader</a:t>
-            </a:r>
-            <a:r>
-              <a:rPr lang="en-US" sz="2400" dirty="0" err="1">
-                <a:solidFill>
-                  <a:schemeClr val="bg1"/>
-                </a:solidFill>
-                <a:latin typeface="Consolas" panose="020B0609020204030204" pitchFamily="49" charset="0"/>
-                <a:cs typeface="Consolas" panose="020B0609020204030204" pitchFamily="49" charset="0"/>
-              </a:rPr>
-              <a:t>.</a:t>
-            </a:r>
-            <a:r>
-              <a:rPr lang="en-US" sz="2400" dirty="0" err="1">
-                <a:solidFill>
-                  <a:srgbClr val="A6E22E"/>
-                </a:solidFill>
-                <a:latin typeface="Consolas" panose="020B0609020204030204" pitchFamily="49" charset="0"/>
-                <a:cs typeface="Consolas" panose="020B0609020204030204" pitchFamily="49" charset="0"/>
-              </a:rPr>
-              <a:t>resume</a:t>
-            </a:r>
-            <a:r>
-              <a:rPr lang="en-US" sz="2400" dirty="0">
-                <a:solidFill>
-                  <a:schemeClr val="bg1"/>
-                </a:solidFill>
-                <a:latin typeface="Consolas" panose="020B0609020204030204" pitchFamily="49" charset="0"/>
-                <a:cs typeface="Consolas" panose="020B0609020204030204" pitchFamily="49" charset="0"/>
-              </a:rPr>
-              <a:t>()</a:t>
-            </a:r>
-          </a:p>
-        </p:txBody>
-      </p:sp>
-    </p:spTree>
-  </p:cSld>
-  <p:clrMapOvr>
-    <a:masterClrMapping/>
-  </p:clrMapOvr>
 </p:sld>
 </file>
 
@@ -10527,6 +9961,1116 @@
       </p:grpSpPr>
       <p:pic>
         <p:nvPicPr>
+          <p:cNvPr id="6" name="Picture 5"/>
+          <p:cNvPicPr>
+            <a:picLocks noChangeAspect="1"/>
+          </p:cNvPicPr>
+          <p:nvPr/>
+        </p:nvPicPr>
+        <p:blipFill>
+          <a:blip r:embed="rId2" cstate="print"/>
+          <a:stretch>
+            <a:fillRect/>
+          </a:stretch>
+        </p:blipFill>
+        <p:spPr>
+          <a:xfrm>
+            <a:off x="10886" y="0"/>
+            <a:ext cx="2781300" cy="2257425"/>
+          </a:xfrm>
+          <a:prstGeom prst="rect">
+            <a:avLst/>
+          </a:prstGeom>
+        </p:spPr>
+      </p:pic>
+      <p:sp>
+        <p:nvSpPr>
+          <p:cNvPr id="2" name="Title 1"/>
+          <p:cNvSpPr>
+            <a:spLocks noGrp="1"/>
+          </p:cNvSpPr>
+          <p:nvPr>
+            <p:ph type="title"/>
+          </p:nvPr>
+        </p:nvSpPr>
+        <p:spPr/>
+        <p:txBody>
+          <a:bodyPr/>
+          <a:lstStyle/>
+          <a:p>
+            <a:pPr algn="r"/>
+            <a:r>
+              <a:rPr lang="en-US" dirty="0" smtClean="0">
+                <a:solidFill>
+                  <a:schemeClr val="bg1"/>
+                </a:solidFill>
+                <a:latin typeface="Proxima Nova Rg" panose="02000506030000020004" pitchFamily="2" charset="0"/>
+              </a:rPr>
+              <a:t>Writeable Stream</a:t>
+            </a:r>
+            <a:endParaRPr lang="en-US" dirty="0">
+              <a:solidFill>
+                <a:schemeClr val="bg1"/>
+              </a:solidFill>
+              <a:latin typeface="Proxima Nova Rg" panose="02000506030000020004" pitchFamily="2" charset="0"/>
+            </a:endParaRPr>
+          </a:p>
+        </p:txBody>
+      </p:sp>
+      <p:sp>
+        <p:nvSpPr>
+          <p:cNvPr id="3" name="Content Placeholder 2"/>
+          <p:cNvSpPr>
+            <a:spLocks noGrp="1"/>
+          </p:cNvSpPr>
+          <p:nvPr>
+            <p:ph idx="1"/>
+          </p:nvPr>
+        </p:nvSpPr>
+        <p:spPr/>
+        <p:txBody>
+          <a:bodyPr/>
+          <a:lstStyle/>
+          <a:p>
+            <a:r>
+              <a:rPr lang="en-US" dirty="0" smtClean="0">
+                <a:solidFill>
+                  <a:schemeClr val="bg1"/>
+                </a:solidFill>
+                <a:latin typeface="Proxima Nova Rg" panose="02000506030000020004" pitchFamily="50" charset="0"/>
+              </a:rPr>
+              <a:t>Implement write, end and destroy methods</a:t>
+            </a:r>
+            <a:endParaRPr lang="en-US" dirty="0">
+              <a:solidFill>
+                <a:schemeClr val="bg1"/>
+              </a:solidFill>
+              <a:latin typeface="Proxima Nova Rg" panose="02000506030000020004" pitchFamily="50" charset="0"/>
+            </a:endParaRPr>
+          </a:p>
+        </p:txBody>
+      </p:sp>
+      <p:sp>
+        <p:nvSpPr>
+          <p:cNvPr id="5" name="TextBox 4"/>
+          <p:cNvSpPr txBox="1"/>
+          <p:nvPr/>
+        </p:nvSpPr>
+        <p:spPr>
+          <a:xfrm>
+            <a:off x="457200" y="2887682"/>
+            <a:ext cx="8229600" cy="3785652"/>
+          </a:xfrm>
+          <a:prstGeom prst="rect">
+            <a:avLst/>
+          </a:prstGeom>
+          <a:noFill/>
+        </p:spPr>
+        <p:txBody>
+          <a:bodyPr wrap="square" rtlCol="0">
+            <a:spAutoFit/>
+          </a:bodyPr>
+          <a:lstStyle/>
+          <a:p>
+            <a:r>
+              <a:rPr lang="en-US" sz="2000" b="1" dirty="0" err="1" smtClean="0">
+                <a:solidFill>
+                  <a:schemeClr val="bg1"/>
+                </a:solidFill>
+                <a:latin typeface="Lucida Console" panose="020B0609040504020204" pitchFamily="49" charset="0"/>
+                <a:cs typeface="Consolas" panose="020B0609020204030204" pitchFamily="49" charset="0"/>
+              </a:rPr>
+              <a:t>stream.writable</a:t>
+            </a:r>
+            <a:r>
+              <a:rPr lang="en-US" sz="2000" b="1" dirty="0" smtClean="0">
+                <a:solidFill>
+                  <a:schemeClr val="bg1"/>
+                </a:solidFill>
+                <a:latin typeface="Lucida Console" panose="020B0609040504020204" pitchFamily="49" charset="0"/>
+                <a:cs typeface="Consolas" panose="020B0609020204030204" pitchFamily="49" charset="0"/>
+              </a:rPr>
+              <a:t> </a:t>
+            </a:r>
+            <a:r>
+              <a:rPr lang="en-US" sz="2000" b="1" dirty="0">
+                <a:solidFill>
+                  <a:schemeClr val="bg1"/>
+                </a:solidFill>
+                <a:latin typeface="Lucida Console" panose="020B0609040504020204" pitchFamily="49" charset="0"/>
+                <a:cs typeface="Consolas" panose="020B0609020204030204" pitchFamily="49" charset="0"/>
+              </a:rPr>
+              <a:t>= </a:t>
+            </a:r>
+            <a:r>
+              <a:rPr lang="en-US" sz="2000" b="1" dirty="0">
+                <a:solidFill>
+                  <a:srgbClr val="AE81FF"/>
+                </a:solidFill>
+                <a:latin typeface="Lucida Console" panose="020B0609040504020204" pitchFamily="49" charset="0"/>
+                <a:cs typeface="Consolas" panose="020B0609020204030204" pitchFamily="49" charset="0"/>
+              </a:rPr>
+              <a:t>true</a:t>
+            </a:r>
+            <a:r>
+              <a:rPr lang="en-US" sz="2000" b="1" dirty="0">
+                <a:solidFill>
+                  <a:schemeClr val="bg1"/>
+                </a:solidFill>
+                <a:latin typeface="Lucida Console" panose="020B0609040504020204" pitchFamily="49" charset="0"/>
+                <a:cs typeface="Consolas" panose="020B0609020204030204" pitchFamily="49" charset="0"/>
+              </a:rPr>
+              <a:t>;</a:t>
+            </a:r>
+          </a:p>
+          <a:p>
+            <a:endParaRPr lang="en-US" sz="2000" b="1" dirty="0">
+              <a:solidFill>
+                <a:schemeClr val="bg1"/>
+              </a:solidFill>
+              <a:latin typeface="Lucida Console" panose="020B0609040504020204" pitchFamily="49" charset="0"/>
+              <a:cs typeface="Consolas" panose="020B0609020204030204" pitchFamily="49" charset="0"/>
+            </a:endParaRPr>
+          </a:p>
+          <a:p>
+            <a:r>
+              <a:rPr lang="en-US" sz="2000" b="1" dirty="0" err="1">
+                <a:solidFill>
+                  <a:srgbClr val="66D9EF"/>
+                </a:solidFill>
+                <a:latin typeface="Lucida Console" panose="020B0609040504020204" pitchFamily="49" charset="0"/>
+                <a:cs typeface="Consolas" panose="020B0609020204030204" pitchFamily="49" charset="0"/>
+              </a:rPr>
+              <a:t>s</a:t>
+            </a:r>
+            <a:r>
+              <a:rPr lang="en-US" sz="2000" b="1" dirty="0" err="1">
+                <a:solidFill>
+                  <a:schemeClr val="bg1"/>
+                </a:solidFill>
+                <a:latin typeface="Lucida Console" panose="020B0609040504020204" pitchFamily="49" charset="0"/>
+                <a:cs typeface="Consolas" panose="020B0609020204030204" pitchFamily="49" charset="0"/>
+              </a:rPr>
+              <a:t>.</a:t>
+            </a:r>
+            <a:r>
+              <a:rPr lang="en-US" sz="2000" b="1" dirty="0" err="1">
+                <a:solidFill>
+                  <a:srgbClr val="A6E22E"/>
+                </a:solidFill>
+                <a:latin typeface="Lucida Console" panose="020B0609040504020204" pitchFamily="49" charset="0"/>
+                <a:cs typeface="Consolas" panose="020B0609020204030204" pitchFamily="49" charset="0"/>
+              </a:rPr>
+              <a:t>write</a:t>
+            </a:r>
+            <a:r>
+              <a:rPr lang="en-US" sz="2000" b="1" dirty="0">
+                <a:solidFill>
+                  <a:schemeClr val="bg1"/>
+                </a:solidFill>
+                <a:latin typeface="Lucida Console" panose="020B0609040504020204" pitchFamily="49" charset="0"/>
+                <a:cs typeface="Consolas" panose="020B0609020204030204" pitchFamily="49" charset="0"/>
+              </a:rPr>
+              <a:t> = </a:t>
+            </a:r>
+            <a:r>
+              <a:rPr lang="en-US" sz="2000" b="1" dirty="0">
+                <a:solidFill>
+                  <a:srgbClr val="66D9EF"/>
+                </a:solidFill>
+                <a:latin typeface="Lucida Console" panose="020B0609040504020204" pitchFamily="49" charset="0"/>
+                <a:cs typeface="Consolas" panose="020B0609020204030204" pitchFamily="49" charset="0"/>
+              </a:rPr>
+              <a:t>function</a:t>
+            </a:r>
+            <a:r>
+              <a:rPr lang="en-US" sz="2000" b="1" dirty="0">
+                <a:solidFill>
+                  <a:schemeClr val="bg1"/>
+                </a:solidFill>
+                <a:latin typeface="Lucida Console" panose="020B0609040504020204" pitchFamily="49" charset="0"/>
+                <a:cs typeface="Consolas" panose="020B0609020204030204" pitchFamily="49" charset="0"/>
+              </a:rPr>
+              <a:t> (</a:t>
+            </a:r>
+            <a:r>
+              <a:rPr lang="en-US" sz="2000" b="1" dirty="0">
+                <a:solidFill>
+                  <a:srgbClr val="FD971F"/>
+                </a:solidFill>
+                <a:latin typeface="Lucida Console" panose="020B0609040504020204" pitchFamily="49" charset="0"/>
+                <a:cs typeface="Consolas" panose="020B0609020204030204" pitchFamily="49" charset="0"/>
+              </a:rPr>
+              <a:t>data</a:t>
+            </a:r>
+            <a:r>
+              <a:rPr lang="en-US" sz="2000" b="1" dirty="0">
+                <a:solidFill>
+                  <a:schemeClr val="bg1"/>
+                </a:solidFill>
+                <a:latin typeface="Lucida Console" panose="020B0609040504020204" pitchFamily="49" charset="0"/>
+                <a:cs typeface="Consolas" panose="020B0609020204030204" pitchFamily="49" charset="0"/>
+              </a:rPr>
+              <a:t>) </a:t>
+            </a:r>
+            <a:r>
+              <a:rPr lang="en-US" sz="2000" b="1" dirty="0" smtClean="0">
+                <a:solidFill>
+                  <a:schemeClr val="bg1"/>
+                </a:solidFill>
+                <a:latin typeface="Lucida Console" panose="020B0609040504020204" pitchFamily="49" charset="0"/>
+                <a:cs typeface="Consolas" panose="020B0609020204030204" pitchFamily="49" charset="0"/>
+              </a:rPr>
+              <a:t>{ ... };</a:t>
+            </a:r>
+            <a:endParaRPr lang="en-US" sz="2000" b="1" dirty="0">
+              <a:solidFill>
+                <a:schemeClr val="bg1"/>
+              </a:solidFill>
+              <a:latin typeface="Lucida Console" panose="020B0609040504020204" pitchFamily="49" charset="0"/>
+              <a:cs typeface="Consolas" panose="020B0609020204030204" pitchFamily="49" charset="0"/>
+            </a:endParaRPr>
+          </a:p>
+          <a:p>
+            <a:endParaRPr lang="en-US" sz="2000" b="1" dirty="0">
+              <a:solidFill>
+                <a:schemeClr val="bg1"/>
+              </a:solidFill>
+              <a:latin typeface="Lucida Console" panose="020B0609040504020204" pitchFamily="49" charset="0"/>
+              <a:cs typeface="Consolas" panose="020B0609020204030204" pitchFamily="49" charset="0"/>
+            </a:endParaRPr>
+          </a:p>
+          <a:p>
+            <a:r>
+              <a:rPr lang="en-US" sz="2000" b="1" dirty="0" err="1">
+                <a:solidFill>
+                  <a:srgbClr val="66D9EF"/>
+                </a:solidFill>
+                <a:latin typeface="Lucida Console" panose="020B0609040504020204" pitchFamily="49" charset="0"/>
+                <a:cs typeface="Consolas" panose="020B0609020204030204" pitchFamily="49" charset="0"/>
+              </a:rPr>
+              <a:t>s</a:t>
+            </a:r>
+            <a:r>
+              <a:rPr lang="en-US" sz="2000" b="1" dirty="0" err="1">
+                <a:solidFill>
+                  <a:schemeClr val="bg1"/>
+                </a:solidFill>
+                <a:latin typeface="Lucida Console" panose="020B0609040504020204" pitchFamily="49" charset="0"/>
+                <a:cs typeface="Consolas" panose="020B0609020204030204" pitchFamily="49" charset="0"/>
+              </a:rPr>
+              <a:t>.</a:t>
+            </a:r>
+            <a:r>
+              <a:rPr lang="en-US" sz="2000" b="1" dirty="0" err="1">
+                <a:solidFill>
+                  <a:srgbClr val="A6E22E"/>
+                </a:solidFill>
+                <a:latin typeface="Lucida Console" panose="020B0609040504020204" pitchFamily="49" charset="0"/>
+                <a:cs typeface="Consolas" panose="020B0609020204030204" pitchFamily="49" charset="0"/>
+              </a:rPr>
+              <a:t>end</a:t>
+            </a:r>
+            <a:r>
+              <a:rPr lang="en-US" sz="2000" b="1" dirty="0">
+                <a:solidFill>
+                  <a:schemeClr val="bg1"/>
+                </a:solidFill>
+                <a:latin typeface="Lucida Console" panose="020B0609040504020204" pitchFamily="49" charset="0"/>
+                <a:cs typeface="Consolas" panose="020B0609020204030204" pitchFamily="49" charset="0"/>
+              </a:rPr>
+              <a:t> = </a:t>
+            </a:r>
+            <a:r>
+              <a:rPr lang="en-US" sz="2000" b="1" dirty="0">
+                <a:solidFill>
+                  <a:srgbClr val="66D9EF"/>
+                </a:solidFill>
+                <a:latin typeface="Lucida Console" panose="020B0609040504020204" pitchFamily="49" charset="0"/>
+                <a:cs typeface="Consolas" panose="020B0609020204030204" pitchFamily="49" charset="0"/>
+              </a:rPr>
+              <a:t>function</a:t>
+            </a:r>
+            <a:r>
+              <a:rPr lang="en-US" sz="2000" b="1" dirty="0">
+                <a:solidFill>
+                  <a:schemeClr val="bg1"/>
+                </a:solidFill>
+                <a:latin typeface="Lucida Console" panose="020B0609040504020204" pitchFamily="49" charset="0"/>
+                <a:cs typeface="Consolas" panose="020B0609020204030204" pitchFamily="49" charset="0"/>
+              </a:rPr>
+              <a:t> (</a:t>
+            </a:r>
+            <a:r>
+              <a:rPr lang="en-US" sz="2000" b="1" dirty="0">
+                <a:solidFill>
+                  <a:srgbClr val="FD971F"/>
+                </a:solidFill>
+                <a:latin typeface="Lucida Console" panose="020B0609040504020204" pitchFamily="49" charset="0"/>
+                <a:cs typeface="Consolas" panose="020B0609020204030204" pitchFamily="49" charset="0"/>
+              </a:rPr>
+              <a:t>data</a:t>
+            </a:r>
+            <a:r>
+              <a:rPr lang="en-US" sz="2000" b="1" dirty="0">
+                <a:solidFill>
+                  <a:schemeClr val="bg1"/>
+                </a:solidFill>
+                <a:latin typeface="Lucida Console" panose="020B0609040504020204" pitchFamily="49" charset="0"/>
+                <a:cs typeface="Consolas" panose="020B0609020204030204" pitchFamily="49" charset="0"/>
+              </a:rPr>
+              <a:t>) {</a:t>
+            </a:r>
+          </a:p>
+          <a:p>
+            <a:r>
+              <a:rPr lang="en-US" sz="2000" b="1" dirty="0" smtClean="0">
+                <a:solidFill>
+                  <a:schemeClr val="bg1"/>
+                </a:solidFill>
+                <a:latin typeface="Lucida Console" panose="020B0609040504020204" pitchFamily="49" charset="0"/>
+                <a:cs typeface="Consolas" panose="020B0609020204030204" pitchFamily="49" charset="0"/>
+              </a:rPr>
+              <a:t>    </a:t>
+            </a:r>
+            <a:r>
+              <a:rPr lang="en-US" sz="2000" b="1" dirty="0" smtClean="0">
+                <a:solidFill>
+                  <a:srgbClr val="F92672"/>
+                </a:solidFill>
+                <a:latin typeface="Lucida Console" panose="020B0609040504020204" pitchFamily="49" charset="0"/>
+                <a:cs typeface="Consolas" panose="020B0609020204030204" pitchFamily="49" charset="0"/>
+              </a:rPr>
+              <a:t>if</a:t>
+            </a:r>
+            <a:r>
+              <a:rPr lang="en-US" sz="2000" b="1" dirty="0" smtClean="0">
+                <a:solidFill>
+                  <a:schemeClr val="bg1"/>
+                </a:solidFill>
+                <a:latin typeface="Lucida Console" panose="020B0609040504020204" pitchFamily="49" charset="0"/>
+                <a:cs typeface="Consolas" panose="020B0609020204030204" pitchFamily="49" charset="0"/>
+              </a:rPr>
+              <a:t> (</a:t>
+            </a:r>
+            <a:r>
+              <a:rPr lang="en-US" sz="2000" b="1" dirty="0" err="1" smtClean="0">
+                <a:solidFill>
+                  <a:schemeClr val="bg1"/>
+                </a:solidFill>
+                <a:latin typeface="Lucida Console" panose="020B0609040504020204" pitchFamily="49" charset="0"/>
+                <a:cs typeface="Consolas" panose="020B0609020204030204" pitchFamily="49" charset="0"/>
+              </a:rPr>
+              <a:t>arguments.length</a:t>
+            </a:r>
+            <a:r>
+              <a:rPr lang="en-US" sz="2000" b="1" dirty="0" smtClean="0">
+                <a:solidFill>
+                  <a:schemeClr val="bg1"/>
+                </a:solidFill>
+                <a:latin typeface="Lucida Console" panose="020B0609040504020204" pitchFamily="49" charset="0"/>
+                <a:cs typeface="Consolas" panose="020B0609020204030204" pitchFamily="49" charset="0"/>
+              </a:rPr>
+              <a:t>) </a:t>
+            </a:r>
+            <a:r>
+              <a:rPr lang="en-US" sz="2000" b="1" dirty="0" err="1" smtClean="0">
+                <a:solidFill>
+                  <a:schemeClr val="bg1"/>
+                </a:solidFill>
+                <a:latin typeface="Lucida Console" panose="020B0609040504020204" pitchFamily="49" charset="0"/>
+                <a:cs typeface="Consolas" panose="020B0609020204030204" pitchFamily="49" charset="0"/>
+              </a:rPr>
+              <a:t>s.write</a:t>
+            </a:r>
+            <a:r>
+              <a:rPr lang="en-US" sz="2000" b="1" dirty="0" smtClean="0">
+                <a:solidFill>
+                  <a:schemeClr val="bg1"/>
+                </a:solidFill>
+                <a:latin typeface="Lucida Console" panose="020B0609040504020204" pitchFamily="49" charset="0"/>
+                <a:cs typeface="Consolas" panose="020B0609020204030204" pitchFamily="49" charset="0"/>
+              </a:rPr>
+              <a:t>(data);</a:t>
+            </a:r>
+          </a:p>
+          <a:p>
+            <a:r>
+              <a:rPr lang="en-US" sz="2000" b="1" dirty="0">
+                <a:solidFill>
+                  <a:schemeClr val="bg1"/>
+                </a:solidFill>
+                <a:latin typeface="Lucida Console" panose="020B0609040504020204" pitchFamily="49" charset="0"/>
+                <a:cs typeface="Consolas" panose="020B0609020204030204" pitchFamily="49" charset="0"/>
+              </a:rPr>
+              <a:t> </a:t>
+            </a:r>
+            <a:r>
+              <a:rPr lang="en-US" sz="2000" b="1" dirty="0" smtClean="0">
+                <a:solidFill>
+                  <a:schemeClr val="bg1"/>
+                </a:solidFill>
+                <a:latin typeface="Lucida Console" panose="020B0609040504020204" pitchFamily="49" charset="0"/>
+                <a:cs typeface="Consolas" panose="020B0609020204030204" pitchFamily="49" charset="0"/>
+              </a:rPr>
+              <a:t>   </a:t>
+            </a:r>
+            <a:r>
+              <a:rPr lang="en-US" sz="2000" b="1" dirty="0" err="1" smtClean="0">
+                <a:solidFill>
+                  <a:schemeClr val="bg1"/>
+                </a:solidFill>
+                <a:latin typeface="Lucida Console" panose="020B0609040504020204" pitchFamily="49" charset="0"/>
+                <a:cs typeface="Consolas" panose="020B0609020204030204" pitchFamily="49" charset="0"/>
+              </a:rPr>
+              <a:t>this.destroy</a:t>
+            </a:r>
+            <a:r>
+              <a:rPr lang="en-US" sz="2000" b="1" dirty="0" smtClean="0">
+                <a:solidFill>
+                  <a:schemeClr val="bg1"/>
+                </a:solidFill>
+                <a:latin typeface="Lucida Console" panose="020B0609040504020204" pitchFamily="49" charset="0"/>
+                <a:cs typeface="Consolas" panose="020B0609020204030204" pitchFamily="49" charset="0"/>
+              </a:rPr>
+              <a:t>();</a:t>
+            </a:r>
+            <a:endParaRPr lang="en-US" sz="2000" b="1" dirty="0">
+              <a:solidFill>
+                <a:schemeClr val="bg1"/>
+              </a:solidFill>
+              <a:latin typeface="Lucida Console" panose="020B0609040504020204" pitchFamily="49" charset="0"/>
+              <a:cs typeface="Consolas" panose="020B0609020204030204" pitchFamily="49" charset="0"/>
+            </a:endParaRPr>
+          </a:p>
+          <a:p>
+            <a:r>
+              <a:rPr lang="en-US" sz="2000" b="1" dirty="0">
+                <a:solidFill>
+                  <a:schemeClr val="bg1"/>
+                </a:solidFill>
+                <a:latin typeface="Lucida Console" panose="020B0609040504020204" pitchFamily="49" charset="0"/>
+                <a:cs typeface="Consolas" panose="020B0609020204030204" pitchFamily="49" charset="0"/>
+              </a:rPr>
+              <a:t>};</a:t>
+            </a:r>
+          </a:p>
+          <a:p>
+            <a:endParaRPr lang="en-US" sz="2000" b="1" dirty="0">
+              <a:solidFill>
+                <a:schemeClr val="bg1"/>
+              </a:solidFill>
+              <a:latin typeface="Lucida Console" panose="020B0609040504020204" pitchFamily="49" charset="0"/>
+              <a:cs typeface="Consolas" panose="020B0609020204030204" pitchFamily="49" charset="0"/>
+            </a:endParaRPr>
+          </a:p>
+          <a:p>
+            <a:r>
+              <a:rPr lang="en-US" sz="2000" b="1" dirty="0" err="1">
+                <a:solidFill>
+                  <a:srgbClr val="66D9EF"/>
+                </a:solidFill>
+                <a:latin typeface="Lucida Console" panose="020B0609040504020204" pitchFamily="49" charset="0"/>
+                <a:cs typeface="Consolas" panose="020B0609020204030204" pitchFamily="49" charset="0"/>
+              </a:rPr>
+              <a:t>s</a:t>
+            </a:r>
+            <a:r>
+              <a:rPr lang="en-US" sz="2000" b="1" dirty="0" err="1">
+                <a:solidFill>
+                  <a:schemeClr val="bg1"/>
+                </a:solidFill>
+                <a:latin typeface="Lucida Console" panose="020B0609040504020204" pitchFamily="49" charset="0"/>
+                <a:cs typeface="Consolas" panose="020B0609020204030204" pitchFamily="49" charset="0"/>
+              </a:rPr>
+              <a:t>.</a:t>
+            </a:r>
+            <a:r>
+              <a:rPr lang="en-US" sz="2000" b="1" dirty="0" err="1">
+                <a:solidFill>
+                  <a:srgbClr val="A6E22E"/>
+                </a:solidFill>
+                <a:latin typeface="Lucida Console" panose="020B0609040504020204" pitchFamily="49" charset="0"/>
+                <a:cs typeface="Consolas" panose="020B0609020204030204" pitchFamily="49" charset="0"/>
+              </a:rPr>
+              <a:t>destroy</a:t>
+            </a:r>
+            <a:r>
+              <a:rPr lang="en-US" sz="2000" b="1" dirty="0">
+                <a:solidFill>
+                  <a:schemeClr val="bg1"/>
+                </a:solidFill>
+                <a:latin typeface="Lucida Console" panose="020B0609040504020204" pitchFamily="49" charset="0"/>
+                <a:cs typeface="Consolas" panose="020B0609020204030204" pitchFamily="49" charset="0"/>
+              </a:rPr>
+              <a:t> = </a:t>
+            </a:r>
+            <a:r>
+              <a:rPr lang="en-US" sz="2000" b="1" dirty="0">
+                <a:solidFill>
+                  <a:srgbClr val="66D9EF"/>
+                </a:solidFill>
+                <a:latin typeface="Lucida Console" panose="020B0609040504020204" pitchFamily="49" charset="0"/>
+                <a:cs typeface="Consolas" panose="020B0609020204030204" pitchFamily="49" charset="0"/>
+              </a:rPr>
+              <a:t>function</a:t>
+            </a:r>
+            <a:r>
+              <a:rPr lang="en-US" sz="2000" b="1" dirty="0">
+                <a:solidFill>
+                  <a:schemeClr val="bg1"/>
+                </a:solidFill>
+                <a:latin typeface="Lucida Console" panose="020B0609040504020204" pitchFamily="49" charset="0"/>
+                <a:cs typeface="Consolas" panose="020B0609020204030204" pitchFamily="49" charset="0"/>
+              </a:rPr>
+              <a:t> () {</a:t>
+            </a:r>
+          </a:p>
+          <a:p>
+            <a:r>
+              <a:rPr lang="en-US" sz="2000" b="1" dirty="0">
+                <a:solidFill>
+                  <a:schemeClr val="bg1"/>
+                </a:solidFill>
+                <a:latin typeface="Lucida Console" panose="020B0609040504020204" pitchFamily="49" charset="0"/>
+                <a:cs typeface="Consolas" panose="020B0609020204030204" pitchFamily="49" charset="0"/>
+              </a:rPr>
+              <a:t>    </a:t>
+            </a:r>
+            <a:r>
+              <a:rPr lang="en-US" sz="2000" b="1" dirty="0" err="1">
+                <a:solidFill>
+                  <a:schemeClr val="bg1"/>
+                </a:solidFill>
+                <a:latin typeface="Lucida Console" panose="020B0609040504020204" pitchFamily="49" charset="0"/>
+                <a:cs typeface="Consolas" panose="020B0609020204030204" pitchFamily="49" charset="0"/>
+              </a:rPr>
+              <a:t>this.writable</a:t>
+            </a:r>
+            <a:r>
+              <a:rPr lang="en-US" sz="2000" b="1" dirty="0">
+                <a:solidFill>
+                  <a:schemeClr val="bg1"/>
+                </a:solidFill>
+                <a:latin typeface="Lucida Console" panose="020B0609040504020204" pitchFamily="49" charset="0"/>
+                <a:cs typeface="Consolas" panose="020B0609020204030204" pitchFamily="49" charset="0"/>
+              </a:rPr>
+              <a:t> = </a:t>
+            </a:r>
+            <a:r>
+              <a:rPr lang="en-US" sz="2000" b="1" dirty="0">
+                <a:solidFill>
+                  <a:srgbClr val="AE81FF"/>
+                </a:solidFill>
+                <a:latin typeface="Lucida Console" panose="020B0609040504020204" pitchFamily="49" charset="0"/>
+                <a:cs typeface="Consolas" panose="020B0609020204030204" pitchFamily="49" charset="0"/>
+              </a:rPr>
+              <a:t>false</a:t>
+            </a:r>
+            <a:r>
+              <a:rPr lang="en-US" sz="2000" b="1" dirty="0">
+                <a:solidFill>
+                  <a:schemeClr val="bg1"/>
+                </a:solidFill>
+                <a:latin typeface="Lucida Console" panose="020B0609040504020204" pitchFamily="49" charset="0"/>
+                <a:cs typeface="Consolas" panose="020B0609020204030204" pitchFamily="49" charset="0"/>
+              </a:rPr>
+              <a:t>;</a:t>
+            </a:r>
+          </a:p>
+          <a:p>
+            <a:r>
+              <a:rPr lang="en-US" sz="2000" b="1" dirty="0">
+                <a:solidFill>
+                  <a:schemeClr val="bg1"/>
+                </a:solidFill>
+                <a:latin typeface="Lucida Console" panose="020B0609040504020204" pitchFamily="49" charset="0"/>
+                <a:cs typeface="Consolas" panose="020B0609020204030204" pitchFamily="49" charset="0"/>
+              </a:rPr>
+              <a:t>};</a:t>
+            </a:r>
+          </a:p>
+        </p:txBody>
+      </p:sp>
+    </p:spTree>
+    <p:extLst>
+      <p:ext uri="{BB962C8B-B14F-4D97-AF65-F5344CB8AC3E}">
+        <p14:creationId xmlns:p14="http://schemas.microsoft.com/office/powerpoint/2010/main" val="1624771621"/>
+      </p:ext>
+    </p:extLst>
+  </p:cSld>
+  <p:clrMapOvr>
+    <a:masterClrMapping/>
+  </p:clrMapOvr>
+  <p:timing>
+    <p:tnLst>
+      <p:par>
+        <p:cTn id="1" dur="indefinite" restart="never" nodeType="tmRoot"/>
+      </p:par>
+    </p:tnLst>
+  </p:timing>
+</p:sld>
+</file>
+
+<file path=ppt/slides/slide21.xml><?xml version="1.0" encoding="utf-8"?>
+<p:sld xmlns:a="http://schemas.openxmlformats.org/drawingml/2006/main" xmlns:r="http://schemas.openxmlformats.org/officeDocument/2006/relationships" xmlns:p="http://schemas.openxmlformats.org/presentationml/2006/main">
+  <p:cSld>
+    <p:bg>
+      <p:bgPr>
+        <a:solidFill>
+          <a:schemeClr val="tx1"/>
+        </a:solidFill>
+        <a:effectLst/>
+      </p:bgPr>
+    </p:bg>
+    <p:spTree>
+      <p:nvGrpSpPr>
+        <p:cNvPr id="1" name=""/>
+        <p:cNvGrpSpPr/>
+        <p:nvPr/>
+      </p:nvGrpSpPr>
+      <p:grpSpPr>
+        <a:xfrm>
+          <a:off x="0" y="0"/>
+          <a:ext cx="0" cy="0"/>
+          <a:chOff x="0" y="0"/>
+          <a:chExt cx="0" cy="0"/>
+        </a:xfrm>
+      </p:grpSpPr>
+      <p:pic>
+        <p:nvPicPr>
+          <p:cNvPr id="9" name="Picture 8"/>
+          <p:cNvPicPr>
+            <a:picLocks noChangeAspect="1"/>
+          </p:cNvPicPr>
+          <p:nvPr/>
+        </p:nvPicPr>
+        <p:blipFill>
+          <a:blip r:embed="rId2" cstate="print"/>
+          <a:stretch>
+            <a:fillRect/>
+          </a:stretch>
+        </p:blipFill>
+        <p:spPr>
+          <a:xfrm>
+            <a:off x="10886" y="0"/>
+            <a:ext cx="2781300" cy="2257425"/>
+          </a:xfrm>
+          <a:prstGeom prst="rect">
+            <a:avLst/>
+          </a:prstGeom>
+        </p:spPr>
+      </p:pic>
+      <p:sp>
+        <p:nvSpPr>
+          <p:cNvPr id="2" name="Title 1"/>
+          <p:cNvSpPr>
+            <a:spLocks noGrp="1"/>
+          </p:cNvSpPr>
+          <p:nvPr>
+            <p:ph type="title"/>
+          </p:nvPr>
+        </p:nvSpPr>
+        <p:spPr/>
+        <p:txBody>
+          <a:bodyPr/>
+          <a:lstStyle/>
+          <a:p>
+            <a:pPr algn="r"/>
+            <a:r>
+              <a:rPr lang="en-US" dirty="0" smtClean="0">
+                <a:solidFill>
+                  <a:schemeClr val="bg1"/>
+                </a:solidFill>
+                <a:latin typeface="Proxima Nova Rg" panose="02000506030000020004" pitchFamily="2" charset="0"/>
+              </a:rPr>
+              <a:t>Back pressure</a:t>
+            </a:r>
+            <a:endParaRPr lang="en-US" dirty="0">
+              <a:solidFill>
+                <a:schemeClr val="bg1"/>
+              </a:solidFill>
+              <a:latin typeface="Proxima Nova Rg" panose="02000506030000020004" pitchFamily="2" charset="0"/>
+            </a:endParaRPr>
+          </a:p>
+        </p:txBody>
+      </p:sp>
+      <p:sp>
+        <p:nvSpPr>
+          <p:cNvPr id="3" name="Content Placeholder 2"/>
+          <p:cNvSpPr>
+            <a:spLocks noGrp="1"/>
+          </p:cNvSpPr>
+          <p:nvPr>
+            <p:ph idx="1"/>
+          </p:nvPr>
+        </p:nvSpPr>
+        <p:spPr/>
+        <p:txBody>
+          <a:bodyPr/>
+          <a:lstStyle/>
+          <a:p>
+            <a:r>
+              <a:rPr lang="en-US" dirty="0" smtClean="0">
+                <a:solidFill>
+                  <a:schemeClr val="bg1"/>
+                </a:solidFill>
+              </a:rPr>
+              <a:t>Ensure Readable streams don’t emit faster than Writeable streams can consume</a:t>
+            </a:r>
+          </a:p>
+          <a:p>
+            <a:r>
+              <a:rPr lang="en-US" dirty="0" smtClean="0">
+                <a:solidFill>
+                  <a:schemeClr val="bg1"/>
+                </a:solidFill>
+              </a:rPr>
+              <a:t>Drastically changing with Node &gt;= 0.9</a:t>
+            </a:r>
+            <a:endParaRPr lang="en-US" dirty="0">
+              <a:solidFill>
+                <a:schemeClr val="bg1"/>
+              </a:solidFill>
+            </a:endParaRPr>
+          </a:p>
+        </p:txBody>
+      </p:sp>
+      <p:sp>
+        <p:nvSpPr>
+          <p:cNvPr id="4" name="TextBox 3"/>
+          <p:cNvSpPr txBox="1"/>
+          <p:nvPr/>
+        </p:nvSpPr>
+        <p:spPr>
+          <a:xfrm>
+            <a:off x="457200" y="4202668"/>
+            <a:ext cx="7315200" cy="461665"/>
+          </a:xfrm>
+          <a:prstGeom prst="rect">
+            <a:avLst/>
+          </a:prstGeom>
+          <a:noFill/>
+        </p:spPr>
+        <p:txBody>
+          <a:bodyPr wrap="square" rtlCol="0">
+            <a:spAutoFit/>
+          </a:bodyPr>
+          <a:lstStyle/>
+          <a:p>
+            <a:r>
+              <a:rPr lang="en-US" sz="2400" dirty="0" err="1" smtClean="0">
+                <a:solidFill>
+                  <a:srgbClr val="66D9EF"/>
+                </a:solidFill>
+                <a:latin typeface="Consolas" panose="020B0609020204030204" pitchFamily="49" charset="0"/>
+                <a:cs typeface="Consolas" panose="020B0609020204030204" pitchFamily="49" charset="0"/>
+              </a:rPr>
+              <a:t>writer</a:t>
+            </a:r>
+            <a:r>
+              <a:rPr lang="en-US" sz="2400" dirty="0" err="1" smtClean="0">
+                <a:solidFill>
+                  <a:schemeClr val="bg1"/>
+                </a:solidFill>
+                <a:latin typeface="Consolas" panose="020B0609020204030204" pitchFamily="49" charset="0"/>
+                <a:cs typeface="Consolas" panose="020B0609020204030204" pitchFamily="49" charset="0"/>
+              </a:rPr>
+              <a:t>.</a:t>
+            </a:r>
+            <a:r>
+              <a:rPr lang="en-US" sz="2400" dirty="0" err="1" smtClean="0">
+                <a:solidFill>
+                  <a:srgbClr val="A6E22E"/>
+                </a:solidFill>
+                <a:latin typeface="Consolas" panose="020B0609020204030204" pitchFamily="49" charset="0"/>
+                <a:cs typeface="Consolas" panose="020B0609020204030204" pitchFamily="49" charset="0"/>
+              </a:rPr>
+              <a:t>write</a:t>
+            </a:r>
+            <a:r>
+              <a:rPr lang="en-US" sz="2400" dirty="0">
+                <a:solidFill>
+                  <a:schemeClr val="bg1"/>
+                </a:solidFill>
+                <a:latin typeface="Consolas" panose="020B0609020204030204" pitchFamily="49" charset="0"/>
+                <a:cs typeface="Consolas" panose="020B0609020204030204" pitchFamily="49" charset="0"/>
+              </a:rPr>
+              <a:t>() </a:t>
+            </a:r>
+            <a:r>
+              <a:rPr lang="en-US" sz="2400" dirty="0" smtClean="0">
+                <a:solidFill>
+                  <a:schemeClr val="bg1"/>
+                </a:solidFill>
+                <a:latin typeface="Consolas" panose="020B0609020204030204" pitchFamily="49" charset="0"/>
+                <a:cs typeface="Consolas" panose="020B0609020204030204" pitchFamily="49" charset="0"/>
+              </a:rPr>
+              <a:t>=== </a:t>
+            </a:r>
+            <a:r>
+              <a:rPr lang="en-US" sz="2400" dirty="0">
+                <a:solidFill>
+                  <a:srgbClr val="AE81FF"/>
+                </a:solidFill>
+                <a:latin typeface="Consolas" panose="020B0609020204030204" pitchFamily="49" charset="0"/>
+                <a:cs typeface="Consolas" panose="020B0609020204030204" pitchFamily="49" charset="0"/>
+              </a:rPr>
+              <a:t>false</a:t>
+            </a:r>
+          </a:p>
+        </p:txBody>
+      </p:sp>
+      <p:sp>
+        <p:nvSpPr>
+          <p:cNvPr id="5" name="TextBox 4"/>
+          <p:cNvSpPr txBox="1"/>
+          <p:nvPr/>
+        </p:nvSpPr>
+        <p:spPr>
+          <a:xfrm>
+            <a:off x="457200" y="4948535"/>
+            <a:ext cx="7315200" cy="461665"/>
+          </a:xfrm>
+          <a:prstGeom prst="rect">
+            <a:avLst/>
+          </a:prstGeom>
+          <a:noFill/>
+        </p:spPr>
+        <p:txBody>
+          <a:bodyPr wrap="square" rtlCol="0">
+            <a:spAutoFit/>
+          </a:bodyPr>
+          <a:lstStyle/>
+          <a:p>
+            <a:r>
+              <a:rPr lang="en-US" sz="2400" dirty="0" err="1" smtClean="0">
+                <a:solidFill>
+                  <a:srgbClr val="66D9EF"/>
+                </a:solidFill>
+                <a:latin typeface="Consolas" panose="020B0609020204030204" pitchFamily="49" charset="0"/>
+                <a:cs typeface="Consolas" panose="020B0609020204030204" pitchFamily="49" charset="0"/>
+              </a:rPr>
+              <a:t>writer</a:t>
+            </a:r>
+            <a:r>
+              <a:rPr lang="en-US" sz="2400" dirty="0" err="1" smtClean="0">
+                <a:solidFill>
+                  <a:schemeClr val="bg1"/>
+                </a:solidFill>
+                <a:latin typeface="Consolas" panose="020B0609020204030204" pitchFamily="49" charset="0"/>
+                <a:cs typeface="Consolas" panose="020B0609020204030204" pitchFamily="49" charset="0"/>
+              </a:rPr>
+              <a:t>.</a:t>
+            </a:r>
+            <a:r>
+              <a:rPr lang="en-US" sz="2400" dirty="0" err="1" smtClean="0">
+                <a:solidFill>
+                  <a:srgbClr val="A6E22E"/>
+                </a:solidFill>
+                <a:latin typeface="Consolas" panose="020B0609020204030204" pitchFamily="49" charset="0"/>
+                <a:cs typeface="Consolas" panose="020B0609020204030204" pitchFamily="49" charset="0"/>
+              </a:rPr>
+              <a:t>emit</a:t>
+            </a:r>
+            <a:r>
+              <a:rPr lang="en-US" sz="2400" dirty="0">
+                <a:solidFill>
+                  <a:schemeClr val="bg1"/>
+                </a:solidFill>
+                <a:latin typeface="Consolas" panose="020B0609020204030204" pitchFamily="49" charset="0"/>
+                <a:cs typeface="Consolas" panose="020B0609020204030204" pitchFamily="49" charset="0"/>
+              </a:rPr>
+              <a:t>(</a:t>
+            </a:r>
+            <a:r>
+              <a:rPr lang="en-US" sz="2400" dirty="0">
+                <a:solidFill>
+                  <a:srgbClr val="E6DB74"/>
+                </a:solidFill>
+                <a:latin typeface="Consolas" panose="020B0609020204030204" pitchFamily="49" charset="0"/>
+                <a:cs typeface="Consolas" panose="020B0609020204030204" pitchFamily="49" charset="0"/>
+              </a:rPr>
+              <a:t>'drain'</a:t>
+            </a:r>
+            <a:r>
+              <a:rPr lang="en-US" sz="2400" dirty="0">
+                <a:solidFill>
+                  <a:schemeClr val="bg1"/>
+                </a:solidFill>
+                <a:latin typeface="Consolas" panose="020B0609020204030204" pitchFamily="49" charset="0"/>
+                <a:cs typeface="Consolas" panose="020B0609020204030204" pitchFamily="49" charset="0"/>
+              </a:rPr>
+              <a:t>)</a:t>
+            </a:r>
+          </a:p>
+        </p:txBody>
+      </p:sp>
+      <p:sp>
+        <p:nvSpPr>
+          <p:cNvPr id="7" name="TextBox 6"/>
+          <p:cNvSpPr txBox="1"/>
+          <p:nvPr/>
+        </p:nvSpPr>
+        <p:spPr>
+          <a:xfrm>
+            <a:off x="4953000" y="4191000"/>
+            <a:ext cx="3962400" cy="461665"/>
+          </a:xfrm>
+          <a:prstGeom prst="rect">
+            <a:avLst/>
+          </a:prstGeom>
+          <a:noFill/>
+        </p:spPr>
+        <p:txBody>
+          <a:bodyPr wrap="square" rtlCol="0">
+            <a:spAutoFit/>
+          </a:bodyPr>
+          <a:lstStyle/>
+          <a:p>
+            <a:r>
+              <a:rPr lang="en-US" sz="2400" dirty="0" err="1">
+                <a:solidFill>
+                  <a:srgbClr val="66D9EF"/>
+                </a:solidFill>
+                <a:latin typeface="Consolas" panose="020B0609020204030204" pitchFamily="49" charset="0"/>
+                <a:cs typeface="Consolas" panose="020B0609020204030204" pitchFamily="49" charset="0"/>
+              </a:rPr>
+              <a:t>reader</a:t>
+            </a:r>
+            <a:r>
+              <a:rPr lang="en-US" sz="2400" dirty="0" err="1">
+                <a:solidFill>
+                  <a:schemeClr val="bg1"/>
+                </a:solidFill>
+                <a:latin typeface="Consolas" panose="020B0609020204030204" pitchFamily="49" charset="0"/>
+                <a:cs typeface="Consolas" panose="020B0609020204030204" pitchFamily="49" charset="0"/>
+              </a:rPr>
+              <a:t>.</a:t>
+            </a:r>
+            <a:r>
+              <a:rPr lang="en-US" sz="2400" dirty="0" err="1">
+                <a:solidFill>
+                  <a:srgbClr val="A6E22E"/>
+                </a:solidFill>
+                <a:latin typeface="Consolas" panose="020B0609020204030204" pitchFamily="49" charset="0"/>
+                <a:cs typeface="Consolas" panose="020B0609020204030204" pitchFamily="49" charset="0"/>
+              </a:rPr>
+              <a:t>pause</a:t>
+            </a:r>
+            <a:r>
+              <a:rPr lang="en-US" sz="2400" dirty="0">
+                <a:solidFill>
+                  <a:schemeClr val="bg1"/>
+                </a:solidFill>
+                <a:latin typeface="Consolas" panose="020B0609020204030204" pitchFamily="49" charset="0"/>
+                <a:cs typeface="Consolas" panose="020B0609020204030204" pitchFamily="49" charset="0"/>
+              </a:rPr>
+              <a:t>()</a:t>
+            </a:r>
+          </a:p>
+        </p:txBody>
+      </p:sp>
+      <p:sp>
+        <p:nvSpPr>
+          <p:cNvPr id="8" name="TextBox 7"/>
+          <p:cNvSpPr txBox="1"/>
+          <p:nvPr/>
+        </p:nvSpPr>
+        <p:spPr>
+          <a:xfrm>
+            <a:off x="4953000" y="4936867"/>
+            <a:ext cx="3733800" cy="461665"/>
+          </a:xfrm>
+          <a:prstGeom prst="rect">
+            <a:avLst/>
+          </a:prstGeom>
+          <a:noFill/>
+        </p:spPr>
+        <p:txBody>
+          <a:bodyPr wrap="square" rtlCol="0">
+            <a:spAutoFit/>
+          </a:bodyPr>
+          <a:lstStyle/>
+          <a:p>
+            <a:r>
+              <a:rPr lang="en-US" sz="2400" dirty="0" err="1">
+                <a:solidFill>
+                  <a:srgbClr val="66D9EF"/>
+                </a:solidFill>
+                <a:latin typeface="Consolas" panose="020B0609020204030204" pitchFamily="49" charset="0"/>
+                <a:cs typeface="Consolas" panose="020B0609020204030204" pitchFamily="49" charset="0"/>
+              </a:rPr>
+              <a:t>reader</a:t>
+            </a:r>
+            <a:r>
+              <a:rPr lang="en-US" sz="2400" dirty="0" err="1">
+                <a:solidFill>
+                  <a:schemeClr val="bg1"/>
+                </a:solidFill>
+                <a:latin typeface="Consolas" panose="020B0609020204030204" pitchFamily="49" charset="0"/>
+                <a:cs typeface="Consolas" panose="020B0609020204030204" pitchFamily="49" charset="0"/>
+              </a:rPr>
+              <a:t>.</a:t>
+            </a:r>
+            <a:r>
+              <a:rPr lang="en-US" sz="2400" dirty="0" err="1">
+                <a:solidFill>
+                  <a:srgbClr val="A6E22E"/>
+                </a:solidFill>
+                <a:latin typeface="Consolas" panose="020B0609020204030204" pitchFamily="49" charset="0"/>
+                <a:cs typeface="Consolas" panose="020B0609020204030204" pitchFamily="49" charset="0"/>
+              </a:rPr>
+              <a:t>resume</a:t>
+            </a:r>
+            <a:r>
+              <a:rPr lang="en-US" sz="2400" dirty="0">
+                <a:solidFill>
+                  <a:schemeClr val="bg1"/>
+                </a:solidFill>
+                <a:latin typeface="Consolas" panose="020B0609020204030204" pitchFamily="49" charset="0"/>
+                <a:cs typeface="Consolas" panose="020B0609020204030204" pitchFamily="49" charset="0"/>
+              </a:rPr>
+              <a:t>()</a:t>
+            </a:r>
+          </a:p>
+        </p:txBody>
+      </p:sp>
+    </p:spTree>
+  </p:cSld>
+  <p:clrMapOvr>
+    <a:masterClrMapping/>
+  </p:clrMapOvr>
+</p:sld>
+</file>
+
+<file path=ppt/slides/slide22.xml><?xml version="1.0" encoding="utf-8"?>
+<p:sld xmlns:a="http://schemas.openxmlformats.org/drawingml/2006/main" xmlns:r="http://schemas.openxmlformats.org/officeDocument/2006/relationships" xmlns:p="http://schemas.openxmlformats.org/presentationml/2006/main">
+  <p:cSld>
+    <p:bg>
+      <p:bgPr>
+        <a:solidFill>
+          <a:schemeClr val="tx1"/>
+        </a:solidFill>
+        <a:effectLst/>
+      </p:bgPr>
+    </p:bg>
+    <p:spTree>
+      <p:nvGrpSpPr>
+        <p:cNvPr id="1" name=""/>
+        <p:cNvGrpSpPr/>
+        <p:nvPr/>
+      </p:nvGrpSpPr>
+      <p:grpSpPr>
+        <a:xfrm>
+          <a:off x="0" y="0"/>
+          <a:ext cx="0" cy="0"/>
+          <a:chOff x="0" y="0"/>
+          <a:chExt cx="0" cy="0"/>
+        </a:xfrm>
+      </p:grpSpPr>
+      <p:pic>
+        <p:nvPicPr>
           <p:cNvPr id="4" name="Picture 3"/>
           <p:cNvPicPr>
             <a:picLocks noChangeAspect="1"/>
@@ -10685,7 +11229,7 @@
 </p:sld>
 </file>
 
-<file path=ppt/slides/slide21.xml><?xml version="1.0" encoding="utf-8"?>
+<file path=ppt/slides/slide23.xml><?xml version="1.0" encoding="utf-8"?>
 <p:sld xmlns:a="http://schemas.openxmlformats.org/drawingml/2006/main" xmlns:r="http://schemas.openxmlformats.org/officeDocument/2006/relationships" xmlns:p="http://schemas.openxmlformats.org/presentationml/2006/main">
   <p:cSld>
     <p:bg>
@@ -10861,7 +11405,7 @@
 </p:sld>
 </file>
 
-<file path=ppt/slides/slide22.xml><?xml version="1.0" encoding="utf-8"?>
+<file path=ppt/slides/slide24.xml><?xml version="1.0" encoding="utf-8"?>
 <p:sld xmlns:a="http://schemas.openxmlformats.org/drawingml/2006/main" xmlns:r="http://schemas.openxmlformats.org/officeDocument/2006/relationships" xmlns:p="http://schemas.openxmlformats.org/presentationml/2006/main">
   <p:cSld>
     <p:bg>
@@ -10983,15 +11527,7 @@
                   <a:schemeClr val="bg1"/>
                 </a:solidFill>
               </a:rPr>
-              <a:t>oth </a:t>
-            </a:r>
-            <a:r>
-              <a:rPr lang="en-US" dirty="0" smtClean="0">
-                <a:solidFill>
-                  <a:schemeClr val="bg1"/>
-                </a:solidFill>
-              </a:rPr>
-              <a:t>ends of the engage in a two-way interaction</a:t>
+              <a:t>oth ends of the engage in a two-way interaction</a:t>
             </a:r>
             <a:endParaRPr lang="en-US" dirty="0">
               <a:solidFill>
@@ -11044,7 +11580,7 @@
 </p:sld>
 </file>
 
-<file path=ppt/slides/slide23.xml><?xml version="1.0" encoding="utf-8"?>
+<file path=ppt/slides/slide25.xml><?xml version="1.0" encoding="utf-8"?>
 <p:sld xmlns:a="http://schemas.openxmlformats.org/drawingml/2006/main" xmlns:r="http://schemas.openxmlformats.org/officeDocument/2006/relationships" xmlns:p="http://schemas.openxmlformats.org/presentationml/2006/main">
   <p:cSld>
     <p:bg>
@@ -11293,86 +11829,7 @@
 </p:sld>
 </file>
 
-<file path=ppt/slides/slide24.xml><?xml version="1.0" encoding="utf-8"?>
-<p:sld xmlns:a="http://schemas.openxmlformats.org/drawingml/2006/main" xmlns:r="http://schemas.openxmlformats.org/officeDocument/2006/relationships" xmlns:p="http://schemas.openxmlformats.org/presentationml/2006/main">
-  <p:cSld>
-    <p:spTree>
-      <p:nvGrpSpPr>
-        <p:cNvPr id="1" name=""/>
-        <p:cNvGrpSpPr/>
-        <p:nvPr/>
-      </p:nvGrpSpPr>
-      <p:grpSpPr>
-        <a:xfrm>
-          <a:off x="0" y="0"/>
-          <a:ext cx="0" cy="0"/>
-          <a:chOff x="0" y="0"/>
-          <a:chExt cx="0" cy="0"/>
-        </a:xfrm>
-      </p:grpSpPr>
-      <p:sp>
-        <p:nvSpPr>
-          <p:cNvPr id="2" name="Title 1"/>
-          <p:cNvSpPr>
-            <a:spLocks noGrp="1"/>
-          </p:cNvSpPr>
-          <p:nvPr>
-            <p:ph type="title"/>
-          </p:nvPr>
-        </p:nvSpPr>
-        <p:spPr/>
-        <p:txBody>
-          <a:bodyPr/>
-          <a:lstStyle/>
-          <a:p>
-            <a:r>
-              <a:rPr lang="en-US" dirty="0" smtClean="0"/>
-              <a:t>Streams in Action</a:t>
-            </a:r>
-            <a:endParaRPr lang="en-US" dirty="0"/>
-          </a:p>
-        </p:txBody>
-      </p:sp>
-      <p:sp>
-        <p:nvSpPr>
-          <p:cNvPr id="3" name="Content Placeholder 2"/>
-          <p:cNvSpPr>
-            <a:spLocks noGrp="1"/>
-          </p:cNvSpPr>
-          <p:nvPr>
-            <p:ph idx="1"/>
-          </p:nvPr>
-        </p:nvSpPr>
-        <p:spPr/>
-        <p:txBody>
-          <a:bodyPr/>
-          <a:lstStyle/>
-          <a:p>
-            <a:endParaRPr lang="en-US"/>
-          </a:p>
-        </p:txBody>
-      </p:sp>
-    </p:spTree>
-    <p:extLst>
-      <p:ext uri="{BB962C8B-B14F-4D97-AF65-F5344CB8AC3E}">
-        <p14:creationId xmlns:p14="http://schemas.microsoft.com/office/powerpoint/2010/main" val="886050450"/>
-      </p:ext>
-    </p:extLst>
-  </p:cSld>
-  <p:clrMapOvr>
-    <a:masterClrMapping/>
-  </p:clrMapOvr>
-  <p:timing>
-    <p:tnLst>
-      <p:par>
-        <p:cTn id="1" dur="indefinite" restart="never" nodeType="tmRoot"/>
-      </p:par>
-    </p:tnLst>
-  </p:timing>
-</p:sld>
-</file>
-
-<file path=ppt/slides/slide25.xml><?xml version="1.0" encoding="utf-8"?>
+<file path=ppt/slides/slide26.xml><?xml version="1.0" encoding="utf-8"?>
 <p:sld xmlns:a="http://schemas.openxmlformats.org/drawingml/2006/main" xmlns:r="http://schemas.openxmlformats.org/officeDocument/2006/relationships" xmlns:p="http://schemas.openxmlformats.org/presentationml/2006/main">
   <p:cSld>
     <p:bg>
@@ -11446,16 +11903,7 @@
                 </a:solidFill>
                 <a:latin typeface="Proxima Nova Rg" panose="02000506030000020004" pitchFamily="2" charset="0"/>
               </a:rPr>
-              <a:t>Distributed </a:t>
-            </a:r>
-            <a:r>
-              <a:rPr lang="en-US" dirty="0" smtClean="0">
-                <a:solidFill>
-                  <a:schemeClr val="bg1"/>
-                </a:solidFill>
-                <a:latin typeface="Proxima Nova Rg" panose="02000506030000020004" pitchFamily="2" charset="0"/>
-              </a:rPr>
-              <a:t>Streams</a:t>
+              <a:t>Streams on Devices</a:t>
             </a:r>
             <a:br>
               <a:rPr lang="en-US" dirty="0" smtClean="0">
@@ -11472,7 +11920,16 @@
                 </a:solidFill>
                 <a:latin typeface="Proxima Nova Rg" panose="02000506030000020004" pitchFamily="2" charset="0"/>
               </a:rPr>
-              <a:t>with Scuttlebutt</a:t>
+              <a:t>with node-</a:t>
+            </a:r>
+            <a:r>
+              <a:rPr lang="en-US" sz="3600" dirty="0" err="1" smtClean="0">
+                <a:solidFill>
+                  <a:schemeClr val="bg1"/>
+                </a:solidFill>
+                <a:latin typeface="Proxima Nova Rg" panose="02000506030000020004" pitchFamily="2" charset="0"/>
+              </a:rPr>
+              <a:t>serialport</a:t>
             </a:r>
             <a:endParaRPr lang="en-US" sz="3600" dirty="0">
               <a:solidFill>
@@ -11492,7 +11949,7 @@
         <p:spPr>
           <a:xfrm>
             <a:off x="457200" y="1600200"/>
-            <a:ext cx="8229600" cy="4524315"/>
+            <a:ext cx="8229600" cy="4154984"/>
           </a:xfrm>
           <a:prstGeom prst="rect">
             <a:avLst/>
@@ -11505,6 +11962,253 @@
           </a:bodyPr>
           <a:lstStyle/>
           <a:p>
+            <a:r>
+              <a:rPr lang="en-US" sz="2400" dirty="0" err="1" smtClean="0">
+                <a:solidFill>
+                  <a:schemeClr val="bg1"/>
+                </a:solidFill>
+                <a:latin typeface="Lucida Console" panose="020B0609040504020204" pitchFamily="49" charset="0"/>
+              </a:rPr>
+              <a:t>var</a:t>
+            </a:r>
+            <a:r>
+              <a:rPr lang="en-US" sz="2400" dirty="0" smtClean="0">
+                <a:solidFill>
+                  <a:schemeClr val="bg1"/>
+                </a:solidFill>
+                <a:latin typeface="Lucida Console" panose="020B0609040504020204" pitchFamily="49" charset="0"/>
+              </a:rPr>
+              <a:t> </a:t>
+            </a:r>
+            <a:r>
+              <a:rPr lang="en-US" sz="2400" dirty="0" err="1">
+                <a:solidFill>
+                  <a:schemeClr val="bg1"/>
+                </a:solidFill>
+                <a:latin typeface="Lucida Console" panose="020B0609040504020204" pitchFamily="49" charset="0"/>
+              </a:rPr>
+              <a:t>sp</a:t>
+            </a:r>
+            <a:r>
+              <a:rPr lang="en-US" sz="2400" dirty="0">
+                <a:solidFill>
+                  <a:schemeClr val="bg1"/>
+                </a:solidFill>
+                <a:latin typeface="Lucida Console" panose="020B0609040504020204" pitchFamily="49" charset="0"/>
+              </a:rPr>
+              <a:t> = new </a:t>
+            </a:r>
+            <a:r>
+              <a:rPr lang="en-US" sz="2400" dirty="0" err="1">
+                <a:solidFill>
+                  <a:schemeClr val="bg1"/>
+                </a:solidFill>
+                <a:latin typeface="Lucida Console" panose="020B0609040504020204" pitchFamily="49" charset="0"/>
+              </a:rPr>
+              <a:t>SerialPort</a:t>
+            </a:r>
+            <a:r>
+              <a:rPr lang="en-US" sz="2400" dirty="0" smtClean="0">
+                <a:solidFill>
+                  <a:schemeClr val="bg1"/>
+                </a:solidFill>
+                <a:latin typeface="Lucida Console" panose="020B0609040504020204" pitchFamily="49" charset="0"/>
+              </a:rPr>
+              <a:t>('COM5', </a:t>
+            </a:r>
+            <a:r>
+              <a:rPr lang="en-US" sz="2400" dirty="0">
+                <a:solidFill>
+                  <a:schemeClr val="bg1"/>
+                </a:solidFill>
+                <a:latin typeface="Lucida Console" panose="020B0609040504020204" pitchFamily="49" charset="0"/>
+              </a:rPr>
+              <a:t>{ </a:t>
+            </a:r>
+          </a:p>
+          <a:p>
+            <a:r>
+              <a:rPr lang="en-US" sz="2400" dirty="0">
+                <a:solidFill>
+                  <a:schemeClr val="bg1"/>
+                </a:solidFill>
+                <a:latin typeface="Lucida Console" panose="020B0609040504020204" pitchFamily="49" charset="0"/>
+              </a:rPr>
+              <a:t>   </a:t>
+            </a:r>
+            <a:r>
+              <a:rPr lang="en-US" sz="2400" dirty="0" err="1">
+                <a:solidFill>
+                  <a:schemeClr val="bg1"/>
+                </a:solidFill>
+                <a:latin typeface="Lucida Console" panose="020B0609040504020204" pitchFamily="49" charset="0"/>
+              </a:rPr>
+              <a:t>baudRate</a:t>
+            </a:r>
+            <a:r>
+              <a:rPr lang="en-US" sz="2400" dirty="0">
+                <a:solidFill>
+                  <a:schemeClr val="bg1"/>
+                </a:solidFill>
+                <a:latin typeface="Lucida Console" panose="020B0609040504020204" pitchFamily="49" charset="0"/>
+              </a:rPr>
+              <a:t>: 9600, </a:t>
+            </a:r>
+          </a:p>
+          <a:p>
+            <a:r>
+              <a:rPr lang="en-US" sz="2400" dirty="0">
+                <a:solidFill>
+                  <a:schemeClr val="bg1"/>
+                </a:solidFill>
+                <a:latin typeface="Lucida Console" panose="020B0609040504020204" pitchFamily="49" charset="0"/>
+              </a:rPr>
+              <a:t>   </a:t>
+            </a:r>
+            <a:r>
+              <a:rPr lang="en-US" sz="2400" dirty="0" err="1">
+                <a:solidFill>
+                  <a:schemeClr val="bg1"/>
+                </a:solidFill>
+                <a:latin typeface="Lucida Console" panose="020B0609040504020204" pitchFamily="49" charset="0"/>
+              </a:rPr>
+              <a:t>dataBits</a:t>
+            </a:r>
+            <a:r>
+              <a:rPr lang="en-US" sz="2400" dirty="0">
+                <a:solidFill>
+                  <a:schemeClr val="bg1"/>
+                </a:solidFill>
+                <a:latin typeface="Lucida Console" panose="020B0609040504020204" pitchFamily="49" charset="0"/>
+              </a:rPr>
+              <a:t>: 8, </a:t>
+            </a:r>
+          </a:p>
+          <a:p>
+            <a:r>
+              <a:rPr lang="en-US" sz="2400" dirty="0">
+                <a:solidFill>
+                  <a:schemeClr val="bg1"/>
+                </a:solidFill>
+                <a:latin typeface="Lucida Console" panose="020B0609040504020204" pitchFamily="49" charset="0"/>
+              </a:rPr>
+              <a:t>   parity: 'none',</a:t>
+            </a:r>
+          </a:p>
+          <a:p>
+            <a:r>
+              <a:rPr lang="en-US" sz="2400" dirty="0">
+                <a:solidFill>
+                  <a:schemeClr val="bg1"/>
+                </a:solidFill>
+                <a:latin typeface="Lucida Console" panose="020B0609040504020204" pitchFamily="49" charset="0"/>
+              </a:rPr>
+              <a:t>   </a:t>
+            </a:r>
+            <a:r>
+              <a:rPr lang="en-US" sz="2400" dirty="0" err="1">
+                <a:solidFill>
+                  <a:schemeClr val="bg1"/>
+                </a:solidFill>
+                <a:latin typeface="Lucida Console" panose="020B0609040504020204" pitchFamily="49" charset="0"/>
+              </a:rPr>
+              <a:t>stopBits</a:t>
+            </a:r>
+            <a:r>
+              <a:rPr lang="en-US" sz="2400" dirty="0">
+                <a:solidFill>
+                  <a:schemeClr val="bg1"/>
+                </a:solidFill>
+                <a:latin typeface="Lucida Console" panose="020B0609040504020204" pitchFamily="49" charset="0"/>
+              </a:rPr>
+              <a:t>: 1, </a:t>
+            </a:r>
+          </a:p>
+          <a:p>
+            <a:r>
+              <a:rPr lang="en-US" sz="2400" dirty="0">
+                <a:solidFill>
+                  <a:schemeClr val="bg1"/>
+                </a:solidFill>
+                <a:latin typeface="Lucida Console" panose="020B0609040504020204" pitchFamily="49" charset="0"/>
+              </a:rPr>
+              <a:t>   </a:t>
+            </a:r>
+            <a:r>
+              <a:rPr lang="en-US" sz="2400" dirty="0" err="1">
+                <a:solidFill>
+                  <a:schemeClr val="bg1"/>
+                </a:solidFill>
+                <a:latin typeface="Lucida Console" panose="020B0609040504020204" pitchFamily="49" charset="0"/>
+              </a:rPr>
+              <a:t>flowControl</a:t>
+            </a:r>
+            <a:r>
+              <a:rPr lang="en-US" sz="2400" dirty="0">
+                <a:solidFill>
+                  <a:schemeClr val="bg1"/>
+                </a:solidFill>
+                <a:latin typeface="Lucida Console" panose="020B0609040504020204" pitchFamily="49" charset="0"/>
+              </a:rPr>
+              <a:t>: false </a:t>
+            </a:r>
+          </a:p>
+          <a:p>
+            <a:r>
+              <a:rPr lang="en-US" sz="2400" dirty="0" smtClean="0">
+                <a:solidFill>
+                  <a:schemeClr val="bg1"/>
+                </a:solidFill>
+                <a:latin typeface="Lucida Console" panose="020B0609040504020204" pitchFamily="49" charset="0"/>
+              </a:rPr>
+              <a:t>});</a:t>
+            </a:r>
+          </a:p>
+          <a:p>
+            <a:endParaRPr lang="en-US" sz="2400" dirty="0" smtClean="0">
+              <a:solidFill>
+                <a:schemeClr val="bg1"/>
+              </a:solidFill>
+              <a:latin typeface="Lucida Console" panose="020B0609040504020204" pitchFamily="49" charset="0"/>
+            </a:endParaRPr>
+          </a:p>
+          <a:p>
+            <a:r>
+              <a:rPr lang="en-US" sz="2400" dirty="0" err="1" smtClean="0">
+                <a:solidFill>
+                  <a:schemeClr val="bg1"/>
+                </a:solidFill>
+                <a:latin typeface="Lucida Console" panose="020B0609040504020204" pitchFamily="49" charset="0"/>
+              </a:rPr>
+              <a:t>serialPort.pipe</a:t>
+            </a:r>
+            <a:r>
+              <a:rPr lang="en-US" sz="2400" dirty="0" smtClean="0">
+                <a:solidFill>
+                  <a:schemeClr val="bg1"/>
+                </a:solidFill>
+                <a:latin typeface="Lucida Console" panose="020B0609040504020204" pitchFamily="49" charset="0"/>
+              </a:rPr>
+              <a:t>(</a:t>
+            </a:r>
+            <a:r>
+              <a:rPr lang="en-US" sz="2400" dirty="0" err="1" smtClean="0">
+                <a:solidFill>
+                  <a:schemeClr val="bg1"/>
+                </a:solidFill>
+                <a:latin typeface="Lucida Console" panose="020B0609040504020204" pitchFamily="49" charset="0"/>
+              </a:rPr>
+              <a:t>process.stdout</a:t>
+            </a:r>
+            <a:r>
+              <a:rPr lang="en-US" sz="2400" dirty="0" smtClean="0">
+                <a:solidFill>
+                  <a:schemeClr val="bg1"/>
+                </a:solidFill>
+                <a:latin typeface="Lucida Console" panose="020B0609040504020204" pitchFamily="49" charset="0"/>
+              </a:rPr>
+              <a:t>);</a:t>
+            </a:r>
             <a:endParaRPr lang="en-US" sz="2400" dirty="0">
               <a:solidFill>
                 <a:schemeClr val="bg1"/>
@@ -11513,26 +12217,6 @@
             </a:endParaRPr>
           </a:p>
           <a:p>
-            <a:r>
-              <a:rPr lang="en-US" sz="2400" dirty="0" err="1">
-                <a:solidFill>
-                  <a:schemeClr val="bg1"/>
-                </a:solidFill>
-                <a:latin typeface="Lucida Console" panose="020B0609040504020204" pitchFamily="49" charset="0"/>
-              </a:rPr>
-              <a:t>var</a:t>
-            </a:r>
-            <a:r>
-              <a:rPr lang="en-US" sz="2400" dirty="0">
-                <a:solidFill>
-                  <a:schemeClr val="bg1"/>
-                </a:solidFill>
-                <a:latin typeface="Lucida Console" panose="020B0609040504020204" pitchFamily="49" charset="0"/>
-              </a:rPr>
-              <a:t> Model = require('scuttlebutt/model')</a:t>
-            </a:r>
-          </a:p>
-          <a:p>
             <a:endParaRPr lang="en-US" sz="2400" dirty="0">
               <a:solidFill>
                 <a:schemeClr val="bg1"/>
@@ -11548,7 +12232,7 @@
                 </a:solidFill>
                 <a:latin typeface="Lucida Console" panose="020B0609040504020204" pitchFamily="49" charset="0"/>
               </a:rPr>
-              <a:t>var</a:t>
+              <a:t>serialPort.write</a:t>
             </a:r>
             <a:r>
               <a:rPr lang="en-US" sz="2400" dirty="0">
@@ -11557,167 +12241,7 @@
                 </a:solidFill>
                 <a:latin typeface="Lucida Console" panose="020B0609040504020204" pitchFamily="49" charset="0"/>
               </a:rPr>
-              <a:t> a = new Model()</a:t>
-            </a:r>
-          </a:p>
-          <a:p>
-            <a:r>
-              <a:rPr lang="en-US" sz="2400" dirty="0" err="1">
-                <a:solidFill>
-                  <a:schemeClr val="bg1"/>
-                </a:solidFill>
-                <a:latin typeface="Lucida Console" panose="020B0609040504020204" pitchFamily="49" charset="0"/>
-              </a:rPr>
-              <a:t>var</a:t>
-            </a:r>
-            <a:r>
-              <a:rPr lang="en-US" sz="2400" dirty="0">
-                <a:solidFill>
-                  <a:schemeClr val="bg1"/>
-                </a:solidFill>
-                <a:latin typeface="Lucida Console" panose="020B0609040504020204" pitchFamily="49" charset="0"/>
-              </a:rPr>
-              <a:t> b = new Model()</a:t>
-            </a:r>
-          </a:p>
-          <a:p>
-            <a:endParaRPr lang="en-US" sz="2400" dirty="0">
-              <a:solidFill>
-                <a:schemeClr val="bg1"/>
-              </a:solidFill>
-              <a:latin typeface="Lucida Console" panose="020B0609040504020204" pitchFamily="49" charset="0"/>
-            </a:endParaRPr>
-          </a:p>
-          <a:p>
-            <a:r>
-              <a:rPr lang="en-US" sz="2400" dirty="0" err="1">
-                <a:solidFill>
-                  <a:schemeClr val="bg1"/>
-                </a:solidFill>
-                <a:latin typeface="Lucida Console" panose="020B0609040504020204" pitchFamily="49" charset="0"/>
-              </a:rPr>
-              <a:t>a.set</a:t>
-            </a:r>
-            <a:r>
-              <a:rPr lang="en-US" sz="2400" dirty="0">
-                <a:solidFill>
-                  <a:schemeClr val="bg1"/>
-                </a:solidFill>
-                <a:latin typeface="Lucida Console" panose="020B0609040504020204" pitchFamily="49" charset="0"/>
-              </a:rPr>
-              <a:t>(key, value)</a:t>
-            </a:r>
-          </a:p>
-          <a:p>
-            <a:endParaRPr lang="en-US" sz="2400" dirty="0">
-              <a:solidFill>
-                <a:schemeClr val="bg1"/>
-              </a:solidFill>
-              <a:latin typeface="Lucida Console" panose="020B0609040504020204" pitchFamily="49" charset="0"/>
-            </a:endParaRPr>
-          </a:p>
-          <a:p>
-            <a:r>
-              <a:rPr lang="en-US" sz="2400" dirty="0" err="1">
-                <a:solidFill>
-                  <a:schemeClr val="bg1"/>
-                </a:solidFill>
-                <a:latin typeface="Lucida Console" panose="020B0609040504020204" pitchFamily="49" charset="0"/>
-              </a:rPr>
-              <a:t>b.on</a:t>
-            </a:r>
-            <a:r>
-              <a:rPr lang="en-US" sz="2400" dirty="0">
-                <a:solidFill>
-                  <a:schemeClr val="bg1"/>
-                </a:solidFill>
-                <a:latin typeface="Lucida Console" panose="020B0609040504020204" pitchFamily="49" charset="0"/>
-              </a:rPr>
-              <a:t>('update', console.log)</a:t>
-            </a:r>
-          </a:p>
-          <a:p>
-            <a:endParaRPr lang="en-US" sz="2400" dirty="0">
-              <a:solidFill>
-                <a:schemeClr val="bg1"/>
-              </a:solidFill>
-              <a:latin typeface="Lucida Console" panose="020B0609040504020204" pitchFamily="49" charset="0"/>
-            </a:endParaRPr>
-          </a:p>
-          <a:p>
-            <a:r>
-              <a:rPr lang="en-US" sz="2400" dirty="0" err="1">
-                <a:solidFill>
-                  <a:schemeClr val="bg1"/>
-                </a:solidFill>
-                <a:latin typeface="Lucida Console" panose="020B0609040504020204" pitchFamily="49" charset="0"/>
-              </a:rPr>
-              <a:t>var</a:t>
-            </a:r>
-            <a:r>
-              <a:rPr lang="en-US" sz="2400" dirty="0">
-                <a:solidFill>
-                  <a:schemeClr val="bg1"/>
-                </a:solidFill>
-                <a:latin typeface="Lucida Console" panose="020B0609040504020204" pitchFamily="49" charset="0"/>
-              </a:rPr>
-              <a:t> s = </a:t>
-            </a:r>
-            <a:r>
-              <a:rPr lang="en-US" sz="2400" dirty="0" err="1">
-                <a:solidFill>
-                  <a:schemeClr val="bg1"/>
-                </a:solidFill>
-                <a:latin typeface="Lucida Console" panose="020B0609040504020204" pitchFamily="49" charset="0"/>
-              </a:rPr>
-              <a:t>a.createStream</a:t>
-            </a:r>
-            <a:r>
-              <a:rPr lang="en-US" sz="2400" dirty="0">
-                <a:solidFill>
-                  <a:schemeClr val="bg1"/>
-                </a:solidFill>
-                <a:latin typeface="Lucida Console" panose="020B0609040504020204" pitchFamily="49" charset="0"/>
-              </a:rPr>
-              <a:t>()</a:t>
-            </a:r>
-          </a:p>
-          <a:p>
-            <a:r>
-              <a:rPr lang="en-US" sz="2400" dirty="0" err="1">
-                <a:solidFill>
-                  <a:schemeClr val="bg1"/>
-                </a:solidFill>
-                <a:latin typeface="Lucida Console" panose="020B0609040504020204" pitchFamily="49" charset="0"/>
-              </a:rPr>
-              <a:t>s.pipe</a:t>
-            </a:r>
-            <a:r>
-              <a:rPr lang="en-US" sz="2400" dirty="0">
-                <a:solidFill>
-                  <a:schemeClr val="bg1"/>
-                </a:solidFill>
-                <a:latin typeface="Lucida Console" panose="020B0609040504020204" pitchFamily="49" charset="0"/>
-              </a:rPr>
-              <a:t>(</a:t>
-            </a:r>
-            <a:r>
-              <a:rPr lang="en-US" sz="2400" dirty="0" err="1">
-                <a:solidFill>
-                  <a:schemeClr val="bg1"/>
-                </a:solidFill>
-                <a:latin typeface="Lucida Console" panose="020B0609040504020204" pitchFamily="49" charset="0"/>
-              </a:rPr>
-              <a:t>b.createStream</a:t>
-            </a:r>
-            <a:r>
-              <a:rPr lang="en-US" sz="2400" dirty="0">
-                <a:solidFill>
-                  <a:schemeClr val="bg1"/>
-                </a:solidFill>
-                <a:latin typeface="Lucida Console" panose="020B0609040504020204" pitchFamily="49" charset="0"/>
-              </a:rPr>
-              <a:t>()).pipe(s)</a:t>
+              <a:t>('OMG IT WORKS\r');</a:t>
             </a:r>
           </a:p>
         </p:txBody>
@@ -11728,168 +12252,6 @@
         <p14:creationId xmlns:p14="http://schemas.microsoft.com/office/powerpoint/2010/main" val="116662798"/>
       </p:ext>
     </p:extLst>
-  </p:cSld>
-  <p:clrMapOvr>
-    <a:masterClrMapping/>
-  </p:clrMapOvr>
-  <p:timing>
-    <p:tnLst>
-      <p:par>
-        <p:cTn id="1" dur="indefinite" restart="never" nodeType="tmRoot"/>
-      </p:par>
-    </p:tnLst>
-  </p:timing>
-</p:sld>
-</file>
-
-<file path=ppt/slides/slide26.xml><?xml version="1.0" encoding="utf-8"?>
-<p:sld xmlns:a="http://schemas.openxmlformats.org/drawingml/2006/main" xmlns:r="http://schemas.openxmlformats.org/officeDocument/2006/relationships" xmlns:p="http://schemas.openxmlformats.org/presentationml/2006/main">
-  <p:cSld>
-    <p:bg>
-      <p:bgPr>
-        <a:solidFill>
-          <a:schemeClr val="tx1"/>
-        </a:solidFill>
-        <a:effectLst/>
-      </p:bgPr>
-    </p:bg>
-    <p:spTree>
-      <p:nvGrpSpPr>
-        <p:cNvPr id="1" name=""/>
-        <p:cNvGrpSpPr/>
-        <p:nvPr/>
-      </p:nvGrpSpPr>
-      <p:grpSpPr>
-        <a:xfrm>
-          <a:off x="0" y="0"/>
-          <a:ext cx="0" cy="0"/>
-          <a:chOff x="0" y="0"/>
-          <a:chExt cx="0" cy="0"/>
-        </a:xfrm>
-      </p:grpSpPr>
-      <p:pic>
-        <p:nvPicPr>
-          <p:cNvPr id="5" name="Picture 4"/>
-          <p:cNvPicPr>
-            <a:picLocks noChangeAspect="1"/>
-          </p:cNvPicPr>
-          <p:nvPr/>
-        </p:nvPicPr>
-        <p:blipFill>
-          <a:blip r:embed="rId3" cstate="print"/>
-          <a:stretch>
-            <a:fillRect/>
-          </a:stretch>
-        </p:blipFill>
-        <p:spPr>
-          <a:xfrm>
-            <a:off x="0" y="0"/>
-            <a:ext cx="2781300" cy="2257425"/>
-          </a:xfrm>
-          <a:prstGeom prst="rect">
-            <a:avLst/>
-          </a:prstGeom>
-        </p:spPr>
-      </p:pic>
-      <p:sp>
-        <p:nvSpPr>
-          <p:cNvPr id="2" name="Title 1"/>
-          <p:cNvSpPr>
-            <a:spLocks noGrp="1"/>
-          </p:cNvSpPr>
-          <p:nvPr>
-            <p:ph type="title"/>
-          </p:nvPr>
-        </p:nvSpPr>
-        <p:spPr/>
-        <p:txBody>
-          <a:bodyPr/>
-          <a:lstStyle/>
-          <a:p>
-            <a:pPr algn="r"/>
-            <a:r>
-              <a:rPr lang="en-US" dirty="0" smtClean="0">
-                <a:solidFill>
-                  <a:schemeClr val="bg1"/>
-                </a:solidFill>
-                <a:latin typeface="Proxima Nova Rg" panose="02000506030000020004" pitchFamily="2" charset="0"/>
-              </a:rPr>
-              <a:t>Issues in &lt;= 0.8</a:t>
-            </a:r>
-            <a:endParaRPr lang="en-US" dirty="0">
-              <a:solidFill>
-                <a:schemeClr val="bg1"/>
-              </a:solidFill>
-              <a:latin typeface="Proxima Nova Rg" panose="02000506030000020004" pitchFamily="2" charset="0"/>
-            </a:endParaRPr>
-          </a:p>
-        </p:txBody>
-      </p:sp>
-      <p:sp>
-        <p:nvSpPr>
-          <p:cNvPr id="3" name="Content Placeholder 2"/>
-          <p:cNvSpPr>
-            <a:spLocks noGrp="1"/>
-          </p:cNvSpPr>
-          <p:nvPr>
-            <p:ph idx="1"/>
-          </p:nvPr>
-        </p:nvSpPr>
-        <p:spPr/>
-        <p:txBody>
-          <a:bodyPr/>
-          <a:lstStyle/>
-          <a:p>
-            <a:r>
-              <a:rPr lang="en-US" dirty="0" smtClean="0">
-                <a:solidFill>
-                  <a:schemeClr val="bg1"/>
-                </a:solidFill>
-              </a:rPr>
-              <a:t>Problems in Readable Streams</a:t>
-            </a:r>
-          </a:p>
-          <a:p>
-            <a:pPr lvl="1"/>
-            <a:r>
-              <a:rPr lang="en-US" dirty="0" smtClean="0">
-                <a:solidFill>
-                  <a:schemeClr val="bg1"/>
-                </a:solidFill>
-              </a:rPr>
-              <a:t>Data eagerly fired whether ready or not</a:t>
-            </a:r>
-          </a:p>
-          <a:p>
-            <a:pPr lvl="1"/>
-            <a:r>
-              <a:rPr lang="en-US" dirty="0" smtClean="0">
-                <a:solidFill>
-                  <a:schemeClr val="bg1"/>
-                </a:solidFill>
-              </a:rPr>
-              <a:t>Implement pause/resume yourself</a:t>
-            </a:r>
-          </a:p>
-          <a:p>
-            <a:pPr lvl="1"/>
-            <a:r>
-              <a:rPr lang="en-US" dirty="0" smtClean="0">
-                <a:solidFill>
-                  <a:schemeClr val="bg1"/>
-                </a:solidFill>
-              </a:rPr>
-              <a:t>Might get data even if paused</a:t>
-            </a:r>
-            <a:endParaRPr lang="en-US" dirty="0">
-              <a:solidFill>
-                <a:schemeClr val="bg1"/>
-              </a:solidFill>
-            </a:endParaRPr>
-          </a:p>
-        </p:txBody>
-      </p:sp>
-    </p:spTree>
   </p:cSld>
   <p:clrMapOvr>
     <a:masterClrMapping/>
@@ -11931,7 +12293,7 @@
       </p:grpSpPr>
       <p:pic>
         <p:nvPicPr>
-          <p:cNvPr id="4" name="Picture 3"/>
+          <p:cNvPr id="6" name="Picture 5"/>
           <p:cNvPicPr>
             <a:picLocks noChangeAspect="1"/>
           </p:cNvPicPr>
@@ -11945,7 +12307,7 @@
         </p:blipFill>
         <p:spPr>
           <a:xfrm>
-            <a:off x="0" y="0"/>
+            <a:off x="10886" y="0"/>
             <a:ext cx="2781300" cy="2257425"/>
           </a:xfrm>
           <a:prstGeom prst="rect">
@@ -11965,7 +12327,9 @@
         </p:nvSpPr>
         <p:spPr/>
         <p:txBody>
-          <a:bodyPr/>
+          <a:bodyPr>
+            <a:normAutofit fontScale="90000"/>
+          </a:bodyPr>
           <a:lstStyle/>
           <a:p>
             <a:pPr algn="r"/>
@@ -11976,9 +12340,26 @@
                 </a:solidFill>
                 <a:latin typeface="Proxima Nova Rg" panose="02000506030000020004" pitchFamily="2" charset="0"/>
               </a:rPr>
-              <a:t>Changes in 0.9+</a:t>
-            </a:r>
-            <a:endParaRPr lang="en-US" dirty="0">
+              <a:t>Distributed Streams</a:t>
+            </a:r>
+            <a:br>
+              <a:rPr lang="en-US" dirty="0" smtClean="0">
+                <a:solidFill>
+                  <a:schemeClr val="bg1"/>
+                </a:solidFill>
+                <a:latin typeface="Proxima Nova Rg" panose="02000506030000020004" pitchFamily="2" charset="0"/>
+              </a:rPr>
+            </a:br>
+            <a:r>
+              <a:rPr lang="en-US" sz="3600" dirty="0" smtClean="0">
+                <a:solidFill>
+                  <a:schemeClr val="bg1"/>
+                </a:solidFill>
+                <a:latin typeface="Proxima Nova Rg" panose="02000506030000020004" pitchFamily="2" charset="0"/>
+              </a:rPr>
+              <a:t>with Scuttlebutt</a:t>
+            </a:r>
+            <a:endParaRPr lang="en-US" sz="3600" dirty="0">
               <a:solidFill>
                 <a:schemeClr val="bg1"/>
               </a:solidFill>
@@ -11989,14 +12370,14 @@
       </p:sp>
       <p:sp>
         <p:nvSpPr>
-          <p:cNvPr id="3" name="TextBox 2"/>
+          <p:cNvPr id="4" name="TextBox 3"/>
           <p:cNvSpPr txBox="1"/>
           <p:nvPr/>
         </p:nvSpPr>
         <p:spPr>
           <a:xfrm>
-            <a:off x="838200" y="2257425"/>
-            <a:ext cx="7467600" cy="830997"/>
+            <a:off x="457200" y="1600200"/>
+            <a:ext cx="8229600" cy="4524315"/>
           </a:xfrm>
           <a:prstGeom prst="rect">
             <a:avLst/>
@@ -12009,220 +12390,227 @@
           </a:bodyPr>
           <a:lstStyle/>
           <a:p>
-            <a:r>
-              <a:rPr lang="en-US" sz="2400" dirty="0" smtClean="0">
-                <a:solidFill>
-                  <a:schemeClr val="bg1"/>
-                </a:solidFill>
-                <a:latin typeface="Proxima Nova Rg" panose="02000506030000020004" pitchFamily="50" charset="0"/>
-              </a:rPr>
-              <a:t>“Fire </a:t>
-            </a:r>
-            <a:r>
-              <a:rPr lang="en-US" sz="2400" dirty="0">
-                <a:solidFill>
-                  <a:schemeClr val="bg1"/>
-                </a:solidFill>
-                <a:latin typeface="Proxima Nova Rg" panose="02000506030000020004" pitchFamily="50" charset="0"/>
-              </a:rPr>
-              <a:t>and brimstone coming down from the skies! Rivers and seas boiling</a:t>
-            </a:r>
-            <a:r>
-              <a:rPr lang="en-US" sz="2400" dirty="0" smtClean="0">
-                <a:solidFill>
-                  <a:schemeClr val="bg1"/>
-                </a:solidFill>
-                <a:latin typeface="Proxima Nova Rg" panose="02000506030000020004" pitchFamily="50" charset="0"/>
-              </a:rPr>
-              <a:t>!”</a:t>
-            </a:r>
             <a:endParaRPr lang="en-US" sz="2400" dirty="0">
               <a:solidFill>
                 <a:schemeClr val="bg1"/>
               </a:solidFill>
-              <a:latin typeface="Proxima Nova Rg" panose="02000506030000020004" pitchFamily="50" charset="0"/>
+              <a:latin typeface="Lucida Console" panose="020B0609040504020204" pitchFamily="49" charset="0"/>
             </a:endParaRPr>
           </a:p>
-        </p:txBody>
-      </p:sp>
-      <p:sp>
-        <p:nvSpPr>
-          <p:cNvPr id="6" name="TextBox 5"/>
-          <p:cNvSpPr txBox="1"/>
-          <p:nvPr/>
-        </p:nvSpPr>
-        <p:spPr>
-          <a:xfrm>
-            <a:off x="838200" y="3429000"/>
-            <a:ext cx="7467600" cy="461665"/>
-          </a:xfrm>
-          <a:prstGeom prst="rect">
-            <a:avLst/>
-          </a:prstGeom>
-          <a:noFill/>
-        </p:spPr>
-        <p:txBody>
-          <a:bodyPr wrap="square" rtlCol="0">
-            <a:spAutoFit/>
-          </a:bodyPr>
-          <a:lstStyle/>
-          <a:p>
-            <a:r>
-              <a:rPr lang="en-US" sz="2400" dirty="0" smtClean="0">
-                <a:solidFill>
-                  <a:schemeClr val="bg1"/>
-                </a:solidFill>
-                <a:latin typeface="Proxima Nova Rg" panose="02000506030000020004" pitchFamily="50" charset="0"/>
-              </a:rPr>
-              <a:t>“Forty </a:t>
+          <a:p>
+            <a:r>
+              <a:rPr lang="en-US" sz="2400" dirty="0" err="1">
+                <a:solidFill>
+                  <a:schemeClr val="bg1"/>
+                </a:solidFill>
+                <a:latin typeface="Lucida Console" panose="020B0609040504020204" pitchFamily="49" charset="0"/>
+              </a:rPr>
+              <a:t>var</a:t>
             </a:r>
             <a:r>
               <a:rPr lang="en-US" sz="2400" dirty="0">
                 <a:solidFill>
                   <a:schemeClr val="bg1"/>
                 </a:solidFill>
-                <a:latin typeface="Proxima Nova Rg" panose="02000506030000020004" pitchFamily="50" charset="0"/>
-              </a:rPr>
-              <a:t>years of darkness! Earthquakes, volcanoes</a:t>
-            </a:r>
-            <a:r>
-              <a:rPr lang="en-US" sz="2400" dirty="0" smtClean="0">
-                <a:solidFill>
-                  <a:schemeClr val="bg1"/>
-                </a:solidFill>
-                <a:latin typeface="Proxima Nova Rg" panose="02000506030000020004" pitchFamily="50" charset="0"/>
-              </a:rPr>
-              <a:t>...”</a:t>
-            </a:r>
+                <a:latin typeface="Lucida Console" panose="020B0609040504020204" pitchFamily="49" charset="0"/>
+              </a:rPr>
+              <a:t> Model = require('scuttlebutt/model')</a:t>
+            </a:r>
+          </a:p>
+          <a:p>
             <a:endParaRPr lang="en-US" sz="2400" dirty="0">
               <a:solidFill>
                 <a:schemeClr val="bg1"/>
               </a:solidFill>
-              <a:latin typeface="Proxima Nova Rg" panose="02000506030000020004" pitchFamily="50" charset="0"/>
+              <a:latin typeface="Lucida Console" panose="020B0609040504020204" pitchFamily="49" charset="0"/>
             </a:endParaRPr>
           </a:p>
-        </p:txBody>
-      </p:sp>
-      <p:sp>
-        <p:nvSpPr>
-          <p:cNvPr id="7" name="TextBox 6"/>
-          <p:cNvSpPr txBox="1"/>
-          <p:nvPr/>
-        </p:nvSpPr>
-        <p:spPr>
-          <a:xfrm>
-            <a:off x="838200" y="4231243"/>
-            <a:ext cx="7467600" cy="461665"/>
-          </a:xfrm>
-          <a:prstGeom prst="rect">
-            <a:avLst/>
-          </a:prstGeom>
-          <a:noFill/>
-        </p:spPr>
-        <p:txBody>
-          <a:bodyPr wrap="square" rtlCol="0">
-            <a:spAutoFit/>
-          </a:bodyPr>
-          <a:lstStyle/>
-          <a:p>
-            <a:r>
-              <a:rPr lang="en-US" sz="2400" dirty="0" smtClean="0">
-                <a:solidFill>
-                  <a:schemeClr val="bg1"/>
-                </a:solidFill>
-                <a:latin typeface="Proxima Nova Rg" panose="02000506030000020004" pitchFamily="50" charset="0"/>
-              </a:rPr>
-              <a:t>“The </a:t>
+          <a:p>
+            <a:r>
+              <a:rPr lang="en-US" sz="2400" dirty="0" err="1">
+                <a:solidFill>
+                  <a:schemeClr val="bg1"/>
+                </a:solidFill>
+                <a:latin typeface="Lucida Console" panose="020B0609040504020204" pitchFamily="49" charset="0"/>
+              </a:rPr>
+              <a:t>var</a:t>
             </a:r>
             <a:r>
               <a:rPr lang="en-US" sz="2400" dirty="0">
                 <a:solidFill>
                   <a:schemeClr val="bg1"/>
                 </a:solidFill>
-                <a:latin typeface="Proxima Nova Rg" panose="02000506030000020004" pitchFamily="50" charset="0"/>
-              </a:rPr>
-              <a:t>dead rising from the grave</a:t>
-            </a:r>
-            <a:r>
-              <a:rPr lang="en-US" sz="2400" dirty="0" smtClean="0">
-                <a:solidFill>
-                  <a:schemeClr val="bg1"/>
-                </a:solidFill>
-                <a:latin typeface="Proxima Nova Rg" panose="02000506030000020004" pitchFamily="50" charset="0"/>
-              </a:rPr>
-              <a:t>!”</a:t>
-            </a:r>
+                <a:latin typeface="Lucida Console" panose="020B0609040504020204" pitchFamily="49" charset="0"/>
+              </a:rPr>
+              <a:t> a = new Model()</a:t>
+            </a:r>
+          </a:p>
+          <a:p>
+            <a:r>
+              <a:rPr lang="en-US" sz="2400" dirty="0" err="1">
+                <a:solidFill>
+                  <a:schemeClr val="bg1"/>
+                </a:solidFill>
+                <a:latin typeface="Lucida Console" panose="020B0609040504020204" pitchFamily="49" charset="0"/>
+              </a:rPr>
+              <a:t>var</a:t>
+            </a:r>
+            <a:r>
+              <a:rPr lang="en-US" sz="2400" dirty="0">
+                <a:solidFill>
+                  <a:schemeClr val="bg1"/>
+                </a:solidFill>
+                <a:latin typeface="Lucida Console" panose="020B0609040504020204" pitchFamily="49" charset="0"/>
+              </a:rPr>
+              <a:t> b = new Model()</a:t>
+            </a:r>
+          </a:p>
+          <a:p>
             <a:endParaRPr lang="en-US" sz="2400" dirty="0">
               <a:solidFill>
                 <a:schemeClr val="bg1"/>
               </a:solidFill>
-              <a:latin typeface="Proxima Nova Rg" panose="02000506030000020004" pitchFamily="50" charset="0"/>
+              <a:latin typeface="Lucida Console" panose="020B0609040504020204" pitchFamily="49" charset="0"/>
             </a:endParaRPr>
           </a:p>
-        </p:txBody>
-      </p:sp>
-      <p:sp>
-        <p:nvSpPr>
-          <p:cNvPr id="8" name="TextBox 7"/>
-          <p:cNvSpPr txBox="1"/>
-          <p:nvPr/>
-        </p:nvSpPr>
-        <p:spPr>
-          <a:xfrm>
-            <a:off x="838200" y="5033486"/>
-            <a:ext cx="7467600" cy="830997"/>
-          </a:xfrm>
-          <a:prstGeom prst="rect">
-            <a:avLst/>
-          </a:prstGeom>
-          <a:noFill/>
-        </p:spPr>
-        <p:txBody>
-          <a:bodyPr wrap="square" rtlCol="0">
-            <a:spAutoFit/>
-          </a:bodyPr>
-          <a:lstStyle/>
-          <a:p>
-            <a:r>
-              <a:rPr lang="en-US" sz="2400" dirty="0" smtClean="0">
-                <a:solidFill>
-                  <a:schemeClr val="bg1"/>
-                </a:solidFill>
-                <a:latin typeface="Proxima Nova Rg" panose="02000506030000020004" pitchFamily="50" charset="0"/>
-              </a:rPr>
-              <a:t>“Human </a:t>
+          <a:p>
+            <a:r>
+              <a:rPr lang="en-US" sz="2400" dirty="0" err="1">
+                <a:solidFill>
+                  <a:schemeClr val="bg1"/>
+                </a:solidFill>
+                <a:latin typeface="Lucida Console" panose="020B0609040504020204" pitchFamily="49" charset="0"/>
+              </a:rPr>
+              <a:t>a.set</a:t>
             </a:r>
             <a:r>
               <a:rPr lang="en-US" sz="2400" dirty="0">
                 <a:solidFill>
                   <a:schemeClr val="bg1"/>
                 </a:solidFill>
-                <a:latin typeface="Proxima Nova Rg" panose="02000506030000020004" pitchFamily="50" charset="0"/>
-              </a:rPr>
-              <a:t>sacrifice, dogs and cats living together... mass hysteria</a:t>
-            </a:r>
-            <a:r>
-              <a:rPr lang="en-US" sz="2400" dirty="0" smtClean="0">
-                <a:solidFill>
-                  <a:schemeClr val="bg1"/>
-                </a:solidFill>
-                <a:latin typeface="Proxima Nova Rg" panose="02000506030000020004" pitchFamily="50" charset="0"/>
-              </a:rPr>
-              <a:t>!”</a:t>
-            </a:r>
+                <a:latin typeface="Lucida Console" panose="020B0609040504020204" pitchFamily="49" charset="0"/>
+              </a:rPr>
+              <a:t>(key, value)</a:t>
+            </a:r>
+          </a:p>
+          <a:p>
             <a:endParaRPr lang="en-US" sz="2400" dirty="0">
               <a:solidFill>
                 <a:schemeClr val="bg1"/>
               </a:solidFill>
-              <a:latin typeface="Proxima Nova Rg" panose="02000506030000020004" pitchFamily="50" charset="0"/>
+              <a:latin typeface="Lucida Console" panose="020B0609040504020204" pitchFamily="49" charset="0"/>
             </a:endParaRPr>
+          </a:p>
+          <a:p>
+            <a:r>
+              <a:rPr lang="en-US" sz="2400" dirty="0" err="1">
+                <a:solidFill>
+                  <a:schemeClr val="bg1"/>
+                </a:solidFill>
+                <a:latin typeface="Lucida Console" panose="020B0609040504020204" pitchFamily="49" charset="0"/>
+              </a:rPr>
+              <a:t>b.on</a:t>
+            </a:r>
+            <a:r>
+              <a:rPr lang="en-US" sz="2400" dirty="0">
+                <a:solidFill>
+                  <a:schemeClr val="bg1"/>
+                </a:solidFill>
+                <a:latin typeface="Lucida Console" panose="020B0609040504020204" pitchFamily="49" charset="0"/>
+              </a:rPr>
+              <a:t>('update', console.log)</a:t>
+            </a:r>
+          </a:p>
+          <a:p>
+            <a:endParaRPr lang="en-US" sz="2400" dirty="0">
+              <a:solidFill>
+                <a:schemeClr val="bg1"/>
+              </a:solidFill>
+              <a:latin typeface="Lucida Console" panose="020B0609040504020204" pitchFamily="49" charset="0"/>
+            </a:endParaRPr>
+          </a:p>
+          <a:p>
+            <a:r>
+              <a:rPr lang="en-US" sz="2400" dirty="0" err="1">
+                <a:solidFill>
+                  <a:schemeClr val="bg1"/>
+                </a:solidFill>
+                <a:latin typeface="Lucida Console" panose="020B0609040504020204" pitchFamily="49" charset="0"/>
+              </a:rPr>
+              <a:t>var</a:t>
+            </a:r>
+            <a:r>
+              <a:rPr lang="en-US" sz="2400" dirty="0">
+                <a:solidFill>
+                  <a:schemeClr val="bg1"/>
+                </a:solidFill>
+                <a:latin typeface="Lucida Console" panose="020B0609040504020204" pitchFamily="49" charset="0"/>
+              </a:rPr>
+              <a:t> s = </a:t>
+            </a:r>
+            <a:r>
+              <a:rPr lang="en-US" sz="2400" dirty="0" err="1">
+                <a:solidFill>
+                  <a:schemeClr val="bg1"/>
+                </a:solidFill>
+                <a:latin typeface="Lucida Console" panose="020B0609040504020204" pitchFamily="49" charset="0"/>
+              </a:rPr>
+              <a:t>a.createStream</a:t>
+            </a:r>
+            <a:r>
+              <a:rPr lang="en-US" sz="2400" dirty="0">
+                <a:solidFill>
+                  <a:schemeClr val="bg1"/>
+                </a:solidFill>
+                <a:latin typeface="Lucida Console" panose="020B0609040504020204" pitchFamily="49" charset="0"/>
+              </a:rPr>
+              <a:t>()</a:t>
+            </a:r>
+          </a:p>
+          <a:p>
+            <a:r>
+              <a:rPr lang="en-US" sz="2400" dirty="0" err="1">
+                <a:solidFill>
+                  <a:schemeClr val="bg1"/>
+                </a:solidFill>
+                <a:latin typeface="Lucida Console" panose="020B0609040504020204" pitchFamily="49" charset="0"/>
+              </a:rPr>
+              <a:t>s.pipe</a:t>
+            </a:r>
+            <a:r>
+              <a:rPr lang="en-US" sz="2400" dirty="0">
+                <a:solidFill>
+                  <a:schemeClr val="bg1"/>
+                </a:solidFill>
+                <a:latin typeface="Lucida Console" panose="020B0609040504020204" pitchFamily="49" charset="0"/>
+              </a:rPr>
+              <a:t>(</a:t>
+            </a:r>
+            <a:r>
+              <a:rPr lang="en-US" sz="2400" dirty="0" err="1">
+                <a:solidFill>
+                  <a:schemeClr val="bg1"/>
+                </a:solidFill>
+                <a:latin typeface="Lucida Console" panose="020B0609040504020204" pitchFamily="49" charset="0"/>
+              </a:rPr>
+              <a:t>b.createStream</a:t>
+            </a:r>
+            <a:r>
+              <a:rPr lang="en-US" sz="2400" dirty="0">
+                <a:solidFill>
+                  <a:schemeClr val="bg1"/>
+                </a:solidFill>
+                <a:latin typeface="Lucida Console" panose="020B0609040504020204" pitchFamily="49" charset="0"/>
+              </a:rPr>
+              <a:t>()).pipe(s)</a:t>
+            </a:r>
           </a:p>
         </p:txBody>
       </p:sp>
     </p:spTree>
     <p:extLst>
       <p:ext uri="{BB962C8B-B14F-4D97-AF65-F5344CB8AC3E}">
-        <p14:creationId xmlns:p14="http://schemas.microsoft.com/office/powerpoint/2010/main" val="582266723"/>
+        <p14:creationId xmlns:p14="http://schemas.microsoft.com/office/powerpoint/2010/main" val="2649660260"/>
       </p:ext>
     </p:extLst>
   </p:cSld>
@@ -12311,7 +12699,7 @@
                 </a:solidFill>
                 <a:latin typeface="Proxima Nova Rg" panose="02000506030000020004" pitchFamily="2" charset="0"/>
               </a:rPr>
-              <a:t>Changes in 0.9+</a:t>
+              <a:t>Issues in &lt;= 0.8</a:t>
             </a:r>
             <a:endParaRPr lang="en-US" dirty="0">
               <a:solidFill>
@@ -12342,9 +12730,8 @@
                 <a:solidFill>
                   <a:schemeClr val="bg1"/>
                 </a:solidFill>
-                <a:latin typeface="Proxima Nova Rg" panose="02000506030000020004" pitchFamily="2" charset="0"/>
-              </a:rPr>
-              <a:t>New Readable class</a:t>
+              </a:rPr>
+              <a:t>Problems in Readable Streams</a:t>
             </a:r>
           </a:p>
           <a:p>
@@ -12354,9 +12741,8 @@
                 <a:solidFill>
                   <a:schemeClr val="bg1"/>
                 </a:solidFill>
-                <a:latin typeface="Proxima Nova Rg" panose="02000506030000020004" pitchFamily="2" charset="0"/>
-              </a:rPr>
-              <a:t>Eliminates pause/resume</a:t>
+              </a:rPr>
+              <a:t>Data eagerly fired whether ready or not</a:t>
             </a:r>
           </a:p>
           <a:p>
@@ -12366,274 +12752,40 @@
                 <a:solidFill>
                   <a:schemeClr val="bg1"/>
                 </a:solidFill>
-                <a:latin typeface="Proxima Nova Rg" panose="02000506030000020004" pitchFamily="2" charset="0"/>
-              </a:rPr>
-              <a:t>Adds read method and readable event</a:t>
+              </a:rPr>
+              <a:t>Implement pause/resume yourself</a:t>
+            </a:r>
+          </a:p>
+          <a:p>
+            <a:pPr lvl="1"/>
+            <a:r>
+              <a:rPr lang="en-US" dirty="0" smtClean="0">
+                <a:solidFill>
+                  <a:schemeClr val="bg1"/>
+                </a:solidFill>
+              </a:rPr>
+              <a:t>Might get data even if paused</a:t>
             </a:r>
             <a:endParaRPr lang="en-US" dirty="0">
               <a:solidFill>
                 <a:schemeClr val="bg1"/>
               </a:solidFill>
-              <a:latin typeface="Proxima Nova Rg" panose="02000506030000020004" pitchFamily="2" charset="0"/>
             </a:endParaRPr>
           </a:p>
         </p:txBody>
       </p:sp>
-      <p:sp>
-        <p:nvSpPr>
-          <p:cNvPr id="4" name="TextBox 3"/>
-          <p:cNvSpPr txBox="1"/>
-          <p:nvPr/>
-        </p:nvSpPr>
-        <p:spPr>
-          <a:xfrm>
-            <a:off x="990600" y="3365480"/>
-            <a:ext cx="7315200" cy="3416320"/>
-          </a:xfrm>
-          <a:prstGeom prst="rect">
-            <a:avLst/>
-          </a:prstGeom>
-          <a:noFill/>
-        </p:spPr>
-        <p:txBody>
-          <a:bodyPr wrap="square" rtlCol="0">
-            <a:spAutoFit/>
-          </a:bodyPr>
-          <a:lstStyle/>
-          <a:p>
-            <a:r>
-              <a:rPr lang="en-US" sz="2400" b="1" dirty="0" smtClean="0">
-                <a:solidFill>
-                  <a:srgbClr val="66D9EF"/>
-                </a:solidFill>
-                <a:latin typeface="Consolas" pitchFamily="49" charset="0"/>
-              </a:rPr>
-              <a:t>function </a:t>
-            </a:r>
-            <a:r>
-              <a:rPr lang="en-US" sz="2400" b="1" dirty="0" smtClean="0">
-                <a:solidFill>
-                  <a:schemeClr val="bg1"/>
-                </a:solidFill>
-                <a:latin typeface="Consolas" pitchFamily="49" charset="0"/>
-              </a:rPr>
-              <a:t>flow() {</a:t>
-            </a:r>
-          </a:p>
-          <a:p>
-            <a:r>
-              <a:rPr lang="en-US" sz="2400" b="1" dirty="0" smtClean="0">
-                <a:solidFill>
-                  <a:schemeClr val="bg1"/>
-                </a:solidFill>
-                <a:latin typeface="Consolas" pitchFamily="49" charset="0"/>
-              </a:rPr>
-              <a:t>  </a:t>
-            </a:r>
-            <a:r>
-              <a:rPr lang="en-US" sz="2400" b="1" dirty="0" err="1" smtClean="0">
-                <a:solidFill>
-                  <a:srgbClr val="66D9EF"/>
-                </a:solidFill>
-                <a:latin typeface="Consolas" pitchFamily="49" charset="0"/>
-              </a:rPr>
-              <a:t>var</a:t>
-            </a:r>
-            <a:r>
-              <a:rPr lang="en-US" sz="2400" b="1" dirty="0" smtClean="0">
-                <a:solidFill>
-                  <a:srgbClr val="66D9EF"/>
-                </a:solidFill>
-                <a:latin typeface="Consolas" pitchFamily="49" charset="0"/>
-              </a:rPr>
-              <a:t> </a:t>
-            </a:r>
-            <a:r>
-              <a:rPr lang="en-US" sz="2400" b="1" dirty="0" smtClean="0">
-                <a:solidFill>
-                  <a:schemeClr val="bg1"/>
-                </a:solidFill>
-                <a:latin typeface="Consolas" pitchFamily="49" charset="0"/>
-              </a:rPr>
-              <a:t>chunk;</a:t>
-            </a:r>
-          </a:p>
-          <a:p>
-            <a:r>
-              <a:rPr lang="en-US" sz="2400" b="1" dirty="0" smtClean="0">
-                <a:solidFill>
-                  <a:schemeClr val="bg1"/>
-                </a:solidFill>
-                <a:latin typeface="Consolas" pitchFamily="49" charset="0"/>
-              </a:rPr>
-              <a:t>  </a:t>
-            </a:r>
-            <a:r>
-              <a:rPr lang="en-US" sz="2400" b="1" dirty="0" smtClean="0">
-                <a:solidFill>
-                  <a:srgbClr val="F92672"/>
-                </a:solidFill>
-                <a:latin typeface="Consolas" pitchFamily="49" charset="0"/>
-              </a:rPr>
-              <a:t>while </a:t>
-            </a:r>
-            <a:r>
-              <a:rPr lang="en-US" sz="2400" b="1" dirty="0" smtClean="0">
-                <a:solidFill>
-                  <a:schemeClr val="bg1"/>
-                </a:solidFill>
-                <a:latin typeface="Consolas" pitchFamily="49" charset="0"/>
-              </a:rPr>
-              <a:t>((chunk = </a:t>
-            </a:r>
-            <a:r>
-              <a:rPr lang="en-US" sz="2400" b="1" dirty="0" err="1" smtClean="0">
-                <a:solidFill>
-                  <a:schemeClr val="bg1"/>
-                </a:solidFill>
-                <a:latin typeface="Consolas" pitchFamily="49" charset="0"/>
-              </a:rPr>
-              <a:t>r.read</a:t>
-            </a:r>
-            <a:r>
-              <a:rPr lang="en-US" sz="2400" b="1" dirty="0" smtClean="0">
-                <a:solidFill>
-                  <a:schemeClr val="bg1"/>
-                </a:solidFill>
-                <a:latin typeface="Consolas" pitchFamily="49" charset="0"/>
-              </a:rPr>
-              <a:t>()) !== </a:t>
-            </a:r>
-            <a:r>
-              <a:rPr lang="en-US" sz="2400" b="1" dirty="0" smtClean="0">
-                <a:solidFill>
-                  <a:srgbClr val="AE81FF"/>
-                </a:solidFill>
-                <a:latin typeface="Consolas" pitchFamily="49" charset="0"/>
-              </a:rPr>
-              <a:t>null</a:t>
-            </a:r>
-            <a:r>
-              <a:rPr lang="en-US" sz="2400" b="1" dirty="0" smtClean="0">
-                <a:solidFill>
-                  <a:schemeClr val="bg1"/>
-                </a:solidFill>
-                <a:latin typeface="Consolas" pitchFamily="49" charset="0"/>
-              </a:rPr>
-              <a:t>) {</a:t>
-            </a:r>
-          </a:p>
-          <a:p>
-            <a:r>
-              <a:rPr lang="en-US" sz="2400" b="1" dirty="0" smtClean="0">
-                <a:solidFill>
-                  <a:schemeClr val="bg1"/>
-                </a:solidFill>
-                <a:latin typeface="Consolas" pitchFamily="49" charset="0"/>
-              </a:rPr>
-              <a:t>    process(chunk);</a:t>
-            </a:r>
-          </a:p>
-          <a:p>
-            <a:r>
-              <a:rPr lang="en-US" sz="2400" b="1" dirty="0" smtClean="0">
-                <a:solidFill>
-                  <a:schemeClr val="bg1"/>
-                </a:solidFill>
-                <a:latin typeface="Consolas" pitchFamily="49" charset="0"/>
-              </a:rPr>
-              <a:t>  }</a:t>
-            </a:r>
-          </a:p>
-          <a:p>
-            <a:r>
-              <a:rPr lang="en-US" sz="2400" b="1" dirty="0" smtClean="0">
-                <a:solidFill>
-                  <a:schemeClr val="bg1"/>
-                </a:solidFill>
-                <a:latin typeface="Consolas" pitchFamily="49" charset="0"/>
-              </a:rPr>
-              <a:t>  </a:t>
-            </a:r>
-            <a:r>
-              <a:rPr lang="en-US" sz="2400" b="1" dirty="0" err="1" smtClean="0">
-                <a:solidFill>
-                  <a:schemeClr val="bg1"/>
-                </a:solidFill>
-                <a:latin typeface="Consolas" pitchFamily="49" charset="0"/>
-              </a:rPr>
-              <a:t>r.once</a:t>
-            </a:r>
-            <a:r>
-              <a:rPr lang="en-US" sz="2400" b="1" dirty="0" smtClean="0">
-                <a:solidFill>
-                  <a:schemeClr val="bg1"/>
-                </a:solidFill>
-                <a:latin typeface="Consolas" pitchFamily="49" charset="0"/>
-              </a:rPr>
-              <a:t>(</a:t>
-            </a:r>
-            <a:r>
-              <a:rPr lang="en-US" sz="2400" b="1" dirty="0" smtClean="0">
-                <a:solidFill>
-                  <a:srgbClr val="E6DB74"/>
-                </a:solidFill>
-                <a:latin typeface="Consolas" pitchFamily="49" charset="0"/>
-              </a:rPr>
-              <a:t>'readable'</a:t>
-            </a:r>
-            <a:r>
-              <a:rPr lang="en-US" sz="2400" b="1" dirty="0" smtClean="0">
-                <a:solidFill>
-                  <a:schemeClr val="bg1"/>
-                </a:solidFill>
-                <a:latin typeface="Consolas" pitchFamily="49" charset="0"/>
-              </a:rPr>
-              <a:t>, flow);</a:t>
-            </a:r>
-          </a:p>
-          <a:p>
-            <a:r>
-              <a:rPr lang="en-US" sz="2400" b="1" dirty="0" smtClean="0">
-                <a:solidFill>
-                  <a:schemeClr val="bg1"/>
-                </a:solidFill>
-                <a:latin typeface="Consolas" pitchFamily="49" charset="0"/>
-              </a:rPr>
-              <a:t>}</a:t>
-            </a:r>
-          </a:p>
-          <a:p>
-            <a:r>
-              <a:rPr lang="en-US" sz="2400" b="1" dirty="0" smtClean="0">
-                <a:solidFill>
-                  <a:schemeClr val="bg1"/>
-                </a:solidFill>
-                <a:latin typeface="Consolas" pitchFamily="49" charset="0"/>
-              </a:rPr>
-              <a:t>flow();</a:t>
-            </a:r>
-          </a:p>
-          <a:p>
-            <a:endParaRPr lang="en-US" sz="2400" b="1" dirty="0">
-              <a:solidFill>
-                <a:schemeClr val="bg1"/>
-              </a:solidFill>
-              <a:latin typeface="Consolas" pitchFamily="49" charset="0"/>
-            </a:endParaRPr>
-          </a:p>
-        </p:txBody>
-      </p:sp>
     </p:spTree>
-    <p:extLst>
-      <p:ext uri="{BB962C8B-B14F-4D97-AF65-F5344CB8AC3E}">
-        <p14:creationId xmlns:p14="http://schemas.microsoft.com/office/powerpoint/2010/main" val="3655590222"/>
-      </p:ext>
-    </p:extLst>
   </p:cSld>
   <p:clrMapOvr>
     <a:masterClrMapping/>
   </p:clrMapOvr>
+  <p:timing>
+    <p:tnLst>
+      <p:par>
+        <p:cTn id="1" dur="indefinite" restart="never" nodeType="tmRoot"/>
+      </p:par>
+    </p:tnLst>
+  </p:timing>
 </p:sld>
 </file>
 
@@ -12662,85 +12814,9 @@
           <a:chExt cx="0" cy="0"/>
         </a:xfrm>
       </p:grpSpPr>
-      <p:sp>
-        <p:nvSpPr>
-          <p:cNvPr id="4" name="TextBox 3"/>
-          <p:cNvSpPr txBox="1"/>
-          <p:nvPr/>
-        </p:nvSpPr>
-        <p:spPr>
-          <a:xfrm>
-            <a:off x="762000" y="2766536"/>
-            <a:ext cx="7543800" cy="738664"/>
-          </a:xfrm>
-          <a:prstGeom prst="rect">
-            <a:avLst/>
-          </a:prstGeom>
-          <a:noFill/>
-        </p:spPr>
-        <p:txBody>
-          <a:bodyPr wrap="square" rtlCol="0">
-            <a:spAutoFit/>
-          </a:bodyPr>
-          <a:lstStyle/>
-          <a:p>
-            <a:pPr algn="ctr"/>
-            <a:r>
-              <a:rPr lang="en-US" sz="4200" dirty="0" smtClean="0">
-                <a:solidFill>
-                  <a:schemeClr val="bg1"/>
-                </a:solidFill>
-                <a:latin typeface="Proxima Nova Rg" panose="02000506030000020004" pitchFamily="2" charset="0"/>
-              </a:rPr>
-              <a:t>Stream Handbook</a:t>
-            </a:r>
-            <a:endParaRPr lang="en-US" sz="4200" dirty="0">
-              <a:solidFill>
-                <a:schemeClr val="bg1"/>
-              </a:solidFill>
-              <a:latin typeface="Proxima Nova Rg" panose="02000506030000020004" pitchFamily="2" charset="0"/>
-            </a:endParaRPr>
-          </a:p>
-        </p:txBody>
-      </p:sp>
-      <p:sp>
-        <p:nvSpPr>
-          <p:cNvPr id="5" name="TextBox 4"/>
-          <p:cNvSpPr txBox="1"/>
-          <p:nvPr/>
-        </p:nvSpPr>
-        <p:spPr>
-          <a:xfrm>
-            <a:off x="762000" y="3505200"/>
-            <a:ext cx="7543800" cy="461665"/>
-          </a:xfrm>
-          <a:prstGeom prst="rect">
-            <a:avLst/>
-          </a:prstGeom>
-          <a:noFill/>
-        </p:spPr>
-        <p:txBody>
-          <a:bodyPr wrap="square" rtlCol="0">
-            <a:spAutoFit/>
-          </a:bodyPr>
-          <a:lstStyle/>
-          <a:p>
-            <a:pPr algn="ctr"/>
-            <a:r>
-              <a:rPr lang="en-US" sz="2400" u="sng" dirty="0">
-                <a:solidFill>
-                  <a:schemeClr val="bg1"/>
-                </a:solidFill>
-                <a:latin typeface="Proxima Nova Rg" panose="02000506030000020004" pitchFamily="50" charset="0"/>
-              </a:rPr>
-              <a:t>https://github.com/substack/stream-handbook</a:t>
-            </a:r>
-          </a:p>
-        </p:txBody>
-      </p:sp>
       <p:pic>
         <p:nvPicPr>
-          <p:cNvPr id="6" name="Picture 5"/>
+          <p:cNvPr id="4" name="Picture 3"/>
           <p:cNvPicPr>
             <a:picLocks noChangeAspect="1"/>
           </p:cNvPicPr>
@@ -12762,16 +12838,289 @@
           </a:prstGeom>
         </p:spPr>
       </p:pic>
+      <p:sp>
+        <p:nvSpPr>
+          <p:cNvPr id="2" name="Title 1"/>
+          <p:cNvSpPr>
+            <a:spLocks noGrp="1"/>
+          </p:cNvSpPr>
+          <p:nvPr>
+            <p:ph type="title"/>
+          </p:nvPr>
+        </p:nvSpPr>
+        <p:spPr/>
+        <p:txBody>
+          <a:bodyPr/>
+          <a:lstStyle/>
+          <a:p>
+            <a:pPr algn="r"/>
+            <a:r>
+              <a:rPr lang="en-US" dirty="0" smtClean="0">
+                <a:solidFill>
+                  <a:schemeClr val="bg1"/>
+                </a:solidFill>
+                <a:latin typeface="Proxima Nova Rg" panose="02000506030000020004" pitchFamily="2" charset="0"/>
+              </a:rPr>
+              <a:t>Changes in 0.9+</a:t>
+            </a:r>
+            <a:endParaRPr lang="en-US" dirty="0">
+              <a:solidFill>
+                <a:schemeClr val="bg1"/>
+              </a:solidFill>
+              <a:latin typeface="Proxima Nova Rg" panose="02000506030000020004" pitchFamily="2" charset="0"/>
+            </a:endParaRPr>
+          </a:p>
+        </p:txBody>
+      </p:sp>
+      <p:sp>
+        <p:nvSpPr>
+          <p:cNvPr id="3" name="TextBox 2"/>
+          <p:cNvSpPr txBox="1"/>
+          <p:nvPr/>
+        </p:nvSpPr>
+        <p:spPr>
+          <a:xfrm>
+            <a:off x="838200" y="2257425"/>
+            <a:ext cx="7467600" cy="830997"/>
+          </a:xfrm>
+          <a:prstGeom prst="rect">
+            <a:avLst/>
+          </a:prstGeom>
+          <a:noFill/>
+        </p:spPr>
+        <p:txBody>
+          <a:bodyPr wrap="square" rtlCol="0">
+            <a:spAutoFit/>
+          </a:bodyPr>
+          <a:lstStyle/>
+          <a:p>
+            <a:r>
+              <a:rPr lang="en-US" sz="2400" dirty="0" smtClean="0">
+                <a:solidFill>
+                  <a:schemeClr val="bg1"/>
+                </a:solidFill>
+                <a:latin typeface="Proxima Nova Rg" panose="02000506030000020004" pitchFamily="50" charset="0"/>
+              </a:rPr>
+              <a:t>“Fire </a:t>
+            </a:r>
+            <a:r>
+              <a:rPr lang="en-US" sz="2400" dirty="0">
+                <a:solidFill>
+                  <a:schemeClr val="bg1"/>
+                </a:solidFill>
+                <a:latin typeface="Proxima Nova Rg" panose="02000506030000020004" pitchFamily="50" charset="0"/>
+              </a:rPr>
+              <a:t>and brimstone coming down from the skies! Rivers and seas boiling</a:t>
+            </a:r>
+            <a:r>
+              <a:rPr lang="en-US" sz="2400" dirty="0" smtClean="0">
+                <a:solidFill>
+                  <a:schemeClr val="bg1"/>
+                </a:solidFill>
+                <a:latin typeface="Proxima Nova Rg" panose="02000506030000020004" pitchFamily="50" charset="0"/>
+              </a:rPr>
+              <a:t>!”</a:t>
+            </a:r>
+            <a:endParaRPr lang="en-US" sz="2400" dirty="0">
+              <a:solidFill>
+                <a:schemeClr val="bg1"/>
+              </a:solidFill>
+              <a:latin typeface="Proxima Nova Rg" panose="02000506030000020004" pitchFamily="50" charset="0"/>
+            </a:endParaRPr>
+          </a:p>
+        </p:txBody>
+      </p:sp>
+      <p:sp>
+        <p:nvSpPr>
+          <p:cNvPr id="6" name="TextBox 5"/>
+          <p:cNvSpPr txBox="1"/>
+          <p:nvPr/>
+        </p:nvSpPr>
+        <p:spPr>
+          <a:xfrm>
+            <a:off x="838200" y="3429000"/>
+            <a:ext cx="7467600" cy="461665"/>
+          </a:xfrm>
+          <a:prstGeom prst="rect">
+            <a:avLst/>
+          </a:prstGeom>
+          <a:noFill/>
+        </p:spPr>
+        <p:txBody>
+          <a:bodyPr wrap="square" rtlCol="0">
+            <a:spAutoFit/>
+          </a:bodyPr>
+          <a:lstStyle/>
+          <a:p>
+            <a:r>
+              <a:rPr lang="en-US" sz="2400" dirty="0" smtClean="0">
+                <a:solidFill>
+                  <a:schemeClr val="bg1"/>
+                </a:solidFill>
+                <a:latin typeface="Proxima Nova Rg" panose="02000506030000020004" pitchFamily="50" charset="0"/>
+              </a:rPr>
+              <a:t>“Forty </a:t>
+            </a:r>
+            <a:r>
+              <a:rPr lang="en-US" sz="2400" dirty="0">
+                <a:solidFill>
+                  <a:schemeClr val="bg1"/>
+                </a:solidFill>
+                <a:latin typeface="Proxima Nova Rg" panose="02000506030000020004" pitchFamily="50" charset="0"/>
+              </a:rPr>
+              <a:t>years of darkness! Earthquakes, volcanoes</a:t>
+            </a:r>
+            <a:r>
+              <a:rPr lang="en-US" sz="2400" dirty="0" smtClean="0">
+                <a:solidFill>
+                  <a:schemeClr val="bg1"/>
+                </a:solidFill>
+                <a:latin typeface="Proxima Nova Rg" panose="02000506030000020004" pitchFamily="50" charset="0"/>
+              </a:rPr>
+              <a:t>...”</a:t>
+            </a:r>
+            <a:endParaRPr lang="en-US" sz="2400" dirty="0">
+              <a:solidFill>
+                <a:schemeClr val="bg1"/>
+              </a:solidFill>
+              <a:latin typeface="Proxima Nova Rg" panose="02000506030000020004" pitchFamily="50" charset="0"/>
+            </a:endParaRPr>
+          </a:p>
+        </p:txBody>
+      </p:sp>
+      <p:sp>
+        <p:nvSpPr>
+          <p:cNvPr id="7" name="TextBox 6"/>
+          <p:cNvSpPr txBox="1"/>
+          <p:nvPr/>
+        </p:nvSpPr>
+        <p:spPr>
+          <a:xfrm>
+            <a:off x="838200" y="4231243"/>
+            <a:ext cx="7467600" cy="461665"/>
+          </a:xfrm>
+          <a:prstGeom prst="rect">
+            <a:avLst/>
+          </a:prstGeom>
+          <a:noFill/>
+        </p:spPr>
+        <p:txBody>
+          <a:bodyPr wrap="square" rtlCol="0">
+            <a:spAutoFit/>
+          </a:bodyPr>
+          <a:lstStyle/>
+          <a:p>
+            <a:r>
+              <a:rPr lang="en-US" sz="2400" dirty="0" smtClean="0">
+                <a:solidFill>
+                  <a:schemeClr val="bg1"/>
+                </a:solidFill>
+                <a:latin typeface="Proxima Nova Rg" panose="02000506030000020004" pitchFamily="50" charset="0"/>
+              </a:rPr>
+              <a:t>“The </a:t>
+            </a:r>
+            <a:r>
+              <a:rPr lang="en-US" sz="2400" dirty="0">
+                <a:solidFill>
+                  <a:schemeClr val="bg1"/>
+                </a:solidFill>
+                <a:latin typeface="Proxima Nova Rg" panose="02000506030000020004" pitchFamily="50" charset="0"/>
+              </a:rPr>
+              <a:t>dead rising from the grave</a:t>
+            </a:r>
+            <a:r>
+              <a:rPr lang="en-US" sz="2400" dirty="0" smtClean="0">
+                <a:solidFill>
+                  <a:schemeClr val="bg1"/>
+                </a:solidFill>
+                <a:latin typeface="Proxima Nova Rg" panose="02000506030000020004" pitchFamily="50" charset="0"/>
+              </a:rPr>
+              <a:t>!”</a:t>
+            </a:r>
+            <a:endParaRPr lang="en-US" sz="2400" dirty="0">
+              <a:solidFill>
+                <a:schemeClr val="bg1"/>
+              </a:solidFill>
+              <a:latin typeface="Proxima Nova Rg" panose="02000506030000020004" pitchFamily="50" charset="0"/>
+            </a:endParaRPr>
+          </a:p>
+        </p:txBody>
+      </p:sp>
+      <p:sp>
+        <p:nvSpPr>
+          <p:cNvPr id="8" name="TextBox 7"/>
+          <p:cNvSpPr txBox="1"/>
+          <p:nvPr/>
+        </p:nvSpPr>
+        <p:spPr>
+          <a:xfrm>
+            <a:off x="838200" y="5033486"/>
+            <a:ext cx="7467600" cy="830997"/>
+          </a:xfrm>
+          <a:prstGeom prst="rect">
+            <a:avLst/>
+          </a:prstGeom>
+          <a:noFill/>
+        </p:spPr>
+        <p:txBody>
+          <a:bodyPr wrap="square" rtlCol="0">
+            <a:spAutoFit/>
+          </a:bodyPr>
+          <a:lstStyle/>
+          <a:p>
+            <a:r>
+              <a:rPr lang="en-US" sz="2400" dirty="0" smtClean="0">
+                <a:solidFill>
+                  <a:schemeClr val="bg1"/>
+                </a:solidFill>
+                <a:latin typeface="Proxima Nova Rg" panose="02000506030000020004" pitchFamily="50" charset="0"/>
+              </a:rPr>
+              <a:t>“Human </a:t>
+            </a:r>
+            <a:r>
+              <a:rPr lang="en-US" sz="2400" dirty="0">
+                <a:solidFill>
+                  <a:schemeClr val="bg1"/>
+                </a:solidFill>
+                <a:latin typeface="Proxima Nova Rg" panose="02000506030000020004" pitchFamily="50" charset="0"/>
+              </a:rPr>
+              <a:t>sacrifice, dogs and cats living together... mass hysteria</a:t>
+            </a:r>
+            <a:r>
+              <a:rPr lang="en-US" sz="2400" dirty="0" smtClean="0">
+                <a:solidFill>
+                  <a:schemeClr val="bg1"/>
+                </a:solidFill>
+                <a:latin typeface="Proxima Nova Rg" panose="02000506030000020004" pitchFamily="50" charset="0"/>
+              </a:rPr>
+              <a:t>!”</a:t>
+            </a:r>
+            <a:endParaRPr lang="en-US" sz="2400" dirty="0">
+              <a:solidFill>
+                <a:schemeClr val="bg1"/>
+              </a:solidFill>
+              <a:latin typeface="Proxima Nova Rg" panose="02000506030000020004" pitchFamily="50" charset="0"/>
+            </a:endParaRPr>
+          </a:p>
+        </p:txBody>
+      </p:sp>
     </p:spTree>
     <p:extLst>
       <p:ext uri="{BB962C8B-B14F-4D97-AF65-F5344CB8AC3E}">
-        <p14:creationId xmlns:p14="http://schemas.microsoft.com/office/powerpoint/2010/main" val="3335521030"/>
+        <p14:creationId xmlns:p14="http://schemas.microsoft.com/office/powerpoint/2010/main" val="582266723"/>
       </p:ext>
     </p:extLst>
   </p:cSld>
   <p:clrMapOvr>
     <a:masterClrMapping/>
   </p:clrMapOvr>
+  <p:timing>
+    <p:tnLst>
+      <p:par>
+        <p:cTn id="1" dur="indefinite" restart="never" nodeType="tmRoot"/>
+      </p:par>
+    </p:tnLst>
+  </p:timing>
 </p:sld>
 </file>
 
@@ -12946,6 +13295,542 @@
       </p:grpSpPr>
       <p:pic>
         <p:nvPicPr>
+          <p:cNvPr id="5" name="Picture 4"/>
+          <p:cNvPicPr>
+            <a:picLocks noChangeAspect="1"/>
+          </p:cNvPicPr>
+          <p:nvPr/>
+        </p:nvPicPr>
+        <p:blipFill>
+          <a:blip r:embed="rId3" cstate="print"/>
+          <a:stretch>
+            <a:fillRect/>
+          </a:stretch>
+        </p:blipFill>
+        <p:spPr>
+          <a:xfrm>
+            <a:off x="0" y="0"/>
+            <a:ext cx="2781300" cy="2257425"/>
+          </a:xfrm>
+          <a:prstGeom prst="rect">
+            <a:avLst/>
+          </a:prstGeom>
+        </p:spPr>
+      </p:pic>
+      <p:sp>
+        <p:nvSpPr>
+          <p:cNvPr id="2" name="Title 1"/>
+          <p:cNvSpPr>
+            <a:spLocks noGrp="1"/>
+          </p:cNvSpPr>
+          <p:nvPr>
+            <p:ph type="title"/>
+          </p:nvPr>
+        </p:nvSpPr>
+        <p:spPr/>
+        <p:txBody>
+          <a:bodyPr/>
+          <a:lstStyle/>
+          <a:p>
+            <a:pPr algn="r"/>
+            <a:r>
+              <a:rPr lang="en-US" dirty="0" smtClean="0">
+                <a:solidFill>
+                  <a:schemeClr val="bg1"/>
+                </a:solidFill>
+                <a:latin typeface="Proxima Nova Rg" panose="02000506030000020004" pitchFamily="2" charset="0"/>
+              </a:rPr>
+              <a:t>Changes in 0.9+</a:t>
+            </a:r>
+            <a:endParaRPr lang="en-US" dirty="0">
+              <a:solidFill>
+                <a:schemeClr val="bg1"/>
+              </a:solidFill>
+              <a:latin typeface="Proxima Nova Rg" panose="02000506030000020004" pitchFamily="2" charset="0"/>
+            </a:endParaRPr>
+          </a:p>
+        </p:txBody>
+      </p:sp>
+      <p:sp>
+        <p:nvSpPr>
+          <p:cNvPr id="3" name="Content Placeholder 2"/>
+          <p:cNvSpPr>
+            <a:spLocks noGrp="1"/>
+          </p:cNvSpPr>
+          <p:nvPr>
+            <p:ph idx="1"/>
+          </p:nvPr>
+        </p:nvSpPr>
+        <p:spPr/>
+        <p:txBody>
+          <a:bodyPr/>
+          <a:lstStyle/>
+          <a:p>
+            <a:r>
+              <a:rPr lang="en-US" dirty="0" smtClean="0">
+                <a:solidFill>
+                  <a:schemeClr val="bg1"/>
+                </a:solidFill>
+                <a:latin typeface="Proxima Nova Rg" panose="02000506030000020004" pitchFamily="2" charset="0"/>
+              </a:rPr>
+              <a:t>New Readable class</a:t>
+            </a:r>
+          </a:p>
+          <a:p>
+            <a:pPr lvl="1"/>
+            <a:r>
+              <a:rPr lang="en-US" dirty="0" smtClean="0">
+                <a:solidFill>
+                  <a:schemeClr val="bg1"/>
+                </a:solidFill>
+                <a:latin typeface="Proxima Nova Rg" panose="02000506030000020004" pitchFamily="2" charset="0"/>
+              </a:rPr>
+              <a:t>Eliminates pause/resume</a:t>
+            </a:r>
+          </a:p>
+          <a:p>
+            <a:pPr lvl="1"/>
+            <a:r>
+              <a:rPr lang="en-US" dirty="0" smtClean="0">
+                <a:solidFill>
+                  <a:schemeClr val="bg1"/>
+                </a:solidFill>
+                <a:latin typeface="Proxima Nova Rg" panose="02000506030000020004" pitchFamily="2" charset="0"/>
+              </a:rPr>
+              <a:t>Adds read method and readable event</a:t>
+            </a:r>
+            <a:endParaRPr lang="en-US" dirty="0">
+              <a:solidFill>
+                <a:schemeClr val="bg1"/>
+              </a:solidFill>
+              <a:latin typeface="Proxima Nova Rg" panose="02000506030000020004" pitchFamily="2" charset="0"/>
+            </a:endParaRPr>
+          </a:p>
+        </p:txBody>
+      </p:sp>
+      <p:sp>
+        <p:nvSpPr>
+          <p:cNvPr id="4" name="TextBox 3"/>
+          <p:cNvSpPr txBox="1"/>
+          <p:nvPr/>
+        </p:nvSpPr>
+        <p:spPr>
+          <a:xfrm>
+            <a:off x="990600" y="3365480"/>
+            <a:ext cx="7315200" cy="3416320"/>
+          </a:xfrm>
+          <a:prstGeom prst="rect">
+            <a:avLst/>
+          </a:prstGeom>
+          <a:noFill/>
+        </p:spPr>
+        <p:txBody>
+          <a:bodyPr wrap="square" rtlCol="0">
+            <a:spAutoFit/>
+          </a:bodyPr>
+          <a:lstStyle/>
+          <a:p>
+            <a:r>
+              <a:rPr lang="en-US" sz="2400" b="1" dirty="0" smtClean="0">
+                <a:solidFill>
+                  <a:srgbClr val="66D9EF"/>
+                </a:solidFill>
+                <a:latin typeface="Consolas" pitchFamily="49" charset="0"/>
+              </a:rPr>
+              <a:t>function </a:t>
+            </a:r>
+            <a:r>
+              <a:rPr lang="en-US" sz="2400" b="1" dirty="0" smtClean="0">
+                <a:solidFill>
+                  <a:schemeClr val="bg1"/>
+                </a:solidFill>
+                <a:latin typeface="Consolas" pitchFamily="49" charset="0"/>
+              </a:rPr>
+              <a:t>flow() {</a:t>
+            </a:r>
+          </a:p>
+          <a:p>
+            <a:r>
+              <a:rPr lang="en-US" sz="2400" b="1" dirty="0" smtClean="0">
+                <a:solidFill>
+                  <a:schemeClr val="bg1"/>
+                </a:solidFill>
+                <a:latin typeface="Consolas" pitchFamily="49" charset="0"/>
+              </a:rPr>
+              <a:t>  </a:t>
+            </a:r>
+            <a:r>
+              <a:rPr lang="en-US" sz="2400" b="1" dirty="0" err="1" smtClean="0">
+                <a:solidFill>
+                  <a:srgbClr val="66D9EF"/>
+                </a:solidFill>
+                <a:latin typeface="Consolas" pitchFamily="49" charset="0"/>
+              </a:rPr>
+              <a:t>var</a:t>
+            </a:r>
+            <a:r>
+              <a:rPr lang="en-US" sz="2400" b="1" dirty="0" smtClean="0">
+                <a:solidFill>
+                  <a:srgbClr val="66D9EF"/>
+                </a:solidFill>
+                <a:latin typeface="Consolas" pitchFamily="49" charset="0"/>
+              </a:rPr>
+              <a:t> </a:t>
+            </a:r>
+            <a:r>
+              <a:rPr lang="en-US" sz="2400" b="1" dirty="0" smtClean="0">
+                <a:solidFill>
+                  <a:schemeClr val="bg1"/>
+                </a:solidFill>
+                <a:latin typeface="Consolas" pitchFamily="49" charset="0"/>
+              </a:rPr>
+              <a:t>chunk;</a:t>
+            </a:r>
+          </a:p>
+          <a:p>
+            <a:r>
+              <a:rPr lang="en-US" sz="2400" b="1" dirty="0" smtClean="0">
+                <a:solidFill>
+                  <a:schemeClr val="bg1"/>
+                </a:solidFill>
+                <a:latin typeface="Consolas" pitchFamily="49" charset="0"/>
+              </a:rPr>
+              <a:t>  </a:t>
+            </a:r>
+            <a:r>
+              <a:rPr lang="en-US" sz="2400" b="1" dirty="0" smtClean="0">
+                <a:solidFill>
+                  <a:srgbClr val="F92672"/>
+                </a:solidFill>
+                <a:latin typeface="Consolas" pitchFamily="49" charset="0"/>
+              </a:rPr>
+              <a:t>while </a:t>
+            </a:r>
+            <a:r>
+              <a:rPr lang="en-US" sz="2400" b="1" dirty="0" smtClean="0">
+                <a:solidFill>
+                  <a:schemeClr val="bg1"/>
+                </a:solidFill>
+                <a:latin typeface="Consolas" pitchFamily="49" charset="0"/>
+              </a:rPr>
+              <a:t>((chunk = </a:t>
+            </a:r>
+            <a:r>
+              <a:rPr lang="en-US" sz="2400" b="1" dirty="0" err="1" smtClean="0">
+                <a:solidFill>
+                  <a:schemeClr val="bg1"/>
+                </a:solidFill>
+                <a:latin typeface="Consolas" pitchFamily="49" charset="0"/>
+              </a:rPr>
+              <a:t>r.read</a:t>
+            </a:r>
+            <a:r>
+              <a:rPr lang="en-US" sz="2400" b="1" dirty="0" smtClean="0">
+                <a:solidFill>
+                  <a:schemeClr val="bg1"/>
+                </a:solidFill>
+                <a:latin typeface="Consolas" pitchFamily="49" charset="0"/>
+              </a:rPr>
+              <a:t>()) !== </a:t>
+            </a:r>
+            <a:r>
+              <a:rPr lang="en-US" sz="2400" b="1" dirty="0" smtClean="0">
+                <a:solidFill>
+                  <a:srgbClr val="AE81FF"/>
+                </a:solidFill>
+                <a:latin typeface="Consolas" pitchFamily="49" charset="0"/>
+              </a:rPr>
+              <a:t>null</a:t>
+            </a:r>
+            <a:r>
+              <a:rPr lang="en-US" sz="2400" b="1" dirty="0" smtClean="0">
+                <a:solidFill>
+                  <a:schemeClr val="bg1"/>
+                </a:solidFill>
+                <a:latin typeface="Consolas" pitchFamily="49" charset="0"/>
+              </a:rPr>
+              <a:t>) {</a:t>
+            </a:r>
+          </a:p>
+          <a:p>
+            <a:r>
+              <a:rPr lang="en-US" sz="2400" b="1" dirty="0" smtClean="0">
+                <a:solidFill>
+                  <a:schemeClr val="bg1"/>
+                </a:solidFill>
+                <a:latin typeface="Consolas" pitchFamily="49" charset="0"/>
+              </a:rPr>
+              <a:t>    process(chunk);</a:t>
+            </a:r>
+          </a:p>
+          <a:p>
+            <a:r>
+              <a:rPr lang="en-US" sz="2400" b="1" dirty="0" smtClean="0">
+                <a:solidFill>
+                  <a:schemeClr val="bg1"/>
+                </a:solidFill>
+                <a:latin typeface="Consolas" pitchFamily="49" charset="0"/>
+              </a:rPr>
+              <a:t>  }</a:t>
+            </a:r>
+          </a:p>
+          <a:p>
+            <a:r>
+              <a:rPr lang="en-US" sz="2400" b="1" dirty="0" smtClean="0">
+                <a:solidFill>
+                  <a:schemeClr val="bg1"/>
+                </a:solidFill>
+                <a:latin typeface="Consolas" pitchFamily="49" charset="0"/>
+              </a:rPr>
+              <a:t>  </a:t>
+            </a:r>
+            <a:r>
+              <a:rPr lang="en-US" sz="2400" b="1" dirty="0" err="1" smtClean="0">
+                <a:solidFill>
+                  <a:schemeClr val="bg1"/>
+                </a:solidFill>
+                <a:latin typeface="Consolas" pitchFamily="49" charset="0"/>
+              </a:rPr>
+              <a:t>r.once</a:t>
+            </a:r>
+            <a:r>
+              <a:rPr lang="en-US" sz="2400" b="1" dirty="0" smtClean="0">
+                <a:solidFill>
+                  <a:schemeClr val="bg1"/>
+                </a:solidFill>
+                <a:latin typeface="Consolas" pitchFamily="49" charset="0"/>
+              </a:rPr>
+              <a:t>(</a:t>
+            </a:r>
+            <a:r>
+              <a:rPr lang="en-US" sz="2400" b="1" dirty="0" smtClean="0">
+                <a:solidFill>
+                  <a:srgbClr val="E6DB74"/>
+                </a:solidFill>
+                <a:latin typeface="Consolas" pitchFamily="49" charset="0"/>
+              </a:rPr>
+              <a:t>'readable'</a:t>
+            </a:r>
+            <a:r>
+              <a:rPr lang="en-US" sz="2400" b="1" dirty="0" smtClean="0">
+                <a:solidFill>
+                  <a:schemeClr val="bg1"/>
+                </a:solidFill>
+                <a:latin typeface="Consolas" pitchFamily="49" charset="0"/>
+              </a:rPr>
+              <a:t>, flow);</a:t>
+            </a:r>
+          </a:p>
+          <a:p>
+            <a:r>
+              <a:rPr lang="en-US" sz="2400" b="1" dirty="0" smtClean="0">
+                <a:solidFill>
+                  <a:schemeClr val="bg1"/>
+                </a:solidFill>
+                <a:latin typeface="Consolas" pitchFamily="49" charset="0"/>
+              </a:rPr>
+              <a:t>}</a:t>
+            </a:r>
+          </a:p>
+          <a:p>
+            <a:r>
+              <a:rPr lang="en-US" sz="2400" b="1" dirty="0" smtClean="0">
+                <a:solidFill>
+                  <a:schemeClr val="bg1"/>
+                </a:solidFill>
+                <a:latin typeface="Consolas" pitchFamily="49" charset="0"/>
+              </a:rPr>
+              <a:t>flow();</a:t>
+            </a:r>
+          </a:p>
+          <a:p>
+            <a:endParaRPr lang="en-US" sz="2400" b="1" dirty="0">
+              <a:solidFill>
+                <a:schemeClr val="bg1"/>
+              </a:solidFill>
+              <a:latin typeface="Consolas" pitchFamily="49" charset="0"/>
+            </a:endParaRPr>
+          </a:p>
+        </p:txBody>
+      </p:sp>
+    </p:spTree>
+    <p:extLst>
+      <p:ext uri="{BB962C8B-B14F-4D97-AF65-F5344CB8AC3E}">
+        <p14:creationId xmlns:p14="http://schemas.microsoft.com/office/powerpoint/2010/main" val="3655590222"/>
+      </p:ext>
+    </p:extLst>
+  </p:cSld>
+  <p:clrMapOvr>
+    <a:masterClrMapping/>
+  </p:clrMapOvr>
+</p:sld>
+</file>
+
+<file path=ppt/slides/slide31.xml><?xml version="1.0" encoding="utf-8"?>
+<p:sld xmlns:a="http://schemas.openxmlformats.org/drawingml/2006/main" xmlns:r="http://schemas.openxmlformats.org/officeDocument/2006/relationships" xmlns:p="http://schemas.openxmlformats.org/presentationml/2006/main">
+  <p:cSld>
+    <p:bg>
+      <p:bgPr>
+        <a:solidFill>
+          <a:schemeClr val="tx1"/>
+        </a:solidFill>
+        <a:effectLst/>
+      </p:bgPr>
+    </p:bg>
+    <p:spTree>
+      <p:nvGrpSpPr>
+        <p:cNvPr id="1" name=""/>
+        <p:cNvGrpSpPr/>
+        <p:nvPr/>
+      </p:nvGrpSpPr>
+      <p:grpSpPr>
+        <a:xfrm>
+          <a:off x="0" y="0"/>
+          <a:ext cx="0" cy="0"/>
+          <a:chOff x="0" y="0"/>
+          <a:chExt cx="0" cy="0"/>
+        </a:xfrm>
+      </p:grpSpPr>
+      <p:sp>
+        <p:nvSpPr>
+          <p:cNvPr id="4" name="TextBox 3"/>
+          <p:cNvSpPr txBox="1"/>
+          <p:nvPr/>
+        </p:nvSpPr>
+        <p:spPr>
+          <a:xfrm>
+            <a:off x="762000" y="2766536"/>
+            <a:ext cx="7543800" cy="738664"/>
+          </a:xfrm>
+          <a:prstGeom prst="rect">
+            <a:avLst/>
+          </a:prstGeom>
+          <a:noFill/>
+        </p:spPr>
+        <p:txBody>
+          <a:bodyPr wrap="square" rtlCol="0">
+            <a:spAutoFit/>
+          </a:bodyPr>
+          <a:lstStyle/>
+          <a:p>
+            <a:pPr algn="ctr"/>
+            <a:r>
+              <a:rPr lang="en-US" sz="4200" dirty="0" smtClean="0">
+                <a:solidFill>
+                  <a:schemeClr val="bg1"/>
+                </a:solidFill>
+                <a:latin typeface="Proxima Nova Rg" panose="02000506030000020004" pitchFamily="2" charset="0"/>
+              </a:rPr>
+              <a:t>Stream Handbook</a:t>
+            </a:r>
+            <a:endParaRPr lang="en-US" sz="4200" dirty="0">
+              <a:solidFill>
+                <a:schemeClr val="bg1"/>
+              </a:solidFill>
+              <a:latin typeface="Proxima Nova Rg" panose="02000506030000020004" pitchFamily="2" charset="0"/>
+            </a:endParaRPr>
+          </a:p>
+        </p:txBody>
+      </p:sp>
+      <p:sp>
+        <p:nvSpPr>
+          <p:cNvPr id="5" name="TextBox 4"/>
+          <p:cNvSpPr txBox="1"/>
+          <p:nvPr/>
+        </p:nvSpPr>
+        <p:spPr>
+          <a:xfrm>
+            <a:off x="762000" y="3505200"/>
+            <a:ext cx="7543800" cy="461665"/>
+          </a:xfrm>
+          <a:prstGeom prst="rect">
+            <a:avLst/>
+          </a:prstGeom>
+          <a:noFill/>
+        </p:spPr>
+        <p:txBody>
+          <a:bodyPr wrap="square" rtlCol="0">
+            <a:spAutoFit/>
+          </a:bodyPr>
+          <a:lstStyle/>
+          <a:p>
+            <a:pPr algn="ctr"/>
+            <a:r>
+              <a:rPr lang="en-US" sz="2400" u="sng" dirty="0">
+                <a:solidFill>
+                  <a:schemeClr val="bg1"/>
+                </a:solidFill>
+                <a:latin typeface="Proxima Nova Rg" panose="02000506030000020004" pitchFamily="50" charset="0"/>
+              </a:rPr>
+              <a:t>https://github.com/substack/stream-handbook</a:t>
+            </a:r>
+          </a:p>
+        </p:txBody>
+      </p:sp>
+      <p:pic>
+        <p:nvPicPr>
+          <p:cNvPr id="6" name="Picture 5"/>
+          <p:cNvPicPr>
+            <a:picLocks noChangeAspect="1"/>
+          </p:cNvPicPr>
+          <p:nvPr/>
+        </p:nvPicPr>
+        <p:blipFill>
+          <a:blip r:embed="rId2" cstate="print"/>
+          <a:stretch>
+            <a:fillRect/>
+          </a:stretch>
+        </p:blipFill>
+        <p:spPr>
+          <a:xfrm>
+            <a:off x="0" y="0"/>
+            <a:ext cx="2781300" cy="2257425"/>
+          </a:xfrm>
+          <a:prstGeom prst="rect">
+            <a:avLst/>
+          </a:prstGeom>
+        </p:spPr>
+      </p:pic>
+    </p:spTree>
+    <p:extLst>
+      <p:ext uri="{BB962C8B-B14F-4D97-AF65-F5344CB8AC3E}">
+        <p14:creationId xmlns:p14="http://schemas.microsoft.com/office/powerpoint/2010/main" val="3335521030"/>
+      </p:ext>
+    </p:extLst>
+  </p:cSld>
+  <p:clrMapOvr>
+    <a:masterClrMapping/>
+  </p:clrMapOvr>
+</p:sld>
+</file>
+
+<file path=ppt/slides/slide32.xml><?xml version="1.0" encoding="utf-8"?>
+<p:sld xmlns:a="http://schemas.openxmlformats.org/drawingml/2006/main" xmlns:r="http://schemas.openxmlformats.org/officeDocument/2006/relationships" xmlns:p="http://schemas.openxmlformats.org/presentationml/2006/main">
+  <p:cSld>
+    <p:bg>
+      <p:bgPr>
+        <a:solidFill>
+          <a:schemeClr val="tx1"/>
+        </a:solidFill>
+        <a:effectLst/>
+      </p:bgPr>
+    </p:bg>
+    <p:spTree>
+      <p:nvGrpSpPr>
+        <p:cNvPr id="1" name=""/>
+        <p:cNvGrpSpPr/>
+        <p:nvPr/>
+      </p:nvGrpSpPr>
+      <p:grpSpPr>
+        <a:xfrm>
+          <a:off x="0" y="0"/>
+          <a:ext cx="0" cy="0"/>
+          <a:chOff x="0" y="0"/>
+          <a:chExt cx="0" cy="0"/>
+        </a:xfrm>
+      </p:grpSpPr>
+      <p:pic>
+        <p:nvPicPr>
           <p:cNvPr id="4" name="Picture 3"/>
           <p:cNvPicPr>
             <a:picLocks noChangeAspect="1"/>
@@ -13067,7 +13952,7 @@
                 </a:solidFill>
                 <a:latin typeface="Proxima Nova Rg" panose="02000506030000020004" pitchFamily="2" charset="0"/>
               </a:rPr>
-              <a:t>, </a:t>
+              <a:t>, mux-</a:t>
             </a:r>
             <a:r>
               <a:rPr lang="en-US" dirty="0" err="1" smtClean="0">
@@ -13076,7 +13961,7 @@
                 </a:solidFill>
                 <a:latin typeface="Proxima Nova Rg" panose="02000506030000020004" pitchFamily="2" charset="0"/>
               </a:rPr>
-              <a:t>mux-demux</a:t>
+              <a:t>demux</a:t>
             </a:r>
             <a:r>
               <a:rPr lang="en-US" dirty="0" smtClean="0">
@@ -13085,7 +13970,25 @@
                 </a:solidFill>
                 <a:latin typeface="Proxima Nova Rg" panose="02000506030000020004" pitchFamily="2" charset="0"/>
               </a:rPr>
-              <a:t>, shoe, pause-stream, emit-stream, through, scuttlebutt, tar, </a:t>
+              <a:t>, shoe, pause-stream, </a:t>
+            </a:r>
+            <a:r>
+              <a:rPr lang="en-US" dirty="0" smtClean="0">
+                <a:solidFill>
+                  <a:schemeClr val="bg1"/>
+                </a:solidFill>
+                <a:latin typeface="Proxima Nova Rg" panose="02000506030000020004" pitchFamily="2" charset="0"/>
+              </a:rPr>
+              <a:t>event-stream</a:t>
+            </a:r>
+            <a:r>
+              <a:rPr lang="en-US" dirty="0" smtClean="0">
+                <a:solidFill>
+                  <a:schemeClr val="bg1"/>
+                </a:solidFill>
+                <a:latin typeface="Proxima Nova Rg" panose="02000506030000020004" pitchFamily="2" charset="0"/>
+              </a:rPr>
+              <a:t>, through, scuttlebutt, tar, </a:t>
             </a:r>
             <a:r>
               <a:rPr lang="en-US" dirty="0" err="1" smtClean="0">
@@ -13118,7 +14021,7 @@
 </p:sld>
 </file>
 
-<file path=ppt/slides/slide31.xml><?xml version="1.0" encoding="utf-8"?>
+<file path=ppt/slides/slide33.xml><?xml version="1.0" encoding="utf-8"?>
 <p:sld xmlns:a="http://schemas.openxmlformats.org/drawingml/2006/main" xmlns:r="http://schemas.openxmlformats.org/officeDocument/2006/relationships" xmlns:p="http://schemas.openxmlformats.org/presentationml/2006/main">
   <p:cSld>
     <p:bg>
@@ -13197,16 +14100,7 @@
                 </a:solidFill>
                 <a:latin typeface="Proxima Nova Rg" panose="02000506030000020004" pitchFamily="2" charset="0"/>
               </a:rPr>
-              <a:t>We’re ready to believe </a:t>
-            </a:r>
-            <a:r>
-              <a:rPr lang="en-US" sz="4000" dirty="0" smtClean="0">
-                <a:solidFill>
-                  <a:schemeClr val="bg1"/>
-                </a:solidFill>
-                <a:latin typeface="Proxima Nova Rg" panose="02000506030000020004" pitchFamily="2" charset="0"/>
-              </a:rPr>
-              <a:t>you!</a:t>
+              <a:t>We’re ready to believe you!</a:t>
             </a:r>
             <a:endParaRPr lang="en-US" sz="4000" dirty="0">
               <a:solidFill>
@@ -13428,7 +14322,7 @@
 </p:sld>
 </file>
 
-<file path=ppt/slides/slide32.xml><?xml version="1.0" encoding="utf-8"?>
+<file path=ppt/slides/slide34.xml><?xml version="1.0" encoding="utf-8"?>
 <p:sld xmlns:a="http://schemas.openxmlformats.org/drawingml/2006/main" xmlns:r="http://schemas.openxmlformats.org/officeDocument/2006/relationships" xmlns:p="http://schemas.openxmlformats.org/presentationml/2006/main">
   <p:cSld>
     <p:bg>
@@ -13463,7 +14357,12 @@
             <p:ph type="ctrTitle"/>
           </p:nvPr>
         </p:nvSpPr>
-        <p:spPr/>
+        <p:spPr>
+          <a:xfrm>
+            <a:off x="457200" y="2416175"/>
+            <a:ext cx="8229600" cy="1470025"/>
+          </a:xfrm>
+        </p:spPr>
         <p:txBody>
           <a:bodyPr>
             <a:normAutofit/>
@@ -13471,16 +14370,16 @@
           <a:lstStyle/>
           <a:p>
             <a:r>
-              <a:rPr lang="en-US" dirty="0" smtClean="0">
+              <a:rPr lang="en-US" sz="3200" u="sng" dirty="0" smtClean="0">
                 <a:solidFill>
                   <a:schemeClr val="bg1"/>
                 </a:solidFill>
                 <a:latin typeface="Proxima Nova Rg" panose="02000506030000020004" pitchFamily="2" charset="0"/>
                 <a:cs typeface="Segoe UI Light" panose="020B0502040204020203" pitchFamily="34" charset="0"/>
               </a:rPr>
-              <a:t>Don’t Cross the Streams</a:t>
-            </a:r>
-            <a:endParaRPr lang="en-US" dirty="0">
+              <a:t>http://github.com/mattpodwysocki/SDC2013</a:t>
+            </a:r>
+            <a:endParaRPr lang="en-US" sz="3200" u="sng" dirty="0">
               <a:solidFill>
                 <a:schemeClr val="bg1"/>
               </a:solidFill>
@@ -13607,7 +14506,7 @@
 </p:sld>
 </file>
 
-<file path=ppt/slides/slide33.xml><?xml version="1.0" encoding="utf-8"?>
+<file path=ppt/slides/slide35.xml><?xml version="1.0" encoding="utf-8"?>
 <p:sld xmlns:a="http://schemas.openxmlformats.org/drawingml/2006/main" xmlns:r="http://schemas.openxmlformats.org/officeDocument/2006/relationships" xmlns:p="http://schemas.openxmlformats.org/presentationml/2006/main">
   <p:cSld>
     <p:bg>
@@ -13800,6 +14699,276 @@
 </file>
 
 <file path=ppt/slides/slide4.xml><?xml version="1.0" encoding="utf-8"?>
+<p:sld xmlns:a="http://schemas.openxmlformats.org/drawingml/2006/main" xmlns:r="http://schemas.openxmlformats.org/officeDocument/2006/relationships" xmlns:p="http://schemas.openxmlformats.org/presentationml/2006/main">
+  <p:cSld>
+    <p:bg>
+      <p:bgPr>
+        <a:solidFill>
+          <a:schemeClr val="tx1"/>
+        </a:solidFill>
+        <a:effectLst/>
+      </p:bgPr>
+    </p:bg>
+    <p:spTree>
+      <p:nvGrpSpPr>
+        <p:cNvPr id="1" name=""/>
+        <p:cNvGrpSpPr/>
+        <p:nvPr/>
+      </p:nvGrpSpPr>
+      <p:grpSpPr>
+        <a:xfrm>
+          <a:off x="0" y="0"/>
+          <a:ext cx="0" cy="0"/>
+          <a:chOff x="0" y="0"/>
+          <a:chExt cx="0" cy="0"/>
+        </a:xfrm>
+      </p:grpSpPr>
+      <p:sp>
+        <p:nvSpPr>
+          <p:cNvPr id="3" name="TextBox 2"/>
+          <p:cNvSpPr txBox="1"/>
+          <p:nvPr/>
+        </p:nvSpPr>
+        <p:spPr>
+          <a:xfrm>
+            <a:off x="762000" y="3049250"/>
+            <a:ext cx="7696200" cy="1446550"/>
+          </a:xfrm>
+          <a:prstGeom prst="rect">
+            <a:avLst/>
+          </a:prstGeom>
+          <a:noFill/>
+        </p:spPr>
+        <p:txBody>
+          <a:bodyPr wrap="square" rtlCol="0">
+            <a:spAutoFit/>
+          </a:bodyPr>
+          <a:lstStyle/>
+          <a:p>
+            <a:pPr algn="ctr"/>
+            <a:r>
+              <a:rPr lang="en-US" sz="4400" dirty="0" smtClean="0">
+                <a:solidFill>
+                  <a:schemeClr val="bg1"/>
+                </a:solidFill>
+                <a:latin typeface="Proxima Nova Rg" panose="02000506030000020004" pitchFamily="2" charset="0"/>
+              </a:rPr>
+              <a:t>Who here has used Node.js ever?</a:t>
+            </a:r>
+            <a:endParaRPr lang="en-US" sz="4400" dirty="0">
+              <a:solidFill>
+                <a:schemeClr val="bg1"/>
+              </a:solidFill>
+              <a:latin typeface="Proxima Nova Rg" panose="02000506030000020004" pitchFamily="2" charset="0"/>
+            </a:endParaRPr>
+          </a:p>
+        </p:txBody>
+      </p:sp>
+      <p:sp>
+        <p:nvSpPr>
+          <p:cNvPr id="4" name="Title 3"/>
+          <p:cNvSpPr>
+            <a:spLocks noGrp="1"/>
+          </p:cNvSpPr>
+          <p:nvPr>
+            <p:ph type="title"/>
+          </p:nvPr>
+        </p:nvSpPr>
+        <p:spPr/>
+        <p:txBody>
+          <a:bodyPr/>
+          <a:lstStyle/>
+          <a:p>
+            <a:pPr algn="r"/>
+            <a:r>
+              <a:rPr lang="en-US" dirty="0" smtClean="0">
+                <a:solidFill>
+                  <a:schemeClr val="bg1"/>
+                </a:solidFill>
+              </a:rPr>
+              <a:t>A Show of Hands…</a:t>
+            </a:r>
+            <a:endParaRPr lang="en-US" dirty="0">
+              <a:solidFill>
+                <a:schemeClr val="bg1"/>
+              </a:solidFill>
+            </a:endParaRPr>
+          </a:p>
+        </p:txBody>
+      </p:sp>
+      <p:pic>
+        <p:nvPicPr>
+          <p:cNvPr id="5" name="Picture 4"/>
+          <p:cNvPicPr>
+            <a:picLocks noChangeAspect="1"/>
+          </p:cNvPicPr>
+          <p:nvPr/>
+        </p:nvPicPr>
+        <p:blipFill>
+          <a:blip r:embed="rId2" cstate="print"/>
+          <a:stretch>
+            <a:fillRect/>
+          </a:stretch>
+        </p:blipFill>
+        <p:spPr>
+          <a:xfrm>
+            <a:off x="10886" y="0"/>
+            <a:ext cx="2781300" cy="2257425"/>
+          </a:xfrm>
+          <a:prstGeom prst="rect">
+            <a:avLst/>
+          </a:prstGeom>
+        </p:spPr>
+      </p:pic>
+    </p:spTree>
+    <p:extLst>
+      <p:ext uri="{BB962C8B-B14F-4D97-AF65-F5344CB8AC3E}">
+        <p14:creationId xmlns:p14="http://schemas.microsoft.com/office/powerpoint/2010/main" val="429230175"/>
+      </p:ext>
+    </p:extLst>
+  </p:cSld>
+  <p:clrMapOvr>
+    <a:masterClrMapping/>
+  </p:clrMapOvr>
+</p:sld>
+</file>
+
+<file path=ppt/slides/slide5.xml><?xml version="1.0" encoding="utf-8"?>
+<p:sld xmlns:a="http://schemas.openxmlformats.org/drawingml/2006/main" xmlns:r="http://schemas.openxmlformats.org/officeDocument/2006/relationships" xmlns:p="http://schemas.openxmlformats.org/presentationml/2006/main">
+  <p:cSld>
+    <p:bg>
+      <p:bgPr>
+        <a:solidFill>
+          <a:schemeClr val="tx1"/>
+        </a:solidFill>
+        <a:effectLst/>
+      </p:bgPr>
+    </p:bg>
+    <p:spTree>
+      <p:nvGrpSpPr>
+        <p:cNvPr id="1" name=""/>
+        <p:cNvGrpSpPr/>
+        <p:nvPr/>
+      </p:nvGrpSpPr>
+      <p:grpSpPr>
+        <a:xfrm>
+          <a:off x="0" y="0"/>
+          <a:ext cx="0" cy="0"/>
+          <a:chOff x="0" y="0"/>
+          <a:chExt cx="0" cy="0"/>
+        </a:xfrm>
+      </p:grpSpPr>
+      <p:sp>
+        <p:nvSpPr>
+          <p:cNvPr id="3" name="TextBox 2"/>
+          <p:cNvSpPr txBox="1"/>
+          <p:nvPr/>
+        </p:nvSpPr>
+        <p:spPr>
+          <a:xfrm>
+            <a:off x="762000" y="3049250"/>
+            <a:ext cx="7696200" cy="1446550"/>
+          </a:xfrm>
+          <a:prstGeom prst="rect">
+            <a:avLst/>
+          </a:prstGeom>
+          <a:noFill/>
+        </p:spPr>
+        <p:txBody>
+          <a:bodyPr wrap="square" rtlCol="0">
+            <a:spAutoFit/>
+          </a:bodyPr>
+          <a:lstStyle/>
+          <a:p>
+            <a:pPr algn="ctr"/>
+            <a:r>
+              <a:rPr lang="en-US" sz="4400" dirty="0" smtClean="0">
+                <a:solidFill>
+                  <a:schemeClr val="bg1"/>
+                </a:solidFill>
+                <a:latin typeface="Proxima Nova Rg" panose="02000506030000020004" pitchFamily="2" charset="0"/>
+              </a:rPr>
+              <a:t>Who here has used Streams in Node.js?</a:t>
+            </a:r>
+            <a:endParaRPr lang="en-US" sz="4400" dirty="0">
+              <a:solidFill>
+                <a:schemeClr val="bg1"/>
+              </a:solidFill>
+              <a:latin typeface="Proxima Nova Rg" panose="02000506030000020004" pitchFamily="2" charset="0"/>
+            </a:endParaRPr>
+          </a:p>
+        </p:txBody>
+      </p:sp>
+      <p:sp>
+        <p:nvSpPr>
+          <p:cNvPr id="4" name="Title 3"/>
+          <p:cNvSpPr>
+            <a:spLocks noGrp="1"/>
+          </p:cNvSpPr>
+          <p:nvPr>
+            <p:ph type="title"/>
+          </p:nvPr>
+        </p:nvSpPr>
+        <p:spPr/>
+        <p:txBody>
+          <a:bodyPr/>
+          <a:lstStyle/>
+          <a:p>
+            <a:pPr algn="r"/>
+            <a:r>
+              <a:rPr lang="en-US" dirty="0" smtClean="0">
+                <a:solidFill>
+                  <a:schemeClr val="bg1"/>
+                </a:solidFill>
+              </a:rPr>
+              <a:t>A Show of Hands…</a:t>
+            </a:r>
+            <a:endParaRPr lang="en-US" dirty="0">
+              <a:solidFill>
+                <a:schemeClr val="bg1"/>
+              </a:solidFill>
+            </a:endParaRPr>
+          </a:p>
+        </p:txBody>
+      </p:sp>
+      <p:pic>
+        <p:nvPicPr>
+          <p:cNvPr id="5" name="Picture 4"/>
+          <p:cNvPicPr>
+            <a:picLocks noChangeAspect="1"/>
+          </p:cNvPicPr>
+          <p:nvPr/>
+        </p:nvPicPr>
+        <p:blipFill>
+          <a:blip r:embed="rId3" cstate="print"/>
+          <a:stretch>
+            <a:fillRect/>
+          </a:stretch>
+        </p:blipFill>
+        <p:spPr>
+          <a:xfrm>
+            <a:off x="10886" y="0"/>
+            <a:ext cx="2781300" cy="2257425"/>
+          </a:xfrm>
+          <a:prstGeom prst="rect">
+            <a:avLst/>
+          </a:prstGeom>
+        </p:spPr>
+      </p:pic>
+    </p:spTree>
+    <p:extLst>
+      <p:ext uri="{BB962C8B-B14F-4D97-AF65-F5344CB8AC3E}">
+        <p14:creationId xmlns:p14="http://schemas.microsoft.com/office/powerpoint/2010/main" val="2785203389"/>
+      </p:ext>
+    </p:extLst>
+  </p:cSld>
+  <p:clrMapOvr>
+    <a:masterClrMapping/>
+  </p:clrMapOvr>
+</p:sld>
+</file>
+
+<file path=ppt/slides/slide6.xml><?xml version="1.0" encoding="utf-8"?>
 <p:sld xmlns:a="http://schemas.openxmlformats.org/drawingml/2006/main" xmlns:r="http://schemas.openxmlformats.org/officeDocument/2006/relationships" xmlns:p="http://schemas.openxmlformats.org/presentationml/2006/main">
   <p:cSld>
     <p:bg>
@@ -13933,7 +15102,7 @@
 </p:sld>
 </file>
 
-<file path=ppt/slides/slide5.xml><?xml version="1.0" encoding="utf-8"?>
+<file path=ppt/slides/slide7.xml><?xml version="1.0" encoding="utf-8"?>
 <p:sld xmlns:a="http://schemas.openxmlformats.org/drawingml/2006/main" xmlns:r="http://schemas.openxmlformats.org/officeDocument/2006/relationships" xmlns:p="http://schemas.openxmlformats.org/presentationml/2006/main">
   <p:cSld>
     <p:bg>
@@ -14212,7 +15381,7 @@
 </p:sld>
 </file>
 
-<file path=ppt/slides/slide6.xml><?xml version="1.0" encoding="utf-8"?>
+<file path=ppt/slides/slide8.xml><?xml version="1.0" encoding="utf-8"?>
 <p:sld xmlns:a="http://schemas.openxmlformats.org/drawingml/2006/main" xmlns:r="http://schemas.openxmlformats.org/officeDocument/2006/relationships" xmlns:p="http://schemas.openxmlformats.org/presentationml/2006/main">
   <p:cSld>
     <p:bg>
@@ -14501,7 +15670,7 @@
 </p:sld>
 </file>
 
-<file path=ppt/slides/slide7.xml><?xml version="1.0" encoding="utf-8"?>
+<file path=ppt/slides/slide9.xml><?xml version="1.0" encoding="utf-8"?>
 <p:sld xmlns:a="http://schemas.openxmlformats.org/drawingml/2006/main" xmlns:r="http://schemas.openxmlformats.org/officeDocument/2006/relationships" xmlns:p="http://schemas.openxmlformats.org/presentationml/2006/main">
   <p:cSld>
     <p:bg>
@@ -14679,499 +15848,6 @@
   <p:clrMapOvr>
     <a:masterClrMapping/>
   </p:clrMapOvr>
-</p:sld>
-</file>
-
-<file path=ppt/slides/slide8.xml><?xml version="1.0" encoding="utf-8"?>
-<p:sld xmlns:a="http://schemas.openxmlformats.org/drawingml/2006/main" xmlns:r="http://schemas.openxmlformats.org/officeDocument/2006/relationships" xmlns:p="http://schemas.openxmlformats.org/presentationml/2006/main">
-  <p:cSld>
-    <p:bg>
-      <p:bgPr>
-        <a:solidFill>
-          <a:schemeClr val="tx1"/>
-        </a:solidFill>
-        <a:effectLst/>
-      </p:bgPr>
-    </p:bg>
-    <p:spTree>
-      <p:nvGrpSpPr>
-        <p:cNvPr id="1" name=""/>
-        <p:cNvGrpSpPr/>
-        <p:nvPr/>
-      </p:nvGrpSpPr>
-      <p:grpSpPr>
-        <a:xfrm>
-          <a:off x="0" y="0"/>
-          <a:ext cx="0" cy="0"/>
-          <a:chOff x="0" y="0"/>
-          <a:chExt cx="0" cy="0"/>
-        </a:xfrm>
-      </p:grpSpPr>
-      <p:sp>
-        <p:nvSpPr>
-          <p:cNvPr id="2" name="Title 1"/>
-          <p:cNvSpPr>
-            <a:spLocks noGrp="1"/>
-          </p:cNvSpPr>
-          <p:nvPr>
-            <p:ph type="title"/>
-          </p:nvPr>
-        </p:nvSpPr>
-        <p:spPr/>
-        <p:txBody>
-          <a:bodyPr/>
-          <a:lstStyle/>
-          <a:p>
-            <a:pPr algn="r"/>
-            <a:r>
-              <a:rPr lang="en-US" dirty="0" smtClean="0">
-                <a:solidFill>
-                  <a:schemeClr val="bg1"/>
-                </a:solidFill>
-                <a:latin typeface="Proxima Nova Rg" panose="02000506030000020004" pitchFamily="2" charset="0"/>
-              </a:rPr>
-              <a:t>The Node.js Way</a:t>
-            </a:r>
-            <a:endParaRPr lang="en-US" dirty="0">
-              <a:solidFill>
-                <a:schemeClr val="bg1"/>
-              </a:solidFill>
-              <a:latin typeface="Proxima Nova Rg" panose="02000506030000020004" pitchFamily="2" charset="0"/>
-            </a:endParaRPr>
-          </a:p>
-        </p:txBody>
-      </p:sp>
-      <p:sp>
-        <p:nvSpPr>
-          <p:cNvPr id="3" name="Content Placeholder 2"/>
-          <p:cNvSpPr>
-            <a:spLocks noGrp="1"/>
-          </p:cNvSpPr>
-          <p:nvPr>
-            <p:ph idx="4294967295"/>
-          </p:nvPr>
-        </p:nvSpPr>
-        <p:spPr>
-          <a:xfrm>
-            <a:off x="457200" y="1600200"/>
-            <a:ext cx="8229600" cy="4525963"/>
-          </a:xfrm>
-        </p:spPr>
-        <p:txBody>
-          <a:bodyPr anchor="ctr">
-            <a:normAutofit/>
-          </a:bodyPr>
-          <a:lstStyle/>
-          <a:p>
-            <a:pPr marL="0" indent="0">
-              <a:buNone/>
-            </a:pPr>
-            <a:r>
-              <a:rPr lang="pl-PL" sz="2500" b="1" dirty="0">
-                <a:solidFill>
-                  <a:schemeClr val="bg1"/>
-                </a:solidFill>
-                <a:latin typeface="Lucida Console" panose="020B0609040504020204" pitchFamily="49" charset="0"/>
-                <a:cs typeface="Consolas" panose="020B0609020204030204" pitchFamily="49" charset="0"/>
-              </a:rPr>
-              <a:t>fs.createReadStream(</a:t>
-            </a:r>
-            <a:r>
-              <a:rPr lang="pl-PL" sz="2500" b="1" dirty="0">
-                <a:solidFill>
-                  <a:srgbClr val="E6DB74"/>
-                </a:solidFill>
-                <a:latin typeface="Lucida Console" panose="020B0609040504020204" pitchFamily="49" charset="0"/>
-                <a:cs typeface="Consolas" panose="020B0609020204030204" pitchFamily="49" charset="0"/>
-              </a:rPr>
-              <a:t>'in.txt'</a:t>
-            </a:r>
-            <a:r>
-              <a:rPr lang="pl-PL" sz="2500" b="1" dirty="0">
-                <a:solidFill>
-                  <a:schemeClr val="bg1"/>
-                </a:solidFill>
-                <a:latin typeface="Lucida Console" panose="020B0609040504020204" pitchFamily="49" charset="0"/>
-                <a:cs typeface="Consolas" panose="020B0609020204030204" pitchFamily="49" charset="0"/>
-              </a:rPr>
-              <a:t>)</a:t>
-            </a:r>
-          </a:p>
-          <a:p>
-            <a:pPr marL="0" indent="0">
-              <a:buNone/>
-            </a:pPr>
-            <a:r>
-              <a:rPr lang="pl-PL" sz="2500" b="1" dirty="0">
-                <a:solidFill>
-                  <a:schemeClr val="bg1"/>
-                </a:solidFill>
-                <a:latin typeface="Lucida Console" panose="020B0609040504020204" pitchFamily="49" charset="0"/>
-                <a:cs typeface="Consolas" panose="020B0609020204030204" pitchFamily="49" charset="0"/>
-              </a:rPr>
-              <a:t>  </a:t>
-            </a:r>
-            <a:r>
-              <a:rPr lang="pl-PL" sz="2500" b="1" dirty="0" smtClean="0">
-                <a:solidFill>
-                  <a:schemeClr val="bg1"/>
-                </a:solidFill>
-                <a:latin typeface="Lucida Console" panose="020B0609040504020204" pitchFamily="49" charset="0"/>
-                <a:cs typeface="Consolas" panose="020B0609020204030204" pitchFamily="49" charset="0"/>
-              </a:rPr>
-              <a:t>.pipe(</a:t>
-            </a:r>
-            <a:r>
-              <a:rPr lang="en-US" sz="2500" b="1" dirty="0" smtClean="0">
-                <a:solidFill>
-                  <a:schemeClr val="bg1"/>
-                </a:solidFill>
-                <a:latin typeface="Lucida Console" panose="020B0609040504020204" pitchFamily="49" charset="0"/>
-                <a:cs typeface="Consolas" panose="020B0609020204030204" pitchFamily="49" charset="0"/>
-              </a:rPr>
-              <a:t>transform</a:t>
-            </a:r>
-            <a:r>
-              <a:rPr lang="pl-PL" sz="2500" b="1" dirty="0" smtClean="0">
-                <a:solidFill>
-                  <a:schemeClr val="bg1"/>
-                </a:solidFill>
-                <a:latin typeface="Lucida Console" panose="020B0609040504020204" pitchFamily="49" charset="0"/>
-                <a:cs typeface="Consolas" panose="020B0609020204030204" pitchFamily="49" charset="0"/>
-              </a:rPr>
-              <a:t>Stream</a:t>
-            </a:r>
-            <a:r>
-              <a:rPr lang="pl-PL" sz="2500" b="1" dirty="0">
-                <a:solidFill>
-                  <a:schemeClr val="bg1"/>
-                </a:solidFill>
-                <a:latin typeface="Lucida Console" panose="020B0609040504020204" pitchFamily="49" charset="0"/>
-                <a:cs typeface="Consolas" panose="020B0609020204030204" pitchFamily="49" charset="0"/>
-              </a:rPr>
-              <a:t>())</a:t>
-            </a:r>
-          </a:p>
-          <a:p>
-            <a:pPr marL="0" indent="0">
-              <a:buNone/>
-            </a:pPr>
-            <a:r>
-              <a:rPr lang="pl-PL" sz="2500" b="1" dirty="0">
-                <a:solidFill>
-                  <a:schemeClr val="bg1"/>
-                </a:solidFill>
-                <a:latin typeface="Lucida Console" panose="020B0609040504020204" pitchFamily="49" charset="0"/>
-                <a:cs typeface="Consolas" panose="020B0609020204030204" pitchFamily="49" charset="0"/>
-              </a:rPr>
-              <a:t>  </a:t>
-            </a:r>
-            <a:r>
-              <a:rPr lang="pl-PL" sz="2500" b="1" dirty="0" smtClean="0">
-                <a:solidFill>
-                  <a:schemeClr val="bg1"/>
-                </a:solidFill>
-                <a:latin typeface="Lucida Console" panose="020B0609040504020204" pitchFamily="49" charset="0"/>
-                <a:cs typeface="Consolas" panose="020B0609020204030204" pitchFamily="49" charset="0"/>
-              </a:rPr>
-              <a:t>.</a:t>
-            </a:r>
-            <a:r>
-              <a:rPr lang="pl-PL" sz="2500" b="1" dirty="0">
-                <a:solidFill>
-                  <a:schemeClr val="bg1"/>
-                </a:solidFill>
-                <a:latin typeface="Lucida Console" panose="020B0609040504020204" pitchFamily="49" charset="0"/>
-                <a:cs typeface="Consolas" panose="020B0609020204030204" pitchFamily="49" charset="0"/>
-              </a:rPr>
-              <a:t>pipe(fs.createWriteStream(</a:t>
-            </a:r>
-            <a:r>
-              <a:rPr lang="pl-PL" sz="2500" b="1" dirty="0">
-                <a:solidFill>
-                  <a:srgbClr val="E6DB74"/>
-                </a:solidFill>
-                <a:latin typeface="Lucida Console" panose="020B0609040504020204" pitchFamily="49" charset="0"/>
-                <a:cs typeface="Consolas" panose="020B0609020204030204" pitchFamily="49" charset="0"/>
-              </a:rPr>
-              <a:t>'out.txt'</a:t>
-            </a:r>
-            <a:r>
-              <a:rPr lang="pl-PL" sz="2500" b="1" dirty="0">
-                <a:solidFill>
-                  <a:schemeClr val="bg1"/>
-                </a:solidFill>
-                <a:latin typeface="Lucida Console" panose="020B0609040504020204" pitchFamily="49" charset="0"/>
-                <a:cs typeface="Consolas" panose="020B0609020204030204" pitchFamily="49" charset="0"/>
-              </a:rPr>
-              <a:t>));</a:t>
-            </a:r>
-            <a:endParaRPr lang="en-US" sz="2500" b="1" dirty="0">
-              <a:solidFill>
-                <a:schemeClr val="bg1"/>
-              </a:solidFill>
-              <a:latin typeface="Lucida Console" panose="020B0609040504020204" pitchFamily="49" charset="0"/>
-              <a:cs typeface="Consolas" panose="020B0609020204030204" pitchFamily="49" charset="0"/>
-            </a:endParaRPr>
-          </a:p>
-        </p:txBody>
-      </p:sp>
-      <p:pic>
-        <p:nvPicPr>
-          <p:cNvPr id="5" name="Picture 4"/>
-          <p:cNvPicPr>
-            <a:picLocks noChangeAspect="1"/>
-          </p:cNvPicPr>
-          <p:nvPr/>
-        </p:nvPicPr>
-        <p:blipFill>
-          <a:blip r:embed="rId2" cstate="print"/>
-          <a:stretch>
-            <a:fillRect/>
-          </a:stretch>
-        </p:blipFill>
-        <p:spPr>
-          <a:xfrm>
-            <a:off x="0" y="0"/>
-            <a:ext cx="2781300" cy="2257425"/>
-          </a:xfrm>
-          <a:prstGeom prst="rect">
-            <a:avLst/>
-          </a:prstGeom>
-        </p:spPr>
-      </p:pic>
-    </p:spTree>
-    <p:extLst>
-      <p:ext uri="{BB962C8B-B14F-4D97-AF65-F5344CB8AC3E}">
-        <p14:creationId xmlns:p14="http://schemas.microsoft.com/office/powerpoint/2010/main" val="1418459360"/>
-      </p:ext>
-    </p:extLst>
-  </p:cSld>
-  <p:clrMapOvr>
-    <a:masterClrMapping/>
-  </p:clrMapOvr>
-</p:sld>
-</file>
-
-<file path=ppt/slides/slide9.xml><?xml version="1.0" encoding="utf-8"?>
-<p:sld xmlns:a="http://schemas.openxmlformats.org/drawingml/2006/main" xmlns:r="http://schemas.openxmlformats.org/officeDocument/2006/relationships" xmlns:p="http://schemas.openxmlformats.org/presentationml/2006/main">
-  <p:cSld>
-    <p:bg>
-      <p:bgPr>
-        <a:solidFill>
-          <a:schemeClr val="tx1"/>
-        </a:solidFill>
-        <a:effectLst/>
-      </p:bgPr>
-    </p:bg>
-    <p:spTree>
-      <p:nvGrpSpPr>
-        <p:cNvPr id="1" name=""/>
-        <p:cNvGrpSpPr/>
-        <p:nvPr/>
-      </p:nvGrpSpPr>
-      <p:grpSpPr>
-        <a:xfrm>
-          <a:off x="0" y="0"/>
-          <a:ext cx="0" cy="0"/>
-          <a:chOff x="0" y="0"/>
-          <a:chExt cx="0" cy="0"/>
-        </a:xfrm>
-      </p:grpSpPr>
-      <p:pic>
-        <p:nvPicPr>
-          <p:cNvPr id="4" name="Picture 3"/>
-          <p:cNvPicPr>
-            <a:picLocks noChangeAspect="1"/>
-          </p:cNvPicPr>
-          <p:nvPr/>
-        </p:nvPicPr>
-        <p:blipFill>
-          <a:blip r:embed="rId3" cstate="print"/>
-          <a:stretch>
-            <a:fillRect/>
-          </a:stretch>
-        </p:blipFill>
-        <p:spPr>
-          <a:xfrm>
-            <a:off x="0" y="0"/>
-            <a:ext cx="2781300" cy="2257425"/>
-          </a:xfrm>
-          <a:prstGeom prst="rect">
-            <a:avLst/>
-          </a:prstGeom>
-        </p:spPr>
-      </p:pic>
-      <p:sp>
-        <p:nvSpPr>
-          <p:cNvPr id="2" name="Title 1"/>
-          <p:cNvSpPr>
-            <a:spLocks noGrp="1"/>
-          </p:cNvSpPr>
-          <p:nvPr>
-            <p:ph type="title"/>
-          </p:nvPr>
-        </p:nvSpPr>
-        <p:spPr/>
-        <p:txBody>
-          <a:bodyPr/>
-          <a:lstStyle/>
-          <a:p>
-            <a:pPr algn="r"/>
-            <a:r>
-              <a:rPr lang="en-US" dirty="0" smtClean="0">
-                <a:solidFill>
-                  <a:schemeClr val="bg1"/>
-                </a:solidFill>
-                <a:latin typeface="Proxima Nova Rg" panose="02000506030000020004" pitchFamily="2" charset="0"/>
-              </a:rPr>
-              <a:t>Streams are…</a:t>
-            </a:r>
-            <a:endParaRPr lang="en-US" dirty="0">
-              <a:solidFill>
-                <a:schemeClr val="bg1"/>
-              </a:solidFill>
-              <a:latin typeface="Proxima Nova Rg" panose="02000506030000020004" pitchFamily="2" charset="0"/>
-            </a:endParaRPr>
-          </a:p>
-        </p:txBody>
-      </p:sp>
-      <p:sp>
-        <p:nvSpPr>
-          <p:cNvPr id="5" name="TextBox 4"/>
-          <p:cNvSpPr txBox="1"/>
-          <p:nvPr/>
-        </p:nvSpPr>
-        <p:spPr>
-          <a:xfrm>
-            <a:off x="914400" y="2819400"/>
-            <a:ext cx="7086600" cy="769441"/>
-          </a:xfrm>
-          <a:prstGeom prst="rect">
-            <a:avLst/>
-          </a:prstGeom>
-          <a:noFill/>
-        </p:spPr>
-        <p:txBody>
-          <a:bodyPr wrap="square" rtlCol="0">
-            <a:spAutoFit/>
-          </a:bodyPr>
-          <a:lstStyle/>
-          <a:p>
-            <a:r>
-              <a:rPr lang="en-US" sz="4400" dirty="0" smtClean="0">
-                <a:solidFill>
-                  <a:schemeClr val="bg1"/>
-                </a:solidFill>
-                <a:latin typeface="Proxima Nova Rg" panose="02000506030000020004" pitchFamily="2" charset="0"/>
-              </a:rPr>
-              <a:t>…an </a:t>
-            </a:r>
-            <a:r>
-              <a:rPr lang="en-US" sz="4400" dirty="0">
-                <a:solidFill>
-                  <a:schemeClr val="bg1"/>
-                </a:solidFill>
-                <a:latin typeface="Proxima Nova Rg" panose="02000506030000020004" pitchFamily="2" charset="0"/>
-              </a:rPr>
-              <a:t>a</a:t>
-            </a:r>
-            <a:r>
-              <a:rPr lang="en-US" sz="4400" dirty="0" smtClean="0">
-                <a:solidFill>
-                  <a:schemeClr val="bg1"/>
-                </a:solidFill>
-                <a:latin typeface="Proxima Nova Rg" panose="02000506030000020004" pitchFamily="2" charset="0"/>
-              </a:rPr>
-              <a:t>bstraction of IO…</a:t>
-            </a:r>
-            <a:endParaRPr lang="en-US" sz="4400" dirty="0">
-              <a:solidFill>
-                <a:schemeClr val="bg1"/>
-              </a:solidFill>
-              <a:latin typeface="Proxima Nova Rg" panose="02000506030000020004" pitchFamily="2" charset="0"/>
-            </a:endParaRPr>
-          </a:p>
-        </p:txBody>
-      </p:sp>
-      <p:sp>
-        <p:nvSpPr>
-          <p:cNvPr id="6" name="TextBox 5"/>
-          <p:cNvSpPr txBox="1"/>
-          <p:nvPr/>
-        </p:nvSpPr>
-        <p:spPr>
-          <a:xfrm>
-            <a:off x="914400" y="4038600"/>
-            <a:ext cx="7696200" cy="1446550"/>
-          </a:xfrm>
-          <a:prstGeom prst="rect">
-            <a:avLst/>
-          </a:prstGeom>
-          <a:noFill/>
-        </p:spPr>
-        <p:txBody>
-          <a:bodyPr wrap="square" rtlCol="0">
-            <a:spAutoFit/>
-          </a:bodyPr>
-          <a:lstStyle/>
-          <a:p>
-            <a:pPr>
-              <a:defRPr/>
-            </a:pPr>
-            <a:r>
-              <a:rPr lang="en-US" sz="4400" dirty="0" smtClean="0">
-                <a:solidFill>
-                  <a:schemeClr val="bg1"/>
-                </a:solidFill>
-                <a:latin typeface="Proxima Nova Rg"/>
-              </a:rPr>
-              <a:t>…incremental </a:t>
-            </a:r>
-            <a:r>
-              <a:rPr lang="en-US" sz="4400" dirty="0">
-                <a:solidFill>
-                  <a:schemeClr val="bg1"/>
-                </a:solidFill>
-                <a:latin typeface="Proxima Nova Rg"/>
-              </a:rPr>
-              <a:t>data in time with back </a:t>
-            </a:r>
-            <a:r>
-              <a:rPr lang="en-US" sz="4400" dirty="0" smtClean="0">
-                <a:solidFill>
-                  <a:schemeClr val="bg1"/>
-                </a:solidFill>
-                <a:latin typeface="Proxima Nova Rg"/>
-              </a:rPr>
-              <a:t>pressure…</a:t>
-            </a:r>
-            <a:endParaRPr lang="en-US" sz="4400" dirty="0">
-              <a:solidFill>
-                <a:schemeClr val="bg1"/>
-              </a:solidFill>
-              <a:latin typeface="Proxima Nova Rg"/>
-            </a:endParaRPr>
-          </a:p>
-        </p:txBody>
-      </p:sp>
-    </p:spTree>
-    <p:extLst>
-      <p:ext uri="{BB962C8B-B14F-4D97-AF65-F5344CB8AC3E}">
-        <p14:creationId xmlns:p14="http://schemas.microsoft.com/office/powerpoint/2010/main" val="167956377"/>
-      </p:ext>
-    </p:extLst>
-  </p:cSld>
-  <p:clrMapOvr>
-    <a:masterClrMapping/>
-  </p:clrMapOvr>
-  <p:timing>
-    <p:tnLst>
-      <p:par>
-        <p:cTn id="1" dur="indefinite" restart="never" nodeType="tmRoot"/>
-      </p:par>
-    </p:tnLst>
-  </p:timing>
 </p:sld>
 </file>
 

--- a/SDC2013.pptx
+++ b/SDC2013.pptx
@@ -5,7 +5,7 @@
     <p:sldMasterId id="2147483648" r:id="rId1"/>
   </p:sldMasterIdLst>
   <p:notesMasterIdLst>
-    <p:notesMasterId r:id="rId37"/>
+    <p:notesMasterId r:id="rId44"/>
   </p:notesMasterIdLst>
   <p:sldIdLst>
     <p:sldId id="256" r:id="rId2"/>
@@ -18,31 +18,38 @@
     <p:sldId id="258" r:id="rId9"/>
     <p:sldId id="274" r:id="rId10"/>
     <p:sldId id="278" r:id="rId11"/>
-    <p:sldId id="291" r:id="rId12"/>
-    <p:sldId id="302" r:id="rId13"/>
-    <p:sldId id="265" r:id="rId14"/>
-    <p:sldId id="275" r:id="rId15"/>
-    <p:sldId id="299" r:id="rId16"/>
-    <p:sldId id="279" r:id="rId17"/>
-    <p:sldId id="286" r:id="rId18"/>
-    <p:sldId id="266" r:id="rId19"/>
-    <p:sldId id="267" r:id="rId20"/>
-    <p:sldId id="282" r:id="rId21"/>
-    <p:sldId id="270" r:id="rId22"/>
-    <p:sldId id="271" r:id="rId23"/>
-    <p:sldId id="280" r:id="rId24"/>
-    <p:sldId id="287" r:id="rId25"/>
-    <p:sldId id="272" r:id="rId26"/>
-    <p:sldId id="296" r:id="rId27"/>
-    <p:sldId id="303" r:id="rId28"/>
-    <p:sldId id="273" r:id="rId29"/>
-    <p:sldId id="285" r:id="rId30"/>
-    <p:sldId id="288" r:id="rId31"/>
-    <p:sldId id="292" r:id="rId32"/>
-    <p:sldId id="283" r:id="rId33"/>
-    <p:sldId id="260" r:id="rId34"/>
-    <p:sldId id="300" r:id="rId35"/>
-    <p:sldId id="289" r:id="rId36"/>
+    <p:sldId id="312" r:id="rId12"/>
+    <p:sldId id="291" r:id="rId13"/>
+    <p:sldId id="302" r:id="rId14"/>
+    <p:sldId id="265" r:id="rId15"/>
+    <p:sldId id="275" r:id="rId16"/>
+    <p:sldId id="299" r:id="rId17"/>
+    <p:sldId id="279" r:id="rId18"/>
+    <p:sldId id="286" r:id="rId19"/>
+    <p:sldId id="266" r:id="rId20"/>
+    <p:sldId id="267" r:id="rId21"/>
+    <p:sldId id="282" r:id="rId22"/>
+    <p:sldId id="270" r:id="rId23"/>
+    <p:sldId id="271" r:id="rId24"/>
+    <p:sldId id="280" r:id="rId25"/>
+    <p:sldId id="287" r:id="rId26"/>
+    <p:sldId id="272" r:id="rId27"/>
+    <p:sldId id="296" r:id="rId28"/>
+    <p:sldId id="313" r:id="rId29"/>
+    <p:sldId id="303" r:id="rId30"/>
+    <p:sldId id="307" r:id="rId31"/>
+    <p:sldId id="273" r:id="rId32"/>
+    <p:sldId id="306" r:id="rId33"/>
+    <p:sldId id="288" r:id="rId34"/>
+    <p:sldId id="309" r:id="rId35"/>
+    <p:sldId id="311" r:id="rId36"/>
+    <p:sldId id="310" r:id="rId37"/>
+    <p:sldId id="308" r:id="rId38"/>
+    <p:sldId id="292" r:id="rId39"/>
+    <p:sldId id="283" r:id="rId40"/>
+    <p:sldId id="260" r:id="rId41"/>
+    <p:sldId id="300" r:id="rId42"/>
+    <p:sldId id="289" r:id="rId43"/>
   </p:sldIdLst>
   <p:sldSz cx="9144000" cy="6858000" type="screen4x3"/>
   <p:notesSz cx="6858000" cy="9144000"/>
@@ -749,7 +756,7 @@
             <a:fld id="{7BC0C7B8-101C-4F8C-9143-43222D1AB2E2}" type="slidenum">
               <a:rPr lang="en-US" smtClean="0"/>
               <a:pPr/>
-              <a:t>19</a:t>
+              <a:t>20</a:t>
             </a:fld>
             <a:endParaRPr lang="en-US"/>
           </a:p>
@@ -878,7 +885,7 @@
             <a:fld id="{7BC0C7B8-101C-4F8C-9143-43222D1AB2E2}" type="slidenum">
               <a:rPr lang="en-US" smtClean="0"/>
               <a:pPr/>
-              <a:t>23</a:t>
+              <a:t>24</a:t>
             </a:fld>
             <a:endParaRPr lang="en-US"/>
           </a:p>
@@ -953,15 +960,7 @@
             </a:r>
             <a:r>
               <a:rPr lang="en-US" dirty="0" smtClean="0"/>
-              <a:t> has </a:t>
-            </a:r>
-            <a:r>
-              <a:rPr lang="en-US" dirty="0" smtClean="0"/>
-              <a:t>their </a:t>
-            </a:r>
-            <a:r>
-              <a:rPr lang="en-US" dirty="0" smtClean="0"/>
-              <a:t>own pause state.</a:t>
+              <a:t> has their own pause state.</a:t>
             </a:r>
           </a:p>
           <a:p>
@@ -991,7 +990,7 @@
             <a:fld id="{7BC0C7B8-101C-4F8C-9143-43222D1AB2E2}" type="slidenum">
               <a:rPr lang="en-US" smtClean="0"/>
               <a:pPr/>
-              <a:t>24</a:t>
+              <a:t>25</a:t>
             </a:fld>
             <a:endParaRPr lang="en-US"/>
           </a:p>
@@ -1055,12 +1054,23 @@
           <a:lstStyle/>
           <a:p>
             <a:r>
+              <a:rPr lang="en-US" dirty="0" err="1" smtClean="0"/>
+              <a:t>Eep-js</a:t>
+            </a:r>
+            <a:endParaRPr lang="en-US" dirty="0" smtClean="0"/>
+          </a:p>
+          <a:p>
+            <a:r>
               <a:rPr lang="en-US" dirty="0" smtClean="0"/>
-              <a:t>TODO: Split</a:t>
-            </a:r>
-          </a:p>
-          <a:p>
-            <a:endParaRPr lang="en-US" dirty="0"/>
+              <a:t>Event-stream</a:t>
+            </a:r>
+          </a:p>
+          <a:p>
+            <a:r>
+              <a:rPr lang="en-US" smtClean="0"/>
+              <a:t>Window-Stream</a:t>
+            </a:r>
+            <a:endParaRPr lang="en-US"/>
           </a:p>
         </p:txBody>
       </p:sp>
@@ -1091,7 +1101,7 @@
     </p:spTree>
     <p:extLst>
       <p:ext uri="{BB962C8B-B14F-4D97-AF65-F5344CB8AC3E}">
-        <p14:creationId xmlns:p14="http://schemas.microsoft.com/office/powerpoint/2010/main" val="773604664"/>
+        <p14:creationId xmlns:p14="http://schemas.microsoft.com/office/powerpoint/2010/main" val="1384814220"/>
       </p:ext>
     </p:extLst>
   </p:cSld>
@@ -1173,7 +1183,7 @@
             <a:fld id="{7BC0C7B8-101C-4F8C-9143-43222D1AB2E2}" type="slidenum">
               <a:rPr lang="en-US" smtClean="0"/>
               <a:pPr/>
-              <a:t>30</a:t>
+              <a:t>31</a:t>
             </a:fld>
             <a:endParaRPr lang="en-US"/>
           </a:p>
@@ -1182,7 +1192,7 @@
     </p:spTree>
     <p:extLst>
       <p:ext uri="{BB962C8B-B14F-4D97-AF65-F5344CB8AC3E}">
-        <p14:creationId xmlns:p14="http://schemas.microsoft.com/office/powerpoint/2010/main" val="1253670454"/>
+        <p14:creationId xmlns:p14="http://schemas.microsoft.com/office/powerpoint/2010/main" val="773604664"/>
       </p:ext>
     </p:extLst>
   </p:cSld>
@@ -1237,93 +1247,10 @@
           <a:lstStyle/>
           <a:p>
             <a:r>
-              <a:rPr lang="en-US" dirty="0" smtClean="0"/>
-              <a:t>https://npmjs.org/package/request</a:t>
-            </a:r>
-          </a:p>
-          <a:p>
-            <a:r>
-              <a:rPr lang="en-US" dirty="0" smtClean="0">
-                <a:hlinkClick r:id="rId3"/>
-              </a:rPr>
-              <a:t>https://npmjs.org/package/filed</a:t>
-            </a:r>
-            <a:endParaRPr lang="en-US" dirty="0" smtClean="0"/>
-          </a:p>
-          <a:p>
-            <a:r>
-              <a:rPr lang="en-US" dirty="0" smtClean="0">
-                <a:hlinkClick r:id="rId4"/>
-              </a:rPr>
-              <a:t>https://npmjs.org/package/JSONStream</a:t>
-            </a:r>
-            <a:endParaRPr lang="en-US" dirty="0" smtClean="0"/>
-          </a:p>
-          <a:p>
-            <a:r>
-              <a:rPr lang="en-US" dirty="0" smtClean="0">
-                <a:hlinkClick r:id="rId5"/>
-              </a:rPr>
-              <a:t>https://npmjs.org/package/mux-demux</a:t>
-            </a:r>
-            <a:endParaRPr lang="en-US" dirty="0" smtClean="0"/>
-          </a:p>
-          <a:p>
-            <a:r>
-              <a:rPr lang="en-US" dirty="0" smtClean="0">
-                <a:hlinkClick r:id="rId6"/>
-              </a:rPr>
-              <a:t>https://npmjs.org/package/shoe</a:t>
-            </a:r>
-            <a:endParaRPr lang="en-US" dirty="0" smtClean="0"/>
-          </a:p>
-          <a:p>
-            <a:r>
-              <a:rPr lang="en-US" dirty="0" smtClean="0">
-                <a:hlinkClick r:id="rId7"/>
-              </a:rPr>
-              <a:t>https://npmjs.org/package/pause-stream</a:t>
-            </a:r>
-            <a:endParaRPr lang="en-US" dirty="0" smtClean="0"/>
-          </a:p>
-          <a:p>
-            <a:r>
-              <a:rPr lang="en-US" dirty="0" smtClean="0">
-                <a:hlinkClick r:id="rId8"/>
-              </a:rPr>
-              <a:t>https://npmjs.org/package/through</a:t>
-            </a:r>
-            <a:endParaRPr lang="en-US" dirty="0" smtClean="0"/>
-          </a:p>
-          <a:p>
-            <a:r>
-              <a:rPr lang="en-US" dirty="0" smtClean="0">
-                <a:hlinkClick r:id="rId9"/>
-              </a:rPr>
-              <a:t>https://npmjs.org/package/scuttlebutt</a:t>
-            </a:r>
-            <a:endParaRPr lang="en-US" dirty="0" smtClean="0"/>
-          </a:p>
-          <a:p>
-            <a:r>
-              <a:rPr lang="en-US" dirty="0" smtClean="0">
-                <a:hlinkClick r:id="rId10"/>
-              </a:rPr>
-              <a:t>https://npmjs.org/package/tar</a:t>
-            </a:r>
-            <a:endParaRPr lang="en-US" dirty="0" smtClean="0"/>
-          </a:p>
-          <a:p>
-            <a:r>
-              <a:rPr lang="en-US" dirty="0" smtClean="0">
-                <a:hlinkClick r:id="rId11"/>
-              </a:rPr>
-              <a:t>https://npmjs.org/package/dnode</a:t>
-            </a:r>
-            <a:endParaRPr lang="en-US" dirty="0" smtClean="0"/>
-          </a:p>
-          <a:p>
-            <a:endParaRPr lang="en-US" dirty="0"/>
+              <a:rPr lang="en-US" smtClean="0"/>
+              <a:t>http://blog.nodejs.org/2012/12/21/streams2/</a:t>
+            </a:r>
+            <a:endParaRPr lang="en-US"/>
           </a:p>
         </p:txBody>
       </p:sp>
@@ -1354,7 +1281,7 @@
     </p:spTree>
     <p:extLst>
       <p:ext uri="{BB962C8B-B14F-4D97-AF65-F5344CB8AC3E}">
-        <p14:creationId xmlns:p14="http://schemas.microsoft.com/office/powerpoint/2010/main" val="1879848718"/>
+        <p14:creationId xmlns:p14="http://schemas.microsoft.com/office/powerpoint/2010/main" val="4028504320"/>
       </p:ext>
     </p:extLst>
   </p:cSld>
@@ -1410,80 +1337,10 @@
           <a:p>
             <a:r>
               <a:rPr lang="en-US" dirty="0" smtClean="0"/>
-              <a:t>Streams in Action</a:t>
-            </a:r>
-          </a:p>
-          <a:p>
-            <a:r>
-              <a:rPr lang="en-US" dirty="0" smtClean="0"/>
-              <a:t>- Processing</a:t>
-            </a:r>
-          </a:p>
-          <a:p>
-            <a:r>
-              <a:rPr lang="en-US" dirty="0" smtClean="0"/>
-              <a:t>- Complex Event Processing</a:t>
-            </a:r>
-          </a:p>
-          <a:p>
-            <a:r>
-              <a:rPr lang="en-US" dirty="0" smtClean="0"/>
-              <a:t> - https://github.com/darach/eep-js</a:t>
-            </a:r>
-          </a:p>
-          <a:p>
-            <a:r>
-              <a:rPr lang="en-US" dirty="0" smtClean="0"/>
-              <a:t> - https://github.com/indexzero/window-stream</a:t>
-            </a:r>
-          </a:p>
-          <a:p>
-            <a:r>
-              <a:rPr lang="en-US" dirty="0" smtClean="0"/>
-              <a:t>- Distributed programming</a:t>
-            </a:r>
-          </a:p>
-          <a:p>
-            <a:r>
-              <a:rPr lang="en-US" dirty="0" smtClean="0"/>
-              <a:t>- Audio streams</a:t>
-            </a:r>
-          </a:p>
-          <a:p>
-            <a:endParaRPr lang="en-US" dirty="0" smtClean="0"/>
-          </a:p>
-          <a:p>
-            <a:r>
-              <a:rPr lang="en-US" dirty="0" smtClean="0"/>
-              <a:t>JIFASNIF: </a:t>
-            </a:r>
-            <a:r>
-              <a:rPr lang="en-US" dirty="0" err="1" smtClean="0"/>
-              <a:t>Javascript</a:t>
-            </a:r>
-            <a:r>
-              <a:rPr lang="en-US" dirty="0" smtClean="0"/>
-              <a:t> is Fun and so Node.js is Fun.</a:t>
-            </a:r>
-          </a:p>
-          <a:p>
-            <a:r>
-              <a:rPr lang="en-US" dirty="0" smtClean="0"/>
-              <a:t>https://twitter.com/izs/status/187639633641865216</a:t>
-            </a:r>
-          </a:p>
-          <a:p>
-            <a:endParaRPr lang="en-US" dirty="0" smtClean="0"/>
-          </a:p>
-          <a:p>
-            <a:r>
-              <a:rPr lang="en-US" dirty="0" smtClean="0"/>
-              <a:t>Node.js is a platform built on Chrome's JavaScript runtime for easily building fast, scalable network applications. </a:t>
-            </a:r>
-            <a:r>
-              <a:rPr lang="en-US" smtClean="0"/>
-              <a:t>Node.js uses an event-driven, non-blocking I/O model that makes it lightweight and efficient, perfect for data-intensive real-time applications that run across distributed devices.</a:t>
-            </a:r>
+              <a:t>TODO: Split</a:t>
+            </a:r>
+          </a:p>
+          <a:p>
             <a:endParaRPr lang="en-US" dirty="0"/>
           </a:p>
         </p:txBody>
@@ -1506,7 +1363,340 @@
             <a:fld id="{7BC0C7B8-101C-4F8C-9143-43222D1AB2E2}" type="slidenum">
               <a:rPr lang="en-US" smtClean="0"/>
               <a:pPr/>
-              <a:t>34</a:t>
+              <a:t>33</a:t>
+            </a:fld>
+            <a:endParaRPr lang="en-US"/>
+          </a:p>
+        </p:txBody>
+      </p:sp>
+    </p:spTree>
+    <p:extLst>
+      <p:ext uri="{BB962C8B-B14F-4D97-AF65-F5344CB8AC3E}">
+        <p14:creationId xmlns:p14="http://schemas.microsoft.com/office/powerpoint/2010/main" val="1253670454"/>
+      </p:ext>
+    </p:extLst>
+  </p:cSld>
+  <p:clrMapOvr>
+    <a:masterClrMapping/>
+  </p:clrMapOvr>
+</p:notes>
+</file>
+
+<file path=ppt/notesSlides/notesSlide17.xml><?xml version="1.0" encoding="utf-8"?>
+<p:notes xmlns:a="http://schemas.openxmlformats.org/drawingml/2006/main" xmlns:r="http://schemas.openxmlformats.org/officeDocument/2006/relationships" xmlns:p="http://schemas.openxmlformats.org/presentationml/2006/main">
+  <p:cSld>
+    <p:spTree>
+      <p:nvGrpSpPr>
+        <p:cNvPr id="1" name=""/>
+        <p:cNvGrpSpPr/>
+        <p:nvPr/>
+      </p:nvGrpSpPr>
+      <p:grpSpPr>
+        <a:xfrm>
+          <a:off x="0" y="0"/>
+          <a:ext cx="0" cy="0"/>
+          <a:chOff x="0" y="0"/>
+          <a:chExt cx="0" cy="0"/>
+        </a:xfrm>
+      </p:grpSpPr>
+      <p:sp>
+        <p:nvSpPr>
+          <p:cNvPr id="2" name="Slide Image Placeholder 1"/>
+          <p:cNvSpPr>
+            <a:spLocks noGrp="1" noRot="1" noChangeAspect="1"/>
+          </p:cNvSpPr>
+          <p:nvPr>
+            <p:ph type="sldImg"/>
+          </p:nvPr>
+        </p:nvSpPr>
+        <p:spPr/>
+      </p:sp>
+      <p:sp>
+        <p:nvSpPr>
+          <p:cNvPr id="3" name="Notes Placeholder 2"/>
+          <p:cNvSpPr>
+            <a:spLocks noGrp="1"/>
+          </p:cNvSpPr>
+          <p:nvPr>
+            <p:ph type="body" idx="1"/>
+          </p:nvPr>
+        </p:nvSpPr>
+        <p:spPr/>
+        <p:txBody>
+          <a:bodyPr/>
+          <a:lstStyle/>
+          <a:p>
+            <a:r>
+              <a:rPr lang="en-US" dirty="0" smtClean="0"/>
+              <a:t>https://npmjs.org/package/request</a:t>
+            </a:r>
+          </a:p>
+          <a:p>
+            <a:r>
+              <a:rPr lang="en-US" dirty="0" smtClean="0">
+                <a:hlinkClick r:id="rId3"/>
+              </a:rPr>
+              <a:t>https://npmjs.org/package/filed</a:t>
+            </a:r>
+            <a:endParaRPr lang="en-US" dirty="0" smtClean="0"/>
+          </a:p>
+          <a:p>
+            <a:r>
+              <a:rPr lang="en-US" dirty="0" smtClean="0">
+                <a:hlinkClick r:id="rId4"/>
+              </a:rPr>
+              <a:t>https://npmjs.org/package/JSONStream</a:t>
+            </a:r>
+            <a:endParaRPr lang="en-US" dirty="0" smtClean="0"/>
+          </a:p>
+          <a:p>
+            <a:r>
+              <a:rPr lang="en-US" dirty="0" smtClean="0">
+                <a:hlinkClick r:id="rId5"/>
+              </a:rPr>
+              <a:t>https://npmjs.org/package/mux-demux</a:t>
+            </a:r>
+            <a:endParaRPr lang="en-US" dirty="0" smtClean="0"/>
+          </a:p>
+          <a:p>
+            <a:r>
+              <a:rPr lang="en-US" dirty="0" smtClean="0">
+                <a:hlinkClick r:id="rId6"/>
+              </a:rPr>
+              <a:t>https://npmjs.org/package/shoe</a:t>
+            </a:r>
+            <a:endParaRPr lang="en-US" dirty="0" smtClean="0"/>
+          </a:p>
+          <a:p>
+            <a:r>
+              <a:rPr lang="en-US" dirty="0" smtClean="0">
+                <a:hlinkClick r:id="rId7"/>
+              </a:rPr>
+              <a:t>https://npmjs.org/package/pause-stream</a:t>
+            </a:r>
+            <a:endParaRPr lang="en-US" dirty="0" smtClean="0"/>
+          </a:p>
+          <a:p>
+            <a:r>
+              <a:rPr lang="en-US" dirty="0" smtClean="0">
+                <a:hlinkClick r:id="rId8"/>
+              </a:rPr>
+              <a:t>https://npmjs.org/package/through</a:t>
+            </a:r>
+            <a:endParaRPr lang="en-US" dirty="0" smtClean="0"/>
+          </a:p>
+          <a:p>
+            <a:r>
+              <a:rPr lang="en-US" dirty="0" smtClean="0">
+                <a:hlinkClick r:id="rId9"/>
+              </a:rPr>
+              <a:t>https://npmjs.org/package/scuttlebutt</a:t>
+            </a:r>
+            <a:endParaRPr lang="en-US" dirty="0" smtClean="0"/>
+          </a:p>
+          <a:p>
+            <a:r>
+              <a:rPr lang="en-US" dirty="0" smtClean="0">
+                <a:hlinkClick r:id="rId10"/>
+              </a:rPr>
+              <a:t>https://npmjs.org/package/tar</a:t>
+            </a:r>
+            <a:endParaRPr lang="en-US" dirty="0" smtClean="0"/>
+          </a:p>
+          <a:p>
+            <a:r>
+              <a:rPr lang="en-US" dirty="0" smtClean="0">
+                <a:hlinkClick r:id="rId11"/>
+              </a:rPr>
+              <a:t>https://npmjs.org/package/dnode</a:t>
+            </a:r>
+            <a:endParaRPr lang="en-US" dirty="0" smtClean="0"/>
+          </a:p>
+          <a:p>
+            <a:endParaRPr lang="en-US" dirty="0"/>
+          </a:p>
+        </p:txBody>
+      </p:sp>
+      <p:sp>
+        <p:nvSpPr>
+          <p:cNvPr id="4" name="Slide Number Placeholder 3"/>
+          <p:cNvSpPr>
+            <a:spLocks noGrp="1"/>
+          </p:cNvSpPr>
+          <p:nvPr>
+            <p:ph type="sldNum" sz="quarter" idx="10"/>
+          </p:nvPr>
+        </p:nvSpPr>
+        <p:spPr/>
+        <p:txBody>
+          <a:bodyPr/>
+          <a:lstStyle/>
+          <a:p>
+            <a:fld id="{7BC0C7B8-101C-4F8C-9143-43222D1AB2E2}" type="slidenum">
+              <a:rPr lang="en-US" smtClean="0"/>
+              <a:pPr/>
+              <a:t>39</a:t>
+            </a:fld>
+            <a:endParaRPr lang="en-US"/>
+          </a:p>
+        </p:txBody>
+      </p:sp>
+    </p:spTree>
+    <p:extLst>
+      <p:ext uri="{BB962C8B-B14F-4D97-AF65-F5344CB8AC3E}">
+        <p14:creationId xmlns:p14="http://schemas.microsoft.com/office/powerpoint/2010/main" val="1879848718"/>
+      </p:ext>
+    </p:extLst>
+  </p:cSld>
+  <p:clrMapOvr>
+    <a:masterClrMapping/>
+  </p:clrMapOvr>
+</p:notes>
+</file>
+
+<file path=ppt/notesSlides/notesSlide18.xml><?xml version="1.0" encoding="utf-8"?>
+<p:notes xmlns:a="http://schemas.openxmlformats.org/drawingml/2006/main" xmlns:r="http://schemas.openxmlformats.org/officeDocument/2006/relationships" xmlns:p="http://schemas.openxmlformats.org/presentationml/2006/main">
+  <p:cSld>
+    <p:spTree>
+      <p:nvGrpSpPr>
+        <p:cNvPr id="1" name=""/>
+        <p:cNvGrpSpPr/>
+        <p:nvPr/>
+      </p:nvGrpSpPr>
+      <p:grpSpPr>
+        <a:xfrm>
+          <a:off x="0" y="0"/>
+          <a:ext cx="0" cy="0"/>
+          <a:chOff x="0" y="0"/>
+          <a:chExt cx="0" cy="0"/>
+        </a:xfrm>
+      </p:grpSpPr>
+      <p:sp>
+        <p:nvSpPr>
+          <p:cNvPr id="2" name="Slide Image Placeholder 1"/>
+          <p:cNvSpPr>
+            <a:spLocks noGrp="1" noRot="1" noChangeAspect="1"/>
+          </p:cNvSpPr>
+          <p:nvPr>
+            <p:ph type="sldImg"/>
+          </p:nvPr>
+        </p:nvSpPr>
+        <p:spPr/>
+      </p:sp>
+      <p:sp>
+        <p:nvSpPr>
+          <p:cNvPr id="3" name="Notes Placeholder 2"/>
+          <p:cNvSpPr>
+            <a:spLocks noGrp="1"/>
+          </p:cNvSpPr>
+          <p:nvPr>
+            <p:ph type="body" idx="1"/>
+          </p:nvPr>
+        </p:nvSpPr>
+        <p:spPr/>
+        <p:txBody>
+          <a:bodyPr/>
+          <a:lstStyle/>
+          <a:p>
+            <a:r>
+              <a:rPr lang="en-US" dirty="0" smtClean="0"/>
+              <a:t>Streams in Action</a:t>
+            </a:r>
+          </a:p>
+          <a:p>
+            <a:r>
+              <a:rPr lang="en-US" dirty="0" smtClean="0"/>
+              <a:t>- Processing</a:t>
+            </a:r>
+          </a:p>
+          <a:p>
+            <a:r>
+              <a:rPr lang="en-US" dirty="0" smtClean="0"/>
+              <a:t>- Complex Event Processing</a:t>
+            </a:r>
+          </a:p>
+          <a:p>
+            <a:r>
+              <a:rPr lang="en-US" dirty="0" smtClean="0"/>
+              <a:t> - https://github.com/darach/eep-js</a:t>
+            </a:r>
+          </a:p>
+          <a:p>
+            <a:r>
+              <a:rPr lang="en-US" dirty="0" smtClean="0"/>
+              <a:t> - https://github.com/indexzero/window-stream</a:t>
+            </a:r>
+          </a:p>
+          <a:p>
+            <a:r>
+              <a:rPr lang="en-US" dirty="0" smtClean="0"/>
+              <a:t>- Distributed programming</a:t>
+            </a:r>
+          </a:p>
+          <a:p>
+            <a:r>
+              <a:rPr lang="en-US" dirty="0" smtClean="0"/>
+              <a:t>- Audio streams</a:t>
+            </a:r>
+          </a:p>
+          <a:p>
+            <a:endParaRPr lang="en-US" dirty="0" smtClean="0"/>
+          </a:p>
+          <a:p>
+            <a:r>
+              <a:rPr lang="en-US" dirty="0" smtClean="0"/>
+              <a:t>JIFASNIF: </a:t>
+            </a:r>
+            <a:r>
+              <a:rPr lang="en-US" dirty="0" err="1" smtClean="0"/>
+              <a:t>Javascript</a:t>
+            </a:r>
+            <a:r>
+              <a:rPr lang="en-US" dirty="0" smtClean="0"/>
+              <a:t> is Fun and so Node.js is Fun.</a:t>
+            </a:r>
+          </a:p>
+          <a:p>
+            <a:r>
+              <a:rPr lang="en-US" dirty="0" smtClean="0"/>
+              <a:t>https://twitter.com/izs/status/187639633641865216</a:t>
+            </a:r>
+          </a:p>
+          <a:p>
+            <a:endParaRPr lang="en-US" dirty="0" smtClean="0"/>
+          </a:p>
+          <a:p>
+            <a:r>
+              <a:rPr lang="en-US" dirty="0" smtClean="0"/>
+              <a:t>Node.js is a platform built on Chrome's JavaScript runtime for easily building fast, scalable network applications. </a:t>
+            </a:r>
+            <a:r>
+              <a:rPr lang="en-US" smtClean="0"/>
+              <a:t>Node.js uses an event-driven, non-blocking I/O model that makes it lightweight and efficient, perfect for data-intensive real-time applications that run across distributed devices.</a:t>
+            </a:r>
+            <a:endParaRPr lang="en-US" dirty="0"/>
+          </a:p>
+        </p:txBody>
+      </p:sp>
+      <p:sp>
+        <p:nvSpPr>
+          <p:cNvPr id="4" name="Slide Number Placeholder 3"/>
+          <p:cNvSpPr>
+            <a:spLocks noGrp="1"/>
+          </p:cNvSpPr>
+          <p:nvPr>
+            <p:ph type="sldNum" sz="quarter" idx="10"/>
+          </p:nvPr>
+        </p:nvSpPr>
+        <p:spPr/>
+        <p:txBody>
+          <a:bodyPr/>
+          <a:lstStyle/>
+          <a:p>
+            <a:fld id="{7BC0C7B8-101C-4F8C-9143-43222D1AB2E2}" type="slidenum">
+              <a:rPr lang="en-US" smtClean="0"/>
+              <a:pPr/>
+              <a:t>41</a:t>
             </a:fld>
             <a:endParaRPr lang="en-US"/>
           </a:p>
@@ -2097,7 +2287,7 @@
             <a:fld id="{7BC0C7B8-101C-4F8C-9143-43222D1AB2E2}" type="slidenum">
               <a:rPr lang="en-US" smtClean="0"/>
               <a:pPr/>
-              <a:t>11</a:t>
+              <a:t>12</a:t>
             </a:fld>
             <a:endParaRPr lang="en-US"/>
           </a:p>
@@ -2210,7 +2400,7 @@
             <a:fld id="{7BC0C7B8-101C-4F8C-9143-43222D1AB2E2}" type="slidenum">
               <a:rPr lang="en-US" smtClean="0"/>
               <a:pPr/>
-              <a:t>12</a:t>
+              <a:t>13</a:t>
             </a:fld>
             <a:endParaRPr lang="en-US"/>
           </a:p>
@@ -2299,7 +2489,7 @@
             <a:fld id="{7BC0C7B8-101C-4F8C-9143-43222D1AB2E2}" type="slidenum">
               <a:rPr lang="en-US" smtClean="0"/>
               <a:pPr/>
-              <a:t>14</a:t>
+              <a:t>15</a:t>
             </a:fld>
             <a:endParaRPr lang="en-US"/>
           </a:p>
@@ -2388,7 +2578,7 @@
             <a:fld id="{7BC0C7B8-101C-4F8C-9143-43222D1AB2E2}" type="slidenum">
               <a:rPr lang="en-US" smtClean="0"/>
               <a:pPr/>
-              <a:t>15</a:t>
+              <a:t>16</a:t>
             </a:fld>
             <a:endParaRPr lang="en-US"/>
           </a:p>
@@ -2473,7 +2663,7 @@
             <a:fld id="{7BC0C7B8-101C-4F8C-9143-43222D1AB2E2}" type="slidenum">
               <a:rPr lang="en-US" smtClean="0"/>
               <a:pPr/>
-              <a:t>18</a:t>
+              <a:t>19</a:t>
             </a:fld>
             <a:endParaRPr lang="en-US"/>
           </a:p>
@@ -5875,14 +6065,6 @@
 <file path=ppt/slides/slide11.xml><?xml version="1.0" encoding="utf-8"?>
 <p:sld xmlns:a="http://schemas.openxmlformats.org/drawingml/2006/main" xmlns:r="http://schemas.openxmlformats.org/officeDocument/2006/relationships" xmlns:p="http://schemas.openxmlformats.org/presentationml/2006/main">
   <p:cSld>
-    <p:bg>
-      <p:bgPr>
-        <a:solidFill>
-          <a:schemeClr val="tx1"/>
-        </a:solidFill>
-        <a:effectLst/>
-      </p:bgPr>
-    </p:bg>
     <p:spTree>
       <p:nvGrpSpPr>
         <p:cNvPr id="1" name=""/>
@@ -5897,30 +6079,6 @@
           <a:chExt cx="0" cy="0"/>
         </a:xfrm>
       </p:grpSpPr>
-      <p:pic>
-        <p:nvPicPr>
-          <p:cNvPr id="4" name="Picture 3"/>
-          <p:cNvPicPr>
-            <a:picLocks noChangeAspect="1"/>
-          </p:cNvPicPr>
-          <p:nvPr/>
-        </p:nvPicPr>
-        <p:blipFill>
-          <a:blip r:embed="rId3" cstate="print"/>
-          <a:stretch>
-            <a:fillRect/>
-          </a:stretch>
-        </p:blipFill>
-        <p:spPr>
-          <a:xfrm>
-            <a:off x="0" y="0"/>
-            <a:ext cx="2781300" cy="2257425"/>
-          </a:xfrm>
-          <a:prstGeom prst="rect">
-            <a:avLst/>
-          </a:prstGeom>
-        </p:spPr>
-      </p:pic>
       <p:sp>
         <p:nvSpPr>
           <p:cNvPr id="2" name="Title 1"/>
@@ -5936,204 +6094,24 @@
           <a:bodyPr/>
           <a:lstStyle/>
           <a:p>
-            <a:pPr algn="r"/>
-            <a:r>
-              <a:rPr lang="en-US" dirty="0" smtClean="0">
-                <a:solidFill>
-                  <a:schemeClr val="bg1"/>
-                </a:solidFill>
-                <a:latin typeface="Proxima Nova Rg" panose="02000506030000020004" pitchFamily="2" charset="0"/>
-              </a:rPr>
-              <a:t>Streams are…</a:t>
-            </a:r>
-            <a:endParaRPr lang="en-US" dirty="0">
-              <a:solidFill>
-                <a:schemeClr val="bg1"/>
-              </a:solidFill>
-              <a:latin typeface="Proxima Nova Rg" panose="02000506030000020004" pitchFamily="2" charset="0"/>
-            </a:endParaRPr>
-          </a:p>
-        </p:txBody>
-      </p:sp>
-      <p:sp>
-        <p:nvSpPr>
-          <p:cNvPr id="5" name="TextBox 4"/>
-          <p:cNvSpPr txBox="1"/>
-          <p:nvPr/>
-        </p:nvSpPr>
-        <p:spPr>
-          <a:xfrm>
-            <a:off x="914400" y="1905000"/>
-            <a:ext cx="7086600" cy="769441"/>
-          </a:xfrm>
-          <a:prstGeom prst="rect">
-            <a:avLst/>
-          </a:prstGeom>
-          <a:noFill/>
-        </p:spPr>
-        <p:txBody>
-          <a:bodyPr wrap="square" rtlCol="0">
-            <a:spAutoFit/>
-          </a:bodyPr>
-          <a:lstStyle/>
-          <a:p>
-            <a:r>
-              <a:rPr lang="en-US" sz="4400" dirty="0" smtClean="0">
-                <a:solidFill>
-                  <a:schemeClr val="bg1"/>
-                </a:solidFill>
-                <a:latin typeface="Proxima Nova Rg" panose="02000506030000020004" pitchFamily="2" charset="0"/>
-              </a:rPr>
-              <a:t>…an </a:t>
-            </a:r>
-            <a:r>
-              <a:rPr lang="en-US" sz="4400" dirty="0">
-                <a:solidFill>
-                  <a:schemeClr val="bg1"/>
-                </a:solidFill>
-                <a:latin typeface="Proxima Nova Rg" panose="02000506030000020004" pitchFamily="2" charset="0"/>
-              </a:rPr>
-              <a:t>a</a:t>
-            </a:r>
-            <a:r>
-              <a:rPr lang="en-US" sz="4400" dirty="0" smtClean="0">
-                <a:solidFill>
-                  <a:schemeClr val="bg1"/>
-                </a:solidFill>
-                <a:latin typeface="Proxima Nova Rg" panose="02000506030000020004" pitchFamily="2" charset="0"/>
-              </a:rPr>
-              <a:t>bstraction of IO…</a:t>
-            </a:r>
-            <a:endParaRPr lang="en-US" sz="4400" dirty="0">
-              <a:solidFill>
-                <a:schemeClr val="bg1"/>
-              </a:solidFill>
-              <a:latin typeface="Proxima Nova Rg" panose="02000506030000020004" pitchFamily="2" charset="0"/>
-            </a:endParaRPr>
-          </a:p>
-        </p:txBody>
-      </p:sp>
-      <p:sp>
-        <p:nvSpPr>
-          <p:cNvPr id="6" name="TextBox 5"/>
-          <p:cNvSpPr txBox="1"/>
-          <p:nvPr/>
-        </p:nvSpPr>
-        <p:spPr>
-          <a:xfrm>
-            <a:off x="914400" y="3124200"/>
-            <a:ext cx="7696200" cy="1446550"/>
-          </a:xfrm>
-          <a:prstGeom prst="rect">
-            <a:avLst/>
-          </a:prstGeom>
-          <a:noFill/>
-        </p:spPr>
-        <p:txBody>
-          <a:bodyPr wrap="square" rtlCol="0">
-            <a:spAutoFit/>
-          </a:bodyPr>
-          <a:lstStyle/>
-          <a:p>
-            <a:pPr>
-              <a:defRPr/>
-            </a:pPr>
-            <a:r>
-              <a:rPr lang="en-US" sz="4400" dirty="0" smtClean="0">
-                <a:solidFill>
-                  <a:schemeClr val="bg1"/>
-                </a:solidFill>
-                <a:latin typeface="Proxima Nova Rg"/>
-              </a:rPr>
-              <a:t>…incremental </a:t>
-            </a:r>
-            <a:r>
-              <a:rPr lang="en-US" sz="4400" dirty="0">
-                <a:solidFill>
-                  <a:schemeClr val="bg1"/>
-                </a:solidFill>
-                <a:latin typeface="Proxima Nova Rg"/>
-              </a:rPr>
-              <a:t>data in time with back </a:t>
-            </a:r>
-            <a:r>
-              <a:rPr lang="en-US" sz="4400" dirty="0" smtClean="0">
-                <a:solidFill>
-                  <a:schemeClr val="bg1"/>
-                </a:solidFill>
-                <a:latin typeface="Proxima Nova Rg"/>
-              </a:rPr>
-              <a:t>pressure…</a:t>
-            </a:r>
-            <a:endParaRPr lang="en-US" sz="4400" dirty="0">
-              <a:solidFill>
-                <a:schemeClr val="bg1"/>
-              </a:solidFill>
-              <a:latin typeface="Proxima Nova Rg"/>
-            </a:endParaRPr>
-          </a:p>
-        </p:txBody>
-      </p:sp>
-      <p:sp>
-        <p:nvSpPr>
-          <p:cNvPr id="7" name="TextBox 6"/>
-          <p:cNvSpPr txBox="1"/>
-          <p:nvPr/>
-        </p:nvSpPr>
-        <p:spPr>
-          <a:xfrm>
-            <a:off x="914400" y="4801850"/>
-            <a:ext cx="7696200" cy="1446550"/>
-          </a:xfrm>
-          <a:prstGeom prst="rect">
-            <a:avLst/>
-          </a:prstGeom>
-          <a:noFill/>
-        </p:spPr>
-        <p:txBody>
-          <a:bodyPr wrap="square" rtlCol="0">
-            <a:spAutoFit/>
-          </a:bodyPr>
-          <a:lstStyle/>
-          <a:p>
-            <a:pPr>
-              <a:defRPr/>
-            </a:pPr>
-            <a:r>
-              <a:rPr lang="en-US" sz="4400" dirty="0" smtClean="0">
-                <a:solidFill>
-                  <a:schemeClr val="bg1"/>
-                </a:solidFill>
-                <a:latin typeface="Proxima Nova Rg"/>
-              </a:rPr>
-              <a:t>…are like Lego blocks that you can put together…</a:t>
-            </a:r>
-            <a:endParaRPr lang="en-US" sz="4400" dirty="0">
-              <a:solidFill>
-                <a:schemeClr val="bg1"/>
-              </a:solidFill>
-              <a:latin typeface="Proxima Nova Rg"/>
-            </a:endParaRPr>
+            <a:r>
+              <a:rPr lang="en-US" dirty="0" smtClean="0"/>
+              <a:t>The Land Before Streams</a:t>
+            </a:r>
+            <a:endParaRPr lang="en-US" dirty="0"/>
           </a:p>
         </p:txBody>
       </p:sp>
     </p:spTree>
     <p:extLst>
       <p:ext uri="{BB962C8B-B14F-4D97-AF65-F5344CB8AC3E}">
-        <p14:creationId xmlns:p14="http://schemas.microsoft.com/office/powerpoint/2010/main" val="167956377"/>
+        <p14:creationId xmlns:p14="http://schemas.microsoft.com/office/powerpoint/2010/main" val="3127217398"/>
       </p:ext>
     </p:extLst>
   </p:cSld>
   <p:clrMapOvr>
     <a:masterClrMapping/>
   </p:clrMapOvr>
-  <p:timing>
-    <p:tnLst>
-      <p:par>
-        <p:cTn id="1" dur="indefinite" restart="never" nodeType="tmRoot"/>
-      </p:par>
-    </p:tnLst>
-  </p:timing>
 </p:sld>
 </file>
 
@@ -6209,7 +6187,7 @@
                 </a:solidFill>
                 <a:latin typeface="Proxima Nova Rg" panose="02000506030000020004" pitchFamily="2" charset="0"/>
               </a:rPr>
-              <a:t>Why Streams?</a:t>
+              <a:t>Streams are…</a:t>
             </a:r>
             <a:endParaRPr lang="en-US" dirty="0">
               <a:solidFill>
@@ -6228,7 +6206,7 @@
         </p:nvSpPr>
         <p:spPr>
           <a:xfrm>
-            <a:off x="914400" y="2133600"/>
+            <a:off x="914400" y="1905000"/>
             <a:ext cx="7086600" cy="769441"/>
           </a:xfrm>
           <a:prstGeom prst="rect">
@@ -6243,14 +6221,38 @@
           <a:lstStyle/>
           <a:p>
             <a:r>
+              <a:rPr lang="en-US" sz="4400" dirty="0" smtClean="0">
+                <a:solidFill>
+                  <a:schemeClr val="bg1"/>
+                </a:solidFill>
+                <a:latin typeface="Proxima Nova Rg" panose="02000506030000020004" pitchFamily="2" charset="0"/>
+              </a:rPr>
+              <a:t>…an </a:t>
+            </a:r>
+            <a:r>
               <a:rPr lang="en-US" sz="4400" dirty="0">
                 <a:solidFill>
                   <a:schemeClr val="bg1"/>
                 </a:solidFill>
-                <a:latin typeface="Proxima Nova Rg"/>
-              </a:rPr>
-              <a:t>Improve Latency</a:t>
-            </a:r>
+                <a:latin typeface="Proxima Nova Rg" panose="02000506030000020004" pitchFamily="2" charset="0"/>
+              </a:rPr>
+              <a:t>a</a:t>
+            </a:r>
+            <a:r>
+              <a:rPr lang="en-US" sz="4400" dirty="0" smtClean="0">
+                <a:solidFill>
+                  <a:schemeClr val="bg1"/>
+                </a:solidFill>
+                <a:latin typeface="Proxima Nova Rg" panose="02000506030000020004" pitchFamily="2" charset="0"/>
+              </a:rPr>
+              <a:t>bstraction of IO…</a:t>
+            </a:r>
+            <a:endParaRPr lang="en-US" sz="4400" dirty="0">
+              <a:solidFill>
+                <a:schemeClr val="bg1"/>
+              </a:solidFill>
+              <a:latin typeface="Proxima Nova Rg" panose="02000506030000020004" pitchFamily="2" charset="0"/>
+            </a:endParaRPr>
           </a:p>
         </p:txBody>
       </p:sp>
@@ -6262,8 +6264,8 @@
         </p:nvSpPr>
         <p:spPr>
           <a:xfrm>
-            <a:off x="914400" y="3200400"/>
-            <a:ext cx="7696200" cy="769441"/>
+            <a:off x="914400" y="3124200"/>
+            <a:ext cx="7696200" cy="1446550"/>
           </a:xfrm>
           <a:prstGeom prst="rect">
             <a:avLst/>
@@ -6276,6 +6278,18 @@
           </a:bodyPr>
           <a:lstStyle/>
           <a:p>
+            <a:pPr>
+              <a:defRPr/>
+            </a:pPr>
+            <a:r>
+              <a:rPr lang="en-US" sz="4400" dirty="0" smtClean="0">
+                <a:solidFill>
+                  <a:schemeClr val="bg1"/>
+                </a:solidFill>
+                <a:latin typeface="Proxima Nova Rg"/>
+              </a:rPr>
+              <a:t>…incremental </a:t>
+            </a:r>
             <a:r>
               <a:rPr lang="en-US" sz="4400" dirty="0">
                 <a:solidFill>
@@ -6283,8 +6297,23 @@
                 </a:solidFill>
                 <a:latin typeface="Proxima Nova Rg"/>
               </a:rPr>
-              <a:t>Reduce memory footprint</a:t>
-            </a:r>
+              <a:t>data in time with back </a:t>
+            </a:r>
+            <a:r>
+              <a:rPr lang="en-US" sz="4400" dirty="0" smtClean="0">
+                <a:solidFill>
+                  <a:schemeClr val="bg1"/>
+                </a:solidFill>
+                <a:latin typeface="Proxima Nova Rg"/>
+              </a:rPr>
+              <a:t>pressure…</a:t>
+            </a:r>
+            <a:endParaRPr lang="en-US" sz="4400" dirty="0">
+              <a:solidFill>
+                <a:schemeClr val="bg1"/>
+              </a:solidFill>
+              <a:latin typeface="Proxima Nova Rg"/>
+            </a:endParaRPr>
           </a:p>
         </p:txBody>
       </p:sp>
@@ -6296,8 +6325,8 @@
         </p:nvSpPr>
         <p:spPr>
           <a:xfrm>
-            <a:off x="914400" y="4259759"/>
-            <a:ext cx="7696200" cy="769441"/>
+            <a:off x="914400" y="4801850"/>
+            <a:ext cx="7696200" cy="1446550"/>
           </a:xfrm>
           <a:prstGeom prst="rect">
             <a:avLst/>
@@ -6310,6 +6339,9 @@
           </a:bodyPr>
           <a:lstStyle/>
           <a:p>
+            <a:pPr>
+              <a:defRPr/>
+            </a:pPr>
             <a:r>
               <a:rPr lang="en-US" sz="4400" dirty="0" smtClean="0">
                 <a:solidFill>
@@ -6317,7 +6349,7 @@
                 </a:solidFill>
                 <a:latin typeface="Proxima Nova Rg"/>
               </a:rPr>
-              <a:t>Expand Possibilities</a:t>
+              <a:t>…are like Lego blocks that you can put together…</a:t>
             </a:r>
             <a:endParaRPr lang="en-US" sz="4400" dirty="0">
               <a:solidFill>
@@ -6328,50 +6360,10 @@
           </a:p>
         </p:txBody>
       </p:sp>
-      <p:sp>
-        <p:nvSpPr>
-          <p:cNvPr id="8" name="TextBox 7"/>
-          <p:cNvSpPr txBox="1"/>
-          <p:nvPr/>
-        </p:nvSpPr>
-        <p:spPr>
-          <a:xfrm>
-            <a:off x="914400" y="5326559"/>
-            <a:ext cx="7696200" cy="769441"/>
-          </a:xfrm>
-          <a:prstGeom prst="rect">
-            <a:avLst/>
-          </a:prstGeom>
-          <a:noFill/>
-        </p:spPr>
-        <p:txBody>
-          <a:bodyPr wrap="square" rtlCol="0">
-            <a:spAutoFit/>
-          </a:bodyPr>
-          <a:lstStyle/>
-          <a:p>
-            <a:r>
-              <a:rPr lang="en-US" sz="4400" dirty="0" smtClean="0">
-                <a:solidFill>
-                  <a:schemeClr val="bg1"/>
-                </a:solidFill>
-                <a:latin typeface="Proxima Nova Rg"/>
-              </a:rPr>
-              <a:t>Enable Real-Time</a:t>
-            </a:r>
-            <a:endParaRPr lang="en-US" sz="4400" dirty="0">
-              <a:solidFill>
-                <a:schemeClr val="bg1"/>
-              </a:solidFill>
-              <a:latin typeface="Proxima Nova Rg"/>
-            </a:endParaRPr>
-          </a:p>
-        </p:txBody>
-      </p:sp>
     </p:spTree>
     <p:extLst>
       <p:ext uri="{BB962C8B-B14F-4D97-AF65-F5344CB8AC3E}">
-        <p14:creationId xmlns:p14="http://schemas.microsoft.com/office/powerpoint/2010/main" val="8189496"/>
+        <p14:creationId xmlns:p14="http://schemas.microsoft.com/office/powerpoint/2010/main" val="167956377"/>
       </p:ext>
     </p:extLst>
   </p:cSld>
@@ -6422,14 +6414,14 @@
           <p:nvPr/>
         </p:nvPicPr>
         <p:blipFill>
-          <a:blip r:embed="rId2" cstate="print"/>
+          <a:blip r:embed="rId3" cstate="print"/>
           <a:stretch>
             <a:fillRect/>
           </a:stretch>
         </p:blipFill>
         <p:spPr>
           <a:xfrm>
-            <a:off x="10886" y="0"/>
+            <a:off x="0" y="0"/>
             <a:ext cx="2781300" cy="2257425"/>
           </a:xfrm>
           <a:prstGeom prst="rect">
@@ -6460,7 +6452,7 @@
                 </a:solidFill>
                 <a:latin typeface="Proxima Nova Rg" panose="02000506030000020004" pitchFamily="2" charset="0"/>
               </a:rPr>
-              <a:t>Why Use Streams?</a:t>
+              <a:t>Why Streams?</a:t>
             </a:r>
             <a:endParaRPr lang="en-US" dirty="0">
               <a:solidFill>
@@ -6473,710 +6465,169 @@
       </p:sp>
       <p:sp>
         <p:nvSpPr>
-          <p:cNvPr id="3" name="Content Placeholder 2"/>
-          <p:cNvSpPr>
-            <a:spLocks noGrp="1"/>
-          </p:cNvSpPr>
-          <p:nvPr>
-            <p:ph idx="1"/>
-          </p:nvPr>
+          <p:cNvPr id="5" name="TextBox 4"/>
+          <p:cNvSpPr txBox="1"/>
+          <p:nvPr/>
         </p:nvSpPr>
         <p:spPr>
           <a:xfrm>
-            <a:off x="228600" y="1600200"/>
-            <a:ext cx="8686800" cy="4525963"/>
+            <a:off x="914400" y="2133600"/>
+            <a:ext cx="7086600" cy="769441"/>
           </a:xfrm>
+          <a:prstGeom prst="rect">
+            <a:avLst/>
+          </a:prstGeom>
+          <a:noFill/>
         </p:spPr>
         <p:txBody>
-          <a:bodyPr>
-            <a:noAutofit/>
+          <a:bodyPr wrap="square" rtlCol="0">
+            <a:spAutoFit/>
           </a:bodyPr>
           <a:lstStyle/>
           <a:p>
-            <a:pPr marL="0" indent="0">
-              <a:buNone/>
-            </a:pPr>
-            <a:r>
-              <a:rPr lang="en-US" sz="2200" b="1" dirty="0" err="1" smtClean="0">
-                <a:solidFill>
-                  <a:srgbClr val="66D9EF"/>
-                </a:solidFill>
-                <a:latin typeface="Lucida Console" panose="020B0609040504020204" pitchFamily="49" charset="0"/>
-                <a:cs typeface="Consolas" panose="020B0609020204030204" pitchFamily="49" charset="0"/>
-              </a:rPr>
-              <a:t>var</a:t>
-            </a:r>
-            <a:r>
-              <a:rPr lang="en-US" sz="2200" b="1" dirty="0" smtClean="0">
-                <a:solidFill>
-                  <a:srgbClr val="66D9EF"/>
-                </a:solidFill>
-                <a:latin typeface="Lucida Console" panose="020B0609040504020204" pitchFamily="49" charset="0"/>
-                <a:cs typeface="Consolas" panose="020B0609020204030204" pitchFamily="49" charset="0"/>
-              </a:rPr>
-              <a:t> </a:t>
-            </a:r>
-            <a:r>
-              <a:rPr lang="en-US" sz="2200" b="1" dirty="0" smtClean="0">
-                <a:solidFill>
-                  <a:schemeClr val="bg1"/>
-                </a:solidFill>
-                <a:latin typeface="Lucida Console" panose="020B0609040504020204" pitchFamily="49" charset="0"/>
-                <a:cs typeface="Consolas" panose="020B0609020204030204" pitchFamily="49" charset="0"/>
-              </a:rPr>
-              <a:t>http = require(</a:t>
-            </a:r>
-            <a:r>
-              <a:rPr lang="en-US" sz="2200" b="1" dirty="0" smtClean="0">
-                <a:solidFill>
-                  <a:srgbClr val="E6DB74"/>
-                </a:solidFill>
-                <a:latin typeface="Lucida Console" panose="020B0609040504020204" pitchFamily="49" charset="0"/>
-                <a:cs typeface="Consolas" panose="020B0609020204030204" pitchFamily="49" charset="0"/>
-              </a:rPr>
-              <a:t>'http'</a:t>
-            </a:r>
-            <a:r>
-              <a:rPr lang="en-US" sz="2200" b="1" dirty="0" smtClean="0">
-                <a:solidFill>
-                  <a:schemeClr val="bg1"/>
-                </a:solidFill>
-                <a:latin typeface="Lucida Console" panose="020B0609040504020204" pitchFamily="49" charset="0"/>
-                <a:cs typeface="Consolas" panose="020B0609020204030204" pitchFamily="49" charset="0"/>
-              </a:rPr>
-              <a:t>), </a:t>
-            </a:r>
-          </a:p>
-          <a:p>
-            <a:pPr marL="0" indent="0">
-              <a:buNone/>
-            </a:pPr>
-            <a:r>
-              <a:rPr lang="en-US" sz="2200" b="1" dirty="0">
-                <a:solidFill>
-                  <a:schemeClr val="bg1"/>
-                </a:solidFill>
-                <a:latin typeface="Lucida Console" panose="020B0609040504020204" pitchFamily="49" charset="0"/>
-                <a:cs typeface="Consolas" panose="020B0609020204030204" pitchFamily="49" charset="0"/>
-              </a:rPr>
-              <a:t> </a:t>
-            </a:r>
-            <a:r>
-              <a:rPr lang="en-US" sz="2200" b="1" dirty="0" smtClean="0">
-                <a:solidFill>
-                  <a:schemeClr val="bg1"/>
-                </a:solidFill>
-                <a:latin typeface="Lucida Console" panose="020B0609040504020204" pitchFamily="49" charset="0"/>
-                <a:cs typeface="Consolas" panose="020B0609020204030204" pitchFamily="49" charset="0"/>
-              </a:rPr>
-              <a:t>   </a:t>
-            </a:r>
-            <a:r>
-              <a:rPr lang="en-US" sz="2200" b="1" dirty="0" err="1" smtClean="0">
-                <a:solidFill>
-                  <a:schemeClr val="bg1"/>
-                </a:solidFill>
-                <a:latin typeface="Lucida Console" panose="020B0609040504020204" pitchFamily="49" charset="0"/>
-                <a:cs typeface="Consolas" panose="020B0609020204030204" pitchFamily="49" charset="0"/>
-              </a:rPr>
-              <a:t>fs</a:t>
-            </a:r>
-            <a:r>
-              <a:rPr lang="en-US" sz="2200" b="1" dirty="0" smtClean="0">
-                <a:solidFill>
-                  <a:schemeClr val="bg1"/>
-                </a:solidFill>
-                <a:latin typeface="Lucida Console" panose="020B0609040504020204" pitchFamily="49" charset="0"/>
-                <a:cs typeface="Consolas" panose="020B0609020204030204" pitchFamily="49" charset="0"/>
-              </a:rPr>
-              <a:t> = require(</a:t>
-            </a:r>
-            <a:r>
-              <a:rPr lang="en-US" sz="2200" b="1" dirty="0" smtClean="0">
-                <a:solidFill>
-                  <a:srgbClr val="E6DB74"/>
-                </a:solidFill>
-                <a:latin typeface="Lucida Console" panose="020B0609040504020204" pitchFamily="49" charset="0"/>
-                <a:cs typeface="Consolas" panose="020B0609020204030204" pitchFamily="49" charset="0"/>
-              </a:rPr>
-              <a:t>'</a:t>
-            </a:r>
-            <a:r>
-              <a:rPr lang="en-US" sz="2200" b="1" dirty="0" err="1" smtClean="0">
-                <a:solidFill>
-                  <a:srgbClr val="E6DB74"/>
-                </a:solidFill>
-                <a:latin typeface="Lucida Console" panose="020B0609040504020204" pitchFamily="49" charset="0"/>
-                <a:cs typeface="Consolas" panose="020B0609020204030204" pitchFamily="49" charset="0"/>
-              </a:rPr>
-              <a:t>fs</a:t>
-            </a:r>
-            <a:r>
-              <a:rPr lang="en-US" sz="2200" b="1" dirty="0" smtClean="0">
-                <a:solidFill>
-                  <a:srgbClr val="E6DB74"/>
-                </a:solidFill>
-                <a:latin typeface="Lucida Console" panose="020B0609040504020204" pitchFamily="49" charset="0"/>
-                <a:cs typeface="Consolas" panose="020B0609020204030204" pitchFamily="49" charset="0"/>
-              </a:rPr>
-              <a:t>'</a:t>
-            </a:r>
-            <a:r>
-              <a:rPr lang="en-US" sz="2200" b="1" dirty="0" smtClean="0">
-                <a:solidFill>
-                  <a:schemeClr val="bg1"/>
-                </a:solidFill>
-                <a:latin typeface="Lucida Console" panose="020B0609040504020204" pitchFamily="49" charset="0"/>
-                <a:cs typeface="Consolas" panose="020B0609020204030204" pitchFamily="49" charset="0"/>
-              </a:rPr>
-              <a:t>);</a:t>
-            </a:r>
-          </a:p>
-          <a:p>
-            <a:pPr marL="0" indent="0">
-              <a:buNone/>
-            </a:pPr>
-            <a:endParaRPr lang="en-US" sz="2200" b="1" dirty="0">
+            <a:r>
+              <a:rPr lang="en-US" sz="4400" dirty="0">
+                <a:solidFill>
+                  <a:schemeClr val="bg1"/>
+                </a:solidFill>
+                <a:latin typeface="Proxima Nova Rg"/>
+              </a:rPr>
+              <a:t>Improve Latency</a:t>
+            </a:r>
+          </a:p>
+        </p:txBody>
+      </p:sp>
+      <p:sp>
+        <p:nvSpPr>
+          <p:cNvPr id="6" name="TextBox 5"/>
+          <p:cNvSpPr txBox="1"/>
+          <p:nvPr/>
+        </p:nvSpPr>
+        <p:spPr>
+          <a:xfrm>
+            <a:off x="914400" y="3200400"/>
+            <a:ext cx="7696200" cy="769441"/>
+          </a:xfrm>
+          <a:prstGeom prst="rect">
+            <a:avLst/>
+          </a:prstGeom>
+          <a:noFill/>
+        </p:spPr>
+        <p:txBody>
+          <a:bodyPr wrap="square" rtlCol="0">
+            <a:spAutoFit/>
+          </a:bodyPr>
+          <a:lstStyle/>
+          <a:p>
+            <a:r>
+              <a:rPr lang="en-US" sz="4400" dirty="0">
+                <a:solidFill>
+                  <a:schemeClr val="bg1"/>
+                </a:solidFill>
+                <a:latin typeface="Proxima Nova Rg"/>
+              </a:rPr>
+              <a:t>Reduce memory footprint</a:t>
+            </a:r>
+          </a:p>
+        </p:txBody>
+      </p:sp>
+      <p:sp>
+        <p:nvSpPr>
+          <p:cNvPr id="7" name="TextBox 6"/>
+          <p:cNvSpPr txBox="1"/>
+          <p:nvPr/>
+        </p:nvSpPr>
+        <p:spPr>
+          <a:xfrm>
+            <a:off x="914400" y="4259759"/>
+            <a:ext cx="7696200" cy="769441"/>
+          </a:xfrm>
+          <a:prstGeom prst="rect">
+            <a:avLst/>
+          </a:prstGeom>
+          <a:noFill/>
+        </p:spPr>
+        <p:txBody>
+          <a:bodyPr wrap="square" rtlCol="0">
+            <a:spAutoFit/>
+          </a:bodyPr>
+          <a:lstStyle/>
+          <a:p>
+            <a:r>
+              <a:rPr lang="en-US" sz="4400" dirty="0" smtClean="0">
+                <a:solidFill>
+                  <a:schemeClr val="bg1"/>
+                </a:solidFill>
+                <a:latin typeface="Proxima Nova Rg"/>
+              </a:rPr>
+              <a:t>Expand Possibilities</a:t>
+            </a:r>
+            <a:endParaRPr lang="en-US" sz="4400" dirty="0">
               <a:solidFill>
                 <a:schemeClr val="bg1"/>
               </a:solidFill>
-              <a:latin typeface="Lucida Console" panose="020B0609040504020204" pitchFamily="49" charset="0"/>
-              <a:cs typeface="Consolas" panose="020B0609020204030204" pitchFamily="49" charset="0"/>
+              <a:latin typeface="Proxima Nova Rg"/>
             </a:endParaRPr>
           </a:p>
-          <a:p>
-            <a:pPr marL="0" indent="0">
-              <a:buNone/>
-            </a:pPr>
-            <a:r>
-              <a:rPr lang="en-US" sz="2200" b="1" dirty="0" err="1" smtClean="0">
-                <a:solidFill>
-                  <a:schemeClr val="bg1"/>
-                </a:solidFill>
-                <a:latin typeface="Lucida Console" panose="020B0609040504020204" pitchFamily="49" charset="0"/>
-                <a:cs typeface="Consolas" panose="020B0609020204030204" pitchFamily="49" charset="0"/>
-              </a:rPr>
-              <a:t>http.</a:t>
-            </a:r>
-            <a:r>
-              <a:rPr lang="en-US" sz="2200" b="1" dirty="0" err="1" smtClean="0">
-                <a:solidFill>
-                  <a:srgbClr val="66D9EF"/>
-                </a:solidFill>
-                <a:latin typeface="Lucida Console" panose="020B0609040504020204" pitchFamily="49" charset="0"/>
-                <a:cs typeface="Consolas" panose="020B0609020204030204" pitchFamily="49" charset="0"/>
-              </a:rPr>
-              <a:t>createServer</a:t>
-            </a:r>
-            <a:r>
-              <a:rPr lang="en-US" sz="2200" b="1" dirty="0" smtClean="0">
-                <a:solidFill>
-                  <a:schemeClr val="bg1"/>
-                </a:solidFill>
-                <a:latin typeface="Lucida Console" panose="020B0609040504020204" pitchFamily="49" charset="0"/>
-                <a:cs typeface="Consolas" panose="020B0609020204030204" pitchFamily="49" charset="0"/>
-              </a:rPr>
-              <a:t>( </a:t>
-            </a:r>
-            <a:r>
-              <a:rPr lang="en-US" sz="2200" b="1" dirty="0" smtClean="0">
-                <a:solidFill>
-                  <a:srgbClr val="66D9EF"/>
-                </a:solidFill>
-                <a:latin typeface="Lucida Console" panose="020B0609040504020204" pitchFamily="49" charset="0"/>
-                <a:cs typeface="Consolas" panose="020B0609020204030204" pitchFamily="49" charset="0"/>
-              </a:rPr>
-              <a:t>function</a:t>
-            </a:r>
-            <a:r>
-              <a:rPr lang="en-US" sz="2200" b="1" dirty="0" smtClean="0">
-                <a:solidFill>
-                  <a:schemeClr val="bg1"/>
-                </a:solidFill>
-                <a:latin typeface="Lucida Console" panose="020B0609040504020204" pitchFamily="49" charset="0"/>
-                <a:cs typeface="Consolas" panose="020B0609020204030204" pitchFamily="49" charset="0"/>
-              </a:rPr>
-              <a:t> </a:t>
-            </a:r>
-            <a:r>
-              <a:rPr lang="en-US" sz="2200" b="1" dirty="0">
-                <a:solidFill>
-                  <a:schemeClr val="bg1"/>
-                </a:solidFill>
-                <a:latin typeface="Lucida Console" panose="020B0609040504020204" pitchFamily="49" charset="0"/>
-                <a:cs typeface="Consolas" panose="020B0609020204030204" pitchFamily="49" charset="0"/>
-              </a:rPr>
-              <a:t>(</a:t>
-            </a:r>
-            <a:r>
-              <a:rPr lang="en-US" sz="2200" b="1" dirty="0" err="1">
-                <a:solidFill>
-                  <a:srgbClr val="FD971F"/>
-                </a:solidFill>
-                <a:latin typeface="Lucida Console" panose="020B0609040504020204" pitchFamily="49" charset="0"/>
-                <a:cs typeface="Consolas" panose="020B0609020204030204" pitchFamily="49" charset="0"/>
-              </a:rPr>
-              <a:t>req</a:t>
-            </a:r>
-            <a:r>
-              <a:rPr lang="en-US" sz="2200" b="1" dirty="0">
-                <a:solidFill>
-                  <a:srgbClr val="FD971F"/>
-                </a:solidFill>
-                <a:latin typeface="Lucida Console" panose="020B0609040504020204" pitchFamily="49" charset="0"/>
-                <a:cs typeface="Consolas" panose="020B0609020204030204" pitchFamily="49" charset="0"/>
-              </a:rPr>
-              <a:t>, res</a:t>
-            </a:r>
-            <a:r>
-              <a:rPr lang="en-US" sz="2200" b="1" dirty="0">
-                <a:solidFill>
-                  <a:schemeClr val="bg1"/>
-                </a:solidFill>
-                <a:latin typeface="Lucida Console" panose="020B0609040504020204" pitchFamily="49" charset="0"/>
-                <a:cs typeface="Consolas" panose="020B0609020204030204" pitchFamily="49" charset="0"/>
-              </a:rPr>
-              <a:t>) {</a:t>
-            </a:r>
-          </a:p>
-          <a:p>
-            <a:pPr marL="0" indent="0">
-              <a:buNone/>
-            </a:pPr>
-            <a:r>
-              <a:rPr lang="en-US" sz="2200" b="1" dirty="0">
-                <a:solidFill>
-                  <a:schemeClr val="bg1"/>
-                </a:solidFill>
-                <a:latin typeface="Lucida Console" panose="020B0609040504020204" pitchFamily="49" charset="0"/>
-                <a:cs typeface="Consolas" panose="020B0609020204030204" pitchFamily="49" charset="0"/>
-              </a:rPr>
-              <a:t>    </a:t>
-            </a:r>
-            <a:r>
-              <a:rPr lang="en-US" sz="2200" b="1" dirty="0" err="1">
-                <a:solidFill>
-                  <a:schemeClr val="bg1"/>
-                </a:solidFill>
-                <a:latin typeface="Lucida Console" panose="020B0609040504020204" pitchFamily="49" charset="0"/>
-                <a:cs typeface="Consolas" panose="020B0609020204030204" pitchFamily="49" charset="0"/>
-              </a:rPr>
-              <a:t>fs.</a:t>
-            </a:r>
-            <a:r>
-              <a:rPr lang="en-US" sz="2200" b="1" dirty="0" err="1">
-                <a:solidFill>
-                  <a:srgbClr val="66D9EF"/>
-                </a:solidFill>
-                <a:latin typeface="Lucida Console" panose="020B0609040504020204" pitchFamily="49" charset="0"/>
-                <a:cs typeface="Consolas" panose="020B0609020204030204" pitchFamily="49" charset="0"/>
-              </a:rPr>
-              <a:t>readFile</a:t>
-            </a:r>
-            <a:r>
-              <a:rPr lang="en-US" sz="2200" b="1" dirty="0">
-                <a:solidFill>
-                  <a:schemeClr val="bg1"/>
-                </a:solidFill>
-                <a:latin typeface="Lucida Console" panose="020B0609040504020204" pitchFamily="49" charset="0"/>
-                <a:cs typeface="Consolas" panose="020B0609020204030204" pitchFamily="49" charset="0"/>
-              </a:rPr>
-              <a:t>(</a:t>
-            </a:r>
-            <a:r>
-              <a:rPr lang="en-US" sz="2200" b="1" dirty="0">
-                <a:solidFill>
-                  <a:srgbClr val="E6DB74"/>
-                </a:solidFill>
-                <a:latin typeface="Lucida Console" panose="020B0609040504020204" pitchFamily="49" charset="0"/>
-                <a:cs typeface="Consolas" panose="020B0609020204030204" pitchFamily="49" charset="0"/>
-              </a:rPr>
-              <a:t>'file.txt'</a:t>
-            </a:r>
-            <a:r>
-              <a:rPr lang="en-US" sz="2200" b="1" dirty="0">
-                <a:solidFill>
-                  <a:schemeClr val="bg1"/>
-                </a:solidFill>
-                <a:latin typeface="Lucida Console" panose="020B0609040504020204" pitchFamily="49" charset="0"/>
-                <a:cs typeface="Consolas" panose="020B0609020204030204" pitchFamily="49" charset="0"/>
-              </a:rPr>
-              <a:t>, </a:t>
-            </a:r>
-            <a:r>
-              <a:rPr lang="en-US" sz="2200" b="1" dirty="0">
-                <a:solidFill>
-                  <a:srgbClr val="66D9EF"/>
-                </a:solidFill>
-                <a:latin typeface="Lucida Console" panose="020B0609040504020204" pitchFamily="49" charset="0"/>
-                <a:cs typeface="Consolas" panose="020B0609020204030204" pitchFamily="49" charset="0"/>
-              </a:rPr>
-              <a:t>function </a:t>
-            </a:r>
-            <a:r>
-              <a:rPr lang="en-US" sz="2200" b="1" dirty="0">
-                <a:solidFill>
-                  <a:schemeClr val="bg1"/>
-                </a:solidFill>
-                <a:latin typeface="Lucida Console" panose="020B0609040504020204" pitchFamily="49" charset="0"/>
-                <a:cs typeface="Consolas" panose="020B0609020204030204" pitchFamily="49" charset="0"/>
-              </a:rPr>
-              <a:t>(</a:t>
-            </a:r>
-            <a:r>
-              <a:rPr lang="en-US" sz="2200" b="1" dirty="0">
-                <a:solidFill>
-                  <a:srgbClr val="FD971F"/>
-                </a:solidFill>
-                <a:latin typeface="Lucida Console" panose="020B0609040504020204" pitchFamily="49" charset="0"/>
-                <a:cs typeface="Consolas" panose="020B0609020204030204" pitchFamily="49" charset="0"/>
-              </a:rPr>
-              <a:t>err,</a:t>
-            </a:r>
-            <a:r>
-              <a:rPr lang="en-US" sz="2200" b="1" dirty="0">
-                <a:solidFill>
-                  <a:schemeClr val="bg1"/>
-                </a:solidFill>
-                <a:latin typeface="Lucida Console" panose="020B0609040504020204" pitchFamily="49" charset="0"/>
-                <a:cs typeface="Consolas" panose="020B0609020204030204" pitchFamily="49" charset="0"/>
-              </a:rPr>
-              <a:t> </a:t>
-            </a:r>
-            <a:r>
-              <a:rPr lang="en-US" sz="2200" b="1" dirty="0">
-                <a:solidFill>
-                  <a:srgbClr val="FD971F"/>
-                </a:solidFill>
-                <a:latin typeface="Lucida Console" panose="020B0609040504020204" pitchFamily="49" charset="0"/>
-                <a:cs typeface="Consolas" panose="020B0609020204030204" pitchFamily="49" charset="0"/>
-              </a:rPr>
-              <a:t>data</a:t>
-            </a:r>
-            <a:r>
-              <a:rPr lang="en-US" sz="2200" b="1" dirty="0">
-                <a:solidFill>
-                  <a:schemeClr val="bg1"/>
-                </a:solidFill>
-                <a:latin typeface="Lucida Console" panose="020B0609040504020204" pitchFamily="49" charset="0"/>
-                <a:cs typeface="Consolas" panose="020B0609020204030204" pitchFamily="49" charset="0"/>
-              </a:rPr>
-              <a:t>) {</a:t>
-            </a:r>
-          </a:p>
-          <a:p>
-            <a:pPr marL="0" indent="0">
-              <a:buNone/>
-            </a:pPr>
-            <a:r>
-              <a:rPr lang="en-US" sz="2200" b="1" dirty="0">
-                <a:solidFill>
-                  <a:schemeClr val="bg1"/>
-                </a:solidFill>
-                <a:latin typeface="Lucida Console" panose="020B0609040504020204" pitchFamily="49" charset="0"/>
-                <a:cs typeface="Consolas" panose="020B0609020204030204" pitchFamily="49" charset="0"/>
-              </a:rPr>
-              <a:t>        </a:t>
-            </a:r>
-            <a:r>
-              <a:rPr lang="en-US" sz="2200" b="1" dirty="0">
-                <a:solidFill>
-                  <a:srgbClr val="F92672"/>
-                </a:solidFill>
-                <a:latin typeface="Lucida Console" panose="020B0609040504020204" pitchFamily="49" charset="0"/>
-                <a:cs typeface="Consolas" panose="020B0609020204030204" pitchFamily="49" charset="0"/>
-              </a:rPr>
-              <a:t>if</a:t>
-            </a:r>
-            <a:r>
-              <a:rPr lang="en-US" sz="2200" b="1" dirty="0">
-                <a:solidFill>
-                  <a:schemeClr val="bg1"/>
-                </a:solidFill>
-                <a:latin typeface="Lucida Console" panose="020B0609040504020204" pitchFamily="49" charset="0"/>
-                <a:cs typeface="Consolas" panose="020B0609020204030204" pitchFamily="49" charset="0"/>
-              </a:rPr>
-              <a:t> (err) {</a:t>
-            </a:r>
-          </a:p>
-          <a:p>
-            <a:pPr marL="0" indent="0">
-              <a:buNone/>
-            </a:pPr>
-            <a:r>
-              <a:rPr lang="en-US" sz="2200" b="1" dirty="0">
-                <a:solidFill>
-                  <a:schemeClr val="bg1"/>
-                </a:solidFill>
-                <a:latin typeface="Lucida Console" panose="020B0609040504020204" pitchFamily="49" charset="0"/>
-                <a:cs typeface="Consolas" panose="020B0609020204030204" pitchFamily="49" charset="0"/>
-              </a:rPr>
-              <a:t>            </a:t>
-            </a:r>
-            <a:r>
-              <a:rPr lang="en-US" sz="2200" b="1" dirty="0" err="1">
-                <a:solidFill>
-                  <a:schemeClr val="bg1"/>
-                </a:solidFill>
-                <a:latin typeface="Lucida Console" panose="020B0609040504020204" pitchFamily="49" charset="0"/>
-                <a:cs typeface="Consolas" panose="020B0609020204030204" pitchFamily="49" charset="0"/>
-              </a:rPr>
-              <a:t>res.statusCode</a:t>
-            </a:r>
-            <a:r>
-              <a:rPr lang="en-US" sz="2200" b="1" dirty="0">
-                <a:solidFill>
-                  <a:schemeClr val="bg1"/>
-                </a:solidFill>
-                <a:latin typeface="Lucida Console" panose="020B0609040504020204" pitchFamily="49" charset="0"/>
-                <a:cs typeface="Consolas" panose="020B0609020204030204" pitchFamily="49" charset="0"/>
-              </a:rPr>
-              <a:t> = </a:t>
-            </a:r>
-            <a:r>
-              <a:rPr lang="en-US" sz="2200" b="1" dirty="0">
-                <a:solidFill>
-                  <a:srgbClr val="AE81FF"/>
-                </a:solidFill>
-                <a:latin typeface="Lucida Console" panose="020B0609040504020204" pitchFamily="49" charset="0"/>
-                <a:cs typeface="Consolas" panose="020B0609020204030204" pitchFamily="49" charset="0"/>
-              </a:rPr>
-              <a:t>500</a:t>
-            </a:r>
-            <a:r>
-              <a:rPr lang="en-US" sz="2200" b="1" dirty="0">
-                <a:solidFill>
-                  <a:schemeClr val="bg1"/>
-                </a:solidFill>
-                <a:latin typeface="Lucida Console" panose="020B0609040504020204" pitchFamily="49" charset="0"/>
-                <a:cs typeface="Consolas" panose="020B0609020204030204" pitchFamily="49" charset="0"/>
-              </a:rPr>
-              <a:t>;</a:t>
-            </a:r>
-          </a:p>
-          <a:p>
-            <a:pPr marL="0" indent="0">
-              <a:buNone/>
-            </a:pPr>
-            <a:r>
-              <a:rPr lang="en-US" sz="2200" b="1" dirty="0">
-                <a:solidFill>
-                  <a:schemeClr val="bg1"/>
-                </a:solidFill>
-                <a:latin typeface="Lucida Console" panose="020B0609040504020204" pitchFamily="49" charset="0"/>
-                <a:cs typeface="Consolas" panose="020B0609020204030204" pitchFamily="49" charset="0"/>
-              </a:rPr>
-              <a:t>            </a:t>
-            </a:r>
-            <a:r>
-              <a:rPr lang="en-US" sz="2200" b="1" dirty="0" err="1" smtClean="0">
-                <a:solidFill>
-                  <a:schemeClr val="bg1"/>
-                </a:solidFill>
-                <a:latin typeface="Lucida Console" panose="020B0609040504020204" pitchFamily="49" charset="0"/>
-                <a:cs typeface="Consolas" panose="020B0609020204030204" pitchFamily="49" charset="0"/>
-              </a:rPr>
-              <a:t>res.</a:t>
-            </a:r>
-            <a:r>
-              <a:rPr lang="en-US" sz="2200" b="1" dirty="0" err="1" smtClean="0">
-                <a:solidFill>
-                  <a:srgbClr val="66D9EF"/>
-                </a:solidFill>
-                <a:latin typeface="Lucida Console" panose="020B0609040504020204" pitchFamily="49" charset="0"/>
-                <a:cs typeface="Consolas" panose="020B0609020204030204" pitchFamily="49" charset="0"/>
-              </a:rPr>
-              <a:t>end</a:t>
-            </a:r>
-            <a:r>
-              <a:rPr lang="en-US" sz="2200" b="1" dirty="0" smtClean="0">
-                <a:solidFill>
-                  <a:schemeClr val="bg1"/>
-                </a:solidFill>
-                <a:latin typeface="Lucida Console" panose="020B0609040504020204" pitchFamily="49" charset="0"/>
-                <a:cs typeface="Consolas" panose="020B0609020204030204" pitchFamily="49" charset="0"/>
-              </a:rPr>
-              <a:t>(</a:t>
-            </a:r>
-            <a:r>
-              <a:rPr lang="en-US" sz="2200" b="1" dirty="0" err="1" smtClean="0">
-                <a:solidFill>
-                  <a:schemeClr val="bg1"/>
-                </a:solidFill>
-                <a:latin typeface="Lucida Console" panose="020B0609040504020204" pitchFamily="49" charset="0"/>
-                <a:cs typeface="Consolas" panose="020B0609020204030204" pitchFamily="49" charset="0"/>
-              </a:rPr>
-              <a:t>err.</a:t>
-            </a:r>
-            <a:r>
-              <a:rPr lang="en-US" sz="2200" b="1" dirty="0" err="1" smtClean="0">
-                <a:solidFill>
-                  <a:srgbClr val="66D9EF"/>
-                </a:solidFill>
-                <a:latin typeface="Lucida Console" panose="020B0609040504020204" pitchFamily="49" charset="0"/>
-                <a:cs typeface="Consolas" panose="020B0609020204030204" pitchFamily="49" charset="0"/>
-              </a:rPr>
-              <a:t>toString</a:t>
-            </a:r>
-            <a:r>
-              <a:rPr lang="en-US" sz="2200" b="1" dirty="0" smtClean="0">
-                <a:solidFill>
-                  <a:schemeClr val="bg1"/>
-                </a:solidFill>
-                <a:latin typeface="Lucida Console" panose="020B0609040504020204" pitchFamily="49" charset="0"/>
-                <a:cs typeface="Consolas" panose="020B0609020204030204" pitchFamily="49" charset="0"/>
-              </a:rPr>
-              <a:t>());</a:t>
-            </a:r>
-            <a:endParaRPr lang="en-US" sz="2200" b="1" dirty="0">
+        </p:txBody>
+      </p:sp>
+      <p:sp>
+        <p:nvSpPr>
+          <p:cNvPr id="8" name="TextBox 7"/>
+          <p:cNvSpPr txBox="1"/>
+          <p:nvPr/>
+        </p:nvSpPr>
+        <p:spPr>
+          <a:xfrm>
+            <a:off x="914400" y="5326559"/>
+            <a:ext cx="7696200" cy="769441"/>
+          </a:xfrm>
+          <a:prstGeom prst="rect">
+            <a:avLst/>
+          </a:prstGeom>
+          <a:noFill/>
+        </p:spPr>
+        <p:txBody>
+          <a:bodyPr wrap="square" rtlCol="0">
+            <a:spAutoFit/>
+          </a:bodyPr>
+          <a:lstStyle/>
+          <a:p>
+            <a:r>
+              <a:rPr lang="en-US" sz="4400" dirty="0" smtClean="0">
+                <a:solidFill>
+                  <a:schemeClr val="bg1"/>
+                </a:solidFill>
+                <a:latin typeface="Proxima Nova Rg"/>
+              </a:rPr>
+              <a:t>Enable Real-Time</a:t>
+            </a:r>
+            <a:endParaRPr lang="en-US" sz="4400" dirty="0">
               <a:solidFill>
                 <a:schemeClr val="bg1"/>
               </a:solidFill>
-              <a:latin typeface="Lucida Console" panose="020B0609040504020204" pitchFamily="49" charset="0"/>
-              <a:cs typeface="Consolas" panose="020B0609020204030204" pitchFamily="49" charset="0"/>
+              <a:latin typeface="Proxima Nova Rg"/>
             </a:endParaRPr>
           </a:p>
-          <a:p>
-            <a:pPr marL="0" indent="0">
-              <a:buNone/>
-            </a:pPr>
-            <a:r>
-              <a:rPr lang="en-US" sz="2200" b="1" dirty="0">
-                <a:solidFill>
-                  <a:schemeClr val="bg1"/>
-                </a:solidFill>
-                <a:latin typeface="Lucida Console" panose="020B0609040504020204" pitchFamily="49" charset="0"/>
-                <a:cs typeface="Consolas" panose="020B0609020204030204" pitchFamily="49" charset="0"/>
-              </a:rPr>
-              <a:t>        } </a:t>
-            </a:r>
-            <a:endParaRPr lang="en-US" sz="2200" b="1" dirty="0" smtClean="0">
-              <a:solidFill>
-                <a:schemeClr val="bg1"/>
-              </a:solidFill>
-              <a:latin typeface="Lucida Console" panose="020B0609040504020204" pitchFamily="49" charset="0"/>
-              <a:cs typeface="Consolas" panose="020B0609020204030204" pitchFamily="49" charset="0"/>
-            </a:endParaRPr>
-          </a:p>
-          <a:p>
-            <a:pPr marL="0" indent="0">
-              <a:buNone/>
-            </a:pPr>
-            <a:r>
-              <a:rPr lang="en-US" sz="2200" b="1" dirty="0">
-                <a:solidFill>
-                  <a:schemeClr val="bg1"/>
-                </a:solidFill>
-                <a:latin typeface="Lucida Console" panose="020B0609040504020204" pitchFamily="49" charset="0"/>
-                <a:cs typeface="Consolas" panose="020B0609020204030204" pitchFamily="49" charset="0"/>
-              </a:rPr>
-              <a:t> </a:t>
-            </a:r>
-            <a:r>
-              <a:rPr lang="en-US" sz="2200" b="1" dirty="0" smtClean="0">
-                <a:solidFill>
-                  <a:schemeClr val="bg1"/>
-                </a:solidFill>
-                <a:latin typeface="Lucida Console" panose="020B0609040504020204" pitchFamily="49" charset="0"/>
-                <a:cs typeface="Consolas" panose="020B0609020204030204" pitchFamily="49" charset="0"/>
-              </a:rPr>
-              <a:t>       </a:t>
-            </a:r>
-            <a:r>
-              <a:rPr lang="en-US" sz="2200" b="1" dirty="0" smtClean="0">
-                <a:solidFill>
-                  <a:srgbClr val="F92672"/>
-                </a:solidFill>
-                <a:latin typeface="Lucida Console" panose="020B0609040504020204" pitchFamily="49" charset="0"/>
-                <a:cs typeface="Consolas" panose="020B0609020204030204" pitchFamily="49" charset="0"/>
-              </a:rPr>
-              <a:t>else</a:t>
-            </a:r>
-            <a:r>
-              <a:rPr lang="en-US" sz="2200" b="1" dirty="0" smtClean="0">
-                <a:solidFill>
-                  <a:schemeClr val="bg1"/>
-                </a:solidFill>
-                <a:latin typeface="Lucida Console" panose="020B0609040504020204" pitchFamily="49" charset="0"/>
-                <a:cs typeface="Consolas" panose="020B0609020204030204" pitchFamily="49" charset="0"/>
-              </a:rPr>
-              <a:t> </a:t>
-            </a:r>
-            <a:r>
-              <a:rPr lang="en-US" sz="2200" b="1" dirty="0" err="1" smtClean="0">
-                <a:solidFill>
-                  <a:schemeClr val="bg1"/>
-                </a:solidFill>
-                <a:latin typeface="Lucida Console" panose="020B0609040504020204" pitchFamily="49" charset="0"/>
-                <a:cs typeface="Consolas" panose="020B0609020204030204" pitchFamily="49" charset="0"/>
-              </a:rPr>
-              <a:t>res.end</a:t>
-            </a:r>
-            <a:r>
-              <a:rPr lang="en-US" sz="2200" b="1" dirty="0" smtClean="0">
-                <a:solidFill>
-                  <a:schemeClr val="bg1"/>
-                </a:solidFill>
-                <a:latin typeface="Lucida Console" panose="020B0609040504020204" pitchFamily="49" charset="0"/>
-                <a:cs typeface="Consolas" panose="020B0609020204030204" pitchFamily="49" charset="0"/>
-              </a:rPr>
-              <a:t>(data); </a:t>
-            </a:r>
-          </a:p>
-          <a:p>
-            <a:pPr marL="0" indent="0">
-              <a:buNone/>
-            </a:pPr>
-            <a:r>
-              <a:rPr lang="en-US" sz="2200" b="1" dirty="0">
-                <a:solidFill>
-                  <a:schemeClr val="bg1"/>
-                </a:solidFill>
-                <a:latin typeface="Lucida Console" panose="020B0609040504020204" pitchFamily="49" charset="0"/>
-                <a:cs typeface="Consolas" panose="020B0609020204030204" pitchFamily="49" charset="0"/>
-              </a:rPr>
-              <a:t> </a:t>
-            </a:r>
-            <a:r>
-              <a:rPr lang="en-US" sz="2200" b="1" dirty="0" smtClean="0">
-                <a:solidFill>
-                  <a:schemeClr val="bg1"/>
-                </a:solidFill>
-                <a:latin typeface="Lucida Console" panose="020B0609040504020204" pitchFamily="49" charset="0"/>
-                <a:cs typeface="Consolas" panose="020B0609020204030204" pitchFamily="49" charset="0"/>
-              </a:rPr>
-              <a:t>   });</a:t>
-            </a:r>
-            <a:endParaRPr lang="en-US" sz="2200" b="1" dirty="0">
-              <a:solidFill>
-                <a:schemeClr val="bg1"/>
-              </a:solidFill>
-              <a:latin typeface="Lucida Console" panose="020B0609040504020204" pitchFamily="49" charset="0"/>
-              <a:cs typeface="Consolas" panose="020B0609020204030204" pitchFamily="49" charset="0"/>
-            </a:endParaRPr>
-          </a:p>
-          <a:p>
-            <a:pPr marL="0" indent="0">
-              <a:buNone/>
-            </a:pPr>
-            <a:r>
-              <a:rPr lang="en-US" sz="2200" b="1" dirty="0">
-                <a:solidFill>
-                  <a:schemeClr val="bg1"/>
-                </a:solidFill>
-                <a:latin typeface="Lucida Console" panose="020B0609040504020204" pitchFamily="49" charset="0"/>
-                <a:cs typeface="Consolas" panose="020B0609020204030204" pitchFamily="49" charset="0"/>
-              </a:rPr>
-              <a:t>});</a:t>
-            </a:r>
-          </a:p>
         </p:txBody>
       </p:sp>
     </p:spTree>
+    <p:extLst>
+      <p:ext uri="{BB962C8B-B14F-4D97-AF65-F5344CB8AC3E}">
+        <p14:creationId xmlns:p14="http://schemas.microsoft.com/office/powerpoint/2010/main" val="8189496"/>
+      </p:ext>
+    </p:extLst>
   </p:cSld>
   <p:clrMapOvr>
     <a:masterClrMapping/>
   </p:clrMapOvr>
+  <p:timing>
+    <p:tnLst>
+      <p:par>
+        <p:cTn id="1" dur="indefinite" restart="never" nodeType="tmRoot"/>
+      </p:par>
+    </p:tnLst>
+  </p:timing>
 </p:sld>
 </file>
 
@@ -7207,14 +6658,14 @@
       </p:grpSpPr>
       <p:pic>
         <p:nvPicPr>
-          <p:cNvPr id="5" name="Picture 4"/>
+          <p:cNvPr id="4" name="Picture 3"/>
           <p:cNvPicPr>
             <a:picLocks noChangeAspect="1"/>
           </p:cNvPicPr>
           <p:nvPr/>
         </p:nvPicPr>
         <p:blipFill>
-          <a:blip r:embed="rId3" cstate="print"/>
+          <a:blip r:embed="rId2" cstate="print"/>
           <a:stretch>
             <a:fillRect/>
           </a:stretch>
@@ -7252,7 +6703,7 @@
                 </a:solidFill>
                 <a:latin typeface="Proxima Nova Rg" panose="02000506030000020004" pitchFamily="2" charset="0"/>
               </a:rPr>
-              <a:t>Why not?</a:t>
+              <a:t>Why Use Streams?</a:t>
             </a:r>
             <a:endParaRPr lang="en-US" dirty="0">
               <a:solidFill>
@@ -7289,7 +6740,7 @@
               <a:buNone/>
             </a:pPr>
             <a:r>
-              <a:rPr lang="en-US" sz="2200" b="1" dirty="0" err="1">
+              <a:rPr lang="en-US" sz="2200" b="1" dirty="0" err="1" smtClean="0">
                 <a:solidFill>
                   <a:srgbClr val="66D9EF"/>
                 </a:solidFill>
@@ -7299,7 +6750,7 @@
               <a:t>var</a:t>
             </a:r>
             <a:r>
-              <a:rPr lang="en-US" sz="2200" b="1" dirty="0">
+              <a:rPr lang="en-US" sz="2200" b="1" dirty="0" smtClean="0">
                 <a:solidFill>
                   <a:srgbClr val="66D9EF"/>
                 </a:solidFill>
@@ -7309,7 +6760,7 @@
               <a:t> </a:t>
             </a:r>
             <a:r>
-              <a:rPr lang="en-US" sz="2200" b="1" dirty="0">
+              <a:rPr lang="en-US" sz="2200" b="1" dirty="0" smtClean="0">
                 <a:solidFill>
                   <a:schemeClr val="bg1"/>
                 </a:solidFill>
@@ -7319,7 +6770,7 @@
               <a:t>http = require(</a:t>
             </a:r>
             <a:r>
-              <a:rPr lang="en-US" sz="2200" b="1" dirty="0">
+              <a:rPr lang="en-US" sz="2200" b="1" dirty="0" smtClean="0">
                 <a:solidFill>
                   <a:srgbClr val="E6DB74"/>
                 </a:solidFill>
@@ -7329,7 +6780,7 @@
               <a:t>'http'</a:t>
             </a:r>
             <a:r>
-              <a:rPr lang="en-US" sz="2200" b="1" dirty="0">
+              <a:rPr lang="en-US" sz="2200" b="1" dirty="0" smtClean="0">
                 <a:solidFill>
                   <a:schemeClr val="bg1"/>
                 </a:solidFill>
@@ -7351,10 +6802,20 @@
                 <a:latin typeface="Lucida Console" panose="020B0609040504020204" pitchFamily="49" charset="0"/>
                 <a:cs typeface="Consolas" panose="020B0609020204030204" pitchFamily="49" charset="0"/>
               </a:rPr>
-              <a:t>    </a:t>
-            </a:r>
-            <a:r>
-              <a:rPr lang="en-US" sz="2200" b="1" dirty="0" err="1">
+              <a:t> </a:t>
+            </a:r>
+            <a:r>
+              <a:rPr lang="en-US" sz="2200" b="1" dirty="0" smtClean="0">
+                <a:solidFill>
+                  <a:schemeClr val="bg1"/>
+                </a:solidFill>
+                <a:latin typeface="Lucida Console" panose="020B0609040504020204" pitchFamily="49" charset="0"/>
+                <a:cs typeface="Consolas" panose="020B0609020204030204" pitchFamily="49" charset="0"/>
+              </a:rPr>
+              <a:t>   </a:t>
+            </a:r>
+            <a:r>
+              <a:rPr lang="en-US" sz="2200" b="1" dirty="0" err="1" smtClean="0">
                 <a:solidFill>
                   <a:schemeClr val="bg1"/>
                 </a:solidFill>
@@ -7364,7 +6825,7 @@
               <a:t>fs</a:t>
             </a:r>
             <a:r>
-              <a:rPr lang="en-US" sz="2200" b="1" dirty="0">
+              <a:rPr lang="en-US" sz="2200" b="1" dirty="0" smtClean="0">
                 <a:solidFill>
                   <a:schemeClr val="bg1"/>
                 </a:solidFill>
@@ -7374,7 +6835,7 @@
               <a:t> = require(</a:t>
             </a:r>
             <a:r>
-              <a:rPr lang="en-US" sz="2200" b="1" dirty="0">
+              <a:rPr lang="en-US" sz="2200" b="1" dirty="0" smtClean="0">
                 <a:solidFill>
                   <a:srgbClr val="E6DB74"/>
                 </a:solidFill>
@@ -7384,7 +6845,7 @@
               <a:t>'</a:t>
             </a:r>
             <a:r>
-              <a:rPr lang="en-US" sz="2200" b="1" dirty="0" err="1">
+              <a:rPr lang="en-US" sz="2200" b="1" dirty="0" err="1" smtClean="0">
                 <a:solidFill>
                   <a:srgbClr val="E6DB74"/>
                 </a:solidFill>
@@ -7394,7 +6855,7 @@
               <a:t>fs</a:t>
             </a:r>
             <a:r>
-              <a:rPr lang="en-US" sz="2200" b="1" dirty="0">
+              <a:rPr lang="en-US" sz="2200" b="1" dirty="0" smtClean="0">
                 <a:solidFill>
                   <a:srgbClr val="E6DB74"/>
                 </a:solidFill>
@@ -7404,7 +6865,7 @@
               <a:t>'</a:t>
             </a:r>
             <a:r>
-              <a:rPr lang="en-US" sz="2200" b="1" dirty="0">
+              <a:rPr lang="en-US" sz="2200" b="1" dirty="0" smtClean="0">
                 <a:solidFill>
                   <a:schemeClr val="bg1"/>
                 </a:solidFill>
@@ -7431,7 +6892,7 @@
               <a:buNone/>
             </a:pPr>
             <a:r>
-              <a:rPr lang="en-US" sz="2200" b="1" dirty="0" err="1">
+              <a:rPr lang="en-US" sz="2200" b="1" dirty="0" err="1" smtClean="0">
                 <a:solidFill>
                   <a:schemeClr val="bg1"/>
                 </a:solidFill>
@@ -7441,7 +6902,7 @@
               <a:t>http.</a:t>
             </a:r>
             <a:r>
-              <a:rPr lang="en-US" sz="2200" b="1" dirty="0" err="1">
+              <a:rPr lang="en-US" sz="2200" b="1" dirty="0" err="1" smtClean="0">
                 <a:solidFill>
                   <a:srgbClr val="66D9EF"/>
                 </a:solidFill>
@@ -7451,6 +6912,36 @@
               <a:t>createServer</a:t>
             </a:r>
             <a:r>
+              <a:rPr lang="en-US" sz="2200" b="1" dirty="0" smtClean="0">
+                <a:solidFill>
+                  <a:schemeClr val="bg1"/>
+                </a:solidFill>
+                <a:latin typeface="Lucida Console" panose="020B0609040504020204" pitchFamily="49" charset="0"/>
+                <a:cs typeface="Consolas" panose="020B0609020204030204" pitchFamily="49" charset="0"/>
+              </a:rPr>
+              <a:t>( </a:t>
+            </a:r>
+            <a:r>
+              <a:rPr lang="en-US" sz="2200" b="1" dirty="0" smtClean="0">
+                <a:solidFill>
+                  <a:srgbClr val="66D9EF"/>
+                </a:solidFill>
+                <a:latin typeface="Lucida Console" panose="020B0609040504020204" pitchFamily="49" charset="0"/>
+                <a:cs typeface="Consolas" panose="020B0609020204030204" pitchFamily="49" charset="0"/>
+              </a:rPr>
+              <a:t>function</a:t>
+            </a:r>
+            <a:r>
+              <a:rPr lang="en-US" sz="2200" b="1" dirty="0" smtClean="0">
+                <a:solidFill>
+                  <a:schemeClr val="bg1"/>
+                </a:solidFill>
+                <a:latin typeface="Lucida Console" panose="020B0609040504020204" pitchFamily="49" charset="0"/>
+                <a:cs typeface="Consolas" panose="020B0609020204030204" pitchFamily="49" charset="0"/>
+              </a:rPr>
+              <a:t> </a:t>
+            </a:r>
+            <a:r>
               <a:rPr lang="en-US" sz="2200" b="1" dirty="0">
                 <a:solidFill>
                   <a:schemeClr val="bg1"/>
@@ -7458,7 +6949,7 @@
                 <a:latin typeface="Lucida Console" panose="020B0609040504020204" pitchFamily="49" charset="0"/>
                 <a:cs typeface="Consolas" panose="020B0609020204030204" pitchFamily="49" charset="0"/>
               </a:rPr>
-              <a:t>(function (</a:t>
+              <a:t>(</a:t>
             </a:r>
             <a:r>
               <a:rPr lang="en-US" sz="2200" b="1" dirty="0" err="1">
@@ -7508,42 +6999,102 @@
             <a:r>
               <a:rPr lang="en-US" sz="2200" b="1" dirty="0" err="1">
                 <a:solidFill>
+                  <a:schemeClr val="bg1"/>
+                </a:solidFill>
+                <a:latin typeface="Lucida Console" panose="020B0609040504020204" pitchFamily="49" charset="0"/>
+                <a:cs typeface="Consolas" panose="020B0609020204030204" pitchFamily="49" charset="0"/>
+              </a:rPr>
+              <a:t>fs.</a:t>
+            </a:r>
+            <a:r>
+              <a:rPr lang="en-US" sz="2200" b="1" dirty="0" err="1">
+                <a:solidFill>
                   <a:srgbClr val="66D9EF"/>
                 </a:solidFill>
                 <a:latin typeface="Lucida Console" panose="020B0609040504020204" pitchFamily="49" charset="0"/>
                 <a:cs typeface="Consolas" panose="020B0609020204030204" pitchFamily="49" charset="0"/>
               </a:rPr>
-              <a:t>var</a:t>
+              <a:t>readFile</a:t>
             </a:r>
             <a:r>
               <a:rPr lang="en-US" sz="2200" b="1" dirty="0">
                 <a:solidFill>
+                  <a:schemeClr val="bg1"/>
+                </a:solidFill>
+                <a:latin typeface="Lucida Console" panose="020B0609040504020204" pitchFamily="49" charset="0"/>
+                <a:cs typeface="Consolas" panose="020B0609020204030204" pitchFamily="49" charset="0"/>
+              </a:rPr>
+              <a:t>(</a:t>
+            </a:r>
+            <a:r>
+              <a:rPr lang="en-US" sz="2200" b="1" dirty="0">
+                <a:solidFill>
+                  <a:srgbClr val="E6DB74"/>
+                </a:solidFill>
+                <a:latin typeface="Lucida Console" panose="020B0609040504020204" pitchFamily="49" charset="0"/>
+                <a:cs typeface="Consolas" panose="020B0609020204030204" pitchFamily="49" charset="0"/>
+              </a:rPr>
+              <a:t>'file.txt'</a:t>
+            </a:r>
+            <a:r>
+              <a:rPr lang="en-US" sz="2200" b="1" dirty="0">
+                <a:solidFill>
+                  <a:schemeClr val="bg1"/>
+                </a:solidFill>
+                <a:latin typeface="Lucida Console" panose="020B0609040504020204" pitchFamily="49" charset="0"/>
+                <a:cs typeface="Consolas" panose="020B0609020204030204" pitchFamily="49" charset="0"/>
+              </a:rPr>
+              <a:t>, </a:t>
+            </a:r>
+            <a:r>
+              <a:rPr lang="en-US" sz="2200" b="1" dirty="0">
+                <a:solidFill>
                   <a:srgbClr val="66D9EF"/>
                 </a:solidFill>
                 <a:latin typeface="Lucida Console" panose="020B0609040504020204" pitchFamily="49" charset="0"/>
                 <a:cs typeface="Consolas" panose="020B0609020204030204" pitchFamily="49" charset="0"/>
               </a:rPr>
+              <a:t>function </a:t>
+            </a:r>
+            <a:r>
+              <a:rPr lang="en-US" sz="2200" b="1" dirty="0">
+                <a:solidFill>
+                  <a:schemeClr val="bg1"/>
+                </a:solidFill>
+                <a:latin typeface="Lucida Console" panose="020B0609040504020204" pitchFamily="49" charset="0"/>
+                <a:cs typeface="Consolas" panose="020B0609020204030204" pitchFamily="49" charset="0"/>
+              </a:rPr>
+              <a:t>(</a:t>
+            </a:r>
+            <a:r>
+              <a:rPr lang="en-US" sz="2200" b="1" dirty="0">
+                <a:solidFill>
+                  <a:srgbClr val="FD971F"/>
+                </a:solidFill>
+                <a:latin typeface="Lucida Console" panose="020B0609040504020204" pitchFamily="49" charset="0"/>
+                <a:cs typeface="Consolas" panose="020B0609020204030204" pitchFamily="49" charset="0"/>
+              </a:rPr>
+              <a:t>err,</a:t>
+            </a:r>
+            <a:r>
+              <a:rPr lang="en-US" sz="2200" b="1" dirty="0">
+                <a:solidFill>
+                  <a:schemeClr val="bg1"/>
+                </a:solidFill>
+                <a:latin typeface="Lucida Console" panose="020B0609040504020204" pitchFamily="49" charset="0"/>
+                <a:cs typeface="Consolas" panose="020B0609020204030204" pitchFamily="49" charset="0"/>
+              </a:rPr>
               <a:t> </a:t>
             </a:r>
             <a:r>
               <a:rPr lang="en-US" sz="2200" b="1" dirty="0">
                 <a:solidFill>
-                  <a:schemeClr val="bg1"/>
-                </a:solidFill>
-                <a:latin typeface="Lucida Console" panose="020B0609040504020204" pitchFamily="49" charset="0"/>
-                <a:cs typeface="Consolas" panose="020B0609020204030204" pitchFamily="49" charset="0"/>
-              </a:rPr>
-              <a:t>s = </a:t>
-            </a:r>
-            <a:r>
-              <a:rPr lang="en-US" sz="2200" b="1" dirty="0" err="1">
-                <a:solidFill>
-                  <a:schemeClr val="bg1"/>
-                </a:solidFill>
-                <a:latin typeface="Lucida Console" panose="020B0609040504020204" pitchFamily="49" charset="0"/>
-                <a:cs typeface="Consolas" panose="020B0609020204030204" pitchFamily="49" charset="0"/>
-              </a:rPr>
-              <a:t>fs.createReadStream</a:t>
+                  <a:srgbClr val="FD971F"/>
+                </a:solidFill>
+                <a:latin typeface="Lucida Console" panose="020B0609040504020204" pitchFamily="49" charset="0"/>
+                <a:cs typeface="Consolas" panose="020B0609020204030204" pitchFamily="49" charset="0"/>
+              </a:rPr>
+              <a:t>data</a:t>
             </a:r>
             <a:r>
               <a:rPr lang="en-US" sz="2200" b="1" dirty="0">
@@ -7553,27 +7104,7 @@
                 <a:latin typeface="Lucida Console" panose="020B0609040504020204" pitchFamily="49" charset="0"/>
                 <a:cs typeface="Consolas" panose="020B0609020204030204" pitchFamily="49" charset="0"/>
               </a:rPr>
-              <a:t>(</a:t>
-            </a:r>
-            <a:r>
-              <a:rPr lang="en-US" sz="2200" b="1" dirty="0">
-                <a:solidFill>
-                  <a:srgbClr val="E6DB74"/>
-                </a:solidFill>
-                <a:latin typeface="Lucida Console" panose="020B0609040504020204" pitchFamily="49" charset="0"/>
-                <a:cs typeface="Consolas" panose="020B0609020204030204" pitchFamily="49" charset="0"/>
-              </a:rPr>
-              <a:t>'file.txt'</a:t>
-            </a:r>
-            <a:r>
-              <a:rPr lang="en-US" sz="2200" b="1" dirty="0">
-                <a:solidFill>
-                  <a:schemeClr val="bg1"/>
-                </a:solidFill>
-                <a:latin typeface="Lucida Console" panose="020B0609040504020204" pitchFamily="49" charset="0"/>
-                <a:cs typeface="Consolas" panose="020B0609020204030204" pitchFamily="49" charset="0"/>
-              </a:rPr>
-              <a:t>);</a:t>
+              <a:t>) {</a:t>
             </a:r>
           </a:p>
           <a:p>
@@ -7588,57 +7119,27 @@
                 <a:latin typeface="Lucida Console" panose="020B0609040504020204" pitchFamily="49" charset="0"/>
                 <a:cs typeface="Consolas" panose="020B0609020204030204" pitchFamily="49" charset="0"/>
               </a:rPr>
-              <a:t>    </a:t>
-            </a:r>
-            <a:r>
-              <a:rPr lang="en-US" sz="2200" b="1" dirty="0" err="1">
-                <a:solidFill>
-                  <a:schemeClr val="bg1"/>
-                </a:solidFill>
-                <a:latin typeface="Lucida Console" panose="020B0609040504020204" pitchFamily="49" charset="0"/>
-                <a:cs typeface="Consolas" panose="020B0609020204030204" pitchFamily="49" charset="0"/>
-              </a:rPr>
-              <a:t>s.</a:t>
-            </a:r>
-            <a:r>
-              <a:rPr lang="en-US" sz="2200" b="1" dirty="0" err="1">
-                <a:solidFill>
-                  <a:srgbClr val="66D9EF"/>
-                </a:solidFill>
-                <a:latin typeface="Lucida Console" panose="020B0609040504020204" pitchFamily="49" charset="0"/>
-                <a:cs typeface="Consolas" panose="020B0609020204030204" pitchFamily="49" charset="0"/>
-              </a:rPr>
-              <a:t>on</a:t>
+              <a:t>        </a:t>
             </a:r>
             <a:r>
               <a:rPr lang="en-US" sz="2200" b="1" dirty="0">
                 <a:solidFill>
-                  <a:schemeClr val="bg1"/>
-                </a:solidFill>
-                <a:latin typeface="Lucida Console" panose="020B0609040504020204" pitchFamily="49" charset="0"/>
-                <a:cs typeface="Consolas" panose="020B0609020204030204" pitchFamily="49" charset="0"/>
-              </a:rPr>
-              <a:t>(</a:t>
+                  <a:srgbClr val="F92672"/>
+                </a:solidFill>
+                <a:latin typeface="Lucida Console" panose="020B0609040504020204" pitchFamily="49" charset="0"/>
+                <a:cs typeface="Consolas" panose="020B0609020204030204" pitchFamily="49" charset="0"/>
+              </a:rPr>
+              <a:t>if</a:t>
             </a:r>
             <a:r>
               <a:rPr lang="en-US" sz="2200" b="1" dirty="0">
                 <a:solidFill>
-                  <a:srgbClr val="E6DB74"/>
-                </a:solidFill>
-                <a:latin typeface="Lucida Console" panose="020B0609040504020204" pitchFamily="49" charset="0"/>
-                <a:cs typeface="Consolas" panose="020B0609020204030204" pitchFamily="49" charset="0"/>
-              </a:rPr>
-              <a:t>'error'</a:t>
-            </a:r>
-            <a:r>
-              <a:rPr lang="en-US" sz="2200" b="1" dirty="0">
-                <a:solidFill>
-                  <a:schemeClr val="bg1"/>
-                </a:solidFill>
-                <a:latin typeface="Lucida Console" panose="020B0609040504020204" pitchFamily="49" charset="0"/>
-                <a:cs typeface="Consolas" panose="020B0609020204030204" pitchFamily="49" charset="0"/>
-              </a:rPr>
-              <a:t>, function () {</a:t>
+                  <a:schemeClr val="bg1"/>
+                </a:solidFill>
+                <a:latin typeface="Lucida Console" panose="020B0609040504020204" pitchFamily="49" charset="0"/>
+                <a:cs typeface="Consolas" panose="020B0609020204030204" pitchFamily="49" charset="0"/>
+              </a:rPr>
+              <a:t> (err) {</a:t>
             </a:r>
           </a:p>
           <a:p>
@@ -7653,7 +7154,7 @@
                 <a:latin typeface="Lucida Console" panose="020B0609040504020204" pitchFamily="49" charset="0"/>
                 <a:cs typeface="Consolas" panose="020B0609020204030204" pitchFamily="49" charset="0"/>
               </a:rPr>
-              <a:t>        </a:t>
+              <a:t>            </a:t>
             </a:r>
             <a:r>
               <a:rPr lang="en-US" sz="2200" b="1" dirty="0" err="1">
@@ -7708,20 +7209,30 @@
                 <a:latin typeface="Lucida Console" panose="020B0609040504020204" pitchFamily="49" charset="0"/>
                 <a:cs typeface="Consolas" panose="020B0609020204030204" pitchFamily="49" charset="0"/>
               </a:rPr>
-              <a:t>        </a:t>
-            </a:r>
-            <a:r>
-              <a:rPr lang="en-US" sz="2200" b="1" dirty="0" err="1">
-                <a:solidFill>
-                  <a:schemeClr val="bg1"/>
-                </a:solidFill>
-                <a:latin typeface="Lucida Console" panose="020B0609040504020204" pitchFamily="49" charset="0"/>
-                <a:cs typeface="Consolas" panose="020B0609020204030204" pitchFamily="49" charset="0"/>
-              </a:rPr>
-              <a:t>res.end</a:t>
-            </a:r>
-            <a:r>
-              <a:rPr lang="en-US" sz="2200" b="1" dirty="0">
+              <a:t>            </a:t>
+            </a:r>
+            <a:r>
+              <a:rPr lang="en-US" sz="2200" b="1" dirty="0" err="1" smtClean="0">
+                <a:solidFill>
+                  <a:schemeClr val="bg1"/>
+                </a:solidFill>
+                <a:latin typeface="Lucida Console" panose="020B0609040504020204" pitchFamily="49" charset="0"/>
+                <a:cs typeface="Consolas" panose="020B0609020204030204" pitchFamily="49" charset="0"/>
+              </a:rPr>
+              <a:t>res.</a:t>
+            </a:r>
+            <a:r>
+              <a:rPr lang="en-US" sz="2200" b="1" dirty="0" err="1" smtClean="0">
+                <a:solidFill>
+                  <a:srgbClr val="66D9EF"/>
+                </a:solidFill>
+                <a:latin typeface="Lucida Console" panose="020B0609040504020204" pitchFamily="49" charset="0"/>
+                <a:cs typeface="Consolas" panose="020B0609020204030204" pitchFamily="49" charset="0"/>
+              </a:rPr>
+              <a:t>end</a:t>
+            </a:r>
+            <a:r>
+              <a:rPr lang="en-US" sz="2200" b="1" dirty="0" smtClean="0">
                 <a:solidFill>
                   <a:schemeClr val="bg1"/>
                 </a:solidFill>
@@ -7731,17 +7242,27 @@
               <a:t>(</a:t>
             </a:r>
             <a:r>
-              <a:rPr lang="en-US" sz="2200" b="1" dirty="0" err="1">
-                <a:solidFill>
-                  <a:schemeClr val="bg1"/>
-                </a:solidFill>
-                <a:latin typeface="Lucida Console" panose="020B0609040504020204" pitchFamily="49" charset="0"/>
-                <a:cs typeface="Consolas" panose="020B0609020204030204" pitchFamily="49" charset="0"/>
-              </a:rPr>
-              <a:t>err.toString</a:t>
-            </a:r>
-            <a:r>
-              <a:rPr lang="en-US" sz="2200" b="1" dirty="0">
+              <a:rPr lang="en-US" sz="2200" b="1" dirty="0" err="1" smtClean="0">
+                <a:solidFill>
+                  <a:schemeClr val="bg1"/>
+                </a:solidFill>
+                <a:latin typeface="Lucida Console" panose="020B0609040504020204" pitchFamily="49" charset="0"/>
+                <a:cs typeface="Consolas" panose="020B0609020204030204" pitchFamily="49" charset="0"/>
+              </a:rPr>
+              <a:t>err.</a:t>
+            </a:r>
+            <a:r>
+              <a:rPr lang="en-US" sz="2200" b="1" dirty="0" err="1" smtClean="0">
+                <a:solidFill>
+                  <a:srgbClr val="66D9EF"/>
+                </a:solidFill>
+                <a:latin typeface="Lucida Console" panose="020B0609040504020204" pitchFamily="49" charset="0"/>
+                <a:cs typeface="Consolas" panose="020B0609020204030204" pitchFamily="49" charset="0"/>
+              </a:rPr>
+              <a:t>toString</a:t>
+            </a:r>
+            <a:r>
+              <a:rPr lang="en-US" sz="2200" b="1" dirty="0" smtClean="0">
                 <a:solidFill>
                   <a:schemeClr val="bg1"/>
                 </a:solidFill>
@@ -7750,26 +7271,6 @@
               </a:rPr>
               <a:t>());</a:t>
             </a:r>
-          </a:p>
-          <a:p>
-            <a:pPr marL="0" indent="0">
-              <a:buNone/>
-            </a:pPr>
-            <a:r>
-              <a:rPr lang="en-US" sz="2200" b="1" dirty="0">
-                <a:solidFill>
-                  <a:schemeClr val="bg1"/>
-                </a:solidFill>
-                <a:latin typeface="Lucida Console" panose="020B0609040504020204" pitchFamily="49" charset="0"/>
-                <a:cs typeface="Consolas" panose="020B0609020204030204" pitchFamily="49" charset="0"/>
-              </a:rPr>
-              <a:t>    };</a:t>
-            </a:r>
-          </a:p>
-          <a:p>
-            <a:pPr marL="0" indent="0">
-              <a:buNone/>
-            </a:pPr>
             <a:endParaRPr lang="en-US" sz="2200" b="1" dirty="0">
               <a:solidFill>
                 <a:schemeClr val="bg1"/>
@@ -7790,48 +7291,15 @@
                 <a:latin typeface="Lucida Console" panose="020B0609040504020204" pitchFamily="49" charset="0"/>
                 <a:cs typeface="Consolas" panose="020B0609020204030204" pitchFamily="49" charset="0"/>
               </a:rPr>
-              <a:t>    </a:t>
-            </a:r>
-            <a:r>
-              <a:rPr lang="en-US" sz="2200" b="1" dirty="0" err="1" smtClean="0">
-                <a:solidFill>
-                  <a:schemeClr val="bg1"/>
-                </a:solidFill>
-                <a:latin typeface="Lucida Console" panose="020B0609040504020204" pitchFamily="49" charset="0"/>
-                <a:cs typeface="Consolas" panose="020B0609020204030204" pitchFamily="49" charset="0"/>
-              </a:rPr>
-              <a:t>s.</a:t>
-            </a:r>
-            <a:r>
-              <a:rPr lang="en-US" sz="2200" b="1" dirty="0" err="1" smtClean="0">
-                <a:solidFill>
-                  <a:srgbClr val="66D9EF"/>
-                </a:solidFill>
-                <a:latin typeface="Lucida Console" panose="020B0609040504020204" pitchFamily="49" charset="0"/>
-                <a:cs typeface="Consolas" panose="020B0609020204030204" pitchFamily="49" charset="0"/>
-              </a:rPr>
-              <a:t>pipe</a:t>
-            </a:r>
-            <a:r>
-              <a:rPr lang="en-US" sz="2200" b="1" dirty="0" smtClean="0">
-                <a:solidFill>
-                  <a:schemeClr val="bg1"/>
-                </a:solidFill>
-                <a:latin typeface="Lucida Console" panose="020B0609040504020204" pitchFamily="49" charset="0"/>
-                <a:cs typeface="Consolas" panose="020B0609020204030204" pitchFamily="49" charset="0"/>
-              </a:rPr>
-              <a:t>(res</a:t>
-            </a:r>
-            <a:r>
-              <a:rPr lang="en-US" sz="2200" b="1" dirty="0">
-                <a:solidFill>
-                  <a:schemeClr val="bg1"/>
-                </a:solidFill>
-                <a:latin typeface="Lucida Console" panose="020B0609040504020204" pitchFamily="49" charset="0"/>
-                <a:cs typeface="Consolas" panose="020B0609020204030204" pitchFamily="49" charset="0"/>
-              </a:rPr>
-              <a:t>);</a:t>
-            </a:r>
+              <a:t>        } </a:t>
+            </a:r>
+            <a:endParaRPr lang="en-US" sz="2200" b="1" dirty="0" smtClean="0">
+              <a:solidFill>
+                <a:schemeClr val="bg1"/>
+              </a:solidFill>
+              <a:latin typeface="Lucida Console" panose="020B0609040504020204" pitchFamily="49" charset="0"/>
+              <a:cs typeface="Consolas" panose="020B0609020204030204" pitchFamily="49" charset="0"/>
+            </a:endParaRPr>
           </a:p>
           <a:p>
             <a:pPr marL="0" indent="0">
@@ -7845,17 +7313,109 @@
                 <a:latin typeface="Lucida Console" panose="020B0609040504020204" pitchFamily="49" charset="0"/>
                 <a:cs typeface="Consolas" panose="020B0609020204030204" pitchFamily="49" charset="0"/>
               </a:rPr>
+              <a:t> </a:t>
+            </a:r>
+            <a:r>
+              <a:rPr lang="en-US" sz="2200" b="1" dirty="0" smtClean="0">
+                <a:solidFill>
+                  <a:schemeClr val="bg1"/>
+                </a:solidFill>
+                <a:latin typeface="Lucida Console" panose="020B0609040504020204" pitchFamily="49" charset="0"/>
+                <a:cs typeface="Consolas" panose="020B0609020204030204" pitchFamily="49" charset="0"/>
+              </a:rPr>
+              <a:t>       </a:t>
+            </a:r>
+            <a:r>
+              <a:rPr lang="en-US" sz="2200" b="1" dirty="0" smtClean="0">
+                <a:solidFill>
+                  <a:srgbClr val="F92672"/>
+                </a:solidFill>
+                <a:latin typeface="Lucida Console" panose="020B0609040504020204" pitchFamily="49" charset="0"/>
+                <a:cs typeface="Consolas" panose="020B0609020204030204" pitchFamily="49" charset="0"/>
+              </a:rPr>
+              <a:t>else</a:t>
+            </a:r>
+            <a:r>
+              <a:rPr lang="en-US" sz="2200" b="1" dirty="0" smtClean="0">
+                <a:solidFill>
+                  <a:schemeClr val="bg1"/>
+                </a:solidFill>
+                <a:latin typeface="Lucida Console" panose="020B0609040504020204" pitchFamily="49" charset="0"/>
+                <a:cs typeface="Consolas" panose="020B0609020204030204" pitchFamily="49" charset="0"/>
+              </a:rPr>
+              <a:t> </a:t>
+            </a:r>
+            <a:r>
+              <a:rPr lang="en-US" sz="2200" b="1" dirty="0" err="1" smtClean="0">
+                <a:solidFill>
+                  <a:schemeClr val="bg1"/>
+                </a:solidFill>
+                <a:latin typeface="Lucida Console" panose="020B0609040504020204" pitchFamily="49" charset="0"/>
+                <a:cs typeface="Consolas" panose="020B0609020204030204" pitchFamily="49" charset="0"/>
+              </a:rPr>
+              <a:t>res.end</a:t>
+            </a:r>
+            <a:r>
+              <a:rPr lang="en-US" sz="2200" b="1" dirty="0" smtClean="0">
+                <a:solidFill>
+                  <a:schemeClr val="bg1"/>
+                </a:solidFill>
+                <a:latin typeface="Lucida Console" panose="020B0609040504020204" pitchFamily="49" charset="0"/>
+                <a:cs typeface="Consolas" panose="020B0609020204030204" pitchFamily="49" charset="0"/>
+              </a:rPr>
+              <a:t>(data); </a:t>
+            </a:r>
+          </a:p>
+          <a:p>
+            <a:pPr marL="0" indent="0">
+              <a:buNone/>
+            </a:pPr>
+            <a:r>
+              <a:rPr lang="en-US" sz="2200" b="1" dirty="0">
+                <a:solidFill>
+                  <a:schemeClr val="bg1"/>
+                </a:solidFill>
+                <a:latin typeface="Lucida Console" panose="020B0609040504020204" pitchFamily="49" charset="0"/>
+                <a:cs typeface="Consolas" panose="020B0609020204030204" pitchFamily="49" charset="0"/>
+              </a:rPr>
+              <a:t> </a:t>
+            </a:r>
+            <a:r>
+              <a:rPr lang="en-US" sz="2200" b="1" dirty="0" smtClean="0">
+                <a:solidFill>
+                  <a:schemeClr val="bg1"/>
+                </a:solidFill>
+                <a:latin typeface="Lucida Console" panose="020B0609040504020204" pitchFamily="49" charset="0"/>
+                <a:cs typeface="Consolas" panose="020B0609020204030204" pitchFamily="49" charset="0"/>
+              </a:rPr>
+              <a:t>   });</a:t>
+            </a:r>
+            <a:endParaRPr lang="en-US" sz="2200" b="1" dirty="0">
+              <a:solidFill>
+                <a:schemeClr val="bg1"/>
+              </a:solidFill>
+              <a:latin typeface="Lucida Console" panose="020B0609040504020204" pitchFamily="49" charset="0"/>
+              <a:cs typeface="Consolas" panose="020B0609020204030204" pitchFamily="49" charset="0"/>
+            </a:endParaRPr>
+          </a:p>
+          <a:p>
+            <a:pPr marL="0" indent="0">
+              <a:buNone/>
+            </a:pPr>
+            <a:r>
+              <a:rPr lang="en-US" sz="2200" b="1" dirty="0">
+                <a:solidFill>
+                  <a:schemeClr val="bg1"/>
+                </a:solidFill>
+                <a:latin typeface="Lucida Console" panose="020B0609040504020204" pitchFamily="49" charset="0"/>
+                <a:cs typeface="Consolas" panose="020B0609020204030204" pitchFamily="49" charset="0"/>
+              </a:rPr>
               <a:t>});</a:t>
             </a:r>
           </a:p>
         </p:txBody>
       </p:sp>
     </p:spTree>
-    <p:extLst>
-      <p:ext uri="{BB962C8B-B14F-4D97-AF65-F5344CB8AC3E}">
-        <p14:creationId xmlns:p14="http://schemas.microsoft.com/office/powerpoint/2010/main" val="1886347502"/>
-      </p:ext>
-    </p:extLst>
   </p:cSld>
   <p:clrMapOvr>
     <a:masterClrMapping/>
@@ -8077,6 +7637,689 @@
               <a:t>fs</a:t>
             </a:r>
             <a:r>
+              <a:rPr lang="en-US" sz="2200" b="1" dirty="0">
+                <a:solidFill>
+                  <a:srgbClr val="E6DB74"/>
+                </a:solidFill>
+                <a:latin typeface="Lucida Console" panose="020B0609040504020204" pitchFamily="49" charset="0"/>
+                <a:cs typeface="Consolas" panose="020B0609020204030204" pitchFamily="49" charset="0"/>
+              </a:rPr>
+              <a:t>'</a:t>
+            </a:r>
+            <a:r>
+              <a:rPr lang="en-US" sz="2200" b="1" dirty="0">
+                <a:solidFill>
+                  <a:schemeClr val="bg1"/>
+                </a:solidFill>
+                <a:latin typeface="Lucida Console" panose="020B0609040504020204" pitchFamily="49" charset="0"/>
+                <a:cs typeface="Consolas" panose="020B0609020204030204" pitchFamily="49" charset="0"/>
+              </a:rPr>
+              <a:t>);</a:t>
+            </a:r>
+          </a:p>
+          <a:p>
+            <a:pPr marL="0" indent="0">
+              <a:buNone/>
+            </a:pPr>
+            <a:endParaRPr lang="en-US" sz="2200" b="1" dirty="0">
+              <a:solidFill>
+                <a:schemeClr val="bg1"/>
+              </a:solidFill>
+              <a:latin typeface="Lucida Console" panose="020B0609040504020204" pitchFamily="49" charset="0"/>
+              <a:cs typeface="Consolas" panose="020B0609020204030204" pitchFamily="49" charset="0"/>
+            </a:endParaRPr>
+          </a:p>
+          <a:p>
+            <a:pPr marL="0" indent="0">
+              <a:buNone/>
+            </a:pPr>
+            <a:r>
+              <a:rPr lang="en-US" sz="2200" b="1" dirty="0" err="1">
+                <a:solidFill>
+                  <a:schemeClr val="bg1"/>
+                </a:solidFill>
+                <a:latin typeface="Lucida Console" panose="020B0609040504020204" pitchFamily="49" charset="0"/>
+                <a:cs typeface="Consolas" panose="020B0609020204030204" pitchFamily="49" charset="0"/>
+              </a:rPr>
+              <a:t>http.</a:t>
+            </a:r>
+            <a:r>
+              <a:rPr lang="en-US" sz="2200" b="1" dirty="0" err="1">
+                <a:solidFill>
+                  <a:srgbClr val="66D9EF"/>
+                </a:solidFill>
+                <a:latin typeface="Lucida Console" panose="020B0609040504020204" pitchFamily="49" charset="0"/>
+                <a:cs typeface="Consolas" panose="020B0609020204030204" pitchFamily="49" charset="0"/>
+              </a:rPr>
+              <a:t>createServer</a:t>
+            </a:r>
+            <a:r>
+              <a:rPr lang="en-US" sz="2200" b="1" dirty="0">
+                <a:solidFill>
+                  <a:schemeClr val="bg1"/>
+                </a:solidFill>
+                <a:latin typeface="Lucida Console" panose="020B0609040504020204" pitchFamily="49" charset="0"/>
+                <a:cs typeface="Consolas" panose="020B0609020204030204" pitchFamily="49" charset="0"/>
+              </a:rPr>
+              <a:t>(function (</a:t>
+            </a:r>
+            <a:r>
+              <a:rPr lang="en-US" sz="2200" b="1" dirty="0" err="1">
+                <a:solidFill>
+                  <a:srgbClr val="FD971F"/>
+                </a:solidFill>
+                <a:latin typeface="Lucida Console" panose="020B0609040504020204" pitchFamily="49" charset="0"/>
+                <a:cs typeface="Consolas" panose="020B0609020204030204" pitchFamily="49" charset="0"/>
+              </a:rPr>
+              <a:t>req</a:t>
+            </a:r>
+            <a:r>
+              <a:rPr lang="en-US" sz="2200" b="1" dirty="0">
+                <a:solidFill>
+                  <a:srgbClr val="FD971F"/>
+                </a:solidFill>
+                <a:latin typeface="Lucida Console" panose="020B0609040504020204" pitchFamily="49" charset="0"/>
+                <a:cs typeface="Consolas" panose="020B0609020204030204" pitchFamily="49" charset="0"/>
+              </a:rPr>
+              <a:t>, res</a:t>
+            </a:r>
+            <a:r>
+              <a:rPr lang="en-US" sz="2200" b="1" dirty="0">
+                <a:solidFill>
+                  <a:schemeClr val="bg1"/>
+                </a:solidFill>
+                <a:latin typeface="Lucida Console" panose="020B0609040504020204" pitchFamily="49" charset="0"/>
+                <a:cs typeface="Consolas" panose="020B0609020204030204" pitchFamily="49" charset="0"/>
+              </a:rPr>
+              <a:t>) {</a:t>
+            </a:r>
+          </a:p>
+          <a:p>
+            <a:pPr marL="0" indent="0">
+              <a:buNone/>
+            </a:pPr>
+            <a:r>
+              <a:rPr lang="en-US" sz="2200" b="1" dirty="0">
+                <a:solidFill>
+                  <a:schemeClr val="bg1"/>
+                </a:solidFill>
+                <a:latin typeface="Lucida Console" panose="020B0609040504020204" pitchFamily="49" charset="0"/>
+                <a:cs typeface="Consolas" panose="020B0609020204030204" pitchFamily="49" charset="0"/>
+              </a:rPr>
+              <a:t>    </a:t>
+            </a:r>
+            <a:r>
+              <a:rPr lang="en-US" sz="2200" b="1" dirty="0" err="1">
+                <a:solidFill>
+                  <a:srgbClr val="66D9EF"/>
+                </a:solidFill>
+                <a:latin typeface="Lucida Console" panose="020B0609040504020204" pitchFamily="49" charset="0"/>
+                <a:cs typeface="Consolas" panose="020B0609020204030204" pitchFamily="49" charset="0"/>
+              </a:rPr>
+              <a:t>var</a:t>
+            </a:r>
+            <a:r>
+              <a:rPr lang="en-US" sz="2200" b="1" dirty="0">
+                <a:solidFill>
+                  <a:srgbClr val="66D9EF"/>
+                </a:solidFill>
+                <a:latin typeface="Lucida Console" panose="020B0609040504020204" pitchFamily="49" charset="0"/>
+                <a:cs typeface="Consolas" panose="020B0609020204030204" pitchFamily="49" charset="0"/>
+              </a:rPr>
+              <a:t> </a:t>
+            </a:r>
+            <a:r>
+              <a:rPr lang="en-US" sz="2200" b="1" dirty="0">
+                <a:solidFill>
+                  <a:schemeClr val="bg1"/>
+                </a:solidFill>
+                <a:latin typeface="Lucida Console" panose="020B0609040504020204" pitchFamily="49" charset="0"/>
+                <a:cs typeface="Consolas" panose="020B0609020204030204" pitchFamily="49" charset="0"/>
+              </a:rPr>
+              <a:t>s = </a:t>
+            </a:r>
+            <a:r>
+              <a:rPr lang="en-US" sz="2200" b="1" dirty="0" err="1">
+                <a:solidFill>
+                  <a:schemeClr val="bg1"/>
+                </a:solidFill>
+                <a:latin typeface="Lucida Console" panose="020B0609040504020204" pitchFamily="49" charset="0"/>
+                <a:cs typeface="Consolas" panose="020B0609020204030204" pitchFamily="49" charset="0"/>
+              </a:rPr>
+              <a:t>fs.createReadStream</a:t>
+            </a:r>
+            <a:r>
+              <a:rPr lang="en-US" sz="2200" b="1" dirty="0">
+                <a:solidFill>
+                  <a:schemeClr val="bg1"/>
+                </a:solidFill>
+                <a:latin typeface="Lucida Console" panose="020B0609040504020204" pitchFamily="49" charset="0"/>
+                <a:cs typeface="Consolas" panose="020B0609020204030204" pitchFamily="49" charset="0"/>
+              </a:rPr>
+              <a:t>(</a:t>
+            </a:r>
+            <a:r>
+              <a:rPr lang="en-US" sz="2200" b="1" dirty="0">
+                <a:solidFill>
+                  <a:srgbClr val="E6DB74"/>
+                </a:solidFill>
+                <a:latin typeface="Lucida Console" panose="020B0609040504020204" pitchFamily="49" charset="0"/>
+                <a:cs typeface="Consolas" panose="020B0609020204030204" pitchFamily="49" charset="0"/>
+              </a:rPr>
+              <a:t>'file.txt'</a:t>
+            </a:r>
+            <a:r>
+              <a:rPr lang="en-US" sz="2200" b="1" dirty="0">
+                <a:solidFill>
+                  <a:schemeClr val="bg1"/>
+                </a:solidFill>
+                <a:latin typeface="Lucida Console" panose="020B0609040504020204" pitchFamily="49" charset="0"/>
+                <a:cs typeface="Consolas" panose="020B0609020204030204" pitchFamily="49" charset="0"/>
+              </a:rPr>
+              <a:t>);</a:t>
+            </a:r>
+          </a:p>
+          <a:p>
+            <a:pPr marL="0" indent="0">
+              <a:buNone/>
+            </a:pPr>
+            <a:r>
+              <a:rPr lang="en-US" sz="2200" b="1" dirty="0">
+                <a:solidFill>
+                  <a:schemeClr val="bg1"/>
+                </a:solidFill>
+                <a:latin typeface="Lucida Console" panose="020B0609040504020204" pitchFamily="49" charset="0"/>
+                <a:cs typeface="Consolas" panose="020B0609020204030204" pitchFamily="49" charset="0"/>
+              </a:rPr>
+              <a:t>    </a:t>
+            </a:r>
+            <a:r>
+              <a:rPr lang="en-US" sz="2200" b="1" dirty="0" err="1">
+                <a:solidFill>
+                  <a:schemeClr val="bg1"/>
+                </a:solidFill>
+                <a:latin typeface="Lucida Console" panose="020B0609040504020204" pitchFamily="49" charset="0"/>
+                <a:cs typeface="Consolas" panose="020B0609020204030204" pitchFamily="49" charset="0"/>
+              </a:rPr>
+              <a:t>s.</a:t>
+            </a:r>
+            <a:r>
+              <a:rPr lang="en-US" sz="2200" b="1" dirty="0" err="1">
+                <a:solidFill>
+                  <a:srgbClr val="66D9EF"/>
+                </a:solidFill>
+                <a:latin typeface="Lucida Console" panose="020B0609040504020204" pitchFamily="49" charset="0"/>
+                <a:cs typeface="Consolas" panose="020B0609020204030204" pitchFamily="49" charset="0"/>
+              </a:rPr>
+              <a:t>on</a:t>
+            </a:r>
+            <a:r>
+              <a:rPr lang="en-US" sz="2200" b="1" dirty="0">
+                <a:solidFill>
+                  <a:schemeClr val="bg1"/>
+                </a:solidFill>
+                <a:latin typeface="Lucida Console" panose="020B0609040504020204" pitchFamily="49" charset="0"/>
+                <a:cs typeface="Consolas" panose="020B0609020204030204" pitchFamily="49" charset="0"/>
+              </a:rPr>
+              <a:t>(</a:t>
+            </a:r>
+            <a:r>
+              <a:rPr lang="en-US" sz="2200" b="1" dirty="0">
+                <a:solidFill>
+                  <a:srgbClr val="E6DB74"/>
+                </a:solidFill>
+                <a:latin typeface="Lucida Console" panose="020B0609040504020204" pitchFamily="49" charset="0"/>
+                <a:cs typeface="Consolas" panose="020B0609020204030204" pitchFamily="49" charset="0"/>
+              </a:rPr>
+              <a:t>'error'</a:t>
+            </a:r>
+            <a:r>
+              <a:rPr lang="en-US" sz="2200" b="1" dirty="0">
+                <a:solidFill>
+                  <a:schemeClr val="bg1"/>
+                </a:solidFill>
+                <a:latin typeface="Lucida Console" panose="020B0609040504020204" pitchFamily="49" charset="0"/>
+                <a:cs typeface="Consolas" panose="020B0609020204030204" pitchFamily="49" charset="0"/>
+              </a:rPr>
+              <a:t>, function () {</a:t>
+            </a:r>
+          </a:p>
+          <a:p>
+            <a:pPr marL="0" indent="0">
+              <a:buNone/>
+            </a:pPr>
+            <a:r>
+              <a:rPr lang="en-US" sz="2200" b="1" dirty="0">
+                <a:solidFill>
+                  <a:schemeClr val="bg1"/>
+                </a:solidFill>
+                <a:latin typeface="Lucida Console" panose="020B0609040504020204" pitchFamily="49" charset="0"/>
+                <a:cs typeface="Consolas" panose="020B0609020204030204" pitchFamily="49" charset="0"/>
+              </a:rPr>
+              <a:t>        </a:t>
+            </a:r>
+            <a:r>
+              <a:rPr lang="en-US" sz="2200" b="1" dirty="0" err="1">
+                <a:solidFill>
+                  <a:schemeClr val="bg1"/>
+                </a:solidFill>
+                <a:latin typeface="Lucida Console" panose="020B0609040504020204" pitchFamily="49" charset="0"/>
+                <a:cs typeface="Consolas" panose="020B0609020204030204" pitchFamily="49" charset="0"/>
+              </a:rPr>
+              <a:t>res.statusCode</a:t>
+            </a:r>
+            <a:r>
+              <a:rPr lang="en-US" sz="2200" b="1" dirty="0">
+                <a:solidFill>
+                  <a:schemeClr val="bg1"/>
+                </a:solidFill>
+                <a:latin typeface="Lucida Console" panose="020B0609040504020204" pitchFamily="49" charset="0"/>
+                <a:cs typeface="Consolas" panose="020B0609020204030204" pitchFamily="49" charset="0"/>
+              </a:rPr>
+              <a:t> = </a:t>
+            </a:r>
+            <a:r>
+              <a:rPr lang="en-US" sz="2200" b="1" dirty="0">
+                <a:solidFill>
+                  <a:srgbClr val="AE81FF"/>
+                </a:solidFill>
+                <a:latin typeface="Lucida Console" panose="020B0609040504020204" pitchFamily="49" charset="0"/>
+                <a:cs typeface="Consolas" panose="020B0609020204030204" pitchFamily="49" charset="0"/>
+              </a:rPr>
+              <a:t>500</a:t>
+            </a:r>
+            <a:r>
+              <a:rPr lang="en-US" sz="2200" b="1" dirty="0">
+                <a:solidFill>
+                  <a:schemeClr val="bg1"/>
+                </a:solidFill>
+                <a:latin typeface="Lucida Console" panose="020B0609040504020204" pitchFamily="49" charset="0"/>
+                <a:cs typeface="Consolas" panose="020B0609020204030204" pitchFamily="49" charset="0"/>
+              </a:rPr>
+              <a:t>;</a:t>
+            </a:r>
+          </a:p>
+          <a:p>
+            <a:pPr marL="0" indent="0">
+              <a:buNone/>
+            </a:pPr>
+            <a:r>
+              <a:rPr lang="en-US" sz="2200" b="1" dirty="0">
+                <a:solidFill>
+                  <a:schemeClr val="bg1"/>
+                </a:solidFill>
+                <a:latin typeface="Lucida Console" panose="020B0609040504020204" pitchFamily="49" charset="0"/>
+                <a:cs typeface="Consolas" panose="020B0609020204030204" pitchFamily="49" charset="0"/>
+              </a:rPr>
+              <a:t>        </a:t>
+            </a:r>
+            <a:r>
+              <a:rPr lang="en-US" sz="2200" b="1" dirty="0" err="1">
+                <a:solidFill>
+                  <a:schemeClr val="bg1"/>
+                </a:solidFill>
+                <a:latin typeface="Lucida Console" panose="020B0609040504020204" pitchFamily="49" charset="0"/>
+                <a:cs typeface="Consolas" panose="020B0609020204030204" pitchFamily="49" charset="0"/>
+              </a:rPr>
+              <a:t>res.end</a:t>
+            </a:r>
+            <a:r>
+              <a:rPr lang="en-US" sz="2200" b="1" dirty="0">
+                <a:solidFill>
+                  <a:schemeClr val="bg1"/>
+                </a:solidFill>
+                <a:latin typeface="Lucida Console" panose="020B0609040504020204" pitchFamily="49" charset="0"/>
+                <a:cs typeface="Consolas" panose="020B0609020204030204" pitchFamily="49" charset="0"/>
+              </a:rPr>
+              <a:t>(</a:t>
+            </a:r>
+            <a:r>
+              <a:rPr lang="en-US" sz="2200" b="1" dirty="0" err="1">
+                <a:solidFill>
+                  <a:schemeClr val="bg1"/>
+                </a:solidFill>
+                <a:latin typeface="Lucida Console" panose="020B0609040504020204" pitchFamily="49" charset="0"/>
+                <a:cs typeface="Consolas" panose="020B0609020204030204" pitchFamily="49" charset="0"/>
+              </a:rPr>
+              <a:t>err.toString</a:t>
+            </a:r>
+            <a:r>
+              <a:rPr lang="en-US" sz="2200" b="1" dirty="0">
+                <a:solidFill>
+                  <a:schemeClr val="bg1"/>
+                </a:solidFill>
+                <a:latin typeface="Lucida Console" panose="020B0609040504020204" pitchFamily="49" charset="0"/>
+                <a:cs typeface="Consolas" panose="020B0609020204030204" pitchFamily="49" charset="0"/>
+              </a:rPr>
+              <a:t>());</a:t>
+            </a:r>
+          </a:p>
+          <a:p>
+            <a:pPr marL="0" indent="0">
+              <a:buNone/>
+            </a:pPr>
+            <a:r>
+              <a:rPr lang="en-US" sz="2200" b="1" dirty="0">
+                <a:solidFill>
+                  <a:schemeClr val="bg1"/>
+                </a:solidFill>
+                <a:latin typeface="Lucida Console" panose="020B0609040504020204" pitchFamily="49" charset="0"/>
+                <a:cs typeface="Consolas" panose="020B0609020204030204" pitchFamily="49" charset="0"/>
+              </a:rPr>
+              <a:t>    };</a:t>
+            </a:r>
+          </a:p>
+          <a:p>
+            <a:pPr marL="0" indent="0">
+              <a:buNone/>
+            </a:pPr>
+            <a:endParaRPr lang="en-US" sz="2200" b="1" dirty="0">
+              <a:solidFill>
+                <a:schemeClr val="bg1"/>
+              </a:solidFill>
+              <a:latin typeface="Lucida Console" panose="020B0609040504020204" pitchFamily="49" charset="0"/>
+              <a:cs typeface="Consolas" panose="020B0609020204030204" pitchFamily="49" charset="0"/>
+            </a:endParaRPr>
+          </a:p>
+          <a:p>
+            <a:pPr marL="0" indent="0">
+              <a:buNone/>
+            </a:pPr>
+            <a:r>
+              <a:rPr lang="en-US" sz="2200" b="1" dirty="0">
+                <a:solidFill>
+                  <a:schemeClr val="bg1"/>
+                </a:solidFill>
+                <a:latin typeface="Lucida Console" panose="020B0609040504020204" pitchFamily="49" charset="0"/>
+                <a:cs typeface="Consolas" panose="020B0609020204030204" pitchFamily="49" charset="0"/>
+              </a:rPr>
+              <a:t>    </a:t>
+            </a:r>
+            <a:r>
+              <a:rPr lang="en-US" sz="2200" b="1" dirty="0" err="1" smtClean="0">
+                <a:solidFill>
+                  <a:schemeClr val="bg1"/>
+                </a:solidFill>
+                <a:latin typeface="Lucida Console" panose="020B0609040504020204" pitchFamily="49" charset="0"/>
+                <a:cs typeface="Consolas" panose="020B0609020204030204" pitchFamily="49" charset="0"/>
+              </a:rPr>
+              <a:t>s.</a:t>
+            </a:r>
+            <a:r>
+              <a:rPr lang="en-US" sz="2200" b="1" dirty="0" err="1" smtClean="0">
+                <a:solidFill>
+                  <a:srgbClr val="66D9EF"/>
+                </a:solidFill>
+                <a:latin typeface="Lucida Console" panose="020B0609040504020204" pitchFamily="49" charset="0"/>
+                <a:cs typeface="Consolas" panose="020B0609020204030204" pitchFamily="49" charset="0"/>
+              </a:rPr>
+              <a:t>pipe</a:t>
+            </a:r>
+            <a:r>
+              <a:rPr lang="en-US" sz="2200" b="1" dirty="0" smtClean="0">
+                <a:solidFill>
+                  <a:schemeClr val="bg1"/>
+                </a:solidFill>
+                <a:latin typeface="Lucida Console" panose="020B0609040504020204" pitchFamily="49" charset="0"/>
+                <a:cs typeface="Consolas" panose="020B0609020204030204" pitchFamily="49" charset="0"/>
+              </a:rPr>
+              <a:t>(res</a:t>
+            </a:r>
+            <a:r>
+              <a:rPr lang="en-US" sz="2200" b="1" dirty="0">
+                <a:solidFill>
+                  <a:schemeClr val="bg1"/>
+                </a:solidFill>
+                <a:latin typeface="Lucida Console" panose="020B0609040504020204" pitchFamily="49" charset="0"/>
+                <a:cs typeface="Consolas" panose="020B0609020204030204" pitchFamily="49" charset="0"/>
+              </a:rPr>
+              <a:t>);</a:t>
+            </a:r>
+          </a:p>
+          <a:p>
+            <a:pPr marL="0" indent="0">
+              <a:buNone/>
+            </a:pPr>
+            <a:r>
+              <a:rPr lang="en-US" sz="2200" b="1" dirty="0">
+                <a:solidFill>
+                  <a:schemeClr val="bg1"/>
+                </a:solidFill>
+                <a:latin typeface="Lucida Console" panose="020B0609040504020204" pitchFamily="49" charset="0"/>
+                <a:cs typeface="Consolas" panose="020B0609020204030204" pitchFamily="49" charset="0"/>
+              </a:rPr>
+              <a:t>});</a:t>
+            </a:r>
+          </a:p>
+        </p:txBody>
+      </p:sp>
+    </p:spTree>
+    <p:extLst>
+      <p:ext uri="{BB962C8B-B14F-4D97-AF65-F5344CB8AC3E}">
+        <p14:creationId xmlns:p14="http://schemas.microsoft.com/office/powerpoint/2010/main" val="1886347502"/>
+      </p:ext>
+    </p:extLst>
+  </p:cSld>
+  <p:clrMapOvr>
+    <a:masterClrMapping/>
+  </p:clrMapOvr>
+</p:sld>
+</file>
+
+<file path=ppt/slides/slide16.xml><?xml version="1.0" encoding="utf-8"?>
+<p:sld xmlns:a="http://schemas.openxmlformats.org/drawingml/2006/main" xmlns:r="http://schemas.openxmlformats.org/officeDocument/2006/relationships" xmlns:p="http://schemas.openxmlformats.org/presentationml/2006/main">
+  <p:cSld>
+    <p:bg>
+      <p:bgPr>
+        <a:solidFill>
+          <a:schemeClr val="tx1"/>
+        </a:solidFill>
+        <a:effectLst/>
+      </p:bgPr>
+    </p:bg>
+    <p:spTree>
+      <p:nvGrpSpPr>
+        <p:cNvPr id="1" name=""/>
+        <p:cNvGrpSpPr/>
+        <p:nvPr/>
+      </p:nvGrpSpPr>
+      <p:grpSpPr>
+        <a:xfrm>
+          <a:off x="0" y="0"/>
+          <a:ext cx="0" cy="0"/>
+          <a:chOff x="0" y="0"/>
+          <a:chExt cx="0" cy="0"/>
+        </a:xfrm>
+      </p:grpSpPr>
+      <p:pic>
+        <p:nvPicPr>
+          <p:cNvPr id="5" name="Picture 4"/>
+          <p:cNvPicPr>
+            <a:picLocks noChangeAspect="1"/>
+          </p:cNvPicPr>
+          <p:nvPr/>
+        </p:nvPicPr>
+        <p:blipFill>
+          <a:blip r:embed="rId3" cstate="print"/>
+          <a:stretch>
+            <a:fillRect/>
+          </a:stretch>
+        </p:blipFill>
+        <p:spPr>
+          <a:xfrm>
+            <a:off x="10886" y="0"/>
+            <a:ext cx="2781300" cy="2257425"/>
+          </a:xfrm>
+          <a:prstGeom prst="rect">
+            <a:avLst/>
+          </a:prstGeom>
+        </p:spPr>
+      </p:pic>
+      <p:sp>
+        <p:nvSpPr>
+          <p:cNvPr id="2" name="Title 1"/>
+          <p:cNvSpPr>
+            <a:spLocks noGrp="1"/>
+          </p:cNvSpPr>
+          <p:nvPr>
+            <p:ph type="title"/>
+          </p:nvPr>
+        </p:nvSpPr>
+        <p:spPr/>
+        <p:txBody>
+          <a:bodyPr/>
+          <a:lstStyle/>
+          <a:p>
+            <a:pPr algn="r"/>
+            <a:r>
+              <a:rPr lang="en-US" dirty="0" smtClean="0">
+                <a:solidFill>
+                  <a:schemeClr val="bg1"/>
+                </a:solidFill>
+                <a:latin typeface="Proxima Nova Rg" panose="02000506030000020004" pitchFamily="2" charset="0"/>
+              </a:rPr>
+              <a:t>Why not?</a:t>
+            </a:r>
+            <a:endParaRPr lang="en-US" dirty="0">
+              <a:solidFill>
+                <a:schemeClr val="bg1"/>
+              </a:solidFill>
+              <a:latin typeface="Proxima Nova Rg" panose="02000506030000020004" pitchFamily="2" charset="0"/>
+            </a:endParaRPr>
+          </a:p>
+        </p:txBody>
+      </p:sp>
+      <p:sp>
+        <p:nvSpPr>
+          <p:cNvPr id="3" name="Content Placeholder 2"/>
+          <p:cNvSpPr>
+            <a:spLocks noGrp="1"/>
+          </p:cNvSpPr>
+          <p:nvPr>
+            <p:ph idx="1"/>
+          </p:nvPr>
+        </p:nvSpPr>
+        <p:spPr>
+          <a:xfrm>
+            <a:off x="228600" y="1600200"/>
+            <a:ext cx="8686800" cy="4525963"/>
+          </a:xfrm>
+        </p:spPr>
+        <p:txBody>
+          <a:bodyPr>
+            <a:noAutofit/>
+          </a:bodyPr>
+          <a:lstStyle/>
+          <a:p>
+            <a:pPr marL="0" indent="0">
+              <a:buNone/>
+            </a:pPr>
+            <a:r>
+              <a:rPr lang="en-US" sz="2200" b="1" dirty="0" err="1">
+                <a:solidFill>
+                  <a:srgbClr val="66D9EF"/>
+                </a:solidFill>
+                <a:latin typeface="Lucida Console" panose="020B0609040504020204" pitchFamily="49" charset="0"/>
+                <a:cs typeface="Consolas" panose="020B0609020204030204" pitchFamily="49" charset="0"/>
+              </a:rPr>
+              <a:t>var</a:t>
+            </a:r>
+            <a:r>
+              <a:rPr lang="en-US" sz="2200" b="1" dirty="0">
+                <a:solidFill>
+                  <a:srgbClr val="66D9EF"/>
+                </a:solidFill>
+                <a:latin typeface="Lucida Console" panose="020B0609040504020204" pitchFamily="49" charset="0"/>
+                <a:cs typeface="Consolas" panose="020B0609020204030204" pitchFamily="49" charset="0"/>
+              </a:rPr>
+              <a:t> </a:t>
+            </a:r>
+            <a:r>
+              <a:rPr lang="en-US" sz="2200" b="1" dirty="0">
+                <a:solidFill>
+                  <a:schemeClr val="bg1"/>
+                </a:solidFill>
+                <a:latin typeface="Lucida Console" panose="020B0609040504020204" pitchFamily="49" charset="0"/>
+                <a:cs typeface="Consolas" panose="020B0609020204030204" pitchFamily="49" charset="0"/>
+              </a:rPr>
+              <a:t>http = require(</a:t>
+            </a:r>
+            <a:r>
+              <a:rPr lang="en-US" sz="2200" b="1" dirty="0">
+                <a:solidFill>
+                  <a:srgbClr val="E6DB74"/>
+                </a:solidFill>
+                <a:latin typeface="Lucida Console" panose="020B0609040504020204" pitchFamily="49" charset="0"/>
+                <a:cs typeface="Consolas" panose="020B0609020204030204" pitchFamily="49" charset="0"/>
+              </a:rPr>
+              <a:t>'http'</a:t>
+            </a:r>
+            <a:r>
+              <a:rPr lang="en-US" sz="2200" b="1" dirty="0">
+                <a:solidFill>
+                  <a:schemeClr val="bg1"/>
+                </a:solidFill>
+                <a:latin typeface="Lucida Console" panose="020B0609040504020204" pitchFamily="49" charset="0"/>
+                <a:cs typeface="Consolas" panose="020B0609020204030204" pitchFamily="49" charset="0"/>
+              </a:rPr>
+              <a:t>), </a:t>
+            </a:r>
+          </a:p>
+          <a:p>
+            <a:pPr marL="0" indent="0">
+              <a:buNone/>
+            </a:pPr>
+            <a:r>
+              <a:rPr lang="en-US" sz="2200" b="1" dirty="0">
+                <a:solidFill>
+                  <a:schemeClr val="bg1"/>
+                </a:solidFill>
+                <a:latin typeface="Lucida Console" panose="020B0609040504020204" pitchFamily="49" charset="0"/>
+                <a:cs typeface="Consolas" panose="020B0609020204030204" pitchFamily="49" charset="0"/>
+              </a:rPr>
+              <a:t>    </a:t>
+            </a:r>
+            <a:r>
+              <a:rPr lang="en-US" sz="2200" b="1" dirty="0" err="1">
+                <a:solidFill>
+                  <a:schemeClr val="bg1"/>
+                </a:solidFill>
+                <a:latin typeface="Lucida Console" panose="020B0609040504020204" pitchFamily="49" charset="0"/>
+                <a:cs typeface="Consolas" panose="020B0609020204030204" pitchFamily="49" charset="0"/>
+              </a:rPr>
+              <a:t>fs</a:t>
+            </a:r>
+            <a:r>
+              <a:rPr lang="en-US" sz="2200" b="1" dirty="0">
+                <a:solidFill>
+                  <a:schemeClr val="bg1"/>
+                </a:solidFill>
+                <a:latin typeface="Lucida Console" panose="020B0609040504020204" pitchFamily="49" charset="0"/>
+                <a:cs typeface="Consolas" panose="020B0609020204030204" pitchFamily="49" charset="0"/>
+              </a:rPr>
+              <a:t> = require(</a:t>
+            </a:r>
+            <a:r>
+              <a:rPr lang="en-US" sz="2200" b="1" dirty="0">
+                <a:solidFill>
+                  <a:srgbClr val="E6DB74"/>
+                </a:solidFill>
+                <a:latin typeface="Lucida Console" panose="020B0609040504020204" pitchFamily="49" charset="0"/>
+                <a:cs typeface="Consolas" panose="020B0609020204030204" pitchFamily="49" charset="0"/>
+              </a:rPr>
+              <a:t>'</a:t>
+            </a:r>
+            <a:r>
+              <a:rPr lang="en-US" sz="2200" b="1" dirty="0" err="1">
+                <a:solidFill>
+                  <a:srgbClr val="E6DB74"/>
+                </a:solidFill>
+                <a:latin typeface="Lucida Console" panose="020B0609040504020204" pitchFamily="49" charset="0"/>
+                <a:cs typeface="Consolas" panose="020B0609020204030204" pitchFamily="49" charset="0"/>
+              </a:rPr>
+              <a:t>fs</a:t>
+            </a:r>
+            <a:r>
               <a:rPr lang="en-US" sz="2200" b="1" dirty="0" smtClean="0">
                 <a:solidFill>
                   <a:srgbClr val="E6DB74"/>
@@ -8608,7 +8851,7 @@
 </p:sld>
 </file>
 
-<file path=ppt/slides/slide16.xml><?xml version="1.0" encoding="utf-8"?>
+<file path=ppt/slides/slide17.xml><?xml version="1.0" encoding="utf-8"?>
 <p:sld xmlns:a="http://schemas.openxmlformats.org/drawingml/2006/main" xmlns:r="http://schemas.openxmlformats.org/officeDocument/2006/relationships" xmlns:p="http://schemas.openxmlformats.org/presentationml/2006/main">
   <p:cSld>
     <p:bg>
@@ -8714,11 +8957,6 @@
               </a:rPr>
               <a:t>Special kind of Event Emitter</a:t>
             </a:r>
-            <a:endParaRPr lang="en-US" dirty="0" smtClean="0">
-              <a:solidFill>
-                <a:schemeClr val="bg1"/>
-              </a:solidFill>
-            </a:endParaRPr>
           </a:p>
           <a:p>
             <a:r>
@@ -8727,21 +8965,8 @@
                   <a:schemeClr val="bg1"/>
                 </a:solidFill>
               </a:rPr>
-              <a:t>Composition through </a:t>
-            </a:r>
-            <a:r>
-              <a:rPr lang="en-US" dirty="0" smtClean="0">
-                <a:solidFill>
-                  <a:schemeClr val="bg1"/>
-                </a:solidFill>
-              </a:rPr>
-              <a:t>pipe</a:t>
-            </a:r>
-            <a:endParaRPr lang="en-US" dirty="0" smtClean="0">
-              <a:solidFill>
-                <a:schemeClr val="bg1"/>
-              </a:solidFill>
-            </a:endParaRPr>
+              <a:t>Composition through pipe</a:t>
+            </a:r>
           </a:p>
         </p:txBody>
       </p:sp>
@@ -8963,7 +9188,7 @@
 </p:sld>
 </file>
 
-<file path=ppt/slides/slide17.xml><?xml version="1.0" encoding="utf-8"?>
+<file path=ppt/slides/slide18.xml><?xml version="1.0" encoding="utf-8"?>
 <p:sld xmlns:a="http://schemas.openxmlformats.org/drawingml/2006/main" xmlns:r="http://schemas.openxmlformats.org/officeDocument/2006/relationships" xmlns:p="http://schemas.openxmlformats.org/presentationml/2006/main">
   <p:cSld>
     <p:spTree>
@@ -9068,7 +9293,7 @@
 </p:sld>
 </file>
 
-<file path=ppt/slides/slide18.xml><?xml version="1.0" encoding="utf-8"?>
+<file path=ppt/slides/slide19.xml><?xml version="1.0" encoding="utf-8"?>
 <p:sld xmlns:a="http://schemas.openxmlformats.org/drawingml/2006/main" xmlns:r="http://schemas.openxmlformats.org/officeDocument/2006/relationships" xmlns:p="http://schemas.openxmlformats.org/presentationml/2006/main">
   <p:cSld>
     <p:bg>
@@ -9236,643 +9461,6 @@
   <p:clrMapOvr>
     <a:masterClrMapping/>
   </p:clrMapOvr>
-</p:sld>
-</file>
-
-<file path=ppt/slides/slide19.xml><?xml version="1.0" encoding="utf-8"?>
-<p:sld xmlns:a="http://schemas.openxmlformats.org/drawingml/2006/main" xmlns:r="http://schemas.openxmlformats.org/officeDocument/2006/relationships" xmlns:p="http://schemas.openxmlformats.org/presentationml/2006/main">
-  <p:cSld>
-    <p:bg>
-      <p:bgPr>
-        <a:solidFill>
-          <a:schemeClr val="tx1"/>
-        </a:solidFill>
-        <a:effectLst/>
-      </p:bgPr>
-    </p:bg>
-    <p:spTree>
-      <p:nvGrpSpPr>
-        <p:cNvPr id="1" name=""/>
-        <p:cNvGrpSpPr/>
-        <p:nvPr/>
-      </p:nvGrpSpPr>
-      <p:grpSpPr>
-        <a:xfrm>
-          <a:off x="0" y="0"/>
-          <a:ext cx="0" cy="0"/>
-          <a:chOff x="0" y="0"/>
-          <a:chExt cx="0" cy="0"/>
-        </a:xfrm>
-      </p:grpSpPr>
-      <p:pic>
-        <p:nvPicPr>
-          <p:cNvPr id="6" name="Picture 5"/>
-          <p:cNvPicPr>
-            <a:picLocks noChangeAspect="1"/>
-          </p:cNvPicPr>
-          <p:nvPr/>
-        </p:nvPicPr>
-        <p:blipFill>
-          <a:blip r:embed="rId3" cstate="print"/>
-          <a:stretch>
-            <a:fillRect/>
-          </a:stretch>
-        </p:blipFill>
-        <p:spPr>
-          <a:xfrm>
-            <a:off x="10886" y="0"/>
-            <a:ext cx="2781300" cy="2257425"/>
-          </a:xfrm>
-          <a:prstGeom prst="rect">
-            <a:avLst/>
-          </a:prstGeom>
-        </p:spPr>
-      </p:pic>
-      <p:sp>
-        <p:nvSpPr>
-          <p:cNvPr id="2" name="Title 1"/>
-          <p:cNvSpPr>
-            <a:spLocks noGrp="1"/>
-          </p:cNvSpPr>
-          <p:nvPr>
-            <p:ph type="title"/>
-          </p:nvPr>
-        </p:nvSpPr>
-        <p:spPr/>
-        <p:txBody>
-          <a:bodyPr/>
-          <a:lstStyle/>
-          <a:p>
-            <a:pPr algn="r"/>
-            <a:r>
-              <a:rPr lang="en-US" dirty="0" smtClean="0">
-                <a:solidFill>
-                  <a:schemeClr val="bg1"/>
-                </a:solidFill>
-                <a:latin typeface="Proxima Nova Rg" panose="02000506030000020004" pitchFamily="2" charset="0"/>
-              </a:rPr>
-              <a:t>Readable Stream</a:t>
-            </a:r>
-            <a:endParaRPr lang="en-US" dirty="0">
-              <a:solidFill>
-                <a:schemeClr val="bg1"/>
-              </a:solidFill>
-              <a:latin typeface="Proxima Nova Rg" panose="02000506030000020004" pitchFamily="2" charset="0"/>
-            </a:endParaRPr>
-          </a:p>
-        </p:txBody>
-      </p:sp>
-      <p:sp>
-        <p:nvSpPr>
-          <p:cNvPr id="3" name="Content Placeholder 2"/>
-          <p:cNvSpPr>
-            <a:spLocks noGrp="1"/>
-          </p:cNvSpPr>
-          <p:nvPr>
-            <p:ph idx="1"/>
-          </p:nvPr>
-        </p:nvSpPr>
-        <p:spPr/>
-        <p:txBody>
-          <a:bodyPr/>
-          <a:lstStyle/>
-          <a:p>
-            <a:r>
-              <a:rPr lang="en-US" dirty="0" smtClean="0">
-                <a:solidFill>
-                  <a:schemeClr val="bg1"/>
-                </a:solidFill>
-                <a:latin typeface="Proxima Nova Rg" panose="02000506030000020004" pitchFamily="50" charset="0"/>
-              </a:rPr>
-              <a:t>Emit many data events and a single end event</a:t>
-            </a:r>
-          </a:p>
-        </p:txBody>
-      </p:sp>
-      <p:sp>
-        <p:nvSpPr>
-          <p:cNvPr id="5" name="TextBox 4"/>
-          <p:cNvSpPr txBox="1"/>
-          <p:nvPr/>
-        </p:nvSpPr>
-        <p:spPr>
-          <a:xfrm>
-            <a:off x="457200" y="2970800"/>
-            <a:ext cx="8229600" cy="3477875"/>
-          </a:xfrm>
-          <a:prstGeom prst="rect">
-            <a:avLst/>
-          </a:prstGeom>
-          <a:noFill/>
-        </p:spPr>
-        <p:txBody>
-          <a:bodyPr wrap="square" rtlCol="0">
-            <a:spAutoFit/>
-          </a:bodyPr>
-          <a:lstStyle/>
-          <a:p>
-            <a:r>
-              <a:rPr lang="en-US" sz="2000" b="1" dirty="0" err="1">
-                <a:solidFill>
-                  <a:srgbClr val="66D9EF"/>
-                </a:solidFill>
-                <a:latin typeface="Lucida Console" panose="020B0609040504020204" pitchFamily="49" charset="0"/>
-                <a:cs typeface="Consolas" panose="020B0609020204030204" pitchFamily="49" charset="0"/>
-              </a:rPr>
-              <a:t>var</a:t>
-            </a:r>
-            <a:r>
-              <a:rPr lang="en-US" sz="2000" b="1" dirty="0">
-                <a:solidFill>
-                  <a:srgbClr val="66D9EF"/>
-                </a:solidFill>
-                <a:latin typeface="Lucida Console" panose="020B0609040504020204" pitchFamily="49" charset="0"/>
-                <a:cs typeface="Consolas" panose="020B0609020204030204" pitchFamily="49" charset="0"/>
-              </a:rPr>
-              <a:t> </a:t>
-            </a:r>
-            <a:r>
-              <a:rPr lang="en-US" sz="2000" b="1" dirty="0">
-                <a:solidFill>
-                  <a:schemeClr val="bg1"/>
-                </a:solidFill>
-                <a:latin typeface="Lucida Console" panose="020B0609040504020204" pitchFamily="49" charset="0"/>
-                <a:cs typeface="Consolas" panose="020B0609020204030204" pitchFamily="49" charset="0"/>
-              </a:rPr>
-              <a:t>s = </a:t>
-            </a:r>
-            <a:r>
-              <a:rPr lang="en-US" sz="2000" b="1" dirty="0">
-                <a:solidFill>
-                  <a:srgbClr val="F92672"/>
-                </a:solidFill>
-                <a:latin typeface="Lucida Console" panose="020B0609040504020204" pitchFamily="49" charset="0"/>
-                <a:cs typeface="Consolas" panose="020B0609020204030204" pitchFamily="49" charset="0"/>
-              </a:rPr>
-              <a:t>new</a:t>
-            </a:r>
-            <a:r>
-              <a:rPr lang="en-US" sz="2000" b="1" dirty="0">
-                <a:solidFill>
-                  <a:schemeClr val="bg1"/>
-                </a:solidFill>
-                <a:latin typeface="Lucida Console" panose="020B0609040504020204" pitchFamily="49" charset="0"/>
-                <a:cs typeface="Consolas" panose="020B0609020204030204" pitchFamily="49" charset="0"/>
-              </a:rPr>
-              <a:t> Stream();</a:t>
-            </a:r>
-          </a:p>
-          <a:p>
-            <a:r>
-              <a:rPr lang="en-US" sz="2000" b="1" dirty="0" err="1">
-                <a:solidFill>
-                  <a:schemeClr val="bg1"/>
-                </a:solidFill>
-                <a:latin typeface="Lucida Console" panose="020B0609040504020204" pitchFamily="49" charset="0"/>
-                <a:cs typeface="Consolas" panose="020B0609020204030204" pitchFamily="49" charset="0"/>
-              </a:rPr>
-              <a:t>s.</a:t>
-            </a:r>
-            <a:r>
-              <a:rPr lang="en-US" sz="2000" b="1" dirty="0" err="1">
-                <a:solidFill>
-                  <a:srgbClr val="66D9EF"/>
-                </a:solidFill>
-                <a:latin typeface="Lucida Console" panose="020B0609040504020204" pitchFamily="49" charset="0"/>
-                <a:cs typeface="Consolas" panose="020B0609020204030204" pitchFamily="49" charset="0"/>
-              </a:rPr>
-              <a:t>readable</a:t>
-            </a:r>
-            <a:r>
-              <a:rPr lang="en-US" sz="2000" b="1" dirty="0">
-                <a:solidFill>
-                  <a:schemeClr val="bg1"/>
-                </a:solidFill>
-                <a:latin typeface="Lucida Console" panose="020B0609040504020204" pitchFamily="49" charset="0"/>
-                <a:cs typeface="Consolas" panose="020B0609020204030204" pitchFamily="49" charset="0"/>
-              </a:rPr>
-              <a:t> = </a:t>
-            </a:r>
-            <a:r>
-              <a:rPr lang="en-US" sz="2000" b="1" dirty="0">
-                <a:solidFill>
-                  <a:srgbClr val="AE81FF"/>
-                </a:solidFill>
-                <a:latin typeface="Lucida Console" panose="020B0609040504020204" pitchFamily="49" charset="0"/>
-                <a:cs typeface="Consolas" panose="020B0609020204030204" pitchFamily="49" charset="0"/>
-              </a:rPr>
-              <a:t>true</a:t>
-            </a:r>
-            <a:r>
-              <a:rPr lang="en-US" sz="2000" b="1" dirty="0">
-                <a:solidFill>
-                  <a:schemeClr val="bg1"/>
-                </a:solidFill>
-                <a:latin typeface="Lucida Console" panose="020B0609040504020204" pitchFamily="49" charset="0"/>
-                <a:cs typeface="Consolas" panose="020B0609020204030204" pitchFamily="49" charset="0"/>
-              </a:rPr>
-              <a:t>;</a:t>
-            </a:r>
-          </a:p>
-          <a:p>
-            <a:endParaRPr lang="en-US" sz="2000" b="1" dirty="0">
-              <a:solidFill>
-                <a:schemeClr val="bg1"/>
-              </a:solidFill>
-              <a:latin typeface="Lucida Console" panose="020B0609040504020204" pitchFamily="49" charset="0"/>
-              <a:cs typeface="Consolas" panose="020B0609020204030204" pitchFamily="49" charset="0"/>
-            </a:endParaRPr>
-          </a:p>
-          <a:p>
-            <a:r>
-              <a:rPr lang="en-US" sz="2000" b="1" dirty="0" err="1">
-                <a:solidFill>
-                  <a:srgbClr val="66D9EF"/>
-                </a:solidFill>
-                <a:latin typeface="Lucida Console" panose="020B0609040504020204" pitchFamily="49" charset="0"/>
-                <a:cs typeface="Consolas" panose="020B0609020204030204" pitchFamily="49" charset="0"/>
-              </a:rPr>
-              <a:t>var</a:t>
-            </a:r>
-            <a:r>
-              <a:rPr lang="en-US" sz="2000" b="1" dirty="0">
-                <a:solidFill>
-                  <a:srgbClr val="66D9EF"/>
-                </a:solidFill>
-                <a:latin typeface="Lucida Console" panose="020B0609040504020204" pitchFamily="49" charset="0"/>
-                <a:cs typeface="Consolas" panose="020B0609020204030204" pitchFamily="49" charset="0"/>
-              </a:rPr>
-              <a:t> </a:t>
-            </a:r>
-            <a:r>
-              <a:rPr lang="en-US" sz="2000" b="1" dirty="0">
-                <a:solidFill>
-                  <a:schemeClr val="bg1"/>
-                </a:solidFill>
-                <a:latin typeface="Lucida Console" panose="020B0609040504020204" pitchFamily="49" charset="0"/>
-                <a:cs typeface="Consolas" panose="020B0609020204030204" pitchFamily="49" charset="0"/>
-              </a:rPr>
-              <a:t>count = </a:t>
-            </a:r>
-            <a:r>
-              <a:rPr lang="en-US" sz="2000" b="1" dirty="0">
-                <a:solidFill>
-                  <a:srgbClr val="AE81FF"/>
-                </a:solidFill>
-                <a:latin typeface="Lucida Console" panose="020B0609040504020204" pitchFamily="49" charset="0"/>
-                <a:cs typeface="Consolas" panose="020B0609020204030204" pitchFamily="49" charset="0"/>
-              </a:rPr>
-              <a:t>0</a:t>
-            </a:r>
-            <a:r>
-              <a:rPr lang="en-US" sz="2000" b="1" dirty="0">
-                <a:solidFill>
-                  <a:schemeClr val="bg1"/>
-                </a:solidFill>
-                <a:latin typeface="Lucida Console" panose="020B0609040504020204" pitchFamily="49" charset="0"/>
-                <a:cs typeface="Consolas" panose="020B0609020204030204" pitchFamily="49" charset="0"/>
-              </a:rPr>
-              <a:t>;</a:t>
-            </a:r>
-          </a:p>
-          <a:p>
-            <a:r>
-              <a:rPr lang="en-US" sz="2000" b="1" dirty="0" err="1">
-                <a:solidFill>
-                  <a:srgbClr val="66D9EF"/>
-                </a:solidFill>
-                <a:latin typeface="Lucida Console" panose="020B0609040504020204" pitchFamily="49" charset="0"/>
-                <a:cs typeface="Consolas" panose="020B0609020204030204" pitchFamily="49" charset="0"/>
-              </a:rPr>
-              <a:t>var</a:t>
-            </a:r>
-            <a:r>
-              <a:rPr lang="en-US" sz="2000" b="1" dirty="0">
-                <a:solidFill>
-                  <a:srgbClr val="66D9EF"/>
-                </a:solidFill>
-                <a:latin typeface="Lucida Console" panose="020B0609040504020204" pitchFamily="49" charset="0"/>
-                <a:cs typeface="Consolas" panose="020B0609020204030204" pitchFamily="49" charset="0"/>
-              </a:rPr>
-              <a:t> </a:t>
-            </a:r>
-            <a:r>
-              <a:rPr lang="en-US" sz="2000" b="1" dirty="0">
-                <a:solidFill>
-                  <a:schemeClr val="bg1"/>
-                </a:solidFill>
-                <a:latin typeface="Lucida Console" panose="020B0609040504020204" pitchFamily="49" charset="0"/>
-                <a:cs typeface="Consolas" panose="020B0609020204030204" pitchFamily="49" charset="0"/>
-              </a:rPr>
-              <a:t>id = </a:t>
-            </a:r>
-            <a:r>
-              <a:rPr lang="en-US" sz="2000" b="1" dirty="0" err="1">
-                <a:solidFill>
-                  <a:schemeClr val="bg1"/>
-                </a:solidFill>
-                <a:latin typeface="Lucida Console" panose="020B0609040504020204" pitchFamily="49" charset="0"/>
-                <a:cs typeface="Consolas" panose="020B0609020204030204" pitchFamily="49" charset="0"/>
-              </a:rPr>
-              <a:t>setInterval</a:t>
-            </a:r>
-            <a:r>
-              <a:rPr lang="en-US" sz="2000" b="1" dirty="0">
-                <a:solidFill>
-                  <a:schemeClr val="bg1"/>
-                </a:solidFill>
-                <a:latin typeface="Lucida Console" panose="020B0609040504020204" pitchFamily="49" charset="0"/>
-                <a:cs typeface="Consolas" panose="020B0609020204030204" pitchFamily="49" charset="0"/>
-              </a:rPr>
-              <a:t>(</a:t>
-            </a:r>
-            <a:r>
-              <a:rPr lang="en-US" sz="2000" b="1" dirty="0">
-                <a:solidFill>
-                  <a:srgbClr val="66D9EF"/>
-                </a:solidFill>
-                <a:latin typeface="Lucida Console" panose="020B0609040504020204" pitchFamily="49" charset="0"/>
-                <a:cs typeface="Consolas" panose="020B0609020204030204" pitchFamily="49" charset="0"/>
-              </a:rPr>
-              <a:t>function</a:t>
-            </a:r>
-            <a:r>
-              <a:rPr lang="en-US" sz="2000" b="1" dirty="0">
-                <a:solidFill>
-                  <a:schemeClr val="bg1"/>
-                </a:solidFill>
-                <a:latin typeface="Lucida Console" panose="020B0609040504020204" pitchFamily="49" charset="0"/>
-                <a:cs typeface="Consolas" panose="020B0609020204030204" pitchFamily="49" charset="0"/>
-              </a:rPr>
-              <a:t> () {</a:t>
-            </a:r>
-          </a:p>
-          <a:p>
-            <a:r>
-              <a:rPr lang="en-US" sz="2000" b="1" dirty="0">
-                <a:solidFill>
-                  <a:schemeClr val="bg1"/>
-                </a:solidFill>
-                <a:latin typeface="Lucida Console" panose="020B0609040504020204" pitchFamily="49" charset="0"/>
-                <a:cs typeface="Consolas" panose="020B0609020204030204" pitchFamily="49" charset="0"/>
-              </a:rPr>
-              <a:t>    </a:t>
-            </a:r>
-            <a:r>
-              <a:rPr lang="en-US" sz="2000" b="1" dirty="0" err="1">
-                <a:solidFill>
-                  <a:schemeClr val="bg1"/>
-                </a:solidFill>
-                <a:latin typeface="Lucida Console" panose="020B0609040504020204" pitchFamily="49" charset="0"/>
-                <a:cs typeface="Consolas" panose="020B0609020204030204" pitchFamily="49" charset="0"/>
-              </a:rPr>
-              <a:t>s.</a:t>
-            </a:r>
-            <a:r>
-              <a:rPr lang="en-US" sz="2000" b="1" dirty="0" err="1">
-                <a:solidFill>
-                  <a:srgbClr val="66D9EF"/>
-                </a:solidFill>
-                <a:latin typeface="Lucida Console" panose="020B0609040504020204" pitchFamily="49" charset="0"/>
-                <a:cs typeface="Consolas" panose="020B0609020204030204" pitchFamily="49" charset="0"/>
-              </a:rPr>
-              <a:t>emit</a:t>
-            </a:r>
-            <a:r>
-              <a:rPr lang="en-US" sz="2000" b="1" dirty="0">
-                <a:solidFill>
-                  <a:schemeClr val="bg1"/>
-                </a:solidFill>
-                <a:latin typeface="Lucida Console" panose="020B0609040504020204" pitchFamily="49" charset="0"/>
-                <a:cs typeface="Consolas" panose="020B0609020204030204" pitchFamily="49" charset="0"/>
-              </a:rPr>
-              <a:t>(</a:t>
-            </a:r>
-            <a:r>
-              <a:rPr lang="en-US" sz="2000" b="1" dirty="0">
-                <a:solidFill>
-                  <a:srgbClr val="E6DB74"/>
-                </a:solidFill>
-                <a:latin typeface="Lucida Console" panose="020B0609040504020204" pitchFamily="49" charset="0"/>
-                <a:cs typeface="Consolas" panose="020B0609020204030204" pitchFamily="49" charset="0"/>
-              </a:rPr>
-              <a:t>'data'</a:t>
-            </a:r>
-            <a:r>
-              <a:rPr lang="en-US" sz="2000" b="1" dirty="0">
-                <a:solidFill>
-                  <a:schemeClr val="bg1"/>
-                </a:solidFill>
-                <a:latin typeface="Lucida Console" panose="020B0609040504020204" pitchFamily="49" charset="0"/>
-                <a:cs typeface="Consolas" panose="020B0609020204030204" pitchFamily="49" charset="0"/>
-              </a:rPr>
-              <a:t>, count);</a:t>
-            </a:r>
-          </a:p>
-          <a:p>
-            <a:r>
-              <a:rPr lang="en-US" sz="2000" b="1" dirty="0">
-                <a:solidFill>
-                  <a:schemeClr val="bg1"/>
-                </a:solidFill>
-                <a:latin typeface="Lucida Console" panose="020B0609040504020204" pitchFamily="49" charset="0"/>
-                <a:cs typeface="Consolas" panose="020B0609020204030204" pitchFamily="49" charset="0"/>
-              </a:rPr>
-              <a:t>    </a:t>
-            </a:r>
-            <a:r>
-              <a:rPr lang="en-US" sz="2000" b="1" dirty="0">
-                <a:solidFill>
-                  <a:srgbClr val="F92672"/>
-                </a:solidFill>
-                <a:latin typeface="Lucida Console" panose="020B0609040504020204" pitchFamily="49" charset="0"/>
-                <a:cs typeface="Consolas" panose="020B0609020204030204" pitchFamily="49" charset="0"/>
-              </a:rPr>
-              <a:t>if</a:t>
-            </a:r>
-            <a:r>
-              <a:rPr lang="en-US" sz="2000" b="1" dirty="0">
-                <a:solidFill>
-                  <a:schemeClr val="bg1"/>
-                </a:solidFill>
-                <a:latin typeface="Lucida Console" panose="020B0609040504020204" pitchFamily="49" charset="0"/>
-                <a:cs typeface="Consolas" panose="020B0609020204030204" pitchFamily="49" charset="0"/>
-              </a:rPr>
-              <a:t> (++count === </a:t>
-            </a:r>
-            <a:r>
-              <a:rPr lang="en-US" sz="2000" b="1" dirty="0">
-                <a:solidFill>
-                  <a:srgbClr val="AE81FF"/>
-                </a:solidFill>
-                <a:latin typeface="Lucida Console" panose="020B0609040504020204" pitchFamily="49" charset="0"/>
-                <a:cs typeface="Consolas" panose="020B0609020204030204" pitchFamily="49" charset="0"/>
-              </a:rPr>
-              <a:t>5</a:t>
-            </a:r>
-            <a:r>
-              <a:rPr lang="en-US" sz="2000" b="1" dirty="0">
-                <a:solidFill>
-                  <a:schemeClr val="bg1"/>
-                </a:solidFill>
-                <a:latin typeface="Lucida Console" panose="020B0609040504020204" pitchFamily="49" charset="0"/>
-                <a:cs typeface="Consolas" panose="020B0609020204030204" pitchFamily="49" charset="0"/>
-              </a:rPr>
-              <a:t>) {</a:t>
-            </a:r>
-          </a:p>
-          <a:p>
-            <a:r>
-              <a:rPr lang="en-US" sz="2000" b="1" dirty="0">
-                <a:solidFill>
-                  <a:schemeClr val="bg1"/>
-                </a:solidFill>
-                <a:latin typeface="Lucida Console" panose="020B0609040504020204" pitchFamily="49" charset="0"/>
-                <a:cs typeface="Consolas" panose="020B0609020204030204" pitchFamily="49" charset="0"/>
-              </a:rPr>
-              <a:t>        </a:t>
-            </a:r>
-            <a:r>
-              <a:rPr lang="en-US" sz="2000" b="1" dirty="0" err="1">
-                <a:solidFill>
-                  <a:schemeClr val="bg1"/>
-                </a:solidFill>
-                <a:latin typeface="Lucida Console" panose="020B0609040504020204" pitchFamily="49" charset="0"/>
-                <a:cs typeface="Consolas" panose="020B0609020204030204" pitchFamily="49" charset="0"/>
-              </a:rPr>
-              <a:t>s.</a:t>
-            </a:r>
-            <a:r>
-              <a:rPr lang="en-US" sz="2000" b="1" dirty="0" err="1">
-                <a:solidFill>
-                  <a:srgbClr val="66D9EF"/>
-                </a:solidFill>
-                <a:latin typeface="Lucida Console" panose="020B0609040504020204" pitchFamily="49" charset="0"/>
-                <a:cs typeface="Consolas" panose="020B0609020204030204" pitchFamily="49" charset="0"/>
-              </a:rPr>
-              <a:t>emit</a:t>
-            </a:r>
-            <a:r>
-              <a:rPr lang="en-US" sz="2000" b="1" dirty="0">
-                <a:solidFill>
-                  <a:schemeClr val="bg1"/>
-                </a:solidFill>
-                <a:latin typeface="Lucida Console" panose="020B0609040504020204" pitchFamily="49" charset="0"/>
-                <a:cs typeface="Consolas" panose="020B0609020204030204" pitchFamily="49" charset="0"/>
-              </a:rPr>
-              <a:t>(</a:t>
-            </a:r>
-            <a:r>
-              <a:rPr lang="en-US" sz="2000" b="1" dirty="0">
-                <a:solidFill>
-                  <a:srgbClr val="E6DB74"/>
-                </a:solidFill>
-                <a:latin typeface="Lucida Console" panose="020B0609040504020204" pitchFamily="49" charset="0"/>
-                <a:cs typeface="Consolas" panose="020B0609020204030204" pitchFamily="49" charset="0"/>
-              </a:rPr>
-              <a:t>'end'</a:t>
-            </a:r>
-            <a:r>
-              <a:rPr lang="en-US" sz="2000" b="1" dirty="0">
-                <a:solidFill>
-                  <a:schemeClr val="bg1"/>
-                </a:solidFill>
-                <a:latin typeface="Lucida Console" panose="020B0609040504020204" pitchFamily="49" charset="0"/>
-                <a:cs typeface="Consolas" panose="020B0609020204030204" pitchFamily="49" charset="0"/>
-              </a:rPr>
-              <a:t>);</a:t>
-            </a:r>
-          </a:p>
-          <a:p>
-            <a:r>
-              <a:rPr lang="en-US" sz="2000" b="1" dirty="0">
-                <a:solidFill>
-                  <a:schemeClr val="bg1"/>
-                </a:solidFill>
-                <a:latin typeface="Lucida Console" panose="020B0609040504020204" pitchFamily="49" charset="0"/>
-                <a:cs typeface="Consolas" panose="020B0609020204030204" pitchFamily="49" charset="0"/>
-              </a:rPr>
-              <a:t>        </a:t>
-            </a:r>
-            <a:r>
-              <a:rPr lang="en-US" sz="2000" b="1" dirty="0" err="1">
-                <a:solidFill>
-                  <a:schemeClr val="bg1"/>
-                </a:solidFill>
-                <a:latin typeface="Lucida Console" panose="020B0609040504020204" pitchFamily="49" charset="0"/>
-                <a:cs typeface="Consolas" panose="020B0609020204030204" pitchFamily="49" charset="0"/>
-              </a:rPr>
-              <a:t>clearInterval</a:t>
-            </a:r>
-            <a:r>
-              <a:rPr lang="en-US" sz="2000" b="1" dirty="0">
-                <a:solidFill>
-                  <a:schemeClr val="bg1"/>
-                </a:solidFill>
-                <a:latin typeface="Lucida Console" panose="020B0609040504020204" pitchFamily="49" charset="0"/>
-                <a:cs typeface="Consolas" panose="020B0609020204030204" pitchFamily="49" charset="0"/>
-              </a:rPr>
-              <a:t>(id);</a:t>
-            </a:r>
-          </a:p>
-          <a:p>
-            <a:r>
-              <a:rPr lang="en-US" sz="2000" b="1" dirty="0">
-                <a:solidFill>
-                  <a:schemeClr val="bg1"/>
-                </a:solidFill>
-                <a:latin typeface="Lucida Console" panose="020B0609040504020204" pitchFamily="49" charset="0"/>
-                <a:cs typeface="Consolas" panose="020B0609020204030204" pitchFamily="49" charset="0"/>
-              </a:rPr>
-              <a:t>    }</a:t>
-            </a:r>
-          </a:p>
-          <a:p>
-            <a:r>
-              <a:rPr lang="en-US" sz="2000" b="1" dirty="0">
-                <a:solidFill>
-                  <a:schemeClr val="bg1"/>
-                </a:solidFill>
-                <a:latin typeface="Lucida Console" panose="020B0609040504020204" pitchFamily="49" charset="0"/>
-                <a:cs typeface="Consolas" panose="020B0609020204030204" pitchFamily="49" charset="0"/>
-              </a:rPr>
-              <a:t>}, </a:t>
-            </a:r>
-            <a:r>
-              <a:rPr lang="en-US" sz="2000" b="1" dirty="0">
-                <a:solidFill>
-                  <a:srgbClr val="AE81FF"/>
-                </a:solidFill>
-                <a:latin typeface="Lucida Console" panose="020B0609040504020204" pitchFamily="49" charset="0"/>
-                <a:cs typeface="Consolas" panose="020B0609020204030204" pitchFamily="49" charset="0"/>
-              </a:rPr>
-              <a:t>1000</a:t>
-            </a:r>
-            <a:r>
-              <a:rPr lang="en-US" sz="2000" b="1" dirty="0">
-                <a:solidFill>
-                  <a:schemeClr val="bg1"/>
-                </a:solidFill>
-                <a:latin typeface="Lucida Console" panose="020B0609040504020204" pitchFamily="49" charset="0"/>
-                <a:cs typeface="Consolas" panose="020B0609020204030204" pitchFamily="49" charset="0"/>
-              </a:rPr>
-              <a:t>);</a:t>
-            </a:r>
-          </a:p>
-        </p:txBody>
-      </p:sp>
-    </p:spTree>
-  </p:cSld>
-  <p:clrMapOvr>
-    <a:masterClrMapping/>
-  </p:clrMapOvr>
-  <p:timing>
-    <p:tnLst>
-      <p:par>
-        <p:cTn id="1" dur="indefinite" restart="never" nodeType="tmRoot"/>
-      </p:par>
-    </p:tnLst>
-  </p:timing>
 </p:sld>
 </file>
 
@@ -9968,6 +9556,643 @@
           <p:nvPr/>
         </p:nvPicPr>
         <p:blipFill>
+          <a:blip r:embed="rId3" cstate="print"/>
+          <a:stretch>
+            <a:fillRect/>
+          </a:stretch>
+        </p:blipFill>
+        <p:spPr>
+          <a:xfrm>
+            <a:off x="10886" y="0"/>
+            <a:ext cx="2781300" cy="2257425"/>
+          </a:xfrm>
+          <a:prstGeom prst="rect">
+            <a:avLst/>
+          </a:prstGeom>
+        </p:spPr>
+      </p:pic>
+      <p:sp>
+        <p:nvSpPr>
+          <p:cNvPr id="2" name="Title 1"/>
+          <p:cNvSpPr>
+            <a:spLocks noGrp="1"/>
+          </p:cNvSpPr>
+          <p:nvPr>
+            <p:ph type="title"/>
+          </p:nvPr>
+        </p:nvSpPr>
+        <p:spPr/>
+        <p:txBody>
+          <a:bodyPr/>
+          <a:lstStyle/>
+          <a:p>
+            <a:pPr algn="r"/>
+            <a:r>
+              <a:rPr lang="en-US" dirty="0" smtClean="0">
+                <a:solidFill>
+                  <a:schemeClr val="bg1"/>
+                </a:solidFill>
+                <a:latin typeface="Proxima Nova Rg" panose="02000506030000020004" pitchFamily="2" charset="0"/>
+              </a:rPr>
+              <a:t>Readable Stream</a:t>
+            </a:r>
+            <a:endParaRPr lang="en-US" dirty="0">
+              <a:solidFill>
+                <a:schemeClr val="bg1"/>
+              </a:solidFill>
+              <a:latin typeface="Proxima Nova Rg" panose="02000506030000020004" pitchFamily="2" charset="0"/>
+            </a:endParaRPr>
+          </a:p>
+        </p:txBody>
+      </p:sp>
+      <p:sp>
+        <p:nvSpPr>
+          <p:cNvPr id="3" name="Content Placeholder 2"/>
+          <p:cNvSpPr>
+            <a:spLocks noGrp="1"/>
+          </p:cNvSpPr>
+          <p:nvPr>
+            <p:ph idx="1"/>
+          </p:nvPr>
+        </p:nvSpPr>
+        <p:spPr/>
+        <p:txBody>
+          <a:bodyPr/>
+          <a:lstStyle/>
+          <a:p>
+            <a:r>
+              <a:rPr lang="en-US" dirty="0" smtClean="0">
+                <a:solidFill>
+                  <a:schemeClr val="bg1"/>
+                </a:solidFill>
+                <a:latin typeface="Proxima Nova Rg" panose="02000506030000020004" pitchFamily="50" charset="0"/>
+              </a:rPr>
+              <a:t>Emit many data events and a single end event</a:t>
+            </a:r>
+          </a:p>
+        </p:txBody>
+      </p:sp>
+      <p:sp>
+        <p:nvSpPr>
+          <p:cNvPr id="5" name="TextBox 4"/>
+          <p:cNvSpPr txBox="1"/>
+          <p:nvPr/>
+        </p:nvSpPr>
+        <p:spPr>
+          <a:xfrm>
+            <a:off x="457200" y="2970800"/>
+            <a:ext cx="8229600" cy="3477875"/>
+          </a:xfrm>
+          <a:prstGeom prst="rect">
+            <a:avLst/>
+          </a:prstGeom>
+          <a:noFill/>
+        </p:spPr>
+        <p:txBody>
+          <a:bodyPr wrap="square" rtlCol="0">
+            <a:spAutoFit/>
+          </a:bodyPr>
+          <a:lstStyle/>
+          <a:p>
+            <a:r>
+              <a:rPr lang="en-US" sz="2000" b="1" dirty="0" err="1">
+                <a:solidFill>
+                  <a:srgbClr val="66D9EF"/>
+                </a:solidFill>
+                <a:latin typeface="Lucida Console" panose="020B0609040504020204" pitchFamily="49" charset="0"/>
+                <a:cs typeface="Consolas" panose="020B0609020204030204" pitchFamily="49" charset="0"/>
+              </a:rPr>
+              <a:t>var</a:t>
+            </a:r>
+            <a:r>
+              <a:rPr lang="en-US" sz="2000" b="1" dirty="0">
+                <a:solidFill>
+                  <a:srgbClr val="66D9EF"/>
+                </a:solidFill>
+                <a:latin typeface="Lucida Console" panose="020B0609040504020204" pitchFamily="49" charset="0"/>
+                <a:cs typeface="Consolas" panose="020B0609020204030204" pitchFamily="49" charset="0"/>
+              </a:rPr>
+              <a:t> </a:t>
+            </a:r>
+            <a:r>
+              <a:rPr lang="en-US" sz="2000" b="1" dirty="0">
+                <a:solidFill>
+                  <a:schemeClr val="bg1"/>
+                </a:solidFill>
+                <a:latin typeface="Lucida Console" panose="020B0609040504020204" pitchFamily="49" charset="0"/>
+                <a:cs typeface="Consolas" panose="020B0609020204030204" pitchFamily="49" charset="0"/>
+              </a:rPr>
+              <a:t>s = </a:t>
+            </a:r>
+            <a:r>
+              <a:rPr lang="en-US" sz="2000" b="1" dirty="0">
+                <a:solidFill>
+                  <a:srgbClr val="F92672"/>
+                </a:solidFill>
+                <a:latin typeface="Lucida Console" panose="020B0609040504020204" pitchFamily="49" charset="0"/>
+                <a:cs typeface="Consolas" panose="020B0609020204030204" pitchFamily="49" charset="0"/>
+              </a:rPr>
+              <a:t>new</a:t>
+            </a:r>
+            <a:r>
+              <a:rPr lang="en-US" sz="2000" b="1" dirty="0">
+                <a:solidFill>
+                  <a:schemeClr val="bg1"/>
+                </a:solidFill>
+                <a:latin typeface="Lucida Console" panose="020B0609040504020204" pitchFamily="49" charset="0"/>
+                <a:cs typeface="Consolas" panose="020B0609020204030204" pitchFamily="49" charset="0"/>
+              </a:rPr>
+              <a:t> Stream();</a:t>
+            </a:r>
+          </a:p>
+          <a:p>
+            <a:r>
+              <a:rPr lang="en-US" sz="2000" b="1" dirty="0" err="1">
+                <a:solidFill>
+                  <a:schemeClr val="bg1"/>
+                </a:solidFill>
+                <a:latin typeface="Lucida Console" panose="020B0609040504020204" pitchFamily="49" charset="0"/>
+                <a:cs typeface="Consolas" panose="020B0609020204030204" pitchFamily="49" charset="0"/>
+              </a:rPr>
+              <a:t>s.</a:t>
+            </a:r>
+            <a:r>
+              <a:rPr lang="en-US" sz="2000" b="1" dirty="0" err="1">
+                <a:solidFill>
+                  <a:srgbClr val="66D9EF"/>
+                </a:solidFill>
+                <a:latin typeface="Lucida Console" panose="020B0609040504020204" pitchFamily="49" charset="0"/>
+                <a:cs typeface="Consolas" panose="020B0609020204030204" pitchFamily="49" charset="0"/>
+              </a:rPr>
+              <a:t>readable</a:t>
+            </a:r>
+            <a:r>
+              <a:rPr lang="en-US" sz="2000" b="1" dirty="0">
+                <a:solidFill>
+                  <a:schemeClr val="bg1"/>
+                </a:solidFill>
+                <a:latin typeface="Lucida Console" panose="020B0609040504020204" pitchFamily="49" charset="0"/>
+                <a:cs typeface="Consolas" panose="020B0609020204030204" pitchFamily="49" charset="0"/>
+              </a:rPr>
+              <a:t> = </a:t>
+            </a:r>
+            <a:r>
+              <a:rPr lang="en-US" sz="2000" b="1" dirty="0">
+                <a:solidFill>
+                  <a:srgbClr val="AE81FF"/>
+                </a:solidFill>
+                <a:latin typeface="Lucida Console" panose="020B0609040504020204" pitchFamily="49" charset="0"/>
+                <a:cs typeface="Consolas" panose="020B0609020204030204" pitchFamily="49" charset="0"/>
+              </a:rPr>
+              <a:t>true</a:t>
+            </a:r>
+            <a:r>
+              <a:rPr lang="en-US" sz="2000" b="1" dirty="0">
+                <a:solidFill>
+                  <a:schemeClr val="bg1"/>
+                </a:solidFill>
+                <a:latin typeface="Lucida Console" panose="020B0609040504020204" pitchFamily="49" charset="0"/>
+                <a:cs typeface="Consolas" panose="020B0609020204030204" pitchFamily="49" charset="0"/>
+              </a:rPr>
+              <a:t>;</a:t>
+            </a:r>
+          </a:p>
+          <a:p>
+            <a:endParaRPr lang="en-US" sz="2000" b="1" dirty="0">
+              <a:solidFill>
+                <a:schemeClr val="bg1"/>
+              </a:solidFill>
+              <a:latin typeface="Lucida Console" panose="020B0609040504020204" pitchFamily="49" charset="0"/>
+              <a:cs typeface="Consolas" panose="020B0609020204030204" pitchFamily="49" charset="0"/>
+            </a:endParaRPr>
+          </a:p>
+          <a:p>
+            <a:r>
+              <a:rPr lang="en-US" sz="2000" b="1" dirty="0" err="1">
+                <a:solidFill>
+                  <a:srgbClr val="66D9EF"/>
+                </a:solidFill>
+                <a:latin typeface="Lucida Console" panose="020B0609040504020204" pitchFamily="49" charset="0"/>
+                <a:cs typeface="Consolas" panose="020B0609020204030204" pitchFamily="49" charset="0"/>
+              </a:rPr>
+              <a:t>var</a:t>
+            </a:r>
+            <a:r>
+              <a:rPr lang="en-US" sz="2000" b="1" dirty="0">
+                <a:solidFill>
+                  <a:srgbClr val="66D9EF"/>
+                </a:solidFill>
+                <a:latin typeface="Lucida Console" panose="020B0609040504020204" pitchFamily="49" charset="0"/>
+                <a:cs typeface="Consolas" panose="020B0609020204030204" pitchFamily="49" charset="0"/>
+              </a:rPr>
+              <a:t> </a:t>
+            </a:r>
+            <a:r>
+              <a:rPr lang="en-US" sz="2000" b="1" dirty="0">
+                <a:solidFill>
+                  <a:schemeClr val="bg1"/>
+                </a:solidFill>
+                <a:latin typeface="Lucida Console" panose="020B0609040504020204" pitchFamily="49" charset="0"/>
+                <a:cs typeface="Consolas" panose="020B0609020204030204" pitchFamily="49" charset="0"/>
+              </a:rPr>
+              <a:t>count = </a:t>
+            </a:r>
+            <a:r>
+              <a:rPr lang="en-US" sz="2000" b="1" dirty="0">
+                <a:solidFill>
+                  <a:srgbClr val="AE81FF"/>
+                </a:solidFill>
+                <a:latin typeface="Lucida Console" panose="020B0609040504020204" pitchFamily="49" charset="0"/>
+                <a:cs typeface="Consolas" panose="020B0609020204030204" pitchFamily="49" charset="0"/>
+              </a:rPr>
+              <a:t>0</a:t>
+            </a:r>
+            <a:r>
+              <a:rPr lang="en-US" sz="2000" b="1" dirty="0">
+                <a:solidFill>
+                  <a:schemeClr val="bg1"/>
+                </a:solidFill>
+                <a:latin typeface="Lucida Console" panose="020B0609040504020204" pitchFamily="49" charset="0"/>
+                <a:cs typeface="Consolas" panose="020B0609020204030204" pitchFamily="49" charset="0"/>
+              </a:rPr>
+              <a:t>;</a:t>
+            </a:r>
+          </a:p>
+          <a:p>
+            <a:r>
+              <a:rPr lang="en-US" sz="2000" b="1" dirty="0" err="1">
+                <a:solidFill>
+                  <a:srgbClr val="66D9EF"/>
+                </a:solidFill>
+                <a:latin typeface="Lucida Console" panose="020B0609040504020204" pitchFamily="49" charset="0"/>
+                <a:cs typeface="Consolas" panose="020B0609020204030204" pitchFamily="49" charset="0"/>
+              </a:rPr>
+              <a:t>var</a:t>
+            </a:r>
+            <a:r>
+              <a:rPr lang="en-US" sz="2000" b="1" dirty="0">
+                <a:solidFill>
+                  <a:srgbClr val="66D9EF"/>
+                </a:solidFill>
+                <a:latin typeface="Lucida Console" panose="020B0609040504020204" pitchFamily="49" charset="0"/>
+                <a:cs typeface="Consolas" panose="020B0609020204030204" pitchFamily="49" charset="0"/>
+              </a:rPr>
+              <a:t> </a:t>
+            </a:r>
+            <a:r>
+              <a:rPr lang="en-US" sz="2000" b="1" dirty="0">
+                <a:solidFill>
+                  <a:schemeClr val="bg1"/>
+                </a:solidFill>
+                <a:latin typeface="Lucida Console" panose="020B0609040504020204" pitchFamily="49" charset="0"/>
+                <a:cs typeface="Consolas" panose="020B0609020204030204" pitchFamily="49" charset="0"/>
+              </a:rPr>
+              <a:t>id = </a:t>
+            </a:r>
+            <a:r>
+              <a:rPr lang="en-US" sz="2000" b="1" dirty="0" err="1">
+                <a:solidFill>
+                  <a:schemeClr val="bg1"/>
+                </a:solidFill>
+                <a:latin typeface="Lucida Console" panose="020B0609040504020204" pitchFamily="49" charset="0"/>
+                <a:cs typeface="Consolas" panose="020B0609020204030204" pitchFamily="49" charset="0"/>
+              </a:rPr>
+              <a:t>setInterval</a:t>
+            </a:r>
+            <a:r>
+              <a:rPr lang="en-US" sz="2000" b="1" dirty="0">
+                <a:solidFill>
+                  <a:schemeClr val="bg1"/>
+                </a:solidFill>
+                <a:latin typeface="Lucida Console" panose="020B0609040504020204" pitchFamily="49" charset="0"/>
+                <a:cs typeface="Consolas" panose="020B0609020204030204" pitchFamily="49" charset="0"/>
+              </a:rPr>
+              <a:t>(</a:t>
+            </a:r>
+            <a:r>
+              <a:rPr lang="en-US" sz="2000" b="1" dirty="0">
+                <a:solidFill>
+                  <a:srgbClr val="66D9EF"/>
+                </a:solidFill>
+                <a:latin typeface="Lucida Console" panose="020B0609040504020204" pitchFamily="49" charset="0"/>
+                <a:cs typeface="Consolas" panose="020B0609020204030204" pitchFamily="49" charset="0"/>
+              </a:rPr>
+              <a:t>function</a:t>
+            </a:r>
+            <a:r>
+              <a:rPr lang="en-US" sz="2000" b="1" dirty="0">
+                <a:solidFill>
+                  <a:schemeClr val="bg1"/>
+                </a:solidFill>
+                <a:latin typeface="Lucida Console" panose="020B0609040504020204" pitchFamily="49" charset="0"/>
+                <a:cs typeface="Consolas" panose="020B0609020204030204" pitchFamily="49" charset="0"/>
+              </a:rPr>
+              <a:t> () {</a:t>
+            </a:r>
+          </a:p>
+          <a:p>
+            <a:r>
+              <a:rPr lang="en-US" sz="2000" b="1" dirty="0">
+                <a:solidFill>
+                  <a:schemeClr val="bg1"/>
+                </a:solidFill>
+                <a:latin typeface="Lucida Console" panose="020B0609040504020204" pitchFamily="49" charset="0"/>
+                <a:cs typeface="Consolas" panose="020B0609020204030204" pitchFamily="49" charset="0"/>
+              </a:rPr>
+              <a:t>    </a:t>
+            </a:r>
+            <a:r>
+              <a:rPr lang="en-US" sz="2000" b="1" dirty="0" err="1">
+                <a:solidFill>
+                  <a:schemeClr val="bg1"/>
+                </a:solidFill>
+                <a:latin typeface="Lucida Console" panose="020B0609040504020204" pitchFamily="49" charset="0"/>
+                <a:cs typeface="Consolas" panose="020B0609020204030204" pitchFamily="49" charset="0"/>
+              </a:rPr>
+              <a:t>s.</a:t>
+            </a:r>
+            <a:r>
+              <a:rPr lang="en-US" sz="2000" b="1" dirty="0" err="1">
+                <a:solidFill>
+                  <a:srgbClr val="66D9EF"/>
+                </a:solidFill>
+                <a:latin typeface="Lucida Console" panose="020B0609040504020204" pitchFamily="49" charset="0"/>
+                <a:cs typeface="Consolas" panose="020B0609020204030204" pitchFamily="49" charset="0"/>
+              </a:rPr>
+              <a:t>emit</a:t>
+            </a:r>
+            <a:r>
+              <a:rPr lang="en-US" sz="2000" b="1" dirty="0">
+                <a:solidFill>
+                  <a:schemeClr val="bg1"/>
+                </a:solidFill>
+                <a:latin typeface="Lucida Console" panose="020B0609040504020204" pitchFamily="49" charset="0"/>
+                <a:cs typeface="Consolas" panose="020B0609020204030204" pitchFamily="49" charset="0"/>
+              </a:rPr>
+              <a:t>(</a:t>
+            </a:r>
+            <a:r>
+              <a:rPr lang="en-US" sz="2000" b="1" dirty="0">
+                <a:solidFill>
+                  <a:srgbClr val="E6DB74"/>
+                </a:solidFill>
+                <a:latin typeface="Lucida Console" panose="020B0609040504020204" pitchFamily="49" charset="0"/>
+                <a:cs typeface="Consolas" panose="020B0609020204030204" pitchFamily="49" charset="0"/>
+              </a:rPr>
+              <a:t>'data'</a:t>
+            </a:r>
+            <a:r>
+              <a:rPr lang="en-US" sz="2000" b="1" dirty="0">
+                <a:solidFill>
+                  <a:schemeClr val="bg1"/>
+                </a:solidFill>
+                <a:latin typeface="Lucida Console" panose="020B0609040504020204" pitchFamily="49" charset="0"/>
+                <a:cs typeface="Consolas" panose="020B0609020204030204" pitchFamily="49" charset="0"/>
+              </a:rPr>
+              <a:t>, count);</a:t>
+            </a:r>
+          </a:p>
+          <a:p>
+            <a:r>
+              <a:rPr lang="en-US" sz="2000" b="1" dirty="0">
+                <a:solidFill>
+                  <a:schemeClr val="bg1"/>
+                </a:solidFill>
+                <a:latin typeface="Lucida Console" panose="020B0609040504020204" pitchFamily="49" charset="0"/>
+                <a:cs typeface="Consolas" panose="020B0609020204030204" pitchFamily="49" charset="0"/>
+              </a:rPr>
+              <a:t>    </a:t>
+            </a:r>
+            <a:r>
+              <a:rPr lang="en-US" sz="2000" b="1" dirty="0">
+                <a:solidFill>
+                  <a:srgbClr val="F92672"/>
+                </a:solidFill>
+                <a:latin typeface="Lucida Console" panose="020B0609040504020204" pitchFamily="49" charset="0"/>
+                <a:cs typeface="Consolas" panose="020B0609020204030204" pitchFamily="49" charset="0"/>
+              </a:rPr>
+              <a:t>if</a:t>
+            </a:r>
+            <a:r>
+              <a:rPr lang="en-US" sz="2000" b="1" dirty="0">
+                <a:solidFill>
+                  <a:schemeClr val="bg1"/>
+                </a:solidFill>
+                <a:latin typeface="Lucida Console" panose="020B0609040504020204" pitchFamily="49" charset="0"/>
+                <a:cs typeface="Consolas" panose="020B0609020204030204" pitchFamily="49" charset="0"/>
+              </a:rPr>
+              <a:t> (++count === </a:t>
+            </a:r>
+            <a:r>
+              <a:rPr lang="en-US" sz="2000" b="1" dirty="0">
+                <a:solidFill>
+                  <a:srgbClr val="AE81FF"/>
+                </a:solidFill>
+                <a:latin typeface="Lucida Console" panose="020B0609040504020204" pitchFamily="49" charset="0"/>
+                <a:cs typeface="Consolas" panose="020B0609020204030204" pitchFamily="49" charset="0"/>
+              </a:rPr>
+              <a:t>5</a:t>
+            </a:r>
+            <a:r>
+              <a:rPr lang="en-US" sz="2000" b="1" dirty="0">
+                <a:solidFill>
+                  <a:schemeClr val="bg1"/>
+                </a:solidFill>
+                <a:latin typeface="Lucida Console" panose="020B0609040504020204" pitchFamily="49" charset="0"/>
+                <a:cs typeface="Consolas" panose="020B0609020204030204" pitchFamily="49" charset="0"/>
+              </a:rPr>
+              <a:t>) {</a:t>
+            </a:r>
+          </a:p>
+          <a:p>
+            <a:r>
+              <a:rPr lang="en-US" sz="2000" b="1" dirty="0">
+                <a:solidFill>
+                  <a:schemeClr val="bg1"/>
+                </a:solidFill>
+                <a:latin typeface="Lucida Console" panose="020B0609040504020204" pitchFamily="49" charset="0"/>
+                <a:cs typeface="Consolas" panose="020B0609020204030204" pitchFamily="49" charset="0"/>
+              </a:rPr>
+              <a:t>        </a:t>
+            </a:r>
+            <a:r>
+              <a:rPr lang="en-US" sz="2000" b="1" dirty="0" err="1">
+                <a:solidFill>
+                  <a:schemeClr val="bg1"/>
+                </a:solidFill>
+                <a:latin typeface="Lucida Console" panose="020B0609040504020204" pitchFamily="49" charset="0"/>
+                <a:cs typeface="Consolas" panose="020B0609020204030204" pitchFamily="49" charset="0"/>
+              </a:rPr>
+              <a:t>s.</a:t>
+            </a:r>
+            <a:r>
+              <a:rPr lang="en-US" sz="2000" b="1" dirty="0" err="1">
+                <a:solidFill>
+                  <a:srgbClr val="66D9EF"/>
+                </a:solidFill>
+                <a:latin typeface="Lucida Console" panose="020B0609040504020204" pitchFamily="49" charset="0"/>
+                <a:cs typeface="Consolas" panose="020B0609020204030204" pitchFamily="49" charset="0"/>
+              </a:rPr>
+              <a:t>emit</a:t>
+            </a:r>
+            <a:r>
+              <a:rPr lang="en-US" sz="2000" b="1" dirty="0">
+                <a:solidFill>
+                  <a:schemeClr val="bg1"/>
+                </a:solidFill>
+                <a:latin typeface="Lucida Console" panose="020B0609040504020204" pitchFamily="49" charset="0"/>
+                <a:cs typeface="Consolas" panose="020B0609020204030204" pitchFamily="49" charset="0"/>
+              </a:rPr>
+              <a:t>(</a:t>
+            </a:r>
+            <a:r>
+              <a:rPr lang="en-US" sz="2000" b="1" dirty="0">
+                <a:solidFill>
+                  <a:srgbClr val="E6DB74"/>
+                </a:solidFill>
+                <a:latin typeface="Lucida Console" panose="020B0609040504020204" pitchFamily="49" charset="0"/>
+                <a:cs typeface="Consolas" panose="020B0609020204030204" pitchFamily="49" charset="0"/>
+              </a:rPr>
+              <a:t>'end'</a:t>
+            </a:r>
+            <a:r>
+              <a:rPr lang="en-US" sz="2000" b="1" dirty="0">
+                <a:solidFill>
+                  <a:schemeClr val="bg1"/>
+                </a:solidFill>
+                <a:latin typeface="Lucida Console" panose="020B0609040504020204" pitchFamily="49" charset="0"/>
+                <a:cs typeface="Consolas" panose="020B0609020204030204" pitchFamily="49" charset="0"/>
+              </a:rPr>
+              <a:t>);</a:t>
+            </a:r>
+          </a:p>
+          <a:p>
+            <a:r>
+              <a:rPr lang="en-US" sz="2000" b="1" dirty="0">
+                <a:solidFill>
+                  <a:schemeClr val="bg1"/>
+                </a:solidFill>
+                <a:latin typeface="Lucida Console" panose="020B0609040504020204" pitchFamily="49" charset="0"/>
+                <a:cs typeface="Consolas" panose="020B0609020204030204" pitchFamily="49" charset="0"/>
+              </a:rPr>
+              <a:t>        </a:t>
+            </a:r>
+            <a:r>
+              <a:rPr lang="en-US" sz="2000" b="1" dirty="0" err="1">
+                <a:solidFill>
+                  <a:schemeClr val="bg1"/>
+                </a:solidFill>
+                <a:latin typeface="Lucida Console" panose="020B0609040504020204" pitchFamily="49" charset="0"/>
+                <a:cs typeface="Consolas" panose="020B0609020204030204" pitchFamily="49" charset="0"/>
+              </a:rPr>
+              <a:t>clearInterval</a:t>
+            </a:r>
+            <a:r>
+              <a:rPr lang="en-US" sz="2000" b="1" dirty="0">
+                <a:solidFill>
+                  <a:schemeClr val="bg1"/>
+                </a:solidFill>
+                <a:latin typeface="Lucida Console" panose="020B0609040504020204" pitchFamily="49" charset="0"/>
+                <a:cs typeface="Consolas" panose="020B0609020204030204" pitchFamily="49" charset="0"/>
+              </a:rPr>
+              <a:t>(id);</a:t>
+            </a:r>
+          </a:p>
+          <a:p>
+            <a:r>
+              <a:rPr lang="en-US" sz="2000" b="1" dirty="0">
+                <a:solidFill>
+                  <a:schemeClr val="bg1"/>
+                </a:solidFill>
+                <a:latin typeface="Lucida Console" panose="020B0609040504020204" pitchFamily="49" charset="0"/>
+                <a:cs typeface="Consolas" panose="020B0609020204030204" pitchFamily="49" charset="0"/>
+              </a:rPr>
+              <a:t>    }</a:t>
+            </a:r>
+          </a:p>
+          <a:p>
+            <a:r>
+              <a:rPr lang="en-US" sz="2000" b="1" dirty="0">
+                <a:solidFill>
+                  <a:schemeClr val="bg1"/>
+                </a:solidFill>
+                <a:latin typeface="Lucida Console" panose="020B0609040504020204" pitchFamily="49" charset="0"/>
+                <a:cs typeface="Consolas" panose="020B0609020204030204" pitchFamily="49" charset="0"/>
+              </a:rPr>
+              <a:t>}, </a:t>
+            </a:r>
+            <a:r>
+              <a:rPr lang="en-US" sz="2000" b="1" dirty="0">
+                <a:solidFill>
+                  <a:srgbClr val="AE81FF"/>
+                </a:solidFill>
+                <a:latin typeface="Lucida Console" panose="020B0609040504020204" pitchFamily="49" charset="0"/>
+                <a:cs typeface="Consolas" panose="020B0609020204030204" pitchFamily="49" charset="0"/>
+              </a:rPr>
+              <a:t>1000</a:t>
+            </a:r>
+            <a:r>
+              <a:rPr lang="en-US" sz="2000" b="1" dirty="0">
+                <a:solidFill>
+                  <a:schemeClr val="bg1"/>
+                </a:solidFill>
+                <a:latin typeface="Lucida Console" panose="020B0609040504020204" pitchFamily="49" charset="0"/>
+                <a:cs typeface="Consolas" panose="020B0609020204030204" pitchFamily="49" charset="0"/>
+              </a:rPr>
+              <a:t>);</a:t>
+            </a:r>
+          </a:p>
+        </p:txBody>
+      </p:sp>
+    </p:spTree>
+  </p:cSld>
+  <p:clrMapOvr>
+    <a:masterClrMapping/>
+  </p:clrMapOvr>
+  <p:timing>
+    <p:tnLst>
+      <p:par>
+        <p:cTn id="1" dur="indefinite" restart="never" nodeType="tmRoot"/>
+      </p:par>
+    </p:tnLst>
+  </p:timing>
+</p:sld>
+</file>
+
+<file path=ppt/slides/slide21.xml><?xml version="1.0" encoding="utf-8"?>
+<p:sld xmlns:a="http://schemas.openxmlformats.org/drawingml/2006/main" xmlns:r="http://schemas.openxmlformats.org/officeDocument/2006/relationships" xmlns:p="http://schemas.openxmlformats.org/presentationml/2006/main">
+  <p:cSld>
+    <p:bg>
+      <p:bgPr>
+        <a:solidFill>
+          <a:schemeClr val="tx1"/>
+        </a:solidFill>
+        <a:effectLst/>
+      </p:bgPr>
+    </p:bg>
+    <p:spTree>
+      <p:nvGrpSpPr>
+        <p:cNvPr id="1" name=""/>
+        <p:cNvGrpSpPr/>
+        <p:nvPr/>
+      </p:nvGrpSpPr>
+      <p:grpSpPr>
+        <a:xfrm>
+          <a:off x="0" y="0"/>
+          <a:ext cx="0" cy="0"/>
+          <a:chOff x="0" y="0"/>
+          <a:chExt cx="0" cy="0"/>
+        </a:xfrm>
+      </p:grpSpPr>
+      <p:pic>
+        <p:nvPicPr>
+          <p:cNvPr id="6" name="Picture 5"/>
+          <p:cNvPicPr>
+            <a:picLocks noChangeAspect="1"/>
+          </p:cNvPicPr>
+          <p:nvPr/>
+        </p:nvPicPr>
+        <p:blipFill>
           <a:blip r:embed="rId2" cstate="print"/>
           <a:stretch>
             <a:fillRect/>
@@ -10612,7 +10837,7 @@
 </p:sld>
 </file>
 
-<file path=ppt/slides/slide21.xml><?xml version="1.0" encoding="utf-8"?>
+<file path=ppt/slides/slide22.xml><?xml version="1.0" encoding="utf-8"?>
 <p:sld xmlns:a="http://schemas.openxmlformats.org/drawingml/2006/main" xmlns:r="http://schemas.openxmlformats.org/officeDocument/2006/relationships" xmlns:p="http://schemas.openxmlformats.org/presentationml/2006/main">
   <p:cSld>
     <p:bg>
@@ -11044,7 +11269,7 @@
 </p:sld>
 </file>
 
-<file path=ppt/slides/slide22.xml><?xml version="1.0" encoding="utf-8"?>
+<file path=ppt/slides/slide23.xml><?xml version="1.0" encoding="utf-8"?>
 <p:sld xmlns:a="http://schemas.openxmlformats.org/drawingml/2006/main" xmlns:r="http://schemas.openxmlformats.org/officeDocument/2006/relationships" xmlns:p="http://schemas.openxmlformats.org/presentationml/2006/main">
   <p:cSld>
     <p:bg>
@@ -11218,182 +11443,6 @@
               </a:solidFill>
               <a:latin typeface="Consolas" pitchFamily="49" charset="0"/>
             </a:endParaRPr>
-          </a:p>
-        </p:txBody>
-      </p:sp>
-    </p:spTree>
-  </p:cSld>
-  <p:clrMapOvr>
-    <a:masterClrMapping/>
-  </p:clrMapOvr>
-</p:sld>
-</file>
-
-<file path=ppt/slides/slide23.xml><?xml version="1.0" encoding="utf-8"?>
-<p:sld xmlns:a="http://schemas.openxmlformats.org/drawingml/2006/main" xmlns:r="http://schemas.openxmlformats.org/officeDocument/2006/relationships" xmlns:p="http://schemas.openxmlformats.org/presentationml/2006/main">
-  <p:cSld>
-    <p:bg>
-      <p:bgPr>
-        <a:solidFill>
-          <a:schemeClr val="tx1"/>
-        </a:solidFill>
-        <a:effectLst/>
-      </p:bgPr>
-    </p:bg>
-    <p:spTree>
-      <p:nvGrpSpPr>
-        <p:cNvPr id="1" name=""/>
-        <p:cNvGrpSpPr/>
-        <p:nvPr/>
-      </p:nvGrpSpPr>
-      <p:grpSpPr>
-        <a:xfrm>
-          <a:off x="0" y="0"/>
-          <a:ext cx="0" cy="0"/>
-          <a:chOff x="0" y="0"/>
-          <a:chExt cx="0" cy="0"/>
-        </a:xfrm>
-      </p:grpSpPr>
-      <p:pic>
-        <p:nvPicPr>
-          <p:cNvPr id="3" name="Picture 2"/>
-          <p:cNvPicPr>
-            <a:picLocks noChangeAspect="1"/>
-          </p:cNvPicPr>
-          <p:nvPr/>
-        </p:nvPicPr>
-        <p:blipFill>
-          <a:blip r:embed="rId3" cstate="print"/>
-          <a:stretch>
-            <a:fillRect/>
-          </a:stretch>
-        </p:blipFill>
-        <p:spPr>
-          <a:xfrm>
-            <a:off x="10886" y="0"/>
-            <a:ext cx="2781300" cy="2257425"/>
-          </a:xfrm>
-          <a:prstGeom prst="rect">
-            <a:avLst/>
-          </a:prstGeom>
-        </p:spPr>
-      </p:pic>
-      <p:sp>
-        <p:nvSpPr>
-          <p:cNvPr id="2" name="Title 1"/>
-          <p:cNvSpPr>
-            <a:spLocks noGrp="1"/>
-          </p:cNvSpPr>
-          <p:nvPr>
-            <p:ph type="title"/>
-          </p:nvPr>
-        </p:nvSpPr>
-        <p:spPr/>
-        <p:txBody>
-          <a:bodyPr/>
-          <a:lstStyle/>
-          <a:p>
-            <a:pPr algn="r"/>
-            <a:r>
-              <a:rPr lang="en-US" dirty="0" smtClean="0">
-                <a:solidFill>
-                  <a:schemeClr val="bg1"/>
-                </a:solidFill>
-                <a:latin typeface="Proxima Nova Rg" panose="02000506030000020004" pitchFamily="2" charset="0"/>
-              </a:rPr>
-              <a:t>Transform streams</a:t>
-            </a:r>
-            <a:endParaRPr lang="en-US" dirty="0">
-              <a:solidFill>
-                <a:schemeClr val="bg1"/>
-              </a:solidFill>
-              <a:latin typeface="Proxima Nova Rg" panose="02000506030000020004" pitchFamily="2" charset="0"/>
-            </a:endParaRPr>
-          </a:p>
-        </p:txBody>
-      </p:sp>
-      <p:sp>
-        <p:nvSpPr>
-          <p:cNvPr id="4" name="Content Placeholder 3"/>
-          <p:cNvSpPr>
-            <a:spLocks noGrp="1"/>
-          </p:cNvSpPr>
-          <p:nvPr>
-            <p:ph idx="1"/>
-          </p:nvPr>
-        </p:nvSpPr>
-        <p:spPr/>
-        <p:txBody>
-          <a:bodyPr/>
-          <a:lstStyle/>
-          <a:p>
-            <a:r>
-              <a:rPr lang="en-US" dirty="0" smtClean="0">
-                <a:solidFill>
-                  <a:schemeClr val="bg1"/>
-                </a:solidFill>
-              </a:rPr>
-              <a:t>Both readable and writable</a:t>
-            </a:r>
-          </a:p>
-          <a:p>
-            <a:r>
-              <a:rPr lang="en-US" dirty="0" smtClean="0">
-                <a:solidFill>
-                  <a:schemeClr val="bg1"/>
-                </a:solidFill>
-              </a:rPr>
-              <a:t>Transform input and produce result</a:t>
-            </a:r>
-            <a:endParaRPr lang="en-US" dirty="0">
-              <a:solidFill>
-                <a:schemeClr val="bg1"/>
-              </a:solidFill>
-            </a:endParaRPr>
-          </a:p>
-        </p:txBody>
-      </p:sp>
-      <p:sp>
-        <p:nvSpPr>
-          <p:cNvPr id="6" name="TextBox 5"/>
-          <p:cNvSpPr txBox="1"/>
-          <p:nvPr/>
-        </p:nvSpPr>
-        <p:spPr>
-          <a:xfrm>
-            <a:off x="304800" y="4267200"/>
-            <a:ext cx="8610600" cy="492443"/>
-          </a:xfrm>
-          <a:prstGeom prst="rect">
-            <a:avLst/>
-          </a:prstGeom>
-          <a:noFill/>
-        </p:spPr>
-        <p:txBody>
-          <a:bodyPr wrap="square" rtlCol="0">
-            <a:spAutoFit/>
-          </a:bodyPr>
-          <a:lstStyle/>
-          <a:p>
-            <a:pPr algn="ctr"/>
-            <a:r>
-              <a:rPr lang="en-US" sz="2600" dirty="0" err="1" smtClean="0">
-                <a:solidFill>
-                  <a:schemeClr val="bg1"/>
-                </a:solidFill>
-                <a:latin typeface="Lucida Console" panose="020B0609040504020204" pitchFamily="49" charset="0"/>
-              </a:rPr>
-              <a:t>readable.pipe</a:t>
-            </a:r>
-            <a:r>
-              <a:rPr lang="en-US" sz="2600" dirty="0" smtClean="0">
-                <a:solidFill>
-                  <a:schemeClr val="bg1"/>
-                </a:solidFill>
-                <a:latin typeface="Lucida Console" panose="020B0609040504020204" pitchFamily="49" charset="0"/>
-              </a:rPr>
-              <a:t>(transform).pipe(writable)</a:t>
-            </a:r>
           </a:p>
         </p:txBody>
       </p:sp>
@@ -11477,6 +11526,182 @@
                 </a:solidFill>
                 <a:latin typeface="Proxima Nova Rg" panose="02000506030000020004" pitchFamily="2" charset="0"/>
               </a:rPr>
+              <a:t>Transform streams</a:t>
+            </a:r>
+            <a:endParaRPr lang="en-US" dirty="0">
+              <a:solidFill>
+                <a:schemeClr val="bg1"/>
+              </a:solidFill>
+              <a:latin typeface="Proxima Nova Rg" panose="02000506030000020004" pitchFamily="2" charset="0"/>
+            </a:endParaRPr>
+          </a:p>
+        </p:txBody>
+      </p:sp>
+      <p:sp>
+        <p:nvSpPr>
+          <p:cNvPr id="4" name="Content Placeholder 3"/>
+          <p:cNvSpPr>
+            <a:spLocks noGrp="1"/>
+          </p:cNvSpPr>
+          <p:nvPr>
+            <p:ph idx="1"/>
+          </p:nvPr>
+        </p:nvSpPr>
+        <p:spPr/>
+        <p:txBody>
+          <a:bodyPr/>
+          <a:lstStyle/>
+          <a:p>
+            <a:r>
+              <a:rPr lang="en-US" dirty="0" smtClean="0">
+                <a:solidFill>
+                  <a:schemeClr val="bg1"/>
+                </a:solidFill>
+              </a:rPr>
+              <a:t>Both readable and writable</a:t>
+            </a:r>
+          </a:p>
+          <a:p>
+            <a:r>
+              <a:rPr lang="en-US" dirty="0" smtClean="0">
+                <a:solidFill>
+                  <a:schemeClr val="bg1"/>
+                </a:solidFill>
+              </a:rPr>
+              <a:t>Transform input and produce result</a:t>
+            </a:r>
+            <a:endParaRPr lang="en-US" dirty="0">
+              <a:solidFill>
+                <a:schemeClr val="bg1"/>
+              </a:solidFill>
+            </a:endParaRPr>
+          </a:p>
+        </p:txBody>
+      </p:sp>
+      <p:sp>
+        <p:nvSpPr>
+          <p:cNvPr id="6" name="TextBox 5"/>
+          <p:cNvSpPr txBox="1"/>
+          <p:nvPr/>
+        </p:nvSpPr>
+        <p:spPr>
+          <a:xfrm>
+            <a:off x="304800" y="4267200"/>
+            <a:ext cx="8610600" cy="492443"/>
+          </a:xfrm>
+          <a:prstGeom prst="rect">
+            <a:avLst/>
+          </a:prstGeom>
+          <a:noFill/>
+        </p:spPr>
+        <p:txBody>
+          <a:bodyPr wrap="square" rtlCol="0">
+            <a:spAutoFit/>
+          </a:bodyPr>
+          <a:lstStyle/>
+          <a:p>
+            <a:pPr algn="ctr"/>
+            <a:r>
+              <a:rPr lang="en-US" sz="2600" dirty="0" err="1" smtClean="0">
+                <a:solidFill>
+                  <a:schemeClr val="bg1"/>
+                </a:solidFill>
+                <a:latin typeface="Lucida Console" panose="020B0609040504020204" pitchFamily="49" charset="0"/>
+              </a:rPr>
+              <a:t>readable.pipe</a:t>
+            </a:r>
+            <a:r>
+              <a:rPr lang="en-US" sz="2600" dirty="0" smtClean="0">
+                <a:solidFill>
+                  <a:schemeClr val="bg1"/>
+                </a:solidFill>
+                <a:latin typeface="Lucida Console" panose="020B0609040504020204" pitchFamily="49" charset="0"/>
+              </a:rPr>
+              <a:t>(transform).pipe(writable)</a:t>
+            </a:r>
+          </a:p>
+        </p:txBody>
+      </p:sp>
+    </p:spTree>
+  </p:cSld>
+  <p:clrMapOvr>
+    <a:masterClrMapping/>
+  </p:clrMapOvr>
+</p:sld>
+</file>
+
+<file path=ppt/slides/slide25.xml><?xml version="1.0" encoding="utf-8"?>
+<p:sld xmlns:a="http://schemas.openxmlformats.org/drawingml/2006/main" xmlns:r="http://schemas.openxmlformats.org/officeDocument/2006/relationships" xmlns:p="http://schemas.openxmlformats.org/presentationml/2006/main">
+  <p:cSld>
+    <p:bg>
+      <p:bgPr>
+        <a:solidFill>
+          <a:schemeClr val="tx1"/>
+        </a:solidFill>
+        <a:effectLst/>
+      </p:bgPr>
+    </p:bg>
+    <p:spTree>
+      <p:nvGrpSpPr>
+        <p:cNvPr id="1" name=""/>
+        <p:cNvGrpSpPr/>
+        <p:nvPr/>
+      </p:nvGrpSpPr>
+      <p:grpSpPr>
+        <a:xfrm>
+          <a:off x="0" y="0"/>
+          <a:ext cx="0" cy="0"/>
+          <a:chOff x="0" y="0"/>
+          <a:chExt cx="0" cy="0"/>
+        </a:xfrm>
+      </p:grpSpPr>
+      <p:pic>
+        <p:nvPicPr>
+          <p:cNvPr id="3" name="Picture 2"/>
+          <p:cNvPicPr>
+            <a:picLocks noChangeAspect="1"/>
+          </p:cNvPicPr>
+          <p:nvPr/>
+        </p:nvPicPr>
+        <p:blipFill>
+          <a:blip r:embed="rId3" cstate="print"/>
+          <a:stretch>
+            <a:fillRect/>
+          </a:stretch>
+        </p:blipFill>
+        <p:spPr>
+          <a:xfrm>
+            <a:off x="10886" y="0"/>
+            <a:ext cx="2781300" cy="2257425"/>
+          </a:xfrm>
+          <a:prstGeom prst="rect">
+            <a:avLst/>
+          </a:prstGeom>
+        </p:spPr>
+      </p:pic>
+      <p:sp>
+        <p:nvSpPr>
+          <p:cNvPr id="2" name="Title 1"/>
+          <p:cNvSpPr>
+            <a:spLocks noGrp="1"/>
+          </p:cNvSpPr>
+          <p:nvPr>
+            <p:ph type="title"/>
+          </p:nvPr>
+        </p:nvSpPr>
+        <p:spPr/>
+        <p:txBody>
+          <a:bodyPr/>
+          <a:lstStyle/>
+          <a:p>
+            <a:pPr algn="r"/>
+            <a:r>
+              <a:rPr lang="en-US" dirty="0" smtClean="0">
+                <a:solidFill>
+                  <a:schemeClr val="bg1"/>
+                </a:solidFill>
+                <a:latin typeface="Proxima Nova Rg" panose="02000506030000020004" pitchFamily="2" charset="0"/>
+              </a:rPr>
               <a:t>Duplex Streams</a:t>
             </a:r>
             <a:endParaRPr lang="en-US" dirty="0">
@@ -11580,7 +11805,7 @@
 </p:sld>
 </file>
 
-<file path=ppt/slides/slide25.xml><?xml version="1.0" encoding="utf-8"?>
+<file path=ppt/slides/slide26.xml><?xml version="1.0" encoding="utf-8"?>
 <p:sld xmlns:a="http://schemas.openxmlformats.org/drawingml/2006/main" xmlns:r="http://schemas.openxmlformats.org/officeDocument/2006/relationships" xmlns:p="http://schemas.openxmlformats.org/presentationml/2006/main">
   <p:cSld>
     <p:bg>
@@ -11815,443 +12040,6 @@
         </p:txBody>
       </p:sp>
     </p:spTree>
-  </p:cSld>
-  <p:clrMapOvr>
-    <a:masterClrMapping/>
-  </p:clrMapOvr>
-  <p:timing>
-    <p:tnLst>
-      <p:par>
-        <p:cTn id="1" dur="indefinite" restart="never" nodeType="tmRoot"/>
-      </p:par>
-    </p:tnLst>
-  </p:timing>
-</p:sld>
-</file>
-
-<file path=ppt/slides/slide26.xml><?xml version="1.0" encoding="utf-8"?>
-<p:sld xmlns:a="http://schemas.openxmlformats.org/drawingml/2006/main" xmlns:r="http://schemas.openxmlformats.org/officeDocument/2006/relationships" xmlns:p="http://schemas.openxmlformats.org/presentationml/2006/main">
-  <p:cSld>
-    <p:bg>
-      <p:bgPr>
-        <a:solidFill>
-          <a:schemeClr val="tx1"/>
-        </a:solidFill>
-        <a:effectLst/>
-      </p:bgPr>
-    </p:bg>
-    <p:spTree>
-      <p:nvGrpSpPr>
-        <p:cNvPr id="1" name=""/>
-        <p:cNvGrpSpPr/>
-        <p:nvPr/>
-      </p:nvGrpSpPr>
-      <p:grpSpPr>
-        <a:xfrm>
-          <a:off x="0" y="0"/>
-          <a:ext cx="0" cy="0"/>
-          <a:chOff x="0" y="0"/>
-          <a:chExt cx="0" cy="0"/>
-        </a:xfrm>
-      </p:grpSpPr>
-      <p:pic>
-        <p:nvPicPr>
-          <p:cNvPr id="6" name="Picture 5"/>
-          <p:cNvPicPr>
-            <a:picLocks noChangeAspect="1"/>
-          </p:cNvPicPr>
-          <p:nvPr/>
-        </p:nvPicPr>
-        <p:blipFill>
-          <a:blip r:embed="rId2" cstate="print"/>
-          <a:stretch>
-            <a:fillRect/>
-          </a:stretch>
-        </p:blipFill>
-        <p:spPr>
-          <a:xfrm>
-            <a:off x="10886" y="0"/>
-            <a:ext cx="2781300" cy="2257425"/>
-          </a:xfrm>
-          <a:prstGeom prst="rect">
-            <a:avLst/>
-          </a:prstGeom>
-        </p:spPr>
-      </p:pic>
-      <p:sp>
-        <p:nvSpPr>
-          <p:cNvPr id="2" name="Title 1"/>
-          <p:cNvSpPr>
-            <a:spLocks noGrp="1"/>
-          </p:cNvSpPr>
-          <p:nvPr>
-            <p:ph type="title"/>
-          </p:nvPr>
-        </p:nvSpPr>
-        <p:spPr/>
-        <p:txBody>
-          <a:bodyPr>
-            <a:normAutofit fontScale="90000"/>
-          </a:bodyPr>
-          <a:lstStyle/>
-          <a:p>
-            <a:pPr algn="r"/>
-            <a:r>
-              <a:rPr lang="en-US" dirty="0" smtClean="0">
-                <a:solidFill>
-                  <a:schemeClr val="bg1"/>
-                </a:solidFill>
-                <a:latin typeface="Proxima Nova Rg" panose="02000506030000020004" pitchFamily="2" charset="0"/>
-              </a:rPr>
-              <a:t>Streams on Devices</a:t>
-            </a:r>
-            <a:br>
-              <a:rPr lang="en-US" dirty="0" smtClean="0">
-                <a:solidFill>
-                  <a:schemeClr val="bg1"/>
-                </a:solidFill>
-                <a:latin typeface="Proxima Nova Rg" panose="02000506030000020004" pitchFamily="2" charset="0"/>
-              </a:rPr>
-            </a:br>
-            <a:r>
-              <a:rPr lang="en-US" sz="3600" dirty="0" smtClean="0">
-                <a:solidFill>
-                  <a:schemeClr val="bg1"/>
-                </a:solidFill>
-                <a:latin typeface="Proxima Nova Rg" panose="02000506030000020004" pitchFamily="2" charset="0"/>
-              </a:rPr>
-              <a:t>with node-</a:t>
-            </a:r>
-            <a:r>
-              <a:rPr lang="en-US" sz="3600" dirty="0" err="1" smtClean="0">
-                <a:solidFill>
-                  <a:schemeClr val="bg1"/>
-                </a:solidFill>
-                <a:latin typeface="Proxima Nova Rg" panose="02000506030000020004" pitchFamily="2" charset="0"/>
-              </a:rPr>
-              <a:t>serialport</a:t>
-            </a:r>
-            <a:endParaRPr lang="en-US" sz="3600" dirty="0">
-              <a:solidFill>
-                <a:schemeClr val="bg1"/>
-              </a:solidFill>
-              <a:latin typeface="Proxima Nova Rg" panose="02000506030000020004" pitchFamily="2" charset="0"/>
-            </a:endParaRPr>
-          </a:p>
-        </p:txBody>
-      </p:sp>
-      <p:sp>
-        <p:nvSpPr>
-          <p:cNvPr id="4" name="TextBox 3"/>
-          <p:cNvSpPr txBox="1"/>
-          <p:nvPr/>
-        </p:nvSpPr>
-        <p:spPr>
-          <a:xfrm>
-            <a:off x="457200" y="1600200"/>
-            <a:ext cx="8229600" cy="4154984"/>
-          </a:xfrm>
-          <a:prstGeom prst="rect">
-            <a:avLst/>
-          </a:prstGeom>
-          <a:noFill/>
-        </p:spPr>
-        <p:txBody>
-          <a:bodyPr wrap="square" rtlCol="0">
-            <a:spAutoFit/>
-          </a:bodyPr>
-          <a:lstStyle/>
-          <a:p>
-            <a:r>
-              <a:rPr lang="en-US" sz="2400" dirty="0" err="1" smtClean="0">
-                <a:solidFill>
-                  <a:schemeClr val="bg1"/>
-                </a:solidFill>
-                <a:latin typeface="Lucida Console" panose="020B0609040504020204" pitchFamily="49" charset="0"/>
-              </a:rPr>
-              <a:t>var</a:t>
-            </a:r>
-            <a:r>
-              <a:rPr lang="en-US" sz="2400" dirty="0" smtClean="0">
-                <a:solidFill>
-                  <a:schemeClr val="bg1"/>
-                </a:solidFill>
-                <a:latin typeface="Lucida Console" panose="020B0609040504020204" pitchFamily="49" charset="0"/>
-              </a:rPr>
-              <a:t> </a:t>
-            </a:r>
-            <a:r>
-              <a:rPr lang="en-US" sz="2400" dirty="0" err="1">
-                <a:solidFill>
-                  <a:schemeClr val="bg1"/>
-                </a:solidFill>
-                <a:latin typeface="Lucida Console" panose="020B0609040504020204" pitchFamily="49" charset="0"/>
-              </a:rPr>
-              <a:t>sp</a:t>
-            </a:r>
-            <a:r>
-              <a:rPr lang="en-US" sz="2400" dirty="0">
-                <a:solidFill>
-                  <a:schemeClr val="bg1"/>
-                </a:solidFill>
-                <a:latin typeface="Lucida Console" panose="020B0609040504020204" pitchFamily="49" charset="0"/>
-              </a:rPr>
-              <a:t> = new </a:t>
-            </a:r>
-            <a:r>
-              <a:rPr lang="en-US" sz="2400" dirty="0" err="1">
-                <a:solidFill>
-                  <a:schemeClr val="bg1"/>
-                </a:solidFill>
-                <a:latin typeface="Lucida Console" panose="020B0609040504020204" pitchFamily="49" charset="0"/>
-              </a:rPr>
-              <a:t>SerialPort</a:t>
-            </a:r>
-            <a:r>
-              <a:rPr lang="en-US" sz="2400" dirty="0" smtClean="0">
-                <a:solidFill>
-                  <a:schemeClr val="bg1"/>
-                </a:solidFill>
-                <a:latin typeface="Lucida Console" panose="020B0609040504020204" pitchFamily="49" charset="0"/>
-              </a:rPr>
-              <a:t>('COM5', </a:t>
-            </a:r>
-            <a:r>
-              <a:rPr lang="en-US" sz="2400" dirty="0">
-                <a:solidFill>
-                  <a:schemeClr val="bg1"/>
-                </a:solidFill>
-                <a:latin typeface="Lucida Console" panose="020B0609040504020204" pitchFamily="49" charset="0"/>
-              </a:rPr>
-              <a:t>{ </a:t>
-            </a:r>
-          </a:p>
-          <a:p>
-            <a:r>
-              <a:rPr lang="en-US" sz="2400" dirty="0">
-                <a:solidFill>
-                  <a:schemeClr val="bg1"/>
-                </a:solidFill>
-                <a:latin typeface="Lucida Console" panose="020B0609040504020204" pitchFamily="49" charset="0"/>
-              </a:rPr>
-              <a:t>   </a:t>
-            </a:r>
-            <a:r>
-              <a:rPr lang="en-US" sz="2400" dirty="0" err="1">
-                <a:solidFill>
-                  <a:schemeClr val="bg1"/>
-                </a:solidFill>
-                <a:latin typeface="Lucida Console" panose="020B0609040504020204" pitchFamily="49" charset="0"/>
-              </a:rPr>
-              <a:t>baudRate</a:t>
-            </a:r>
-            <a:r>
-              <a:rPr lang="en-US" sz="2400" dirty="0">
-                <a:solidFill>
-                  <a:schemeClr val="bg1"/>
-                </a:solidFill>
-                <a:latin typeface="Lucida Console" panose="020B0609040504020204" pitchFamily="49" charset="0"/>
-              </a:rPr>
-              <a:t>: 9600, </a:t>
-            </a:r>
-          </a:p>
-          <a:p>
-            <a:r>
-              <a:rPr lang="en-US" sz="2400" dirty="0">
-                <a:solidFill>
-                  <a:schemeClr val="bg1"/>
-                </a:solidFill>
-                <a:latin typeface="Lucida Console" panose="020B0609040504020204" pitchFamily="49" charset="0"/>
-              </a:rPr>
-              <a:t>   </a:t>
-            </a:r>
-            <a:r>
-              <a:rPr lang="en-US" sz="2400" dirty="0" err="1">
-                <a:solidFill>
-                  <a:schemeClr val="bg1"/>
-                </a:solidFill>
-                <a:latin typeface="Lucida Console" panose="020B0609040504020204" pitchFamily="49" charset="0"/>
-              </a:rPr>
-              <a:t>dataBits</a:t>
-            </a:r>
-            <a:r>
-              <a:rPr lang="en-US" sz="2400" dirty="0">
-                <a:solidFill>
-                  <a:schemeClr val="bg1"/>
-                </a:solidFill>
-                <a:latin typeface="Lucida Console" panose="020B0609040504020204" pitchFamily="49" charset="0"/>
-              </a:rPr>
-              <a:t>: 8, </a:t>
-            </a:r>
-          </a:p>
-          <a:p>
-            <a:r>
-              <a:rPr lang="en-US" sz="2400" dirty="0">
-                <a:solidFill>
-                  <a:schemeClr val="bg1"/>
-                </a:solidFill>
-                <a:latin typeface="Lucida Console" panose="020B0609040504020204" pitchFamily="49" charset="0"/>
-              </a:rPr>
-              <a:t>   parity: 'none',</a:t>
-            </a:r>
-          </a:p>
-          <a:p>
-            <a:r>
-              <a:rPr lang="en-US" sz="2400" dirty="0">
-                <a:solidFill>
-                  <a:schemeClr val="bg1"/>
-                </a:solidFill>
-                <a:latin typeface="Lucida Console" panose="020B0609040504020204" pitchFamily="49" charset="0"/>
-              </a:rPr>
-              <a:t>   </a:t>
-            </a:r>
-            <a:r>
-              <a:rPr lang="en-US" sz="2400" dirty="0" err="1">
-                <a:solidFill>
-                  <a:schemeClr val="bg1"/>
-                </a:solidFill>
-                <a:latin typeface="Lucida Console" panose="020B0609040504020204" pitchFamily="49" charset="0"/>
-              </a:rPr>
-              <a:t>stopBits</a:t>
-            </a:r>
-            <a:r>
-              <a:rPr lang="en-US" sz="2400" dirty="0">
-                <a:solidFill>
-                  <a:schemeClr val="bg1"/>
-                </a:solidFill>
-                <a:latin typeface="Lucida Console" panose="020B0609040504020204" pitchFamily="49" charset="0"/>
-              </a:rPr>
-              <a:t>: 1, </a:t>
-            </a:r>
-          </a:p>
-          <a:p>
-            <a:r>
-              <a:rPr lang="en-US" sz="2400" dirty="0">
-                <a:solidFill>
-                  <a:schemeClr val="bg1"/>
-                </a:solidFill>
-                <a:latin typeface="Lucida Console" panose="020B0609040504020204" pitchFamily="49" charset="0"/>
-              </a:rPr>
-              <a:t>   </a:t>
-            </a:r>
-            <a:r>
-              <a:rPr lang="en-US" sz="2400" dirty="0" err="1">
-                <a:solidFill>
-                  <a:schemeClr val="bg1"/>
-                </a:solidFill>
-                <a:latin typeface="Lucida Console" panose="020B0609040504020204" pitchFamily="49" charset="0"/>
-              </a:rPr>
-              <a:t>flowControl</a:t>
-            </a:r>
-            <a:r>
-              <a:rPr lang="en-US" sz="2400" dirty="0">
-                <a:solidFill>
-                  <a:schemeClr val="bg1"/>
-                </a:solidFill>
-                <a:latin typeface="Lucida Console" panose="020B0609040504020204" pitchFamily="49" charset="0"/>
-              </a:rPr>
-              <a:t>: false </a:t>
-            </a:r>
-          </a:p>
-          <a:p>
-            <a:r>
-              <a:rPr lang="en-US" sz="2400" dirty="0" smtClean="0">
-                <a:solidFill>
-                  <a:schemeClr val="bg1"/>
-                </a:solidFill>
-                <a:latin typeface="Lucida Console" panose="020B0609040504020204" pitchFamily="49" charset="0"/>
-              </a:rPr>
-              <a:t>});</a:t>
-            </a:r>
-          </a:p>
-          <a:p>
-            <a:endParaRPr lang="en-US" sz="2400" dirty="0" smtClean="0">
-              <a:solidFill>
-                <a:schemeClr val="bg1"/>
-              </a:solidFill>
-              <a:latin typeface="Lucida Console" panose="020B0609040504020204" pitchFamily="49" charset="0"/>
-            </a:endParaRPr>
-          </a:p>
-          <a:p>
-            <a:r>
-              <a:rPr lang="en-US" sz="2400" dirty="0" err="1" smtClean="0">
-                <a:solidFill>
-                  <a:schemeClr val="bg1"/>
-                </a:solidFill>
-                <a:latin typeface="Lucida Console" panose="020B0609040504020204" pitchFamily="49" charset="0"/>
-              </a:rPr>
-              <a:t>serialPort.pipe</a:t>
-            </a:r>
-            <a:r>
-              <a:rPr lang="en-US" sz="2400" dirty="0" smtClean="0">
-                <a:solidFill>
-                  <a:schemeClr val="bg1"/>
-                </a:solidFill>
-                <a:latin typeface="Lucida Console" panose="020B0609040504020204" pitchFamily="49" charset="0"/>
-              </a:rPr>
-              <a:t>(</a:t>
-            </a:r>
-            <a:r>
-              <a:rPr lang="en-US" sz="2400" dirty="0" err="1" smtClean="0">
-                <a:solidFill>
-                  <a:schemeClr val="bg1"/>
-                </a:solidFill>
-                <a:latin typeface="Lucida Console" panose="020B0609040504020204" pitchFamily="49" charset="0"/>
-              </a:rPr>
-              <a:t>process.stdout</a:t>
-            </a:r>
-            <a:r>
-              <a:rPr lang="en-US" sz="2400" dirty="0" smtClean="0">
-                <a:solidFill>
-                  <a:schemeClr val="bg1"/>
-                </a:solidFill>
-                <a:latin typeface="Lucida Console" panose="020B0609040504020204" pitchFamily="49" charset="0"/>
-              </a:rPr>
-              <a:t>);</a:t>
-            </a:r>
-            <a:endParaRPr lang="en-US" sz="2400" dirty="0">
-              <a:solidFill>
-                <a:schemeClr val="bg1"/>
-              </a:solidFill>
-              <a:latin typeface="Lucida Console" panose="020B0609040504020204" pitchFamily="49" charset="0"/>
-            </a:endParaRPr>
-          </a:p>
-          <a:p>
-            <a:endParaRPr lang="en-US" sz="2400" dirty="0">
-              <a:solidFill>
-                <a:schemeClr val="bg1"/>
-              </a:solidFill>
-              <a:latin typeface="Lucida Console" panose="020B0609040504020204" pitchFamily="49" charset="0"/>
-            </a:endParaRPr>
-          </a:p>
-          <a:p>
-            <a:r>
-              <a:rPr lang="en-US" sz="2400" dirty="0" err="1">
-                <a:solidFill>
-                  <a:schemeClr val="bg1"/>
-                </a:solidFill>
-                <a:latin typeface="Lucida Console" panose="020B0609040504020204" pitchFamily="49" charset="0"/>
-              </a:rPr>
-              <a:t>serialPort.write</a:t>
-            </a:r>
-            <a:r>
-              <a:rPr lang="en-US" sz="2400" dirty="0">
-                <a:solidFill>
-                  <a:schemeClr val="bg1"/>
-                </a:solidFill>
-                <a:latin typeface="Lucida Console" panose="020B0609040504020204" pitchFamily="49" charset="0"/>
-              </a:rPr>
-              <a:t>('OMG IT WORKS\r');</a:t>
-            </a:r>
-          </a:p>
-        </p:txBody>
-      </p:sp>
-    </p:spTree>
-    <p:extLst>
-      <p:ext uri="{BB962C8B-B14F-4D97-AF65-F5344CB8AC3E}">
-        <p14:creationId xmlns:p14="http://schemas.microsoft.com/office/powerpoint/2010/main" val="116662798"/>
-      </p:ext>
-    </p:extLst>
   </p:cSld>
   <p:clrMapOvr>
     <a:masterClrMapping/>
@@ -12340,7 +12128,7 @@
                 </a:solidFill>
                 <a:latin typeface="Proxima Nova Rg" panose="02000506030000020004" pitchFamily="2" charset="0"/>
               </a:rPr>
-              <a:t>Distributed Streams</a:t>
+              <a:t>Streams on Devices</a:t>
             </a:r>
             <a:br>
               <a:rPr lang="en-US" dirty="0" smtClean="0">
@@ -12357,7 +12145,16 @@
                 </a:solidFill>
                 <a:latin typeface="Proxima Nova Rg" panose="02000506030000020004" pitchFamily="2" charset="0"/>
               </a:rPr>
-              <a:t>with Scuttlebutt</a:t>
+              <a:t>with node-</a:t>
+            </a:r>
+            <a:r>
+              <a:rPr lang="en-US" sz="3600" dirty="0" err="1" smtClean="0">
+                <a:solidFill>
+                  <a:schemeClr val="bg1"/>
+                </a:solidFill>
+                <a:latin typeface="Proxima Nova Rg" panose="02000506030000020004" pitchFamily="2" charset="0"/>
+              </a:rPr>
+              <a:t>serialport</a:t>
             </a:r>
             <a:endParaRPr lang="en-US" sz="3600" dirty="0">
               <a:solidFill>
@@ -12377,7 +12174,7 @@
         <p:spPr>
           <a:xfrm>
             <a:off x="457200" y="1600200"/>
-            <a:ext cx="8229600" cy="4524315"/>
+            <a:ext cx="8229600" cy="4154984"/>
           </a:xfrm>
           <a:prstGeom prst="rect">
             <a:avLst/>
@@ -12390,6 +12187,253 @@
           </a:bodyPr>
           <a:lstStyle/>
           <a:p>
+            <a:r>
+              <a:rPr lang="en-US" sz="2400" dirty="0" err="1" smtClean="0">
+                <a:solidFill>
+                  <a:schemeClr val="bg1"/>
+                </a:solidFill>
+                <a:latin typeface="Lucida Console" panose="020B0609040504020204" pitchFamily="49" charset="0"/>
+              </a:rPr>
+              <a:t>var</a:t>
+            </a:r>
+            <a:r>
+              <a:rPr lang="en-US" sz="2400" dirty="0" smtClean="0">
+                <a:solidFill>
+                  <a:schemeClr val="bg1"/>
+                </a:solidFill>
+                <a:latin typeface="Lucida Console" panose="020B0609040504020204" pitchFamily="49" charset="0"/>
+              </a:rPr>
+              <a:t> </a:t>
+            </a:r>
+            <a:r>
+              <a:rPr lang="en-US" sz="2400" dirty="0" err="1">
+                <a:solidFill>
+                  <a:schemeClr val="bg1"/>
+                </a:solidFill>
+                <a:latin typeface="Lucida Console" panose="020B0609040504020204" pitchFamily="49" charset="0"/>
+              </a:rPr>
+              <a:t>sp</a:t>
+            </a:r>
+            <a:r>
+              <a:rPr lang="en-US" sz="2400" dirty="0">
+                <a:solidFill>
+                  <a:schemeClr val="bg1"/>
+                </a:solidFill>
+                <a:latin typeface="Lucida Console" panose="020B0609040504020204" pitchFamily="49" charset="0"/>
+              </a:rPr>
+              <a:t> = new </a:t>
+            </a:r>
+            <a:r>
+              <a:rPr lang="en-US" sz="2400" dirty="0" err="1">
+                <a:solidFill>
+                  <a:schemeClr val="bg1"/>
+                </a:solidFill>
+                <a:latin typeface="Lucida Console" panose="020B0609040504020204" pitchFamily="49" charset="0"/>
+              </a:rPr>
+              <a:t>SerialPort</a:t>
+            </a:r>
+            <a:r>
+              <a:rPr lang="en-US" sz="2400" dirty="0" smtClean="0">
+                <a:solidFill>
+                  <a:schemeClr val="bg1"/>
+                </a:solidFill>
+                <a:latin typeface="Lucida Console" panose="020B0609040504020204" pitchFamily="49" charset="0"/>
+              </a:rPr>
+              <a:t>('COM5', </a:t>
+            </a:r>
+            <a:r>
+              <a:rPr lang="en-US" sz="2400" dirty="0">
+                <a:solidFill>
+                  <a:schemeClr val="bg1"/>
+                </a:solidFill>
+                <a:latin typeface="Lucida Console" panose="020B0609040504020204" pitchFamily="49" charset="0"/>
+              </a:rPr>
+              <a:t>{ </a:t>
+            </a:r>
+          </a:p>
+          <a:p>
+            <a:r>
+              <a:rPr lang="en-US" sz="2400" dirty="0">
+                <a:solidFill>
+                  <a:schemeClr val="bg1"/>
+                </a:solidFill>
+                <a:latin typeface="Lucida Console" panose="020B0609040504020204" pitchFamily="49" charset="0"/>
+              </a:rPr>
+              <a:t>   </a:t>
+            </a:r>
+            <a:r>
+              <a:rPr lang="en-US" sz="2400" dirty="0" err="1">
+                <a:solidFill>
+                  <a:schemeClr val="bg1"/>
+                </a:solidFill>
+                <a:latin typeface="Lucida Console" panose="020B0609040504020204" pitchFamily="49" charset="0"/>
+              </a:rPr>
+              <a:t>baudRate</a:t>
+            </a:r>
+            <a:r>
+              <a:rPr lang="en-US" sz="2400" dirty="0">
+                <a:solidFill>
+                  <a:schemeClr val="bg1"/>
+                </a:solidFill>
+                <a:latin typeface="Lucida Console" panose="020B0609040504020204" pitchFamily="49" charset="0"/>
+              </a:rPr>
+              <a:t>: 9600, </a:t>
+            </a:r>
+          </a:p>
+          <a:p>
+            <a:r>
+              <a:rPr lang="en-US" sz="2400" dirty="0">
+                <a:solidFill>
+                  <a:schemeClr val="bg1"/>
+                </a:solidFill>
+                <a:latin typeface="Lucida Console" panose="020B0609040504020204" pitchFamily="49" charset="0"/>
+              </a:rPr>
+              <a:t>   </a:t>
+            </a:r>
+            <a:r>
+              <a:rPr lang="en-US" sz="2400" dirty="0" err="1">
+                <a:solidFill>
+                  <a:schemeClr val="bg1"/>
+                </a:solidFill>
+                <a:latin typeface="Lucida Console" panose="020B0609040504020204" pitchFamily="49" charset="0"/>
+              </a:rPr>
+              <a:t>dataBits</a:t>
+            </a:r>
+            <a:r>
+              <a:rPr lang="en-US" sz="2400" dirty="0">
+                <a:solidFill>
+                  <a:schemeClr val="bg1"/>
+                </a:solidFill>
+                <a:latin typeface="Lucida Console" panose="020B0609040504020204" pitchFamily="49" charset="0"/>
+              </a:rPr>
+              <a:t>: 8, </a:t>
+            </a:r>
+          </a:p>
+          <a:p>
+            <a:r>
+              <a:rPr lang="en-US" sz="2400" dirty="0">
+                <a:solidFill>
+                  <a:schemeClr val="bg1"/>
+                </a:solidFill>
+                <a:latin typeface="Lucida Console" panose="020B0609040504020204" pitchFamily="49" charset="0"/>
+              </a:rPr>
+              <a:t>   parity: 'none',</a:t>
+            </a:r>
+          </a:p>
+          <a:p>
+            <a:r>
+              <a:rPr lang="en-US" sz="2400" dirty="0">
+                <a:solidFill>
+                  <a:schemeClr val="bg1"/>
+                </a:solidFill>
+                <a:latin typeface="Lucida Console" panose="020B0609040504020204" pitchFamily="49" charset="0"/>
+              </a:rPr>
+              <a:t>   </a:t>
+            </a:r>
+            <a:r>
+              <a:rPr lang="en-US" sz="2400" dirty="0" err="1">
+                <a:solidFill>
+                  <a:schemeClr val="bg1"/>
+                </a:solidFill>
+                <a:latin typeface="Lucida Console" panose="020B0609040504020204" pitchFamily="49" charset="0"/>
+              </a:rPr>
+              <a:t>stopBits</a:t>
+            </a:r>
+            <a:r>
+              <a:rPr lang="en-US" sz="2400" dirty="0">
+                <a:solidFill>
+                  <a:schemeClr val="bg1"/>
+                </a:solidFill>
+                <a:latin typeface="Lucida Console" panose="020B0609040504020204" pitchFamily="49" charset="0"/>
+              </a:rPr>
+              <a:t>: 1, </a:t>
+            </a:r>
+          </a:p>
+          <a:p>
+            <a:r>
+              <a:rPr lang="en-US" sz="2400" dirty="0">
+                <a:solidFill>
+                  <a:schemeClr val="bg1"/>
+                </a:solidFill>
+                <a:latin typeface="Lucida Console" panose="020B0609040504020204" pitchFamily="49" charset="0"/>
+              </a:rPr>
+              <a:t>   </a:t>
+            </a:r>
+            <a:r>
+              <a:rPr lang="en-US" sz="2400" dirty="0" err="1">
+                <a:solidFill>
+                  <a:schemeClr val="bg1"/>
+                </a:solidFill>
+                <a:latin typeface="Lucida Console" panose="020B0609040504020204" pitchFamily="49" charset="0"/>
+              </a:rPr>
+              <a:t>flowControl</a:t>
+            </a:r>
+            <a:r>
+              <a:rPr lang="en-US" sz="2400" dirty="0">
+                <a:solidFill>
+                  <a:schemeClr val="bg1"/>
+                </a:solidFill>
+                <a:latin typeface="Lucida Console" panose="020B0609040504020204" pitchFamily="49" charset="0"/>
+              </a:rPr>
+              <a:t>: false </a:t>
+            </a:r>
+          </a:p>
+          <a:p>
+            <a:r>
+              <a:rPr lang="en-US" sz="2400" dirty="0" smtClean="0">
+                <a:solidFill>
+                  <a:schemeClr val="bg1"/>
+                </a:solidFill>
+                <a:latin typeface="Lucida Console" panose="020B0609040504020204" pitchFamily="49" charset="0"/>
+              </a:rPr>
+              <a:t>});</a:t>
+            </a:r>
+          </a:p>
+          <a:p>
+            <a:endParaRPr lang="en-US" sz="2400" dirty="0" smtClean="0">
+              <a:solidFill>
+                <a:schemeClr val="bg1"/>
+              </a:solidFill>
+              <a:latin typeface="Lucida Console" panose="020B0609040504020204" pitchFamily="49" charset="0"/>
+            </a:endParaRPr>
+          </a:p>
+          <a:p>
+            <a:r>
+              <a:rPr lang="en-US" sz="2400" dirty="0" err="1" smtClean="0">
+                <a:solidFill>
+                  <a:schemeClr val="bg1"/>
+                </a:solidFill>
+                <a:latin typeface="Lucida Console" panose="020B0609040504020204" pitchFamily="49" charset="0"/>
+              </a:rPr>
+              <a:t>serialPort.pipe</a:t>
+            </a:r>
+            <a:r>
+              <a:rPr lang="en-US" sz="2400" dirty="0" smtClean="0">
+                <a:solidFill>
+                  <a:schemeClr val="bg1"/>
+                </a:solidFill>
+                <a:latin typeface="Lucida Console" panose="020B0609040504020204" pitchFamily="49" charset="0"/>
+              </a:rPr>
+              <a:t>(</a:t>
+            </a:r>
+            <a:r>
+              <a:rPr lang="en-US" sz="2400" dirty="0" err="1" smtClean="0">
+                <a:solidFill>
+                  <a:schemeClr val="bg1"/>
+                </a:solidFill>
+                <a:latin typeface="Lucida Console" panose="020B0609040504020204" pitchFamily="49" charset="0"/>
+              </a:rPr>
+              <a:t>process.stdout</a:t>
+            </a:r>
+            <a:r>
+              <a:rPr lang="en-US" sz="2400" dirty="0" smtClean="0">
+                <a:solidFill>
+                  <a:schemeClr val="bg1"/>
+                </a:solidFill>
+                <a:latin typeface="Lucida Console" panose="020B0609040504020204" pitchFamily="49" charset="0"/>
+              </a:rPr>
+              <a:t>);</a:t>
+            </a:r>
             <a:endParaRPr lang="en-US" sz="2400" dirty="0">
               <a:solidFill>
                 <a:schemeClr val="bg1"/>
@@ -12398,26 +12442,6 @@
             </a:endParaRPr>
           </a:p>
           <a:p>
-            <a:r>
-              <a:rPr lang="en-US" sz="2400" dirty="0" err="1">
-                <a:solidFill>
-                  <a:schemeClr val="bg1"/>
-                </a:solidFill>
-                <a:latin typeface="Lucida Console" panose="020B0609040504020204" pitchFamily="49" charset="0"/>
-              </a:rPr>
-              <a:t>var</a:t>
-            </a:r>
-            <a:r>
-              <a:rPr lang="en-US" sz="2400" dirty="0">
-                <a:solidFill>
-                  <a:schemeClr val="bg1"/>
-                </a:solidFill>
-                <a:latin typeface="Lucida Console" panose="020B0609040504020204" pitchFamily="49" charset="0"/>
-              </a:rPr>
-              <a:t> Model = require('scuttlebutt/model')</a:t>
-            </a:r>
-          </a:p>
-          <a:p>
             <a:endParaRPr lang="en-US" sz="2400" dirty="0">
               <a:solidFill>
                 <a:schemeClr val="bg1"/>
@@ -12433,7 +12457,7 @@
                 </a:solidFill>
                 <a:latin typeface="Lucida Console" panose="020B0609040504020204" pitchFamily="49" charset="0"/>
               </a:rPr>
-              <a:t>var</a:t>
+              <a:t>serialPort.write</a:t>
             </a:r>
             <a:r>
               <a:rPr lang="en-US" sz="2400" dirty="0">
@@ -12442,167 +12466,7 @@
                 </a:solidFill>
                 <a:latin typeface="Lucida Console" panose="020B0609040504020204" pitchFamily="49" charset="0"/>
               </a:rPr>
-              <a:t> a = new Model()</a:t>
-            </a:r>
-          </a:p>
-          <a:p>
-            <a:r>
-              <a:rPr lang="en-US" sz="2400" dirty="0" err="1">
-                <a:solidFill>
-                  <a:schemeClr val="bg1"/>
-                </a:solidFill>
-                <a:latin typeface="Lucida Console" panose="020B0609040504020204" pitchFamily="49" charset="0"/>
-              </a:rPr>
-              <a:t>var</a:t>
-            </a:r>
-            <a:r>
-              <a:rPr lang="en-US" sz="2400" dirty="0">
-                <a:solidFill>
-                  <a:schemeClr val="bg1"/>
-                </a:solidFill>
-                <a:latin typeface="Lucida Console" panose="020B0609040504020204" pitchFamily="49" charset="0"/>
-              </a:rPr>
-              <a:t> b = new Model()</a:t>
-            </a:r>
-          </a:p>
-          <a:p>
-            <a:endParaRPr lang="en-US" sz="2400" dirty="0">
-              <a:solidFill>
-                <a:schemeClr val="bg1"/>
-              </a:solidFill>
-              <a:latin typeface="Lucida Console" panose="020B0609040504020204" pitchFamily="49" charset="0"/>
-            </a:endParaRPr>
-          </a:p>
-          <a:p>
-            <a:r>
-              <a:rPr lang="en-US" sz="2400" dirty="0" err="1">
-                <a:solidFill>
-                  <a:schemeClr val="bg1"/>
-                </a:solidFill>
-                <a:latin typeface="Lucida Console" panose="020B0609040504020204" pitchFamily="49" charset="0"/>
-              </a:rPr>
-              <a:t>a.set</a:t>
-            </a:r>
-            <a:r>
-              <a:rPr lang="en-US" sz="2400" dirty="0">
-                <a:solidFill>
-                  <a:schemeClr val="bg1"/>
-                </a:solidFill>
-                <a:latin typeface="Lucida Console" panose="020B0609040504020204" pitchFamily="49" charset="0"/>
-              </a:rPr>
-              <a:t>(key, value)</a:t>
-            </a:r>
-          </a:p>
-          <a:p>
-            <a:endParaRPr lang="en-US" sz="2400" dirty="0">
-              <a:solidFill>
-                <a:schemeClr val="bg1"/>
-              </a:solidFill>
-              <a:latin typeface="Lucida Console" panose="020B0609040504020204" pitchFamily="49" charset="0"/>
-            </a:endParaRPr>
-          </a:p>
-          <a:p>
-            <a:r>
-              <a:rPr lang="en-US" sz="2400" dirty="0" err="1">
-                <a:solidFill>
-                  <a:schemeClr val="bg1"/>
-                </a:solidFill>
-                <a:latin typeface="Lucida Console" panose="020B0609040504020204" pitchFamily="49" charset="0"/>
-              </a:rPr>
-              <a:t>b.on</a:t>
-            </a:r>
-            <a:r>
-              <a:rPr lang="en-US" sz="2400" dirty="0">
-                <a:solidFill>
-                  <a:schemeClr val="bg1"/>
-                </a:solidFill>
-                <a:latin typeface="Lucida Console" panose="020B0609040504020204" pitchFamily="49" charset="0"/>
-              </a:rPr>
-              <a:t>('update', console.log)</a:t>
-            </a:r>
-          </a:p>
-          <a:p>
-            <a:endParaRPr lang="en-US" sz="2400" dirty="0">
-              <a:solidFill>
-                <a:schemeClr val="bg1"/>
-              </a:solidFill>
-              <a:latin typeface="Lucida Console" panose="020B0609040504020204" pitchFamily="49" charset="0"/>
-            </a:endParaRPr>
-          </a:p>
-          <a:p>
-            <a:r>
-              <a:rPr lang="en-US" sz="2400" dirty="0" err="1">
-                <a:solidFill>
-                  <a:schemeClr val="bg1"/>
-                </a:solidFill>
-                <a:latin typeface="Lucida Console" panose="020B0609040504020204" pitchFamily="49" charset="0"/>
-              </a:rPr>
-              <a:t>var</a:t>
-            </a:r>
-            <a:r>
-              <a:rPr lang="en-US" sz="2400" dirty="0">
-                <a:solidFill>
-                  <a:schemeClr val="bg1"/>
-                </a:solidFill>
-                <a:latin typeface="Lucida Console" panose="020B0609040504020204" pitchFamily="49" charset="0"/>
-              </a:rPr>
-              <a:t> s = </a:t>
-            </a:r>
-            <a:r>
-              <a:rPr lang="en-US" sz="2400" dirty="0" err="1">
-                <a:solidFill>
-                  <a:schemeClr val="bg1"/>
-                </a:solidFill>
-                <a:latin typeface="Lucida Console" panose="020B0609040504020204" pitchFamily="49" charset="0"/>
-              </a:rPr>
-              <a:t>a.createStream</a:t>
-            </a:r>
-            <a:r>
-              <a:rPr lang="en-US" sz="2400" dirty="0">
-                <a:solidFill>
-                  <a:schemeClr val="bg1"/>
-                </a:solidFill>
-                <a:latin typeface="Lucida Console" panose="020B0609040504020204" pitchFamily="49" charset="0"/>
-              </a:rPr>
-              <a:t>()</a:t>
-            </a:r>
-          </a:p>
-          <a:p>
-            <a:r>
-              <a:rPr lang="en-US" sz="2400" dirty="0" err="1">
-                <a:solidFill>
-                  <a:schemeClr val="bg1"/>
-                </a:solidFill>
-                <a:latin typeface="Lucida Console" panose="020B0609040504020204" pitchFamily="49" charset="0"/>
-              </a:rPr>
-              <a:t>s.pipe</a:t>
-            </a:r>
-            <a:r>
-              <a:rPr lang="en-US" sz="2400" dirty="0">
-                <a:solidFill>
-                  <a:schemeClr val="bg1"/>
-                </a:solidFill>
-                <a:latin typeface="Lucida Console" panose="020B0609040504020204" pitchFamily="49" charset="0"/>
-              </a:rPr>
-              <a:t>(</a:t>
-            </a:r>
-            <a:r>
-              <a:rPr lang="en-US" sz="2400" dirty="0" err="1">
-                <a:solidFill>
-                  <a:schemeClr val="bg1"/>
-                </a:solidFill>
-                <a:latin typeface="Lucida Console" panose="020B0609040504020204" pitchFamily="49" charset="0"/>
-              </a:rPr>
-              <a:t>b.createStream</a:t>
-            </a:r>
-            <a:r>
-              <a:rPr lang="en-US" sz="2400" dirty="0">
-                <a:solidFill>
-                  <a:schemeClr val="bg1"/>
-                </a:solidFill>
-                <a:latin typeface="Lucida Console" panose="020B0609040504020204" pitchFamily="49" charset="0"/>
-              </a:rPr>
-              <a:t>()).pipe(s)</a:t>
+              <a:t>('OMG IT WORKS\r');</a:t>
             </a:r>
           </a:p>
         </p:txBody>
@@ -12610,7 +12474,7 @@
     </p:spTree>
     <p:extLst>
       <p:ext uri="{BB962C8B-B14F-4D97-AF65-F5344CB8AC3E}">
-        <p14:creationId xmlns:p14="http://schemas.microsoft.com/office/powerpoint/2010/main" val="2649660260"/>
+        <p14:creationId xmlns:p14="http://schemas.microsoft.com/office/powerpoint/2010/main" val="116662798"/>
       </p:ext>
     </p:extLst>
   </p:cSld>
@@ -12630,14 +12494,6 @@
 <file path=ppt/slides/slide28.xml><?xml version="1.0" encoding="utf-8"?>
 <p:sld xmlns:a="http://schemas.openxmlformats.org/drawingml/2006/main" xmlns:r="http://schemas.openxmlformats.org/officeDocument/2006/relationships" xmlns:p="http://schemas.openxmlformats.org/presentationml/2006/main">
   <p:cSld>
-    <p:bg>
-      <p:bgPr>
-        <a:solidFill>
-          <a:schemeClr val="tx1"/>
-        </a:solidFill>
-        <a:effectLst/>
-      </p:bgPr>
-    </p:bg>
     <p:spTree>
       <p:nvGrpSpPr>
         <p:cNvPr id="1" name=""/>
@@ -12652,30 +12508,6 @@
           <a:chExt cx="0" cy="0"/>
         </a:xfrm>
       </p:grpSpPr>
-      <p:pic>
-        <p:nvPicPr>
-          <p:cNvPr id="5" name="Picture 4"/>
-          <p:cNvPicPr>
-            <a:picLocks noChangeAspect="1"/>
-          </p:cNvPicPr>
-          <p:nvPr/>
-        </p:nvPicPr>
-        <p:blipFill>
-          <a:blip r:embed="rId3" cstate="print"/>
-          <a:stretch>
-            <a:fillRect/>
-          </a:stretch>
-        </p:blipFill>
-        <p:spPr>
-          <a:xfrm>
-            <a:off x="0" y="0"/>
-            <a:ext cx="2781300" cy="2257425"/>
-          </a:xfrm>
-          <a:prstGeom prst="rect">
-            <a:avLst/>
-          </a:prstGeom>
-        </p:spPr>
-      </p:pic>
       <p:sp>
         <p:nvSpPr>
           <p:cNvPr id="2" name="Title 1"/>
@@ -12691,101 +12523,24 @@
           <a:bodyPr/>
           <a:lstStyle/>
           <a:p>
-            <a:pPr algn="r"/>
-            <a:r>
-              <a:rPr lang="en-US" dirty="0" smtClean="0">
-                <a:solidFill>
-                  <a:schemeClr val="bg1"/>
-                </a:solidFill>
-                <a:latin typeface="Proxima Nova Rg" panose="02000506030000020004" pitchFamily="2" charset="0"/>
-              </a:rPr>
-              <a:t>Issues in &lt;= 0.8</a:t>
-            </a:r>
-            <a:endParaRPr lang="en-US" dirty="0">
-              <a:solidFill>
-                <a:schemeClr val="bg1"/>
-              </a:solidFill>
-              <a:latin typeface="Proxima Nova Rg" panose="02000506030000020004" pitchFamily="2" charset="0"/>
-            </a:endParaRPr>
-          </a:p>
-        </p:txBody>
-      </p:sp>
-      <p:sp>
-        <p:nvSpPr>
-          <p:cNvPr id="3" name="Content Placeholder 2"/>
-          <p:cNvSpPr>
-            <a:spLocks noGrp="1"/>
-          </p:cNvSpPr>
-          <p:nvPr>
-            <p:ph idx="1"/>
-          </p:nvPr>
-        </p:nvSpPr>
-        <p:spPr/>
-        <p:txBody>
-          <a:bodyPr/>
-          <a:lstStyle/>
-          <a:p>
-            <a:r>
-              <a:rPr lang="en-US" dirty="0" smtClean="0">
-                <a:solidFill>
-                  <a:schemeClr val="bg1"/>
-                </a:solidFill>
-              </a:rPr>
-              <a:t>Problems in Readable Streams</a:t>
-            </a:r>
-          </a:p>
-          <a:p>
-            <a:pPr lvl="1"/>
-            <a:r>
-              <a:rPr lang="en-US" dirty="0" smtClean="0">
-                <a:solidFill>
-                  <a:schemeClr val="bg1"/>
-                </a:solidFill>
-              </a:rPr>
-              <a:t>Data eagerly fired whether ready or not</a:t>
-            </a:r>
-          </a:p>
-          <a:p>
-            <a:pPr lvl="1"/>
-            <a:r>
-              <a:rPr lang="en-US" dirty="0" smtClean="0">
-                <a:solidFill>
-                  <a:schemeClr val="bg1"/>
-                </a:solidFill>
-              </a:rPr>
-              <a:t>Implement pause/resume yourself</a:t>
-            </a:r>
-          </a:p>
-          <a:p>
-            <a:pPr lvl="1"/>
-            <a:r>
-              <a:rPr lang="en-US" dirty="0" smtClean="0">
-                <a:solidFill>
-                  <a:schemeClr val="bg1"/>
-                </a:solidFill>
-              </a:rPr>
-              <a:t>Might get data even if paused</a:t>
-            </a:r>
-            <a:endParaRPr lang="en-US" dirty="0">
-              <a:solidFill>
-                <a:schemeClr val="bg1"/>
-              </a:solidFill>
-            </a:endParaRPr>
+            <a:r>
+              <a:rPr lang="en-US" dirty="0" smtClean="0"/>
+              <a:t>Complex Event Processing</a:t>
+            </a:r>
+            <a:endParaRPr lang="en-US" dirty="0"/>
           </a:p>
         </p:txBody>
       </p:sp>
     </p:spTree>
+    <p:extLst>
+      <p:ext uri="{BB962C8B-B14F-4D97-AF65-F5344CB8AC3E}">
+        <p14:creationId xmlns:p14="http://schemas.microsoft.com/office/powerpoint/2010/main" val="1577594957"/>
+      </p:ext>
+    </p:extLst>
   </p:cSld>
   <p:clrMapOvr>
     <a:masterClrMapping/>
   </p:clrMapOvr>
-  <p:timing>
-    <p:tnLst>
-      <p:par>
-        <p:cTn id="1" dur="indefinite" restart="never" nodeType="tmRoot"/>
-      </p:par>
-    </p:tnLst>
-  </p:timing>
 </p:sld>
 </file>
 
@@ -12816,7 +12571,7 @@
       </p:grpSpPr>
       <p:pic>
         <p:nvPicPr>
-          <p:cNvPr id="4" name="Picture 3"/>
+          <p:cNvPr id="6" name="Picture 5"/>
           <p:cNvPicPr>
             <a:picLocks noChangeAspect="1"/>
           </p:cNvPicPr>
@@ -12830,7 +12585,7 @@
         </p:blipFill>
         <p:spPr>
           <a:xfrm>
-            <a:off x="0" y="0"/>
+            <a:off x="10886" y="0"/>
             <a:ext cx="2781300" cy="2257425"/>
           </a:xfrm>
           <a:prstGeom prst="rect">
@@ -12850,7 +12605,9 @@
         </p:nvSpPr>
         <p:spPr/>
         <p:txBody>
-          <a:bodyPr/>
+          <a:bodyPr>
+            <a:normAutofit fontScale="90000"/>
+          </a:bodyPr>
           <a:lstStyle/>
           <a:p>
             <a:pPr algn="r"/>
@@ -12861,9 +12618,26 @@
                 </a:solidFill>
                 <a:latin typeface="Proxima Nova Rg" panose="02000506030000020004" pitchFamily="2" charset="0"/>
               </a:rPr>
-              <a:t>Changes in 0.9+</a:t>
-            </a:r>
-            <a:endParaRPr lang="en-US" dirty="0">
+              <a:t>Distributed Streams</a:t>
+            </a:r>
+            <a:br>
+              <a:rPr lang="en-US" dirty="0" smtClean="0">
+                <a:solidFill>
+                  <a:schemeClr val="bg1"/>
+                </a:solidFill>
+                <a:latin typeface="Proxima Nova Rg" panose="02000506030000020004" pitchFamily="2" charset="0"/>
+              </a:rPr>
+            </a:br>
+            <a:r>
+              <a:rPr lang="en-US" sz="3600" dirty="0" smtClean="0">
+                <a:solidFill>
+                  <a:schemeClr val="bg1"/>
+                </a:solidFill>
+                <a:latin typeface="Proxima Nova Rg" panose="02000506030000020004" pitchFamily="2" charset="0"/>
+              </a:rPr>
+              <a:t>with Scuttlebutt</a:t>
+            </a:r>
+            <a:endParaRPr lang="en-US" sz="3600" dirty="0">
               <a:solidFill>
                 <a:schemeClr val="bg1"/>
               </a:solidFill>
@@ -12874,14 +12648,14 @@
       </p:sp>
       <p:sp>
         <p:nvSpPr>
-          <p:cNvPr id="3" name="TextBox 2"/>
+          <p:cNvPr id="4" name="TextBox 3"/>
           <p:cNvSpPr txBox="1"/>
           <p:nvPr/>
         </p:nvSpPr>
         <p:spPr>
           <a:xfrm>
-            <a:off x="838200" y="2257425"/>
-            <a:ext cx="7467600" cy="830997"/>
+            <a:off x="457200" y="1600200"/>
+            <a:ext cx="8229600" cy="4524315"/>
           </a:xfrm>
           <a:prstGeom prst="rect">
             <a:avLst/>
@@ -12894,220 +12668,227 @@
           </a:bodyPr>
           <a:lstStyle/>
           <a:p>
-            <a:r>
-              <a:rPr lang="en-US" sz="2400" dirty="0" smtClean="0">
-                <a:solidFill>
-                  <a:schemeClr val="bg1"/>
-                </a:solidFill>
-                <a:latin typeface="Proxima Nova Rg" panose="02000506030000020004" pitchFamily="50" charset="0"/>
-              </a:rPr>
-              <a:t>“Fire </a:t>
-            </a:r>
-            <a:r>
-              <a:rPr lang="en-US" sz="2400" dirty="0">
-                <a:solidFill>
-                  <a:schemeClr val="bg1"/>
-                </a:solidFill>
-                <a:latin typeface="Proxima Nova Rg" panose="02000506030000020004" pitchFamily="50" charset="0"/>
-              </a:rPr>
-              <a:t>and brimstone coming down from the skies! Rivers and seas boiling</a:t>
-            </a:r>
-            <a:r>
-              <a:rPr lang="en-US" sz="2400" dirty="0" smtClean="0">
-                <a:solidFill>
-                  <a:schemeClr val="bg1"/>
-                </a:solidFill>
-                <a:latin typeface="Proxima Nova Rg" panose="02000506030000020004" pitchFamily="50" charset="0"/>
-              </a:rPr>
-              <a:t>!”</a:t>
-            </a:r>
             <a:endParaRPr lang="en-US" sz="2400" dirty="0">
               <a:solidFill>
                 <a:schemeClr val="bg1"/>
               </a:solidFill>
-              <a:latin typeface="Proxima Nova Rg" panose="02000506030000020004" pitchFamily="50" charset="0"/>
+              <a:latin typeface="Lucida Console" panose="020B0609040504020204" pitchFamily="49" charset="0"/>
             </a:endParaRPr>
           </a:p>
-        </p:txBody>
-      </p:sp>
-      <p:sp>
-        <p:nvSpPr>
-          <p:cNvPr id="6" name="TextBox 5"/>
-          <p:cNvSpPr txBox="1"/>
-          <p:nvPr/>
-        </p:nvSpPr>
-        <p:spPr>
-          <a:xfrm>
-            <a:off x="838200" y="3429000"/>
-            <a:ext cx="7467600" cy="461665"/>
-          </a:xfrm>
-          <a:prstGeom prst="rect">
-            <a:avLst/>
-          </a:prstGeom>
-          <a:noFill/>
-        </p:spPr>
-        <p:txBody>
-          <a:bodyPr wrap="square" rtlCol="0">
-            <a:spAutoFit/>
-          </a:bodyPr>
-          <a:lstStyle/>
-          <a:p>
-            <a:r>
-              <a:rPr lang="en-US" sz="2400" dirty="0" smtClean="0">
-                <a:solidFill>
-                  <a:schemeClr val="bg1"/>
-                </a:solidFill>
-                <a:latin typeface="Proxima Nova Rg" panose="02000506030000020004" pitchFamily="50" charset="0"/>
-              </a:rPr>
-              <a:t>“Forty </a:t>
+          <a:p>
+            <a:r>
+              <a:rPr lang="en-US" sz="2400" dirty="0" err="1">
+                <a:solidFill>
+                  <a:schemeClr val="bg1"/>
+                </a:solidFill>
+                <a:latin typeface="Lucida Console" panose="020B0609040504020204" pitchFamily="49" charset="0"/>
+              </a:rPr>
+              <a:t>var</a:t>
             </a:r>
             <a:r>
               <a:rPr lang="en-US" sz="2400" dirty="0">
                 <a:solidFill>
                   <a:schemeClr val="bg1"/>
                 </a:solidFill>
-                <a:latin typeface="Proxima Nova Rg" panose="02000506030000020004" pitchFamily="50" charset="0"/>
-              </a:rPr>
-              <a:t>years of darkness! Earthquakes, volcanoes</a:t>
-            </a:r>
-            <a:r>
-              <a:rPr lang="en-US" sz="2400" dirty="0" smtClean="0">
-                <a:solidFill>
-                  <a:schemeClr val="bg1"/>
-                </a:solidFill>
-                <a:latin typeface="Proxima Nova Rg" panose="02000506030000020004" pitchFamily="50" charset="0"/>
-              </a:rPr>
-              <a:t>...”</a:t>
-            </a:r>
+                <a:latin typeface="Lucida Console" panose="020B0609040504020204" pitchFamily="49" charset="0"/>
+              </a:rPr>
+              <a:t> Model = require('scuttlebutt/model')</a:t>
+            </a:r>
+          </a:p>
+          <a:p>
             <a:endParaRPr lang="en-US" sz="2400" dirty="0">
               <a:solidFill>
                 <a:schemeClr val="bg1"/>
               </a:solidFill>
-              <a:latin typeface="Proxima Nova Rg" panose="02000506030000020004" pitchFamily="50" charset="0"/>
+              <a:latin typeface="Lucida Console" panose="020B0609040504020204" pitchFamily="49" charset="0"/>
             </a:endParaRPr>
           </a:p>
-        </p:txBody>
-      </p:sp>
-      <p:sp>
-        <p:nvSpPr>
-          <p:cNvPr id="7" name="TextBox 6"/>
-          <p:cNvSpPr txBox="1"/>
-          <p:nvPr/>
-        </p:nvSpPr>
-        <p:spPr>
-          <a:xfrm>
-            <a:off x="838200" y="4231243"/>
-            <a:ext cx="7467600" cy="461665"/>
-          </a:xfrm>
-          <a:prstGeom prst="rect">
-            <a:avLst/>
-          </a:prstGeom>
-          <a:noFill/>
-        </p:spPr>
-        <p:txBody>
-          <a:bodyPr wrap="square" rtlCol="0">
-            <a:spAutoFit/>
-          </a:bodyPr>
-          <a:lstStyle/>
-          <a:p>
-            <a:r>
-              <a:rPr lang="en-US" sz="2400" dirty="0" smtClean="0">
-                <a:solidFill>
-                  <a:schemeClr val="bg1"/>
-                </a:solidFill>
-                <a:latin typeface="Proxima Nova Rg" panose="02000506030000020004" pitchFamily="50" charset="0"/>
-              </a:rPr>
-              <a:t>“The </a:t>
+          <a:p>
+            <a:r>
+              <a:rPr lang="en-US" sz="2400" dirty="0" err="1">
+                <a:solidFill>
+                  <a:schemeClr val="bg1"/>
+                </a:solidFill>
+                <a:latin typeface="Lucida Console" panose="020B0609040504020204" pitchFamily="49" charset="0"/>
+              </a:rPr>
+              <a:t>var</a:t>
             </a:r>
             <a:r>
               <a:rPr lang="en-US" sz="2400" dirty="0">
                 <a:solidFill>
                   <a:schemeClr val="bg1"/>
                 </a:solidFill>
-                <a:latin typeface="Proxima Nova Rg" panose="02000506030000020004" pitchFamily="50" charset="0"/>
-              </a:rPr>
-              <a:t>dead rising from the grave</a:t>
-            </a:r>
-            <a:r>
-              <a:rPr lang="en-US" sz="2400" dirty="0" smtClean="0">
-                <a:solidFill>
-                  <a:schemeClr val="bg1"/>
-                </a:solidFill>
-                <a:latin typeface="Proxima Nova Rg" panose="02000506030000020004" pitchFamily="50" charset="0"/>
-              </a:rPr>
-              <a:t>!”</a:t>
-            </a:r>
+                <a:latin typeface="Lucida Console" panose="020B0609040504020204" pitchFamily="49" charset="0"/>
+              </a:rPr>
+              <a:t> a = new Model()</a:t>
+            </a:r>
+          </a:p>
+          <a:p>
+            <a:r>
+              <a:rPr lang="en-US" sz="2400" dirty="0" err="1">
+                <a:solidFill>
+                  <a:schemeClr val="bg1"/>
+                </a:solidFill>
+                <a:latin typeface="Lucida Console" panose="020B0609040504020204" pitchFamily="49" charset="0"/>
+              </a:rPr>
+              <a:t>var</a:t>
+            </a:r>
+            <a:r>
+              <a:rPr lang="en-US" sz="2400" dirty="0">
+                <a:solidFill>
+                  <a:schemeClr val="bg1"/>
+                </a:solidFill>
+                <a:latin typeface="Lucida Console" panose="020B0609040504020204" pitchFamily="49" charset="0"/>
+              </a:rPr>
+              <a:t> b = new Model()</a:t>
+            </a:r>
+          </a:p>
+          <a:p>
             <a:endParaRPr lang="en-US" sz="2400" dirty="0">
               <a:solidFill>
                 <a:schemeClr val="bg1"/>
               </a:solidFill>
-              <a:latin typeface="Proxima Nova Rg" panose="02000506030000020004" pitchFamily="50" charset="0"/>
+              <a:latin typeface="Lucida Console" panose="020B0609040504020204" pitchFamily="49" charset="0"/>
             </a:endParaRPr>
           </a:p>
-        </p:txBody>
-      </p:sp>
-      <p:sp>
-        <p:nvSpPr>
-          <p:cNvPr id="8" name="TextBox 7"/>
-          <p:cNvSpPr txBox="1"/>
-          <p:nvPr/>
-        </p:nvSpPr>
-        <p:spPr>
-          <a:xfrm>
-            <a:off x="838200" y="5033486"/>
-            <a:ext cx="7467600" cy="830997"/>
-          </a:xfrm>
-          <a:prstGeom prst="rect">
-            <a:avLst/>
-          </a:prstGeom>
-          <a:noFill/>
-        </p:spPr>
-        <p:txBody>
-          <a:bodyPr wrap="square" rtlCol="0">
-            <a:spAutoFit/>
-          </a:bodyPr>
-          <a:lstStyle/>
-          <a:p>
-            <a:r>
-              <a:rPr lang="en-US" sz="2400" dirty="0" smtClean="0">
-                <a:solidFill>
-                  <a:schemeClr val="bg1"/>
-                </a:solidFill>
-                <a:latin typeface="Proxima Nova Rg" panose="02000506030000020004" pitchFamily="50" charset="0"/>
-              </a:rPr>
-              <a:t>“Human </a:t>
+          <a:p>
+            <a:r>
+              <a:rPr lang="en-US" sz="2400" dirty="0" err="1">
+                <a:solidFill>
+                  <a:schemeClr val="bg1"/>
+                </a:solidFill>
+                <a:latin typeface="Lucida Console" panose="020B0609040504020204" pitchFamily="49" charset="0"/>
+              </a:rPr>
+              <a:t>a.set</a:t>
             </a:r>
             <a:r>
               <a:rPr lang="en-US" sz="2400" dirty="0">
                 <a:solidFill>
                   <a:schemeClr val="bg1"/>
                 </a:solidFill>
-                <a:latin typeface="Proxima Nova Rg" panose="02000506030000020004" pitchFamily="50" charset="0"/>
-              </a:rPr>
-              <a:t>sacrifice, dogs and cats living together... mass hysteria</a:t>
-            </a:r>
-            <a:r>
-              <a:rPr lang="en-US" sz="2400" dirty="0" smtClean="0">
-                <a:solidFill>
-                  <a:schemeClr val="bg1"/>
-                </a:solidFill>
-                <a:latin typeface="Proxima Nova Rg" panose="02000506030000020004" pitchFamily="50" charset="0"/>
-              </a:rPr>
-              <a:t>!”</a:t>
-            </a:r>
+                <a:latin typeface="Lucida Console" panose="020B0609040504020204" pitchFamily="49" charset="0"/>
+              </a:rPr>
+              <a:t>(key, value)</a:t>
+            </a:r>
+          </a:p>
+          <a:p>
             <a:endParaRPr lang="en-US" sz="2400" dirty="0">
               <a:solidFill>
                 <a:schemeClr val="bg1"/>
               </a:solidFill>
-              <a:latin typeface="Proxima Nova Rg" panose="02000506030000020004" pitchFamily="50" charset="0"/>
+              <a:latin typeface="Lucida Console" panose="020B0609040504020204" pitchFamily="49" charset="0"/>
             </a:endParaRPr>
+          </a:p>
+          <a:p>
+            <a:r>
+              <a:rPr lang="en-US" sz="2400" dirty="0" err="1">
+                <a:solidFill>
+                  <a:schemeClr val="bg1"/>
+                </a:solidFill>
+                <a:latin typeface="Lucida Console" panose="020B0609040504020204" pitchFamily="49" charset="0"/>
+              </a:rPr>
+              <a:t>b.on</a:t>
+            </a:r>
+            <a:r>
+              <a:rPr lang="en-US" sz="2400" dirty="0">
+                <a:solidFill>
+                  <a:schemeClr val="bg1"/>
+                </a:solidFill>
+                <a:latin typeface="Lucida Console" panose="020B0609040504020204" pitchFamily="49" charset="0"/>
+              </a:rPr>
+              <a:t>('update', console.log)</a:t>
+            </a:r>
+          </a:p>
+          <a:p>
+            <a:endParaRPr lang="en-US" sz="2400" dirty="0">
+              <a:solidFill>
+                <a:schemeClr val="bg1"/>
+              </a:solidFill>
+              <a:latin typeface="Lucida Console" panose="020B0609040504020204" pitchFamily="49" charset="0"/>
+            </a:endParaRPr>
+          </a:p>
+          <a:p>
+            <a:r>
+              <a:rPr lang="en-US" sz="2400" dirty="0" err="1">
+                <a:solidFill>
+                  <a:schemeClr val="bg1"/>
+                </a:solidFill>
+                <a:latin typeface="Lucida Console" panose="020B0609040504020204" pitchFamily="49" charset="0"/>
+              </a:rPr>
+              <a:t>var</a:t>
+            </a:r>
+            <a:r>
+              <a:rPr lang="en-US" sz="2400" dirty="0">
+                <a:solidFill>
+                  <a:schemeClr val="bg1"/>
+                </a:solidFill>
+                <a:latin typeface="Lucida Console" panose="020B0609040504020204" pitchFamily="49" charset="0"/>
+              </a:rPr>
+              <a:t> s = </a:t>
+            </a:r>
+            <a:r>
+              <a:rPr lang="en-US" sz="2400" dirty="0" err="1">
+                <a:solidFill>
+                  <a:schemeClr val="bg1"/>
+                </a:solidFill>
+                <a:latin typeface="Lucida Console" panose="020B0609040504020204" pitchFamily="49" charset="0"/>
+              </a:rPr>
+              <a:t>a.createStream</a:t>
+            </a:r>
+            <a:r>
+              <a:rPr lang="en-US" sz="2400" dirty="0">
+                <a:solidFill>
+                  <a:schemeClr val="bg1"/>
+                </a:solidFill>
+                <a:latin typeface="Lucida Console" panose="020B0609040504020204" pitchFamily="49" charset="0"/>
+              </a:rPr>
+              <a:t>()</a:t>
+            </a:r>
+          </a:p>
+          <a:p>
+            <a:r>
+              <a:rPr lang="en-US" sz="2400" dirty="0" err="1">
+                <a:solidFill>
+                  <a:schemeClr val="bg1"/>
+                </a:solidFill>
+                <a:latin typeface="Lucida Console" panose="020B0609040504020204" pitchFamily="49" charset="0"/>
+              </a:rPr>
+              <a:t>s.pipe</a:t>
+            </a:r>
+            <a:r>
+              <a:rPr lang="en-US" sz="2400" dirty="0">
+                <a:solidFill>
+                  <a:schemeClr val="bg1"/>
+                </a:solidFill>
+                <a:latin typeface="Lucida Console" panose="020B0609040504020204" pitchFamily="49" charset="0"/>
+              </a:rPr>
+              <a:t>(</a:t>
+            </a:r>
+            <a:r>
+              <a:rPr lang="en-US" sz="2400" dirty="0" err="1">
+                <a:solidFill>
+                  <a:schemeClr val="bg1"/>
+                </a:solidFill>
+                <a:latin typeface="Lucida Console" panose="020B0609040504020204" pitchFamily="49" charset="0"/>
+              </a:rPr>
+              <a:t>b.createStream</a:t>
+            </a:r>
+            <a:r>
+              <a:rPr lang="en-US" sz="2400" dirty="0">
+                <a:solidFill>
+                  <a:schemeClr val="bg1"/>
+                </a:solidFill>
+                <a:latin typeface="Lucida Console" panose="020B0609040504020204" pitchFamily="49" charset="0"/>
+              </a:rPr>
+              <a:t>()).pipe(s)</a:t>
+            </a:r>
           </a:p>
         </p:txBody>
       </p:sp>
     </p:spTree>
     <p:extLst>
       <p:ext uri="{BB962C8B-B14F-4D97-AF65-F5344CB8AC3E}">
-        <p14:creationId xmlns:p14="http://schemas.microsoft.com/office/powerpoint/2010/main" val="582266723"/>
+        <p14:creationId xmlns:p14="http://schemas.microsoft.com/office/powerpoint/2010/main" val="2649660260"/>
       </p:ext>
     </p:extLst>
   </p:cSld>
@@ -13293,6 +13074,150 @@
           <a:chExt cx="0" cy="0"/>
         </a:xfrm>
       </p:grpSpPr>
+      <p:sp>
+        <p:nvSpPr>
+          <p:cNvPr id="4" name="TextBox 3"/>
+          <p:cNvSpPr txBox="1"/>
+          <p:nvPr/>
+        </p:nvSpPr>
+        <p:spPr>
+          <a:xfrm>
+            <a:off x="838200" y="2278559"/>
+            <a:ext cx="7467600" cy="769441"/>
+          </a:xfrm>
+          <a:prstGeom prst="rect">
+            <a:avLst/>
+          </a:prstGeom>
+          <a:noFill/>
+        </p:spPr>
+        <p:txBody>
+          <a:bodyPr wrap="square" rtlCol="0">
+            <a:spAutoFit/>
+          </a:bodyPr>
+          <a:lstStyle/>
+          <a:p>
+            <a:pPr algn="ctr"/>
+            <a:r>
+              <a:rPr lang="en-US" sz="4400" dirty="0" smtClean="0">
+                <a:solidFill>
+                  <a:schemeClr val="bg1"/>
+                </a:solidFill>
+                <a:latin typeface="Proxima Nova Rg" panose="02000506030000020004" pitchFamily="2" charset="0"/>
+              </a:rPr>
+              <a:t>All is well in Stream-land</a:t>
+            </a:r>
+            <a:endParaRPr lang="en-US" sz="4400" dirty="0">
+              <a:solidFill>
+                <a:schemeClr val="bg1"/>
+              </a:solidFill>
+              <a:latin typeface="Proxima Nova Rg" panose="02000506030000020004" pitchFamily="2" charset="0"/>
+            </a:endParaRPr>
+          </a:p>
+        </p:txBody>
+      </p:sp>
+      <p:sp>
+        <p:nvSpPr>
+          <p:cNvPr id="5" name="TextBox 4"/>
+          <p:cNvSpPr txBox="1"/>
+          <p:nvPr/>
+        </p:nvSpPr>
+        <p:spPr>
+          <a:xfrm>
+            <a:off x="838200" y="3733800"/>
+            <a:ext cx="7467600" cy="1446550"/>
+          </a:xfrm>
+          <a:prstGeom prst="rect">
+            <a:avLst/>
+          </a:prstGeom>
+          <a:noFill/>
+        </p:spPr>
+        <p:txBody>
+          <a:bodyPr wrap="square" rtlCol="0">
+            <a:spAutoFit/>
+          </a:bodyPr>
+          <a:lstStyle/>
+          <a:p>
+            <a:pPr algn="ctr"/>
+            <a:r>
+              <a:rPr lang="en-US" sz="4400" dirty="0" smtClean="0">
+                <a:solidFill>
+                  <a:schemeClr val="bg1"/>
+                </a:solidFill>
+                <a:latin typeface="Proxima Nova Rg" panose="02000506030000020004" pitchFamily="2" charset="0"/>
+              </a:rPr>
+              <a:t>…but Streams have big problems!</a:t>
+            </a:r>
+            <a:endParaRPr lang="en-US" sz="4400" dirty="0">
+              <a:solidFill>
+                <a:schemeClr val="bg1"/>
+              </a:solidFill>
+              <a:latin typeface="Proxima Nova Rg" panose="02000506030000020004" pitchFamily="2" charset="0"/>
+            </a:endParaRPr>
+          </a:p>
+        </p:txBody>
+      </p:sp>
+      <p:pic>
+        <p:nvPicPr>
+          <p:cNvPr id="6" name="Picture 5"/>
+          <p:cNvPicPr>
+            <a:picLocks noChangeAspect="1"/>
+          </p:cNvPicPr>
+          <p:nvPr/>
+        </p:nvPicPr>
+        <p:blipFill>
+          <a:blip r:embed="rId2" cstate="print"/>
+          <a:stretch>
+            <a:fillRect/>
+          </a:stretch>
+        </p:blipFill>
+        <p:spPr>
+          <a:xfrm>
+            <a:off x="0" y="0"/>
+            <a:ext cx="2781300" cy="2257425"/>
+          </a:xfrm>
+          <a:prstGeom prst="rect">
+            <a:avLst/>
+          </a:prstGeom>
+        </p:spPr>
+      </p:pic>
+    </p:spTree>
+    <p:extLst>
+      <p:ext uri="{BB962C8B-B14F-4D97-AF65-F5344CB8AC3E}">
+        <p14:creationId xmlns:p14="http://schemas.microsoft.com/office/powerpoint/2010/main" val="1463339739"/>
+      </p:ext>
+    </p:extLst>
+  </p:cSld>
+  <p:clrMapOvr>
+    <a:masterClrMapping/>
+  </p:clrMapOvr>
+</p:sld>
+</file>
+
+<file path=ppt/slides/slide31.xml><?xml version="1.0" encoding="utf-8"?>
+<p:sld xmlns:a="http://schemas.openxmlformats.org/drawingml/2006/main" xmlns:r="http://schemas.openxmlformats.org/officeDocument/2006/relationships" xmlns:p="http://schemas.openxmlformats.org/presentationml/2006/main">
+  <p:cSld>
+    <p:bg>
+      <p:bgPr>
+        <a:solidFill>
+          <a:schemeClr val="tx1"/>
+        </a:solidFill>
+        <a:effectLst/>
+      </p:bgPr>
+    </p:bg>
+    <p:spTree>
+      <p:nvGrpSpPr>
+        <p:cNvPr id="1" name=""/>
+        <p:cNvGrpSpPr/>
+        <p:nvPr/>
+      </p:nvGrpSpPr>
+      <p:grpSpPr>
+        <a:xfrm>
+          <a:off x="0" y="0"/>
+          <a:ext cx="0" cy="0"/>
+          <a:chOff x="0" y="0"/>
+          <a:chExt cx="0" cy="0"/>
+        </a:xfrm>
+      </p:grpSpPr>
       <p:pic>
         <p:nvPicPr>
           <p:cNvPr id="5" name="Picture 4"/>
@@ -13340,6 +13265,312 @@
                 </a:solidFill>
                 <a:latin typeface="Proxima Nova Rg" panose="02000506030000020004" pitchFamily="2" charset="0"/>
               </a:rPr>
+              <a:t>Issues in &lt;= 0.8</a:t>
+            </a:r>
+            <a:endParaRPr lang="en-US" dirty="0">
+              <a:solidFill>
+                <a:schemeClr val="bg1"/>
+              </a:solidFill>
+              <a:latin typeface="Proxima Nova Rg" panose="02000506030000020004" pitchFamily="2" charset="0"/>
+            </a:endParaRPr>
+          </a:p>
+        </p:txBody>
+      </p:sp>
+      <p:sp>
+        <p:nvSpPr>
+          <p:cNvPr id="3" name="Content Placeholder 2"/>
+          <p:cNvSpPr>
+            <a:spLocks noGrp="1"/>
+          </p:cNvSpPr>
+          <p:nvPr>
+            <p:ph idx="1"/>
+          </p:nvPr>
+        </p:nvSpPr>
+        <p:spPr/>
+        <p:txBody>
+          <a:bodyPr/>
+          <a:lstStyle/>
+          <a:p>
+            <a:r>
+              <a:rPr lang="en-US" dirty="0" smtClean="0">
+                <a:solidFill>
+                  <a:schemeClr val="bg1"/>
+                </a:solidFill>
+              </a:rPr>
+              <a:t>Problems in Readable Streams</a:t>
+            </a:r>
+          </a:p>
+          <a:p>
+            <a:pPr lvl="1"/>
+            <a:r>
+              <a:rPr lang="en-US" dirty="0" smtClean="0">
+                <a:solidFill>
+                  <a:schemeClr val="bg1"/>
+                </a:solidFill>
+              </a:rPr>
+              <a:t>Data eagerly fired whether ready or not</a:t>
+            </a:r>
+          </a:p>
+          <a:p>
+            <a:pPr lvl="1"/>
+            <a:r>
+              <a:rPr lang="en-US" dirty="0" smtClean="0">
+                <a:solidFill>
+                  <a:schemeClr val="bg1"/>
+                </a:solidFill>
+              </a:rPr>
+              <a:t>Implement pause/resume yourself</a:t>
+            </a:r>
+          </a:p>
+          <a:p>
+            <a:pPr lvl="1"/>
+            <a:r>
+              <a:rPr lang="en-US" dirty="0" smtClean="0">
+                <a:solidFill>
+                  <a:schemeClr val="bg1"/>
+                </a:solidFill>
+              </a:rPr>
+              <a:t>Might get data even if paused</a:t>
+            </a:r>
+            <a:endParaRPr lang="en-US" dirty="0">
+              <a:solidFill>
+                <a:schemeClr val="bg1"/>
+              </a:solidFill>
+            </a:endParaRPr>
+          </a:p>
+        </p:txBody>
+      </p:sp>
+    </p:spTree>
+  </p:cSld>
+  <p:clrMapOvr>
+    <a:masterClrMapping/>
+  </p:clrMapOvr>
+  <p:timing>
+    <p:tnLst>
+      <p:par>
+        <p:cTn id="1" dur="indefinite" restart="never" nodeType="tmRoot"/>
+      </p:par>
+    </p:tnLst>
+  </p:timing>
+</p:sld>
+</file>
+
+<file path=ppt/slides/slide32.xml><?xml version="1.0" encoding="utf-8"?>
+<p:sld xmlns:a="http://schemas.openxmlformats.org/drawingml/2006/main" xmlns:r="http://schemas.openxmlformats.org/officeDocument/2006/relationships" xmlns:p="http://schemas.openxmlformats.org/presentationml/2006/main">
+  <p:cSld>
+    <p:bg>
+      <p:bgPr>
+        <a:solidFill>
+          <a:schemeClr val="tx1"/>
+        </a:solidFill>
+        <a:effectLst/>
+      </p:bgPr>
+    </p:bg>
+    <p:spTree>
+      <p:nvGrpSpPr>
+        <p:cNvPr id="1" name=""/>
+        <p:cNvGrpSpPr/>
+        <p:nvPr/>
+      </p:nvGrpSpPr>
+      <p:grpSpPr>
+        <a:xfrm>
+          <a:off x="0" y="0"/>
+          <a:ext cx="0" cy="0"/>
+          <a:chOff x="0" y="0"/>
+          <a:chExt cx="0" cy="0"/>
+        </a:xfrm>
+      </p:grpSpPr>
+      <p:sp>
+        <p:nvSpPr>
+          <p:cNvPr id="4" name="TextBox 3"/>
+          <p:cNvSpPr txBox="1"/>
+          <p:nvPr/>
+        </p:nvSpPr>
+        <p:spPr>
+          <a:xfrm>
+            <a:off x="838200" y="2278559"/>
+            <a:ext cx="7467600" cy="769441"/>
+          </a:xfrm>
+          <a:prstGeom prst="rect">
+            <a:avLst/>
+          </a:prstGeom>
+          <a:noFill/>
+        </p:spPr>
+        <p:txBody>
+          <a:bodyPr wrap="square" rtlCol="0">
+            <a:spAutoFit/>
+          </a:bodyPr>
+          <a:lstStyle/>
+          <a:p>
+            <a:pPr algn="ctr"/>
+            <a:r>
+              <a:rPr lang="en-US" sz="4400" dirty="0" smtClean="0">
+                <a:solidFill>
+                  <a:schemeClr val="bg1"/>
+                </a:solidFill>
+                <a:latin typeface="Proxima Nova Rg" panose="02000506030000020004" pitchFamily="2" charset="0"/>
+              </a:rPr>
+              <a:t>Streams2 to the rescue!</a:t>
+            </a:r>
+            <a:endParaRPr lang="en-US" sz="4400" dirty="0">
+              <a:solidFill>
+                <a:schemeClr val="bg1"/>
+              </a:solidFill>
+              <a:latin typeface="Proxima Nova Rg" panose="02000506030000020004" pitchFamily="2" charset="0"/>
+            </a:endParaRPr>
+          </a:p>
+        </p:txBody>
+      </p:sp>
+      <p:sp>
+        <p:nvSpPr>
+          <p:cNvPr id="5" name="TextBox 4"/>
+          <p:cNvSpPr txBox="1"/>
+          <p:nvPr/>
+        </p:nvSpPr>
+        <p:spPr>
+          <a:xfrm>
+            <a:off x="838200" y="3733800"/>
+            <a:ext cx="7467600" cy="769441"/>
+          </a:xfrm>
+          <a:prstGeom prst="rect">
+            <a:avLst/>
+          </a:prstGeom>
+          <a:noFill/>
+        </p:spPr>
+        <p:txBody>
+          <a:bodyPr wrap="square" rtlCol="0">
+            <a:spAutoFit/>
+          </a:bodyPr>
+          <a:lstStyle/>
+          <a:p>
+            <a:pPr algn="ctr"/>
+            <a:r>
+              <a:rPr lang="en-US" sz="4400" dirty="0" smtClean="0">
+                <a:solidFill>
+                  <a:schemeClr val="bg1"/>
+                </a:solidFill>
+                <a:latin typeface="Proxima Nova Rg" panose="02000506030000020004" pitchFamily="2" charset="0"/>
+              </a:rPr>
+              <a:t>…coming in v0.1.0</a:t>
+            </a:r>
+            <a:endParaRPr lang="en-US" sz="4400" dirty="0">
+              <a:solidFill>
+                <a:schemeClr val="bg1"/>
+              </a:solidFill>
+              <a:latin typeface="Proxima Nova Rg" panose="02000506030000020004" pitchFamily="2" charset="0"/>
+            </a:endParaRPr>
+          </a:p>
+        </p:txBody>
+      </p:sp>
+      <p:pic>
+        <p:nvPicPr>
+          <p:cNvPr id="6" name="Picture 5"/>
+          <p:cNvPicPr>
+            <a:picLocks noChangeAspect="1"/>
+          </p:cNvPicPr>
+          <p:nvPr/>
+        </p:nvPicPr>
+        <p:blipFill>
+          <a:blip r:embed="rId3" cstate="print"/>
+          <a:stretch>
+            <a:fillRect/>
+          </a:stretch>
+        </p:blipFill>
+        <p:spPr>
+          <a:xfrm>
+            <a:off x="0" y="0"/>
+            <a:ext cx="2781300" cy="2257425"/>
+          </a:xfrm>
+          <a:prstGeom prst="rect">
+            <a:avLst/>
+          </a:prstGeom>
+        </p:spPr>
+      </p:pic>
+    </p:spTree>
+    <p:extLst>
+      <p:ext uri="{BB962C8B-B14F-4D97-AF65-F5344CB8AC3E}">
+        <p14:creationId xmlns:p14="http://schemas.microsoft.com/office/powerpoint/2010/main" val="2724715757"/>
+      </p:ext>
+    </p:extLst>
+  </p:cSld>
+  <p:clrMapOvr>
+    <a:masterClrMapping/>
+  </p:clrMapOvr>
+</p:sld>
+</file>
+
+<file path=ppt/slides/slide33.xml><?xml version="1.0" encoding="utf-8"?>
+<p:sld xmlns:a="http://schemas.openxmlformats.org/drawingml/2006/main" xmlns:r="http://schemas.openxmlformats.org/officeDocument/2006/relationships" xmlns:p="http://schemas.openxmlformats.org/presentationml/2006/main">
+  <p:cSld>
+    <p:bg>
+      <p:bgPr>
+        <a:solidFill>
+          <a:schemeClr val="tx1"/>
+        </a:solidFill>
+        <a:effectLst/>
+      </p:bgPr>
+    </p:bg>
+    <p:spTree>
+      <p:nvGrpSpPr>
+        <p:cNvPr id="1" name=""/>
+        <p:cNvGrpSpPr/>
+        <p:nvPr/>
+      </p:nvGrpSpPr>
+      <p:grpSpPr>
+        <a:xfrm>
+          <a:off x="0" y="0"/>
+          <a:ext cx="0" cy="0"/>
+          <a:chOff x="0" y="0"/>
+          <a:chExt cx="0" cy="0"/>
+        </a:xfrm>
+      </p:grpSpPr>
+      <p:pic>
+        <p:nvPicPr>
+          <p:cNvPr id="5" name="Picture 4"/>
+          <p:cNvPicPr>
+            <a:picLocks noChangeAspect="1"/>
+          </p:cNvPicPr>
+          <p:nvPr/>
+        </p:nvPicPr>
+        <p:blipFill>
+          <a:blip r:embed="rId3" cstate="print"/>
+          <a:stretch>
+            <a:fillRect/>
+          </a:stretch>
+        </p:blipFill>
+        <p:spPr>
+          <a:xfrm>
+            <a:off x="0" y="0"/>
+            <a:ext cx="2781300" cy="2257425"/>
+          </a:xfrm>
+          <a:prstGeom prst="rect">
+            <a:avLst/>
+          </a:prstGeom>
+        </p:spPr>
+      </p:pic>
+      <p:sp>
+        <p:nvSpPr>
+          <p:cNvPr id="2" name="Title 1"/>
+          <p:cNvSpPr>
+            <a:spLocks noGrp="1"/>
+          </p:cNvSpPr>
+          <p:nvPr>
+            <p:ph type="title"/>
+          </p:nvPr>
+        </p:nvSpPr>
+        <p:spPr/>
+        <p:txBody>
+          <a:bodyPr/>
+          <a:lstStyle/>
+          <a:p>
+            <a:pPr algn="r"/>
+            <a:r>
+              <a:rPr lang="en-US" dirty="0" smtClean="0">
+                <a:solidFill>
+                  <a:schemeClr val="bg1"/>
+                </a:solidFill>
+                <a:latin typeface="Proxima Nova Rg" panose="02000506030000020004" pitchFamily="2" charset="0"/>
+              </a:rPr>
               <a:t>Changes in 0.9+</a:t>
             </a:r>
             <a:endParaRPr lang="en-US" dirty="0">
@@ -13666,7 +13897,537 @@
 </p:sld>
 </file>
 
-<file path=ppt/slides/slide31.xml><?xml version="1.0" encoding="utf-8"?>
+<file path=ppt/slides/slide34.xml><?xml version="1.0" encoding="utf-8"?>
+<p:sld xmlns:a="http://schemas.openxmlformats.org/drawingml/2006/main" xmlns:r="http://schemas.openxmlformats.org/officeDocument/2006/relationships" xmlns:p="http://schemas.openxmlformats.org/presentationml/2006/main">
+  <p:cSld>
+    <p:bg>
+      <p:bgPr>
+        <a:solidFill>
+          <a:schemeClr val="tx1"/>
+        </a:solidFill>
+        <a:effectLst/>
+      </p:bgPr>
+    </p:bg>
+    <p:spTree>
+      <p:nvGrpSpPr>
+        <p:cNvPr id="1" name=""/>
+        <p:cNvGrpSpPr/>
+        <p:nvPr/>
+      </p:nvGrpSpPr>
+      <p:grpSpPr>
+        <a:xfrm>
+          <a:off x="0" y="0"/>
+          <a:ext cx="0" cy="0"/>
+          <a:chOff x="0" y="0"/>
+          <a:chExt cx="0" cy="0"/>
+        </a:xfrm>
+      </p:grpSpPr>
+      <p:sp>
+        <p:nvSpPr>
+          <p:cNvPr id="2" name="Title 1"/>
+          <p:cNvSpPr>
+            <a:spLocks noGrp="1"/>
+          </p:cNvSpPr>
+          <p:nvPr>
+            <p:ph type="title"/>
+          </p:nvPr>
+        </p:nvSpPr>
+        <p:spPr/>
+        <p:txBody>
+          <a:bodyPr/>
+          <a:lstStyle/>
+          <a:p>
+            <a:pPr algn="r"/>
+            <a:r>
+              <a:rPr lang="en-US" dirty="0" smtClean="0">
+                <a:solidFill>
+                  <a:schemeClr val="bg1"/>
+                </a:solidFill>
+                <a:latin typeface="Proxima Nova Rg" panose="02000506030000020004" pitchFamily="2" charset="0"/>
+              </a:rPr>
+              <a:t>Readable Stream</a:t>
+            </a:r>
+            <a:endParaRPr lang="en-US" dirty="0">
+              <a:solidFill>
+                <a:schemeClr val="bg1"/>
+              </a:solidFill>
+              <a:latin typeface="Proxima Nova Rg" panose="02000506030000020004" pitchFamily="2" charset="0"/>
+            </a:endParaRPr>
+          </a:p>
+        </p:txBody>
+      </p:sp>
+      <p:sp>
+        <p:nvSpPr>
+          <p:cNvPr id="3" name="Content Placeholder 2"/>
+          <p:cNvSpPr>
+            <a:spLocks noGrp="1"/>
+          </p:cNvSpPr>
+          <p:nvPr>
+            <p:ph idx="1"/>
+          </p:nvPr>
+        </p:nvSpPr>
+        <p:spPr/>
+        <p:txBody>
+          <a:bodyPr/>
+          <a:lstStyle/>
+          <a:p>
+            <a:endParaRPr lang="en-US"/>
+          </a:p>
+        </p:txBody>
+      </p:sp>
+      <p:pic>
+        <p:nvPicPr>
+          <p:cNvPr id="4" name="Picture 3"/>
+          <p:cNvPicPr>
+            <a:picLocks noChangeAspect="1"/>
+          </p:cNvPicPr>
+          <p:nvPr/>
+        </p:nvPicPr>
+        <p:blipFill>
+          <a:blip r:embed="rId2" cstate="print"/>
+          <a:stretch>
+            <a:fillRect/>
+          </a:stretch>
+        </p:blipFill>
+        <p:spPr>
+          <a:xfrm>
+            <a:off x="0" y="0"/>
+            <a:ext cx="2781300" cy="2257425"/>
+          </a:xfrm>
+          <a:prstGeom prst="rect">
+            <a:avLst/>
+          </a:prstGeom>
+        </p:spPr>
+      </p:pic>
+    </p:spTree>
+    <p:extLst>
+      <p:ext uri="{BB962C8B-B14F-4D97-AF65-F5344CB8AC3E}">
+        <p14:creationId xmlns:p14="http://schemas.microsoft.com/office/powerpoint/2010/main" val="3594392629"/>
+      </p:ext>
+    </p:extLst>
+  </p:cSld>
+  <p:clrMapOvr>
+    <a:masterClrMapping/>
+  </p:clrMapOvr>
+</p:sld>
+</file>
+
+<file path=ppt/slides/slide35.xml><?xml version="1.0" encoding="utf-8"?>
+<p:sld xmlns:a="http://schemas.openxmlformats.org/drawingml/2006/main" xmlns:r="http://schemas.openxmlformats.org/officeDocument/2006/relationships" xmlns:p="http://schemas.openxmlformats.org/presentationml/2006/main">
+  <p:cSld>
+    <p:bg>
+      <p:bgPr>
+        <a:solidFill>
+          <a:schemeClr val="tx1"/>
+        </a:solidFill>
+        <a:effectLst/>
+      </p:bgPr>
+    </p:bg>
+    <p:spTree>
+      <p:nvGrpSpPr>
+        <p:cNvPr id="1" name=""/>
+        <p:cNvGrpSpPr/>
+        <p:nvPr/>
+      </p:nvGrpSpPr>
+      <p:grpSpPr>
+        <a:xfrm>
+          <a:off x="0" y="0"/>
+          <a:ext cx="0" cy="0"/>
+          <a:chOff x="0" y="0"/>
+          <a:chExt cx="0" cy="0"/>
+        </a:xfrm>
+      </p:grpSpPr>
+      <p:sp>
+        <p:nvSpPr>
+          <p:cNvPr id="2" name="Title 1"/>
+          <p:cNvSpPr>
+            <a:spLocks noGrp="1"/>
+          </p:cNvSpPr>
+          <p:nvPr>
+            <p:ph type="title"/>
+          </p:nvPr>
+        </p:nvSpPr>
+        <p:spPr/>
+        <p:txBody>
+          <a:bodyPr/>
+          <a:lstStyle/>
+          <a:p>
+            <a:pPr algn="r"/>
+            <a:r>
+              <a:rPr lang="en-US" dirty="0" smtClean="0">
+                <a:solidFill>
+                  <a:schemeClr val="bg1"/>
+                </a:solidFill>
+                <a:latin typeface="Proxima Nova Rg" panose="02000506030000020004" pitchFamily="2" charset="0"/>
+              </a:rPr>
+              <a:t>Writable Stream</a:t>
+            </a:r>
+            <a:endParaRPr lang="en-US" dirty="0">
+              <a:solidFill>
+                <a:schemeClr val="bg1"/>
+              </a:solidFill>
+              <a:latin typeface="Proxima Nova Rg" panose="02000506030000020004" pitchFamily="2" charset="0"/>
+            </a:endParaRPr>
+          </a:p>
+        </p:txBody>
+      </p:sp>
+      <p:sp>
+        <p:nvSpPr>
+          <p:cNvPr id="3" name="Content Placeholder 2"/>
+          <p:cNvSpPr>
+            <a:spLocks noGrp="1"/>
+          </p:cNvSpPr>
+          <p:nvPr>
+            <p:ph idx="1"/>
+          </p:nvPr>
+        </p:nvSpPr>
+        <p:spPr/>
+        <p:txBody>
+          <a:bodyPr/>
+          <a:lstStyle/>
+          <a:p>
+            <a:endParaRPr lang="en-US"/>
+          </a:p>
+        </p:txBody>
+      </p:sp>
+      <p:pic>
+        <p:nvPicPr>
+          <p:cNvPr id="4" name="Picture 3"/>
+          <p:cNvPicPr>
+            <a:picLocks noChangeAspect="1"/>
+          </p:cNvPicPr>
+          <p:nvPr/>
+        </p:nvPicPr>
+        <p:blipFill>
+          <a:blip r:embed="rId2" cstate="print"/>
+          <a:stretch>
+            <a:fillRect/>
+          </a:stretch>
+        </p:blipFill>
+        <p:spPr>
+          <a:xfrm>
+            <a:off x="0" y="0"/>
+            <a:ext cx="2781300" cy="2257425"/>
+          </a:xfrm>
+          <a:prstGeom prst="rect">
+            <a:avLst/>
+          </a:prstGeom>
+        </p:spPr>
+      </p:pic>
+    </p:spTree>
+    <p:extLst>
+      <p:ext uri="{BB962C8B-B14F-4D97-AF65-F5344CB8AC3E}">
+        <p14:creationId xmlns:p14="http://schemas.microsoft.com/office/powerpoint/2010/main" val="2793472796"/>
+      </p:ext>
+    </p:extLst>
+  </p:cSld>
+  <p:clrMapOvr>
+    <a:masterClrMapping/>
+  </p:clrMapOvr>
+</p:sld>
+</file>
+
+<file path=ppt/slides/slide36.xml><?xml version="1.0" encoding="utf-8"?>
+<p:sld xmlns:a="http://schemas.openxmlformats.org/drawingml/2006/main" xmlns:r="http://schemas.openxmlformats.org/officeDocument/2006/relationships" xmlns:p="http://schemas.openxmlformats.org/presentationml/2006/main">
+  <p:cSld>
+    <p:bg>
+      <p:bgPr>
+        <a:solidFill>
+          <a:schemeClr val="tx1"/>
+        </a:solidFill>
+        <a:effectLst/>
+      </p:bgPr>
+    </p:bg>
+    <p:spTree>
+      <p:nvGrpSpPr>
+        <p:cNvPr id="1" name=""/>
+        <p:cNvGrpSpPr/>
+        <p:nvPr/>
+      </p:nvGrpSpPr>
+      <p:grpSpPr>
+        <a:xfrm>
+          <a:off x="0" y="0"/>
+          <a:ext cx="0" cy="0"/>
+          <a:chOff x="0" y="0"/>
+          <a:chExt cx="0" cy="0"/>
+        </a:xfrm>
+      </p:grpSpPr>
+      <p:sp>
+        <p:nvSpPr>
+          <p:cNvPr id="2" name="Title 1"/>
+          <p:cNvSpPr>
+            <a:spLocks noGrp="1"/>
+          </p:cNvSpPr>
+          <p:nvPr>
+            <p:ph type="title"/>
+          </p:nvPr>
+        </p:nvSpPr>
+        <p:spPr/>
+        <p:txBody>
+          <a:bodyPr/>
+          <a:lstStyle/>
+          <a:p>
+            <a:pPr algn="r"/>
+            <a:r>
+              <a:rPr lang="en-US" dirty="0" smtClean="0">
+                <a:solidFill>
+                  <a:schemeClr val="bg1"/>
+                </a:solidFill>
+                <a:latin typeface="Proxima Nova Rg" panose="02000506030000020004" pitchFamily="2" charset="0"/>
+              </a:rPr>
+              <a:t>Transform Stream</a:t>
+            </a:r>
+            <a:endParaRPr lang="en-US" dirty="0">
+              <a:solidFill>
+                <a:schemeClr val="bg1"/>
+              </a:solidFill>
+              <a:latin typeface="Proxima Nova Rg" panose="02000506030000020004" pitchFamily="2" charset="0"/>
+            </a:endParaRPr>
+          </a:p>
+        </p:txBody>
+      </p:sp>
+      <p:sp>
+        <p:nvSpPr>
+          <p:cNvPr id="3" name="Content Placeholder 2"/>
+          <p:cNvSpPr>
+            <a:spLocks noGrp="1"/>
+          </p:cNvSpPr>
+          <p:nvPr>
+            <p:ph idx="1"/>
+          </p:nvPr>
+        </p:nvSpPr>
+        <p:spPr/>
+        <p:txBody>
+          <a:bodyPr/>
+          <a:lstStyle/>
+          <a:p>
+            <a:endParaRPr lang="en-US"/>
+          </a:p>
+        </p:txBody>
+      </p:sp>
+      <p:pic>
+        <p:nvPicPr>
+          <p:cNvPr id="4" name="Picture 3"/>
+          <p:cNvPicPr>
+            <a:picLocks noChangeAspect="1"/>
+          </p:cNvPicPr>
+          <p:nvPr/>
+        </p:nvPicPr>
+        <p:blipFill>
+          <a:blip r:embed="rId2" cstate="print"/>
+          <a:stretch>
+            <a:fillRect/>
+          </a:stretch>
+        </p:blipFill>
+        <p:spPr>
+          <a:xfrm>
+            <a:off x="0" y="0"/>
+            <a:ext cx="2781300" cy="2257425"/>
+          </a:xfrm>
+          <a:prstGeom prst="rect">
+            <a:avLst/>
+          </a:prstGeom>
+        </p:spPr>
+      </p:pic>
+    </p:spTree>
+    <p:extLst>
+      <p:ext uri="{BB962C8B-B14F-4D97-AF65-F5344CB8AC3E}">
+        <p14:creationId xmlns:p14="http://schemas.microsoft.com/office/powerpoint/2010/main" val="1272914086"/>
+      </p:ext>
+    </p:extLst>
+  </p:cSld>
+  <p:clrMapOvr>
+    <a:masterClrMapping/>
+  </p:clrMapOvr>
+</p:sld>
+</file>
+
+<file path=ppt/slides/slide37.xml><?xml version="1.0" encoding="utf-8"?>
+<p:sld xmlns:a="http://schemas.openxmlformats.org/drawingml/2006/main" xmlns:r="http://schemas.openxmlformats.org/officeDocument/2006/relationships" xmlns:p="http://schemas.openxmlformats.org/presentationml/2006/main">
+  <p:cSld>
+    <p:bg>
+      <p:bgPr>
+        <a:solidFill>
+          <a:schemeClr val="tx1"/>
+        </a:solidFill>
+        <a:effectLst/>
+      </p:bgPr>
+    </p:bg>
+    <p:spTree>
+      <p:nvGrpSpPr>
+        <p:cNvPr id="1" name=""/>
+        <p:cNvGrpSpPr/>
+        <p:nvPr/>
+      </p:nvGrpSpPr>
+      <p:grpSpPr>
+        <a:xfrm>
+          <a:off x="0" y="0"/>
+          <a:ext cx="0" cy="0"/>
+          <a:chOff x="0" y="0"/>
+          <a:chExt cx="0" cy="0"/>
+        </a:xfrm>
+      </p:grpSpPr>
+      <p:sp>
+        <p:nvSpPr>
+          <p:cNvPr id="4" name="TextBox 3"/>
+          <p:cNvSpPr txBox="1"/>
+          <p:nvPr/>
+        </p:nvSpPr>
+        <p:spPr>
+          <a:xfrm>
+            <a:off x="838200" y="2278559"/>
+            <a:ext cx="7467600" cy="769441"/>
+          </a:xfrm>
+          <a:prstGeom prst="rect">
+            <a:avLst/>
+          </a:prstGeom>
+          <a:noFill/>
+        </p:spPr>
+        <p:txBody>
+          <a:bodyPr wrap="square" rtlCol="0">
+            <a:spAutoFit/>
+          </a:bodyPr>
+          <a:lstStyle/>
+          <a:p>
+            <a:pPr algn="ctr"/>
+            <a:r>
+              <a:rPr lang="en-US" sz="4400" dirty="0" smtClean="0">
+                <a:solidFill>
+                  <a:schemeClr val="bg1"/>
+                </a:solidFill>
+                <a:latin typeface="Proxima Nova Rg" panose="02000506030000020004" pitchFamily="2" charset="0"/>
+              </a:rPr>
+              <a:t>Will all my old modules work?</a:t>
+            </a:r>
+            <a:endParaRPr lang="en-US" sz="4400" dirty="0">
+              <a:solidFill>
+                <a:schemeClr val="bg1"/>
+              </a:solidFill>
+              <a:latin typeface="Proxima Nova Rg" panose="02000506030000020004" pitchFamily="2" charset="0"/>
+            </a:endParaRPr>
+          </a:p>
+        </p:txBody>
+      </p:sp>
+      <p:sp>
+        <p:nvSpPr>
+          <p:cNvPr id="5" name="TextBox 4"/>
+          <p:cNvSpPr txBox="1"/>
+          <p:nvPr/>
+        </p:nvSpPr>
+        <p:spPr>
+          <a:xfrm>
+            <a:off x="838200" y="3650159"/>
+            <a:ext cx="7467600" cy="769441"/>
+          </a:xfrm>
+          <a:prstGeom prst="rect">
+            <a:avLst/>
+          </a:prstGeom>
+          <a:noFill/>
+        </p:spPr>
+        <p:txBody>
+          <a:bodyPr wrap="square" rtlCol="0">
+            <a:spAutoFit/>
+          </a:bodyPr>
+          <a:lstStyle/>
+          <a:p>
+            <a:pPr algn="ctr"/>
+            <a:r>
+              <a:rPr lang="en-US" sz="4400" dirty="0" smtClean="0">
+                <a:solidFill>
+                  <a:schemeClr val="bg1"/>
+                </a:solidFill>
+                <a:latin typeface="Proxima Nova Rg" panose="02000506030000020004" pitchFamily="2" charset="0"/>
+              </a:rPr>
+              <a:t>YEP!</a:t>
+            </a:r>
+            <a:endParaRPr lang="en-US" sz="4400" dirty="0">
+              <a:solidFill>
+                <a:schemeClr val="bg1"/>
+              </a:solidFill>
+              <a:latin typeface="Proxima Nova Rg" panose="02000506030000020004" pitchFamily="2" charset="0"/>
+            </a:endParaRPr>
+          </a:p>
+        </p:txBody>
+      </p:sp>
+      <p:pic>
+        <p:nvPicPr>
+          <p:cNvPr id="6" name="Picture 5"/>
+          <p:cNvPicPr>
+            <a:picLocks noChangeAspect="1"/>
+          </p:cNvPicPr>
+          <p:nvPr/>
+        </p:nvPicPr>
+        <p:blipFill>
+          <a:blip r:embed="rId2" cstate="print"/>
+          <a:stretch>
+            <a:fillRect/>
+          </a:stretch>
+        </p:blipFill>
+        <p:spPr>
+          <a:xfrm>
+            <a:off x="0" y="0"/>
+            <a:ext cx="2781300" cy="2257425"/>
+          </a:xfrm>
+          <a:prstGeom prst="rect">
+            <a:avLst/>
+          </a:prstGeom>
+        </p:spPr>
+      </p:pic>
+      <p:sp>
+        <p:nvSpPr>
+          <p:cNvPr id="7" name="TextBox 6"/>
+          <p:cNvSpPr txBox="1"/>
+          <p:nvPr/>
+        </p:nvSpPr>
+        <p:spPr>
+          <a:xfrm>
+            <a:off x="838200" y="4945559"/>
+            <a:ext cx="7467600" cy="769441"/>
+          </a:xfrm>
+          <a:prstGeom prst="rect">
+            <a:avLst/>
+          </a:prstGeom>
+          <a:noFill/>
+        </p:spPr>
+        <p:txBody>
+          <a:bodyPr wrap="square" rtlCol="0">
+            <a:spAutoFit/>
+          </a:bodyPr>
+          <a:lstStyle/>
+          <a:p>
+            <a:pPr algn="ctr"/>
+            <a:r>
+              <a:rPr lang="en-US" sz="4400" dirty="0" smtClean="0">
+                <a:solidFill>
+                  <a:schemeClr val="bg1"/>
+                </a:solidFill>
+                <a:latin typeface="Proxima Nova Rg" panose="02000506030000020004" pitchFamily="2" charset="0"/>
+              </a:rPr>
+              <a:t>(mostly)</a:t>
+            </a:r>
+            <a:endParaRPr lang="en-US" sz="4400" dirty="0">
+              <a:solidFill>
+                <a:schemeClr val="bg1"/>
+              </a:solidFill>
+              <a:latin typeface="Proxima Nova Rg" panose="02000506030000020004" pitchFamily="2" charset="0"/>
+            </a:endParaRPr>
+          </a:p>
+        </p:txBody>
+      </p:sp>
+    </p:spTree>
+    <p:extLst>
+      <p:ext uri="{BB962C8B-B14F-4D97-AF65-F5344CB8AC3E}">
+        <p14:creationId xmlns:p14="http://schemas.microsoft.com/office/powerpoint/2010/main" val="812199226"/>
+      </p:ext>
+    </p:extLst>
+  </p:cSld>
+  <p:clrMapOvr>
+    <a:masterClrMapping/>
+  </p:clrMapOvr>
+</p:sld>
+</file>
+
+<file path=ppt/slides/slide38.xml><?xml version="1.0" encoding="utf-8"?>
 <p:sld xmlns:a="http://schemas.openxmlformats.org/drawingml/2006/main" xmlns:r="http://schemas.openxmlformats.org/officeDocument/2006/relationships" xmlns:p="http://schemas.openxmlformats.org/presentationml/2006/main">
   <p:cSld>
     <p:bg>
@@ -13804,7 +14565,7 @@
 </p:sld>
 </file>
 
-<file path=ppt/slides/slide32.xml><?xml version="1.0" encoding="utf-8"?>
+<file path=ppt/slides/slide39.xml><?xml version="1.0" encoding="utf-8"?>
 <p:sld xmlns:a="http://schemas.openxmlformats.org/drawingml/2006/main" xmlns:r="http://schemas.openxmlformats.org/officeDocument/2006/relationships" xmlns:p="http://schemas.openxmlformats.org/presentationml/2006/main">
   <p:cSld>
     <p:bg>
@@ -13970,25 +14731,7 @@
                 </a:solidFill>
                 <a:latin typeface="Proxima Nova Rg" panose="02000506030000020004" pitchFamily="2" charset="0"/>
               </a:rPr>
-              <a:t>, shoe, pause-stream, </a:t>
-            </a:r>
-            <a:r>
-              <a:rPr lang="en-US" dirty="0" smtClean="0">
-                <a:solidFill>
-                  <a:schemeClr val="bg1"/>
-                </a:solidFill>
-                <a:latin typeface="Proxima Nova Rg" panose="02000506030000020004" pitchFamily="2" charset="0"/>
-              </a:rPr>
-              <a:t>event-stream</a:t>
-            </a:r>
-            <a:r>
-              <a:rPr lang="en-US" dirty="0" smtClean="0">
-                <a:solidFill>
-                  <a:schemeClr val="bg1"/>
-                </a:solidFill>
-                <a:latin typeface="Proxima Nova Rg" panose="02000506030000020004" pitchFamily="2" charset="0"/>
-              </a:rPr>
-              <a:t>, through, scuttlebutt, tar, </a:t>
+              <a:t>, shoe, pause-stream, event-stream, through, scuttlebutt, tar, </a:t>
             </a:r>
             <a:r>
               <a:rPr lang="en-US" dirty="0" err="1" smtClean="0">
@@ -14021,7 +14764,142 @@
 </p:sld>
 </file>
 
-<file path=ppt/slides/slide33.xml><?xml version="1.0" encoding="utf-8"?>
+<file path=ppt/slides/slide4.xml><?xml version="1.0" encoding="utf-8"?>
+<p:sld xmlns:a="http://schemas.openxmlformats.org/drawingml/2006/main" xmlns:r="http://schemas.openxmlformats.org/officeDocument/2006/relationships" xmlns:p="http://schemas.openxmlformats.org/presentationml/2006/main">
+  <p:cSld>
+    <p:bg>
+      <p:bgPr>
+        <a:solidFill>
+          <a:schemeClr val="tx1"/>
+        </a:solidFill>
+        <a:effectLst/>
+      </p:bgPr>
+    </p:bg>
+    <p:spTree>
+      <p:nvGrpSpPr>
+        <p:cNvPr id="1" name=""/>
+        <p:cNvGrpSpPr/>
+        <p:nvPr/>
+      </p:nvGrpSpPr>
+      <p:grpSpPr>
+        <a:xfrm>
+          <a:off x="0" y="0"/>
+          <a:ext cx="0" cy="0"/>
+          <a:chOff x="0" y="0"/>
+          <a:chExt cx="0" cy="0"/>
+        </a:xfrm>
+      </p:grpSpPr>
+      <p:sp>
+        <p:nvSpPr>
+          <p:cNvPr id="3" name="TextBox 2"/>
+          <p:cNvSpPr txBox="1"/>
+          <p:nvPr/>
+        </p:nvSpPr>
+        <p:spPr>
+          <a:xfrm>
+            <a:off x="762000" y="3049250"/>
+            <a:ext cx="7696200" cy="1446550"/>
+          </a:xfrm>
+          <a:prstGeom prst="rect">
+            <a:avLst/>
+          </a:prstGeom>
+          <a:noFill/>
+        </p:spPr>
+        <p:txBody>
+          <a:bodyPr wrap="square" rtlCol="0">
+            <a:spAutoFit/>
+          </a:bodyPr>
+          <a:lstStyle/>
+          <a:p>
+            <a:pPr algn="ctr"/>
+            <a:r>
+              <a:rPr lang="en-US" sz="4400" dirty="0" smtClean="0">
+                <a:solidFill>
+                  <a:schemeClr val="bg1"/>
+                </a:solidFill>
+                <a:latin typeface="Proxima Nova Rg" panose="02000506030000020004" pitchFamily="2" charset="0"/>
+              </a:rPr>
+              <a:t>Who here has used Node.js ever?</a:t>
+            </a:r>
+            <a:endParaRPr lang="en-US" sz="4400" dirty="0">
+              <a:solidFill>
+                <a:schemeClr val="bg1"/>
+              </a:solidFill>
+              <a:latin typeface="Proxima Nova Rg" panose="02000506030000020004" pitchFamily="2" charset="0"/>
+            </a:endParaRPr>
+          </a:p>
+        </p:txBody>
+      </p:sp>
+      <p:sp>
+        <p:nvSpPr>
+          <p:cNvPr id="4" name="Title 3"/>
+          <p:cNvSpPr>
+            <a:spLocks noGrp="1"/>
+          </p:cNvSpPr>
+          <p:nvPr>
+            <p:ph type="title"/>
+          </p:nvPr>
+        </p:nvSpPr>
+        <p:spPr/>
+        <p:txBody>
+          <a:bodyPr/>
+          <a:lstStyle/>
+          <a:p>
+            <a:pPr algn="r"/>
+            <a:r>
+              <a:rPr lang="en-US" dirty="0" smtClean="0">
+                <a:solidFill>
+                  <a:schemeClr val="bg1"/>
+                </a:solidFill>
+              </a:rPr>
+              <a:t>A Show of Hands…</a:t>
+            </a:r>
+            <a:endParaRPr lang="en-US" dirty="0">
+              <a:solidFill>
+                <a:schemeClr val="bg1"/>
+              </a:solidFill>
+            </a:endParaRPr>
+          </a:p>
+        </p:txBody>
+      </p:sp>
+      <p:pic>
+        <p:nvPicPr>
+          <p:cNvPr id="5" name="Picture 4"/>
+          <p:cNvPicPr>
+            <a:picLocks noChangeAspect="1"/>
+          </p:cNvPicPr>
+          <p:nvPr/>
+        </p:nvPicPr>
+        <p:blipFill>
+          <a:blip r:embed="rId2" cstate="print"/>
+          <a:stretch>
+            <a:fillRect/>
+          </a:stretch>
+        </p:blipFill>
+        <p:spPr>
+          <a:xfrm>
+            <a:off x="10886" y="0"/>
+            <a:ext cx="2781300" cy="2257425"/>
+          </a:xfrm>
+          <a:prstGeom prst="rect">
+            <a:avLst/>
+          </a:prstGeom>
+        </p:spPr>
+      </p:pic>
+    </p:spTree>
+    <p:extLst>
+      <p:ext uri="{BB962C8B-B14F-4D97-AF65-F5344CB8AC3E}">
+        <p14:creationId xmlns:p14="http://schemas.microsoft.com/office/powerpoint/2010/main" val="429230175"/>
+      </p:ext>
+    </p:extLst>
+  </p:cSld>
+  <p:clrMapOvr>
+    <a:masterClrMapping/>
+  </p:clrMapOvr>
+</p:sld>
+</file>
+
+<file path=ppt/slides/slide40.xml><?xml version="1.0" encoding="utf-8"?>
 <p:sld xmlns:a="http://schemas.openxmlformats.org/drawingml/2006/main" xmlns:r="http://schemas.openxmlformats.org/officeDocument/2006/relationships" xmlns:p="http://schemas.openxmlformats.org/presentationml/2006/main">
   <p:cSld>
     <p:bg>
@@ -14322,7 +15200,7 @@
 </p:sld>
 </file>
 
-<file path=ppt/slides/slide34.xml><?xml version="1.0" encoding="utf-8"?>
+<file path=ppt/slides/slide41.xml><?xml version="1.0" encoding="utf-8"?>
 <p:sld xmlns:a="http://schemas.openxmlformats.org/drawingml/2006/main" xmlns:r="http://schemas.openxmlformats.org/officeDocument/2006/relationships" xmlns:p="http://schemas.openxmlformats.org/presentationml/2006/main">
   <p:cSld>
     <p:bg>
@@ -14359,8 +15237,8 @@
         </p:nvSpPr>
         <p:spPr>
           <a:xfrm>
-            <a:off x="457200" y="2416175"/>
-            <a:ext cx="8229600" cy="1470025"/>
+            <a:off x="457200" y="1752600"/>
+            <a:ext cx="8229600" cy="2590799"/>
           </a:xfrm>
         </p:spPr>
         <p:txBody>
@@ -14369,6 +15247,64 @@
           </a:bodyPr>
           <a:lstStyle/>
           <a:p>
+            <a:r>
+              <a:rPr lang="en-US" b="1" dirty="0" err="1" smtClean="0">
+                <a:solidFill>
+                  <a:schemeClr val="bg1"/>
+                </a:solidFill>
+                <a:latin typeface="Proxima Nova Rg" panose="02000506030000020004" pitchFamily="2" charset="0"/>
+                <a:cs typeface="Segoe UI Light" panose="020B0502040204020203" pitchFamily="34" charset="0"/>
+              </a:rPr>
+              <a:t>stream.end</a:t>
+            </a:r>
+            <a:r>
+              <a:rPr lang="en-US" b="1" dirty="0" smtClean="0">
+                <a:solidFill>
+                  <a:schemeClr val="bg1"/>
+                </a:solidFill>
+                <a:latin typeface="Proxima Nova Rg" panose="02000506030000020004" pitchFamily="2" charset="0"/>
+                <a:cs typeface="Segoe UI Light" panose="020B0502040204020203" pitchFamily="34" charset="0"/>
+              </a:rPr>
+              <a:t>('Thank You!');</a:t>
+            </a:r>
+            <a:r>
+              <a:rPr lang="en-US" sz="3200" b="1" dirty="0" smtClean="0">
+                <a:solidFill>
+                  <a:schemeClr val="bg1"/>
+                </a:solidFill>
+                <a:latin typeface="Proxima Nova Rg" panose="02000506030000020004" pitchFamily="2" charset="0"/>
+                <a:cs typeface="Segoe UI Light" panose="020B0502040204020203" pitchFamily="34" charset="0"/>
+              </a:rPr>
+              <a:t/>
+            </a:r>
+            <a:br>
+              <a:rPr lang="en-US" sz="3200" b="1" dirty="0" smtClean="0">
+                <a:solidFill>
+                  <a:schemeClr val="bg1"/>
+                </a:solidFill>
+                <a:latin typeface="Proxima Nova Rg" panose="02000506030000020004" pitchFamily="2" charset="0"/>
+                <a:cs typeface="Segoe UI Light" panose="020B0502040204020203" pitchFamily="34" charset="0"/>
+              </a:rPr>
+            </a:br>
+            <a:r>
+              <a:rPr lang="en-US" sz="3200" u="sng" dirty="0" smtClean="0">
+                <a:solidFill>
+                  <a:schemeClr val="bg1"/>
+                </a:solidFill>
+                <a:latin typeface="Proxima Nova Rg" panose="02000506030000020004" pitchFamily="2" charset="0"/>
+                <a:cs typeface="Segoe UI Light" panose="020B0502040204020203" pitchFamily="34" charset="0"/>
+              </a:rPr>
+              <a:t/>
+            </a:r>
+            <a:br>
+              <a:rPr lang="en-US" sz="3200" u="sng" dirty="0" smtClean="0">
+                <a:solidFill>
+                  <a:schemeClr val="bg1"/>
+                </a:solidFill>
+                <a:latin typeface="Proxima Nova Rg" panose="02000506030000020004" pitchFamily="2" charset="0"/>
+                <a:cs typeface="Segoe UI Light" panose="020B0502040204020203" pitchFamily="34" charset="0"/>
+              </a:rPr>
+            </a:br>
             <a:r>
               <a:rPr lang="en-US" sz="3200" u="sng" dirty="0" smtClean="0">
                 <a:solidFill>
@@ -14506,7 +15442,7 @@
 </p:sld>
 </file>
 
-<file path=ppt/slides/slide35.xml><?xml version="1.0" encoding="utf-8"?>
+<file path=ppt/slides/slide42.xml><?xml version="1.0" encoding="utf-8"?>
 <p:sld xmlns:a="http://schemas.openxmlformats.org/drawingml/2006/main" xmlns:r="http://schemas.openxmlformats.org/officeDocument/2006/relationships" xmlns:p="http://schemas.openxmlformats.org/presentationml/2006/main">
   <p:cSld>
     <p:bg>
@@ -14695,141 +15631,6 @@
       </p:par>
     </p:tnLst>
   </p:timing>
-</p:sld>
-</file>
-
-<file path=ppt/slides/slide4.xml><?xml version="1.0" encoding="utf-8"?>
-<p:sld xmlns:a="http://schemas.openxmlformats.org/drawingml/2006/main" xmlns:r="http://schemas.openxmlformats.org/officeDocument/2006/relationships" xmlns:p="http://schemas.openxmlformats.org/presentationml/2006/main">
-  <p:cSld>
-    <p:bg>
-      <p:bgPr>
-        <a:solidFill>
-          <a:schemeClr val="tx1"/>
-        </a:solidFill>
-        <a:effectLst/>
-      </p:bgPr>
-    </p:bg>
-    <p:spTree>
-      <p:nvGrpSpPr>
-        <p:cNvPr id="1" name=""/>
-        <p:cNvGrpSpPr/>
-        <p:nvPr/>
-      </p:nvGrpSpPr>
-      <p:grpSpPr>
-        <a:xfrm>
-          <a:off x="0" y="0"/>
-          <a:ext cx="0" cy="0"/>
-          <a:chOff x="0" y="0"/>
-          <a:chExt cx="0" cy="0"/>
-        </a:xfrm>
-      </p:grpSpPr>
-      <p:sp>
-        <p:nvSpPr>
-          <p:cNvPr id="3" name="TextBox 2"/>
-          <p:cNvSpPr txBox="1"/>
-          <p:nvPr/>
-        </p:nvSpPr>
-        <p:spPr>
-          <a:xfrm>
-            <a:off x="762000" y="3049250"/>
-            <a:ext cx="7696200" cy="1446550"/>
-          </a:xfrm>
-          <a:prstGeom prst="rect">
-            <a:avLst/>
-          </a:prstGeom>
-          <a:noFill/>
-        </p:spPr>
-        <p:txBody>
-          <a:bodyPr wrap="square" rtlCol="0">
-            <a:spAutoFit/>
-          </a:bodyPr>
-          <a:lstStyle/>
-          <a:p>
-            <a:pPr algn="ctr"/>
-            <a:r>
-              <a:rPr lang="en-US" sz="4400" dirty="0" smtClean="0">
-                <a:solidFill>
-                  <a:schemeClr val="bg1"/>
-                </a:solidFill>
-                <a:latin typeface="Proxima Nova Rg" panose="02000506030000020004" pitchFamily="2" charset="0"/>
-              </a:rPr>
-              <a:t>Who here has used Node.js ever?</a:t>
-            </a:r>
-            <a:endParaRPr lang="en-US" sz="4400" dirty="0">
-              <a:solidFill>
-                <a:schemeClr val="bg1"/>
-              </a:solidFill>
-              <a:latin typeface="Proxima Nova Rg" panose="02000506030000020004" pitchFamily="2" charset="0"/>
-            </a:endParaRPr>
-          </a:p>
-        </p:txBody>
-      </p:sp>
-      <p:sp>
-        <p:nvSpPr>
-          <p:cNvPr id="4" name="Title 3"/>
-          <p:cNvSpPr>
-            <a:spLocks noGrp="1"/>
-          </p:cNvSpPr>
-          <p:nvPr>
-            <p:ph type="title"/>
-          </p:nvPr>
-        </p:nvSpPr>
-        <p:spPr/>
-        <p:txBody>
-          <a:bodyPr/>
-          <a:lstStyle/>
-          <a:p>
-            <a:pPr algn="r"/>
-            <a:r>
-              <a:rPr lang="en-US" dirty="0" smtClean="0">
-                <a:solidFill>
-                  <a:schemeClr val="bg1"/>
-                </a:solidFill>
-              </a:rPr>
-              <a:t>A Show of Hands…</a:t>
-            </a:r>
-            <a:endParaRPr lang="en-US" dirty="0">
-              <a:solidFill>
-                <a:schemeClr val="bg1"/>
-              </a:solidFill>
-            </a:endParaRPr>
-          </a:p>
-        </p:txBody>
-      </p:sp>
-      <p:pic>
-        <p:nvPicPr>
-          <p:cNvPr id="5" name="Picture 4"/>
-          <p:cNvPicPr>
-            <a:picLocks noChangeAspect="1"/>
-          </p:cNvPicPr>
-          <p:nvPr/>
-        </p:nvPicPr>
-        <p:blipFill>
-          <a:blip r:embed="rId2" cstate="print"/>
-          <a:stretch>
-            <a:fillRect/>
-          </a:stretch>
-        </p:blipFill>
-        <p:spPr>
-          <a:xfrm>
-            <a:off x="10886" y="0"/>
-            <a:ext cx="2781300" cy="2257425"/>
-          </a:xfrm>
-          <a:prstGeom prst="rect">
-            <a:avLst/>
-          </a:prstGeom>
-        </p:spPr>
-      </p:pic>
-    </p:spTree>
-    <p:extLst>
-      <p:ext uri="{BB962C8B-B14F-4D97-AF65-F5344CB8AC3E}">
-        <p14:creationId xmlns:p14="http://schemas.microsoft.com/office/powerpoint/2010/main" val="429230175"/>
-      </p:ext>
-    </p:extLst>
-  </p:cSld>
-  <p:clrMapOvr>
-    <a:masterClrMapping/>
-  </p:clrMapOvr>
 </p:sld>
 </file>
 

--- a/SDC2013.pptx
+++ b/SDC2013.pptx
@@ -5,7 +5,7 @@
     <p:sldMasterId id="2147483648" r:id="rId1"/>
   </p:sldMasterIdLst>
   <p:notesMasterIdLst>
-    <p:notesMasterId r:id="rId44"/>
+    <p:notesMasterId r:id="rId43"/>
   </p:notesMasterIdLst>
   <p:sldIdLst>
     <p:sldId id="256" r:id="rId2"/>
@@ -18,12 +18,12 @@
     <p:sldId id="258" r:id="rId9"/>
     <p:sldId id="274" r:id="rId10"/>
     <p:sldId id="278" r:id="rId11"/>
-    <p:sldId id="312" r:id="rId12"/>
-    <p:sldId id="291" r:id="rId13"/>
-    <p:sldId id="302" r:id="rId14"/>
-    <p:sldId id="265" r:id="rId15"/>
-    <p:sldId id="275" r:id="rId16"/>
-    <p:sldId id="299" r:id="rId17"/>
+    <p:sldId id="315" r:id="rId12"/>
+    <p:sldId id="302" r:id="rId13"/>
+    <p:sldId id="265" r:id="rId14"/>
+    <p:sldId id="275" r:id="rId15"/>
+    <p:sldId id="299" r:id="rId16"/>
+    <p:sldId id="291" r:id="rId17"/>
     <p:sldId id="279" r:id="rId18"/>
     <p:sldId id="286" r:id="rId19"/>
     <p:sldId id="266" r:id="rId20"/>
@@ -35,21 +35,20 @@
     <p:sldId id="287" r:id="rId26"/>
     <p:sldId id="272" r:id="rId27"/>
     <p:sldId id="296" r:id="rId28"/>
-    <p:sldId id="313" r:id="rId29"/>
+    <p:sldId id="314" r:id="rId29"/>
     <p:sldId id="303" r:id="rId30"/>
-    <p:sldId id="307" r:id="rId31"/>
-    <p:sldId id="273" r:id="rId32"/>
-    <p:sldId id="306" r:id="rId33"/>
-    <p:sldId id="288" r:id="rId34"/>
-    <p:sldId id="309" r:id="rId35"/>
+    <p:sldId id="283" r:id="rId31"/>
+    <p:sldId id="307" r:id="rId32"/>
+    <p:sldId id="273" r:id="rId33"/>
+    <p:sldId id="306" r:id="rId34"/>
+    <p:sldId id="288" r:id="rId35"/>
     <p:sldId id="311" r:id="rId36"/>
     <p:sldId id="310" r:id="rId37"/>
     <p:sldId id="308" r:id="rId38"/>
     <p:sldId id="292" r:id="rId39"/>
-    <p:sldId id="283" r:id="rId40"/>
-    <p:sldId id="260" r:id="rId41"/>
-    <p:sldId id="300" r:id="rId42"/>
-    <p:sldId id="289" r:id="rId43"/>
+    <p:sldId id="260" r:id="rId40"/>
+    <p:sldId id="300" r:id="rId41"/>
+    <p:sldId id="289" r:id="rId42"/>
   </p:sldIdLst>
   <p:sldSz cx="9144000" cy="6858000" type="screen4x3"/>
   <p:notesSz cx="6858000" cy="9144000"/>
@@ -250,7 +249,7 @@
             <a:fld id="{CA30D78F-0F54-4F01-AC72-8A29916C1167}" type="datetimeFigureOut">
               <a:rPr lang="en-US" smtClean="0"/>
               <a:pPr/>
-              <a:t>3/1/2013</a:t>
+              <a:t>3/4/2013</a:t>
             </a:fld>
             <a:endParaRPr lang="en-US"/>
           </a:p>
@@ -565,82 +564,6 @@
           <a:bodyPr/>
           <a:lstStyle/>
           <a:p>
-            <a:r>
-              <a:rPr lang="en-US" dirty="0" smtClean="0"/>
-              <a:t>Streams in Action</a:t>
-            </a:r>
-          </a:p>
-          <a:p>
-            <a:r>
-              <a:rPr lang="en-US" dirty="0" smtClean="0"/>
-              <a:t>- Processing</a:t>
-            </a:r>
-          </a:p>
-          <a:p>
-            <a:r>
-              <a:rPr lang="en-US" dirty="0" smtClean="0"/>
-              <a:t>- Complex Event Processing</a:t>
-            </a:r>
-          </a:p>
-          <a:p>
-            <a:r>
-              <a:rPr lang="en-US" dirty="0" smtClean="0"/>
-              <a:t> - https://github.com/darach/eep-js</a:t>
-            </a:r>
-          </a:p>
-          <a:p>
-            <a:r>
-              <a:rPr lang="en-US" dirty="0" smtClean="0"/>
-              <a:t> - https://github.com/indexzero/window-stream</a:t>
-            </a:r>
-          </a:p>
-          <a:p>
-            <a:r>
-              <a:rPr lang="en-US" dirty="0" smtClean="0"/>
-              <a:t>- Distributed programming</a:t>
-            </a:r>
-          </a:p>
-          <a:p>
-            <a:r>
-              <a:rPr lang="en-US" dirty="0" smtClean="0"/>
-              <a:t>- Audio streams</a:t>
-            </a:r>
-          </a:p>
-          <a:p>
-            <a:endParaRPr lang="en-US" dirty="0" smtClean="0"/>
-          </a:p>
-          <a:p>
-            <a:r>
-              <a:rPr lang="en-US" dirty="0" smtClean="0"/>
-              <a:t>JIFASNIF: </a:t>
-            </a:r>
-            <a:r>
-              <a:rPr lang="en-US" dirty="0" err="1" smtClean="0"/>
-              <a:t>Javascript</a:t>
-            </a:r>
-            <a:r>
-              <a:rPr lang="en-US" dirty="0" smtClean="0"/>
-              <a:t> is Fun and so Node.js is Fun.</a:t>
-            </a:r>
-          </a:p>
-          <a:p>
-            <a:r>
-              <a:rPr lang="en-US" dirty="0" smtClean="0"/>
-              <a:t>https://twitter.com/izs/status/187639633641865216</a:t>
-            </a:r>
-          </a:p>
-          <a:p>
-            <a:endParaRPr lang="en-US" dirty="0" smtClean="0"/>
-          </a:p>
-          <a:p>
-            <a:r>
-              <a:rPr lang="en-US" dirty="0" smtClean="0"/>
-              <a:t>Node.js is a platform built on Chrome's JavaScript runtime for easily building fast, scalable network applications. </a:t>
-            </a:r>
-            <a:r>
-              <a:rPr lang="en-US" smtClean="0"/>
-              <a:t>Node.js uses an event-driven, non-blocking I/O model that makes it lightweight and efficient, perfect for data-intensive real-time applications that run across distributed devices.</a:t>
-            </a:r>
             <a:endParaRPr lang="en-US" dirty="0"/>
           </a:p>
         </p:txBody>
@@ -726,14 +649,34 @@
           <a:bodyPr/>
           <a:lstStyle/>
           <a:p>
-            <a:r>
-              <a:rPr lang="en-US" dirty="0" smtClean="0"/>
-              <a:t>Fix</a:t>
-            </a:r>
-            <a:r>
-              <a:rPr lang="en-US" baseline="0" dirty="0" smtClean="0"/>
-              <a:t> this slide</a:t>
-            </a:r>
+            <a:pPr marL="0" marR="0" indent="0" algn="l" defTabSz="914400" rtl="0" eaLnBrk="1" fontAlgn="auto" latinLnBrk="0" hangingPunct="1">
+              <a:lnSpc>
+                <a:spcPct val="100000"/>
+              </a:lnSpc>
+              <a:spcBef>
+                <a:spcPts val="0"/>
+              </a:spcBef>
+              <a:spcAft>
+                <a:spcPts val="0"/>
+              </a:spcAft>
+              <a:buClrTx/>
+              <a:buSzTx/>
+              <a:buFontTx/>
+              <a:buNone/>
+              <a:tabLst/>
+              <a:defRPr/>
+            </a:pPr>
+            <a:r>
+              <a:rPr lang="en-US" dirty="0" smtClean="0">
+                <a:solidFill>
+                  <a:schemeClr val="bg1"/>
+                </a:solidFill>
+                <a:latin typeface="Proxima Nova Rg"/>
+              </a:rPr>
+              <a:t>Incremental data in time with back pressure</a:t>
+            </a:r>
+          </a:p>
+          <a:p>
             <a:endParaRPr lang="en-US" dirty="0"/>
           </a:p>
         </p:txBody>
@@ -756,7 +699,7 @@
             <a:fld id="{7BC0C7B8-101C-4F8C-9143-43222D1AB2E2}" type="slidenum">
               <a:rPr lang="en-US" smtClean="0"/>
               <a:pPr/>
-              <a:t>20</a:t>
+              <a:t>16</a:t>
             </a:fld>
             <a:endParaRPr lang="en-US"/>
           </a:p>
@@ -765,7 +708,7 @@
     </p:spTree>
     <p:extLst>
       <p:ext uri="{BB962C8B-B14F-4D97-AF65-F5344CB8AC3E}">
-        <p14:creationId xmlns:p14="http://schemas.microsoft.com/office/powerpoint/2010/main" val="2277777993"/>
+        <p14:creationId xmlns:p14="http://schemas.microsoft.com/office/powerpoint/2010/main" val="711811476"/>
       </p:ext>
     </p:extLst>
   </p:cSld>
@@ -816,52 +759,8 @@
         </p:nvSpPr>
         <p:spPr/>
         <p:txBody>
-          <a:bodyPr>
-            <a:normAutofit/>
-          </a:bodyPr>
+          <a:bodyPr/>
           <a:lstStyle/>
-          <a:p>
-            <a:r>
-              <a:rPr lang="en-US" b="1" dirty="0" smtClean="0"/>
-              <a:t>Through (sync writable and readable, aka: 'filter')</a:t>
-            </a:r>
-          </a:p>
-          <a:p>
-            <a:r>
-              <a:rPr lang="en-US" dirty="0" smtClean="0"/>
-              <a:t>A Stream that is both readable and writable, and where the input is processed and then emitted as output, more or less directly. Example, </a:t>
-            </a:r>
-            <a:r>
-              <a:rPr lang="en-US" dirty="0" err="1" smtClean="0">
-                <a:hlinkClick r:id="rId3"/>
-              </a:rPr>
-              <a:t>zlib</a:t>
-            </a:r>
-            <a:r>
-              <a:rPr lang="en-US" dirty="0" smtClean="0"/>
-              <a:t>. contrast this with duplex stream.</a:t>
-            </a:r>
-          </a:p>
-          <a:p>
-            <a:r>
-              <a:rPr lang="en-US" dirty="0" smtClean="0"/>
-              <a:t>when you call pause() on a </a:t>
-            </a:r>
-            <a:r>
-              <a:rPr lang="en-US" dirty="0" err="1" smtClean="0"/>
-              <a:t>ThroughStream</a:t>
-            </a:r>
-            <a:r>
-              <a:rPr lang="en-US" dirty="0" smtClean="0"/>
-              <a:t>, it should change it into a paused state on the writable side also, and write()===false. Calling resume() should cause 'drain' to be emitted eventually.</a:t>
-            </a:r>
-          </a:p>
-          <a:p>
-            <a:r>
-              <a:rPr lang="en-US" dirty="0" smtClean="0"/>
-              <a:t>If the option {strict: true} is passed, it means the stream is not allowed to emit 'data' or 'end' when the stream is paused.</a:t>
-            </a:r>
-          </a:p>
           <a:p>
             <a:endParaRPr lang="en-US" dirty="0"/>
           </a:p>
@@ -885,7 +784,7 @@
             <a:fld id="{7BC0C7B8-101C-4F8C-9143-43222D1AB2E2}" type="slidenum">
               <a:rPr lang="en-US" smtClean="0"/>
               <a:pPr/>
-              <a:t>24</a:t>
+              <a:t>19</a:t>
             </a:fld>
             <a:endParaRPr lang="en-US"/>
           </a:p>
@@ -894,7 +793,7 @@
     </p:spTree>
     <p:extLst>
       <p:ext uri="{BB962C8B-B14F-4D97-AF65-F5344CB8AC3E}">
-        <p14:creationId xmlns:p14="http://schemas.microsoft.com/office/powerpoint/2010/main" val="2735555154"/>
+        <p14:creationId xmlns:p14="http://schemas.microsoft.com/office/powerpoint/2010/main" val="3830402389"/>
       </p:ext>
     </p:extLst>
   </p:cSld>
@@ -945,28 +844,16 @@
         </p:nvSpPr>
         <p:spPr/>
         <p:txBody>
-          <a:bodyPr>
-            <a:normAutofit/>
-          </a:bodyPr>
+          <a:bodyPr/>
           <a:lstStyle/>
           <a:p>
             <a:r>
               <a:rPr lang="en-US" dirty="0" smtClean="0"/>
-              <a:t>A Stream that is both readable and writable, but the streams go off to some other place or thing, and are not coupled directly. The readable and writable side of a </a:t>
-            </a:r>
-            <a:r>
-              <a:rPr lang="en-US" dirty="0" err="1" smtClean="0"/>
-              <a:t>DuplexStream</a:t>
-            </a:r>
-            <a:r>
-              <a:rPr lang="en-US" dirty="0" smtClean="0"/>
-              <a:t> has their own pause state.</a:t>
-            </a:r>
-          </a:p>
-          <a:p>
-            <a:r>
-              <a:rPr lang="en-US" dirty="0" smtClean="0"/>
-              <a:t>If the option {strict: true} is passed, it means the stream is not allowed to emit 'data' or 'end' when the stream is paused.</a:t>
+              <a:t>Fix</a:t>
+            </a:r>
+            <a:r>
+              <a:rPr lang="en-US" baseline="0" dirty="0" smtClean="0"/>
+              <a:t> this slide</a:t>
             </a:r>
             <a:endParaRPr lang="en-US" dirty="0"/>
           </a:p>
@@ -990,7 +877,7 @@
             <a:fld id="{7BC0C7B8-101C-4F8C-9143-43222D1AB2E2}" type="slidenum">
               <a:rPr lang="en-US" smtClean="0"/>
               <a:pPr/>
-              <a:t>25</a:t>
+              <a:t>20</a:t>
             </a:fld>
             <a:endParaRPr lang="en-US"/>
           </a:p>
@@ -999,7 +886,7 @@
     </p:spTree>
     <p:extLst>
       <p:ext uri="{BB962C8B-B14F-4D97-AF65-F5344CB8AC3E}">
-        <p14:creationId xmlns:p14="http://schemas.microsoft.com/office/powerpoint/2010/main" val="269910082"/>
+        <p14:creationId xmlns:p14="http://schemas.microsoft.com/office/powerpoint/2010/main" val="2277777993"/>
       </p:ext>
     </p:extLst>
   </p:cSld>
@@ -1050,27 +937,54 @@
         </p:nvSpPr>
         <p:spPr/>
         <p:txBody>
-          <a:bodyPr/>
+          <a:bodyPr>
+            <a:normAutofit/>
+          </a:bodyPr>
           <a:lstStyle/>
           <a:p>
             <a:r>
+              <a:rPr lang="en-US" b="1" dirty="0" smtClean="0"/>
+              <a:t>Through (sync writable and readable, aka: 'filter')</a:t>
+            </a:r>
+          </a:p>
+          <a:p>
+            <a:r>
+              <a:rPr lang="en-US" dirty="0" smtClean="0"/>
+              <a:t>A Stream that is both readable and writable, and where the input is processed and then emitted as output, more or less directly. Example, </a:t>
+            </a:r>
+            <a:r>
+              <a:rPr lang="en-US" dirty="0" err="1" smtClean="0">
+                <a:hlinkClick r:id="rId3"/>
+              </a:rPr>
+              <a:t>zlib</a:t>
+            </a:r>
+            <a:r>
+              <a:rPr lang="en-US" dirty="0" smtClean="0"/>
+              <a:t>. contrast this with duplex stream.</a:t>
+            </a:r>
+          </a:p>
+          <a:p>
+            <a:r>
+              <a:rPr lang="en-US" dirty="0" smtClean="0"/>
+              <a:t>when you call pause() on a </a:t>
+            </a:r>
+            <a:r>
               <a:rPr lang="en-US" dirty="0" err="1" smtClean="0"/>
-              <a:t>Eep-js</a:t>
-            </a:r>
-            <a:endParaRPr lang="en-US" dirty="0" smtClean="0"/>
-          </a:p>
-          <a:p>
+              <a:t>ThroughStream</a:t>
+            </a:r>
             <a:r>
               <a:rPr lang="en-US" dirty="0" smtClean="0"/>
-              <a:t>Event-stream</a:t>
-            </a:r>
-          </a:p>
-          <a:p>
-            <a:r>
-              <a:rPr lang="en-US" smtClean="0"/>
-              <a:t>Window-Stream</a:t>
-            </a:r>
-            <a:endParaRPr lang="en-US"/>
+              <a:t>, it should change it into a paused state on the writable side also, and write()===false. Calling resume() should cause 'drain' to be emitted eventually.</a:t>
+            </a:r>
+          </a:p>
+          <a:p>
+            <a:r>
+              <a:rPr lang="en-US" dirty="0" smtClean="0"/>
+              <a:t>If the option {strict: true} is passed, it means the stream is not allowed to emit 'data' or 'end' when the stream is paused.</a:t>
+            </a:r>
+          </a:p>
+          <a:p>
+            <a:endParaRPr lang="en-US" dirty="0"/>
           </a:p>
         </p:txBody>
       </p:sp>
@@ -1092,7 +1006,7 @@
             <a:fld id="{7BC0C7B8-101C-4F8C-9143-43222D1AB2E2}" type="slidenum">
               <a:rPr lang="en-US" smtClean="0"/>
               <a:pPr/>
-              <a:t>28</a:t>
+              <a:t>24</a:t>
             </a:fld>
             <a:endParaRPr lang="en-US"/>
           </a:p>
@@ -1101,7 +1015,7 @@
     </p:spTree>
     <p:extLst>
       <p:ext uri="{BB962C8B-B14F-4D97-AF65-F5344CB8AC3E}">
-        <p14:creationId xmlns:p14="http://schemas.microsoft.com/office/powerpoint/2010/main" val="1384814220"/>
+        <p14:creationId xmlns:p14="http://schemas.microsoft.com/office/powerpoint/2010/main" val="2735555154"/>
       </p:ext>
     </p:extLst>
   </p:cSld>
@@ -1152,15 +1066,29 @@
         </p:nvSpPr>
         <p:spPr/>
         <p:txBody>
-          <a:bodyPr/>
+          <a:bodyPr>
+            <a:normAutofit/>
+          </a:bodyPr>
           <a:lstStyle/>
           <a:p>
             <a:r>
               <a:rPr lang="en-US" dirty="0" smtClean="0"/>
-              <a:t>TODO: Split</a:t>
-            </a:r>
-          </a:p>
-          <a:p>
+              <a:t>A Stream that is both readable and writable, but the streams go off to some other place or thing, and are not coupled directly. The readable and writable side of a </a:t>
+            </a:r>
+            <a:r>
+              <a:rPr lang="en-US" dirty="0" err="1" smtClean="0"/>
+              <a:t>DuplexStream</a:t>
+            </a:r>
+            <a:r>
+              <a:rPr lang="en-US" dirty="0" smtClean="0"/>
+              <a:t> has their own pause state.</a:t>
+            </a:r>
+          </a:p>
+          <a:p>
+            <a:r>
+              <a:rPr lang="en-US" dirty="0" smtClean="0"/>
+              <a:t>If the option {strict: true} is passed, it means the stream is not allowed to emit 'data' or 'end' when the stream is paused.</a:t>
+            </a:r>
             <a:endParaRPr lang="en-US" dirty="0"/>
           </a:p>
         </p:txBody>
@@ -1183,7 +1111,7 @@
             <a:fld id="{7BC0C7B8-101C-4F8C-9143-43222D1AB2E2}" type="slidenum">
               <a:rPr lang="en-US" smtClean="0"/>
               <a:pPr/>
-              <a:t>31</a:t>
+              <a:t>25</a:t>
             </a:fld>
             <a:endParaRPr lang="en-US"/>
           </a:p>
@@ -1192,7 +1120,7 @@
     </p:spTree>
     <p:extLst>
       <p:ext uri="{BB962C8B-B14F-4D97-AF65-F5344CB8AC3E}">
-        <p14:creationId xmlns:p14="http://schemas.microsoft.com/office/powerpoint/2010/main" val="773604664"/>
+        <p14:creationId xmlns:p14="http://schemas.microsoft.com/office/powerpoint/2010/main" val="269910082"/>
       </p:ext>
     </p:extLst>
   </p:cSld>
@@ -1247,8 +1175,21 @@
           <a:lstStyle/>
           <a:p>
             <a:r>
+              <a:rPr lang="en-US" dirty="0" err="1" smtClean="0"/>
+              <a:t>Eep-js</a:t>
+            </a:r>
+            <a:endParaRPr lang="en-US" dirty="0" smtClean="0"/>
+          </a:p>
+          <a:p>
+            <a:r>
+              <a:rPr lang="en-US" dirty="0" smtClean="0"/>
+              <a:t>Event-stream</a:t>
+            </a:r>
+          </a:p>
+          <a:p>
+            <a:r>
               <a:rPr lang="en-US" smtClean="0"/>
-              <a:t>http://blog.nodejs.org/2012/12/21/streams2/</a:t>
+              <a:t>Window-Stream</a:t>
             </a:r>
             <a:endParaRPr lang="en-US"/>
           </a:p>
@@ -1272,7 +1213,7 @@
             <a:fld id="{7BC0C7B8-101C-4F8C-9143-43222D1AB2E2}" type="slidenum">
               <a:rPr lang="en-US" smtClean="0"/>
               <a:pPr/>
-              <a:t>32</a:t>
+              <a:t>28</a:t>
             </a:fld>
             <a:endParaRPr lang="en-US"/>
           </a:p>
@@ -1281,7 +1222,7 @@
     </p:spTree>
     <p:extLst>
       <p:ext uri="{BB962C8B-B14F-4D97-AF65-F5344CB8AC3E}">
-        <p14:creationId xmlns:p14="http://schemas.microsoft.com/office/powerpoint/2010/main" val="4028504320"/>
+        <p14:creationId xmlns:p14="http://schemas.microsoft.com/office/powerpoint/2010/main" val="2031610499"/>
       </p:ext>
     </p:extLst>
   </p:cSld>
@@ -1337,8 +1278,89 @@
           <a:p>
             <a:r>
               <a:rPr lang="en-US" dirty="0" smtClean="0"/>
-              <a:t>TODO: Split</a:t>
-            </a:r>
+              <a:t>https://npmjs.org/package/request</a:t>
+            </a:r>
+          </a:p>
+          <a:p>
+            <a:r>
+              <a:rPr lang="en-US" dirty="0" smtClean="0">
+                <a:hlinkClick r:id="rId3"/>
+              </a:rPr>
+              <a:t>https://npmjs.org/package/filed</a:t>
+            </a:r>
+            <a:endParaRPr lang="en-US" dirty="0" smtClean="0"/>
+          </a:p>
+          <a:p>
+            <a:r>
+              <a:rPr lang="en-US" dirty="0" smtClean="0">
+                <a:hlinkClick r:id="rId4"/>
+              </a:rPr>
+              <a:t>https://npmjs.org/package/JSONStream</a:t>
+            </a:r>
+            <a:endParaRPr lang="en-US" dirty="0" smtClean="0"/>
+          </a:p>
+          <a:p>
+            <a:r>
+              <a:rPr lang="en-US" dirty="0" smtClean="0">
+                <a:hlinkClick r:id="rId5"/>
+              </a:rPr>
+              <a:t>https://npmjs.org/package/mux-demux</a:t>
+            </a:r>
+            <a:endParaRPr lang="en-US" dirty="0" smtClean="0"/>
+          </a:p>
+          <a:p>
+            <a:r>
+              <a:rPr lang="en-US" dirty="0" smtClean="0">
+                <a:hlinkClick r:id="rId6"/>
+              </a:rPr>
+              <a:t>https://npmjs.org/package/shoe</a:t>
+            </a:r>
+            <a:endParaRPr lang="en-US" dirty="0" smtClean="0"/>
+          </a:p>
+          <a:p>
+            <a:r>
+              <a:rPr lang="en-US" dirty="0" smtClean="0">
+                <a:hlinkClick r:id="rId7"/>
+              </a:rPr>
+              <a:t>https://npmjs.org/package/pause-stream</a:t>
+            </a:r>
+            <a:endParaRPr lang="en-US" dirty="0" smtClean="0"/>
+          </a:p>
+          <a:p>
+            <a:r>
+              <a:rPr lang="en-US" dirty="0" smtClean="0">
+                <a:hlinkClick r:id="rId8"/>
+              </a:rPr>
+              <a:t>https://npmjs.org/package/through</a:t>
+            </a:r>
+            <a:endParaRPr lang="en-US" dirty="0" smtClean="0"/>
+          </a:p>
+          <a:p>
+            <a:r>
+              <a:rPr lang="en-US" dirty="0" smtClean="0">
+                <a:hlinkClick r:id="rId9"/>
+              </a:rPr>
+              <a:t>https://npmjs.org/package/scuttlebutt</a:t>
+            </a:r>
+            <a:endParaRPr lang="en-US" dirty="0" smtClean="0"/>
+          </a:p>
+          <a:p>
+            <a:r>
+              <a:rPr lang="en-US" dirty="0" smtClean="0">
+                <a:hlinkClick r:id="rId10"/>
+              </a:rPr>
+              <a:t>https://npmjs.org/package/tar</a:t>
+            </a:r>
+            <a:endParaRPr lang="en-US" dirty="0" smtClean="0"/>
+          </a:p>
+          <a:p>
+            <a:r>
+              <a:rPr lang="en-US" dirty="0" smtClean="0">
+                <a:hlinkClick r:id="rId11"/>
+              </a:rPr>
+              <a:t>https://npmjs.org/package/dnode</a:t>
+            </a:r>
+            <a:endParaRPr lang="en-US" dirty="0" smtClean="0"/>
           </a:p>
           <a:p>
             <a:endParaRPr lang="en-US" dirty="0"/>
@@ -1363,7 +1385,7 @@
             <a:fld id="{7BC0C7B8-101C-4F8C-9143-43222D1AB2E2}" type="slidenum">
               <a:rPr lang="en-US" smtClean="0"/>
               <a:pPr/>
-              <a:t>33</a:t>
+              <a:t>30</a:t>
             </a:fld>
             <a:endParaRPr lang="en-US"/>
           </a:p>
@@ -1372,7 +1394,7 @@
     </p:spTree>
     <p:extLst>
       <p:ext uri="{BB962C8B-B14F-4D97-AF65-F5344CB8AC3E}">
-        <p14:creationId xmlns:p14="http://schemas.microsoft.com/office/powerpoint/2010/main" val="1253670454"/>
+        <p14:creationId xmlns:p14="http://schemas.microsoft.com/office/powerpoint/2010/main" val="1879848718"/>
       </p:ext>
     </p:extLst>
   </p:cSld>
@@ -1426,93 +1448,6 @@
           <a:bodyPr/>
           <a:lstStyle/>
           <a:p>
-            <a:r>
-              <a:rPr lang="en-US" dirty="0" smtClean="0"/>
-              <a:t>https://npmjs.org/package/request</a:t>
-            </a:r>
-          </a:p>
-          <a:p>
-            <a:r>
-              <a:rPr lang="en-US" dirty="0" smtClean="0">
-                <a:hlinkClick r:id="rId3"/>
-              </a:rPr>
-              <a:t>https://npmjs.org/package/filed</a:t>
-            </a:r>
-            <a:endParaRPr lang="en-US" dirty="0" smtClean="0"/>
-          </a:p>
-          <a:p>
-            <a:r>
-              <a:rPr lang="en-US" dirty="0" smtClean="0">
-                <a:hlinkClick r:id="rId4"/>
-              </a:rPr>
-              <a:t>https://npmjs.org/package/JSONStream</a:t>
-            </a:r>
-            <a:endParaRPr lang="en-US" dirty="0" smtClean="0"/>
-          </a:p>
-          <a:p>
-            <a:r>
-              <a:rPr lang="en-US" dirty="0" smtClean="0">
-                <a:hlinkClick r:id="rId5"/>
-              </a:rPr>
-              <a:t>https://npmjs.org/package/mux-demux</a:t>
-            </a:r>
-            <a:endParaRPr lang="en-US" dirty="0" smtClean="0"/>
-          </a:p>
-          <a:p>
-            <a:r>
-              <a:rPr lang="en-US" dirty="0" smtClean="0">
-                <a:hlinkClick r:id="rId6"/>
-              </a:rPr>
-              <a:t>https://npmjs.org/package/shoe</a:t>
-            </a:r>
-            <a:endParaRPr lang="en-US" dirty="0" smtClean="0"/>
-          </a:p>
-          <a:p>
-            <a:r>
-              <a:rPr lang="en-US" dirty="0" smtClean="0">
-                <a:hlinkClick r:id="rId7"/>
-              </a:rPr>
-              <a:t>https://npmjs.org/package/pause-stream</a:t>
-            </a:r>
-            <a:endParaRPr lang="en-US" dirty="0" smtClean="0"/>
-          </a:p>
-          <a:p>
-            <a:r>
-              <a:rPr lang="en-US" dirty="0" smtClean="0">
-                <a:hlinkClick r:id="rId8"/>
-              </a:rPr>
-              <a:t>https://npmjs.org/package/through</a:t>
-            </a:r>
-            <a:endParaRPr lang="en-US" dirty="0" smtClean="0"/>
-          </a:p>
-          <a:p>
-            <a:r>
-              <a:rPr lang="en-US" dirty="0" smtClean="0">
-                <a:hlinkClick r:id="rId9"/>
-              </a:rPr>
-              <a:t>https://npmjs.org/package/scuttlebutt</a:t>
-            </a:r>
-            <a:endParaRPr lang="en-US" dirty="0" smtClean="0"/>
-          </a:p>
-          <a:p>
-            <a:r>
-              <a:rPr lang="en-US" dirty="0" smtClean="0">
-                <a:hlinkClick r:id="rId10"/>
-              </a:rPr>
-              <a:t>https://npmjs.org/package/tar</a:t>
-            </a:r>
-            <a:endParaRPr lang="en-US" dirty="0" smtClean="0"/>
-          </a:p>
-          <a:p>
-            <a:r>
-              <a:rPr lang="en-US" dirty="0" smtClean="0">
-                <a:hlinkClick r:id="rId11"/>
-              </a:rPr>
-              <a:t>https://npmjs.org/package/dnode</a:t>
-            </a:r>
-            <a:endParaRPr lang="en-US" dirty="0" smtClean="0"/>
-          </a:p>
-          <a:p>
             <a:endParaRPr lang="en-US" dirty="0"/>
           </a:p>
         </p:txBody>
@@ -1535,7 +1470,7 @@
             <a:fld id="{7BC0C7B8-101C-4F8C-9143-43222D1AB2E2}" type="slidenum">
               <a:rPr lang="en-US" smtClean="0"/>
               <a:pPr/>
-              <a:t>39</a:t>
+              <a:t>32</a:t>
             </a:fld>
             <a:endParaRPr lang="en-US"/>
           </a:p>
@@ -1544,7 +1479,7 @@
     </p:spTree>
     <p:extLst>
       <p:ext uri="{BB962C8B-B14F-4D97-AF65-F5344CB8AC3E}">
-        <p14:creationId xmlns:p14="http://schemas.microsoft.com/office/powerpoint/2010/main" val="1879848718"/>
+        <p14:creationId xmlns:p14="http://schemas.microsoft.com/office/powerpoint/2010/main" val="773604664"/>
       </p:ext>
     </p:extLst>
   </p:cSld>
@@ -1599,82 +1534,10 @@
           <a:lstStyle/>
           <a:p>
             <a:r>
-              <a:rPr lang="en-US" dirty="0" smtClean="0"/>
-              <a:t>Streams in Action</a:t>
-            </a:r>
-          </a:p>
-          <a:p>
-            <a:r>
-              <a:rPr lang="en-US" dirty="0" smtClean="0"/>
-              <a:t>- Processing</a:t>
-            </a:r>
-          </a:p>
-          <a:p>
-            <a:r>
-              <a:rPr lang="en-US" dirty="0" smtClean="0"/>
-              <a:t>- Complex Event Processing</a:t>
-            </a:r>
-          </a:p>
-          <a:p>
-            <a:r>
-              <a:rPr lang="en-US" dirty="0" smtClean="0"/>
-              <a:t> - https://github.com/darach/eep-js</a:t>
-            </a:r>
-          </a:p>
-          <a:p>
-            <a:r>
-              <a:rPr lang="en-US" dirty="0" smtClean="0"/>
-              <a:t> - https://github.com/indexzero/window-stream</a:t>
-            </a:r>
-          </a:p>
-          <a:p>
-            <a:r>
-              <a:rPr lang="en-US" dirty="0" smtClean="0"/>
-              <a:t>- Distributed programming</a:t>
-            </a:r>
-          </a:p>
-          <a:p>
-            <a:r>
-              <a:rPr lang="en-US" dirty="0" smtClean="0"/>
-              <a:t>- Audio streams</a:t>
-            </a:r>
-          </a:p>
-          <a:p>
-            <a:endParaRPr lang="en-US" dirty="0" smtClean="0"/>
-          </a:p>
-          <a:p>
-            <a:r>
-              <a:rPr lang="en-US" dirty="0" smtClean="0"/>
-              <a:t>JIFASNIF: </a:t>
-            </a:r>
-            <a:r>
-              <a:rPr lang="en-US" dirty="0" err="1" smtClean="0"/>
-              <a:t>Javascript</a:t>
-            </a:r>
-            <a:r>
-              <a:rPr lang="en-US" dirty="0" smtClean="0"/>
-              <a:t> is Fun and so Node.js is Fun.</a:t>
-            </a:r>
-          </a:p>
-          <a:p>
-            <a:r>
-              <a:rPr lang="en-US" dirty="0" smtClean="0"/>
-              <a:t>https://twitter.com/izs/status/187639633641865216</a:t>
-            </a:r>
-          </a:p>
-          <a:p>
-            <a:endParaRPr lang="en-US" dirty="0" smtClean="0"/>
-          </a:p>
-          <a:p>
-            <a:r>
-              <a:rPr lang="en-US" dirty="0" smtClean="0"/>
-              <a:t>Node.js is a platform built on Chrome's JavaScript runtime for easily building fast, scalable network applications. </a:t>
-            </a:r>
-            <a:r>
               <a:rPr lang="en-US" smtClean="0"/>
-              <a:t>Node.js uses an event-driven, non-blocking I/O model that makes it lightweight and efficient, perfect for data-intensive real-time applications that run across distributed devices.</a:t>
-            </a:r>
-            <a:endParaRPr lang="en-US" dirty="0"/>
+              <a:t>http://blog.nodejs.org/2012/12/21/streams2/</a:t>
+            </a:r>
+            <a:endParaRPr lang="en-US"/>
           </a:p>
         </p:txBody>
       </p:sp>
@@ -1696,7 +1559,7 @@
             <a:fld id="{7BC0C7B8-101C-4F8C-9143-43222D1AB2E2}" type="slidenum">
               <a:rPr lang="en-US" smtClean="0"/>
               <a:pPr/>
-              <a:t>41</a:t>
+              <a:t>33</a:t>
             </a:fld>
             <a:endParaRPr lang="en-US"/>
           </a:p>
@@ -1705,7 +1568,98 @@
     </p:spTree>
     <p:extLst>
       <p:ext uri="{BB962C8B-B14F-4D97-AF65-F5344CB8AC3E}">
-        <p14:creationId xmlns:p14="http://schemas.microsoft.com/office/powerpoint/2010/main" val="4197470279"/>
+        <p14:creationId xmlns:p14="http://schemas.microsoft.com/office/powerpoint/2010/main" val="4028504320"/>
+      </p:ext>
+    </p:extLst>
+  </p:cSld>
+  <p:clrMapOvr>
+    <a:masterClrMapping/>
+  </p:clrMapOvr>
+</p:notes>
+</file>
+
+<file path=ppt/notesSlides/notesSlide19.xml><?xml version="1.0" encoding="utf-8"?>
+<p:notes xmlns:a="http://schemas.openxmlformats.org/drawingml/2006/main" xmlns:r="http://schemas.openxmlformats.org/officeDocument/2006/relationships" xmlns:p="http://schemas.openxmlformats.org/presentationml/2006/main">
+  <p:cSld>
+    <p:spTree>
+      <p:nvGrpSpPr>
+        <p:cNvPr id="1" name=""/>
+        <p:cNvGrpSpPr/>
+        <p:nvPr/>
+      </p:nvGrpSpPr>
+      <p:grpSpPr>
+        <a:xfrm>
+          <a:off x="0" y="0"/>
+          <a:ext cx="0" cy="0"/>
+          <a:chOff x="0" y="0"/>
+          <a:chExt cx="0" cy="0"/>
+        </a:xfrm>
+      </p:grpSpPr>
+      <p:sp>
+        <p:nvSpPr>
+          <p:cNvPr id="2" name="Slide Image Placeholder 1"/>
+          <p:cNvSpPr>
+            <a:spLocks noGrp="1" noRot="1" noChangeAspect="1"/>
+          </p:cNvSpPr>
+          <p:nvPr>
+            <p:ph type="sldImg"/>
+          </p:nvPr>
+        </p:nvSpPr>
+        <p:spPr/>
+      </p:sp>
+      <p:sp>
+        <p:nvSpPr>
+          <p:cNvPr id="3" name="Notes Placeholder 2"/>
+          <p:cNvSpPr>
+            <a:spLocks noGrp="1"/>
+          </p:cNvSpPr>
+          <p:nvPr>
+            <p:ph type="body" idx="1"/>
+          </p:nvPr>
+        </p:nvSpPr>
+        <p:spPr/>
+        <p:txBody>
+          <a:bodyPr/>
+          <a:lstStyle/>
+          <a:p>
+            <a:r>
+              <a:rPr lang="en-US" dirty="0" smtClean="0"/>
+              <a:t>TODO: Split</a:t>
+            </a:r>
+          </a:p>
+          <a:p>
+            <a:endParaRPr lang="en-US" dirty="0"/>
+          </a:p>
+        </p:txBody>
+      </p:sp>
+      <p:sp>
+        <p:nvSpPr>
+          <p:cNvPr id="4" name="Slide Number Placeholder 3"/>
+          <p:cNvSpPr>
+            <a:spLocks noGrp="1"/>
+          </p:cNvSpPr>
+          <p:nvPr>
+            <p:ph type="sldNum" sz="quarter" idx="10"/>
+          </p:nvPr>
+        </p:nvSpPr>
+        <p:spPr/>
+        <p:txBody>
+          <a:bodyPr/>
+          <a:lstStyle/>
+          <a:p>
+            <a:fld id="{7BC0C7B8-101C-4F8C-9143-43222D1AB2E2}" type="slidenum">
+              <a:rPr lang="en-US" smtClean="0"/>
+              <a:pPr/>
+              <a:t>34</a:t>
+            </a:fld>
+            <a:endParaRPr lang="en-US"/>
+          </a:p>
+        </p:txBody>
+      </p:sp>
+    </p:spTree>
+    <p:extLst>
+      <p:ext uri="{BB962C8B-B14F-4D97-AF65-F5344CB8AC3E}">
+        <p14:creationId xmlns:p14="http://schemas.microsoft.com/office/powerpoint/2010/main" val="1253670454"/>
       </p:ext>
     </p:extLst>
   </p:cSld>
@@ -1800,6 +1754,252 @@
 </p:notes>
 </file>
 
+<file path=ppt/notesSlides/notesSlide20.xml><?xml version="1.0" encoding="utf-8"?>
+<p:notes xmlns:a="http://schemas.openxmlformats.org/drawingml/2006/main" xmlns:r="http://schemas.openxmlformats.org/officeDocument/2006/relationships" xmlns:p="http://schemas.openxmlformats.org/presentationml/2006/main">
+  <p:cSld>
+    <p:spTree>
+      <p:nvGrpSpPr>
+        <p:cNvPr id="1" name=""/>
+        <p:cNvGrpSpPr/>
+        <p:nvPr/>
+      </p:nvGrpSpPr>
+      <p:grpSpPr>
+        <a:xfrm>
+          <a:off x="0" y="0"/>
+          <a:ext cx="0" cy="0"/>
+          <a:chOff x="0" y="0"/>
+          <a:chExt cx="0" cy="0"/>
+        </a:xfrm>
+      </p:grpSpPr>
+      <p:sp>
+        <p:nvSpPr>
+          <p:cNvPr id="2" name="Slide Image Placeholder 1"/>
+          <p:cNvSpPr>
+            <a:spLocks noGrp="1" noRot="1" noChangeAspect="1"/>
+          </p:cNvSpPr>
+          <p:nvPr>
+            <p:ph type="sldImg"/>
+          </p:nvPr>
+        </p:nvSpPr>
+        <p:spPr/>
+      </p:sp>
+      <p:sp>
+        <p:nvSpPr>
+          <p:cNvPr id="3" name="Notes Placeholder 2"/>
+          <p:cNvSpPr>
+            <a:spLocks noGrp="1"/>
+          </p:cNvSpPr>
+          <p:nvPr>
+            <p:ph type="body" idx="1"/>
+          </p:nvPr>
+        </p:nvSpPr>
+        <p:spPr/>
+        <p:txBody>
+          <a:bodyPr/>
+          <a:lstStyle/>
+          <a:p>
+            <a:endParaRPr lang="en-US" dirty="0"/>
+          </a:p>
+        </p:txBody>
+      </p:sp>
+      <p:sp>
+        <p:nvSpPr>
+          <p:cNvPr id="4" name="Slide Number Placeholder 3"/>
+          <p:cNvSpPr>
+            <a:spLocks noGrp="1"/>
+          </p:cNvSpPr>
+          <p:nvPr>
+            <p:ph type="sldNum" sz="quarter" idx="10"/>
+          </p:nvPr>
+        </p:nvSpPr>
+        <p:spPr/>
+        <p:txBody>
+          <a:bodyPr/>
+          <a:lstStyle/>
+          <a:p>
+            <a:fld id="{7BC0C7B8-101C-4F8C-9143-43222D1AB2E2}" type="slidenum">
+              <a:rPr lang="en-US" smtClean="0"/>
+              <a:pPr/>
+              <a:t>35</a:t>
+            </a:fld>
+            <a:endParaRPr lang="en-US"/>
+          </a:p>
+        </p:txBody>
+      </p:sp>
+    </p:spTree>
+    <p:extLst>
+      <p:ext uri="{BB962C8B-B14F-4D97-AF65-F5344CB8AC3E}">
+        <p14:creationId xmlns:p14="http://schemas.microsoft.com/office/powerpoint/2010/main" val="2533348332"/>
+      </p:ext>
+    </p:extLst>
+  </p:cSld>
+  <p:clrMapOvr>
+    <a:masterClrMapping/>
+  </p:clrMapOvr>
+</p:notes>
+</file>
+
+<file path=ppt/notesSlides/notesSlide21.xml><?xml version="1.0" encoding="utf-8"?>
+<p:notes xmlns:a="http://schemas.openxmlformats.org/drawingml/2006/main" xmlns:r="http://schemas.openxmlformats.org/officeDocument/2006/relationships" xmlns:p="http://schemas.openxmlformats.org/presentationml/2006/main">
+  <p:cSld>
+    <p:spTree>
+      <p:nvGrpSpPr>
+        <p:cNvPr id="1" name=""/>
+        <p:cNvGrpSpPr/>
+        <p:nvPr/>
+      </p:nvGrpSpPr>
+      <p:grpSpPr>
+        <a:xfrm>
+          <a:off x="0" y="0"/>
+          <a:ext cx="0" cy="0"/>
+          <a:chOff x="0" y="0"/>
+          <a:chExt cx="0" cy="0"/>
+        </a:xfrm>
+      </p:grpSpPr>
+      <p:sp>
+        <p:nvSpPr>
+          <p:cNvPr id="2" name="Slide Image Placeholder 1"/>
+          <p:cNvSpPr>
+            <a:spLocks noGrp="1" noRot="1" noChangeAspect="1"/>
+          </p:cNvSpPr>
+          <p:nvPr>
+            <p:ph type="sldImg"/>
+          </p:nvPr>
+        </p:nvSpPr>
+        <p:spPr/>
+      </p:sp>
+      <p:sp>
+        <p:nvSpPr>
+          <p:cNvPr id="3" name="Notes Placeholder 2"/>
+          <p:cNvSpPr>
+            <a:spLocks noGrp="1"/>
+          </p:cNvSpPr>
+          <p:nvPr>
+            <p:ph type="body" idx="1"/>
+          </p:nvPr>
+        </p:nvSpPr>
+        <p:spPr/>
+        <p:txBody>
+          <a:bodyPr/>
+          <a:lstStyle/>
+          <a:p>
+            <a:r>
+              <a:rPr lang="en-US" dirty="0" smtClean="0"/>
+              <a:t>Streams in Action</a:t>
+            </a:r>
+          </a:p>
+          <a:p>
+            <a:r>
+              <a:rPr lang="en-US" dirty="0" smtClean="0"/>
+              <a:t>- Processing</a:t>
+            </a:r>
+          </a:p>
+          <a:p>
+            <a:r>
+              <a:rPr lang="en-US" dirty="0" smtClean="0"/>
+              <a:t>- Complex Event Processing</a:t>
+            </a:r>
+          </a:p>
+          <a:p>
+            <a:r>
+              <a:rPr lang="en-US" dirty="0" smtClean="0"/>
+              <a:t> - https://github.com/darach/eep-js</a:t>
+            </a:r>
+          </a:p>
+          <a:p>
+            <a:r>
+              <a:rPr lang="en-US" dirty="0" smtClean="0"/>
+              <a:t> - https://github.com/indexzero/window-stream</a:t>
+            </a:r>
+          </a:p>
+          <a:p>
+            <a:r>
+              <a:rPr lang="en-US" dirty="0" smtClean="0"/>
+              <a:t>- Distributed programming</a:t>
+            </a:r>
+          </a:p>
+          <a:p>
+            <a:r>
+              <a:rPr lang="en-US" dirty="0" smtClean="0"/>
+              <a:t>- Audio streams</a:t>
+            </a:r>
+          </a:p>
+          <a:p>
+            <a:endParaRPr lang="en-US" dirty="0" smtClean="0"/>
+          </a:p>
+          <a:p>
+            <a:r>
+              <a:rPr lang="en-US" dirty="0" smtClean="0"/>
+              <a:t>JIFASNIF: </a:t>
+            </a:r>
+            <a:r>
+              <a:rPr lang="en-US" dirty="0" err="1" smtClean="0"/>
+              <a:t>Javascript</a:t>
+            </a:r>
+            <a:r>
+              <a:rPr lang="en-US" dirty="0" smtClean="0"/>
+              <a:t> is Fun and so Node.js is Fun.</a:t>
+            </a:r>
+          </a:p>
+          <a:p>
+            <a:r>
+              <a:rPr lang="en-US" dirty="0" smtClean="0"/>
+              <a:t>https://twitter.com/izs/status/187639633641865216</a:t>
+            </a:r>
+          </a:p>
+          <a:p>
+            <a:endParaRPr lang="en-US" dirty="0" smtClean="0"/>
+          </a:p>
+          <a:p>
+            <a:r>
+              <a:rPr lang="en-US" dirty="0" smtClean="0"/>
+              <a:t>Node.js is a platform built on Chrome's JavaScript runtime for easily building fast, scalable network applications. </a:t>
+            </a:r>
+            <a:r>
+              <a:rPr lang="en-US" smtClean="0"/>
+              <a:t>Node.js uses an event-driven, non-blocking I/O model that makes it lightweight and efficient, perfect for data-intensive real-time applications that run across distributed devices.</a:t>
+            </a:r>
+            <a:endParaRPr lang="en-US" dirty="0"/>
+          </a:p>
+        </p:txBody>
+      </p:sp>
+      <p:sp>
+        <p:nvSpPr>
+          <p:cNvPr id="4" name="Slide Number Placeholder 3"/>
+          <p:cNvSpPr>
+            <a:spLocks noGrp="1"/>
+          </p:cNvSpPr>
+          <p:nvPr>
+            <p:ph type="sldNum" sz="quarter" idx="10"/>
+          </p:nvPr>
+        </p:nvSpPr>
+        <p:spPr/>
+        <p:txBody>
+          <a:bodyPr/>
+          <a:lstStyle/>
+          <a:p>
+            <a:fld id="{7BC0C7B8-101C-4F8C-9143-43222D1AB2E2}" type="slidenum">
+              <a:rPr lang="en-US" smtClean="0"/>
+              <a:pPr/>
+              <a:t>40</a:t>
+            </a:fld>
+            <a:endParaRPr lang="en-US"/>
+          </a:p>
+        </p:txBody>
+      </p:sp>
+    </p:spTree>
+    <p:extLst>
+      <p:ext uri="{BB962C8B-B14F-4D97-AF65-F5344CB8AC3E}">
+        <p14:creationId xmlns:p14="http://schemas.microsoft.com/office/powerpoint/2010/main" val="4197470279"/>
+      </p:ext>
+    </p:extLst>
+  </p:cSld>
+  <p:clrMapOvr>
+    <a:masterClrMapping/>
+  </p:clrMapOvr>
+</p:notes>
+</file>
+
 <file path=ppt/notesSlides/notesSlide3.xml><?xml version="1.0" encoding="utf-8"?>
 <p:notes xmlns:a="http://schemas.openxmlformats.org/drawingml/2006/main" xmlns:r="http://schemas.openxmlformats.org/officeDocument/2006/relationships" xmlns:p="http://schemas.openxmlformats.org/presentationml/2006/main">
   <p:cSld>
@@ -1844,23 +2044,101 @@
           <a:bodyPr/>
           <a:lstStyle/>
           <a:p>
+            <a:pPr marL="0" marR="0" indent="0" algn="l" defTabSz="914400" rtl="0" eaLnBrk="1" fontAlgn="auto" latinLnBrk="0" hangingPunct="1">
+              <a:lnSpc>
+                <a:spcPct val="100000"/>
+              </a:lnSpc>
+              <a:spcBef>
+                <a:spcPts val="0"/>
+              </a:spcBef>
+              <a:spcAft>
+                <a:spcPts val="0"/>
+              </a:spcAft>
+              <a:buClrTx/>
+              <a:buSzTx/>
+              <a:buFontTx/>
+              <a:buNone/>
+              <a:tabLst/>
+              <a:defRPr/>
+            </a:pPr>
             <a:r>
               <a:rPr lang="en-US" dirty="0" smtClean="0"/>
-              <a:t>JIFASNIF: </a:t>
-            </a:r>
-            <a:r>
-              <a:rPr lang="en-US" dirty="0" err="1" smtClean="0"/>
-              <a:t>Javascript</a:t>
-            </a:r>
-            <a:r>
-              <a:rPr lang="en-US" dirty="0" smtClean="0"/>
-              <a:t> is Fun and so Node.js is Fun.</a:t>
-            </a:r>
-          </a:p>
-          <a:p>
-            <a:r>
-              <a:rPr lang="en-US" dirty="0" smtClean="0"/>
-              <a:t>https://twitter.com/izs/status/187639633641865216</a:t>
+              <a:t>Node.js is a platform built on Chrome's JavaScript runtime for easily building fast, scalable network applications. Node.js uses an event-driven, non-blocking I/O model that makes it lightweight and efficient, perfect for data-intensive real-time applications that run across distributed devices.</a:t>
+            </a:r>
+          </a:p>
+          <a:p>
+            <a:endParaRPr lang="en-US" sz="1200" b="0" i="0" kern="1200" dirty="0" smtClean="0">
+              <a:solidFill>
+                <a:schemeClr val="tx1"/>
+              </a:solidFill>
+              <a:effectLst/>
+              <a:latin typeface="+mn-lt"/>
+              <a:ea typeface="+mn-ea"/>
+              <a:cs typeface="+mn-cs"/>
+            </a:endParaRPr>
+          </a:p>
+          <a:p>
+            <a:endParaRPr lang="en-US" sz="1200" b="0" i="0" kern="1200" dirty="0" smtClean="0">
+              <a:solidFill>
+                <a:schemeClr val="tx1"/>
+              </a:solidFill>
+              <a:effectLst/>
+              <a:latin typeface="+mn-lt"/>
+              <a:ea typeface="+mn-ea"/>
+              <a:cs typeface="+mn-cs"/>
+            </a:endParaRPr>
+          </a:p>
+          <a:p>
+            <a:r>
+              <a:rPr lang="en-US" sz="1200" b="0" i="0" kern="1200" dirty="0" smtClean="0">
+                <a:solidFill>
+                  <a:schemeClr val="tx1"/>
+                </a:solidFill>
+                <a:effectLst/>
+                <a:latin typeface="+mn-lt"/>
+                <a:ea typeface="+mn-ea"/>
+                <a:cs typeface="+mn-cs"/>
+              </a:rPr>
+              <a:t>For those who don’t know about Node.js, let’s </a:t>
+            </a:r>
+          </a:p>
+          <a:p>
+            <a:endParaRPr lang="en-US" sz="1200" b="0" i="0" kern="1200" dirty="0" smtClean="0">
+              <a:solidFill>
+                <a:schemeClr val="tx1"/>
+              </a:solidFill>
+              <a:effectLst/>
+              <a:latin typeface="+mn-lt"/>
+              <a:ea typeface="+mn-ea"/>
+              <a:cs typeface="+mn-cs"/>
+            </a:endParaRPr>
+          </a:p>
+          <a:p>
+            <a:r>
+              <a:rPr lang="en-US" sz="1200" b="0" i="0" kern="1200" dirty="0" smtClean="0">
+                <a:solidFill>
+                  <a:schemeClr val="tx1"/>
+                </a:solidFill>
+                <a:effectLst/>
+                <a:latin typeface="+mn-lt"/>
+                <a:ea typeface="+mn-ea"/>
+                <a:cs typeface="+mn-cs"/>
+              </a:rPr>
+              <a:t>Community:</a:t>
+            </a:r>
+          </a:p>
+          <a:p>
+            <a:r>
+              <a:rPr lang="en-US" sz="1200" b="0" i="0" kern="1200" dirty="0" smtClean="0">
+                <a:solidFill>
+                  <a:schemeClr val="tx1"/>
+                </a:solidFill>
+                <a:effectLst/>
+                <a:latin typeface="+mn-lt"/>
+                <a:ea typeface="+mn-ea"/>
+                <a:cs typeface="+mn-cs"/>
+              </a:rPr>
+              <a:t>NPM: 24,197 packages</a:t>
             </a:r>
             <a:endParaRPr lang="en-US" dirty="0"/>
           </a:p>
@@ -1884,7 +2162,7 @@
             <a:fld id="{7BC0C7B8-101C-4F8C-9143-43222D1AB2E2}" type="slidenum">
               <a:rPr lang="en-US" smtClean="0"/>
               <a:pPr/>
-              <a:t>7</a:t>
+              <a:t>6</a:t>
             </a:fld>
             <a:endParaRPr lang="en-US"/>
           </a:p>
@@ -1893,7 +2171,7 @@
     </p:spTree>
     <p:extLst>
       <p:ext uri="{BB962C8B-B14F-4D97-AF65-F5344CB8AC3E}">
-        <p14:creationId xmlns:p14="http://schemas.microsoft.com/office/powerpoint/2010/main" val="424385324"/>
+        <p14:creationId xmlns:p14="http://schemas.microsoft.com/office/powerpoint/2010/main" val="2321555523"/>
       </p:ext>
     </p:extLst>
   </p:cSld>
@@ -1949,208 +2227,21 @@
           <a:p>
             <a:r>
               <a:rPr lang="en-US" dirty="0" smtClean="0"/>
-              <a:t>Dr. </a:t>
+              <a:t>JIFASNIF: </a:t>
             </a:r>
             <a:r>
               <a:rPr lang="en-US" dirty="0" err="1" smtClean="0"/>
-              <a:t>McIlroy</a:t>
+              <a:t>Javascript</a:t>
             </a:r>
             <a:r>
               <a:rPr lang="en-US" dirty="0" smtClean="0"/>
-              <a:t> is best known for having originally developed </a:t>
-            </a:r>
-            <a:r>
-              <a:rPr lang="en-US" dirty="0" smtClean="0">
-                <a:hlinkClick r:id="rId3" tooltip="Pipeline (Unix)"/>
-              </a:rPr>
-              <a:t>Unix pipelines</a:t>
-            </a:r>
+              <a:t> is Fun and so Node.js is Fun.</a:t>
+            </a:r>
+          </a:p>
+          <a:p>
             <a:r>
               <a:rPr lang="en-US" dirty="0" smtClean="0"/>
-              <a:t>, </a:t>
-            </a:r>
-            <a:r>
-              <a:rPr lang="en-US" dirty="0" smtClean="0">
-                <a:hlinkClick r:id="rId4" tooltip="Software componentry"/>
-              </a:rPr>
-              <a:t>software componentry</a:t>
-            </a:r>
-            <a:r>
-              <a:rPr lang="en-US" dirty="0" smtClean="0"/>
-              <a:t> and several </a:t>
-            </a:r>
-            <a:r>
-              <a:rPr lang="en-US" dirty="0" smtClean="0">
-                <a:hlinkClick r:id="rId5" tooltip="Unix"/>
-              </a:rPr>
-              <a:t>Unix</a:t>
-            </a:r>
-            <a:r>
-              <a:rPr lang="en-US" dirty="0" smtClean="0"/>
-              <a:t> tools, such as </a:t>
-            </a:r>
-            <a:r>
-              <a:rPr lang="en-US" dirty="0" smtClean="0">
-                <a:hlinkClick r:id="rId6" tooltip="Spell (Unix)"/>
-              </a:rPr>
-              <a:t>spell</a:t>
-            </a:r>
-            <a:r>
-              <a:rPr lang="en-US" dirty="0" smtClean="0"/>
-              <a:t>, </a:t>
-            </a:r>
-            <a:r>
-              <a:rPr lang="en-US" dirty="0" smtClean="0">
-                <a:hlinkClick r:id="rId7" tooltip="Diff"/>
-              </a:rPr>
-              <a:t>diff</a:t>
-            </a:r>
-            <a:r>
-              <a:rPr lang="en-US" dirty="0" smtClean="0"/>
-              <a:t>, </a:t>
-            </a:r>
-            <a:r>
-              <a:rPr lang="en-US" dirty="0" smtClean="0">
-                <a:hlinkClick r:id="rId8" tooltip="Sort (Unix)"/>
-              </a:rPr>
-              <a:t>sort</a:t>
-            </a:r>
-            <a:r>
-              <a:rPr lang="en-US" dirty="0" smtClean="0"/>
-              <a:t>, </a:t>
-            </a:r>
-            <a:r>
-              <a:rPr lang="en-US" dirty="0" smtClean="0">
-                <a:hlinkClick r:id="rId9" tooltip="Join (Unix utility)"/>
-              </a:rPr>
-              <a:t>join</a:t>
-            </a:r>
-            <a:r>
-              <a:rPr lang="en-US" dirty="0" smtClean="0"/>
-              <a:t>, </a:t>
-            </a:r>
-            <a:r>
-              <a:rPr lang="en-US" dirty="0" smtClean="0">
-                <a:hlinkClick r:id="rId10" tooltip="Graph (Unix) (page does not exist)"/>
-              </a:rPr>
-              <a:t>graph</a:t>
-            </a:r>
-            <a:r>
-              <a:rPr lang="en-US" dirty="0" smtClean="0"/>
-              <a:t>, </a:t>
-            </a:r>
-            <a:r>
-              <a:rPr lang="en-US" dirty="0" smtClean="0">
-                <a:hlinkClick r:id="rId11" tooltip="Speak (Unix)"/>
-              </a:rPr>
-              <a:t>speak</a:t>
-            </a:r>
-            <a:r>
-              <a:rPr lang="en-US" dirty="0" smtClean="0"/>
-              <a:t>, and </a:t>
-            </a:r>
-            <a:r>
-              <a:rPr lang="en-US" dirty="0" smtClean="0">
-                <a:hlinkClick r:id="rId12" tooltip="Tr (Unix)"/>
-              </a:rPr>
-              <a:t>tr</a:t>
-            </a:r>
-            <a:r>
-              <a:rPr lang="en-US" dirty="0" smtClean="0"/>
-              <a:t>.</a:t>
-            </a:r>
-          </a:p>
-          <a:p>
-            <a:endParaRPr lang="en-US" dirty="0" smtClean="0"/>
-          </a:p>
-          <a:p>
-            <a:r>
-              <a:rPr lang="en-US" dirty="0" smtClean="0"/>
-              <a:t>He wrote this memo in</a:t>
-            </a:r>
-            <a:r>
-              <a:rPr lang="en-US" baseline="0" dirty="0" smtClean="0"/>
-              <a:t> 1964 outlaying the first point in an internal memo at Bell Labs.  In there, he laid out </a:t>
-            </a:r>
-            <a:endParaRPr lang="en-US" dirty="0" smtClean="0"/>
-          </a:p>
-          <a:p>
-            <a:endParaRPr lang="en-US" dirty="0" smtClean="0"/>
-          </a:p>
-          <a:p>
-            <a:r>
-              <a:rPr lang="en-US" dirty="0" smtClean="0"/>
-              <a:t>His ideas were implemented in 1973 when </a:t>
-            </a:r>
-            <a:r>
-              <a:rPr lang="en-US" dirty="0" smtClean="0">
-                <a:hlinkClick r:id="rId13" tooltip="Ken Thompson"/>
-              </a:rPr>
-              <a:t>Ken Thompson</a:t>
-            </a:r>
-            <a:r>
-              <a:rPr lang="en-US" dirty="0" smtClean="0"/>
-              <a:t> added pipes to the </a:t>
-            </a:r>
-            <a:r>
-              <a:rPr lang="en-US" dirty="0" smtClean="0">
-                <a:hlinkClick r:id="rId14" tooltip="UNIX"/>
-              </a:rPr>
-              <a:t>UNIX</a:t>
-            </a:r>
-            <a:r>
-              <a:rPr lang="en-US" dirty="0" smtClean="0"/>
-              <a:t> operating system.</a:t>
-            </a:r>
-            <a:r>
-              <a:rPr lang="en-US" baseline="30000" dirty="0" smtClean="0">
-                <a:hlinkClick r:id="rId3"/>
-              </a:rPr>
-              <a:t>[3]</a:t>
-            </a:r>
-            <a:r>
-              <a:rPr lang="en-US" dirty="0" smtClean="0"/>
-              <a:t> The idea was eventually ported to other operating systems, such as </a:t>
-            </a:r>
-            <a:r>
-              <a:rPr lang="en-US" dirty="0" smtClean="0">
-                <a:hlinkClick r:id="rId15" tooltip="DOS"/>
-              </a:rPr>
-              <a:t>DOS</a:t>
-            </a:r>
-            <a:r>
-              <a:rPr lang="en-US" dirty="0" smtClean="0"/>
-              <a:t>, </a:t>
-            </a:r>
-            <a:r>
-              <a:rPr lang="en-US" dirty="0" smtClean="0">
-                <a:hlinkClick r:id="rId16" tooltip="OS/2"/>
-              </a:rPr>
-              <a:t>OS/2</a:t>
-            </a:r>
-            <a:r>
-              <a:rPr lang="en-US" dirty="0" smtClean="0"/>
-              <a:t>, </a:t>
-            </a:r>
-            <a:r>
-              <a:rPr lang="en-US" dirty="0" smtClean="0">
-                <a:hlinkClick r:id="rId17" tooltip="Microsoft Windows"/>
-              </a:rPr>
-              <a:t>Microsoft Windows</a:t>
-            </a:r>
-            <a:r>
-              <a:rPr lang="en-US" dirty="0" smtClean="0"/>
-              <a:t>, and </a:t>
-            </a:r>
-            <a:r>
-              <a:rPr lang="en-US" dirty="0" smtClean="0">
-                <a:hlinkClick r:id="rId18" tooltip="BeOS"/>
-              </a:rPr>
-              <a:t>BeOS</a:t>
-            </a:r>
-            <a:r>
-              <a:rPr lang="en-US" dirty="0" smtClean="0"/>
-              <a:t>, often with the same notation.</a:t>
+              <a:t>https://twitter.com/izs/status/187639633641865216</a:t>
             </a:r>
             <a:endParaRPr lang="en-US" dirty="0"/>
           </a:p>
@@ -2174,7 +2265,7 @@
             <a:fld id="{7BC0C7B8-101C-4F8C-9143-43222D1AB2E2}" type="slidenum">
               <a:rPr lang="en-US" smtClean="0"/>
               <a:pPr/>
-              <a:t>8</a:t>
+              <a:t>7</a:t>
             </a:fld>
             <a:endParaRPr lang="en-US"/>
           </a:p>
@@ -2183,7 +2274,7 @@
     </p:spTree>
     <p:extLst>
       <p:ext uri="{BB962C8B-B14F-4D97-AF65-F5344CB8AC3E}">
-        <p14:creationId xmlns:p14="http://schemas.microsoft.com/office/powerpoint/2010/main" val="57736211"/>
+        <p14:creationId xmlns:p14="http://schemas.microsoft.com/office/powerpoint/2010/main" val="424385324"/>
       </p:ext>
     </p:extLst>
   </p:cSld>
@@ -2237,34 +2328,211 @@
           <a:bodyPr/>
           <a:lstStyle/>
           <a:p>
-            <a:pPr marL="0" marR="0" indent="0" algn="l" defTabSz="914400" rtl="0" eaLnBrk="1" fontAlgn="auto" latinLnBrk="0" hangingPunct="1">
-              <a:lnSpc>
-                <a:spcPct val="100000"/>
-              </a:lnSpc>
-              <a:spcBef>
-                <a:spcPts val="0"/>
-              </a:spcBef>
-              <a:spcAft>
-                <a:spcPts val="0"/>
-              </a:spcAft>
-              <a:buClrTx/>
-              <a:buSzTx/>
-              <a:buFontTx/>
-              <a:buNone/>
-              <a:tabLst/>
-              <a:defRPr/>
-            </a:pPr>
+            <a:r>
+              <a:rPr lang="en-US" dirty="0" smtClean="0"/>
+              <a:t>Dr. </a:t>
+            </a:r>
+            <a:r>
+              <a:rPr lang="en-US" dirty="0" err="1" smtClean="0"/>
+              <a:t>McIlroy</a:t>
+            </a:r>
+            <a:r>
+              <a:rPr lang="en-US" dirty="0" smtClean="0"/>
+              <a:t> is best known for having originally developed </a:t>
+            </a:r>
             <a:r>
               <a:rPr lang="en-US" dirty="0" smtClean="0">
-                <a:solidFill>
-                  <a:schemeClr val="bg1"/>
-                </a:solidFill>
-                <a:latin typeface="Proxima Nova Rg"/>
-              </a:rPr>
-              <a:t>Incremental data in time with back pressure</a:t>
-            </a:r>
-          </a:p>
-          <a:p>
+                <a:hlinkClick r:id="rId3" tooltip="Pipeline (Unix)"/>
+              </a:rPr>
+              <a:t>Unix pipelines</a:t>
+            </a:r>
+            <a:r>
+              <a:rPr lang="en-US" dirty="0" smtClean="0"/>
+              <a:t>, </a:t>
+            </a:r>
+            <a:r>
+              <a:rPr lang="en-US" dirty="0" smtClean="0">
+                <a:hlinkClick r:id="rId4" tooltip="Software componentry"/>
+              </a:rPr>
+              <a:t>software componentry</a:t>
+            </a:r>
+            <a:r>
+              <a:rPr lang="en-US" dirty="0" smtClean="0"/>
+              <a:t> and several </a:t>
+            </a:r>
+            <a:r>
+              <a:rPr lang="en-US" dirty="0" smtClean="0">
+                <a:hlinkClick r:id="rId5" tooltip="Unix"/>
+              </a:rPr>
+              <a:t>Unix</a:t>
+            </a:r>
+            <a:r>
+              <a:rPr lang="en-US" dirty="0" smtClean="0"/>
+              <a:t> tools, such as </a:t>
+            </a:r>
+            <a:r>
+              <a:rPr lang="en-US" dirty="0" smtClean="0">
+                <a:hlinkClick r:id="rId6" tooltip="Spell (Unix)"/>
+              </a:rPr>
+              <a:t>spell</a:t>
+            </a:r>
+            <a:r>
+              <a:rPr lang="en-US" dirty="0" smtClean="0"/>
+              <a:t>, </a:t>
+            </a:r>
+            <a:r>
+              <a:rPr lang="en-US" dirty="0" smtClean="0">
+                <a:hlinkClick r:id="rId7" tooltip="Diff"/>
+              </a:rPr>
+              <a:t>diff</a:t>
+            </a:r>
+            <a:r>
+              <a:rPr lang="en-US" dirty="0" smtClean="0"/>
+              <a:t>, </a:t>
+            </a:r>
+            <a:r>
+              <a:rPr lang="en-US" dirty="0" smtClean="0">
+                <a:hlinkClick r:id="rId8" tooltip="Sort (Unix)"/>
+              </a:rPr>
+              <a:t>sort</a:t>
+            </a:r>
+            <a:r>
+              <a:rPr lang="en-US" dirty="0" smtClean="0"/>
+              <a:t>, </a:t>
+            </a:r>
+            <a:r>
+              <a:rPr lang="en-US" dirty="0" smtClean="0">
+                <a:hlinkClick r:id="rId9" tooltip="Join (Unix utility)"/>
+              </a:rPr>
+              <a:t>join</a:t>
+            </a:r>
+            <a:r>
+              <a:rPr lang="en-US" dirty="0" smtClean="0"/>
+              <a:t>, </a:t>
+            </a:r>
+            <a:r>
+              <a:rPr lang="en-US" dirty="0" smtClean="0">
+                <a:hlinkClick r:id="rId10" tooltip="Graph (Unix) (page does not exist)"/>
+              </a:rPr>
+              <a:t>graph</a:t>
+            </a:r>
+            <a:r>
+              <a:rPr lang="en-US" dirty="0" smtClean="0"/>
+              <a:t>, </a:t>
+            </a:r>
+            <a:r>
+              <a:rPr lang="en-US" dirty="0" smtClean="0">
+                <a:hlinkClick r:id="rId11" tooltip="Speak (Unix)"/>
+              </a:rPr>
+              <a:t>speak</a:t>
+            </a:r>
+            <a:r>
+              <a:rPr lang="en-US" dirty="0" smtClean="0"/>
+              <a:t>, and </a:t>
+            </a:r>
+            <a:r>
+              <a:rPr lang="en-US" dirty="0" smtClean="0">
+                <a:hlinkClick r:id="rId12" tooltip="Tr (Unix)"/>
+              </a:rPr>
+              <a:t>tr</a:t>
+            </a:r>
+            <a:r>
+              <a:rPr lang="en-US" dirty="0" smtClean="0"/>
+              <a:t>.</a:t>
+            </a:r>
+          </a:p>
+          <a:p>
+            <a:endParaRPr lang="en-US" dirty="0" smtClean="0"/>
+          </a:p>
+          <a:p>
+            <a:r>
+              <a:rPr lang="en-US" dirty="0" smtClean="0"/>
+              <a:t>He wrote this memo in</a:t>
+            </a:r>
+            <a:r>
+              <a:rPr lang="en-US" baseline="0" dirty="0" smtClean="0"/>
+              <a:t> 1964 outlaying the first point in an internal memo at Bell Labs.  In there, he laid out </a:t>
+            </a:r>
+            <a:endParaRPr lang="en-US" dirty="0" smtClean="0"/>
+          </a:p>
+          <a:p>
+            <a:endParaRPr lang="en-US" dirty="0" smtClean="0"/>
+          </a:p>
+          <a:p>
+            <a:r>
+              <a:rPr lang="en-US" dirty="0" smtClean="0"/>
+              <a:t>His ideas were implemented in 1973 when </a:t>
+            </a:r>
+            <a:r>
+              <a:rPr lang="en-US" dirty="0" smtClean="0">
+                <a:hlinkClick r:id="rId13" tooltip="Ken Thompson"/>
+              </a:rPr>
+              <a:t>Ken Thompson</a:t>
+            </a:r>
+            <a:r>
+              <a:rPr lang="en-US" dirty="0" smtClean="0"/>
+              <a:t> added pipes to the </a:t>
+            </a:r>
+            <a:r>
+              <a:rPr lang="en-US" dirty="0" smtClean="0">
+                <a:hlinkClick r:id="rId14" tooltip="UNIX"/>
+              </a:rPr>
+              <a:t>UNIX</a:t>
+            </a:r>
+            <a:r>
+              <a:rPr lang="en-US" dirty="0" smtClean="0"/>
+              <a:t> operating system.</a:t>
+            </a:r>
+            <a:r>
+              <a:rPr lang="en-US" baseline="30000" dirty="0" smtClean="0">
+                <a:hlinkClick r:id="rId3"/>
+              </a:rPr>
+              <a:t>[3]</a:t>
+            </a:r>
+            <a:r>
+              <a:rPr lang="en-US" dirty="0" smtClean="0"/>
+              <a:t> The idea was eventually ported to other operating systems, such as </a:t>
+            </a:r>
+            <a:r>
+              <a:rPr lang="en-US" dirty="0" smtClean="0">
+                <a:hlinkClick r:id="rId15" tooltip="DOS"/>
+              </a:rPr>
+              <a:t>DOS</a:t>
+            </a:r>
+            <a:r>
+              <a:rPr lang="en-US" dirty="0" smtClean="0"/>
+              <a:t>, </a:t>
+            </a:r>
+            <a:r>
+              <a:rPr lang="en-US" dirty="0" smtClean="0">
+                <a:hlinkClick r:id="rId16" tooltip="OS/2"/>
+              </a:rPr>
+              <a:t>OS/2</a:t>
+            </a:r>
+            <a:r>
+              <a:rPr lang="en-US" dirty="0" smtClean="0"/>
+              <a:t>, </a:t>
+            </a:r>
+            <a:r>
+              <a:rPr lang="en-US" dirty="0" smtClean="0">
+                <a:hlinkClick r:id="rId17" tooltip="Microsoft Windows"/>
+              </a:rPr>
+              <a:t>Microsoft Windows</a:t>
+            </a:r>
+            <a:r>
+              <a:rPr lang="en-US" dirty="0" smtClean="0"/>
+              <a:t>, and </a:t>
+            </a:r>
+            <a:r>
+              <a:rPr lang="en-US" dirty="0" smtClean="0">
+                <a:hlinkClick r:id="rId18" tooltip="BeOS"/>
+              </a:rPr>
+              <a:t>BeOS</a:t>
+            </a:r>
+            <a:r>
+              <a:rPr lang="en-US" dirty="0" smtClean="0"/>
+              <a:t>, often with the same notation.</a:t>
+            </a:r>
             <a:endParaRPr lang="en-US" dirty="0"/>
           </a:p>
         </p:txBody>
@@ -2287,7 +2555,7 @@
             <a:fld id="{7BC0C7B8-101C-4F8C-9143-43222D1AB2E2}" type="slidenum">
               <a:rPr lang="en-US" smtClean="0"/>
               <a:pPr/>
-              <a:t>12</a:t>
+              <a:t>8</a:t>
             </a:fld>
             <a:endParaRPr lang="en-US"/>
           </a:p>
@@ -2296,7 +2564,7 @@
     </p:spTree>
     <p:extLst>
       <p:ext uri="{BB962C8B-B14F-4D97-AF65-F5344CB8AC3E}">
-        <p14:creationId xmlns:p14="http://schemas.microsoft.com/office/powerpoint/2010/main" val="711811476"/>
+        <p14:creationId xmlns:p14="http://schemas.microsoft.com/office/powerpoint/2010/main" val="57736211"/>
       </p:ext>
     </p:extLst>
   </p:cSld>
@@ -2400,7 +2668,7 @@
             <a:fld id="{7BC0C7B8-101C-4F8C-9143-43222D1AB2E2}" type="slidenum">
               <a:rPr lang="en-US" smtClean="0"/>
               <a:pPr/>
-              <a:t>13</a:t>
+              <a:t>11</a:t>
             </a:fld>
             <a:endParaRPr lang="en-US"/>
           </a:p>
@@ -2409,7 +2677,7 @@
     </p:spTree>
     <p:extLst>
       <p:ext uri="{BB962C8B-B14F-4D97-AF65-F5344CB8AC3E}">
-        <p14:creationId xmlns:p14="http://schemas.microsoft.com/office/powerpoint/2010/main" val="2016156578"/>
+        <p14:creationId xmlns:p14="http://schemas.microsoft.com/office/powerpoint/2010/main" val="2350223094"/>
       </p:ext>
     </p:extLst>
   </p:cSld>
@@ -2463,10 +2731,34 @@
           <a:bodyPr/>
           <a:lstStyle/>
           <a:p>
-            <a:r>
-              <a:rPr lang="en-US" dirty="0" smtClean="0"/>
-              <a:t>Colorize</a:t>
-            </a:r>
+            <a:pPr marL="0" marR="0" indent="0" algn="l" defTabSz="914400" rtl="0" eaLnBrk="1" fontAlgn="auto" latinLnBrk="0" hangingPunct="1">
+              <a:lnSpc>
+                <a:spcPct val="100000"/>
+              </a:lnSpc>
+              <a:spcBef>
+                <a:spcPts val="0"/>
+              </a:spcBef>
+              <a:spcAft>
+                <a:spcPts val="0"/>
+              </a:spcAft>
+              <a:buClrTx/>
+              <a:buSzTx/>
+              <a:buFontTx/>
+              <a:buNone/>
+              <a:tabLst/>
+              <a:defRPr/>
+            </a:pPr>
+            <a:r>
+              <a:rPr lang="en-US" dirty="0" smtClean="0">
+                <a:solidFill>
+                  <a:schemeClr val="bg1"/>
+                </a:solidFill>
+                <a:latin typeface="Proxima Nova Rg"/>
+              </a:rPr>
+              <a:t>Incremental data in time with back pressure</a:t>
+            </a:r>
+          </a:p>
+          <a:p>
             <a:endParaRPr lang="en-US" dirty="0"/>
           </a:p>
         </p:txBody>
@@ -2489,7 +2781,7 @@
             <a:fld id="{7BC0C7B8-101C-4F8C-9143-43222D1AB2E2}" type="slidenum">
               <a:rPr lang="en-US" smtClean="0"/>
               <a:pPr/>
-              <a:t>15</a:t>
+              <a:t>12</a:t>
             </a:fld>
             <a:endParaRPr lang="en-US"/>
           </a:p>
@@ -2498,7 +2790,7 @@
     </p:spTree>
     <p:extLst>
       <p:ext uri="{BB962C8B-B14F-4D97-AF65-F5344CB8AC3E}">
-        <p14:creationId xmlns:p14="http://schemas.microsoft.com/office/powerpoint/2010/main" val="4240775550"/>
+        <p14:creationId xmlns:p14="http://schemas.microsoft.com/office/powerpoint/2010/main" val="2016156578"/>
       </p:ext>
     </p:extLst>
   </p:cSld>
@@ -2578,7 +2870,7 @@
             <a:fld id="{7BC0C7B8-101C-4F8C-9143-43222D1AB2E2}" type="slidenum">
               <a:rPr lang="en-US" smtClean="0"/>
               <a:pPr/>
-              <a:t>16</a:t>
+              <a:t>14</a:t>
             </a:fld>
             <a:endParaRPr lang="en-US"/>
           </a:p>
@@ -2587,7 +2879,7 @@
     </p:spTree>
     <p:extLst>
       <p:ext uri="{BB962C8B-B14F-4D97-AF65-F5344CB8AC3E}">
-        <p14:creationId xmlns:p14="http://schemas.microsoft.com/office/powerpoint/2010/main" val="933726685"/>
+        <p14:creationId xmlns:p14="http://schemas.microsoft.com/office/powerpoint/2010/main" val="4240775550"/>
       </p:ext>
     </p:extLst>
   </p:cSld>
@@ -2641,6 +2933,10 @@
           <a:bodyPr/>
           <a:lstStyle/>
           <a:p>
+            <a:r>
+              <a:rPr lang="en-US" dirty="0" smtClean="0"/>
+              <a:t>Colorize</a:t>
+            </a:r>
             <a:endParaRPr lang="en-US" dirty="0"/>
           </a:p>
         </p:txBody>
@@ -2663,7 +2959,7 @@
             <a:fld id="{7BC0C7B8-101C-4F8C-9143-43222D1AB2E2}" type="slidenum">
               <a:rPr lang="en-US" smtClean="0"/>
               <a:pPr/>
-              <a:t>19</a:t>
+              <a:t>15</a:t>
             </a:fld>
             <a:endParaRPr lang="en-US"/>
           </a:p>
@@ -2672,7 +2968,7 @@
     </p:spTree>
     <p:extLst>
       <p:ext uri="{BB962C8B-B14F-4D97-AF65-F5344CB8AC3E}">
-        <p14:creationId xmlns:p14="http://schemas.microsoft.com/office/powerpoint/2010/main" val="3830402389"/>
+        <p14:creationId xmlns:p14="http://schemas.microsoft.com/office/powerpoint/2010/main" val="933726685"/>
       </p:ext>
     </p:extLst>
   </p:cSld>
@@ -2864,7 +3160,7 @@
             <a:fld id="{A87304A5-FA2F-4C00-A6F1-62351DDCCCB4}" type="datetimeFigureOut">
               <a:rPr lang="en-US" smtClean="0"/>
               <a:pPr/>
-              <a:t>3/1/2013</a:t>
+              <a:t>3/4/2013</a:t>
             </a:fld>
             <a:endParaRPr lang="en-US"/>
           </a:p>
@@ -3031,7 +3327,7 @@
             <a:fld id="{A87304A5-FA2F-4C00-A6F1-62351DDCCCB4}" type="datetimeFigureOut">
               <a:rPr lang="en-US" smtClean="0"/>
               <a:pPr/>
-              <a:t>3/1/2013</a:t>
+              <a:t>3/4/2013</a:t>
             </a:fld>
             <a:endParaRPr lang="en-US"/>
           </a:p>
@@ -3208,7 +3504,7 @@
             <a:fld id="{A87304A5-FA2F-4C00-A6F1-62351DDCCCB4}" type="datetimeFigureOut">
               <a:rPr lang="en-US" smtClean="0"/>
               <a:pPr/>
-              <a:t>3/1/2013</a:t>
+              <a:t>3/4/2013</a:t>
             </a:fld>
             <a:endParaRPr lang="en-US"/>
           </a:p>
@@ -3375,7 +3671,7 @@
             <a:fld id="{A87304A5-FA2F-4C00-A6F1-62351DDCCCB4}" type="datetimeFigureOut">
               <a:rPr lang="en-US" smtClean="0"/>
               <a:pPr/>
-              <a:t>3/1/2013</a:t>
+              <a:t>3/4/2013</a:t>
             </a:fld>
             <a:endParaRPr lang="en-US"/>
           </a:p>
@@ -3618,7 +3914,7 @@
             <a:fld id="{A87304A5-FA2F-4C00-A6F1-62351DDCCCB4}" type="datetimeFigureOut">
               <a:rPr lang="en-US" smtClean="0"/>
               <a:pPr/>
-              <a:t>3/1/2013</a:t>
+              <a:t>3/4/2013</a:t>
             </a:fld>
             <a:endParaRPr lang="en-US"/>
           </a:p>
@@ -3903,7 +4199,7 @@
             <a:fld id="{A87304A5-FA2F-4C00-A6F1-62351DDCCCB4}" type="datetimeFigureOut">
               <a:rPr lang="en-US" smtClean="0"/>
               <a:pPr/>
-              <a:t>3/1/2013</a:t>
+              <a:t>3/4/2013</a:t>
             </a:fld>
             <a:endParaRPr lang="en-US"/>
           </a:p>
@@ -4322,7 +4618,7 @@
             <a:fld id="{A87304A5-FA2F-4C00-A6F1-62351DDCCCB4}" type="datetimeFigureOut">
               <a:rPr lang="en-US" smtClean="0"/>
               <a:pPr/>
-              <a:t>3/1/2013</a:t>
+              <a:t>3/4/2013</a:t>
             </a:fld>
             <a:endParaRPr lang="en-US"/>
           </a:p>
@@ -4437,7 +4733,7 @@
             <a:fld id="{A87304A5-FA2F-4C00-A6F1-62351DDCCCB4}" type="datetimeFigureOut">
               <a:rPr lang="en-US" smtClean="0"/>
               <a:pPr/>
-              <a:t>3/1/2013</a:t>
+              <a:t>3/4/2013</a:t>
             </a:fld>
             <a:endParaRPr lang="en-US"/>
           </a:p>
@@ -4529,7 +4825,7 @@
             <a:fld id="{A87304A5-FA2F-4C00-A6F1-62351DDCCCB4}" type="datetimeFigureOut">
               <a:rPr lang="en-US" smtClean="0"/>
               <a:pPr/>
-              <a:t>3/1/2013</a:t>
+              <a:t>3/4/2013</a:t>
             </a:fld>
             <a:endParaRPr lang="en-US"/>
           </a:p>
@@ -4803,7 +5099,7 @@
             <a:fld id="{A87304A5-FA2F-4C00-A6F1-62351DDCCCB4}" type="datetimeFigureOut">
               <a:rPr lang="en-US" smtClean="0"/>
               <a:pPr/>
-              <a:t>3/1/2013</a:t>
+              <a:t>3/4/2013</a:t>
             </a:fld>
             <a:endParaRPr lang="en-US"/>
           </a:p>
@@ -5053,7 +5349,7 @@
             <a:fld id="{A87304A5-FA2F-4C00-A6F1-62351DDCCCB4}" type="datetimeFigureOut">
               <a:rPr lang="en-US" smtClean="0"/>
               <a:pPr/>
-              <a:t>3/1/2013</a:t>
+              <a:t>3/4/2013</a:t>
             </a:fld>
             <a:endParaRPr lang="en-US"/>
           </a:p>
@@ -5263,7 +5559,7 @@
             <a:fld id="{A87304A5-FA2F-4C00-A6F1-62351DDCCCB4}" type="datetimeFigureOut">
               <a:rPr lang="en-US" smtClean="0"/>
               <a:pPr/>
-              <a:t>3/1/2013</a:t>
+              <a:t>3/4/2013</a:t>
             </a:fld>
             <a:endParaRPr lang="en-US"/>
           </a:p>
@@ -6065,6 +6361,14 @@
 <file path=ppt/slides/slide11.xml><?xml version="1.0" encoding="utf-8"?>
 <p:sld xmlns:a="http://schemas.openxmlformats.org/drawingml/2006/main" xmlns:r="http://schemas.openxmlformats.org/officeDocument/2006/relationships" xmlns:p="http://schemas.openxmlformats.org/presentationml/2006/main">
   <p:cSld>
+    <p:bg>
+      <p:bgPr>
+        <a:solidFill>
+          <a:schemeClr val="tx1"/>
+        </a:solidFill>
+        <a:effectLst/>
+      </p:bgPr>
+    </p:bg>
     <p:spTree>
       <p:nvGrpSpPr>
         <p:cNvPr id="1" name=""/>
@@ -6079,6 +6383,30 @@
           <a:chExt cx="0" cy="0"/>
         </a:xfrm>
       </p:grpSpPr>
+      <p:pic>
+        <p:nvPicPr>
+          <p:cNvPr id="4" name="Picture 3"/>
+          <p:cNvPicPr>
+            <a:picLocks noChangeAspect="1"/>
+          </p:cNvPicPr>
+          <p:nvPr/>
+        </p:nvPicPr>
+        <p:blipFill>
+          <a:blip r:embed="rId3" cstate="print"/>
+          <a:stretch>
+            <a:fillRect/>
+          </a:stretch>
+        </p:blipFill>
+        <p:spPr>
+          <a:xfrm>
+            <a:off x="0" y="0"/>
+            <a:ext cx="2781300" cy="2257425"/>
+          </a:xfrm>
+          <a:prstGeom prst="rect">
+            <a:avLst/>
+          </a:prstGeom>
+        </p:spPr>
+      </p:pic>
       <p:sp>
         <p:nvSpPr>
           <p:cNvPr id="2" name="Title 1"/>
@@ -6094,24 +6422,204 @@
           <a:bodyPr/>
           <a:lstStyle/>
           <a:p>
-            <a:r>
-              <a:rPr lang="en-US" dirty="0" smtClean="0"/>
-              <a:t>The Land Before Streams</a:t>
-            </a:r>
-            <a:endParaRPr lang="en-US" dirty="0"/>
+            <a:pPr algn="r"/>
+            <a:r>
+              <a:rPr lang="en-US" dirty="0" smtClean="0">
+                <a:solidFill>
+                  <a:schemeClr val="bg1"/>
+                </a:solidFill>
+                <a:latin typeface="Proxima Nova Rg" panose="02000506030000020004" pitchFamily="2" charset="0"/>
+              </a:rPr>
+              <a:t>Streams are…</a:t>
+            </a:r>
+            <a:endParaRPr lang="en-US" dirty="0">
+              <a:solidFill>
+                <a:schemeClr val="bg1"/>
+              </a:solidFill>
+              <a:latin typeface="Proxima Nova Rg" panose="02000506030000020004" pitchFamily="2" charset="0"/>
+            </a:endParaRPr>
+          </a:p>
+        </p:txBody>
+      </p:sp>
+      <p:sp>
+        <p:nvSpPr>
+          <p:cNvPr id="5" name="TextBox 4"/>
+          <p:cNvSpPr txBox="1"/>
+          <p:nvPr/>
+        </p:nvSpPr>
+        <p:spPr>
+          <a:xfrm>
+            <a:off x="914400" y="1905000"/>
+            <a:ext cx="7086600" cy="769441"/>
+          </a:xfrm>
+          <a:prstGeom prst="rect">
+            <a:avLst/>
+          </a:prstGeom>
+          <a:noFill/>
+        </p:spPr>
+        <p:txBody>
+          <a:bodyPr wrap="square" rtlCol="0">
+            <a:spAutoFit/>
+          </a:bodyPr>
+          <a:lstStyle/>
+          <a:p>
+            <a:r>
+              <a:rPr lang="en-US" sz="4400" dirty="0" smtClean="0">
+                <a:solidFill>
+                  <a:schemeClr val="bg1"/>
+                </a:solidFill>
+                <a:latin typeface="Proxima Nova Rg" panose="02000506030000020004" pitchFamily="2" charset="0"/>
+              </a:rPr>
+              <a:t>…an </a:t>
+            </a:r>
+            <a:r>
+              <a:rPr lang="en-US" sz="4400" dirty="0">
+                <a:solidFill>
+                  <a:schemeClr val="bg1"/>
+                </a:solidFill>
+                <a:latin typeface="Proxima Nova Rg" panose="02000506030000020004" pitchFamily="2" charset="0"/>
+              </a:rPr>
+              <a:t>a</a:t>
+            </a:r>
+            <a:r>
+              <a:rPr lang="en-US" sz="4400" dirty="0" smtClean="0">
+                <a:solidFill>
+                  <a:schemeClr val="bg1"/>
+                </a:solidFill>
+                <a:latin typeface="Proxima Nova Rg" panose="02000506030000020004" pitchFamily="2" charset="0"/>
+              </a:rPr>
+              <a:t>bstraction of IO…</a:t>
+            </a:r>
+            <a:endParaRPr lang="en-US" sz="4400" dirty="0">
+              <a:solidFill>
+                <a:schemeClr val="bg1"/>
+              </a:solidFill>
+              <a:latin typeface="Proxima Nova Rg" panose="02000506030000020004" pitchFamily="2" charset="0"/>
+            </a:endParaRPr>
+          </a:p>
+        </p:txBody>
+      </p:sp>
+      <p:sp>
+        <p:nvSpPr>
+          <p:cNvPr id="6" name="TextBox 5"/>
+          <p:cNvSpPr txBox="1"/>
+          <p:nvPr/>
+        </p:nvSpPr>
+        <p:spPr>
+          <a:xfrm>
+            <a:off x="914400" y="3124200"/>
+            <a:ext cx="7696200" cy="1446550"/>
+          </a:xfrm>
+          <a:prstGeom prst="rect">
+            <a:avLst/>
+          </a:prstGeom>
+          <a:noFill/>
+        </p:spPr>
+        <p:txBody>
+          <a:bodyPr wrap="square" rtlCol="0">
+            <a:spAutoFit/>
+          </a:bodyPr>
+          <a:lstStyle/>
+          <a:p>
+            <a:pPr>
+              <a:defRPr/>
+            </a:pPr>
+            <a:r>
+              <a:rPr lang="en-US" sz="4400" dirty="0" smtClean="0">
+                <a:solidFill>
+                  <a:schemeClr val="bg1"/>
+                </a:solidFill>
+                <a:latin typeface="Proxima Nova Rg"/>
+              </a:rPr>
+              <a:t>…incremental </a:t>
+            </a:r>
+            <a:r>
+              <a:rPr lang="en-US" sz="4400" dirty="0">
+                <a:solidFill>
+                  <a:schemeClr val="bg1"/>
+                </a:solidFill>
+                <a:latin typeface="Proxima Nova Rg"/>
+              </a:rPr>
+              <a:t>data in time with back </a:t>
+            </a:r>
+            <a:r>
+              <a:rPr lang="en-US" sz="4400" dirty="0" smtClean="0">
+                <a:solidFill>
+                  <a:schemeClr val="bg1"/>
+                </a:solidFill>
+                <a:latin typeface="Proxima Nova Rg"/>
+              </a:rPr>
+              <a:t>pressure…</a:t>
+            </a:r>
+            <a:endParaRPr lang="en-US" sz="4400" dirty="0">
+              <a:solidFill>
+                <a:schemeClr val="bg1"/>
+              </a:solidFill>
+              <a:latin typeface="Proxima Nova Rg"/>
+            </a:endParaRPr>
+          </a:p>
+        </p:txBody>
+      </p:sp>
+      <p:sp>
+        <p:nvSpPr>
+          <p:cNvPr id="7" name="TextBox 6"/>
+          <p:cNvSpPr txBox="1"/>
+          <p:nvPr/>
+        </p:nvSpPr>
+        <p:spPr>
+          <a:xfrm>
+            <a:off x="914400" y="4801850"/>
+            <a:ext cx="7696200" cy="1446550"/>
+          </a:xfrm>
+          <a:prstGeom prst="rect">
+            <a:avLst/>
+          </a:prstGeom>
+          <a:noFill/>
+        </p:spPr>
+        <p:txBody>
+          <a:bodyPr wrap="square" rtlCol="0">
+            <a:spAutoFit/>
+          </a:bodyPr>
+          <a:lstStyle/>
+          <a:p>
+            <a:pPr>
+              <a:defRPr/>
+            </a:pPr>
+            <a:r>
+              <a:rPr lang="en-US" sz="4400" dirty="0" smtClean="0">
+                <a:solidFill>
+                  <a:schemeClr val="bg1"/>
+                </a:solidFill>
+                <a:latin typeface="Proxima Nova Rg"/>
+              </a:rPr>
+              <a:t>…are like Lego blocks that you can put together…</a:t>
+            </a:r>
+            <a:endParaRPr lang="en-US" sz="4400" dirty="0">
+              <a:solidFill>
+                <a:schemeClr val="bg1"/>
+              </a:solidFill>
+              <a:latin typeface="Proxima Nova Rg"/>
+            </a:endParaRPr>
           </a:p>
         </p:txBody>
       </p:sp>
     </p:spTree>
     <p:extLst>
       <p:ext uri="{BB962C8B-B14F-4D97-AF65-F5344CB8AC3E}">
-        <p14:creationId xmlns:p14="http://schemas.microsoft.com/office/powerpoint/2010/main" val="3127217398"/>
+        <p14:creationId xmlns:p14="http://schemas.microsoft.com/office/powerpoint/2010/main" val="1247972619"/>
       </p:ext>
     </p:extLst>
   </p:cSld>
   <p:clrMapOvr>
     <a:masterClrMapping/>
   </p:clrMapOvr>
+  <p:timing>
+    <p:tnLst>
+      <p:par>
+        <p:cTn id="1" dur="indefinite" restart="never" nodeType="tmRoot"/>
+      </p:par>
+    </p:tnLst>
+  </p:timing>
 </p:sld>
 </file>
 
@@ -6187,7 +6695,7 @@
                 </a:solidFill>
                 <a:latin typeface="Proxima Nova Rg" panose="02000506030000020004" pitchFamily="2" charset="0"/>
               </a:rPr>
-              <a:t>Streams are…</a:t>
+              <a:t>Why Streams?</a:t>
             </a:r>
             <a:endParaRPr lang="en-US" dirty="0">
               <a:solidFill>
@@ -6206,7 +6714,7 @@
         </p:nvSpPr>
         <p:spPr>
           <a:xfrm>
-            <a:off x="914400" y="1905000"/>
+            <a:off x="914400" y="2133600"/>
             <a:ext cx="7086600" cy="769441"/>
           </a:xfrm>
           <a:prstGeom prst="rect">
@@ -6221,38 +6729,14 @@
           <a:lstStyle/>
           <a:p>
             <a:r>
-              <a:rPr lang="en-US" sz="4400" dirty="0" smtClean="0">
-                <a:solidFill>
-                  <a:schemeClr val="bg1"/>
-                </a:solidFill>
-                <a:latin typeface="Proxima Nova Rg" panose="02000506030000020004" pitchFamily="2" charset="0"/>
-              </a:rPr>
-              <a:t>…an </a:t>
-            </a:r>
-            <a:r>
               <a:rPr lang="en-US" sz="4400" dirty="0">
                 <a:solidFill>
                   <a:schemeClr val="bg1"/>
                 </a:solidFill>
-                <a:latin typeface="Proxima Nova Rg" panose="02000506030000020004" pitchFamily="2" charset="0"/>
-              </a:rPr>
-              <a:t>a</a:t>
-            </a:r>
-            <a:r>
-              <a:rPr lang="en-US" sz="4400" dirty="0" smtClean="0">
-                <a:solidFill>
-                  <a:schemeClr val="bg1"/>
-                </a:solidFill>
-                <a:latin typeface="Proxima Nova Rg" panose="02000506030000020004" pitchFamily="2" charset="0"/>
-              </a:rPr>
-              <a:t>bstraction of IO…</a:t>
-            </a:r>
-            <a:endParaRPr lang="en-US" sz="4400" dirty="0">
-              <a:solidFill>
-                <a:schemeClr val="bg1"/>
-              </a:solidFill>
-              <a:latin typeface="Proxima Nova Rg" panose="02000506030000020004" pitchFamily="2" charset="0"/>
-            </a:endParaRPr>
+                <a:latin typeface="Proxima Nova Rg"/>
+              </a:rPr>
+              <a:t>Improve Latency</a:t>
+            </a:r>
           </a:p>
         </p:txBody>
       </p:sp>
@@ -6264,8 +6748,8 @@
         </p:nvSpPr>
         <p:spPr>
           <a:xfrm>
-            <a:off x="914400" y="3124200"/>
-            <a:ext cx="7696200" cy="1446550"/>
+            <a:off x="914400" y="3200400"/>
+            <a:ext cx="7696200" cy="769441"/>
           </a:xfrm>
           <a:prstGeom prst="rect">
             <a:avLst/>
@@ -6278,9 +6762,40 @@
           </a:bodyPr>
           <a:lstStyle/>
           <a:p>
-            <a:pPr>
-              <a:defRPr/>
-            </a:pPr>
+            <a:r>
+              <a:rPr lang="en-US" sz="4400" dirty="0">
+                <a:solidFill>
+                  <a:schemeClr val="bg1"/>
+                </a:solidFill>
+                <a:latin typeface="Proxima Nova Rg"/>
+              </a:rPr>
+              <a:t>Reduce memory footprint</a:t>
+            </a:r>
+          </a:p>
+        </p:txBody>
+      </p:sp>
+      <p:sp>
+        <p:nvSpPr>
+          <p:cNvPr id="7" name="TextBox 6"/>
+          <p:cNvSpPr txBox="1"/>
+          <p:nvPr/>
+        </p:nvSpPr>
+        <p:spPr>
+          <a:xfrm>
+            <a:off x="914400" y="4259759"/>
+            <a:ext cx="7696200" cy="769441"/>
+          </a:xfrm>
+          <a:prstGeom prst="rect">
+            <a:avLst/>
+          </a:prstGeom>
+          <a:noFill/>
+        </p:spPr>
+        <p:txBody>
+          <a:bodyPr wrap="square" rtlCol="0">
+            <a:spAutoFit/>
+          </a:bodyPr>
+          <a:lstStyle/>
+          <a:p>
             <a:r>
               <a:rPr lang="en-US" sz="4400" dirty="0" smtClean="0">
                 <a:solidFill>
@@ -6288,25 +6803,7 @@
                 </a:solidFill>
                 <a:latin typeface="Proxima Nova Rg"/>
               </a:rPr>
-              <a:t>…incremental </a:t>
-            </a:r>
-            <a:r>
-              <a:rPr lang="en-US" sz="4400" dirty="0">
-                <a:solidFill>
-                  <a:schemeClr val="bg1"/>
-                </a:solidFill>
-                <a:latin typeface="Proxima Nova Rg"/>
-              </a:rPr>
-              <a:t>data in time with back </a:t>
-            </a:r>
-            <a:r>
-              <a:rPr lang="en-US" sz="4400" dirty="0" smtClean="0">
-                <a:solidFill>
-                  <a:schemeClr val="bg1"/>
-                </a:solidFill>
-                <a:latin typeface="Proxima Nova Rg"/>
-              </a:rPr>
-              <a:t>pressure…</a:t>
+              <a:t>Expand Possibilities</a:t>
             </a:r>
             <a:endParaRPr lang="en-US" sz="4400" dirty="0">
               <a:solidFill>
@@ -6319,14 +6816,14 @@
       </p:sp>
       <p:sp>
         <p:nvSpPr>
-          <p:cNvPr id="7" name="TextBox 6"/>
+          <p:cNvPr id="8" name="TextBox 7"/>
           <p:cNvSpPr txBox="1"/>
           <p:nvPr/>
         </p:nvSpPr>
         <p:spPr>
           <a:xfrm>
-            <a:off x="914400" y="4801850"/>
-            <a:ext cx="7696200" cy="1446550"/>
+            <a:off x="914400" y="5326559"/>
+            <a:ext cx="7696200" cy="769441"/>
           </a:xfrm>
           <a:prstGeom prst="rect">
             <a:avLst/>
@@ -6339,9 +6836,6 @@
           </a:bodyPr>
           <a:lstStyle/>
           <a:p>
-            <a:pPr>
-              <a:defRPr/>
-            </a:pPr>
             <a:r>
               <a:rPr lang="en-US" sz="4400" dirty="0" smtClean="0">
                 <a:solidFill>
@@ -6349,7 +6843,7 @@
                 </a:solidFill>
                 <a:latin typeface="Proxima Nova Rg"/>
               </a:rPr>
-              <a:t>…are like Lego blocks that you can put together…</a:t>
+              <a:t>Enable Real-Time</a:t>
             </a:r>
             <a:endParaRPr lang="en-US" sz="4400" dirty="0">
               <a:solidFill>
@@ -6363,7 +6857,7 @@
     </p:spTree>
     <p:extLst>
       <p:ext uri="{BB962C8B-B14F-4D97-AF65-F5344CB8AC3E}">
-        <p14:creationId xmlns:p14="http://schemas.microsoft.com/office/powerpoint/2010/main" val="167956377"/>
+        <p14:creationId xmlns:p14="http://schemas.microsoft.com/office/powerpoint/2010/main" val="8189496"/>
       </p:ext>
     </p:extLst>
   </p:cSld>
@@ -6414,14 +6908,14 @@
           <p:nvPr/>
         </p:nvPicPr>
         <p:blipFill>
-          <a:blip r:embed="rId3" cstate="print"/>
+          <a:blip r:embed="rId2" cstate="print"/>
           <a:stretch>
             <a:fillRect/>
           </a:stretch>
         </p:blipFill>
         <p:spPr>
           <a:xfrm>
-            <a:off x="0" y="0"/>
+            <a:off x="10886" y="0"/>
             <a:ext cx="2781300" cy="2257425"/>
           </a:xfrm>
           <a:prstGeom prst="rect">
@@ -6452,7 +6946,7 @@
                 </a:solidFill>
                 <a:latin typeface="Proxima Nova Rg" panose="02000506030000020004" pitchFamily="2" charset="0"/>
               </a:rPr>
-              <a:t>Why Streams?</a:t>
+              <a:t>Why Use Streams?</a:t>
             </a:r>
             <a:endParaRPr lang="en-US" dirty="0">
               <a:solidFill>
@@ -6465,169 +6959,710 @@
       </p:sp>
       <p:sp>
         <p:nvSpPr>
-          <p:cNvPr id="5" name="TextBox 4"/>
-          <p:cNvSpPr txBox="1"/>
-          <p:nvPr/>
+          <p:cNvPr id="3" name="Content Placeholder 2"/>
+          <p:cNvSpPr>
+            <a:spLocks noGrp="1"/>
+          </p:cNvSpPr>
+          <p:nvPr>
+            <p:ph idx="1"/>
+          </p:nvPr>
         </p:nvSpPr>
         <p:spPr>
           <a:xfrm>
-            <a:off x="914400" y="2133600"/>
-            <a:ext cx="7086600" cy="769441"/>
+            <a:off x="228600" y="1600200"/>
+            <a:ext cx="8686800" cy="4525963"/>
           </a:xfrm>
-          <a:prstGeom prst="rect">
-            <a:avLst/>
-          </a:prstGeom>
-          <a:noFill/>
         </p:spPr>
         <p:txBody>
-          <a:bodyPr wrap="square" rtlCol="0">
-            <a:spAutoFit/>
+          <a:bodyPr>
+            <a:noAutofit/>
           </a:bodyPr>
           <a:lstStyle/>
           <a:p>
-            <a:r>
-              <a:rPr lang="en-US" sz="4400" dirty="0">
-                <a:solidFill>
-                  <a:schemeClr val="bg1"/>
-                </a:solidFill>
-                <a:latin typeface="Proxima Nova Rg"/>
-              </a:rPr>
-              <a:t>Improve Latency</a:t>
-            </a:r>
-          </a:p>
-        </p:txBody>
-      </p:sp>
-      <p:sp>
-        <p:nvSpPr>
-          <p:cNvPr id="6" name="TextBox 5"/>
-          <p:cNvSpPr txBox="1"/>
-          <p:nvPr/>
-        </p:nvSpPr>
-        <p:spPr>
-          <a:xfrm>
-            <a:off x="914400" y="3200400"/>
-            <a:ext cx="7696200" cy="769441"/>
-          </a:xfrm>
-          <a:prstGeom prst="rect">
-            <a:avLst/>
-          </a:prstGeom>
-          <a:noFill/>
-        </p:spPr>
-        <p:txBody>
-          <a:bodyPr wrap="square" rtlCol="0">
-            <a:spAutoFit/>
-          </a:bodyPr>
-          <a:lstStyle/>
-          <a:p>
-            <a:r>
-              <a:rPr lang="en-US" sz="4400" dirty="0">
-                <a:solidFill>
-                  <a:schemeClr val="bg1"/>
-                </a:solidFill>
-                <a:latin typeface="Proxima Nova Rg"/>
-              </a:rPr>
-              <a:t>Reduce memory footprint</a:t>
-            </a:r>
-          </a:p>
-        </p:txBody>
-      </p:sp>
-      <p:sp>
-        <p:nvSpPr>
-          <p:cNvPr id="7" name="TextBox 6"/>
-          <p:cNvSpPr txBox="1"/>
-          <p:nvPr/>
-        </p:nvSpPr>
-        <p:spPr>
-          <a:xfrm>
-            <a:off x="914400" y="4259759"/>
-            <a:ext cx="7696200" cy="769441"/>
-          </a:xfrm>
-          <a:prstGeom prst="rect">
-            <a:avLst/>
-          </a:prstGeom>
-          <a:noFill/>
-        </p:spPr>
-        <p:txBody>
-          <a:bodyPr wrap="square" rtlCol="0">
-            <a:spAutoFit/>
-          </a:bodyPr>
-          <a:lstStyle/>
-          <a:p>
-            <a:r>
-              <a:rPr lang="en-US" sz="4400" dirty="0" smtClean="0">
-                <a:solidFill>
-                  <a:schemeClr val="bg1"/>
-                </a:solidFill>
-                <a:latin typeface="Proxima Nova Rg"/>
-              </a:rPr>
-              <a:t>Expand Possibilities</a:t>
-            </a:r>
-            <a:endParaRPr lang="en-US" sz="4400" dirty="0">
+            <a:pPr marL="0" indent="0">
+              <a:buNone/>
+            </a:pPr>
+            <a:r>
+              <a:rPr lang="en-US" sz="2200" b="1" dirty="0" err="1" smtClean="0">
+                <a:solidFill>
+                  <a:srgbClr val="66D9EF"/>
+                </a:solidFill>
+                <a:latin typeface="Lucida Console" panose="020B0609040504020204" pitchFamily="49" charset="0"/>
+                <a:cs typeface="Consolas" panose="020B0609020204030204" pitchFamily="49" charset="0"/>
+              </a:rPr>
+              <a:t>var</a:t>
+            </a:r>
+            <a:r>
+              <a:rPr lang="en-US" sz="2200" b="1" dirty="0" smtClean="0">
+                <a:solidFill>
+                  <a:srgbClr val="66D9EF"/>
+                </a:solidFill>
+                <a:latin typeface="Lucida Console" panose="020B0609040504020204" pitchFamily="49" charset="0"/>
+                <a:cs typeface="Consolas" panose="020B0609020204030204" pitchFamily="49" charset="0"/>
+              </a:rPr>
+              <a:t> </a:t>
+            </a:r>
+            <a:r>
+              <a:rPr lang="en-US" sz="2200" b="1" dirty="0" smtClean="0">
+                <a:solidFill>
+                  <a:schemeClr val="bg1"/>
+                </a:solidFill>
+                <a:latin typeface="Lucida Console" panose="020B0609040504020204" pitchFamily="49" charset="0"/>
+                <a:cs typeface="Consolas" panose="020B0609020204030204" pitchFamily="49" charset="0"/>
+              </a:rPr>
+              <a:t>http = require(</a:t>
+            </a:r>
+            <a:r>
+              <a:rPr lang="en-US" sz="2200" b="1" dirty="0" smtClean="0">
+                <a:solidFill>
+                  <a:srgbClr val="E6DB74"/>
+                </a:solidFill>
+                <a:latin typeface="Lucida Console" panose="020B0609040504020204" pitchFamily="49" charset="0"/>
+                <a:cs typeface="Consolas" panose="020B0609020204030204" pitchFamily="49" charset="0"/>
+              </a:rPr>
+              <a:t>'http'</a:t>
+            </a:r>
+            <a:r>
+              <a:rPr lang="en-US" sz="2200" b="1" dirty="0" smtClean="0">
+                <a:solidFill>
+                  <a:schemeClr val="bg1"/>
+                </a:solidFill>
+                <a:latin typeface="Lucida Console" panose="020B0609040504020204" pitchFamily="49" charset="0"/>
+                <a:cs typeface="Consolas" panose="020B0609020204030204" pitchFamily="49" charset="0"/>
+              </a:rPr>
+              <a:t>), </a:t>
+            </a:r>
+          </a:p>
+          <a:p>
+            <a:pPr marL="0" indent="0">
+              <a:buNone/>
+            </a:pPr>
+            <a:r>
+              <a:rPr lang="en-US" sz="2200" b="1" dirty="0">
+                <a:solidFill>
+                  <a:schemeClr val="bg1"/>
+                </a:solidFill>
+                <a:latin typeface="Lucida Console" panose="020B0609040504020204" pitchFamily="49" charset="0"/>
+                <a:cs typeface="Consolas" panose="020B0609020204030204" pitchFamily="49" charset="0"/>
+              </a:rPr>
+              <a:t> </a:t>
+            </a:r>
+            <a:r>
+              <a:rPr lang="en-US" sz="2200" b="1" dirty="0" smtClean="0">
+                <a:solidFill>
+                  <a:schemeClr val="bg1"/>
+                </a:solidFill>
+                <a:latin typeface="Lucida Console" panose="020B0609040504020204" pitchFamily="49" charset="0"/>
+                <a:cs typeface="Consolas" panose="020B0609020204030204" pitchFamily="49" charset="0"/>
+              </a:rPr>
+              <a:t>   </a:t>
+            </a:r>
+            <a:r>
+              <a:rPr lang="en-US" sz="2200" b="1" dirty="0" err="1" smtClean="0">
+                <a:solidFill>
+                  <a:schemeClr val="bg1"/>
+                </a:solidFill>
+                <a:latin typeface="Lucida Console" panose="020B0609040504020204" pitchFamily="49" charset="0"/>
+                <a:cs typeface="Consolas" panose="020B0609020204030204" pitchFamily="49" charset="0"/>
+              </a:rPr>
+              <a:t>fs</a:t>
+            </a:r>
+            <a:r>
+              <a:rPr lang="en-US" sz="2200" b="1" dirty="0" smtClean="0">
+                <a:solidFill>
+                  <a:schemeClr val="bg1"/>
+                </a:solidFill>
+                <a:latin typeface="Lucida Console" panose="020B0609040504020204" pitchFamily="49" charset="0"/>
+                <a:cs typeface="Consolas" panose="020B0609020204030204" pitchFamily="49" charset="0"/>
+              </a:rPr>
+              <a:t> = require(</a:t>
+            </a:r>
+            <a:r>
+              <a:rPr lang="en-US" sz="2200" b="1" dirty="0" smtClean="0">
+                <a:solidFill>
+                  <a:srgbClr val="E6DB74"/>
+                </a:solidFill>
+                <a:latin typeface="Lucida Console" panose="020B0609040504020204" pitchFamily="49" charset="0"/>
+                <a:cs typeface="Consolas" panose="020B0609020204030204" pitchFamily="49" charset="0"/>
+              </a:rPr>
+              <a:t>'</a:t>
+            </a:r>
+            <a:r>
+              <a:rPr lang="en-US" sz="2200" b="1" dirty="0" err="1" smtClean="0">
+                <a:solidFill>
+                  <a:srgbClr val="E6DB74"/>
+                </a:solidFill>
+                <a:latin typeface="Lucida Console" panose="020B0609040504020204" pitchFamily="49" charset="0"/>
+                <a:cs typeface="Consolas" panose="020B0609020204030204" pitchFamily="49" charset="0"/>
+              </a:rPr>
+              <a:t>fs</a:t>
+            </a:r>
+            <a:r>
+              <a:rPr lang="en-US" sz="2200" b="1" dirty="0" smtClean="0">
+                <a:solidFill>
+                  <a:srgbClr val="E6DB74"/>
+                </a:solidFill>
+                <a:latin typeface="Lucida Console" panose="020B0609040504020204" pitchFamily="49" charset="0"/>
+                <a:cs typeface="Consolas" panose="020B0609020204030204" pitchFamily="49" charset="0"/>
+              </a:rPr>
+              <a:t>'</a:t>
+            </a:r>
+            <a:r>
+              <a:rPr lang="en-US" sz="2200" b="1" dirty="0" smtClean="0">
+                <a:solidFill>
+                  <a:schemeClr val="bg1"/>
+                </a:solidFill>
+                <a:latin typeface="Lucida Console" panose="020B0609040504020204" pitchFamily="49" charset="0"/>
+                <a:cs typeface="Consolas" panose="020B0609020204030204" pitchFamily="49" charset="0"/>
+              </a:rPr>
+              <a:t>);</a:t>
+            </a:r>
+          </a:p>
+          <a:p>
+            <a:pPr marL="0" indent="0">
+              <a:buNone/>
+            </a:pPr>
+            <a:endParaRPr lang="en-US" sz="2200" b="1" dirty="0">
               <a:solidFill>
                 <a:schemeClr val="bg1"/>
               </a:solidFill>
-              <a:latin typeface="Proxima Nova Rg"/>
+              <a:latin typeface="Lucida Console" panose="020B0609040504020204" pitchFamily="49" charset="0"/>
+              <a:cs typeface="Consolas" panose="020B0609020204030204" pitchFamily="49" charset="0"/>
             </a:endParaRPr>
           </a:p>
-        </p:txBody>
-      </p:sp>
-      <p:sp>
-        <p:nvSpPr>
-          <p:cNvPr id="8" name="TextBox 7"/>
-          <p:cNvSpPr txBox="1"/>
-          <p:nvPr/>
-        </p:nvSpPr>
-        <p:spPr>
-          <a:xfrm>
-            <a:off x="914400" y="5326559"/>
-            <a:ext cx="7696200" cy="769441"/>
-          </a:xfrm>
-          <a:prstGeom prst="rect">
-            <a:avLst/>
-          </a:prstGeom>
-          <a:noFill/>
-        </p:spPr>
-        <p:txBody>
-          <a:bodyPr wrap="square" rtlCol="0">
-            <a:spAutoFit/>
-          </a:bodyPr>
-          <a:lstStyle/>
-          <a:p>
-            <a:r>
-              <a:rPr lang="en-US" sz="4400" dirty="0" smtClean="0">
-                <a:solidFill>
-                  <a:schemeClr val="bg1"/>
-                </a:solidFill>
-                <a:latin typeface="Proxima Nova Rg"/>
-              </a:rPr>
-              <a:t>Enable Real-Time</a:t>
-            </a:r>
-            <a:endParaRPr lang="en-US" sz="4400" dirty="0">
+          <a:p>
+            <a:pPr marL="0" indent="0">
+              <a:buNone/>
+            </a:pPr>
+            <a:r>
+              <a:rPr lang="en-US" sz="2200" b="1" dirty="0" err="1" smtClean="0">
+                <a:solidFill>
+                  <a:schemeClr val="bg1"/>
+                </a:solidFill>
+                <a:latin typeface="Lucida Console" panose="020B0609040504020204" pitchFamily="49" charset="0"/>
+                <a:cs typeface="Consolas" panose="020B0609020204030204" pitchFamily="49" charset="0"/>
+              </a:rPr>
+              <a:t>http.</a:t>
+            </a:r>
+            <a:r>
+              <a:rPr lang="en-US" sz="2200" b="1" dirty="0" err="1" smtClean="0">
+                <a:solidFill>
+                  <a:srgbClr val="66D9EF"/>
+                </a:solidFill>
+                <a:latin typeface="Lucida Console" panose="020B0609040504020204" pitchFamily="49" charset="0"/>
+                <a:cs typeface="Consolas" panose="020B0609020204030204" pitchFamily="49" charset="0"/>
+              </a:rPr>
+              <a:t>createServer</a:t>
+            </a:r>
+            <a:r>
+              <a:rPr lang="en-US" sz="2200" b="1" dirty="0" smtClean="0">
+                <a:solidFill>
+                  <a:schemeClr val="bg1"/>
+                </a:solidFill>
+                <a:latin typeface="Lucida Console" panose="020B0609040504020204" pitchFamily="49" charset="0"/>
+                <a:cs typeface="Consolas" panose="020B0609020204030204" pitchFamily="49" charset="0"/>
+              </a:rPr>
+              <a:t>( </a:t>
+            </a:r>
+            <a:r>
+              <a:rPr lang="en-US" sz="2200" b="1" dirty="0" smtClean="0">
+                <a:solidFill>
+                  <a:srgbClr val="66D9EF"/>
+                </a:solidFill>
+                <a:latin typeface="Lucida Console" panose="020B0609040504020204" pitchFamily="49" charset="0"/>
+                <a:cs typeface="Consolas" panose="020B0609020204030204" pitchFamily="49" charset="0"/>
+              </a:rPr>
+              <a:t>function</a:t>
+            </a:r>
+            <a:r>
+              <a:rPr lang="en-US" sz="2200" b="1" dirty="0" smtClean="0">
+                <a:solidFill>
+                  <a:schemeClr val="bg1"/>
+                </a:solidFill>
+                <a:latin typeface="Lucida Console" panose="020B0609040504020204" pitchFamily="49" charset="0"/>
+                <a:cs typeface="Consolas" panose="020B0609020204030204" pitchFamily="49" charset="0"/>
+              </a:rPr>
+              <a:t> </a:t>
+            </a:r>
+            <a:r>
+              <a:rPr lang="en-US" sz="2200" b="1" dirty="0">
+                <a:solidFill>
+                  <a:schemeClr val="bg1"/>
+                </a:solidFill>
+                <a:latin typeface="Lucida Console" panose="020B0609040504020204" pitchFamily="49" charset="0"/>
+                <a:cs typeface="Consolas" panose="020B0609020204030204" pitchFamily="49" charset="0"/>
+              </a:rPr>
+              <a:t>(</a:t>
+            </a:r>
+            <a:r>
+              <a:rPr lang="en-US" sz="2200" b="1" dirty="0" err="1">
+                <a:solidFill>
+                  <a:srgbClr val="FD971F"/>
+                </a:solidFill>
+                <a:latin typeface="Lucida Console" panose="020B0609040504020204" pitchFamily="49" charset="0"/>
+                <a:cs typeface="Consolas" panose="020B0609020204030204" pitchFamily="49" charset="0"/>
+              </a:rPr>
+              <a:t>req</a:t>
+            </a:r>
+            <a:r>
+              <a:rPr lang="en-US" sz="2200" b="1" dirty="0">
+                <a:solidFill>
+                  <a:srgbClr val="FD971F"/>
+                </a:solidFill>
+                <a:latin typeface="Lucida Console" panose="020B0609040504020204" pitchFamily="49" charset="0"/>
+                <a:cs typeface="Consolas" panose="020B0609020204030204" pitchFamily="49" charset="0"/>
+              </a:rPr>
+              <a:t>, res</a:t>
+            </a:r>
+            <a:r>
+              <a:rPr lang="en-US" sz="2200" b="1" dirty="0">
+                <a:solidFill>
+                  <a:schemeClr val="bg1"/>
+                </a:solidFill>
+                <a:latin typeface="Lucida Console" panose="020B0609040504020204" pitchFamily="49" charset="0"/>
+                <a:cs typeface="Consolas" panose="020B0609020204030204" pitchFamily="49" charset="0"/>
+              </a:rPr>
+              <a:t>) {</a:t>
+            </a:r>
+          </a:p>
+          <a:p>
+            <a:pPr marL="0" indent="0">
+              <a:buNone/>
+            </a:pPr>
+            <a:r>
+              <a:rPr lang="en-US" sz="2200" b="1" dirty="0">
+                <a:solidFill>
+                  <a:schemeClr val="bg1"/>
+                </a:solidFill>
+                <a:latin typeface="Lucida Console" panose="020B0609040504020204" pitchFamily="49" charset="0"/>
+                <a:cs typeface="Consolas" panose="020B0609020204030204" pitchFamily="49" charset="0"/>
+              </a:rPr>
+              <a:t>    </a:t>
+            </a:r>
+            <a:r>
+              <a:rPr lang="en-US" sz="2200" b="1" dirty="0" err="1">
+                <a:solidFill>
+                  <a:schemeClr val="bg1"/>
+                </a:solidFill>
+                <a:latin typeface="Lucida Console" panose="020B0609040504020204" pitchFamily="49" charset="0"/>
+                <a:cs typeface="Consolas" panose="020B0609020204030204" pitchFamily="49" charset="0"/>
+              </a:rPr>
+              <a:t>fs.</a:t>
+            </a:r>
+            <a:r>
+              <a:rPr lang="en-US" sz="2200" b="1" dirty="0" err="1">
+                <a:solidFill>
+                  <a:srgbClr val="66D9EF"/>
+                </a:solidFill>
+                <a:latin typeface="Lucida Console" panose="020B0609040504020204" pitchFamily="49" charset="0"/>
+                <a:cs typeface="Consolas" panose="020B0609020204030204" pitchFamily="49" charset="0"/>
+              </a:rPr>
+              <a:t>readFile</a:t>
+            </a:r>
+            <a:r>
+              <a:rPr lang="en-US" sz="2200" b="1" dirty="0">
+                <a:solidFill>
+                  <a:schemeClr val="bg1"/>
+                </a:solidFill>
+                <a:latin typeface="Lucida Console" panose="020B0609040504020204" pitchFamily="49" charset="0"/>
+                <a:cs typeface="Consolas" panose="020B0609020204030204" pitchFamily="49" charset="0"/>
+              </a:rPr>
+              <a:t>(</a:t>
+            </a:r>
+            <a:r>
+              <a:rPr lang="en-US" sz="2200" b="1" dirty="0">
+                <a:solidFill>
+                  <a:srgbClr val="E6DB74"/>
+                </a:solidFill>
+                <a:latin typeface="Lucida Console" panose="020B0609040504020204" pitchFamily="49" charset="0"/>
+                <a:cs typeface="Consolas" panose="020B0609020204030204" pitchFamily="49" charset="0"/>
+              </a:rPr>
+              <a:t>'file.txt'</a:t>
+            </a:r>
+            <a:r>
+              <a:rPr lang="en-US" sz="2200" b="1" dirty="0">
+                <a:solidFill>
+                  <a:schemeClr val="bg1"/>
+                </a:solidFill>
+                <a:latin typeface="Lucida Console" panose="020B0609040504020204" pitchFamily="49" charset="0"/>
+                <a:cs typeface="Consolas" panose="020B0609020204030204" pitchFamily="49" charset="0"/>
+              </a:rPr>
+              <a:t>, </a:t>
+            </a:r>
+            <a:r>
+              <a:rPr lang="en-US" sz="2200" b="1" dirty="0">
+                <a:solidFill>
+                  <a:srgbClr val="66D9EF"/>
+                </a:solidFill>
+                <a:latin typeface="Lucida Console" panose="020B0609040504020204" pitchFamily="49" charset="0"/>
+                <a:cs typeface="Consolas" panose="020B0609020204030204" pitchFamily="49" charset="0"/>
+              </a:rPr>
+              <a:t>function </a:t>
+            </a:r>
+            <a:r>
+              <a:rPr lang="en-US" sz="2200" b="1" dirty="0">
+                <a:solidFill>
+                  <a:schemeClr val="bg1"/>
+                </a:solidFill>
+                <a:latin typeface="Lucida Console" panose="020B0609040504020204" pitchFamily="49" charset="0"/>
+                <a:cs typeface="Consolas" panose="020B0609020204030204" pitchFamily="49" charset="0"/>
+              </a:rPr>
+              <a:t>(</a:t>
+            </a:r>
+            <a:r>
+              <a:rPr lang="en-US" sz="2200" b="1" dirty="0">
+                <a:solidFill>
+                  <a:srgbClr val="FD971F"/>
+                </a:solidFill>
+                <a:latin typeface="Lucida Console" panose="020B0609040504020204" pitchFamily="49" charset="0"/>
+                <a:cs typeface="Consolas" panose="020B0609020204030204" pitchFamily="49" charset="0"/>
+              </a:rPr>
+              <a:t>err,</a:t>
+            </a:r>
+            <a:r>
+              <a:rPr lang="en-US" sz="2200" b="1" dirty="0">
+                <a:solidFill>
+                  <a:schemeClr val="bg1"/>
+                </a:solidFill>
+                <a:latin typeface="Lucida Console" panose="020B0609040504020204" pitchFamily="49" charset="0"/>
+                <a:cs typeface="Consolas" panose="020B0609020204030204" pitchFamily="49" charset="0"/>
+              </a:rPr>
+              <a:t> </a:t>
+            </a:r>
+            <a:r>
+              <a:rPr lang="en-US" sz="2200" b="1" dirty="0">
+                <a:solidFill>
+                  <a:srgbClr val="FD971F"/>
+                </a:solidFill>
+                <a:latin typeface="Lucida Console" panose="020B0609040504020204" pitchFamily="49" charset="0"/>
+                <a:cs typeface="Consolas" panose="020B0609020204030204" pitchFamily="49" charset="0"/>
+              </a:rPr>
+              <a:t>data</a:t>
+            </a:r>
+            <a:r>
+              <a:rPr lang="en-US" sz="2200" b="1" dirty="0">
+                <a:solidFill>
+                  <a:schemeClr val="bg1"/>
+                </a:solidFill>
+                <a:latin typeface="Lucida Console" panose="020B0609040504020204" pitchFamily="49" charset="0"/>
+                <a:cs typeface="Consolas" panose="020B0609020204030204" pitchFamily="49" charset="0"/>
+              </a:rPr>
+              <a:t>) {</a:t>
+            </a:r>
+          </a:p>
+          <a:p>
+            <a:pPr marL="0" indent="0">
+              <a:buNone/>
+            </a:pPr>
+            <a:r>
+              <a:rPr lang="en-US" sz="2200" b="1" dirty="0">
+                <a:solidFill>
+                  <a:schemeClr val="bg1"/>
+                </a:solidFill>
+                <a:latin typeface="Lucida Console" panose="020B0609040504020204" pitchFamily="49" charset="0"/>
+                <a:cs typeface="Consolas" panose="020B0609020204030204" pitchFamily="49" charset="0"/>
+              </a:rPr>
+              <a:t>        </a:t>
+            </a:r>
+            <a:r>
+              <a:rPr lang="en-US" sz="2200" b="1" dirty="0">
+                <a:solidFill>
+                  <a:srgbClr val="F92672"/>
+                </a:solidFill>
+                <a:latin typeface="Lucida Console" panose="020B0609040504020204" pitchFamily="49" charset="0"/>
+                <a:cs typeface="Consolas" panose="020B0609020204030204" pitchFamily="49" charset="0"/>
+              </a:rPr>
+              <a:t>if</a:t>
+            </a:r>
+            <a:r>
+              <a:rPr lang="en-US" sz="2200" b="1" dirty="0">
+                <a:solidFill>
+                  <a:schemeClr val="bg1"/>
+                </a:solidFill>
+                <a:latin typeface="Lucida Console" panose="020B0609040504020204" pitchFamily="49" charset="0"/>
+                <a:cs typeface="Consolas" panose="020B0609020204030204" pitchFamily="49" charset="0"/>
+              </a:rPr>
+              <a:t> (err) {</a:t>
+            </a:r>
+          </a:p>
+          <a:p>
+            <a:pPr marL="0" indent="0">
+              <a:buNone/>
+            </a:pPr>
+            <a:r>
+              <a:rPr lang="en-US" sz="2200" b="1" dirty="0">
+                <a:solidFill>
+                  <a:schemeClr val="bg1"/>
+                </a:solidFill>
+                <a:latin typeface="Lucida Console" panose="020B0609040504020204" pitchFamily="49" charset="0"/>
+                <a:cs typeface="Consolas" panose="020B0609020204030204" pitchFamily="49" charset="0"/>
+              </a:rPr>
+              <a:t>            </a:t>
+            </a:r>
+            <a:r>
+              <a:rPr lang="en-US" sz="2200" b="1" dirty="0" err="1">
+                <a:solidFill>
+                  <a:schemeClr val="bg1"/>
+                </a:solidFill>
+                <a:latin typeface="Lucida Console" panose="020B0609040504020204" pitchFamily="49" charset="0"/>
+                <a:cs typeface="Consolas" panose="020B0609020204030204" pitchFamily="49" charset="0"/>
+              </a:rPr>
+              <a:t>res.statusCode</a:t>
+            </a:r>
+            <a:r>
+              <a:rPr lang="en-US" sz="2200" b="1" dirty="0">
+                <a:solidFill>
+                  <a:schemeClr val="bg1"/>
+                </a:solidFill>
+                <a:latin typeface="Lucida Console" panose="020B0609040504020204" pitchFamily="49" charset="0"/>
+                <a:cs typeface="Consolas" panose="020B0609020204030204" pitchFamily="49" charset="0"/>
+              </a:rPr>
+              <a:t> = </a:t>
+            </a:r>
+            <a:r>
+              <a:rPr lang="en-US" sz="2200" b="1" dirty="0">
+                <a:solidFill>
+                  <a:srgbClr val="AE81FF"/>
+                </a:solidFill>
+                <a:latin typeface="Lucida Console" panose="020B0609040504020204" pitchFamily="49" charset="0"/>
+                <a:cs typeface="Consolas" panose="020B0609020204030204" pitchFamily="49" charset="0"/>
+              </a:rPr>
+              <a:t>500</a:t>
+            </a:r>
+            <a:r>
+              <a:rPr lang="en-US" sz="2200" b="1" dirty="0">
+                <a:solidFill>
+                  <a:schemeClr val="bg1"/>
+                </a:solidFill>
+                <a:latin typeface="Lucida Console" panose="020B0609040504020204" pitchFamily="49" charset="0"/>
+                <a:cs typeface="Consolas" panose="020B0609020204030204" pitchFamily="49" charset="0"/>
+              </a:rPr>
+              <a:t>;</a:t>
+            </a:r>
+          </a:p>
+          <a:p>
+            <a:pPr marL="0" indent="0">
+              <a:buNone/>
+            </a:pPr>
+            <a:r>
+              <a:rPr lang="en-US" sz="2200" b="1" dirty="0">
+                <a:solidFill>
+                  <a:schemeClr val="bg1"/>
+                </a:solidFill>
+                <a:latin typeface="Lucida Console" panose="020B0609040504020204" pitchFamily="49" charset="0"/>
+                <a:cs typeface="Consolas" panose="020B0609020204030204" pitchFamily="49" charset="0"/>
+              </a:rPr>
+              <a:t>            </a:t>
+            </a:r>
+            <a:r>
+              <a:rPr lang="en-US" sz="2200" b="1" dirty="0" err="1" smtClean="0">
+                <a:solidFill>
+                  <a:schemeClr val="bg1"/>
+                </a:solidFill>
+                <a:latin typeface="Lucida Console" panose="020B0609040504020204" pitchFamily="49" charset="0"/>
+                <a:cs typeface="Consolas" panose="020B0609020204030204" pitchFamily="49" charset="0"/>
+              </a:rPr>
+              <a:t>res.</a:t>
+            </a:r>
+            <a:r>
+              <a:rPr lang="en-US" sz="2200" b="1" dirty="0" err="1" smtClean="0">
+                <a:solidFill>
+                  <a:srgbClr val="66D9EF"/>
+                </a:solidFill>
+                <a:latin typeface="Lucida Console" panose="020B0609040504020204" pitchFamily="49" charset="0"/>
+                <a:cs typeface="Consolas" panose="020B0609020204030204" pitchFamily="49" charset="0"/>
+              </a:rPr>
+              <a:t>end</a:t>
+            </a:r>
+            <a:r>
+              <a:rPr lang="en-US" sz="2200" b="1" dirty="0" smtClean="0">
+                <a:solidFill>
+                  <a:schemeClr val="bg1"/>
+                </a:solidFill>
+                <a:latin typeface="Lucida Console" panose="020B0609040504020204" pitchFamily="49" charset="0"/>
+                <a:cs typeface="Consolas" panose="020B0609020204030204" pitchFamily="49" charset="0"/>
+              </a:rPr>
+              <a:t>(</a:t>
+            </a:r>
+            <a:r>
+              <a:rPr lang="en-US" sz="2200" b="1" dirty="0" err="1" smtClean="0">
+                <a:solidFill>
+                  <a:schemeClr val="bg1"/>
+                </a:solidFill>
+                <a:latin typeface="Lucida Console" panose="020B0609040504020204" pitchFamily="49" charset="0"/>
+                <a:cs typeface="Consolas" panose="020B0609020204030204" pitchFamily="49" charset="0"/>
+              </a:rPr>
+              <a:t>err.</a:t>
+            </a:r>
+            <a:r>
+              <a:rPr lang="en-US" sz="2200" b="1" dirty="0" err="1" smtClean="0">
+                <a:solidFill>
+                  <a:srgbClr val="66D9EF"/>
+                </a:solidFill>
+                <a:latin typeface="Lucida Console" panose="020B0609040504020204" pitchFamily="49" charset="0"/>
+                <a:cs typeface="Consolas" panose="020B0609020204030204" pitchFamily="49" charset="0"/>
+              </a:rPr>
+              <a:t>toString</a:t>
+            </a:r>
+            <a:r>
+              <a:rPr lang="en-US" sz="2200" b="1" dirty="0" smtClean="0">
+                <a:solidFill>
+                  <a:schemeClr val="bg1"/>
+                </a:solidFill>
+                <a:latin typeface="Lucida Console" panose="020B0609040504020204" pitchFamily="49" charset="0"/>
+                <a:cs typeface="Consolas" panose="020B0609020204030204" pitchFamily="49" charset="0"/>
+              </a:rPr>
+              <a:t>());</a:t>
+            </a:r>
+            <a:endParaRPr lang="en-US" sz="2200" b="1" dirty="0">
               <a:solidFill>
                 <a:schemeClr val="bg1"/>
               </a:solidFill>
-              <a:latin typeface="Proxima Nova Rg"/>
+              <a:latin typeface="Lucida Console" panose="020B0609040504020204" pitchFamily="49" charset="0"/>
+              <a:cs typeface="Consolas" panose="020B0609020204030204" pitchFamily="49" charset="0"/>
             </a:endParaRPr>
           </a:p>
+          <a:p>
+            <a:pPr marL="0" indent="0">
+              <a:buNone/>
+            </a:pPr>
+            <a:r>
+              <a:rPr lang="en-US" sz="2200" b="1" dirty="0">
+                <a:solidFill>
+                  <a:schemeClr val="bg1"/>
+                </a:solidFill>
+                <a:latin typeface="Lucida Console" panose="020B0609040504020204" pitchFamily="49" charset="0"/>
+                <a:cs typeface="Consolas" panose="020B0609020204030204" pitchFamily="49" charset="0"/>
+              </a:rPr>
+              <a:t>        } </a:t>
+            </a:r>
+            <a:endParaRPr lang="en-US" sz="2200" b="1" dirty="0" smtClean="0">
+              <a:solidFill>
+                <a:schemeClr val="bg1"/>
+              </a:solidFill>
+              <a:latin typeface="Lucida Console" panose="020B0609040504020204" pitchFamily="49" charset="0"/>
+              <a:cs typeface="Consolas" panose="020B0609020204030204" pitchFamily="49" charset="0"/>
+            </a:endParaRPr>
+          </a:p>
+          <a:p>
+            <a:pPr marL="0" indent="0">
+              <a:buNone/>
+            </a:pPr>
+            <a:r>
+              <a:rPr lang="en-US" sz="2200" b="1" dirty="0">
+                <a:solidFill>
+                  <a:schemeClr val="bg1"/>
+                </a:solidFill>
+                <a:latin typeface="Lucida Console" panose="020B0609040504020204" pitchFamily="49" charset="0"/>
+                <a:cs typeface="Consolas" panose="020B0609020204030204" pitchFamily="49" charset="0"/>
+              </a:rPr>
+              <a:t> </a:t>
+            </a:r>
+            <a:r>
+              <a:rPr lang="en-US" sz="2200" b="1" dirty="0" smtClean="0">
+                <a:solidFill>
+                  <a:schemeClr val="bg1"/>
+                </a:solidFill>
+                <a:latin typeface="Lucida Console" panose="020B0609040504020204" pitchFamily="49" charset="0"/>
+                <a:cs typeface="Consolas" panose="020B0609020204030204" pitchFamily="49" charset="0"/>
+              </a:rPr>
+              <a:t>       </a:t>
+            </a:r>
+            <a:r>
+              <a:rPr lang="en-US" sz="2200" b="1" dirty="0" smtClean="0">
+                <a:solidFill>
+                  <a:srgbClr val="F92672"/>
+                </a:solidFill>
+                <a:latin typeface="Lucida Console" panose="020B0609040504020204" pitchFamily="49" charset="0"/>
+                <a:cs typeface="Consolas" panose="020B0609020204030204" pitchFamily="49" charset="0"/>
+              </a:rPr>
+              <a:t>else</a:t>
+            </a:r>
+            <a:r>
+              <a:rPr lang="en-US" sz="2200" b="1" dirty="0" smtClean="0">
+                <a:solidFill>
+                  <a:schemeClr val="bg1"/>
+                </a:solidFill>
+                <a:latin typeface="Lucida Console" panose="020B0609040504020204" pitchFamily="49" charset="0"/>
+                <a:cs typeface="Consolas" panose="020B0609020204030204" pitchFamily="49" charset="0"/>
+              </a:rPr>
+              <a:t> </a:t>
+            </a:r>
+            <a:r>
+              <a:rPr lang="en-US" sz="2200" b="1" dirty="0" err="1" smtClean="0">
+                <a:solidFill>
+                  <a:schemeClr val="bg1"/>
+                </a:solidFill>
+                <a:latin typeface="Lucida Console" panose="020B0609040504020204" pitchFamily="49" charset="0"/>
+                <a:cs typeface="Consolas" panose="020B0609020204030204" pitchFamily="49" charset="0"/>
+              </a:rPr>
+              <a:t>res.end</a:t>
+            </a:r>
+            <a:r>
+              <a:rPr lang="en-US" sz="2200" b="1" dirty="0" smtClean="0">
+                <a:solidFill>
+                  <a:schemeClr val="bg1"/>
+                </a:solidFill>
+                <a:latin typeface="Lucida Console" panose="020B0609040504020204" pitchFamily="49" charset="0"/>
+                <a:cs typeface="Consolas" panose="020B0609020204030204" pitchFamily="49" charset="0"/>
+              </a:rPr>
+              <a:t>(data); </a:t>
+            </a:r>
+          </a:p>
+          <a:p>
+            <a:pPr marL="0" indent="0">
+              <a:buNone/>
+            </a:pPr>
+            <a:r>
+              <a:rPr lang="en-US" sz="2200" b="1" dirty="0">
+                <a:solidFill>
+                  <a:schemeClr val="bg1"/>
+                </a:solidFill>
+                <a:latin typeface="Lucida Console" panose="020B0609040504020204" pitchFamily="49" charset="0"/>
+                <a:cs typeface="Consolas" panose="020B0609020204030204" pitchFamily="49" charset="0"/>
+              </a:rPr>
+              <a:t> </a:t>
+            </a:r>
+            <a:r>
+              <a:rPr lang="en-US" sz="2200" b="1" dirty="0" smtClean="0">
+                <a:solidFill>
+                  <a:schemeClr val="bg1"/>
+                </a:solidFill>
+                <a:latin typeface="Lucida Console" panose="020B0609040504020204" pitchFamily="49" charset="0"/>
+                <a:cs typeface="Consolas" panose="020B0609020204030204" pitchFamily="49" charset="0"/>
+              </a:rPr>
+              <a:t>   });</a:t>
+            </a:r>
+            <a:endParaRPr lang="en-US" sz="2200" b="1" dirty="0">
+              <a:solidFill>
+                <a:schemeClr val="bg1"/>
+              </a:solidFill>
+              <a:latin typeface="Lucida Console" panose="020B0609040504020204" pitchFamily="49" charset="0"/>
+              <a:cs typeface="Consolas" panose="020B0609020204030204" pitchFamily="49" charset="0"/>
+            </a:endParaRPr>
+          </a:p>
+          <a:p>
+            <a:pPr marL="0" indent="0">
+              <a:buNone/>
+            </a:pPr>
+            <a:r>
+              <a:rPr lang="en-US" sz="2200" b="1" dirty="0">
+                <a:solidFill>
+                  <a:schemeClr val="bg1"/>
+                </a:solidFill>
+                <a:latin typeface="Lucida Console" panose="020B0609040504020204" pitchFamily="49" charset="0"/>
+                <a:cs typeface="Consolas" panose="020B0609020204030204" pitchFamily="49" charset="0"/>
+              </a:rPr>
+              <a:t>});</a:t>
+            </a:r>
+          </a:p>
         </p:txBody>
       </p:sp>
     </p:spTree>
-    <p:extLst>
-      <p:ext uri="{BB962C8B-B14F-4D97-AF65-F5344CB8AC3E}">
-        <p14:creationId xmlns:p14="http://schemas.microsoft.com/office/powerpoint/2010/main" val="8189496"/>
-      </p:ext>
-    </p:extLst>
   </p:cSld>
   <p:clrMapOvr>
     <a:masterClrMapping/>
   </p:clrMapOvr>
-  <p:timing>
-    <p:tnLst>
-      <p:par>
-        <p:cTn id="1" dur="indefinite" restart="never" nodeType="tmRoot"/>
-      </p:par>
-    </p:tnLst>
-  </p:timing>
 </p:sld>
 </file>
 
@@ -6658,14 +7693,14 @@
       </p:grpSpPr>
       <p:pic>
         <p:nvPicPr>
-          <p:cNvPr id="4" name="Picture 3"/>
+          <p:cNvPr id="5" name="Picture 4"/>
           <p:cNvPicPr>
             <a:picLocks noChangeAspect="1"/>
           </p:cNvPicPr>
           <p:nvPr/>
         </p:nvPicPr>
         <p:blipFill>
-          <a:blip r:embed="rId2" cstate="print"/>
+          <a:blip r:embed="rId3" cstate="print"/>
           <a:stretch>
             <a:fillRect/>
           </a:stretch>
@@ -6703,7 +7738,7 @@
                 </a:solidFill>
                 <a:latin typeface="Proxima Nova Rg" panose="02000506030000020004" pitchFamily="2" charset="0"/>
               </a:rPr>
-              <a:t>Why Use Streams?</a:t>
+              <a:t>Why not?</a:t>
             </a:r>
             <a:endParaRPr lang="en-US" dirty="0">
               <a:solidFill>
@@ -6740,7 +7775,7 @@
               <a:buNone/>
             </a:pPr>
             <a:r>
-              <a:rPr lang="en-US" sz="2200" b="1" dirty="0" err="1" smtClean="0">
+              <a:rPr lang="en-US" sz="2200" b="1" dirty="0" err="1">
                 <a:solidFill>
                   <a:srgbClr val="66D9EF"/>
                 </a:solidFill>
@@ -6750,7 +7785,7 @@
               <a:t>var</a:t>
             </a:r>
             <a:r>
-              <a:rPr lang="en-US" sz="2200" b="1" dirty="0" smtClean="0">
+              <a:rPr lang="en-US" sz="2200" b="1" dirty="0">
                 <a:solidFill>
                   <a:srgbClr val="66D9EF"/>
                 </a:solidFill>
@@ -6760,7 +7795,7 @@
               <a:t> </a:t>
             </a:r>
             <a:r>
-              <a:rPr lang="en-US" sz="2200" b="1" dirty="0" smtClean="0">
+              <a:rPr lang="en-US" sz="2200" b="1" dirty="0">
                 <a:solidFill>
                   <a:schemeClr val="bg1"/>
                 </a:solidFill>
@@ -6770,7 +7805,7 @@
               <a:t>http = require(</a:t>
             </a:r>
             <a:r>
-              <a:rPr lang="en-US" sz="2200" b="1" dirty="0" smtClean="0">
+              <a:rPr lang="en-US" sz="2200" b="1" dirty="0">
                 <a:solidFill>
                   <a:srgbClr val="E6DB74"/>
                 </a:solidFill>
@@ -6780,7 +7815,7 @@
               <a:t>'http'</a:t>
             </a:r>
             <a:r>
-              <a:rPr lang="en-US" sz="2200" b="1" dirty="0" smtClean="0">
+              <a:rPr lang="en-US" sz="2200" b="1" dirty="0">
                 <a:solidFill>
                   <a:schemeClr val="bg1"/>
                 </a:solidFill>
@@ -6802,20 +7837,10 @@
                 <a:latin typeface="Lucida Console" panose="020B0609040504020204" pitchFamily="49" charset="0"/>
                 <a:cs typeface="Consolas" panose="020B0609020204030204" pitchFamily="49" charset="0"/>
               </a:rPr>
-              <a:t> </a:t>
-            </a:r>
-            <a:r>
-              <a:rPr lang="en-US" sz="2200" b="1" dirty="0" smtClean="0">
-                <a:solidFill>
-                  <a:schemeClr val="bg1"/>
-                </a:solidFill>
-                <a:latin typeface="Lucida Console" panose="020B0609040504020204" pitchFamily="49" charset="0"/>
-                <a:cs typeface="Consolas" panose="020B0609020204030204" pitchFamily="49" charset="0"/>
-              </a:rPr>
-              <a:t>   </a:t>
-            </a:r>
-            <a:r>
-              <a:rPr lang="en-US" sz="2200" b="1" dirty="0" err="1" smtClean="0">
+              <a:t>    </a:t>
+            </a:r>
+            <a:r>
+              <a:rPr lang="en-US" sz="2200" b="1" dirty="0" err="1">
                 <a:solidFill>
                   <a:schemeClr val="bg1"/>
                 </a:solidFill>
@@ -6825,7 +7850,7 @@
               <a:t>fs</a:t>
             </a:r>
             <a:r>
-              <a:rPr lang="en-US" sz="2200" b="1" dirty="0" smtClean="0">
+              <a:rPr lang="en-US" sz="2200" b="1" dirty="0">
                 <a:solidFill>
                   <a:schemeClr val="bg1"/>
                 </a:solidFill>
@@ -6835,7 +7860,7 @@
               <a:t> = require(</a:t>
             </a:r>
             <a:r>
-              <a:rPr lang="en-US" sz="2200" b="1" dirty="0" smtClean="0">
+              <a:rPr lang="en-US" sz="2200" b="1" dirty="0">
                 <a:solidFill>
                   <a:srgbClr val="E6DB74"/>
                 </a:solidFill>
@@ -6845,7 +7870,7 @@
               <a:t>'</a:t>
             </a:r>
             <a:r>
-              <a:rPr lang="en-US" sz="2200" b="1" dirty="0" err="1" smtClean="0">
+              <a:rPr lang="en-US" sz="2200" b="1" dirty="0" err="1">
                 <a:solidFill>
                   <a:srgbClr val="E6DB74"/>
                 </a:solidFill>
@@ -6855,7 +7880,7 @@
               <a:t>fs</a:t>
             </a:r>
             <a:r>
-              <a:rPr lang="en-US" sz="2200" b="1" dirty="0" smtClean="0">
+              <a:rPr lang="en-US" sz="2200" b="1" dirty="0">
                 <a:solidFill>
                   <a:srgbClr val="E6DB74"/>
                 </a:solidFill>
@@ -6865,7 +7890,7 @@
               <a:t>'</a:t>
             </a:r>
             <a:r>
-              <a:rPr lang="en-US" sz="2200" b="1" dirty="0" smtClean="0">
+              <a:rPr lang="en-US" sz="2200" b="1" dirty="0">
                 <a:solidFill>
                   <a:schemeClr val="bg1"/>
                 </a:solidFill>
@@ -6892,7 +7917,7 @@
               <a:buNone/>
             </a:pPr>
             <a:r>
-              <a:rPr lang="en-US" sz="2200" b="1" dirty="0" err="1" smtClean="0">
+              <a:rPr lang="en-US" sz="2200" b="1" dirty="0" err="1">
                 <a:solidFill>
                   <a:schemeClr val="bg1"/>
                 </a:solidFill>
@@ -6902,7 +7927,7 @@
               <a:t>http.</a:t>
             </a:r>
             <a:r>
-              <a:rPr lang="en-US" sz="2200" b="1" dirty="0" err="1" smtClean="0">
+              <a:rPr lang="en-US" sz="2200" b="1" dirty="0" err="1">
                 <a:solidFill>
                   <a:srgbClr val="66D9EF"/>
                 </a:solidFill>
@@ -6912,36 +7937,6 @@
               <a:t>createServer</a:t>
             </a:r>
             <a:r>
-              <a:rPr lang="en-US" sz="2200" b="1" dirty="0" smtClean="0">
-                <a:solidFill>
-                  <a:schemeClr val="bg1"/>
-                </a:solidFill>
-                <a:latin typeface="Lucida Console" panose="020B0609040504020204" pitchFamily="49" charset="0"/>
-                <a:cs typeface="Consolas" panose="020B0609020204030204" pitchFamily="49" charset="0"/>
-              </a:rPr>
-              <a:t>( </a:t>
-            </a:r>
-            <a:r>
-              <a:rPr lang="en-US" sz="2200" b="1" dirty="0" smtClean="0">
-                <a:solidFill>
-                  <a:srgbClr val="66D9EF"/>
-                </a:solidFill>
-                <a:latin typeface="Lucida Console" panose="020B0609040504020204" pitchFamily="49" charset="0"/>
-                <a:cs typeface="Consolas" panose="020B0609020204030204" pitchFamily="49" charset="0"/>
-              </a:rPr>
-              <a:t>function</a:t>
-            </a:r>
-            <a:r>
-              <a:rPr lang="en-US" sz="2200" b="1" dirty="0" smtClean="0">
-                <a:solidFill>
-                  <a:schemeClr val="bg1"/>
-                </a:solidFill>
-                <a:latin typeface="Lucida Console" panose="020B0609040504020204" pitchFamily="49" charset="0"/>
-                <a:cs typeface="Consolas" panose="020B0609020204030204" pitchFamily="49" charset="0"/>
-              </a:rPr>
-              <a:t> </a:t>
-            </a:r>
-            <a:r>
               <a:rPr lang="en-US" sz="2200" b="1" dirty="0">
                 <a:solidFill>
                   <a:schemeClr val="bg1"/>
@@ -6949,7 +7944,7 @@
                 <a:latin typeface="Lucida Console" panose="020B0609040504020204" pitchFamily="49" charset="0"/>
                 <a:cs typeface="Consolas" panose="020B0609020204030204" pitchFamily="49" charset="0"/>
               </a:rPr>
-              <a:t>(</a:t>
+              <a:t>(function (</a:t>
             </a:r>
             <a:r>
               <a:rPr lang="en-US" sz="2200" b="1" dirty="0" err="1">
@@ -6999,22 +7994,42 @@
             <a:r>
               <a:rPr lang="en-US" sz="2200" b="1" dirty="0" err="1">
                 <a:solidFill>
-                  <a:schemeClr val="bg1"/>
-                </a:solidFill>
-                <a:latin typeface="Lucida Console" panose="020B0609040504020204" pitchFamily="49" charset="0"/>
-                <a:cs typeface="Consolas" panose="020B0609020204030204" pitchFamily="49" charset="0"/>
-              </a:rPr>
-              <a:t>fs.</a:t>
+                  <a:srgbClr val="66D9EF"/>
+                </a:solidFill>
+                <a:latin typeface="Lucida Console" panose="020B0609040504020204" pitchFamily="49" charset="0"/>
+                <a:cs typeface="Consolas" panose="020B0609020204030204" pitchFamily="49" charset="0"/>
+              </a:rPr>
+              <a:t>var</a:t>
+            </a:r>
+            <a:r>
+              <a:rPr lang="en-US" sz="2200" b="1" dirty="0">
+                <a:solidFill>
+                  <a:srgbClr val="66D9EF"/>
+                </a:solidFill>
+                <a:latin typeface="Lucida Console" panose="020B0609040504020204" pitchFamily="49" charset="0"/>
+                <a:cs typeface="Consolas" panose="020B0609020204030204" pitchFamily="49" charset="0"/>
+              </a:rPr>
+              <a:t> </a:t>
+            </a:r>
+            <a:r>
+              <a:rPr lang="en-US" sz="2200" b="1" dirty="0">
+                <a:solidFill>
+                  <a:schemeClr val="bg1"/>
+                </a:solidFill>
+                <a:latin typeface="Lucida Console" panose="020B0609040504020204" pitchFamily="49" charset="0"/>
+                <a:cs typeface="Consolas" panose="020B0609020204030204" pitchFamily="49" charset="0"/>
+              </a:rPr>
+              <a:t>s = </a:t>
             </a:r>
             <a:r>
               <a:rPr lang="en-US" sz="2200" b="1" dirty="0" err="1">
                 <a:solidFill>
-                  <a:srgbClr val="66D9EF"/>
-                </a:solidFill>
-                <a:latin typeface="Lucida Console" panose="020B0609040504020204" pitchFamily="49" charset="0"/>
-                <a:cs typeface="Consolas" panose="020B0609020204030204" pitchFamily="49" charset="0"/>
-              </a:rPr>
-              <a:t>readFile</a:t>
+                  <a:schemeClr val="bg1"/>
+                </a:solidFill>
+                <a:latin typeface="Lucida Console" panose="020B0609040504020204" pitchFamily="49" charset="0"/>
+                <a:cs typeface="Consolas" panose="020B0609020204030204" pitchFamily="49" charset="0"/>
+              </a:rPr>
+              <a:t>fs.createReadStream</a:t>
             </a:r>
             <a:r>
               <a:rPr lang="en-US" sz="2200" b="1" dirty="0">
@@ -7044,67 +8059,7 @@
                 <a:latin typeface="Lucida Console" panose="020B0609040504020204" pitchFamily="49" charset="0"/>
                 <a:cs typeface="Consolas" panose="020B0609020204030204" pitchFamily="49" charset="0"/>
               </a:rPr>
-              <a:t>, </a:t>
-            </a:r>
-            <a:r>
-              <a:rPr lang="en-US" sz="2200" b="1" dirty="0">
-                <a:solidFill>
-                  <a:srgbClr val="66D9EF"/>
-                </a:solidFill>
-                <a:latin typeface="Lucida Console" panose="020B0609040504020204" pitchFamily="49" charset="0"/>
-                <a:cs typeface="Consolas" panose="020B0609020204030204" pitchFamily="49" charset="0"/>
-              </a:rPr>
-              <a:t>function </a:t>
-            </a:r>
-            <a:r>
-              <a:rPr lang="en-US" sz="2200" b="1" dirty="0">
-                <a:solidFill>
-                  <a:schemeClr val="bg1"/>
-                </a:solidFill>
-                <a:latin typeface="Lucida Console" panose="020B0609040504020204" pitchFamily="49" charset="0"/>
-                <a:cs typeface="Consolas" panose="020B0609020204030204" pitchFamily="49" charset="0"/>
-              </a:rPr>
-              <a:t>(</a:t>
-            </a:r>
-            <a:r>
-              <a:rPr lang="en-US" sz="2200" b="1" dirty="0">
-                <a:solidFill>
-                  <a:srgbClr val="FD971F"/>
-                </a:solidFill>
-                <a:latin typeface="Lucida Console" panose="020B0609040504020204" pitchFamily="49" charset="0"/>
-                <a:cs typeface="Consolas" panose="020B0609020204030204" pitchFamily="49" charset="0"/>
-              </a:rPr>
-              <a:t>err,</a:t>
-            </a:r>
-            <a:r>
-              <a:rPr lang="en-US" sz="2200" b="1" dirty="0">
-                <a:solidFill>
-                  <a:schemeClr val="bg1"/>
-                </a:solidFill>
-                <a:latin typeface="Lucida Console" panose="020B0609040504020204" pitchFamily="49" charset="0"/>
-                <a:cs typeface="Consolas" panose="020B0609020204030204" pitchFamily="49" charset="0"/>
-              </a:rPr>
-              <a:t> </a:t>
-            </a:r>
-            <a:r>
-              <a:rPr lang="en-US" sz="2200" b="1" dirty="0">
-                <a:solidFill>
-                  <a:srgbClr val="FD971F"/>
-                </a:solidFill>
-                <a:latin typeface="Lucida Console" panose="020B0609040504020204" pitchFamily="49" charset="0"/>
-                <a:cs typeface="Consolas" panose="020B0609020204030204" pitchFamily="49" charset="0"/>
-              </a:rPr>
-              <a:t>data</a:t>
-            </a:r>
-            <a:r>
-              <a:rPr lang="en-US" sz="2200" b="1" dirty="0">
-                <a:solidFill>
-                  <a:schemeClr val="bg1"/>
-                </a:solidFill>
-                <a:latin typeface="Lucida Console" panose="020B0609040504020204" pitchFamily="49" charset="0"/>
-                <a:cs typeface="Consolas" panose="020B0609020204030204" pitchFamily="49" charset="0"/>
-              </a:rPr>
-              <a:t>) {</a:t>
+              <a:t>);</a:t>
             </a:r>
           </a:p>
           <a:p>
@@ -7119,27 +8074,57 @@
                 <a:latin typeface="Lucida Console" panose="020B0609040504020204" pitchFamily="49" charset="0"/>
                 <a:cs typeface="Consolas" panose="020B0609020204030204" pitchFamily="49" charset="0"/>
               </a:rPr>
-              <a:t>        </a:t>
+              <a:t>    </a:t>
+            </a:r>
+            <a:r>
+              <a:rPr lang="en-US" sz="2200" b="1" dirty="0" err="1">
+                <a:solidFill>
+                  <a:schemeClr val="bg1"/>
+                </a:solidFill>
+                <a:latin typeface="Lucida Console" panose="020B0609040504020204" pitchFamily="49" charset="0"/>
+                <a:cs typeface="Consolas" panose="020B0609020204030204" pitchFamily="49" charset="0"/>
+              </a:rPr>
+              <a:t>s.</a:t>
+            </a:r>
+            <a:r>
+              <a:rPr lang="en-US" sz="2200" b="1" dirty="0" err="1">
+                <a:solidFill>
+                  <a:srgbClr val="66D9EF"/>
+                </a:solidFill>
+                <a:latin typeface="Lucida Console" panose="020B0609040504020204" pitchFamily="49" charset="0"/>
+                <a:cs typeface="Consolas" panose="020B0609020204030204" pitchFamily="49" charset="0"/>
+              </a:rPr>
+              <a:t>on</a:t>
             </a:r>
             <a:r>
               <a:rPr lang="en-US" sz="2200" b="1" dirty="0">
                 <a:solidFill>
-                  <a:srgbClr val="F92672"/>
-                </a:solidFill>
-                <a:latin typeface="Lucida Console" panose="020B0609040504020204" pitchFamily="49" charset="0"/>
-                <a:cs typeface="Consolas" panose="020B0609020204030204" pitchFamily="49" charset="0"/>
-              </a:rPr>
-              <a:t>if</a:t>
+                  <a:schemeClr val="bg1"/>
+                </a:solidFill>
+                <a:latin typeface="Lucida Console" panose="020B0609040504020204" pitchFamily="49" charset="0"/>
+                <a:cs typeface="Consolas" panose="020B0609020204030204" pitchFamily="49" charset="0"/>
+              </a:rPr>
+              <a:t>(</a:t>
             </a:r>
             <a:r>
               <a:rPr lang="en-US" sz="2200" b="1" dirty="0">
                 <a:solidFill>
-                  <a:schemeClr val="bg1"/>
-                </a:solidFill>
-                <a:latin typeface="Lucida Console" panose="020B0609040504020204" pitchFamily="49" charset="0"/>
-                <a:cs typeface="Consolas" panose="020B0609020204030204" pitchFamily="49" charset="0"/>
-              </a:rPr>
-              <a:t> (err) {</a:t>
+                  <a:srgbClr val="E6DB74"/>
+                </a:solidFill>
+                <a:latin typeface="Lucida Console" panose="020B0609040504020204" pitchFamily="49" charset="0"/>
+                <a:cs typeface="Consolas" panose="020B0609020204030204" pitchFamily="49" charset="0"/>
+              </a:rPr>
+              <a:t>'error'</a:t>
+            </a:r>
+            <a:r>
+              <a:rPr lang="en-US" sz="2200" b="1" dirty="0">
+                <a:solidFill>
+                  <a:schemeClr val="bg1"/>
+                </a:solidFill>
+                <a:latin typeface="Lucida Console" panose="020B0609040504020204" pitchFamily="49" charset="0"/>
+                <a:cs typeface="Consolas" panose="020B0609020204030204" pitchFamily="49" charset="0"/>
+              </a:rPr>
+              <a:t>, function () {</a:t>
             </a:r>
           </a:p>
           <a:p>
@@ -7154,7 +8139,7 @@
                 <a:latin typeface="Lucida Console" panose="020B0609040504020204" pitchFamily="49" charset="0"/>
                 <a:cs typeface="Consolas" panose="020B0609020204030204" pitchFamily="49" charset="0"/>
               </a:rPr>
-              <a:t>            </a:t>
+              <a:t>        </a:t>
             </a:r>
             <a:r>
               <a:rPr lang="en-US" sz="2200" b="1" dirty="0" err="1">
@@ -7209,30 +8194,20 @@
                 <a:latin typeface="Lucida Console" panose="020B0609040504020204" pitchFamily="49" charset="0"/>
                 <a:cs typeface="Consolas" panose="020B0609020204030204" pitchFamily="49" charset="0"/>
               </a:rPr>
-              <a:t>            </a:t>
-            </a:r>
-            <a:r>
-              <a:rPr lang="en-US" sz="2200" b="1" dirty="0" err="1" smtClean="0">
-                <a:solidFill>
-                  <a:schemeClr val="bg1"/>
-                </a:solidFill>
-                <a:latin typeface="Lucida Console" panose="020B0609040504020204" pitchFamily="49" charset="0"/>
-                <a:cs typeface="Consolas" panose="020B0609020204030204" pitchFamily="49" charset="0"/>
-              </a:rPr>
-              <a:t>res.</a:t>
-            </a:r>
-            <a:r>
-              <a:rPr lang="en-US" sz="2200" b="1" dirty="0" err="1" smtClean="0">
-                <a:solidFill>
-                  <a:srgbClr val="66D9EF"/>
-                </a:solidFill>
-                <a:latin typeface="Lucida Console" panose="020B0609040504020204" pitchFamily="49" charset="0"/>
-                <a:cs typeface="Consolas" panose="020B0609020204030204" pitchFamily="49" charset="0"/>
-              </a:rPr>
-              <a:t>end</a:t>
-            </a:r>
-            <a:r>
-              <a:rPr lang="en-US" sz="2200" b="1" dirty="0" smtClean="0">
+              <a:t>        </a:t>
+            </a:r>
+            <a:r>
+              <a:rPr lang="en-US" sz="2200" b="1" dirty="0" err="1">
+                <a:solidFill>
+                  <a:schemeClr val="bg1"/>
+                </a:solidFill>
+                <a:latin typeface="Lucida Console" panose="020B0609040504020204" pitchFamily="49" charset="0"/>
+                <a:cs typeface="Consolas" panose="020B0609020204030204" pitchFamily="49" charset="0"/>
+              </a:rPr>
+              <a:t>res.end</a:t>
+            </a:r>
+            <a:r>
+              <a:rPr lang="en-US" sz="2200" b="1" dirty="0">
                 <a:solidFill>
                   <a:schemeClr val="bg1"/>
                 </a:solidFill>
@@ -7242,27 +8217,17 @@
               <a:t>(</a:t>
             </a:r>
             <a:r>
-              <a:rPr lang="en-US" sz="2200" b="1" dirty="0" err="1" smtClean="0">
-                <a:solidFill>
-                  <a:schemeClr val="bg1"/>
-                </a:solidFill>
-                <a:latin typeface="Lucida Console" panose="020B0609040504020204" pitchFamily="49" charset="0"/>
-                <a:cs typeface="Consolas" panose="020B0609020204030204" pitchFamily="49" charset="0"/>
-              </a:rPr>
-              <a:t>err.</a:t>
-            </a:r>
-            <a:r>
-              <a:rPr lang="en-US" sz="2200" b="1" dirty="0" err="1" smtClean="0">
-                <a:solidFill>
-                  <a:srgbClr val="66D9EF"/>
-                </a:solidFill>
-                <a:latin typeface="Lucida Console" panose="020B0609040504020204" pitchFamily="49" charset="0"/>
-                <a:cs typeface="Consolas" panose="020B0609020204030204" pitchFamily="49" charset="0"/>
-              </a:rPr>
-              <a:t>toString</a:t>
-            </a:r>
-            <a:r>
-              <a:rPr lang="en-US" sz="2200" b="1" dirty="0" smtClean="0">
+              <a:rPr lang="en-US" sz="2200" b="1" dirty="0" err="1">
+                <a:solidFill>
+                  <a:schemeClr val="bg1"/>
+                </a:solidFill>
+                <a:latin typeface="Lucida Console" panose="020B0609040504020204" pitchFamily="49" charset="0"/>
+                <a:cs typeface="Consolas" panose="020B0609020204030204" pitchFamily="49" charset="0"/>
+              </a:rPr>
+              <a:t>err.toString</a:t>
+            </a:r>
+            <a:r>
+              <a:rPr lang="en-US" sz="2200" b="1" dirty="0">
                 <a:solidFill>
                   <a:schemeClr val="bg1"/>
                 </a:solidFill>
@@ -7271,6 +8236,26 @@
               </a:rPr>
               <a:t>());</a:t>
             </a:r>
+          </a:p>
+          <a:p>
+            <a:pPr marL="0" indent="0">
+              <a:buNone/>
+            </a:pPr>
+            <a:r>
+              <a:rPr lang="en-US" sz="2200" b="1" dirty="0">
+                <a:solidFill>
+                  <a:schemeClr val="bg1"/>
+                </a:solidFill>
+                <a:latin typeface="Lucida Console" panose="020B0609040504020204" pitchFamily="49" charset="0"/>
+                <a:cs typeface="Consolas" panose="020B0609020204030204" pitchFamily="49" charset="0"/>
+              </a:rPr>
+              <a:t>    };</a:t>
+            </a:r>
+          </a:p>
+          <a:p>
+            <a:pPr marL="0" indent="0">
+              <a:buNone/>
+            </a:pPr>
             <a:endParaRPr lang="en-US" sz="2200" b="1" dirty="0">
               <a:solidFill>
                 <a:schemeClr val="bg1"/>
@@ -7291,15 +8276,48 @@
                 <a:latin typeface="Lucida Console" panose="020B0609040504020204" pitchFamily="49" charset="0"/>
                 <a:cs typeface="Consolas" panose="020B0609020204030204" pitchFamily="49" charset="0"/>
               </a:rPr>
-              <a:t>        } </a:t>
-            </a:r>
-            <a:endParaRPr lang="en-US" sz="2200" b="1" dirty="0" smtClean="0">
-              <a:solidFill>
-                <a:schemeClr val="bg1"/>
-              </a:solidFill>
-              <a:latin typeface="Lucida Console" panose="020B0609040504020204" pitchFamily="49" charset="0"/>
-              <a:cs typeface="Consolas" panose="020B0609020204030204" pitchFamily="49" charset="0"/>
-            </a:endParaRPr>
+              <a:t>    </a:t>
+            </a:r>
+            <a:r>
+              <a:rPr lang="en-US" sz="2200" b="1" dirty="0" err="1" smtClean="0">
+                <a:solidFill>
+                  <a:schemeClr val="bg1"/>
+                </a:solidFill>
+                <a:latin typeface="Lucida Console" panose="020B0609040504020204" pitchFamily="49" charset="0"/>
+                <a:cs typeface="Consolas" panose="020B0609020204030204" pitchFamily="49" charset="0"/>
+              </a:rPr>
+              <a:t>s.</a:t>
+            </a:r>
+            <a:r>
+              <a:rPr lang="en-US" sz="2200" b="1" dirty="0" err="1" smtClean="0">
+                <a:solidFill>
+                  <a:srgbClr val="66D9EF"/>
+                </a:solidFill>
+                <a:latin typeface="Lucida Console" panose="020B0609040504020204" pitchFamily="49" charset="0"/>
+                <a:cs typeface="Consolas" panose="020B0609020204030204" pitchFamily="49" charset="0"/>
+              </a:rPr>
+              <a:t>pipe</a:t>
+            </a:r>
+            <a:r>
+              <a:rPr lang="en-US" sz="2200" b="1" dirty="0" smtClean="0">
+                <a:solidFill>
+                  <a:schemeClr val="bg1"/>
+                </a:solidFill>
+                <a:latin typeface="Lucida Console" panose="020B0609040504020204" pitchFamily="49" charset="0"/>
+                <a:cs typeface="Consolas" panose="020B0609020204030204" pitchFamily="49" charset="0"/>
+              </a:rPr>
+              <a:t>(res</a:t>
+            </a:r>
+            <a:r>
+              <a:rPr lang="en-US" sz="2200" b="1" dirty="0">
+                <a:solidFill>
+                  <a:schemeClr val="bg1"/>
+                </a:solidFill>
+                <a:latin typeface="Lucida Console" panose="020B0609040504020204" pitchFamily="49" charset="0"/>
+                <a:cs typeface="Consolas" panose="020B0609020204030204" pitchFamily="49" charset="0"/>
+              </a:rPr>
+              <a:t>);</a:t>
+            </a:r>
           </a:p>
           <a:p>
             <a:pPr marL="0" indent="0">
@@ -7313,109 +8331,17 @@
                 <a:latin typeface="Lucida Console" panose="020B0609040504020204" pitchFamily="49" charset="0"/>
                 <a:cs typeface="Consolas" panose="020B0609020204030204" pitchFamily="49" charset="0"/>
               </a:rPr>
-              <a:t> </a:t>
-            </a:r>
-            <a:r>
-              <a:rPr lang="en-US" sz="2200" b="1" dirty="0" smtClean="0">
-                <a:solidFill>
-                  <a:schemeClr val="bg1"/>
-                </a:solidFill>
-                <a:latin typeface="Lucida Console" panose="020B0609040504020204" pitchFamily="49" charset="0"/>
-                <a:cs typeface="Consolas" panose="020B0609020204030204" pitchFamily="49" charset="0"/>
-              </a:rPr>
-              <a:t>       </a:t>
-            </a:r>
-            <a:r>
-              <a:rPr lang="en-US" sz="2200" b="1" dirty="0" smtClean="0">
-                <a:solidFill>
-                  <a:srgbClr val="F92672"/>
-                </a:solidFill>
-                <a:latin typeface="Lucida Console" panose="020B0609040504020204" pitchFamily="49" charset="0"/>
-                <a:cs typeface="Consolas" panose="020B0609020204030204" pitchFamily="49" charset="0"/>
-              </a:rPr>
-              <a:t>else</a:t>
-            </a:r>
-            <a:r>
-              <a:rPr lang="en-US" sz="2200" b="1" dirty="0" smtClean="0">
-                <a:solidFill>
-                  <a:schemeClr val="bg1"/>
-                </a:solidFill>
-                <a:latin typeface="Lucida Console" panose="020B0609040504020204" pitchFamily="49" charset="0"/>
-                <a:cs typeface="Consolas" panose="020B0609020204030204" pitchFamily="49" charset="0"/>
-              </a:rPr>
-              <a:t> </a:t>
-            </a:r>
-            <a:r>
-              <a:rPr lang="en-US" sz="2200" b="1" dirty="0" err="1" smtClean="0">
-                <a:solidFill>
-                  <a:schemeClr val="bg1"/>
-                </a:solidFill>
-                <a:latin typeface="Lucida Console" panose="020B0609040504020204" pitchFamily="49" charset="0"/>
-                <a:cs typeface="Consolas" panose="020B0609020204030204" pitchFamily="49" charset="0"/>
-              </a:rPr>
-              <a:t>res.end</a:t>
-            </a:r>
-            <a:r>
-              <a:rPr lang="en-US" sz="2200" b="1" dirty="0" smtClean="0">
-                <a:solidFill>
-                  <a:schemeClr val="bg1"/>
-                </a:solidFill>
-                <a:latin typeface="Lucida Console" panose="020B0609040504020204" pitchFamily="49" charset="0"/>
-                <a:cs typeface="Consolas" panose="020B0609020204030204" pitchFamily="49" charset="0"/>
-              </a:rPr>
-              <a:t>(data); </a:t>
-            </a:r>
-          </a:p>
-          <a:p>
-            <a:pPr marL="0" indent="0">
-              <a:buNone/>
-            </a:pPr>
-            <a:r>
-              <a:rPr lang="en-US" sz="2200" b="1" dirty="0">
-                <a:solidFill>
-                  <a:schemeClr val="bg1"/>
-                </a:solidFill>
-                <a:latin typeface="Lucida Console" panose="020B0609040504020204" pitchFamily="49" charset="0"/>
-                <a:cs typeface="Consolas" panose="020B0609020204030204" pitchFamily="49" charset="0"/>
-              </a:rPr>
-              <a:t> </a:t>
-            </a:r>
-            <a:r>
-              <a:rPr lang="en-US" sz="2200" b="1" dirty="0" smtClean="0">
-                <a:solidFill>
-                  <a:schemeClr val="bg1"/>
-                </a:solidFill>
-                <a:latin typeface="Lucida Console" panose="020B0609040504020204" pitchFamily="49" charset="0"/>
-                <a:cs typeface="Consolas" panose="020B0609020204030204" pitchFamily="49" charset="0"/>
-              </a:rPr>
-              <a:t>   });</a:t>
-            </a:r>
-            <a:endParaRPr lang="en-US" sz="2200" b="1" dirty="0">
-              <a:solidFill>
-                <a:schemeClr val="bg1"/>
-              </a:solidFill>
-              <a:latin typeface="Lucida Console" panose="020B0609040504020204" pitchFamily="49" charset="0"/>
-              <a:cs typeface="Consolas" panose="020B0609020204030204" pitchFamily="49" charset="0"/>
-            </a:endParaRPr>
-          </a:p>
-          <a:p>
-            <a:pPr marL="0" indent="0">
-              <a:buNone/>
-            </a:pPr>
-            <a:r>
-              <a:rPr lang="en-US" sz="2200" b="1" dirty="0">
-                <a:solidFill>
-                  <a:schemeClr val="bg1"/>
-                </a:solidFill>
-                <a:latin typeface="Lucida Console" panose="020B0609040504020204" pitchFamily="49" charset="0"/>
-                <a:cs typeface="Consolas" panose="020B0609020204030204" pitchFamily="49" charset="0"/>
-              </a:rPr>
               <a:t>});</a:t>
             </a:r>
           </a:p>
         </p:txBody>
       </p:sp>
     </p:spTree>
+    <p:extLst>
+      <p:ext uri="{BB962C8B-B14F-4D97-AF65-F5344CB8AC3E}">
+        <p14:creationId xmlns:p14="http://schemas.microsoft.com/office/powerpoint/2010/main" val="1886347502"/>
+      </p:ext>
+    </p:extLst>
   </p:cSld>
   <p:clrMapOvr>
     <a:masterClrMapping/>
@@ -7637,17 +8563,62 @@
               <a:t>fs</a:t>
             </a:r>
             <a:r>
+              <a:rPr lang="en-US" sz="2200" b="1" dirty="0" smtClean="0">
+                <a:solidFill>
+                  <a:srgbClr val="E6DB74"/>
+                </a:solidFill>
+                <a:latin typeface="Lucida Console" panose="020B0609040504020204" pitchFamily="49" charset="0"/>
+                <a:cs typeface="Consolas" panose="020B0609020204030204" pitchFamily="49" charset="0"/>
+              </a:rPr>
+              <a:t>'</a:t>
+            </a:r>
+            <a:r>
+              <a:rPr lang="en-US" sz="2200" b="1" dirty="0" smtClean="0">
+                <a:solidFill>
+                  <a:schemeClr val="bg1"/>
+                </a:solidFill>
+                <a:latin typeface="Lucida Console" panose="020B0609040504020204" pitchFamily="49" charset="0"/>
+                <a:cs typeface="Consolas" panose="020B0609020204030204" pitchFamily="49" charset="0"/>
+              </a:rPr>
+              <a:t>),</a:t>
+            </a:r>
+          </a:p>
+          <a:p>
+            <a:pPr marL="0" indent="0">
+              <a:buNone/>
+            </a:pPr>
+            <a:r>
               <a:rPr lang="en-US" sz="2200" b="1" dirty="0">
                 <a:solidFill>
+                  <a:schemeClr val="bg1"/>
+                </a:solidFill>
+                <a:latin typeface="Lucida Console" panose="020B0609040504020204" pitchFamily="49" charset="0"/>
+                <a:cs typeface="Consolas" panose="020B0609020204030204" pitchFamily="49" charset="0"/>
+              </a:rPr>
+              <a:t> </a:t>
+            </a:r>
+            <a:r>
+              <a:rPr lang="en-US" sz="2200" b="1" dirty="0" smtClean="0">
+                <a:solidFill>
+                  <a:schemeClr val="bg1"/>
+                </a:solidFill>
+                <a:latin typeface="Lucida Console" panose="020B0609040504020204" pitchFamily="49" charset="0"/>
+                <a:cs typeface="Consolas" panose="020B0609020204030204" pitchFamily="49" charset="0"/>
+              </a:rPr>
+              <a:t>   oppressor = require(</a:t>
+            </a:r>
+            <a:r>
+              <a:rPr lang="en-US" sz="2200" b="1" dirty="0" smtClean="0">
+                <a:solidFill>
                   <a:srgbClr val="E6DB74"/>
                 </a:solidFill>
                 <a:latin typeface="Lucida Console" panose="020B0609040504020204" pitchFamily="49" charset="0"/>
                 <a:cs typeface="Consolas" panose="020B0609020204030204" pitchFamily="49" charset="0"/>
               </a:rPr>
-              <a:t>'</a:t>
-            </a:r>
-            <a:r>
-              <a:rPr lang="en-US" sz="2200" b="1" dirty="0">
+              <a:t>'oppressor'</a:t>
+            </a:r>
+            <a:r>
+              <a:rPr lang="en-US" sz="2200" b="1" dirty="0" smtClean="0">
                 <a:solidFill>
                   <a:schemeClr val="bg1"/>
                 </a:solidFill>
@@ -7656,6 +8627,13 @@
               </a:rPr>
               <a:t>);</a:t>
             </a:r>
+            <a:endParaRPr lang="en-US" sz="2200" b="1" dirty="0">
+              <a:solidFill>
+                <a:schemeClr val="bg1"/>
+              </a:solidFill>
+              <a:latin typeface="Lucida Console" panose="020B0609040504020204" pitchFamily="49" charset="0"/>
+              <a:cs typeface="Consolas" panose="020B0609020204030204" pitchFamily="49" charset="0"/>
+            </a:endParaRPr>
           </a:p>
           <a:p>
             <a:pPr marL="0" indent="0">
@@ -8056,16 +9034,6 @@
               <a:t>pipe</a:t>
             </a:r>
             <a:r>
-              <a:rPr lang="en-US" sz="2200" b="1" dirty="0" smtClean="0">
-                <a:solidFill>
-                  <a:schemeClr val="bg1"/>
-                </a:solidFill>
-                <a:latin typeface="Lucida Console" panose="020B0609040504020204" pitchFamily="49" charset="0"/>
-                <a:cs typeface="Consolas" panose="020B0609020204030204" pitchFamily="49" charset="0"/>
-              </a:rPr>
-              <a:t>(res</a:t>
-            </a:r>
-            <a:r>
               <a:rPr lang="en-US" sz="2200" b="1" dirty="0">
                 <a:solidFill>
                   <a:schemeClr val="bg1"/>
@@ -8073,7 +9041,27 @@
                 <a:latin typeface="Lucida Console" panose="020B0609040504020204" pitchFamily="49" charset="0"/>
                 <a:cs typeface="Consolas" panose="020B0609020204030204" pitchFamily="49" charset="0"/>
               </a:rPr>
-              <a:t>);</a:t>
+              <a:t>(res, oppressor(</a:t>
+            </a:r>
+            <a:r>
+              <a:rPr lang="en-US" sz="2200" b="1" dirty="0" err="1">
+                <a:solidFill>
+                  <a:schemeClr val="bg1"/>
+                </a:solidFill>
+                <a:latin typeface="Lucida Console" panose="020B0609040504020204" pitchFamily="49" charset="0"/>
+                <a:cs typeface="Consolas" panose="020B0609020204030204" pitchFamily="49" charset="0"/>
+              </a:rPr>
+              <a:t>req</a:t>
+            </a:r>
+            <a:r>
+              <a:rPr lang="en-US" sz="2200" b="1" dirty="0">
+                <a:solidFill>
+                  <a:schemeClr val="bg1"/>
+                </a:solidFill>
+                <a:latin typeface="Lucida Console" panose="020B0609040504020204" pitchFamily="49" charset="0"/>
+                <a:cs typeface="Consolas" panose="020B0609020204030204" pitchFamily="49" charset="0"/>
+              </a:rPr>
+              <a:t>));</a:t>
             </a:r>
           </a:p>
           <a:p>
@@ -8096,13 +9084,20 @@
     </p:spTree>
     <p:extLst>
       <p:ext uri="{BB962C8B-B14F-4D97-AF65-F5344CB8AC3E}">
-        <p14:creationId xmlns:p14="http://schemas.microsoft.com/office/powerpoint/2010/main" val="1886347502"/>
+        <p14:creationId xmlns:p14="http://schemas.microsoft.com/office/powerpoint/2010/main" val="1194918028"/>
       </p:ext>
     </p:extLst>
   </p:cSld>
   <p:clrMapOvr>
     <a:masterClrMapping/>
   </p:clrMapOvr>
+  <p:timing>
+    <p:tnLst>
+      <p:par>
+        <p:cTn id="1" dur="indefinite" restart="never" nodeType="tmRoot"/>
+      </p:par>
+    </p:tnLst>
+  </p:timing>
 </p:sld>
 </file>
 
@@ -8133,7 +9128,7 @@
       </p:grpSpPr>
       <p:pic>
         <p:nvPicPr>
-          <p:cNvPr id="5" name="Picture 4"/>
+          <p:cNvPr id="4" name="Picture 3"/>
           <p:cNvPicPr>
             <a:picLocks noChangeAspect="1"/>
           </p:cNvPicPr>
@@ -8147,7 +9142,7 @@
         </p:blipFill>
         <p:spPr>
           <a:xfrm>
-            <a:off x="10886" y="0"/>
+            <a:off x="0" y="0"/>
             <a:ext cx="2781300" cy="2257425"/>
           </a:xfrm>
           <a:prstGeom prst="rect">
@@ -8178,7 +9173,7 @@
                 </a:solidFill>
                 <a:latin typeface="Proxima Nova Rg" panose="02000506030000020004" pitchFamily="2" charset="0"/>
               </a:rPr>
-              <a:t>Why not?</a:t>
+              <a:t>The Land Before Streams</a:t>
             </a:r>
             <a:endParaRPr lang="en-US" dirty="0">
               <a:solidFill>
@@ -8191,663 +9186,337 @@
       </p:sp>
       <p:sp>
         <p:nvSpPr>
-          <p:cNvPr id="3" name="Content Placeholder 2"/>
-          <p:cNvSpPr>
-            <a:spLocks noGrp="1"/>
-          </p:cNvSpPr>
-          <p:nvPr>
-            <p:ph idx="1"/>
-          </p:nvPr>
+          <p:cNvPr id="5" name="TextBox 4"/>
+          <p:cNvSpPr txBox="1"/>
+          <p:nvPr/>
         </p:nvSpPr>
         <p:spPr>
           <a:xfrm>
-            <a:off x="228600" y="1600200"/>
-            <a:ext cx="8686800" cy="4525963"/>
+            <a:off x="914400" y="1905000"/>
+            <a:ext cx="7086600" cy="1446550"/>
           </a:xfrm>
+          <a:prstGeom prst="rect">
+            <a:avLst/>
+          </a:prstGeom>
+          <a:noFill/>
         </p:spPr>
         <p:txBody>
-          <a:bodyPr>
-            <a:noAutofit/>
+          <a:bodyPr wrap="square" rtlCol="0">
+            <a:spAutoFit/>
           </a:bodyPr>
           <a:lstStyle/>
           <a:p>
-            <a:pPr marL="0" indent="0">
-              <a:buNone/>
-            </a:pPr>
-            <a:r>
-              <a:rPr lang="en-US" sz="2200" b="1" dirty="0" err="1">
-                <a:solidFill>
-                  <a:srgbClr val="66D9EF"/>
-                </a:solidFill>
-                <a:latin typeface="Lucida Console" panose="020B0609040504020204" pitchFamily="49" charset="0"/>
-                <a:cs typeface="Consolas" panose="020B0609020204030204" pitchFamily="49" charset="0"/>
-              </a:rPr>
-              <a:t>var</a:t>
-            </a:r>
-            <a:r>
-              <a:rPr lang="en-US" sz="2200" b="1" dirty="0">
-                <a:solidFill>
-                  <a:srgbClr val="66D9EF"/>
-                </a:solidFill>
-                <a:latin typeface="Lucida Console" panose="020B0609040504020204" pitchFamily="49" charset="0"/>
-                <a:cs typeface="Consolas" panose="020B0609020204030204" pitchFamily="49" charset="0"/>
-              </a:rPr>
-              <a:t> </a:t>
-            </a:r>
-            <a:r>
-              <a:rPr lang="en-US" sz="2200" b="1" dirty="0">
-                <a:solidFill>
-                  <a:schemeClr val="bg1"/>
-                </a:solidFill>
-                <a:latin typeface="Lucida Console" panose="020B0609040504020204" pitchFamily="49" charset="0"/>
-                <a:cs typeface="Consolas" panose="020B0609020204030204" pitchFamily="49" charset="0"/>
-              </a:rPr>
-              <a:t>http = require(</a:t>
-            </a:r>
-            <a:r>
-              <a:rPr lang="en-US" sz="2200" b="1" dirty="0">
-                <a:solidFill>
-                  <a:srgbClr val="E6DB74"/>
-                </a:solidFill>
-                <a:latin typeface="Lucida Console" panose="020B0609040504020204" pitchFamily="49" charset="0"/>
-                <a:cs typeface="Consolas" panose="020B0609020204030204" pitchFamily="49" charset="0"/>
-              </a:rPr>
-              <a:t>'http'</a:t>
-            </a:r>
-            <a:r>
-              <a:rPr lang="en-US" sz="2200" b="1" dirty="0">
-                <a:solidFill>
-                  <a:schemeClr val="bg1"/>
-                </a:solidFill>
-                <a:latin typeface="Lucida Console" panose="020B0609040504020204" pitchFamily="49" charset="0"/>
-                <a:cs typeface="Consolas" panose="020B0609020204030204" pitchFamily="49" charset="0"/>
-              </a:rPr>
-              <a:t>), </a:t>
-            </a:r>
-          </a:p>
-          <a:p>
-            <a:pPr marL="0" indent="0">
-              <a:buNone/>
-            </a:pPr>
-            <a:r>
-              <a:rPr lang="en-US" sz="2200" b="1" dirty="0">
-                <a:solidFill>
-                  <a:schemeClr val="bg1"/>
-                </a:solidFill>
-                <a:latin typeface="Lucida Console" panose="020B0609040504020204" pitchFamily="49" charset="0"/>
-                <a:cs typeface="Consolas" panose="020B0609020204030204" pitchFamily="49" charset="0"/>
-              </a:rPr>
-              <a:t>    </a:t>
-            </a:r>
-            <a:r>
-              <a:rPr lang="en-US" sz="2200" b="1" dirty="0" err="1">
-                <a:solidFill>
-                  <a:schemeClr val="bg1"/>
-                </a:solidFill>
-                <a:latin typeface="Lucida Console" panose="020B0609040504020204" pitchFamily="49" charset="0"/>
-                <a:cs typeface="Consolas" panose="020B0609020204030204" pitchFamily="49" charset="0"/>
+            <a:r>
+              <a:rPr lang="en-US" sz="4400" dirty="0" err="1" smtClean="0">
+                <a:solidFill>
+                  <a:schemeClr val="bg1"/>
+                </a:solidFill>
+                <a:latin typeface="Proxima Nova Rg" panose="02000506030000020004" pitchFamily="2" charset="0"/>
               </a:rPr>
               <a:t>fs</a:t>
             </a:r>
             <a:r>
-              <a:rPr lang="en-US" sz="2200" b="1" dirty="0">
-                <a:solidFill>
-                  <a:schemeClr val="bg1"/>
-                </a:solidFill>
-                <a:latin typeface="Lucida Console" panose="020B0609040504020204" pitchFamily="49" charset="0"/>
-                <a:cs typeface="Consolas" panose="020B0609020204030204" pitchFamily="49" charset="0"/>
-              </a:rPr>
-              <a:t> = require(</a:t>
-            </a:r>
-            <a:r>
-              <a:rPr lang="en-US" sz="2200" b="1" dirty="0">
-                <a:solidFill>
-                  <a:srgbClr val="E6DB74"/>
-                </a:solidFill>
-                <a:latin typeface="Lucida Console" panose="020B0609040504020204" pitchFamily="49" charset="0"/>
-                <a:cs typeface="Consolas" panose="020B0609020204030204" pitchFamily="49" charset="0"/>
-              </a:rPr>
-              <a:t>'</a:t>
-            </a:r>
-            <a:r>
-              <a:rPr lang="en-US" sz="2200" b="1" dirty="0" err="1">
-                <a:solidFill>
-                  <a:srgbClr val="E6DB74"/>
-                </a:solidFill>
-                <a:latin typeface="Lucida Console" panose="020B0609040504020204" pitchFamily="49" charset="0"/>
-                <a:cs typeface="Consolas" panose="020B0609020204030204" pitchFamily="49" charset="0"/>
-              </a:rPr>
-              <a:t>fs</a:t>
-            </a:r>
-            <a:r>
-              <a:rPr lang="en-US" sz="2200" b="1" dirty="0" smtClean="0">
-                <a:solidFill>
-                  <a:srgbClr val="E6DB74"/>
-                </a:solidFill>
-                <a:latin typeface="Lucida Console" panose="020B0609040504020204" pitchFamily="49" charset="0"/>
-                <a:cs typeface="Consolas" panose="020B0609020204030204" pitchFamily="49" charset="0"/>
-              </a:rPr>
-              <a:t>'</a:t>
-            </a:r>
-            <a:r>
-              <a:rPr lang="en-US" sz="2200" b="1" dirty="0" smtClean="0">
-                <a:solidFill>
-                  <a:schemeClr val="bg1"/>
-                </a:solidFill>
-                <a:latin typeface="Lucida Console" panose="020B0609040504020204" pitchFamily="49" charset="0"/>
-                <a:cs typeface="Consolas" panose="020B0609020204030204" pitchFamily="49" charset="0"/>
-              </a:rPr>
-              <a:t>),</a:t>
-            </a:r>
-          </a:p>
-          <a:p>
-            <a:pPr marL="0" indent="0">
-              <a:buNone/>
-            </a:pPr>
-            <a:r>
-              <a:rPr lang="en-US" sz="2200" b="1" dirty="0">
-                <a:solidFill>
-                  <a:schemeClr val="bg1"/>
-                </a:solidFill>
-                <a:latin typeface="Lucida Console" panose="020B0609040504020204" pitchFamily="49" charset="0"/>
-                <a:cs typeface="Consolas" panose="020B0609020204030204" pitchFamily="49" charset="0"/>
-              </a:rPr>
-              <a:t> </a:t>
-            </a:r>
-            <a:r>
-              <a:rPr lang="en-US" sz="2200" b="1" dirty="0" smtClean="0">
-                <a:solidFill>
-                  <a:schemeClr val="bg1"/>
-                </a:solidFill>
-                <a:latin typeface="Lucida Console" panose="020B0609040504020204" pitchFamily="49" charset="0"/>
-                <a:cs typeface="Consolas" panose="020B0609020204030204" pitchFamily="49" charset="0"/>
-              </a:rPr>
-              <a:t>   oppressor = require(</a:t>
-            </a:r>
-            <a:r>
-              <a:rPr lang="en-US" sz="2200" b="1" dirty="0" smtClean="0">
-                <a:solidFill>
-                  <a:srgbClr val="E6DB74"/>
-                </a:solidFill>
-                <a:latin typeface="Lucida Console" panose="020B0609040504020204" pitchFamily="49" charset="0"/>
-                <a:cs typeface="Consolas" panose="020B0609020204030204" pitchFamily="49" charset="0"/>
-              </a:rPr>
-              <a:t>'oppressor'</a:t>
-            </a:r>
-            <a:r>
-              <a:rPr lang="en-US" sz="2200" b="1" dirty="0" smtClean="0">
-                <a:solidFill>
-                  <a:schemeClr val="bg1"/>
-                </a:solidFill>
-                <a:latin typeface="Lucida Console" panose="020B0609040504020204" pitchFamily="49" charset="0"/>
-                <a:cs typeface="Consolas" panose="020B0609020204030204" pitchFamily="49" charset="0"/>
-              </a:rPr>
-              <a:t>);</a:t>
-            </a:r>
-            <a:endParaRPr lang="en-US" sz="2200" b="1" dirty="0">
+              <a:rPr lang="en-US" sz="4400" dirty="0" smtClean="0">
+                <a:solidFill>
+                  <a:schemeClr val="bg1"/>
+                </a:solidFill>
+                <a:latin typeface="Proxima Nova Rg" panose="02000506030000020004" pitchFamily="2" charset="0"/>
+              </a:rPr>
+              <a:t>, http, </a:t>
+            </a:r>
+            <a:r>
+              <a:rPr lang="en-US" sz="4400" dirty="0" err="1" smtClean="0">
+                <a:solidFill>
+                  <a:schemeClr val="bg1"/>
+                </a:solidFill>
+                <a:latin typeface="Proxima Nova Rg" panose="02000506030000020004" pitchFamily="2" charset="0"/>
+              </a:rPr>
+              <a:t>tcp</a:t>
+            </a:r>
+            <a:r>
+              <a:rPr lang="en-US" sz="4400" dirty="0" smtClean="0">
+                <a:solidFill>
+                  <a:schemeClr val="bg1"/>
+                </a:solidFill>
+                <a:latin typeface="Proxima Nova Rg" panose="02000506030000020004" pitchFamily="2" charset="0"/>
+              </a:rPr>
+              <a:t>: all different interfaces</a:t>
+            </a:r>
+            <a:endParaRPr lang="en-US" sz="4400" dirty="0">
               <a:solidFill>
                 <a:schemeClr val="bg1"/>
               </a:solidFill>
-              <a:latin typeface="Lucida Console" panose="020B0609040504020204" pitchFamily="49" charset="0"/>
-              <a:cs typeface="Consolas" panose="020B0609020204030204" pitchFamily="49" charset="0"/>
+              <a:latin typeface="Proxima Nova Rg" panose="02000506030000020004" pitchFamily="2" charset="0"/>
             </a:endParaRPr>
           </a:p>
-          <a:p>
-            <a:pPr marL="0" indent="0">
-              <a:buNone/>
+        </p:txBody>
+      </p:sp>
+      <p:sp>
+        <p:nvSpPr>
+          <p:cNvPr id="6" name="TextBox 5"/>
+          <p:cNvSpPr txBox="1"/>
+          <p:nvPr/>
+        </p:nvSpPr>
+        <p:spPr>
+          <a:xfrm>
+            <a:off x="914400" y="3573959"/>
+            <a:ext cx="7696200" cy="769441"/>
+          </a:xfrm>
+          <a:prstGeom prst="rect">
+            <a:avLst/>
+          </a:prstGeom>
+          <a:noFill/>
+        </p:spPr>
+        <p:txBody>
+          <a:bodyPr wrap="square" rtlCol="0">
+            <a:spAutoFit/>
+          </a:bodyPr>
+          <a:lstStyle/>
+          <a:p>
+            <a:pPr>
+              <a:defRPr/>
             </a:pPr>
-            <a:endParaRPr lang="en-US" sz="2200" b="1" dirty="0">
+            <a:r>
+              <a:rPr lang="en-US" sz="4400" dirty="0" smtClean="0">
+                <a:solidFill>
+                  <a:schemeClr val="bg1"/>
+                </a:solidFill>
+                <a:latin typeface="Proxima Nova Rg"/>
+              </a:rPr>
+              <a:t>Different event names</a:t>
+            </a:r>
+            <a:endParaRPr lang="en-US" sz="4400" dirty="0">
               <a:solidFill>
                 <a:schemeClr val="bg1"/>
               </a:solidFill>
-              <a:latin typeface="Lucida Console" panose="020B0609040504020204" pitchFamily="49" charset="0"/>
-              <a:cs typeface="Consolas" panose="020B0609020204030204" pitchFamily="49" charset="0"/>
+              <a:latin typeface="Proxima Nova Rg"/>
             </a:endParaRPr>
           </a:p>
-          <a:p>
-            <a:pPr marL="0" indent="0">
-              <a:buNone/>
+        </p:txBody>
+      </p:sp>
+      <p:sp>
+        <p:nvSpPr>
+          <p:cNvPr id="7" name="TextBox 6"/>
+          <p:cNvSpPr txBox="1"/>
+          <p:nvPr/>
+        </p:nvSpPr>
+        <p:spPr>
+          <a:xfrm>
+            <a:off x="914400" y="4801850"/>
+            <a:ext cx="7696200" cy="769441"/>
+          </a:xfrm>
+          <a:prstGeom prst="rect">
+            <a:avLst/>
+          </a:prstGeom>
+          <a:noFill/>
+        </p:spPr>
+        <p:txBody>
+          <a:bodyPr wrap="square" rtlCol="0">
+            <a:spAutoFit/>
+          </a:bodyPr>
+          <a:lstStyle/>
+          <a:p>
+            <a:pPr>
+              <a:defRPr/>
             </a:pPr>
             <a:r>
-              <a:rPr lang="en-US" sz="2200" b="1" dirty="0" err="1">
-                <a:solidFill>
-                  <a:schemeClr val="bg1"/>
-                </a:solidFill>
-                <a:latin typeface="Lucida Console" panose="020B0609040504020204" pitchFamily="49" charset="0"/>
-                <a:cs typeface="Consolas" panose="020B0609020204030204" pitchFamily="49" charset="0"/>
-              </a:rPr>
-              <a:t>http.</a:t>
-            </a:r>
-            <a:r>
-              <a:rPr lang="en-US" sz="2200" b="1" dirty="0" err="1">
-                <a:solidFill>
-                  <a:srgbClr val="66D9EF"/>
-                </a:solidFill>
-                <a:latin typeface="Lucida Console" panose="020B0609040504020204" pitchFamily="49" charset="0"/>
-                <a:cs typeface="Consolas" panose="020B0609020204030204" pitchFamily="49" charset="0"/>
-              </a:rPr>
-              <a:t>createServer</a:t>
-            </a:r>
-            <a:r>
-              <a:rPr lang="en-US" sz="2200" b="1" dirty="0">
-                <a:solidFill>
-                  <a:schemeClr val="bg1"/>
-                </a:solidFill>
-                <a:latin typeface="Lucida Console" panose="020B0609040504020204" pitchFamily="49" charset="0"/>
-                <a:cs typeface="Consolas" panose="020B0609020204030204" pitchFamily="49" charset="0"/>
-              </a:rPr>
-              <a:t>(function (</a:t>
-            </a:r>
-            <a:r>
-              <a:rPr lang="en-US" sz="2200" b="1" dirty="0" err="1">
-                <a:solidFill>
-                  <a:srgbClr val="FD971F"/>
-                </a:solidFill>
-                <a:latin typeface="Lucida Console" panose="020B0609040504020204" pitchFamily="49" charset="0"/>
-                <a:cs typeface="Consolas" panose="020B0609020204030204" pitchFamily="49" charset="0"/>
-              </a:rPr>
-              <a:t>req</a:t>
-            </a:r>
-            <a:r>
-              <a:rPr lang="en-US" sz="2200" b="1" dirty="0">
-                <a:solidFill>
-                  <a:srgbClr val="FD971F"/>
-                </a:solidFill>
-                <a:latin typeface="Lucida Console" panose="020B0609040504020204" pitchFamily="49" charset="0"/>
-                <a:cs typeface="Consolas" panose="020B0609020204030204" pitchFamily="49" charset="0"/>
-              </a:rPr>
-              <a:t>, res</a:t>
-            </a:r>
-            <a:r>
-              <a:rPr lang="en-US" sz="2200" b="1" dirty="0">
-                <a:solidFill>
-                  <a:schemeClr val="bg1"/>
-                </a:solidFill>
-                <a:latin typeface="Lucida Console" panose="020B0609040504020204" pitchFamily="49" charset="0"/>
-                <a:cs typeface="Consolas" panose="020B0609020204030204" pitchFamily="49" charset="0"/>
-              </a:rPr>
-              <a:t>) {</a:t>
-            </a:r>
-          </a:p>
-          <a:p>
-            <a:pPr marL="0" indent="0">
-              <a:buNone/>
-            </a:pPr>
-            <a:r>
-              <a:rPr lang="en-US" sz="2200" b="1" dirty="0">
-                <a:solidFill>
-                  <a:schemeClr val="bg1"/>
-                </a:solidFill>
-                <a:latin typeface="Lucida Console" panose="020B0609040504020204" pitchFamily="49" charset="0"/>
-                <a:cs typeface="Consolas" panose="020B0609020204030204" pitchFamily="49" charset="0"/>
-              </a:rPr>
-              <a:t>    </a:t>
-            </a:r>
-            <a:r>
-              <a:rPr lang="en-US" sz="2200" b="1" dirty="0" err="1">
-                <a:solidFill>
-                  <a:srgbClr val="66D9EF"/>
-                </a:solidFill>
-                <a:latin typeface="Lucida Console" panose="020B0609040504020204" pitchFamily="49" charset="0"/>
-                <a:cs typeface="Consolas" panose="020B0609020204030204" pitchFamily="49" charset="0"/>
-              </a:rPr>
-              <a:t>var</a:t>
-            </a:r>
-            <a:r>
-              <a:rPr lang="en-US" sz="2200" b="1" dirty="0">
-                <a:solidFill>
-                  <a:srgbClr val="66D9EF"/>
-                </a:solidFill>
-                <a:latin typeface="Lucida Console" panose="020B0609040504020204" pitchFamily="49" charset="0"/>
-                <a:cs typeface="Consolas" panose="020B0609020204030204" pitchFamily="49" charset="0"/>
-              </a:rPr>
-              <a:t> </a:t>
-            </a:r>
-            <a:r>
-              <a:rPr lang="en-US" sz="2200" b="1" dirty="0">
-                <a:solidFill>
-                  <a:schemeClr val="bg1"/>
-                </a:solidFill>
-                <a:latin typeface="Lucida Console" panose="020B0609040504020204" pitchFamily="49" charset="0"/>
-                <a:cs typeface="Consolas" panose="020B0609020204030204" pitchFamily="49" charset="0"/>
-              </a:rPr>
-              <a:t>s = </a:t>
-            </a:r>
-            <a:r>
-              <a:rPr lang="en-US" sz="2200" b="1" dirty="0" err="1">
-                <a:solidFill>
-                  <a:schemeClr val="bg1"/>
-                </a:solidFill>
-                <a:latin typeface="Lucida Console" panose="020B0609040504020204" pitchFamily="49" charset="0"/>
-                <a:cs typeface="Consolas" panose="020B0609020204030204" pitchFamily="49" charset="0"/>
-              </a:rPr>
-              <a:t>fs.createReadStream</a:t>
-            </a:r>
-            <a:r>
-              <a:rPr lang="en-US" sz="2200" b="1" dirty="0">
-                <a:solidFill>
-                  <a:schemeClr val="bg1"/>
-                </a:solidFill>
-                <a:latin typeface="Lucida Console" panose="020B0609040504020204" pitchFamily="49" charset="0"/>
-                <a:cs typeface="Consolas" panose="020B0609020204030204" pitchFamily="49" charset="0"/>
-              </a:rPr>
-              <a:t>(</a:t>
-            </a:r>
-            <a:r>
-              <a:rPr lang="en-US" sz="2200" b="1" dirty="0">
-                <a:solidFill>
-                  <a:srgbClr val="E6DB74"/>
-                </a:solidFill>
-                <a:latin typeface="Lucida Console" panose="020B0609040504020204" pitchFamily="49" charset="0"/>
-                <a:cs typeface="Consolas" panose="020B0609020204030204" pitchFamily="49" charset="0"/>
-              </a:rPr>
-              <a:t>'file.txt'</a:t>
-            </a:r>
-            <a:r>
-              <a:rPr lang="en-US" sz="2200" b="1" dirty="0">
-                <a:solidFill>
-                  <a:schemeClr val="bg1"/>
-                </a:solidFill>
-                <a:latin typeface="Lucida Console" panose="020B0609040504020204" pitchFamily="49" charset="0"/>
-                <a:cs typeface="Consolas" panose="020B0609020204030204" pitchFamily="49" charset="0"/>
-              </a:rPr>
-              <a:t>);</a:t>
-            </a:r>
-          </a:p>
-          <a:p>
-            <a:pPr marL="0" indent="0">
-              <a:buNone/>
-            </a:pPr>
-            <a:r>
-              <a:rPr lang="en-US" sz="2200" b="1" dirty="0">
-                <a:solidFill>
-                  <a:schemeClr val="bg1"/>
-                </a:solidFill>
-                <a:latin typeface="Lucida Console" panose="020B0609040504020204" pitchFamily="49" charset="0"/>
-                <a:cs typeface="Consolas" panose="020B0609020204030204" pitchFamily="49" charset="0"/>
-              </a:rPr>
-              <a:t>    </a:t>
-            </a:r>
-            <a:r>
-              <a:rPr lang="en-US" sz="2200" b="1" dirty="0" err="1">
-                <a:solidFill>
-                  <a:schemeClr val="bg1"/>
-                </a:solidFill>
-                <a:latin typeface="Lucida Console" panose="020B0609040504020204" pitchFamily="49" charset="0"/>
-                <a:cs typeface="Consolas" panose="020B0609020204030204" pitchFamily="49" charset="0"/>
-              </a:rPr>
-              <a:t>s.</a:t>
-            </a:r>
-            <a:r>
-              <a:rPr lang="en-US" sz="2200" b="1" dirty="0" err="1">
-                <a:solidFill>
-                  <a:srgbClr val="66D9EF"/>
-                </a:solidFill>
-                <a:latin typeface="Lucida Console" panose="020B0609040504020204" pitchFamily="49" charset="0"/>
-                <a:cs typeface="Consolas" panose="020B0609020204030204" pitchFamily="49" charset="0"/>
-              </a:rPr>
-              <a:t>on</a:t>
-            </a:r>
-            <a:r>
-              <a:rPr lang="en-US" sz="2200" b="1" dirty="0">
-                <a:solidFill>
-                  <a:schemeClr val="bg1"/>
-                </a:solidFill>
-                <a:latin typeface="Lucida Console" panose="020B0609040504020204" pitchFamily="49" charset="0"/>
-                <a:cs typeface="Consolas" panose="020B0609020204030204" pitchFamily="49" charset="0"/>
-              </a:rPr>
-              <a:t>(</a:t>
-            </a:r>
-            <a:r>
-              <a:rPr lang="en-US" sz="2200" b="1" dirty="0">
-                <a:solidFill>
-                  <a:srgbClr val="E6DB74"/>
-                </a:solidFill>
-                <a:latin typeface="Lucida Console" panose="020B0609040504020204" pitchFamily="49" charset="0"/>
-                <a:cs typeface="Consolas" panose="020B0609020204030204" pitchFamily="49" charset="0"/>
-              </a:rPr>
-              <a:t>'error'</a:t>
-            </a:r>
-            <a:r>
-              <a:rPr lang="en-US" sz="2200" b="1" dirty="0">
-                <a:solidFill>
-                  <a:schemeClr val="bg1"/>
-                </a:solidFill>
-                <a:latin typeface="Lucida Console" panose="020B0609040504020204" pitchFamily="49" charset="0"/>
-                <a:cs typeface="Consolas" panose="020B0609020204030204" pitchFamily="49" charset="0"/>
-              </a:rPr>
-              <a:t>, function () {</a:t>
-            </a:r>
-          </a:p>
-          <a:p>
-            <a:pPr marL="0" indent="0">
-              <a:buNone/>
-            </a:pPr>
-            <a:r>
-              <a:rPr lang="en-US" sz="2200" b="1" dirty="0">
-                <a:solidFill>
-                  <a:schemeClr val="bg1"/>
-                </a:solidFill>
-                <a:latin typeface="Lucida Console" panose="020B0609040504020204" pitchFamily="49" charset="0"/>
-                <a:cs typeface="Consolas" panose="020B0609020204030204" pitchFamily="49" charset="0"/>
-              </a:rPr>
-              <a:t>        </a:t>
-            </a:r>
-            <a:r>
-              <a:rPr lang="en-US" sz="2200" b="1" dirty="0" err="1">
-                <a:solidFill>
-                  <a:schemeClr val="bg1"/>
-                </a:solidFill>
-                <a:latin typeface="Lucida Console" panose="020B0609040504020204" pitchFamily="49" charset="0"/>
-                <a:cs typeface="Consolas" panose="020B0609020204030204" pitchFamily="49" charset="0"/>
-              </a:rPr>
-              <a:t>res.statusCode</a:t>
-            </a:r>
-            <a:r>
-              <a:rPr lang="en-US" sz="2200" b="1" dirty="0">
-                <a:solidFill>
-                  <a:schemeClr val="bg1"/>
-                </a:solidFill>
-                <a:latin typeface="Lucida Console" panose="020B0609040504020204" pitchFamily="49" charset="0"/>
-                <a:cs typeface="Consolas" panose="020B0609020204030204" pitchFamily="49" charset="0"/>
-              </a:rPr>
-              <a:t> = </a:t>
-            </a:r>
-            <a:r>
-              <a:rPr lang="en-US" sz="2200" b="1" dirty="0">
-                <a:solidFill>
-                  <a:srgbClr val="AE81FF"/>
-                </a:solidFill>
-                <a:latin typeface="Lucida Console" panose="020B0609040504020204" pitchFamily="49" charset="0"/>
-                <a:cs typeface="Consolas" panose="020B0609020204030204" pitchFamily="49" charset="0"/>
-              </a:rPr>
-              <a:t>500</a:t>
-            </a:r>
-            <a:r>
-              <a:rPr lang="en-US" sz="2200" b="1" dirty="0">
-                <a:solidFill>
-                  <a:schemeClr val="bg1"/>
-                </a:solidFill>
-                <a:latin typeface="Lucida Console" panose="020B0609040504020204" pitchFamily="49" charset="0"/>
-                <a:cs typeface="Consolas" panose="020B0609020204030204" pitchFamily="49" charset="0"/>
-              </a:rPr>
-              <a:t>;</a:t>
-            </a:r>
-          </a:p>
-          <a:p>
-            <a:pPr marL="0" indent="0">
-              <a:buNone/>
-            </a:pPr>
-            <a:r>
-              <a:rPr lang="en-US" sz="2200" b="1" dirty="0">
-                <a:solidFill>
-                  <a:schemeClr val="bg1"/>
-                </a:solidFill>
-                <a:latin typeface="Lucida Console" panose="020B0609040504020204" pitchFamily="49" charset="0"/>
-                <a:cs typeface="Consolas" panose="020B0609020204030204" pitchFamily="49" charset="0"/>
-              </a:rPr>
-              <a:t>        </a:t>
-            </a:r>
-            <a:r>
-              <a:rPr lang="en-US" sz="2200" b="1" dirty="0" err="1">
-                <a:solidFill>
-                  <a:schemeClr val="bg1"/>
-                </a:solidFill>
-                <a:latin typeface="Lucida Console" panose="020B0609040504020204" pitchFamily="49" charset="0"/>
-                <a:cs typeface="Consolas" panose="020B0609020204030204" pitchFamily="49" charset="0"/>
-              </a:rPr>
-              <a:t>res.end</a:t>
-            </a:r>
-            <a:r>
-              <a:rPr lang="en-US" sz="2200" b="1" dirty="0">
-                <a:solidFill>
-                  <a:schemeClr val="bg1"/>
-                </a:solidFill>
-                <a:latin typeface="Lucida Console" panose="020B0609040504020204" pitchFamily="49" charset="0"/>
-                <a:cs typeface="Consolas" panose="020B0609020204030204" pitchFamily="49" charset="0"/>
-              </a:rPr>
-              <a:t>(</a:t>
-            </a:r>
-            <a:r>
-              <a:rPr lang="en-US" sz="2200" b="1" dirty="0" err="1">
-                <a:solidFill>
-                  <a:schemeClr val="bg1"/>
-                </a:solidFill>
-                <a:latin typeface="Lucida Console" panose="020B0609040504020204" pitchFamily="49" charset="0"/>
-                <a:cs typeface="Consolas" panose="020B0609020204030204" pitchFamily="49" charset="0"/>
-              </a:rPr>
-              <a:t>err.toString</a:t>
-            </a:r>
-            <a:r>
-              <a:rPr lang="en-US" sz="2200" b="1" dirty="0">
-                <a:solidFill>
-                  <a:schemeClr val="bg1"/>
-                </a:solidFill>
-                <a:latin typeface="Lucida Console" panose="020B0609040504020204" pitchFamily="49" charset="0"/>
-                <a:cs typeface="Consolas" panose="020B0609020204030204" pitchFamily="49" charset="0"/>
-              </a:rPr>
-              <a:t>());</a:t>
-            </a:r>
-          </a:p>
-          <a:p>
-            <a:pPr marL="0" indent="0">
-              <a:buNone/>
-            </a:pPr>
-            <a:r>
-              <a:rPr lang="en-US" sz="2200" b="1" dirty="0">
-                <a:solidFill>
-                  <a:schemeClr val="bg1"/>
-                </a:solidFill>
-                <a:latin typeface="Lucida Console" panose="020B0609040504020204" pitchFamily="49" charset="0"/>
-                <a:cs typeface="Consolas" panose="020B0609020204030204" pitchFamily="49" charset="0"/>
-              </a:rPr>
-              <a:t>    };</a:t>
-            </a:r>
-          </a:p>
-          <a:p>
-            <a:pPr marL="0" indent="0">
-              <a:buNone/>
-            </a:pPr>
-            <a:endParaRPr lang="en-US" sz="2200" b="1" dirty="0">
+              <a:rPr lang="en-US" sz="4400" dirty="0" smtClean="0">
+                <a:solidFill>
+                  <a:schemeClr val="bg1"/>
+                </a:solidFill>
+                <a:latin typeface="Proxima Nova Rg"/>
+              </a:rPr>
+              <a:t>No easy way of composition</a:t>
+            </a:r>
+            <a:endParaRPr lang="en-US" sz="4400" dirty="0">
               <a:solidFill>
                 <a:schemeClr val="bg1"/>
               </a:solidFill>
-              <a:latin typeface="Lucida Console" panose="020B0609040504020204" pitchFamily="49" charset="0"/>
-              <a:cs typeface="Consolas" panose="020B0609020204030204" pitchFamily="49" charset="0"/>
+              <a:latin typeface="Proxima Nova Rg"/>
             </a:endParaRPr>
-          </a:p>
-          <a:p>
-            <a:pPr marL="0" indent="0">
-              <a:buNone/>
-            </a:pPr>
-            <a:r>
-              <a:rPr lang="en-US" sz="2200" b="1" dirty="0">
-                <a:solidFill>
-                  <a:schemeClr val="bg1"/>
-                </a:solidFill>
-                <a:latin typeface="Lucida Console" panose="020B0609040504020204" pitchFamily="49" charset="0"/>
-                <a:cs typeface="Consolas" panose="020B0609020204030204" pitchFamily="49" charset="0"/>
-              </a:rPr>
-              <a:t>    </a:t>
-            </a:r>
-            <a:r>
-              <a:rPr lang="en-US" sz="2200" b="1" dirty="0" err="1" smtClean="0">
-                <a:solidFill>
-                  <a:schemeClr val="bg1"/>
-                </a:solidFill>
-                <a:latin typeface="Lucida Console" panose="020B0609040504020204" pitchFamily="49" charset="0"/>
-                <a:cs typeface="Consolas" panose="020B0609020204030204" pitchFamily="49" charset="0"/>
-              </a:rPr>
-              <a:t>s.</a:t>
-            </a:r>
-            <a:r>
-              <a:rPr lang="en-US" sz="2200" b="1" dirty="0" err="1" smtClean="0">
-                <a:solidFill>
-                  <a:srgbClr val="66D9EF"/>
-                </a:solidFill>
-                <a:latin typeface="Lucida Console" panose="020B0609040504020204" pitchFamily="49" charset="0"/>
-                <a:cs typeface="Consolas" panose="020B0609020204030204" pitchFamily="49" charset="0"/>
-              </a:rPr>
-              <a:t>pipe</a:t>
-            </a:r>
-            <a:r>
-              <a:rPr lang="en-US" sz="2200" b="1" dirty="0">
-                <a:solidFill>
-                  <a:schemeClr val="bg1"/>
-                </a:solidFill>
-                <a:latin typeface="Lucida Console" panose="020B0609040504020204" pitchFamily="49" charset="0"/>
-                <a:cs typeface="Consolas" panose="020B0609020204030204" pitchFamily="49" charset="0"/>
-              </a:rPr>
-              <a:t>(res, oppressor(</a:t>
-            </a:r>
-            <a:r>
-              <a:rPr lang="en-US" sz="2200" b="1" dirty="0" err="1">
-                <a:solidFill>
-                  <a:schemeClr val="bg1"/>
-                </a:solidFill>
-                <a:latin typeface="Lucida Console" panose="020B0609040504020204" pitchFamily="49" charset="0"/>
-                <a:cs typeface="Consolas" panose="020B0609020204030204" pitchFamily="49" charset="0"/>
-              </a:rPr>
-              <a:t>req</a:t>
-            </a:r>
-            <a:r>
-              <a:rPr lang="en-US" sz="2200" b="1" dirty="0">
-                <a:solidFill>
-                  <a:schemeClr val="bg1"/>
-                </a:solidFill>
-                <a:latin typeface="Lucida Console" panose="020B0609040504020204" pitchFamily="49" charset="0"/>
-                <a:cs typeface="Consolas" panose="020B0609020204030204" pitchFamily="49" charset="0"/>
-              </a:rPr>
-              <a:t>));</a:t>
-            </a:r>
-          </a:p>
-          <a:p>
-            <a:pPr marL="0" indent="0">
-              <a:buNone/>
-            </a:pPr>
-            <a:r>
-              <a:rPr lang="en-US" sz="2200" b="1" dirty="0">
-                <a:solidFill>
-                  <a:schemeClr val="bg1"/>
-                </a:solidFill>
-                <a:latin typeface="Lucida Console" panose="020B0609040504020204" pitchFamily="49" charset="0"/>
-                <a:cs typeface="Consolas" panose="020B0609020204030204" pitchFamily="49" charset="0"/>
-              </a:rPr>
-              <a:t>});</a:t>
-            </a:r>
           </a:p>
         </p:txBody>
       </p:sp>
     </p:spTree>
     <p:extLst>
       <p:ext uri="{BB962C8B-B14F-4D97-AF65-F5344CB8AC3E}">
-        <p14:creationId xmlns:p14="http://schemas.microsoft.com/office/powerpoint/2010/main" val="1194918028"/>
+        <p14:creationId xmlns:p14="http://schemas.microsoft.com/office/powerpoint/2010/main" val="167956377"/>
       </p:ext>
     </p:extLst>
   </p:cSld>
   <p:clrMapOvr>
     <a:masterClrMapping/>
   </p:clrMapOvr>
+  <p:timing>
+    <p:tnLst>
+      <p:par>
+        <p:cTn id="1" dur="indefinite" restart="never" nodeType="tmRoot">
+          <p:childTnLst>
+            <p:seq concurrent="1" nextAc="seek">
+              <p:cTn id="2" dur="indefinite" nodeType="mainSeq">
+                <p:childTnLst>
+                  <p:par>
+                    <p:cTn id="3" fill="hold">
+                      <p:stCondLst>
+                        <p:cond delay="indefinite"/>
+                      </p:stCondLst>
+                      <p:childTnLst>
+                        <p:par>
+                          <p:cTn id="4" fill="hold">
+                            <p:stCondLst>
+                              <p:cond delay="0"/>
+                            </p:stCondLst>
+                            <p:childTnLst>
+                              <p:par>
+                                <p:cTn id="5" presetID="1" presetClass="entr" presetSubtype="0" fill="hold" grpId="0" nodeType="clickEffect">
+                                  <p:stCondLst>
+                                    <p:cond delay="0"/>
+                                  </p:stCondLst>
+                                  <p:childTnLst>
+                                    <p:set>
+                                      <p:cBhvr>
+                                        <p:cTn id="6" dur="1" fill="hold">
+                                          <p:stCondLst>
+                                            <p:cond delay="0"/>
+                                          </p:stCondLst>
+                                        </p:cTn>
+                                        <p:tgtEl>
+                                          <p:spTgt spid="5"/>
+                                        </p:tgtEl>
+                                        <p:attrNameLst>
+                                          <p:attrName>style.visibility</p:attrName>
+                                        </p:attrNameLst>
+                                      </p:cBhvr>
+                                      <p:to>
+                                        <p:strVal val="visible"/>
+                                      </p:to>
+                                    </p:set>
+                                  </p:childTnLst>
+                                </p:cTn>
+                              </p:par>
+                            </p:childTnLst>
+                          </p:cTn>
+                        </p:par>
+                      </p:childTnLst>
+                    </p:cTn>
+                  </p:par>
+                  <p:par>
+                    <p:cTn id="7" fill="hold">
+                      <p:stCondLst>
+                        <p:cond delay="indefinite"/>
+                      </p:stCondLst>
+                      <p:childTnLst>
+                        <p:par>
+                          <p:cTn id="8" fill="hold">
+                            <p:stCondLst>
+                              <p:cond delay="0"/>
+                            </p:stCondLst>
+                            <p:childTnLst>
+                              <p:par>
+                                <p:cTn id="9" presetID="1" presetClass="entr" presetSubtype="0" fill="hold" grpId="0" nodeType="clickEffect">
+                                  <p:stCondLst>
+                                    <p:cond delay="0"/>
+                                  </p:stCondLst>
+                                  <p:childTnLst>
+                                    <p:set>
+                                      <p:cBhvr>
+                                        <p:cTn id="10" dur="1" fill="hold">
+                                          <p:stCondLst>
+                                            <p:cond delay="0"/>
+                                          </p:stCondLst>
+                                        </p:cTn>
+                                        <p:tgtEl>
+                                          <p:spTgt spid="6"/>
+                                        </p:tgtEl>
+                                        <p:attrNameLst>
+                                          <p:attrName>style.visibility</p:attrName>
+                                        </p:attrNameLst>
+                                      </p:cBhvr>
+                                      <p:to>
+                                        <p:strVal val="visible"/>
+                                      </p:to>
+                                    </p:set>
+                                  </p:childTnLst>
+                                </p:cTn>
+                              </p:par>
+                            </p:childTnLst>
+                          </p:cTn>
+                        </p:par>
+                      </p:childTnLst>
+                    </p:cTn>
+                  </p:par>
+                  <p:par>
+                    <p:cTn id="11" fill="hold">
+                      <p:stCondLst>
+                        <p:cond delay="indefinite"/>
+                      </p:stCondLst>
+                      <p:childTnLst>
+                        <p:par>
+                          <p:cTn id="12" fill="hold">
+                            <p:stCondLst>
+                              <p:cond delay="0"/>
+                            </p:stCondLst>
+                            <p:childTnLst>
+                              <p:par>
+                                <p:cTn id="13" presetID="1" presetClass="entr" presetSubtype="0" fill="hold" grpId="0" nodeType="clickEffect">
+                                  <p:stCondLst>
+                                    <p:cond delay="0"/>
+                                  </p:stCondLst>
+                                  <p:childTnLst>
+                                    <p:set>
+                                      <p:cBhvr>
+                                        <p:cTn id="14" dur="1" fill="hold">
+                                          <p:stCondLst>
+                                            <p:cond delay="0"/>
+                                          </p:stCondLst>
+                                        </p:cTn>
+                                        <p:tgtEl>
+                                          <p:spTgt spid="7"/>
+                                        </p:tgtEl>
+                                        <p:attrNameLst>
+                                          <p:attrName>style.visibility</p:attrName>
+                                        </p:attrNameLst>
+                                      </p:cBhvr>
+                                      <p:to>
+                                        <p:strVal val="visible"/>
+                                      </p:to>
+                                    </p:set>
+                                  </p:childTnLst>
+                                </p:cTn>
+                              </p:par>
+                            </p:childTnLst>
+                          </p:cTn>
+                        </p:par>
+                      </p:childTnLst>
+                    </p:cTn>
+                  </p:par>
+                </p:childTnLst>
+              </p:cTn>
+              <p:prevCondLst>
+                <p:cond evt="onPrev" delay="0">
+                  <p:tgtEl>
+                    <p:sldTgt/>
+                  </p:tgtEl>
+                </p:cond>
+              </p:prevCondLst>
+              <p:nextCondLst>
+                <p:cond evt="onNext" delay="0">
+                  <p:tgtEl>
+                    <p:sldTgt/>
+                  </p:tgtEl>
+                </p:cond>
+              </p:nextCondLst>
+            </p:seq>
+          </p:childTnLst>
+        </p:cTn>
+      </p:par>
+    </p:tnLst>
+    <p:bldLst>
+      <p:bldP spid="5" grpId="0"/>
+      <p:bldP spid="6" grpId="0"/>
+      <p:bldP spid="7" grpId="0"/>
+    </p:bldLst>
+  </p:timing>
 </p:sld>
 </file>
 
@@ -8923,7 +9592,7 @@
                 </a:solidFill>
                 <a:latin typeface="Proxima Nova Rg" panose="02000506030000020004" pitchFamily="2" charset="0"/>
               </a:rPr>
-              <a:t>The Stream Class</a:t>
+              <a:t>The Streams1 Class</a:t>
             </a:r>
             <a:endParaRPr lang="en-US" dirty="0">
               <a:solidFill>
@@ -9185,6 +9854,13 @@
   <p:clrMapOvr>
     <a:masterClrMapping/>
   </p:clrMapOvr>
+  <p:timing>
+    <p:tnLst>
+      <p:par>
+        <p:cTn id="1" dur="indefinite" restart="never" nodeType="tmRoot"/>
+      </p:par>
+    </p:tnLst>
+  </p:timing>
 </p:sld>
 </file>
 
@@ -11266,6 +11942,13 @@
   <p:clrMapOvr>
     <a:masterClrMapping/>
   </p:clrMapOvr>
+  <p:timing>
+    <p:tnLst>
+      <p:par>
+        <p:cTn id="1" dur="indefinite" restart="never" nodeType="tmRoot"/>
+      </p:par>
+    </p:tnLst>
+  </p:timing>
 </p:sld>
 </file>
 
@@ -12190,7 +12873,7 @@
             <a:r>
               <a:rPr lang="en-US" sz="2400" dirty="0" err="1" smtClean="0">
                 <a:solidFill>
-                  <a:schemeClr val="bg1"/>
+                  <a:srgbClr val="66D9EF"/>
                 </a:solidFill>
                 <a:latin typeface="Lucida Console" panose="020B0609040504020204" pitchFamily="49" charset="0"/>
               </a:rPr>
@@ -12199,7 +12882,7 @@
             <a:r>
               <a:rPr lang="en-US" sz="2400" dirty="0" smtClean="0">
                 <a:solidFill>
-                  <a:schemeClr val="bg1"/>
+                  <a:srgbClr val="66D9EF"/>
                 </a:solidFill>
                 <a:latin typeface="Lucida Console" panose="020B0609040504020204" pitchFamily="49" charset="0"/>
               </a:rPr>
@@ -12221,7 +12904,25 @@
                 </a:solidFill>
                 <a:latin typeface="Lucida Console" panose="020B0609040504020204" pitchFamily="49" charset="0"/>
               </a:rPr>
-              <a:t> = new </a:t>
+              <a:t> = </a:t>
+            </a:r>
+            <a:r>
+              <a:rPr lang="en-US" sz="2400" dirty="0">
+                <a:solidFill>
+                  <a:srgbClr val="F92672"/>
+                </a:solidFill>
+                <a:latin typeface="Lucida Console" panose="020B0609040504020204" pitchFamily="49" charset="0"/>
+              </a:rPr>
+              <a:t>new</a:t>
+            </a:r>
+            <a:r>
+              <a:rPr lang="en-US" sz="2400" dirty="0">
+                <a:solidFill>
+                  <a:schemeClr val="bg1"/>
+                </a:solidFill>
+                <a:latin typeface="Lucida Console" panose="020B0609040504020204" pitchFamily="49" charset="0"/>
+              </a:rPr>
+              <a:t> </a:t>
             </a:r>
             <a:r>
               <a:rPr lang="en-US" sz="2400" dirty="0" err="1">
@@ -12239,7 +12940,25 @@
                 </a:solidFill>
                 <a:latin typeface="Lucida Console" panose="020B0609040504020204" pitchFamily="49" charset="0"/>
               </a:rPr>
-              <a:t>('COM5', </a:t>
+              <a:t>(</a:t>
+            </a:r>
+            <a:r>
+              <a:rPr lang="en-US" sz="2400" dirty="0" smtClean="0">
+                <a:solidFill>
+                  <a:srgbClr val="E6DB74"/>
+                </a:solidFill>
+                <a:latin typeface="Lucida Console" panose="020B0609040504020204" pitchFamily="49" charset="0"/>
+              </a:rPr>
+              <a:t>'COM5'</a:t>
+            </a:r>
+            <a:r>
+              <a:rPr lang="en-US" sz="2400" dirty="0" smtClean="0">
+                <a:solidFill>
+                  <a:schemeClr val="bg1"/>
+                </a:solidFill>
+                <a:latin typeface="Lucida Console" panose="020B0609040504020204" pitchFamily="49" charset="0"/>
+              </a:rPr>
+              <a:t>, </a:t>
             </a:r>
             <a:r>
               <a:rPr lang="en-US" sz="2400" dirty="0">
@@ -12277,13 +12996,31 @@
                 </a:solidFill>
                 <a:latin typeface="Lucida Console" panose="020B0609040504020204" pitchFamily="49" charset="0"/>
               </a:rPr>
-              <a:t>: 9600, </a:t>
-            </a:r>
-          </a:p>
-          <a:p>
+              <a:t>: </a:t>
+            </a:r>
             <a:r>
               <a:rPr lang="en-US" sz="2400" dirty="0">
                 <a:solidFill>
+                  <a:srgbClr val="AE81FF"/>
+                </a:solidFill>
+                <a:latin typeface="Lucida Console" panose="020B0609040504020204" pitchFamily="49" charset="0"/>
+              </a:rPr>
+              <a:t>9600</a:t>
+            </a:r>
+            <a:r>
+              <a:rPr lang="en-US" sz="2400" dirty="0">
+                <a:solidFill>
+                  <a:schemeClr val="bg1"/>
+                </a:solidFill>
+                <a:latin typeface="Lucida Console" panose="020B0609040504020204" pitchFamily="49" charset="0"/>
+              </a:rPr>
+              <a:t>, </a:t>
+            </a:r>
+          </a:p>
+          <a:p>
+            <a:r>
+              <a:rPr lang="en-US" sz="2400" dirty="0">
+                <a:solidFill>
                   <a:schemeClr val="bg1"/>
                 </a:solidFill>
                 <a:latin typeface="Lucida Console" panose="020B0609040504020204" pitchFamily="49" charset="0"/>
@@ -12306,21 +13043,17 @@
                 </a:solidFill>
                 <a:latin typeface="Lucida Console" panose="020B0609040504020204" pitchFamily="49" charset="0"/>
               </a:rPr>
-              <a:t>: 8, </a:t>
-            </a:r>
-          </a:p>
-          <a:p>
+              <a:t>: </a:t>
+            </a:r>
             <a:r>
               <a:rPr lang="en-US" sz="2400" dirty="0">
                 <a:solidFill>
-                  <a:schemeClr val="bg1"/>
-                </a:solidFill>
-                <a:latin typeface="Lucida Console" panose="020B0609040504020204" pitchFamily="49" charset="0"/>
-              </a:rPr>
-              <a:t>   parity: 'none',</a:t>
-            </a:r>
-          </a:p>
-          <a:p>
+                  <a:srgbClr val="AE81FF"/>
+                </a:solidFill>
+                <a:latin typeface="Lucida Console" panose="020B0609040504020204" pitchFamily="49" charset="0"/>
+              </a:rPr>
+              <a:t>8</a:t>
+            </a:r>
             <a:r>
               <a:rPr lang="en-US" sz="2400" dirty="0">
                 <a:solidFill>
@@ -12328,6 +13061,46 @@
                 </a:solidFill>
                 <a:latin typeface="Lucida Console" panose="020B0609040504020204" pitchFamily="49" charset="0"/>
               </a:rPr>
+              <a:t>, </a:t>
+            </a:r>
+          </a:p>
+          <a:p>
+            <a:r>
+              <a:rPr lang="en-US" sz="2400" dirty="0">
+                <a:solidFill>
+                  <a:schemeClr val="bg1"/>
+                </a:solidFill>
+                <a:latin typeface="Lucida Console" panose="020B0609040504020204" pitchFamily="49" charset="0"/>
+              </a:rPr>
+              <a:t>   parity: </a:t>
+            </a:r>
+            <a:r>
+              <a:rPr lang="en-US" sz="2400" dirty="0">
+                <a:solidFill>
+                  <a:srgbClr val="E6DB74"/>
+                </a:solidFill>
+                <a:latin typeface="Lucida Console" panose="020B0609040504020204" pitchFamily="49" charset="0"/>
+              </a:rPr>
+              <a:t>'none'</a:t>
+            </a:r>
+            <a:r>
+              <a:rPr lang="en-US" sz="2400" dirty="0">
+                <a:solidFill>
+                  <a:schemeClr val="bg1"/>
+                </a:solidFill>
+                <a:latin typeface="Lucida Console" panose="020B0609040504020204" pitchFamily="49" charset="0"/>
+              </a:rPr>
+              <a:t>,</a:t>
+            </a:r>
+          </a:p>
+          <a:p>
+            <a:r>
+              <a:rPr lang="en-US" sz="2400" dirty="0">
+                <a:solidFill>
+                  <a:schemeClr val="bg1"/>
+                </a:solidFill>
+                <a:latin typeface="Lucida Console" panose="020B0609040504020204" pitchFamily="49" charset="0"/>
+              </a:rPr>
               <a:t>   </a:t>
             </a:r>
             <a:r>
@@ -12346,13 +13119,31 @@
                 </a:solidFill>
                 <a:latin typeface="Lucida Console" panose="020B0609040504020204" pitchFamily="49" charset="0"/>
               </a:rPr>
-              <a:t>: 1, </a:t>
-            </a:r>
-          </a:p>
-          <a:p>
+              <a:t>: </a:t>
+            </a:r>
             <a:r>
               <a:rPr lang="en-US" sz="2400" dirty="0">
                 <a:solidFill>
+                  <a:srgbClr val="AE81FF"/>
+                </a:solidFill>
+                <a:latin typeface="Lucida Console" panose="020B0609040504020204" pitchFamily="49" charset="0"/>
+              </a:rPr>
+              <a:t>1</a:t>
+            </a:r>
+            <a:r>
+              <a:rPr lang="en-US" sz="2400" dirty="0">
+                <a:solidFill>
+                  <a:schemeClr val="bg1"/>
+                </a:solidFill>
+                <a:latin typeface="Lucida Console" panose="020B0609040504020204" pitchFamily="49" charset="0"/>
+              </a:rPr>
+              <a:t>, </a:t>
+            </a:r>
+          </a:p>
+          <a:p>
+            <a:r>
+              <a:rPr lang="en-US" sz="2400" dirty="0">
+                <a:solidFill>
                   <a:schemeClr val="bg1"/>
                 </a:solidFill>
                 <a:latin typeface="Lucida Console" panose="020B0609040504020204" pitchFamily="49" charset="0"/>
@@ -12375,7 +13166,25 @@
                 </a:solidFill>
                 <a:latin typeface="Lucida Console" panose="020B0609040504020204" pitchFamily="49" charset="0"/>
               </a:rPr>
-              <a:t>: false </a:t>
+              <a:t>: </a:t>
+            </a:r>
+            <a:r>
+              <a:rPr lang="en-US" sz="2400" dirty="0">
+                <a:solidFill>
+                  <a:srgbClr val="AE81FF"/>
+                </a:solidFill>
+                <a:latin typeface="Lucida Console" panose="020B0609040504020204" pitchFamily="49" charset="0"/>
+              </a:rPr>
+              <a:t>false</a:t>
+            </a:r>
+            <a:r>
+              <a:rPr lang="en-US" sz="2400" dirty="0">
+                <a:solidFill>
+                  <a:schemeClr val="bg1"/>
+                </a:solidFill>
+                <a:latin typeface="Lucida Console" panose="020B0609040504020204" pitchFamily="49" charset="0"/>
+              </a:rPr>
+              <a:t> </a:t>
             </a:r>
           </a:p>
           <a:p>
@@ -12405,7 +13214,16 @@
                 </a:solidFill>
                 <a:latin typeface="Lucida Console" panose="020B0609040504020204" pitchFamily="49" charset="0"/>
               </a:rPr>
-              <a:t>serialPort.pipe</a:t>
+              <a:t>serialPort.</a:t>
+            </a:r>
+            <a:r>
+              <a:rPr lang="en-US" sz="2400" dirty="0" err="1" smtClean="0">
+                <a:solidFill>
+                  <a:srgbClr val="66D9EF"/>
+                </a:solidFill>
+                <a:latin typeface="Lucida Console" panose="020B0609040504020204" pitchFamily="49" charset="0"/>
+              </a:rPr>
+              <a:t>pipe</a:t>
             </a:r>
             <a:r>
               <a:rPr lang="en-US" sz="2400" dirty="0" smtClean="0">
@@ -12457,7 +13275,16 @@
                 </a:solidFill>
                 <a:latin typeface="Lucida Console" panose="020B0609040504020204" pitchFamily="49" charset="0"/>
               </a:rPr>
-              <a:t>serialPort.write</a:t>
+              <a:t>serialPort.</a:t>
+            </a:r>
+            <a:r>
+              <a:rPr lang="en-US" sz="2400" dirty="0" err="1">
+                <a:solidFill>
+                  <a:srgbClr val="66D9EF"/>
+                </a:solidFill>
+                <a:latin typeface="Lucida Console" panose="020B0609040504020204" pitchFamily="49" charset="0"/>
+              </a:rPr>
+              <a:t>write</a:t>
             </a:r>
             <a:r>
               <a:rPr lang="en-US" sz="2400" dirty="0">
@@ -12466,8 +13293,72 @@
                 </a:solidFill>
                 <a:latin typeface="Lucida Console" panose="020B0609040504020204" pitchFamily="49" charset="0"/>
               </a:rPr>
-              <a:t>('OMG IT WORKS\r');</a:t>
-            </a:r>
+              <a:t>(</a:t>
+            </a:r>
+            <a:r>
+              <a:rPr lang="en-US" sz="2400" dirty="0">
+                <a:solidFill>
+                  <a:srgbClr val="E6DB74"/>
+                </a:solidFill>
+                <a:latin typeface="Lucida Console" panose="020B0609040504020204" pitchFamily="49" charset="0"/>
+              </a:rPr>
+              <a:t>'OMG IT WORKS\r'</a:t>
+            </a:r>
+            <a:r>
+              <a:rPr lang="en-US" sz="2400" dirty="0">
+                <a:solidFill>
+                  <a:schemeClr val="bg1"/>
+                </a:solidFill>
+                <a:latin typeface="Lucida Console" panose="020B0609040504020204" pitchFamily="49" charset="0"/>
+              </a:rPr>
+              <a:t>);</a:t>
+            </a:r>
+          </a:p>
+        </p:txBody>
+      </p:sp>
+      <p:sp>
+        <p:nvSpPr>
+          <p:cNvPr id="5" name="TextBox 4"/>
+          <p:cNvSpPr txBox="1"/>
+          <p:nvPr/>
+        </p:nvSpPr>
+        <p:spPr>
+          <a:xfrm>
+            <a:off x="3810000" y="6324600"/>
+            <a:ext cx="5029200" cy="369332"/>
+          </a:xfrm>
+          <a:prstGeom prst="rect">
+            <a:avLst/>
+          </a:prstGeom>
+          <a:noFill/>
+        </p:spPr>
+        <p:txBody>
+          <a:bodyPr wrap="square" rtlCol="0">
+            <a:spAutoFit/>
+          </a:bodyPr>
+          <a:lstStyle/>
+          <a:p>
+            <a:r>
+              <a:rPr lang="en-US" u="sng" dirty="0">
+                <a:solidFill>
+                  <a:schemeClr val="bg1"/>
+                </a:solidFill>
+              </a:rPr>
+              <a:t>https</a:t>
+            </a:r>
+            <a:r>
+              <a:rPr lang="en-US" u="sng" dirty="0" smtClean="0">
+                <a:solidFill>
+                  <a:schemeClr val="bg1"/>
+                </a:solidFill>
+              </a:rPr>
+              <a:t>://github.com/voodootikigod/node-serialport</a:t>
+            </a:r>
+            <a:endParaRPr lang="en-US" u="sng" dirty="0">
+              <a:solidFill>
+                <a:schemeClr val="bg1"/>
+              </a:solidFill>
+            </a:endParaRPr>
           </a:p>
         </p:txBody>
       </p:sp>
@@ -12494,6 +13385,14 @@
 <file path=ppt/slides/slide28.xml><?xml version="1.0" encoding="utf-8"?>
 <p:sld xmlns:a="http://schemas.openxmlformats.org/drawingml/2006/main" xmlns:r="http://schemas.openxmlformats.org/officeDocument/2006/relationships" xmlns:p="http://schemas.openxmlformats.org/presentationml/2006/main">
   <p:cSld>
+    <p:bg>
+      <p:bgPr>
+        <a:solidFill>
+          <a:schemeClr val="tx1"/>
+        </a:solidFill>
+        <a:effectLst/>
+      </p:bgPr>
+    </p:bg>
     <p:spTree>
       <p:nvGrpSpPr>
         <p:cNvPr id="1" name=""/>
@@ -12508,6 +13407,30 @@
           <a:chExt cx="0" cy="0"/>
         </a:xfrm>
       </p:grpSpPr>
+      <p:pic>
+        <p:nvPicPr>
+          <p:cNvPr id="3" name="Picture 2"/>
+          <p:cNvPicPr>
+            <a:picLocks noChangeAspect="1"/>
+          </p:cNvPicPr>
+          <p:nvPr/>
+        </p:nvPicPr>
+        <p:blipFill>
+          <a:blip r:embed="rId3" cstate="print"/>
+          <a:stretch>
+            <a:fillRect/>
+          </a:stretch>
+        </p:blipFill>
+        <p:spPr>
+          <a:xfrm>
+            <a:off x="10886" y="0"/>
+            <a:ext cx="2781300" cy="2257425"/>
+          </a:xfrm>
+          <a:prstGeom prst="rect">
+            <a:avLst/>
+          </a:prstGeom>
+        </p:spPr>
+      </p:pic>
       <p:sp>
         <p:nvSpPr>
           <p:cNvPr id="2" name="Title 1"/>
@@ -12520,21 +13443,712 @@
         </p:nvSpPr>
         <p:spPr/>
         <p:txBody>
-          <a:bodyPr/>
+          <a:bodyPr>
+            <a:normAutofit fontScale="90000"/>
+          </a:bodyPr>
           <a:lstStyle/>
           <a:p>
-            <a:r>
-              <a:rPr lang="en-US" dirty="0" smtClean="0"/>
+            <a:pPr algn="r"/>
+            <a:r>
+              <a:rPr lang="en-US" dirty="0" smtClean="0">
+                <a:solidFill>
+                  <a:schemeClr val="bg1"/>
+                </a:solidFill>
+              </a:rPr>
               <a:t>Complex Event Processing</a:t>
             </a:r>
-            <a:endParaRPr lang="en-US" dirty="0"/>
+            <a:br>
+              <a:rPr lang="en-US" dirty="0" smtClean="0">
+                <a:solidFill>
+                  <a:schemeClr val="bg1"/>
+                </a:solidFill>
+              </a:rPr>
+            </a:br>
+            <a:r>
+              <a:rPr lang="en-US" sz="3600" dirty="0" smtClean="0">
+                <a:solidFill>
+                  <a:schemeClr val="bg1"/>
+                </a:solidFill>
+              </a:rPr>
+              <a:t>with Beam-JS</a:t>
+            </a:r>
+            <a:endParaRPr lang="en-US" sz="3600" dirty="0">
+              <a:solidFill>
+                <a:schemeClr val="bg1"/>
+              </a:solidFill>
+            </a:endParaRPr>
+          </a:p>
+        </p:txBody>
+      </p:sp>
+      <p:sp>
+        <p:nvSpPr>
+          <p:cNvPr id="5" name="TextBox 4"/>
+          <p:cNvSpPr txBox="1"/>
+          <p:nvPr/>
+        </p:nvSpPr>
+        <p:spPr>
+          <a:xfrm>
+            <a:off x="457200" y="1600200"/>
+            <a:ext cx="8229600" cy="4401205"/>
+          </a:xfrm>
+          <a:prstGeom prst="rect">
+            <a:avLst/>
+          </a:prstGeom>
+          <a:noFill/>
+        </p:spPr>
+        <p:txBody>
+          <a:bodyPr wrap="square" rtlCol="0">
+            <a:spAutoFit/>
+          </a:bodyPr>
+          <a:lstStyle/>
+          <a:p>
+            <a:r>
+              <a:rPr lang="en-US" sz="2000" dirty="0" err="1">
+                <a:solidFill>
+                  <a:srgbClr val="66D9EF"/>
+                </a:solidFill>
+                <a:latin typeface="Lucida Console" panose="020B0609040504020204" pitchFamily="49" charset="0"/>
+              </a:rPr>
+              <a:t>var</a:t>
+            </a:r>
+            <a:r>
+              <a:rPr lang="en-US" sz="2000" dirty="0">
+                <a:solidFill>
+                  <a:srgbClr val="66D9EF"/>
+                </a:solidFill>
+                <a:latin typeface="Lucida Console" panose="020B0609040504020204" pitchFamily="49" charset="0"/>
+              </a:rPr>
+              <a:t> </a:t>
+            </a:r>
+            <a:r>
+              <a:rPr lang="en-US" sz="2000" dirty="0">
+                <a:solidFill>
+                  <a:schemeClr val="bg1"/>
+                </a:solidFill>
+                <a:latin typeface="Lucida Console" panose="020B0609040504020204" pitchFamily="49" charset="0"/>
+              </a:rPr>
+              <a:t>Beam = require(</a:t>
+            </a:r>
+            <a:r>
+              <a:rPr lang="en-US" sz="2000" dirty="0">
+                <a:solidFill>
+                  <a:srgbClr val="E6DB74"/>
+                </a:solidFill>
+                <a:latin typeface="Lucida Console" panose="020B0609040504020204" pitchFamily="49" charset="0"/>
+              </a:rPr>
+              <a:t>'beam'</a:t>
+            </a:r>
+            <a:r>
+              <a:rPr lang="en-US" sz="2000" dirty="0">
+                <a:solidFill>
+                  <a:schemeClr val="bg1"/>
+                </a:solidFill>
+                <a:latin typeface="Lucida Console" panose="020B0609040504020204" pitchFamily="49" charset="0"/>
+              </a:rPr>
+              <a:t>);</a:t>
+            </a:r>
+          </a:p>
+          <a:p>
+            <a:endParaRPr lang="en-US" sz="2000" dirty="0">
+              <a:solidFill>
+                <a:schemeClr val="bg1"/>
+              </a:solidFill>
+              <a:latin typeface="Lucida Console" panose="020B0609040504020204" pitchFamily="49" charset="0"/>
+            </a:endParaRPr>
+          </a:p>
+          <a:p>
+            <a:r>
+              <a:rPr lang="en-US" sz="2000" dirty="0" err="1">
+                <a:solidFill>
+                  <a:srgbClr val="66D9EF"/>
+                </a:solidFill>
+                <a:latin typeface="Lucida Console" panose="020B0609040504020204" pitchFamily="49" charset="0"/>
+              </a:rPr>
+              <a:t>var</a:t>
+            </a:r>
+            <a:r>
+              <a:rPr lang="en-US" sz="2000" dirty="0">
+                <a:solidFill>
+                  <a:srgbClr val="66D9EF"/>
+                </a:solidFill>
+                <a:latin typeface="Lucida Console" panose="020B0609040504020204" pitchFamily="49" charset="0"/>
+              </a:rPr>
+              <a:t> </a:t>
+            </a:r>
+            <a:r>
+              <a:rPr lang="en-US" sz="2000" dirty="0">
+                <a:solidFill>
+                  <a:schemeClr val="bg1"/>
+                </a:solidFill>
+                <a:latin typeface="Lucida Console" panose="020B0609040504020204" pitchFamily="49" charset="0"/>
+              </a:rPr>
+              <a:t>source = </a:t>
+            </a:r>
+            <a:r>
+              <a:rPr lang="en-US" sz="2000" dirty="0" err="1">
+                <a:solidFill>
+                  <a:schemeClr val="bg1"/>
+                </a:solidFill>
+                <a:latin typeface="Lucida Console" panose="020B0609040504020204" pitchFamily="49" charset="0"/>
+              </a:rPr>
+              <a:t>Beam.Source</a:t>
+            </a:r>
+            <a:r>
+              <a:rPr lang="en-US" sz="2000" dirty="0">
+                <a:solidFill>
+                  <a:schemeClr val="bg1"/>
+                </a:solidFill>
+                <a:latin typeface="Lucida Console" panose="020B0609040504020204" pitchFamily="49" charset="0"/>
+              </a:rPr>
+              <a:t>();</a:t>
+            </a:r>
+          </a:p>
+          <a:p>
+            <a:r>
+              <a:rPr lang="en-US" sz="2000" dirty="0" err="1">
+                <a:solidFill>
+                  <a:srgbClr val="66D9EF"/>
+                </a:solidFill>
+                <a:latin typeface="Lucida Console" panose="020B0609040504020204" pitchFamily="49" charset="0"/>
+              </a:rPr>
+              <a:t>var</a:t>
+            </a:r>
+            <a:r>
+              <a:rPr lang="en-US" sz="2000" dirty="0">
+                <a:solidFill>
+                  <a:srgbClr val="66D9EF"/>
+                </a:solidFill>
+                <a:latin typeface="Lucida Console" panose="020B0609040504020204" pitchFamily="49" charset="0"/>
+              </a:rPr>
+              <a:t> </a:t>
+            </a:r>
+            <a:r>
+              <a:rPr lang="en-US" sz="2000" dirty="0">
+                <a:solidFill>
+                  <a:schemeClr val="bg1"/>
+                </a:solidFill>
+                <a:latin typeface="Lucida Console" panose="020B0609040504020204" pitchFamily="49" charset="0"/>
+              </a:rPr>
+              <a:t>sink = </a:t>
+            </a:r>
+            <a:r>
+              <a:rPr lang="en-US" sz="2000" dirty="0" err="1">
+                <a:solidFill>
+                  <a:schemeClr val="bg1"/>
+                </a:solidFill>
+                <a:latin typeface="Lucida Console" panose="020B0609040504020204" pitchFamily="49" charset="0"/>
+              </a:rPr>
+              <a:t>Beam.Sink</a:t>
+            </a:r>
+            <a:r>
+              <a:rPr lang="en-US" sz="2000" dirty="0">
+                <a:solidFill>
+                  <a:schemeClr val="bg1"/>
+                </a:solidFill>
+                <a:latin typeface="Lucida Console" panose="020B0609040504020204" pitchFamily="49" charset="0"/>
+              </a:rPr>
+              <a:t>();</a:t>
+            </a:r>
+          </a:p>
+          <a:p>
+            <a:endParaRPr lang="en-US" sz="2000" dirty="0">
+              <a:solidFill>
+                <a:schemeClr val="bg1"/>
+              </a:solidFill>
+              <a:latin typeface="Lucida Console" panose="020B0609040504020204" pitchFamily="49" charset="0"/>
+            </a:endParaRPr>
+          </a:p>
+          <a:p>
+            <a:r>
+              <a:rPr lang="en-US" sz="2000" dirty="0" err="1" smtClean="0">
+                <a:solidFill>
+                  <a:srgbClr val="66D9EF"/>
+                </a:solidFill>
+                <a:latin typeface="Lucida Console" panose="020B0609040504020204" pitchFamily="49" charset="0"/>
+              </a:rPr>
+              <a:t>var</a:t>
+            </a:r>
+            <a:r>
+              <a:rPr lang="en-US" sz="2000" dirty="0" smtClean="0">
+                <a:solidFill>
+                  <a:srgbClr val="66D9EF"/>
+                </a:solidFill>
+                <a:latin typeface="Lucida Console" panose="020B0609040504020204" pitchFamily="49" charset="0"/>
+              </a:rPr>
+              <a:t> </a:t>
+            </a:r>
+            <a:r>
+              <a:rPr lang="en-US" sz="2000" dirty="0">
+                <a:solidFill>
+                  <a:schemeClr val="bg1"/>
+                </a:solidFill>
+                <a:latin typeface="Lucida Console" panose="020B0609040504020204" pitchFamily="49" charset="0"/>
+              </a:rPr>
+              <a:t>even = </a:t>
+            </a:r>
+            <a:r>
+              <a:rPr lang="en-US" sz="2000" dirty="0" err="1" smtClean="0">
+                <a:solidFill>
+                  <a:schemeClr val="bg1"/>
+                </a:solidFill>
+                <a:latin typeface="Lucida Console" panose="020B0609040504020204" pitchFamily="49" charset="0"/>
+              </a:rPr>
+              <a:t>Beam.Operator.filter</a:t>
+            </a:r>
+            <a:r>
+              <a:rPr lang="en-US" sz="2000" dirty="0" smtClean="0">
+                <a:solidFill>
+                  <a:schemeClr val="bg1"/>
+                </a:solidFill>
+                <a:latin typeface="Lucida Console" panose="020B0609040504020204" pitchFamily="49" charset="0"/>
+              </a:rPr>
+              <a:t>(</a:t>
+            </a:r>
+            <a:r>
+              <a:rPr lang="en-US" sz="2000" dirty="0" err="1" smtClean="0">
+                <a:solidFill>
+                  <a:schemeClr val="bg1"/>
+                </a:solidFill>
+                <a:latin typeface="Lucida Console" panose="020B0609040504020204" pitchFamily="49" charset="0"/>
+              </a:rPr>
+              <a:t>isEven</a:t>
+            </a:r>
+            <a:r>
+              <a:rPr lang="en-US" sz="2000" dirty="0" smtClean="0">
+                <a:solidFill>
+                  <a:schemeClr val="bg1"/>
+                </a:solidFill>
+                <a:latin typeface="Lucida Console" panose="020B0609040504020204" pitchFamily="49" charset="0"/>
+              </a:rPr>
+              <a:t>);</a:t>
+            </a:r>
+            <a:endParaRPr lang="en-US" sz="2000" dirty="0" smtClean="0">
+              <a:solidFill>
+                <a:schemeClr val="bg1"/>
+              </a:solidFill>
+              <a:latin typeface="Lucida Console" panose="020B0609040504020204" pitchFamily="49" charset="0"/>
+            </a:endParaRPr>
+          </a:p>
+          <a:p>
+            <a:r>
+              <a:rPr lang="en-US" sz="2000" dirty="0" err="1" smtClean="0">
+                <a:solidFill>
+                  <a:srgbClr val="66D9EF"/>
+                </a:solidFill>
+                <a:latin typeface="Lucida Console" panose="020B0609040504020204" pitchFamily="49" charset="0"/>
+              </a:rPr>
+              <a:t>var</a:t>
+            </a:r>
+            <a:r>
+              <a:rPr lang="en-US" sz="2000" dirty="0" smtClean="0">
+                <a:solidFill>
+                  <a:srgbClr val="66D9EF"/>
+                </a:solidFill>
+                <a:latin typeface="Lucida Console" panose="020B0609040504020204" pitchFamily="49" charset="0"/>
+              </a:rPr>
+              <a:t> </a:t>
+            </a:r>
+            <a:r>
+              <a:rPr lang="en-US" sz="2000" dirty="0">
+                <a:solidFill>
+                  <a:schemeClr val="bg1"/>
+                </a:solidFill>
+                <a:latin typeface="Lucida Console" panose="020B0609040504020204" pitchFamily="49" charset="0"/>
+              </a:rPr>
+              <a:t>square = </a:t>
+            </a:r>
+            <a:r>
+              <a:rPr lang="en-US" sz="2000" dirty="0" err="1" smtClean="0">
+                <a:solidFill>
+                  <a:schemeClr val="bg1"/>
+                </a:solidFill>
+                <a:latin typeface="Lucida Console" panose="020B0609040504020204" pitchFamily="49" charset="0"/>
+              </a:rPr>
+              <a:t>Beam.Operator.transform</a:t>
+            </a:r>
+            <a:r>
+              <a:rPr lang="en-US" sz="2000" dirty="0" smtClean="0">
+                <a:solidFill>
+                  <a:schemeClr val="bg1"/>
+                </a:solidFill>
+                <a:latin typeface="Lucida Console" panose="020B0609040504020204" pitchFamily="49" charset="0"/>
+              </a:rPr>
+              <a:t>(</a:t>
+            </a:r>
+            <a:r>
+              <a:rPr lang="en-US" sz="2000" dirty="0" err="1" smtClean="0">
+                <a:solidFill>
+                  <a:schemeClr val="bg1"/>
+                </a:solidFill>
+                <a:latin typeface="Lucida Console" panose="020B0609040504020204" pitchFamily="49" charset="0"/>
+              </a:rPr>
+              <a:t>sq</a:t>
+            </a:r>
+            <a:r>
+              <a:rPr lang="en-US" sz="2000" dirty="0" smtClean="0">
+                <a:solidFill>
+                  <a:schemeClr val="bg1"/>
+                </a:solidFill>
+                <a:latin typeface="Lucida Console" panose="020B0609040504020204" pitchFamily="49" charset="0"/>
+              </a:rPr>
+              <a:t>);</a:t>
+            </a:r>
+            <a:endParaRPr lang="en-US" sz="2000" dirty="0">
+              <a:solidFill>
+                <a:schemeClr val="bg1"/>
+              </a:solidFill>
+              <a:latin typeface="Lucida Console" panose="020B0609040504020204" pitchFamily="49" charset="0"/>
+            </a:endParaRPr>
+          </a:p>
+          <a:p>
+            <a:endParaRPr lang="en-US" sz="2000" dirty="0">
+              <a:solidFill>
+                <a:schemeClr val="bg1"/>
+              </a:solidFill>
+              <a:latin typeface="Lucida Console" panose="020B0609040504020204" pitchFamily="49" charset="0"/>
+            </a:endParaRPr>
+          </a:p>
+          <a:p>
+            <a:r>
+              <a:rPr lang="en-US" sz="2000" dirty="0" err="1" smtClean="0">
+                <a:solidFill>
+                  <a:schemeClr val="bg1"/>
+                </a:solidFill>
+                <a:latin typeface="Lucida Console" panose="020B0609040504020204" pitchFamily="49" charset="0"/>
+              </a:rPr>
+              <a:t>source.</a:t>
+            </a:r>
+            <a:r>
+              <a:rPr lang="en-US" sz="2000" dirty="0" err="1" smtClean="0">
+                <a:solidFill>
+                  <a:srgbClr val="66D9EF"/>
+                </a:solidFill>
+                <a:latin typeface="Lucida Console" panose="020B0609040504020204" pitchFamily="49" charset="0"/>
+              </a:rPr>
+              <a:t>pipe</a:t>
+            </a:r>
+            <a:r>
+              <a:rPr lang="en-US" sz="2000" dirty="0" smtClean="0">
+                <a:solidFill>
+                  <a:schemeClr val="bg1"/>
+                </a:solidFill>
+                <a:latin typeface="Lucida Console" panose="020B0609040504020204" pitchFamily="49" charset="0"/>
+              </a:rPr>
+              <a:t>(even</a:t>
+            </a:r>
+            <a:r>
+              <a:rPr lang="en-US" sz="2000" dirty="0">
+                <a:solidFill>
+                  <a:schemeClr val="bg1"/>
+                </a:solidFill>
+                <a:latin typeface="Lucida Console" panose="020B0609040504020204" pitchFamily="49" charset="0"/>
+              </a:rPr>
+              <a:t>).</a:t>
+            </a:r>
+            <a:r>
+              <a:rPr lang="en-US" sz="2000" dirty="0">
+                <a:solidFill>
+                  <a:srgbClr val="66D9EF"/>
+                </a:solidFill>
+                <a:latin typeface="Lucida Console" panose="020B0609040504020204" pitchFamily="49" charset="0"/>
+              </a:rPr>
+              <a:t>pipe</a:t>
+            </a:r>
+            <a:r>
+              <a:rPr lang="en-US" sz="2000" dirty="0">
+                <a:solidFill>
+                  <a:schemeClr val="bg1"/>
+                </a:solidFill>
+                <a:latin typeface="Lucida Console" panose="020B0609040504020204" pitchFamily="49" charset="0"/>
+              </a:rPr>
+              <a:t>(square).</a:t>
+            </a:r>
+            <a:r>
+              <a:rPr lang="en-US" sz="2000" dirty="0">
+                <a:solidFill>
+                  <a:srgbClr val="66D9EF"/>
+                </a:solidFill>
+                <a:latin typeface="Lucida Console" panose="020B0609040504020204" pitchFamily="49" charset="0"/>
+              </a:rPr>
+              <a:t>pipe</a:t>
+            </a:r>
+            <a:r>
+              <a:rPr lang="en-US" sz="2000" dirty="0">
+                <a:solidFill>
+                  <a:schemeClr val="bg1"/>
+                </a:solidFill>
+                <a:latin typeface="Lucida Console" panose="020B0609040504020204" pitchFamily="49" charset="0"/>
+              </a:rPr>
+              <a:t>(sink);</a:t>
+            </a:r>
+          </a:p>
+          <a:p>
+            <a:endParaRPr lang="en-US" sz="2000" dirty="0">
+              <a:solidFill>
+                <a:schemeClr val="bg1"/>
+              </a:solidFill>
+              <a:latin typeface="Lucida Console" panose="020B0609040504020204" pitchFamily="49" charset="0"/>
+            </a:endParaRPr>
+          </a:p>
+          <a:p>
+            <a:r>
+              <a:rPr lang="en-US" sz="2000" dirty="0" err="1" smtClean="0">
+                <a:solidFill>
+                  <a:schemeClr val="bg1"/>
+                </a:solidFill>
+                <a:latin typeface="Lucida Console" panose="020B0609040504020204" pitchFamily="49" charset="0"/>
+              </a:rPr>
+              <a:t>sink.</a:t>
+            </a:r>
+            <a:r>
+              <a:rPr lang="en-US" sz="2000" dirty="0" err="1" smtClean="0">
+                <a:solidFill>
+                  <a:srgbClr val="66D9EF"/>
+                </a:solidFill>
+                <a:latin typeface="Lucida Console" panose="020B0609040504020204" pitchFamily="49" charset="0"/>
+              </a:rPr>
+              <a:t>on</a:t>
+            </a:r>
+            <a:r>
+              <a:rPr lang="en-US" sz="2000" dirty="0">
+                <a:solidFill>
+                  <a:schemeClr val="bg1"/>
+                </a:solidFill>
+                <a:latin typeface="Lucida Console" panose="020B0609040504020204" pitchFamily="49" charset="0"/>
+              </a:rPr>
+              <a:t>(</a:t>
+            </a:r>
+            <a:r>
+              <a:rPr lang="en-US" sz="2000" dirty="0">
+                <a:solidFill>
+                  <a:srgbClr val="E6DB74"/>
+                </a:solidFill>
+                <a:latin typeface="Lucida Console" panose="020B0609040504020204" pitchFamily="49" charset="0"/>
+              </a:rPr>
+              <a:t>'data'</a:t>
+            </a:r>
+            <a:r>
+              <a:rPr lang="en-US" sz="2000" dirty="0">
+                <a:solidFill>
+                  <a:schemeClr val="bg1"/>
+                </a:solidFill>
+                <a:latin typeface="Lucida Console" panose="020B0609040504020204" pitchFamily="49" charset="0"/>
+              </a:rPr>
+              <a:t>, </a:t>
+            </a:r>
+            <a:r>
+              <a:rPr lang="en-US" sz="2000" dirty="0" err="1" smtClean="0">
+                <a:solidFill>
+                  <a:schemeClr val="bg1"/>
+                </a:solidFill>
+                <a:latin typeface="Lucida Console" panose="020B0609040504020204" pitchFamily="49" charset="0"/>
+              </a:rPr>
+              <a:t>printData</a:t>
+            </a:r>
+            <a:r>
+              <a:rPr lang="en-US" sz="2000" dirty="0" smtClean="0">
+                <a:solidFill>
+                  <a:schemeClr val="bg1"/>
+                </a:solidFill>
+                <a:latin typeface="Lucida Console" panose="020B0609040504020204" pitchFamily="49" charset="0"/>
+              </a:rPr>
+              <a:t>);</a:t>
+            </a:r>
+            <a:endParaRPr lang="en-US" sz="2000" dirty="0">
+              <a:solidFill>
+                <a:schemeClr val="bg1"/>
+              </a:solidFill>
+              <a:latin typeface="Lucida Console" panose="020B0609040504020204" pitchFamily="49" charset="0"/>
+            </a:endParaRPr>
+          </a:p>
+          <a:p>
+            <a:endParaRPr lang="en-US" sz="2000" dirty="0">
+              <a:solidFill>
+                <a:schemeClr val="bg1"/>
+              </a:solidFill>
+              <a:latin typeface="Lucida Console" panose="020B0609040504020204" pitchFamily="49" charset="0"/>
+            </a:endParaRPr>
+          </a:p>
+          <a:p>
+            <a:r>
+              <a:rPr lang="en-US" sz="2000" dirty="0">
+                <a:solidFill>
+                  <a:schemeClr val="bg1"/>
+                </a:solidFill>
+                <a:latin typeface="Lucida Console" panose="020B0609040504020204" pitchFamily="49" charset="0"/>
+              </a:rPr>
+              <a:t>// Supply inputs</a:t>
+            </a:r>
+          </a:p>
+          <a:p>
+            <a:r>
+              <a:rPr lang="en-US" sz="2000" dirty="0">
+                <a:solidFill>
+                  <a:srgbClr val="F92672"/>
+                </a:solidFill>
+                <a:latin typeface="Lucida Console" panose="020B0609040504020204" pitchFamily="49" charset="0"/>
+              </a:rPr>
+              <a:t>for</a:t>
+            </a:r>
+            <a:r>
+              <a:rPr lang="en-US" sz="2000" dirty="0">
+                <a:solidFill>
+                  <a:schemeClr val="bg1"/>
+                </a:solidFill>
+                <a:latin typeface="Lucida Console" panose="020B0609040504020204" pitchFamily="49" charset="0"/>
+              </a:rPr>
+              <a:t> (</a:t>
+            </a:r>
+            <a:r>
+              <a:rPr lang="en-US" sz="2000" dirty="0" err="1">
+                <a:solidFill>
+                  <a:srgbClr val="66D9EF"/>
+                </a:solidFill>
+                <a:latin typeface="Lucida Console" panose="020B0609040504020204" pitchFamily="49" charset="0"/>
+              </a:rPr>
+              <a:t>var</a:t>
+            </a:r>
+            <a:r>
+              <a:rPr lang="en-US" sz="2000" dirty="0">
+                <a:solidFill>
+                  <a:schemeClr val="bg1"/>
+                </a:solidFill>
+                <a:latin typeface="Lucida Console" panose="020B0609040504020204" pitchFamily="49" charset="0"/>
+              </a:rPr>
+              <a:t> </a:t>
+            </a:r>
+            <a:r>
+              <a:rPr lang="en-US" sz="2000" dirty="0" err="1">
+                <a:solidFill>
+                  <a:schemeClr val="bg1"/>
+                </a:solidFill>
+                <a:latin typeface="Lucida Console" panose="020B0609040504020204" pitchFamily="49" charset="0"/>
+              </a:rPr>
+              <a:t>i</a:t>
+            </a:r>
+            <a:r>
+              <a:rPr lang="en-US" sz="2000" dirty="0">
+                <a:solidFill>
+                  <a:schemeClr val="bg1"/>
+                </a:solidFill>
+                <a:latin typeface="Lucida Console" panose="020B0609040504020204" pitchFamily="49" charset="0"/>
+              </a:rPr>
+              <a:t> = 0; </a:t>
+            </a:r>
+            <a:r>
+              <a:rPr lang="en-US" sz="2000" dirty="0" err="1">
+                <a:solidFill>
+                  <a:schemeClr val="bg1"/>
+                </a:solidFill>
+                <a:latin typeface="Lucida Console" panose="020B0609040504020204" pitchFamily="49" charset="0"/>
+              </a:rPr>
+              <a:t>i</a:t>
+            </a:r>
+            <a:r>
+              <a:rPr lang="en-US" sz="2000" dirty="0">
+                <a:solidFill>
+                  <a:schemeClr val="bg1"/>
+                </a:solidFill>
+                <a:latin typeface="Lucida Console" panose="020B0609040504020204" pitchFamily="49" charset="0"/>
+              </a:rPr>
+              <a:t> &lt;= 10; </a:t>
+            </a:r>
+            <a:r>
+              <a:rPr lang="en-US" sz="2000" dirty="0" err="1">
+                <a:solidFill>
+                  <a:schemeClr val="bg1"/>
+                </a:solidFill>
+                <a:latin typeface="Lucida Console" panose="020B0609040504020204" pitchFamily="49" charset="0"/>
+              </a:rPr>
+              <a:t>i</a:t>
+            </a:r>
+            <a:r>
+              <a:rPr lang="en-US" sz="2000" dirty="0">
+                <a:solidFill>
+                  <a:schemeClr val="bg1"/>
+                </a:solidFill>
+                <a:latin typeface="Lucida Console" panose="020B0609040504020204" pitchFamily="49" charset="0"/>
+              </a:rPr>
+              <a:t>++) </a:t>
+            </a:r>
+            <a:r>
+              <a:rPr lang="en-US" sz="2000" dirty="0" err="1">
+                <a:solidFill>
+                  <a:schemeClr val="bg1"/>
+                </a:solidFill>
+                <a:latin typeface="Lucida Console" panose="020B0609040504020204" pitchFamily="49" charset="0"/>
+              </a:rPr>
+              <a:t>source.push</a:t>
+            </a:r>
+            <a:r>
+              <a:rPr lang="en-US" sz="2000" dirty="0">
+                <a:solidFill>
+                  <a:schemeClr val="bg1"/>
+                </a:solidFill>
+                <a:latin typeface="Lucida Console" panose="020B0609040504020204" pitchFamily="49" charset="0"/>
+              </a:rPr>
+              <a:t>(</a:t>
+            </a:r>
+            <a:r>
+              <a:rPr lang="en-US" sz="2000" dirty="0" err="1">
+                <a:solidFill>
+                  <a:schemeClr val="bg1"/>
+                </a:solidFill>
+                <a:latin typeface="Lucida Console" panose="020B0609040504020204" pitchFamily="49" charset="0"/>
+              </a:rPr>
+              <a:t>i</a:t>
+            </a:r>
+            <a:r>
+              <a:rPr lang="en-US" sz="2000" dirty="0">
+                <a:solidFill>
+                  <a:schemeClr val="bg1"/>
+                </a:solidFill>
+                <a:latin typeface="Lucida Console" panose="020B0609040504020204" pitchFamily="49" charset="0"/>
+              </a:rPr>
+              <a:t>);</a:t>
+            </a:r>
+          </a:p>
+        </p:txBody>
+      </p:sp>
+      <p:sp>
+        <p:nvSpPr>
+          <p:cNvPr id="6" name="TextBox 5"/>
+          <p:cNvSpPr txBox="1"/>
+          <p:nvPr/>
+        </p:nvSpPr>
+        <p:spPr>
+          <a:xfrm>
+            <a:off x="4800600" y="6096000"/>
+            <a:ext cx="3886200" cy="369332"/>
+          </a:xfrm>
+          <a:prstGeom prst="rect">
+            <a:avLst/>
+          </a:prstGeom>
+          <a:noFill/>
+        </p:spPr>
+        <p:txBody>
+          <a:bodyPr wrap="square" rtlCol="0">
+            <a:spAutoFit/>
+          </a:bodyPr>
+          <a:lstStyle/>
+          <a:p>
+            <a:pPr algn="r"/>
+            <a:r>
+              <a:rPr lang="en-US" u="sng" dirty="0">
+                <a:solidFill>
+                  <a:schemeClr val="bg1"/>
+                </a:solidFill>
+                <a:latin typeface="Proxima Nova Rg" panose="02000506030000020004" pitchFamily="2" charset="0"/>
+              </a:rPr>
+              <a:t>https://github.com/darach/beam-js</a:t>
+            </a:r>
           </a:p>
         </p:txBody>
       </p:sp>
     </p:spTree>
     <p:extLst>
       <p:ext uri="{BB962C8B-B14F-4D97-AF65-F5344CB8AC3E}">
-        <p14:creationId xmlns:p14="http://schemas.microsoft.com/office/powerpoint/2010/main" val="1577594957"/>
+        <p14:creationId xmlns:p14="http://schemas.microsoft.com/office/powerpoint/2010/main" val="636530004"/>
       </p:ext>
     </p:extLst>
   </p:cSld>
@@ -12679,7 +14293,7 @@
             <a:r>
               <a:rPr lang="en-US" sz="2400" dirty="0" err="1">
                 <a:solidFill>
-                  <a:schemeClr val="bg1"/>
+                  <a:srgbClr val="66D9EF"/>
                 </a:solidFill>
                 <a:latin typeface="Lucida Console" panose="020B0609040504020204" pitchFamily="49" charset="0"/>
               </a:rPr>
@@ -12688,11 +14302,38 @@
             <a:r>
               <a:rPr lang="en-US" sz="2400" dirty="0">
                 <a:solidFill>
-                  <a:schemeClr val="bg1"/>
-                </a:solidFill>
-                <a:latin typeface="Lucida Console" panose="020B0609040504020204" pitchFamily="49" charset="0"/>
-              </a:rPr>
-              <a:t> Model = require('scuttlebutt/model')</a:t>
+                  <a:srgbClr val="66D9EF"/>
+                </a:solidFill>
+                <a:latin typeface="Lucida Console" panose="020B0609040504020204" pitchFamily="49" charset="0"/>
+              </a:rPr>
+              <a:t> </a:t>
+            </a:r>
+            <a:r>
+              <a:rPr lang="en-US" sz="2400" dirty="0">
+                <a:solidFill>
+                  <a:schemeClr val="bg1"/>
+                </a:solidFill>
+                <a:latin typeface="Lucida Console" panose="020B0609040504020204" pitchFamily="49" charset="0"/>
+              </a:rPr>
+              <a:t>Model = require(</a:t>
+            </a:r>
+            <a:r>
+              <a:rPr lang="en-US" sz="2400" dirty="0">
+                <a:solidFill>
+                  <a:srgbClr val="E6DB74"/>
+                </a:solidFill>
+                <a:latin typeface="Lucida Console" panose="020B0609040504020204" pitchFamily="49" charset="0"/>
+              </a:rPr>
+              <a:t>'scuttlebutt/model'</a:t>
+            </a:r>
+            <a:r>
+              <a:rPr lang="en-US" sz="2400" dirty="0">
+                <a:solidFill>
+                  <a:schemeClr val="bg1"/>
+                </a:solidFill>
+                <a:latin typeface="Lucida Console" panose="020B0609040504020204" pitchFamily="49" charset="0"/>
+              </a:rPr>
+              <a:t>)</a:t>
             </a:r>
           </a:p>
           <a:p>
@@ -12707,7 +14348,7 @@
             <a:r>
               <a:rPr lang="en-US" sz="2400" dirty="0" err="1">
                 <a:solidFill>
-                  <a:schemeClr val="bg1"/>
+                  <a:srgbClr val="66D9EF"/>
                 </a:solidFill>
                 <a:latin typeface="Lucida Console" panose="020B0609040504020204" pitchFamily="49" charset="0"/>
               </a:rPr>
@@ -12716,22 +14357,11 @@
             <a:r>
               <a:rPr lang="en-US" sz="2400" dirty="0">
                 <a:solidFill>
-                  <a:schemeClr val="bg1"/>
-                </a:solidFill>
-                <a:latin typeface="Lucida Console" panose="020B0609040504020204" pitchFamily="49" charset="0"/>
-              </a:rPr>
-              <a:t> a = new Model()</a:t>
-            </a:r>
-          </a:p>
-          <a:p>
-            <a:r>
-              <a:rPr lang="en-US" sz="2400" dirty="0" err="1">
-                <a:solidFill>
-                  <a:schemeClr val="bg1"/>
-                </a:solidFill>
-                <a:latin typeface="Lucida Console" panose="020B0609040504020204" pitchFamily="49" charset="0"/>
-              </a:rPr>
-              <a:t>var</a:t>
+                  <a:srgbClr val="66D9EF"/>
+                </a:solidFill>
+                <a:latin typeface="Lucida Console" panose="020B0609040504020204" pitchFamily="49" charset="0"/>
+              </a:rPr>
+              <a:t> </a:t>
             </a:r>
             <a:r>
               <a:rPr lang="en-US" sz="2400" dirty="0">
@@ -12740,10 +14370,35 @@
                 </a:solidFill>
                 <a:latin typeface="Lucida Console" panose="020B0609040504020204" pitchFamily="49" charset="0"/>
               </a:rPr>
-              <a:t> b = new Model()</a:t>
-            </a:r>
-          </a:p>
-          <a:p>
+              <a:t>a = </a:t>
+            </a:r>
+            <a:r>
+              <a:rPr lang="en-US" sz="2400" dirty="0">
+                <a:solidFill>
+                  <a:srgbClr val="F92672"/>
+                </a:solidFill>
+                <a:latin typeface="Lucida Console" panose="020B0609040504020204" pitchFamily="49" charset="0"/>
+              </a:rPr>
+              <a:t>new</a:t>
+            </a:r>
+            <a:r>
+              <a:rPr lang="en-US" sz="2400" dirty="0">
+                <a:solidFill>
+                  <a:schemeClr val="bg1"/>
+                </a:solidFill>
+                <a:latin typeface="Lucida Console" panose="020B0609040504020204" pitchFamily="49" charset="0"/>
+              </a:rPr>
+              <a:t> Model</a:t>
+            </a:r>
+            <a:r>
+              <a:rPr lang="en-US" sz="2400" dirty="0" smtClean="0">
+                <a:solidFill>
+                  <a:schemeClr val="bg1"/>
+                </a:solidFill>
+                <a:latin typeface="Lucida Console" panose="020B0609040504020204" pitchFamily="49" charset="0"/>
+              </a:rPr>
+              <a:t>();</a:t>
+            </a:r>
             <a:endParaRPr lang="en-US" sz="2400" dirty="0">
               <a:solidFill>
                 <a:schemeClr val="bg1"/>
@@ -12755,23 +14410,57 @@
             <a:r>
               <a:rPr lang="en-US" sz="2400" dirty="0" err="1">
                 <a:solidFill>
-                  <a:schemeClr val="bg1"/>
-                </a:solidFill>
-                <a:latin typeface="Lucida Console" panose="020B0609040504020204" pitchFamily="49" charset="0"/>
-              </a:rPr>
-              <a:t>a.set</a:t>
+                  <a:srgbClr val="66D9EF"/>
+                </a:solidFill>
+                <a:latin typeface="Lucida Console" panose="020B0609040504020204" pitchFamily="49" charset="0"/>
+              </a:rPr>
+              <a:t>var</a:t>
             </a:r>
             <a:r>
               <a:rPr lang="en-US" sz="2400" dirty="0">
                 <a:solidFill>
-                  <a:schemeClr val="bg1"/>
-                </a:solidFill>
-                <a:latin typeface="Lucida Console" panose="020B0609040504020204" pitchFamily="49" charset="0"/>
-              </a:rPr>
-              <a:t>(key, value)</a:t>
-            </a:r>
-          </a:p>
-          <a:p>
+                  <a:srgbClr val="66D9EF"/>
+                </a:solidFill>
+                <a:latin typeface="Lucida Console" panose="020B0609040504020204" pitchFamily="49" charset="0"/>
+              </a:rPr>
+              <a:t> </a:t>
+            </a:r>
+            <a:r>
+              <a:rPr lang="en-US" sz="2400" dirty="0">
+                <a:solidFill>
+                  <a:schemeClr val="bg1"/>
+                </a:solidFill>
+                <a:latin typeface="Lucida Console" panose="020B0609040504020204" pitchFamily="49" charset="0"/>
+              </a:rPr>
+              <a:t>b = </a:t>
+            </a:r>
+            <a:r>
+              <a:rPr lang="en-US" sz="2400" dirty="0">
+                <a:solidFill>
+                  <a:srgbClr val="F92672"/>
+                </a:solidFill>
+                <a:latin typeface="Lucida Console" panose="020B0609040504020204" pitchFamily="49" charset="0"/>
+              </a:rPr>
+              <a:t>new</a:t>
+            </a:r>
+            <a:r>
+              <a:rPr lang="en-US" sz="2400" dirty="0">
+                <a:solidFill>
+                  <a:schemeClr val="bg1"/>
+                </a:solidFill>
+                <a:latin typeface="Lucida Console" panose="020B0609040504020204" pitchFamily="49" charset="0"/>
+              </a:rPr>
+              <a:t> Model</a:t>
+            </a:r>
+            <a:r>
+              <a:rPr lang="en-US" sz="2400" dirty="0" smtClean="0">
+                <a:solidFill>
+                  <a:schemeClr val="bg1"/>
+                </a:solidFill>
+                <a:latin typeface="Lucida Console" panose="020B0609040504020204" pitchFamily="49" charset="0"/>
+              </a:rPr>
+              <a:t>();</a:t>
+            </a:r>
             <a:endParaRPr lang="en-US" sz="2400" dirty="0">
               <a:solidFill>
                 <a:schemeClr val="bg1"/>
@@ -12780,26 +14469,6 @@
             </a:endParaRPr>
           </a:p>
           <a:p>
-            <a:r>
-              <a:rPr lang="en-US" sz="2400" dirty="0" err="1">
-                <a:solidFill>
-                  <a:schemeClr val="bg1"/>
-                </a:solidFill>
-                <a:latin typeface="Lucida Console" panose="020B0609040504020204" pitchFamily="49" charset="0"/>
-              </a:rPr>
-              <a:t>b.on</a:t>
-            </a:r>
-            <a:r>
-              <a:rPr lang="en-US" sz="2400" dirty="0">
-                <a:solidFill>
-                  <a:schemeClr val="bg1"/>
-                </a:solidFill>
-                <a:latin typeface="Lucida Console" panose="020B0609040504020204" pitchFamily="49" charset="0"/>
-              </a:rPr>
-              <a:t>('update', console.log)</a:t>
-            </a:r>
-          </a:p>
-          <a:p>
             <a:endParaRPr lang="en-US" sz="2400" dirty="0">
               <a:solidFill>
                 <a:schemeClr val="bg1"/>
@@ -12815,16 +14484,138 @@
                 </a:solidFill>
                 <a:latin typeface="Lucida Console" panose="020B0609040504020204" pitchFamily="49" charset="0"/>
               </a:rPr>
+              <a:t>a.</a:t>
+            </a:r>
+            <a:r>
+              <a:rPr lang="en-US" sz="2400" dirty="0" err="1">
+                <a:solidFill>
+                  <a:srgbClr val="66D9EF"/>
+                </a:solidFill>
+                <a:latin typeface="Lucida Console" panose="020B0609040504020204" pitchFamily="49" charset="0"/>
+              </a:rPr>
+              <a:t>set</a:t>
+            </a:r>
+            <a:r>
+              <a:rPr lang="en-US" sz="2400" dirty="0">
+                <a:solidFill>
+                  <a:schemeClr val="bg1"/>
+                </a:solidFill>
+                <a:latin typeface="Lucida Console" panose="020B0609040504020204" pitchFamily="49" charset="0"/>
+              </a:rPr>
+              <a:t>(key, value</a:t>
+            </a:r>
+            <a:r>
+              <a:rPr lang="en-US" sz="2400" dirty="0" smtClean="0">
+                <a:solidFill>
+                  <a:schemeClr val="bg1"/>
+                </a:solidFill>
+                <a:latin typeface="Lucida Console" panose="020B0609040504020204" pitchFamily="49" charset="0"/>
+              </a:rPr>
+              <a:t>);</a:t>
+            </a:r>
+            <a:endParaRPr lang="en-US" sz="2400" dirty="0">
+              <a:solidFill>
+                <a:schemeClr val="bg1"/>
+              </a:solidFill>
+              <a:latin typeface="Lucida Console" panose="020B0609040504020204" pitchFamily="49" charset="0"/>
+            </a:endParaRPr>
+          </a:p>
+          <a:p>
+            <a:endParaRPr lang="en-US" sz="2400" dirty="0">
+              <a:solidFill>
+                <a:schemeClr val="bg1"/>
+              </a:solidFill>
+              <a:latin typeface="Lucida Console" panose="020B0609040504020204" pitchFamily="49" charset="0"/>
+            </a:endParaRPr>
+          </a:p>
+          <a:p>
+            <a:r>
+              <a:rPr lang="en-US" sz="2400" dirty="0" err="1">
+                <a:solidFill>
+                  <a:schemeClr val="bg1"/>
+                </a:solidFill>
+                <a:latin typeface="Lucida Console" panose="020B0609040504020204" pitchFamily="49" charset="0"/>
+              </a:rPr>
+              <a:t>b.on</a:t>
+            </a:r>
+            <a:r>
+              <a:rPr lang="en-US" sz="2400" dirty="0">
+                <a:solidFill>
+                  <a:schemeClr val="bg1"/>
+                </a:solidFill>
+                <a:latin typeface="Lucida Console" panose="020B0609040504020204" pitchFamily="49" charset="0"/>
+              </a:rPr>
+              <a:t>(</a:t>
+            </a:r>
+            <a:r>
+              <a:rPr lang="en-US" sz="2400" dirty="0">
+                <a:solidFill>
+                  <a:srgbClr val="E6DB74"/>
+                </a:solidFill>
+                <a:latin typeface="Lucida Console" panose="020B0609040504020204" pitchFamily="49" charset="0"/>
+              </a:rPr>
+              <a:t>'update'</a:t>
+            </a:r>
+            <a:r>
+              <a:rPr lang="en-US" sz="2400" dirty="0">
+                <a:solidFill>
+                  <a:schemeClr val="bg1"/>
+                </a:solidFill>
+                <a:latin typeface="Lucida Console" panose="020B0609040504020204" pitchFamily="49" charset="0"/>
+              </a:rPr>
+              <a:t>, console.log</a:t>
+            </a:r>
+            <a:r>
+              <a:rPr lang="en-US" sz="2400" dirty="0" smtClean="0">
+                <a:solidFill>
+                  <a:schemeClr val="bg1"/>
+                </a:solidFill>
+                <a:latin typeface="Lucida Console" panose="020B0609040504020204" pitchFamily="49" charset="0"/>
+              </a:rPr>
+              <a:t>);</a:t>
+            </a:r>
+            <a:endParaRPr lang="en-US" sz="2400" dirty="0">
+              <a:solidFill>
+                <a:schemeClr val="bg1"/>
+              </a:solidFill>
+              <a:latin typeface="Lucida Console" panose="020B0609040504020204" pitchFamily="49" charset="0"/>
+            </a:endParaRPr>
+          </a:p>
+          <a:p>
+            <a:endParaRPr lang="en-US" sz="2400" dirty="0">
+              <a:solidFill>
+                <a:schemeClr val="bg1"/>
+              </a:solidFill>
+              <a:latin typeface="Lucida Console" panose="020B0609040504020204" pitchFamily="49" charset="0"/>
+            </a:endParaRPr>
+          </a:p>
+          <a:p>
+            <a:r>
+              <a:rPr lang="en-US" sz="2400" dirty="0" err="1">
+                <a:solidFill>
+                  <a:srgbClr val="66D9EF"/>
+                </a:solidFill>
+                <a:latin typeface="Lucida Console" panose="020B0609040504020204" pitchFamily="49" charset="0"/>
+              </a:rPr>
               <a:t>var</a:t>
             </a:r>
             <a:r>
               <a:rPr lang="en-US" sz="2400" dirty="0">
                 <a:solidFill>
-                  <a:schemeClr val="bg1"/>
-                </a:solidFill>
-                <a:latin typeface="Lucida Console" panose="020B0609040504020204" pitchFamily="49" charset="0"/>
-              </a:rPr>
-              <a:t> s = </a:t>
+                  <a:srgbClr val="66D9EF"/>
+                </a:solidFill>
+                <a:latin typeface="Lucida Console" panose="020B0609040504020204" pitchFamily="49" charset="0"/>
+              </a:rPr>
+              <a:t> </a:t>
+            </a:r>
+            <a:r>
+              <a:rPr lang="en-US" sz="2400" dirty="0">
+                <a:solidFill>
+                  <a:schemeClr val="bg1"/>
+                </a:solidFill>
+                <a:latin typeface="Lucida Console" panose="020B0609040504020204" pitchFamily="49" charset="0"/>
+              </a:rPr>
+              <a:t>s = </a:t>
             </a:r>
             <a:r>
               <a:rPr lang="en-US" sz="2400" dirty="0" err="1">
@@ -12836,16 +14627,49 @@
               <a:t>a.createStream</a:t>
             </a:r>
             <a:r>
+              <a:rPr lang="en-US" sz="2400" dirty="0" smtClean="0">
+                <a:solidFill>
+                  <a:schemeClr val="bg1"/>
+                </a:solidFill>
+                <a:latin typeface="Lucida Console" panose="020B0609040504020204" pitchFamily="49" charset="0"/>
+              </a:rPr>
+              <a:t>();</a:t>
+            </a:r>
+            <a:endParaRPr lang="en-US" sz="2400" dirty="0">
+              <a:solidFill>
+                <a:schemeClr val="bg1"/>
+              </a:solidFill>
+              <a:latin typeface="Lucida Console" panose="020B0609040504020204" pitchFamily="49" charset="0"/>
+            </a:endParaRPr>
+          </a:p>
+          <a:p>
+            <a:r>
+              <a:rPr lang="en-US" sz="2400" dirty="0" err="1">
+                <a:solidFill>
+                  <a:schemeClr val="bg1"/>
+                </a:solidFill>
+                <a:latin typeface="Lucida Console" panose="020B0609040504020204" pitchFamily="49" charset="0"/>
+              </a:rPr>
+              <a:t>s.</a:t>
+            </a:r>
+            <a:r>
+              <a:rPr lang="en-US" sz="2400" dirty="0" err="1">
+                <a:solidFill>
+                  <a:srgbClr val="66D9EF"/>
+                </a:solidFill>
+                <a:latin typeface="Lucida Console" panose="020B0609040504020204" pitchFamily="49" charset="0"/>
+              </a:rPr>
+              <a:t>pipe</a:t>
+            </a:r>
+            <a:r>
               <a:rPr lang="en-US" sz="2400" dirty="0">
                 <a:solidFill>
                   <a:schemeClr val="bg1"/>
                 </a:solidFill>
                 <a:latin typeface="Lucida Console" panose="020B0609040504020204" pitchFamily="49" charset="0"/>
               </a:rPr>
-              <a:t>()</a:t>
-            </a:r>
-          </a:p>
-          <a:p>
+              <a:t>(</a:t>
+            </a:r>
             <a:r>
               <a:rPr lang="en-US" sz="2400" dirty="0" err="1">
                 <a:solidFill>
@@ -12853,7 +14677,7 @@
                 </a:solidFill>
                 <a:latin typeface="Lucida Console" panose="020B0609040504020204" pitchFamily="49" charset="0"/>
               </a:rPr>
-              <a:t>s.pipe</a:t>
+              <a:t>b.createStream</a:t>
             </a:r>
             <a:r>
               <a:rPr lang="en-US" sz="2400" dirty="0">
@@ -12862,25 +14686,56 @@
                 </a:solidFill>
                 <a:latin typeface="Lucida Console" panose="020B0609040504020204" pitchFamily="49" charset="0"/>
               </a:rPr>
-              <a:t>(</a:t>
-            </a:r>
-            <a:r>
-              <a:rPr lang="en-US" sz="2400" dirty="0" err="1">
-                <a:solidFill>
-                  <a:schemeClr val="bg1"/>
-                </a:solidFill>
-                <a:latin typeface="Lucida Console" panose="020B0609040504020204" pitchFamily="49" charset="0"/>
-              </a:rPr>
-              <a:t>b.createStream</a:t>
-            </a:r>
-            <a:r>
-              <a:rPr lang="en-US" sz="2400" dirty="0">
-                <a:solidFill>
-                  <a:schemeClr val="bg1"/>
-                </a:solidFill>
-                <a:latin typeface="Lucida Console" panose="020B0609040504020204" pitchFamily="49" charset="0"/>
-              </a:rPr>
-              <a:t>()).pipe(s)</a:t>
+              <a:t>()).pipe(s</a:t>
+            </a:r>
+            <a:r>
+              <a:rPr lang="en-US" sz="2400" dirty="0" smtClean="0">
+                <a:solidFill>
+                  <a:schemeClr val="bg1"/>
+                </a:solidFill>
+                <a:latin typeface="Lucida Console" panose="020B0609040504020204" pitchFamily="49" charset="0"/>
+              </a:rPr>
+              <a:t>);</a:t>
+            </a:r>
+            <a:endParaRPr lang="en-US" sz="2400" dirty="0">
+              <a:solidFill>
+                <a:schemeClr val="bg1"/>
+              </a:solidFill>
+              <a:latin typeface="Lucida Console" panose="020B0609040504020204" pitchFamily="49" charset="0"/>
+            </a:endParaRPr>
+          </a:p>
+        </p:txBody>
+      </p:sp>
+      <p:sp>
+        <p:nvSpPr>
+          <p:cNvPr id="3" name="TextBox 2"/>
+          <p:cNvSpPr txBox="1"/>
+          <p:nvPr/>
+        </p:nvSpPr>
+        <p:spPr>
+          <a:xfrm>
+            <a:off x="4419600" y="6324600"/>
+            <a:ext cx="4419600" cy="369332"/>
+          </a:xfrm>
+          <a:prstGeom prst="rect">
+            <a:avLst/>
+          </a:prstGeom>
+          <a:noFill/>
+        </p:spPr>
+        <p:txBody>
+          <a:bodyPr wrap="square" rtlCol="0">
+            <a:spAutoFit/>
+          </a:bodyPr>
+          <a:lstStyle/>
+          <a:p>
+            <a:r>
+              <a:rPr lang="en-US" u="sng" dirty="0">
+                <a:solidFill>
+                  <a:schemeClr val="bg1"/>
+                </a:solidFill>
+                <a:latin typeface="Proxima Nova Rg" panose="02000506030000020004" pitchFamily="2" charset="0"/>
+              </a:rPr>
+              <a:t>https://github.com/dominictarr/scuttlebutt</a:t>
             </a:r>
           </a:p>
         </p:txBody>
@@ -13074,6 +14929,232 @@
           <a:chExt cx="0" cy="0"/>
         </a:xfrm>
       </p:grpSpPr>
+      <p:pic>
+        <p:nvPicPr>
+          <p:cNvPr id="4" name="Picture 3"/>
+          <p:cNvPicPr>
+            <a:picLocks noChangeAspect="1"/>
+          </p:cNvPicPr>
+          <p:nvPr/>
+        </p:nvPicPr>
+        <p:blipFill>
+          <a:blip r:embed="rId3" cstate="print"/>
+          <a:stretch>
+            <a:fillRect/>
+          </a:stretch>
+        </p:blipFill>
+        <p:spPr>
+          <a:xfrm>
+            <a:off x="10886" y="0"/>
+            <a:ext cx="2781300" cy="2257425"/>
+          </a:xfrm>
+          <a:prstGeom prst="rect">
+            <a:avLst/>
+          </a:prstGeom>
+        </p:spPr>
+      </p:pic>
+      <p:sp>
+        <p:nvSpPr>
+          <p:cNvPr id="2" name="Title 1"/>
+          <p:cNvSpPr>
+            <a:spLocks noGrp="1"/>
+          </p:cNvSpPr>
+          <p:nvPr>
+            <p:ph type="title"/>
+          </p:nvPr>
+        </p:nvSpPr>
+        <p:spPr>
+          <a:xfrm>
+            <a:off x="762000" y="5334000"/>
+            <a:ext cx="8229600" cy="1143000"/>
+          </a:xfrm>
+        </p:spPr>
+        <p:txBody>
+          <a:bodyPr/>
+          <a:lstStyle/>
+          <a:p>
+            <a:pPr algn="r"/>
+            <a:r>
+              <a:rPr lang="en-US" dirty="0">
+                <a:solidFill>
+                  <a:schemeClr val="bg1"/>
+                </a:solidFill>
+                <a:latin typeface="Proxima Nova Rg" panose="02000506030000020004" pitchFamily="2" charset="0"/>
+              </a:rPr>
+              <a:t>Who you </a:t>
+            </a:r>
+            <a:r>
+              <a:rPr lang="en-US" dirty="0" err="1">
+                <a:solidFill>
+                  <a:schemeClr val="bg1"/>
+                </a:solidFill>
+                <a:latin typeface="Proxima Nova Rg" panose="02000506030000020004" pitchFamily="2" charset="0"/>
+              </a:rPr>
+              <a:t>gonna</a:t>
+            </a:r>
+            <a:r>
+              <a:rPr lang="en-US" dirty="0">
+                <a:solidFill>
+                  <a:schemeClr val="bg1"/>
+                </a:solidFill>
+                <a:latin typeface="Proxima Nova Rg" panose="02000506030000020004" pitchFamily="2" charset="0"/>
+              </a:rPr>
+              <a:t> call?</a:t>
+            </a:r>
+          </a:p>
+        </p:txBody>
+      </p:sp>
+      <p:sp>
+        <p:nvSpPr>
+          <p:cNvPr id="3" name="Content Placeholder 2"/>
+          <p:cNvSpPr>
+            <a:spLocks noGrp="1"/>
+          </p:cNvSpPr>
+          <p:nvPr>
+            <p:ph idx="1"/>
+          </p:nvPr>
+        </p:nvSpPr>
+        <p:spPr>
+          <a:xfrm>
+            <a:off x="457200" y="2819400"/>
+            <a:ext cx="8229600" cy="1828800"/>
+          </a:xfrm>
+        </p:spPr>
+        <p:txBody>
+          <a:bodyPr/>
+          <a:lstStyle/>
+          <a:p>
+            <a:pPr algn="ctr">
+              <a:buNone/>
+            </a:pPr>
+            <a:r>
+              <a:rPr lang="en-US" dirty="0" smtClean="0">
+                <a:solidFill>
+                  <a:schemeClr val="bg1"/>
+                </a:solidFill>
+                <a:latin typeface="Proxima Nova Rg" panose="02000506030000020004" pitchFamily="2" charset="0"/>
+              </a:rPr>
+              <a:t>request, filed, </a:t>
+            </a:r>
+            <a:r>
+              <a:rPr lang="en-US" dirty="0" err="1" smtClean="0">
+                <a:solidFill>
+                  <a:schemeClr val="bg1"/>
+                </a:solidFill>
+                <a:latin typeface="Proxima Nova Rg" panose="02000506030000020004" pitchFamily="2" charset="0"/>
+              </a:rPr>
+              <a:t>JSONStream</a:t>
+            </a:r>
+            <a:r>
+              <a:rPr lang="en-US" dirty="0" smtClean="0">
+                <a:solidFill>
+                  <a:schemeClr val="bg1"/>
+                </a:solidFill>
+                <a:latin typeface="Proxima Nova Rg" panose="02000506030000020004" pitchFamily="2" charset="0"/>
+              </a:rPr>
+              <a:t>, mux-</a:t>
+            </a:r>
+            <a:r>
+              <a:rPr lang="en-US" dirty="0" err="1" smtClean="0">
+                <a:solidFill>
+                  <a:schemeClr val="bg1"/>
+                </a:solidFill>
+                <a:latin typeface="Proxima Nova Rg" panose="02000506030000020004" pitchFamily="2" charset="0"/>
+              </a:rPr>
+              <a:t>demux</a:t>
+            </a:r>
+            <a:r>
+              <a:rPr lang="en-US" dirty="0" smtClean="0">
+                <a:solidFill>
+                  <a:schemeClr val="bg1"/>
+                </a:solidFill>
+                <a:latin typeface="Proxima Nova Rg" panose="02000506030000020004" pitchFamily="2" charset="0"/>
+              </a:rPr>
+              <a:t>, shoe, pause-stream</a:t>
+            </a:r>
+            <a:r>
+              <a:rPr lang="en-US" smtClean="0">
+                <a:solidFill>
+                  <a:schemeClr val="bg1"/>
+                </a:solidFill>
+                <a:latin typeface="Proxima Nova Rg" panose="02000506030000020004" pitchFamily="2" charset="0"/>
+              </a:rPr>
+              <a:t>, </a:t>
+            </a:r>
+            <a:r>
+              <a:rPr lang="en-US" smtClean="0">
+                <a:solidFill>
+                  <a:schemeClr val="bg1"/>
+                </a:solidFill>
+                <a:latin typeface="Proxima Nova Rg" panose="02000506030000020004" pitchFamily="2" charset="0"/>
+              </a:rPr>
+              <a:t>emit-stream</a:t>
+            </a:r>
+            <a:r>
+              <a:rPr lang="en-US" dirty="0" smtClean="0">
+                <a:solidFill>
+                  <a:schemeClr val="bg1"/>
+                </a:solidFill>
+                <a:latin typeface="Proxima Nova Rg" panose="02000506030000020004" pitchFamily="2" charset="0"/>
+              </a:rPr>
+              <a:t>, through, scuttlebutt, tar, </a:t>
+            </a:r>
+            <a:r>
+              <a:rPr lang="en-US" dirty="0" err="1" smtClean="0">
+                <a:solidFill>
+                  <a:schemeClr val="bg1"/>
+                </a:solidFill>
+                <a:latin typeface="Proxima Nova Rg" panose="02000506030000020004" pitchFamily="2" charset="0"/>
+              </a:rPr>
+              <a:t>dnode</a:t>
+            </a:r>
+            <a:endParaRPr lang="en-US" dirty="0">
+              <a:solidFill>
+                <a:schemeClr val="bg1"/>
+              </a:solidFill>
+              <a:latin typeface="Proxima Nova Rg" panose="02000506030000020004" pitchFamily="2" charset="0"/>
+            </a:endParaRPr>
+          </a:p>
+        </p:txBody>
+      </p:sp>
+    </p:spTree>
+    <p:extLst>
+      <p:ext uri="{BB962C8B-B14F-4D97-AF65-F5344CB8AC3E}">
+        <p14:creationId xmlns:p14="http://schemas.microsoft.com/office/powerpoint/2010/main" val="1011317617"/>
+      </p:ext>
+    </p:extLst>
+  </p:cSld>
+  <p:clrMapOvr>
+    <a:masterClrMapping/>
+  </p:clrMapOvr>
+</p:sld>
+</file>
+
+<file path=ppt/slides/slide31.xml><?xml version="1.0" encoding="utf-8"?>
+<p:sld xmlns:a="http://schemas.openxmlformats.org/drawingml/2006/main" xmlns:r="http://schemas.openxmlformats.org/officeDocument/2006/relationships" xmlns:p="http://schemas.openxmlformats.org/presentationml/2006/main">
+  <p:cSld>
+    <p:bg>
+      <p:bgPr>
+        <a:solidFill>
+          <a:schemeClr val="tx1"/>
+        </a:solidFill>
+        <a:effectLst/>
+      </p:bgPr>
+    </p:bg>
+    <p:spTree>
+      <p:nvGrpSpPr>
+        <p:cNvPr id="1" name=""/>
+        <p:cNvGrpSpPr/>
+        <p:nvPr/>
+      </p:nvGrpSpPr>
+      <p:grpSpPr>
+        <a:xfrm>
+          <a:off x="0" y="0"/>
+          <a:ext cx="0" cy="0"/>
+          <a:chOff x="0" y="0"/>
+          <a:chExt cx="0" cy="0"/>
+        </a:xfrm>
+      </p:grpSpPr>
       <p:sp>
         <p:nvSpPr>
           <p:cNvPr id="4" name="TextBox 3"/>
@@ -13193,7 +15274,7 @@
 </p:sld>
 </file>
 
-<file path=ppt/slides/slide31.xml><?xml version="1.0" encoding="utf-8"?>
+<file path=ppt/slides/slide32.xml><?xml version="1.0" encoding="utf-8"?>
 <p:sld xmlns:a="http://schemas.openxmlformats.org/drawingml/2006/main" xmlns:r="http://schemas.openxmlformats.org/officeDocument/2006/relationships" xmlns:p="http://schemas.openxmlformats.org/presentationml/2006/main">
   <p:cSld>
     <p:bg>
@@ -13265,7 +15346,7 @@
                 </a:solidFill>
                 <a:latin typeface="Proxima Nova Rg" panose="02000506030000020004" pitchFamily="2" charset="0"/>
               </a:rPr>
-              <a:t>Issues in &lt;= 0.8</a:t>
+              <a:t>Why Streams1 are bad</a:t>
             </a:r>
             <a:endParaRPr lang="en-US" dirty="0">
               <a:solidFill>
@@ -13297,40 +15378,47 @@
                   <a:schemeClr val="bg1"/>
                 </a:solidFill>
               </a:rPr>
-              <a:t>Problems in Readable Streams</a:t>
-            </a:r>
-          </a:p>
-          <a:p>
-            <a:pPr lvl="1"/>
+              <a:t>Data eagerly fired whether ready or not</a:t>
+            </a:r>
+          </a:p>
+          <a:p>
             <a:r>
               <a:rPr lang="en-US" dirty="0" smtClean="0">
                 <a:solidFill>
                   <a:schemeClr val="bg1"/>
                 </a:solidFill>
               </a:rPr>
-              <a:t>Data eagerly fired whether ready or not</a:t>
-            </a:r>
-          </a:p>
-          <a:p>
-            <a:pPr lvl="1"/>
+              <a:t>Implement pause/resume yourself</a:t>
+            </a:r>
+          </a:p>
+          <a:p>
             <a:r>
               <a:rPr lang="en-US" dirty="0" smtClean="0">
                 <a:solidFill>
                   <a:schemeClr val="bg1"/>
                 </a:solidFill>
               </a:rPr>
-              <a:t>Implement pause/resume yourself</a:t>
-            </a:r>
-          </a:p>
-          <a:p>
-            <a:pPr lvl="1"/>
+              <a:t>Pause still only advisory – so it might not…</a:t>
+            </a:r>
+          </a:p>
+          <a:p>
             <a:r>
               <a:rPr lang="en-US" dirty="0" smtClean="0">
                 <a:solidFill>
                   <a:schemeClr val="bg1"/>
                 </a:solidFill>
               </a:rPr>
-              <a:t>Might get data even if paused</a:t>
+              <a:t>Buffering is too hard</a:t>
+            </a:r>
+          </a:p>
+          <a:p>
+            <a:r>
+              <a:rPr lang="en-US" dirty="0" smtClean="0">
+                <a:solidFill>
+                  <a:schemeClr val="bg1"/>
+                </a:solidFill>
+              </a:rPr>
+              <a:t>Overeager Backpressure</a:t>
             </a:r>
             <a:endParaRPr lang="en-US" dirty="0">
               <a:solidFill>
@@ -13355,7 +15443,7 @@
 </p:sld>
 </file>
 
-<file path=ppt/slides/slide32.xml><?xml version="1.0" encoding="utf-8"?>
+<file path=ppt/slides/slide33.xml><?xml version="1.0" encoding="utf-8"?>
 <p:sld xmlns:a="http://schemas.openxmlformats.org/drawingml/2006/main" xmlns:r="http://schemas.openxmlformats.org/officeDocument/2006/relationships" xmlns:p="http://schemas.openxmlformats.org/presentationml/2006/main">
   <p:cSld>
     <p:bg>
@@ -13499,7 +15587,7 @@
 </p:sld>
 </file>
 
-<file path=ppt/slides/slide33.xml><?xml version="1.0" encoding="utf-8"?>
+<file path=ppt/slides/slide34.xml><?xml version="1.0" encoding="utf-8"?>
 <p:sld xmlns:a="http://schemas.openxmlformats.org/drawingml/2006/main" xmlns:r="http://schemas.openxmlformats.org/officeDocument/2006/relationships" xmlns:p="http://schemas.openxmlformats.org/presentationml/2006/main">
   <p:cSld>
     <p:bg>
@@ -13571,7 +15659,7 @@
                 </a:solidFill>
                 <a:latin typeface="Proxima Nova Rg" panose="02000506030000020004" pitchFamily="2" charset="0"/>
               </a:rPr>
-              <a:t>Changes in 0.9+</a:t>
+              <a:t>Readable Stream</a:t>
             </a:r>
             <a:endParaRPr lang="en-US" dirty="0">
               <a:solidFill>
@@ -13604,11 +15692,10 @@
                 </a:solidFill>
                 <a:latin typeface="Proxima Nova Rg" panose="02000506030000020004" pitchFamily="2" charset="0"/>
               </a:rPr>
-              <a:t>New Readable class</a:t>
-            </a:r>
-          </a:p>
-          <a:p>
-            <a:pPr lvl="1"/>
+              <a:t>Eliminates pause/resume</a:t>
+            </a:r>
+          </a:p>
+          <a:p>
             <a:r>
               <a:rPr lang="en-US" dirty="0" smtClean="0">
                 <a:solidFill>
@@ -13616,11 +15703,10 @@
                 </a:solidFill>
                 <a:latin typeface="Proxima Nova Rg" panose="02000506030000020004" pitchFamily="2" charset="0"/>
               </a:rPr>
-              <a:t>Eliminates pause/resume</a:t>
-            </a:r>
-          </a:p>
-          <a:p>
-            <a:pPr lvl="1"/>
+              <a:t>Adds read method and readable event</a:t>
+            </a:r>
+          </a:p>
+          <a:p>
             <a:r>
               <a:rPr lang="en-US" dirty="0" smtClean="0">
                 <a:solidFill>
@@ -13628,7 +15714,7 @@
                 </a:solidFill>
                 <a:latin typeface="Proxima Nova Rg" panose="02000506030000020004" pitchFamily="2" charset="0"/>
               </a:rPr>
-              <a:t>Adds read method and readable event</a:t>
+              <a:t>From push based data event to pull based</a:t>
             </a:r>
             <a:endParaRPr lang="en-US" dirty="0">
               <a:solidFill>
@@ -13894,121 +15980,13 @@
   <p:clrMapOvr>
     <a:masterClrMapping/>
   </p:clrMapOvr>
-</p:sld>
-</file>
-
-<file path=ppt/slides/slide34.xml><?xml version="1.0" encoding="utf-8"?>
-<p:sld xmlns:a="http://schemas.openxmlformats.org/drawingml/2006/main" xmlns:r="http://schemas.openxmlformats.org/officeDocument/2006/relationships" xmlns:p="http://schemas.openxmlformats.org/presentationml/2006/main">
-  <p:cSld>
-    <p:bg>
-      <p:bgPr>
-        <a:solidFill>
-          <a:schemeClr val="tx1"/>
-        </a:solidFill>
-        <a:effectLst/>
-      </p:bgPr>
-    </p:bg>
-    <p:spTree>
-      <p:nvGrpSpPr>
-        <p:cNvPr id="1" name=""/>
-        <p:cNvGrpSpPr/>
-        <p:nvPr/>
-      </p:nvGrpSpPr>
-      <p:grpSpPr>
-        <a:xfrm>
-          <a:off x="0" y="0"/>
-          <a:ext cx="0" cy="0"/>
-          <a:chOff x="0" y="0"/>
-          <a:chExt cx="0" cy="0"/>
-        </a:xfrm>
-      </p:grpSpPr>
-      <p:sp>
-        <p:nvSpPr>
-          <p:cNvPr id="2" name="Title 1"/>
-          <p:cNvSpPr>
-            <a:spLocks noGrp="1"/>
-          </p:cNvSpPr>
-          <p:nvPr>
-            <p:ph type="title"/>
-          </p:nvPr>
-        </p:nvSpPr>
-        <p:spPr/>
-        <p:txBody>
-          <a:bodyPr/>
-          <a:lstStyle/>
-          <a:p>
-            <a:pPr algn="r"/>
-            <a:r>
-              <a:rPr lang="en-US" dirty="0" smtClean="0">
-                <a:solidFill>
-                  <a:schemeClr val="bg1"/>
-                </a:solidFill>
-                <a:latin typeface="Proxima Nova Rg" panose="02000506030000020004" pitchFamily="2" charset="0"/>
-              </a:rPr>
-              <a:t>Readable Stream</a:t>
-            </a:r>
-            <a:endParaRPr lang="en-US" dirty="0">
-              <a:solidFill>
-                <a:schemeClr val="bg1"/>
-              </a:solidFill>
-              <a:latin typeface="Proxima Nova Rg" panose="02000506030000020004" pitchFamily="2" charset="0"/>
-            </a:endParaRPr>
-          </a:p>
-        </p:txBody>
-      </p:sp>
-      <p:sp>
-        <p:nvSpPr>
-          <p:cNvPr id="3" name="Content Placeholder 2"/>
-          <p:cNvSpPr>
-            <a:spLocks noGrp="1"/>
-          </p:cNvSpPr>
-          <p:nvPr>
-            <p:ph idx="1"/>
-          </p:nvPr>
-        </p:nvSpPr>
-        <p:spPr/>
-        <p:txBody>
-          <a:bodyPr/>
-          <a:lstStyle/>
-          <a:p>
-            <a:endParaRPr lang="en-US"/>
-          </a:p>
-        </p:txBody>
-      </p:sp>
-      <p:pic>
-        <p:nvPicPr>
-          <p:cNvPr id="4" name="Picture 3"/>
-          <p:cNvPicPr>
-            <a:picLocks noChangeAspect="1"/>
-          </p:cNvPicPr>
-          <p:nvPr/>
-        </p:nvPicPr>
-        <p:blipFill>
-          <a:blip r:embed="rId2" cstate="print"/>
-          <a:stretch>
-            <a:fillRect/>
-          </a:stretch>
-        </p:blipFill>
-        <p:spPr>
-          <a:xfrm>
-            <a:off x="0" y="0"/>
-            <a:ext cx="2781300" cy="2257425"/>
-          </a:xfrm>
-          <a:prstGeom prst="rect">
-            <a:avLst/>
-          </a:prstGeom>
-        </p:spPr>
-      </p:pic>
-    </p:spTree>
-    <p:extLst>
-      <p:ext uri="{BB962C8B-B14F-4D97-AF65-F5344CB8AC3E}">
-        <p14:creationId xmlns:p14="http://schemas.microsoft.com/office/powerpoint/2010/main" val="3594392629"/>
-      </p:ext>
-    </p:extLst>
-  </p:cSld>
-  <p:clrMapOvr>
-    <a:masterClrMapping/>
-  </p:clrMapOvr>
+  <p:timing>
+    <p:tnLst>
+      <p:par>
+        <p:cTn id="1" dur="indefinite" restart="never" nodeType="tmRoot"/>
+      </p:par>
+    </p:tnLst>
+  </p:timing>
 </p:sld>
 </file>
 
@@ -14037,59 +16015,6 @@
           <a:chExt cx="0" cy="0"/>
         </a:xfrm>
       </p:grpSpPr>
-      <p:sp>
-        <p:nvSpPr>
-          <p:cNvPr id="2" name="Title 1"/>
-          <p:cNvSpPr>
-            <a:spLocks noGrp="1"/>
-          </p:cNvSpPr>
-          <p:nvPr>
-            <p:ph type="title"/>
-          </p:nvPr>
-        </p:nvSpPr>
-        <p:spPr/>
-        <p:txBody>
-          <a:bodyPr/>
-          <a:lstStyle/>
-          <a:p>
-            <a:pPr algn="r"/>
-            <a:r>
-              <a:rPr lang="en-US" dirty="0" smtClean="0">
-                <a:solidFill>
-                  <a:schemeClr val="bg1"/>
-                </a:solidFill>
-                <a:latin typeface="Proxima Nova Rg" panose="02000506030000020004" pitchFamily="2" charset="0"/>
-              </a:rPr>
-              <a:t>Writable Stream</a:t>
-            </a:r>
-            <a:endParaRPr lang="en-US" dirty="0">
-              <a:solidFill>
-                <a:schemeClr val="bg1"/>
-              </a:solidFill>
-              <a:latin typeface="Proxima Nova Rg" panose="02000506030000020004" pitchFamily="2" charset="0"/>
-            </a:endParaRPr>
-          </a:p>
-        </p:txBody>
-      </p:sp>
-      <p:sp>
-        <p:nvSpPr>
-          <p:cNvPr id="3" name="Content Placeholder 2"/>
-          <p:cNvSpPr>
-            <a:spLocks noGrp="1"/>
-          </p:cNvSpPr>
-          <p:nvPr>
-            <p:ph idx="1"/>
-          </p:nvPr>
-        </p:nvSpPr>
-        <p:spPr/>
-        <p:txBody>
-          <a:bodyPr/>
-          <a:lstStyle/>
-          <a:p>
-            <a:endParaRPr lang="en-US"/>
-          </a:p>
-        </p:txBody>
-      </p:sp>
       <p:pic>
         <p:nvPicPr>
           <p:cNvPr id="4" name="Picture 3"/>
@@ -14099,7 +16024,7 @@
           <p:nvPr/>
         </p:nvPicPr>
         <p:blipFill>
-          <a:blip r:embed="rId2" cstate="print"/>
+          <a:blip r:embed="rId3" cstate="print"/>
           <a:stretch>
             <a:fillRect/>
           </a:stretch>
@@ -14114,6 +16039,291 @@
           </a:prstGeom>
         </p:spPr>
       </p:pic>
+      <p:sp>
+        <p:nvSpPr>
+          <p:cNvPr id="2" name="Title 1"/>
+          <p:cNvSpPr>
+            <a:spLocks noGrp="1"/>
+          </p:cNvSpPr>
+          <p:nvPr>
+            <p:ph type="title"/>
+          </p:nvPr>
+        </p:nvSpPr>
+        <p:spPr/>
+        <p:txBody>
+          <a:bodyPr/>
+          <a:lstStyle/>
+          <a:p>
+            <a:pPr algn="r"/>
+            <a:r>
+              <a:rPr lang="en-US" dirty="0" smtClean="0">
+                <a:solidFill>
+                  <a:schemeClr val="bg1"/>
+                </a:solidFill>
+                <a:latin typeface="Proxima Nova Rg" panose="02000506030000020004" pitchFamily="2" charset="0"/>
+              </a:rPr>
+              <a:t>Stream Symmetry</a:t>
+            </a:r>
+            <a:endParaRPr lang="en-US" dirty="0">
+              <a:solidFill>
+                <a:schemeClr val="bg1"/>
+              </a:solidFill>
+              <a:latin typeface="Proxima Nova Rg" panose="02000506030000020004" pitchFamily="2" charset="0"/>
+            </a:endParaRPr>
+          </a:p>
+        </p:txBody>
+      </p:sp>
+      <p:graphicFrame>
+        <p:nvGraphicFramePr>
+          <p:cNvPr id="5" name="Content Placeholder 4"/>
+          <p:cNvGraphicFramePr>
+            <a:graphicFrameLocks noGrp="1"/>
+          </p:cNvGraphicFramePr>
+          <p:nvPr>
+            <p:ph idx="1"/>
+            <p:extLst>
+              <p:ext uri="{D42A27DB-BD31-4B8C-83A1-F6EECF244321}">
+                <p14:modId xmlns:p14="http://schemas.microsoft.com/office/powerpoint/2010/main" val="1401943057"/>
+              </p:ext>
+            </p:extLst>
+          </p:nvPr>
+        </p:nvGraphicFramePr>
+        <p:xfrm>
+          <a:off x="457200" y="1600200"/>
+          <a:ext cx="8229600" cy="3810000"/>
+        </p:xfrm>
+        <a:graphic>
+          <a:graphicData uri="http://schemas.openxmlformats.org/drawingml/2006/table">
+            <a:tbl>
+              <a:tblPr firstRow="1" bandRow="1">
+                <a:tableStyleId>{9D7B26C5-4107-4FEC-AEDC-1716B250A1EF}</a:tableStyleId>
+              </a:tblPr>
+              <a:tblGrid>
+                <a:gridCol w="4114800"/>
+                <a:gridCol w="4114800"/>
+              </a:tblGrid>
+              <a:tr h="952500">
+                <a:tc>
+                  <a:txBody>
+                    <a:bodyPr/>
+                    <a:lstStyle/>
+                    <a:p>
+                      <a:r>
+                        <a:rPr lang="en-US" sz="2800" dirty="0" smtClean="0">
+                          <a:solidFill>
+                            <a:schemeClr val="bg1"/>
+                          </a:solidFill>
+                          <a:latin typeface="Proxima Nova Rg" panose="02000506030000020004" pitchFamily="2" charset="0"/>
+                        </a:rPr>
+                        <a:t>Readable</a:t>
+                      </a:r>
+                      <a:endParaRPr lang="en-US" sz="2800" dirty="0">
+                        <a:solidFill>
+                          <a:schemeClr val="bg1"/>
+                        </a:solidFill>
+                        <a:latin typeface="Proxima Nova Rg" panose="02000506030000020004" pitchFamily="2" charset="0"/>
+                      </a:endParaRPr>
+                    </a:p>
+                  </a:txBody>
+                  <a:tcPr/>
+                </a:tc>
+                <a:tc>
+                  <a:txBody>
+                    <a:bodyPr/>
+                    <a:lstStyle/>
+                    <a:p>
+                      <a:r>
+                        <a:rPr lang="en-US" sz="2800" dirty="0" smtClean="0">
+                          <a:solidFill>
+                            <a:schemeClr val="bg1"/>
+                          </a:solidFill>
+                          <a:latin typeface="Proxima Nova Rg" panose="02000506030000020004" pitchFamily="2" charset="0"/>
+                        </a:rPr>
+                        <a:t>Writable</a:t>
+                      </a:r>
+                      <a:endParaRPr lang="en-US" sz="2800" dirty="0">
+                        <a:solidFill>
+                          <a:schemeClr val="bg1"/>
+                        </a:solidFill>
+                        <a:latin typeface="Proxima Nova Rg" panose="02000506030000020004" pitchFamily="2" charset="0"/>
+                      </a:endParaRPr>
+                    </a:p>
+                  </a:txBody>
+                  <a:tcPr/>
+                </a:tc>
+              </a:tr>
+              <a:tr h="952500">
+                <a:tc>
+                  <a:txBody>
+                    <a:bodyPr/>
+                    <a:lstStyle/>
+                    <a:p>
+                      <a:r>
+                        <a:rPr lang="en-US" sz="2800" dirty="0" smtClean="0">
+                          <a:solidFill>
+                            <a:schemeClr val="bg1"/>
+                          </a:solidFill>
+                          <a:latin typeface="Proxima Nova Rg" panose="02000506030000020004" pitchFamily="2" charset="0"/>
+                        </a:rPr>
+                        <a:t>read() =&gt;</a:t>
+                      </a:r>
+                      <a:r>
+                        <a:rPr lang="en-US" sz="2800" baseline="0" dirty="0" smtClean="0">
+                          <a:solidFill>
+                            <a:schemeClr val="bg1"/>
+                          </a:solidFill>
+                          <a:latin typeface="Proxima Nova Rg" panose="02000506030000020004" pitchFamily="2" charset="0"/>
+                        </a:rPr>
+                        <a:t> Buffer or null</a:t>
+                      </a:r>
+                      <a:endParaRPr lang="en-US" sz="2800" dirty="0">
+                        <a:solidFill>
+                          <a:schemeClr val="bg1"/>
+                        </a:solidFill>
+                        <a:latin typeface="Proxima Nova Rg" panose="02000506030000020004" pitchFamily="2" charset="0"/>
+                      </a:endParaRPr>
+                    </a:p>
+                  </a:txBody>
+                  <a:tcPr/>
+                </a:tc>
+                <a:tc>
+                  <a:txBody>
+                    <a:bodyPr/>
+                    <a:lstStyle/>
+                    <a:p>
+                      <a:r>
+                        <a:rPr lang="en-US" sz="2800" dirty="0" smtClean="0">
+                          <a:solidFill>
+                            <a:schemeClr val="bg1"/>
+                          </a:solidFill>
+                          <a:latin typeface="Proxima Nova Rg" panose="02000506030000020004" pitchFamily="2" charset="0"/>
+                        </a:rPr>
+                        <a:t>write()</a:t>
+                      </a:r>
+                      <a:r>
+                        <a:rPr lang="en-US" sz="2800" baseline="0" dirty="0" smtClean="0">
+                          <a:solidFill>
+                            <a:schemeClr val="bg1"/>
+                          </a:solidFill>
+                          <a:latin typeface="Proxima Nova Rg" panose="02000506030000020004" pitchFamily="2" charset="0"/>
+                        </a:rPr>
+                        <a:t> =&gt; true/false</a:t>
+                      </a:r>
+                      <a:endParaRPr lang="en-US" sz="2800" dirty="0">
+                        <a:solidFill>
+                          <a:schemeClr val="bg1"/>
+                        </a:solidFill>
+                        <a:latin typeface="Proxima Nova Rg" panose="02000506030000020004" pitchFamily="2" charset="0"/>
+                      </a:endParaRPr>
+                    </a:p>
+                  </a:txBody>
+                  <a:tcPr/>
+                </a:tc>
+              </a:tr>
+              <a:tr h="952500">
+                <a:tc>
+                  <a:txBody>
+                    <a:bodyPr/>
+                    <a:lstStyle/>
+                    <a:p>
+                      <a:r>
+                        <a:rPr lang="en-US" sz="2800" dirty="0" smtClean="0">
+                          <a:solidFill>
+                            <a:schemeClr val="bg1"/>
+                          </a:solidFill>
+                          <a:latin typeface="Proxima Nova Rg" panose="02000506030000020004" pitchFamily="2" charset="0"/>
+                        </a:rPr>
+                        <a:t>“readable” after read null</a:t>
+                      </a:r>
+                      <a:endParaRPr lang="en-US" sz="2800" dirty="0">
+                        <a:solidFill>
+                          <a:schemeClr val="bg1"/>
+                        </a:solidFill>
+                        <a:latin typeface="Proxima Nova Rg" panose="02000506030000020004" pitchFamily="2" charset="0"/>
+                      </a:endParaRPr>
+                    </a:p>
+                  </a:txBody>
+                  <a:tcPr/>
+                </a:tc>
+                <a:tc>
+                  <a:txBody>
+                    <a:bodyPr/>
+                    <a:lstStyle/>
+                    <a:p>
+                      <a:r>
+                        <a:rPr lang="en-US" sz="2800" dirty="0" smtClean="0">
+                          <a:solidFill>
+                            <a:schemeClr val="bg1"/>
+                          </a:solidFill>
+                          <a:latin typeface="Proxima Nova Rg" panose="02000506030000020004" pitchFamily="2" charset="0"/>
+                        </a:rPr>
+                        <a:t>“drain” after false</a:t>
+                      </a:r>
+                      <a:endParaRPr lang="en-US" sz="2800" dirty="0">
+                        <a:solidFill>
+                          <a:schemeClr val="bg1"/>
+                        </a:solidFill>
+                        <a:latin typeface="Proxima Nova Rg" panose="02000506030000020004" pitchFamily="2" charset="0"/>
+                      </a:endParaRPr>
+                    </a:p>
+                  </a:txBody>
+                  <a:tcPr/>
+                </a:tc>
+              </a:tr>
+              <a:tr h="952500">
+                <a:tc>
+                  <a:txBody>
+                    <a:bodyPr/>
+                    <a:lstStyle/>
+                    <a:p>
+                      <a:r>
+                        <a:rPr lang="en-US" sz="2800" dirty="0" smtClean="0">
+                          <a:solidFill>
+                            <a:schemeClr val="bg1"/>
+                          </a:solidFill>
+                          <a:latin typeface="Proxima Nova Rg" panose="02000506030000020004" pitchFamily="2" charset="0"/>
+                        </a:rPr>
+                        <a:t>“end” event</a:t>
+                      </a:r>
+                      <a:endParaRPr lang="en-US" sz="2800" dirty="0">
+                        <a:solidFill>
+                          <a:schemeClr val="bg1"/>
+                        </a:solidFill>
+                        <a:latin typeface="Proxima Nova Rg" panose="02000506030000020004" pitchFamily="2" charset="0"/>
+                      </a:endParaRPr>
+                    </a:p>
+                  </a:txBody>
+                  <a:tcPr/>
+                </a:tc>
+                <a:tc>
+                  <a:txBody>
+                    <a:bodyPr/>
+                    <a:lstStyle/>
+                    <a:p>
+                      <a:r>
+                        <a:rPr lang="en-US" sz="2800" dirty="0" smtClean="0">
+                          <a:solidFill>
+                            <a:schemeClr val="bg1"/>
+                          </a:solidFill>
+                          <a:latin typeface="Proxima Nova Rg" panose="02000506030000020004" pitchFamily="2" charset="0"/>
+                        </a:rPr>
+                        <a:t>end()</a:t>
+                      </a:r>
+                      <a:endParaRPr lang="en-US" sz="2800" dirty="0">
+                        <a:solidFill>
+                          <a:schemeClr val="bg1"/>
+                        </a:solidFill>
+                        <a:latin typeface="Proxima Nova Rg" panose="02000506030000020004" pitchFamily="2" charset="0"/>
+                      </a:endParaRPr>
+                    </a:p>
+                  </a:txBody>
+                  <a:tcPr/>
+                </a:tc>
+              </a:tr>
+            </a:tbl>
+          </a:graphicData>
+        </a:graphic>
+      </p:graphicFrame>
     </p:spTree>
     <p:extLst>
       <p:ext uri="{BB962C8B-B14F-4D97-AF65-F5344CB8AC3E}">
@@ -14124,6 +16334,13 @@
   <p:clrMapOvr>
     <a:masterClrMapping/>
   </p:clrMapOvr>
+  <p:timing>
+    <p:tnLst>
+      <p:par>
+        <p:cTn id="1" dur="indefinite" restart="never" nodeType="tmRoot"/>
+      </p:par>
+    </p:tnLst>
+  </p:timing>
 </p:sld>
 </file>
 
@@ -14201,7 +16418,76 @@
           <a:bodyPr/>
           <a:lstStyle/>
           <a:p>
-            <a:endParaRPr lang="en-US"/>
+            <a:r>
+              <a:rPr lang="en-US" dirty="0">
+                <a:solidFill>
+                  <a:schemeClr val="bg1"/>
+                </a:solidFill>
+              </a:rPr>
+              <a:t>•override _transform(chunk, output, </a:t>
+            </a:r>
+            <a:r>
+              <a:rPr lang="en-US" dirty="0" err="1">
+                <a:solidFill>
+                  <a:schemeClr val="bg1"/>
+                </a:solidFill>
+              </a:rPr>
+              <a:t>cb</a:t>
+            </a:r>
+            <a:r>
+              <a:rPr lang="en-US" dirty="0">
+                <a:solidFill>
+                  <a:schemeClr val="bg1"/>
+                </a:solidFill>
+              </a:rPr>
+              <a:t>)</a:t>
+            </a:r>
+          </a:p>
+          <a:p>
+            <a:r>
+              <a:rPr lang="en-US" dirty="0">
+                <a:solidFill>
+                  <a:schemeClr val="bg1"/>
+                </a:solidFill>
+              </a:rPr>
+              <a:t>•call output(chunk) (or don't)</a:t>
+            </a:r>
+          </a:p>
+          <a:p>
+            <a:r>
+              <a:rPr lang="en-US" dirty="0">
+                <a:solidFill>
+                  <a:schemeClr val="bg1"/>
+                </a:solidFill>
+              </a:rPr>
+              <a:t>•call </a:t>
+            </a:r>
+            <a:r>
+              <a:rPr lang="en-US" dirty="0" err="1">
+                <a:solidFill>
+                  <a:schemeClr val="bg1"/>
+                </a:solidFill>
+              </a:rPr>
+              <a:t>cb</a:t>
+            </a:r>
+            <a:r>
+              <a:rPr lang="en-US" dirty="0">
+                <a:solidFill>
+                  <a:schemeClr val="bg1"/>
+                </a:solidFill>
+              </a:rPr>
+              <a:t>() when done with that chunk</a:t>
+            </a:r>
+          </a:p>
+          <a:p>
+            <a:r>
+              <a:rPr lang="en-US" dirty="0">
+                <a:solidFill>
+                  <a:schemeClr val="bg1"/>
+                </a:solidFill>
+              </a:rPr>
+              <a:t>•Just Works.</a:t>
+            </a:r>
           </a:p>
         </p:txBody>
       </p:sp>
@@ -14239,6 +16525,13 @@
   <p:clrMapOvr>
     <a:masterClrMapping/>
   </p:clrMapOvr>
+  <p:timing>
+    <p:tnLst>
+      <p:par>
+        <p:cTn id="1" dur="indefinite" restart="never" nodeType="tmRoot"/>
+      </p:par>
+    </p:tnLst>
+  </p:timing>
 </p:sld>
 </file>
 
@@ -14592,21 +16885,21 @@
       </p:grpSpPr>
       <p:pic>
         <p:nvPicPr>
-          <p:cNvPr id="4" name="Picture 3"/>
+          <p:cNvPr id="6" name="Picture 5"/>
           <p:cNvPicPr>
             <a:picLocks noChangeAspect="1"/>
           </p:cNvPicPr>
           <p:nvPr/>
         </p:nvPicPr>
         <p:blipFill>
-          <a:blip r:embed="rId3" cstate="print"/>
+          <a:blip r:embed="rId2" cstate="print"/>
           <a:stretch>
             <a:fillRect/>
           </a:stretch>
         </p:blipFill>
         <p:spPr>
           <a:xfrm>
-            <a:off x="10886" y="0"/>
+            <a:off x="0" y="0"/>
             <a:ext cx="2781300" cy="2257425"/>
           </a:xfrm>
           <a:prstGeom prst="rect">
@@ -14626,42 +16919,32 @@
         </p:nvSpPr>
         <p:spPr>
           <a:xfrm>
-            <a:off x="762000" y="5334000"/>
-            <a:ext cx="8229600" cy="1143000"/>
+            <a:off x="76200" y="5410200"/>
+            <a:ext cx="8991600" cy="1143000"/>
           </a:xfrm>
         </p:spPr>
         <p:txBody>
-          <a:bodyPr/>
+          <a:bodyPr>
+            <a:noAutofit/>
+          </a:bodyPr>
           <a:lstStyle/>
           <a:p>
             <a:pPr algn="r"/>
             <a:r>
-              <a:rPr lang="en-US" dirty="0">
+              <a:rPr lang="en-US" sz="4000" dirty="0" smtClean="0">
                 <a:solidFill>
                   <a:schemeClr val="bg1"/>
                 </a:solidFill>
                 <a:latin typeface="Proxima Nova Rg" panose="02000506030000020004" pitchFamily="2" charset="0"/>
               </a:rPr>
-              <a:t>Who you </a:t>
-            </a:r>
-            <a:r>
-              <a:rPr lang="en-US" dirty="0" err="1">
-                <a:solidFill>
-                  <a:schemeClr val="bg1"/>
-                </a:solidFill>
-                <a:latin typeface="Proxima Nova Rg" panose="02000506030000020004" pitchFamily="2" charset="0"/>
-              </a:rPr>
-              <a:t>gonna</a:t>
-            </a:r>
-            <a:r>
-              <a:rPr lang="en-US" dirty="0">
-                <a:solidFill>
-                  <a:schemeClr val="bg1"/>
-                </a:solidFill>
-                <a:latin typeface="Proxima Nova Rg" panose="02000506030000020004" pitchFamily="2" charset="0"/>
-              </a:rPr>
-              <a:t> call?</a:t>
-            </a:r>
+              <a:t>We’re ready to believe you!</a:t>
+            </a:r>
+            <a:endParaRPr lang="en-US" sz="4000" dirty="0">
+              <a:solidFill>
+                <a:schemeClr val="bg1"/>
+              </a:solidFill>
+              <a:latin typeface="Proxima Nova Rg" panose="02000506030000020004" pitchFamily="2" charset="0"/>
+            </a:endParaRPr>
           </a:p>
         </p:txBody>
       </p:sp>
@@ -14672,91 +16955,203 @@
             <a:spLocks noGrp="1"/>
           </p:cNvSpPr>
           <p:nvPr>
-            <p:ph idx="1"/>
+            <p:ph sz="half" idx="1"/>
           </p:nvPr>
         </p:nvSpPr>
-        <p:spPr>
-          <a:xfrm>
-            <a:off x="457200" y="2819400"/>
-            <a:ext cx="8229600" cy="1828800"/>
-          </a:xfrm>
-        </p:spPr>
+        <p:spPr/>
         <p:txBody>
           <a:bodyPr/>
           <a:lstStyle/>
           <a:p>
-            <a:pPr algn="ctr">
+            <a:pPr marL="0" indent="0">
               <a:buNone/>
             </a:pPr>
             <a:r>
-              <a:rPr lang="en-US" dirty="0" smtClean="0">
-                <a:solidFill>
-                  <a:schemeClr val="bg1"/>
-                </a:solidFill>
-                <a:latin typeface="Proxima Nova Rg" panose="02000506030000020004" pitchFamily="2" charset="0"/>
-              </a:rPr>
-              <a:t>request, filed, </a:t>
-            </a:r>
-            <a:r>
               <a:rPr lang="en-US" dirty="0" err="1" smtClean="0">
                 <a:solidFill>
                   <a:schemeClr val="bg1"/>
                 </a:solidFill>
-                <a:latin typeface="Proxima Nova Rg" panose="02000506030000020004" pitchFamily="2" charset="0"/>
-              </a:rPr>
-              <a:t>JSONStream</a:t>
-            </a:r>
-            <a:r>
-              <a:rPr lang="en-US" dirty="0" smtClean="0">
-                <a:solidFill>
-                  <a:schemeClr val="bg1"/>
-                </a:solidFill>
-                <a:latin typeface="Proxima Nova Rg" panose="02000506030000020004" pitchFamily="2" charset="0"/>
-              </a:rPr>
-              <a:t>, mux-</a:t>
-            </a:r>
+                <a:latin typeface="Proxima Nova Rg" panose="02000506030000020004" pitchFamily="50" charset="0"/>
+              </a:rPr>
+              <a:t>substack</a:t>
+            </a:r>
+            <a:endParaRPr lang="en-US" dirty="0" smtClean="0">
+              <a:solidFill>
+                <a:schemeClr val="bg1"/>
+              </a:solidFill>
+              <a:latin typeface="Proxima Nova Rg" panose="02000506030000020004" pitchFamily="50" charset="0"/>
+            </a:endParaRPr>
+          </a:p>
+          <a:p>
+            <a:pPr marL="0" indent="0">
+              <a:buNone/>
+            </a:pPr>
             <a:r>
               <a:rPr lang="en-US" dirty="0" err="1" smtClean="0">
                 <a:solidFill>
                   <a:schemeClr val="bg1"/>
                 </a:solidFill>
-                <a:latin typeface="Proxima Nova Rg" panose="02000506030000020004" pitchFamily="2" charset="0"/>
-              </a:rPr>
-              <a:t>demux</a:t>
-            </a:r>
-            <a:r>
-              <a:rPr lang="en-US" dirty="0" smtClean="0">
-                <a:solidFill>
-                  <a:schemeClr val="bg1"/>
-                </a:solidFill>
-                <a:latin typeface="Proxima Nova Rg" panose="02000506030000020004" pitchFamily="2" charset="0"/>
-              </a:rPr>
-              <a:t>, shoe, pause-stream, event-stream, through, scuttlebutt, tar, </a:t>
-            </a:r>
+                <a:latin typeface="Proxima Nova Rg" panose="02000506030000020004" pitchFamily="50" charset="0"/>
+              </a:rPr>
+              <a:t>dominictarr</a:t>
+            </a:r>
+            <a:endParaRPr lang="en-US" dirty="0" smtClean="0">
+              <a:solidFill>
+                <a:schemeClr val="bg1"/>
+              </a:solidFill>
+              <a:latin typeface="Proxima Nova Rg" panose="02000506030000020004" pitchFamily="50" charset="0"/>
+            </a:endParaRPr>
+          </a:p>
+          <a:p>
+            <a:pPr marL="0" indent="0">
+              <a:buNone/>
+            </a:pPr>
             <a:r>
               <a:rPr lang="en-US" dirty="0" err="1" smtClean="0">
                 <a:solidFill>
                   <a:schemeClr val="bg1"/>
                 </a:solidFill>
-                <a:latin typeface="Proxima Nova Rg" panose="02000506030000020004" pitchFamily="2" charset="0"/>
-              </a:rPr>
-              <a:t>dnode</a:t>
-            </a:r>
+                <a:latin typeface="Proxima Nova Rg" panose="02000506030000020004" pitchFamily="50" charset="0"/>
+              </a:rPr>
+              <a:t>maxogden</a:t>
+            </a:r>
+            <a:endParaRPr lang="en-US" dirty="0" smtClean="0">
+              <a:solidFill>
+                <a:schemeClr val="bg1"/>
+              </a:solidFill>
+              <a:latin typeface="Proxima Nova Rg" panose="02000506030000020004" pitchFamily="50" charset="0"/>
+            </a:endParaRPr>
+          </a:p>
+          <a:p>
+            <a:pPr marL="0" indent="0">
+              <a:buNone/>
+            </a:pPr>
+            <a:r>
+              <a:rPr lang="en-US" dirty="0" err="1" smtClean="0">
+                <a:solidFill>
+                  <a:schemeClr val="bg1"/>
+                </a:solidFill>
+                <a:latin typeface="Proxima Nova Rg" panose="02000506030000020004" pitchFamily="50" charset="0"/>
+              </a:rPr>
+              <a:t>mikeal</a:t>
+            </a:r>
+            <a:endParaRPr lang="en-US" dirty="0" smtClean="0">
+              <a:solidFill>
+                <a:schemeClr val="bg1"/>
+              </a:solidFill>
+              <a:latin typeface="Proxima Nova Rg" panose="02000506030000020004" pitchFamily="50" charset="0"/>
+            </a:endParaRPr>
+          </a:p>
+        </p:txBody>
+      </p:sp>
+      <p:sp>
+        <p:nvSpPr>
+          <p:cNvPr id="4" name="Content Placeholder 3"/>
+          <p:cNvSpPr>
+            <a:spLocks noGrp="1"/>
+          </p:cNvSpPr>
+          <p:nvPr>
+            <p:ph sz="half" idx="2"/>
+          </p:nvPr>
+        </p:nvSpPr>
+        <p:spPr/>
+        <p:txBody>
+          <a:bodyPr/>
+          <a:lstStyle/>
+          <a:p>
+            <a:pPr marL="0" indent="0">
+              <a:buNone/>
+            </a:pPr>
+            <a:r>
+              <a:rPr lang="en-US" dirty="0" err="1" smtClean="0">
+                <a:solidFill>
+                  <a:schemeClr val="bg1"/>
+                </a:solidFill>
+                <a:latin typeface="Proxima Nova Rg" panose="02000506030000020004" pitchFamily="50" charset="0"/>
+              </a:rPr>
+              <a:t>isaacs</a:t>
+            </a:r>
+            <a:endParaRPr lang="en-US" dirty="0" smtClean="0">
+              <a:solidFill>
+                <a:schemeClr val="bg1"/>
+              </a:solidFill>
+              <a:latin typeface="Proxima Nova Rg" panose="02000506030000020004" pitchFamily="50" charset="0"/>
+            </a:endParaRPr>
+          </a:p>
+          <a:p>
+            <a:pPr marL="0" indent="0">
+              <a:buNone/>
+            </a:pPr>
+            <a:r>
+              <a:rPr lang="en-US" dirty="0" err="1" smtClean="0">
+                <a:solidFill>
+                  <a:schemeClr val="bg1"/>
+                </a:solidFill>
+                <a:latin typeface="Proxima Nova Rg" panose="02000506030000020004" pitchFamily="50" charset="0"/>
+              </a:rPr>
+              <a:t>raynos</a:t>
+            </a:r>
+            <a:endParaRPr lang="en-US" dirty="0" smtClean="0">
+              <a:solidFill>
+                <a:schemeClr val="bg1"/>
+              </a:solidFill>
+              <a:latin typeface="Proxima Nova Rg" panose="02000506030000020004" pitchFamily="50" charset="0"/>
+            </a:endParaRPr>
+          </a:p>
+          <a:p>
+            <a:pPr marL="0" indent="0">
+              <a:buNone/>
+            </a:pPr>
+            <a:r>
+              <a:rPr lang="en-US" dirty="0" err="1" smtClean="0">
+                <a:solidFill>
+                  <a:schemeClr val="bg1"/>
+                </a:solidFill>
+                <a:latin typeface="Proxima Nova Rg" panose="02000506030000020004" pitchFamily="50" charset="0"/>
+              </a:rPr>
+              <a:t>fent</a:t>
+            </a:r>
+            <a:endParaRPr lang="en-US" dirty="0" smtClean="0">
+              <a:solidFill>
+                <a:schemeClr val="bg1"/>
+              </a:solidFill>
+              <a:latin typeface="Proxima Nova Rg" panose="02000506030000020004" pitchFamily="50" charset="0"/>
+            </a:endParaRPr>
+          </a:p>
+          <a:p>
+            <a:pPr marL="0" indent="0">
+              <a:buNone/>
+            </a:pPr>
+            <a:r>
+              <a:rPr lang="en-US" dirty="0" err="1" smtClean="0">
+                <a:solidFill>
+                  <a:schemeClr val="bg1"/>
+                </a:solidFill>
+                <a:latin typeface="Proxima Nova Rg" panose="02000506030000020004" pitchFamily="50" charset="0"/>
+              </a:rPr>
+              <a:t>tootallnate</a:t>
+            </a:r>
+            <a:endParaRPr lang="en-US" dirty="0" smtClean="0">
+              <a:solidFill>
+                <a:schemeClr val="bg1"/>
+              </a:solidFill>
+              <a:latin typeface="Proxima Nova Rg" panose="02000506030000020004" pitchFamily="50" charset="0"/>
+            </a:endParaRPr>
+          </a:p>
+          <a:p>
+            <a:pPr marL="0" indent="0">
+              <a:buNone/>
+            </a:pPr>
             <a:endParaRPr lang="en-US" dirty="0">
               <a:solidFill>
                 <a:schemeClr val="bg1"/>
               </a:solidFill>
-              <a:latin typeface="Proxima Nova Rg" panose="02000506030000020004" pitchFamily="2" charset="0"/>
+              <a:latin typeface="Proxima Nova Rg" panose="02000506030000020004" pitchFamily="50" charset="0"/>
             </a:endParaRPr>
           </a:p>
         </p:txBody>
       </p:sp>
     </p:spTree>
-    <p:extLst>
-      <p:ext uri="{BB962C8B-B14F-4D97-AF65-F5344CB8AC3E}">
-        <p14:creationId xmlns:p14="http://schemas.microsoft.com/office/powerpoint/2010/main" val="1011317617"/>
-      </p:ext>
-    </p:extLst>
   </p:cSld>
   <p:clrMapOvr>
     <a:masterClrMapping/>
@@ -14924,307 +17319,6 @@
           <a:chExt cx="0" cy="0"/>
         </a:xfrm>
       </p:grpSpPr>
-      <p:pic>
-        <p:nvPicPr>
-          <p:cNvPr id="6" name="Picture 5"/>
-          <p:cNvPicPr>
-            <a:picLocks noChangeAspect="1"/>
-          </p:cNvPicPr>
-          <p:nvPr/>
-        </p:nvPicPr>
-        <p:blipFill>
-          <a:blip r:embed="rId2" cstate="print"/>
-          <a:stretch>
-            <a:fillRect/>
-          </a:stretch>
-        </p:blipFill>
-        <p:spPr>
-          <a:xfrm>
-            <a:off x="0" y="0"/>
-            <a:ext cx="2781300" cy="2257425"/>
-          </a:xfrm>
-          <a:prstGeom prst="rect">
-            <a:avLst/>
-          </a:prstGeom>
-        </p:spPr>
-      </p:pic>
-      <p:sp>
-        <p:nvSpPr>
-          <p:cNvPr id="2" name="Title 1"/>
-          <p:cNvSpPr>
-            <a:spLocks noGrp="1"/>
-          </p:cNvSpPr>
-          <p:nvPr>
-            <p:ph type="title"/>
-          </p:nvPr>
-        </p:nvSpPr>
-        <p:spPr>
-          <a:xfrm>
-            <a:off x="76200" y="5410200"/>
-            <a:ext cx="8991600" cy="1143000"/>
-          </a:xfrm>
-        </p:spPr>
-        <p:txBody>
-          <a:bodyPr>
-            <a:noAutofit/>
-          </a:bodyPr>
-          <a:lstStyle/>
-          <a:p>
-            <a:pPr algn="r"/>
-            <a:r>
-              <a:rPr lang="en-US" sz="4000" dirty="0" smtClean="0">
-                <a:solidFill>
-                  <a:schemeClr val="bg1"/>
-                </a:solidFill>
-                <a:latin typeface="Proxima Nova Rg" panose="02000506030000020004" pitchFamily="2" charset="0"/>
-              </a:rPr>
-              <a:t>We’re ready to believe you!</a:t>
-            </a:r>
-            <a:endParaRPr lang="en-US" sz="4000" dirty="0">
-              <a:solidFill>
-                <a:schemeClr val="bg1"/>
-              </a:solidFill>
-              <a:latin typeface="Proxima Nova Rg" panose="02000506030000020004" pitchFamily="2" charset="0"/>
-            </a:endParaRPr>
-          </a:p>
-        </p:txBody>
-      </p:sp>
-      <p:sp>
-        <p:nvSpPr>
-          <p:cNvPr id="3" name="Content Placeholder 2"/>
-          <p:cNvSpPr>
-            <a:spLocks noGrp="1"/>
-          </p:cNvSpPr>
-          <p:nvPr>
-            <p:ph sz="half" idx="1"/>
-          </p:nvPr>
-        </p:nvSpPr>
-        <p:spPr/>
-        <p:txBody>
-          <a:bodyPr/>
-          <a:lstStyle/>
-          <a:p>
-            <a:pPr marL="0" indent="0">
-              <a:buNone/>
-            </a:pPr>
-            <a:r>
-              <a:rPr lang="en-US" dirty="0" err="1" smtClean="0">
-                <a:solidFill>
-                  <a:schemeClr val="bg1"/>
-                </a:solidFill>
-                <a:latin typeface="Proxima Nova Rg" panose="02000506030000020004" pitchFamily="50" charset="0"/>
-              </a:rPr>
-              <a:t>substack</a:t>
-            </a:r>
-            <a:endParaRPr lang="en-US" dirty="0" smtClean="0">
-              <a:solidFill>
-                <a:schemeClr val="bg1"/>
-              </a:solidFill>
-              <a:latin typeface="Proxima Nova Rg" panose="02000506030000020004" pitchFamily="50" charset="0"/>
-            </a:endParaRPr>
-          </a:p>
-          <a:p>
-            <a:pPr marL="0" indent="0">
-              <a:buNone/>
-            </a:pPr>
-            <a:r>
-              <a:rPr lang="en-US" dirty="0" err="1" smtClean="0">
-                <a:solidFill>
-                  <a:schemeClr val="bg1"/>
-                </a:solidFill>
-                <a:latin typeface="Proxima Nova Rg" panose="02000506030000020004" pitchFamily="50" charset="0"/>
-              </a:rPr>
-              <a:t>dominictarr</a:t>
-            </a:r>
-            <a:endParaRPr lang="en-US" dirty="0" smtClean="0">
-              <a:solidFill>
-                <a:schemeClr val="bg1"/>
-              </a:solidFill>
-              <a:latin typeface="Proxima Nova Rg" panose="02000506030000020004" pitchFamily="50" charset="0"/>
-            </a:endParaRPr>
-          </a:p>
-          <a:p>
-            <a:pPr marL="0" indent="0">
-              <a:buNone/>
-            </a:pPr>
-            <a:r>
-              <a:rPr lang="en-US" dirty="0" err="1" smtClean="0">
-                <a:solidFill>
-                  <a:schemeClr val="bg1"/>
-                </a:solidFill>
-                <a:latin typeface="Proxima Nova Rg" panose="02000506030000020004" pitchFamily="50" charset="0"/>
-              </a:rPr>
-              <a:t>maxogden</a:t>
-            </a:r>
-            <a:endParaRPr lang="en-US" dirty="0" smtClean="0">
-              <a:solidFill>
-                <a:schemeClr val="bg1"/>
-              </a:solidFill>
-              <a:latin typeface="Proxima Nova Rg" panose="02000506030000020004" pitchFamily="50" charset="0"/>
-            </a:endParaRPr>
-          </a:p>
-          <a:p>
-            <a:pPr marL="0" indent="0">
-              <a:buNone/>
-            </a:pPr>
-            <a:r>
-              <a:rPr lang="en-US" dirty="0" err="1" smtClean="0">
-                <a:solidFill>
-                  <a:schemeClr val="bg1"/>
-                </a:solidFill>
-                <a:latin typeface="Proxima Nova Rg" panose="02000506030000020004" pitchFamily="50" charset="0"/>
-              </a:rPr>
-              <a:t>mikeal</a:t>
-            </a:r>
-            <a:endParaRPr lang="en-US" dirty="0" smtClean="0">
-              <a:solidFill>
-                <a:schemeClr val="bg1"/>
-              </a:solidFill>
-              <a:latin typeface="Proxima Nova Rg" panose="02000506030000020004" pitchFamily="50" charset="0"/>
-            </a:endParaRPr>
-          </a:p>
-        </p:txBody>
-      </p:sp>
-      <p:sp>
-        <p:nvSpPr>
-          <p:cNvPr id="4" name="Content Placeholder 3"/>
-          <p:cNvSpPr>
-            <a:spLocks noGrp="1"/>
-          </p:cNvSpPr>
-          <p:nvPr>
-            <p:ph sz="half" idx="2"/>
-          </p:nvPr>
-        </p:nvSpPr>
-        <p:spPr/>
-        <p:txBody>
-          <a:bodyPr/>
-          <a:lstStyle/>
-          <a:p>
-            <a:pPr marL="0" indent="0">
-              <a:buNone/>
-            </a:pPr>
-            <a:r>
-              <a:rPr lang="en-US" dirty="0" err="1" smtClean="0">
-                <a:solidFill>
-                  <a:schemeClr val="bg1"/>
-                </a:solidFill>
-                <a:latin typeface="Proxima Nova Rg" panose="02000506030000020004" pitchFamily="50" charset="0"/>
-              </a:rPr>
-              <a:t>isaacs</a:t>
-            </a:r>
-            <a:endParaRPr lang="en-US" dirty="0" smtClean="0">
-              <a:solidFill>
-                <a:schemeClr val="bg1"/>
-              </a:solidFill>
-              <a:latin typeface="Proxima Nova Rg" panose="02000506030000020004" pitchFamily="50" charset="0"/>
-            </a:endParaRPr>
-          </a:p>
-          <a:p>
-            <a:pPr marL="0" indent="0">
-              <a:buNone/>
-            </a:pPr>
-            <a:r>
-              <a:rPr lang="en-US" dirty="0" err="1" smtClean="0">
-                <a:solidFill>
-                  <a:schemeClr val="bg1"/>
-                </a:solidFill>
-                <a:latin typeface="Proxima Nova Rg" panose="02000506030000020004" pitchFamily="50" charset="0"/>
-              </a:rPr>
-              <a:t>raynos</a:t>
-            </a:r>
-            <a:endParaRPr lang="en-US" dirty="0" smtClean="0">
-              <a:solidFill>
-                <a:schemeClr val="bg1"/>
-              </a:solidFill>
-              <a:latin typeface="Proxima Nova Rg" panose="02000506030000020004" pitchFamily="50" charset="0"/>
-            </a:endParaRPr>
-          </a:p>
-          <a:p>
-            <a:pPr marL="0" indent="0">
-              <a:buNone/>
-            </a:pPr>
-            <a:r>
-              <a:rPr lang="en-US" dirty="0" err="1" smtClean="0">
-                <a:solidFill>
-                  <a:schemeClr val="bg1"/>
-                </a:solidFill>
-                <a:latin typeface="Proxima Nova Rg" panose="02000506030000020004" pitchFamily="50" charset="0"/>
-              </a:rPr>
-              <a:t>fent</a:t>
-            </a:r>
-            <a:endParaRPr lang="en-US" dirty="0" smtClean="0">
-              <a:solidFill>
-                <a:schemeClr val="bg1"/>
-              </a:solidFill>
-              <a:latin typeface="Proxima Nova Rg" panose="02000506030000020004" pitchFamily="50" charset="0"/>
-            </a:endParaRPr>
-          </a:p>
-          <a:p>
-            <a:pPr marL="0" indent="0">
-              <a:buNone/>
-            </a:pPr>
-            <a:r>
-              <a:rPr lang="en-US" dirty="0" err="1" smtClean="0">
-                <a:solidFill>
-                  <a:schemeClr val="bg1"/>
-                </a:solidFill>
-                <a:latin typeface="Proxima Nova Rg" panose="02000506030000020004" pitchFamily="50" charset="0"/>
-              </a:rPr>
-              <a:t>tootallnate</a:t>
-            </a:r>
-            <a:endParaRPr lang="en-US" dirty="0" smtClean="0">
-              <a:solidFill>
-                <a:schemeClr val="bg1"/>
-              </a:solidFill>
-              <a:latin typeface="Proxima Nova Rg" panose="02000506030000020004" pitchFamily="50" charset="0"/>
-            </a:endParaRPr>
-          </a:p>
-          <a:p>
-            <a:pPr marL="0" indent="0">
-              <a:buNone/>
-            </a:pPr>
-            <a:endParaRPr lang="en-US" dirty="0">
-              <a:solidFill>
-                <a:schemeClr val="bg1"/>
-              </a:solidFill>
-              <a:latin typeface="Proxima Nova Rg" panose="02000506030000020004" pitchFamily="50" charset="0"/>
-            </a:endParaRPr>
-          </a:p>
-        </p:txBody>
-      </p:sp>
-    </p:spTree>
-  </p:cSld>
-  <p:clrMapOvr>
-    <a:masterClrMapping/>
-  </p:clrMapOvr>
-</p:sld>
-</file>
-
-<file path=ppt/slides/slide41.xml><?xml version="1.0" encoding="utf-8"?>
-<p:sld xmlns:a="http://schemas.openxmlformats.org/drawingml/2006/main" xmlns:r="http://schemas.openxmlformats.org/officeDocument/2006/relationships" xmlns:p="http://schemas.openxmlformats.org/presentationml/2006/main">
-  <p:cSld>
-    <p:bg>
-      <p:bgPr>
-        <a:solidFill>
-          <a:schemeClr val="tx1"/>
-        </a:solidFill>
-        <a:effectLst/>
-      </p:bgPr>
-    </p:bg>
-    <p:spTree>
-      <p:nvGrpSpPr>
-        <p:cNvPr id="1" name=""/>
-        <p:cNvGrpSpPr/>
-        <p:nvPr/>
-      </p:nvGrpSpPr>
-      <p:grpSpPr>
-        <a:xfrm>
-          <a:off x="0" y="0"/>
-          <a:ext cx="0" cy="0"/>
-          <a:chOff x="0" y="0"/>
-          <a:chExt cx="0" cy="0"/>
-        </a:xfrm>
-      </p:grpSpPr>
       <p:sp>
         <p:nvSpPr>
           <p:cNvPr id="2" name="Title 1"/>
@@ -15442,7 +17536,7 @@
 </p:sld>
 </file>
 
-<file path=ppt/slides/slide42.xml><?xml version="1.0" encoding="utf-8"?>
+<file path=ppt/slides/slide41.xml><?xml version="1.0" encoding="utf-8"?>
 <p:sld xmlns:a="http://schemas.openxmlformats.org/drawingml/2006/main" xmlns:r="http://schemas.openxmlformats.org/officeDocument/2006/relationships" xmlns:p="http://schemas.openxmlformats.org/presentationml/2006/main">
   <p:cSld>
     <p:bg>
@@ -15803,7 +17897,7 @@
           <p:nvPr/>
         </p:nvPicPr>
         <p:blipFill>
-          <a:blip r:embed="rId2">
+          <a:blip r:embed="rId3">
             <a:extLst>
               <a:ext uri="{28A0092B-C50C-407E-A947-70E740481C1C}">
                 <a14:useLocalDpi xmlns:a14="http://schemas.microsoft.com/office/drawing/2010/main" val="0"/>

--- a/SDC2013.pptx
+++ b/SDC2013.pptx
@@ -15070,19 +15070,10 @@
                 </a:solidFill>
                 <a:latin typeface="Proxima Nova Rg" panose="02000506030000020004" pitchFamily="2" charset="0"/>
               </a:rPr>
-              <a:t>, shoe, pause-stream</a:t>
-            </a:r>
-            <a:r>
-              <a:rPr lang="en-US" smtClean="0">
-                <a:solidFill>
-                  <a:schemeClr val="bg1"/>
-                </a:solidFill>
-                <a:latin typeface="Proxima Nova Rg" panose="02000506030000020004" pitchFamily="2" charset="0"/>
-              </a:rPr>
-              <a:t>, </a:t>
-            </a:r>
-            <a:r>
-              <a:rPr lang="en-US" smtClean="0">
+              <a:t>, shoe, pause-stream, </a:t>
+            </a:r>
+            <a:r>
+              <a:rPr lang="en-US" dirty="0" smtClean="0">
                 <a:solidFill>
                   <a:schemeClr val="bg1"/>
                 </a:solidFill>

--- a/SDC2013.pptx
+++ b/SDC2013.pptx
@@ -43,7 +43,7 @@
     <p:sldId id="306" r:id="rId34"/>
     <p:sldId id="288" r:id="rId35"/>
     <p:sldId id="311" r:id="rId36"/>
-    <p:sldId id="310" r:id="rId37"/>
+    <p:sldId id="316" r:id="rId37"/>
     <p:sldId id="308" r:id="rId38"/>
     <p:sldId id="292" r:id="rId39"/>
     <p:sldId id="260" r:id="rId40"/>
@@ -1840,6 +1840,97 @@
 </file>
 
 <file path=ppt/notesSlides/notesSlide21.xml><?xml version="1.0" encoding="utf-8"?>
+<p:notes xmlns:a="http://schemas.openxmlformats.org/drawingml/2006/main" xmlns:r="http://schemas.openxmlformats.org/officeDocument/2006/relationships" xmlns:p="http://schemas.openxmlformats.org/presentationml/2006/main">
+  <p:cSld>
+    <p:spTree>
+      <p:nvGrpSpPr>
+        <p:cNvPr id="1" name=""/>
+        <p:cNvGrpSpPr/>
+        <p:nvPr/>
+      </p:nvGrpSpPr>
+      <p:grpSpPr>
+        <a:xfrm>
+          <a:off x="0" y="0"/>
+          <a:ext cx="0" cy="0"/>
+          <a:chOff x="0" y="0"/>
+          <a:chExt cx="0" cy="0"/>
+        </a:xfrm>
+      </p:grpSpPr>
+      <p:sp>
+        <p:nvSpPr>
+          <p:cNvPr id="2" name="Slide Image Placeholder 1"/>
+          <p:cNvSpPr>
+            <a:spLocks noGrp="1" noRot="1" noChangeAspect="1"/>
+          </p:cNvSpPr>
+          <p:nvPr>
+            <p:ph type="sldImg"/>
+          </p:nvPr>
+        </p:nvSpPr>
+        <p:spPr/>
+      </p:sp>
+      <p:sp>
+        <p:nvSpPr>
+          <p:cNvPr id="3" name="Notes Placeholder 2"/>
+          <p:cNvSpPr>
+            <a:spLocks noGrp="1"/>
+          </p:cNvSpPr>
+          <p:nvPr>
+            <p:ph type="body" idx="1"/>
+          </p:nvPr>
+        </p:nvSpPr>
+        <p:spPr/>
+        <p:txBody>
+          <a:bodyPr/>
+          <a:lstStyle/>
+          <a:p>
+            <a:r>
+              <a:rPr lang="en-US" dirty="0" smtClean="0"/>
+              <a:t>TODO: Split</a:t>
+            </a:r>
+          </a:p>
+          <a:p>
+            <a:endParaRPr lang="en-US" dirty="0"/>
+          </a:p>
+        </p:txBody>
+      </p:sp>
+      <p:sp>
+        <p:nvSpPr>
+          <p:cNvPr id="4" name="Slide Number Placeholder 3"/>
+          <p:cNvSpPr>
+            <a:spLocks noGrp="1"/>
+          </p:cNvSpPr>
+          <p:nvPr>
+            <p:ph type="sldNum" sz="quarter" idx="10"/>
+          </p:nvPr>
+        </p:nvSpPr>
+        <p:spPr/>
+        <p:txBody>
+          <a:bodyPr/>
+          <a:lstStyle/>
+          <a:p>
+            <a:fld id="{7BC0C7B8-101C-4F8C-9143-43222D1AB2E2}" type="slidenum">
+              <a:rPr lang="en-US" smtClean="0"/>
+              <a:pPr/>
+              <a:t>36</a:t>
+            </a:fld>
+            <a:endParaRPr lang="en-US"/>
+          </a:p>
+        </p:txBody>
+      </p:sp>
+    </p:spTree>
+    <p:extLst>
+      <p:ext uri="{BB962C8B-B14F-4D97-AF65-F5344CB8AC3E}">
+        <p14:creationId xmlns:p14="http://schemas.microsoft.com/office/powerpoint/2010/main" val="585926062"/>
+      </p:ext>
+    </p:extLst>
+  </p:cSld>
+  <p:clrMapOvr>
+    <a:masterClrMapping/>
+  </p:clrMapOvr>
+</p:notes>
+</file>
+
+<file path=ppt/notesSlides/notesSlide22.xml><?xml version="1.0" encoding="utf-8"?>
 <p:notes xmlns:a="http://schemas.openxmlformats.org/drawingml/2006/main" xmlns:r="http://schemas.openxmlformats.org/officeDocument/2006/relationships" xmlns:p="http://schemas.openxmlformats.org/presentationml/2006/main">
   <p:cSld>
     <p:spTree>
@@ -16360,138 +16451,16 @@
           <a:chExt cx="0" cy="0"/>
         </a:xfrm>
       </p:grpSpPr>
-      <p:sp>
-        <p:nvSpPr>
-          <p:cNvPr id="2" name="Title 1"/>
-          <p:cNvSpPr>
-            <a:spLocks noGrp="1"/>
-          </p:cNvSpPr>
-          <p:nvPr>
-            <p:ph type="title"/>
-          </p:nvPr>
-        </p:nvSpPr>
-        <p:spPr/>
-        <p:txBody>
-          <a:bodyPr/>
-          <a:lstStyle/>
-          <a:p>
-            <a:pPr algn="r"/>
-            <a:r>
-              <a:rPr lang="en-US" dirty="0" smtClean="0">
-                <a:solidFill>
-                  <a:schemeClr val="bg1"/>
-                </a:solidFill>
-                <a:latin typeface="Proxima Nova Rg" panose="02000506030000020004" pitchFamily="2" charset="0"/>
-              </a:rPr>
-              <a:t>Transform Stream</a:t>
-            </a:r>
-            <a:endParaRPr lang="en-US" dirty="0">
-              <a:solidFill>
-                <a:schemeClr val="bg1"/>
-              </a:solidFill>
-              <a:latin typeface="Proxima Nova Rg" panose="02000506030000020004" pitchFamily="2" charset="0"/>
-            </a:endParaRPr>
-          </a:p>
-        </p:txBody>
-      </p:sp>
-      <p:sp>
-        <p:nvSpPr>
-          <p:cNvPr id="3" name="Content Placeholder 2"/>
-          <p:cNvSpPr>
-            <a:spLocks noGrp="1"/>
-          </p:cNvSpPr>
-          <p:nvPr>
-            <p:ph idx="1"/>
-          </p:nvPr>
-        </p:nvSpPr>
-        <p:spPr/>
-        <p:txBody>
-          <a:bodyPr/>
-          <a:lstStyle/>
-          <a:p>
-            <a:r>
-              <a:rPr lang="en-US" dirty="0">
-                <a:solidFill>
-                  <a:schemeClr val="bg1"/>
-                </a:solidFill>
-              </a:rPr>
-              <a:t>•override _transform(chunk, output, </a:t>
-            </a:r>
-            <a:r>
-              <a:rPr lang="en-US" dirty="0" err="1">
-                <a:solidFill>
-                  <a:schemeClr val="bg1"/>
-                </a:solidFill>
-              </a:rPr>
-              <a:t>cb</a:t>
-            </a:r>
-            <a:r>
-              <a:rPr lang="en-US" dirty="0">
-                <a:solidFill>
-                  <a:schemeClr val="bg1"/>
-                </a:solidFill>
-              </a:rPr>
-              <a:t>)</a:t>
-            </a:r>
-          </a:p>
-          <a:p>
-            <a:r>
-              <a:rPr lang="en-US" dirty="0">
-                <a:solidFill>
-                  <a:schemeClr val="bg1"/>
-                </a:solidFill>
-              </a:rPr>
-              <a:t>•call output(chunk) (or don't)</a:t>
-            </a:r>
-          </a:p>
-          <a:p>
-            <a:r>
-              <a:rPr lang="en-US" dirty="0">
-                <a:solidFill>
-                  <a:schemeClr val="bg1"/>
-                </a:solidFill>
-              </a:rPr>
-              <a:t>•call </a:t>
-            </a:r>
-            <a:r>
-              <a:rPr lang="en-US" dirty="0" err="1">
-                <a:solidFill>
-                  <a:schemeClr val="bg1"/>
-                </a:solidFill>
-              </a:rPr>
-              <a:t>cb</a:t>
-            </a:r>
-            <a:r>
-              <a:rPr lang="en-US" dirty="0">
-                <a:solidFill>
-                  <a:schemeClr val="bg1"/>
-                </a:solidFill>
-              </a:rPr>
-              <a:t>() when done with that chunk</a:t>
-            </a:r>
-          </a:p>
-          <a:p>
-            <a:r>
-              <a:rPr lang="en-US" dirty="0">
-                <a:solidFill>
-                  <a:schemeClr val="bg1"/>
-                </a:solidFill>
-              </a:rPr>
-              <a:t>•Just Works.</a:t>
-            </a:r>
-          </a:p>
-        </p:txBody>
-      </p:sp>
       <p:pic>
         <p:nvPicPr>
-          <p:cNvPr id="4" name="Picture 3"/>
+          <p:cNvPr id="5" name="Picture 4"/>
           <p:cNvPicPr>
             <a:picLocks noChangeAspect="1"/>
           </p:cNvPicPr>
           <p:nvPr/>
         </p:nvPicPr>
         <p:blipFill>
-          <a:blip r:embed="rId2" cstate="print"/>
+          <a:blip r:embed="rId3" cstate="print"/>
           <a:stretch>
             <a:fillRect/>
           </a:stretch>
@@ -16506,10 +16475,342 @@
           </a:prstGeom>
         </p:spPr>
       </p:pic>
+      <p:sp>
+        <p:nvSpPr>
+          <p:cNvPr id="2" name="Title 1"/>
+          <p:cNvSpPr>
+            <a:spLocks noGrp="1"/>
+          </p:cNvSpPr>
+          <p:nvPr>
+            <p:ph type="title"/>
+          </p:nvPr>
+        </p:nvSpPr>
+        <p:spPr/>
+        <p:txBody>
+          <a:bodyPr/>
+          <a:lstStyle/>
+          <a:p>
+            <a:pPr algn="r"/>
+            <a:r>
+              <a:rPr lang="en-US" dirty="0" smtClean="0">
+                <a:solidFill>
+                  <a:schemeClr val="bg1"/>
+                </a:solidFill>
+                <a:latin typeface="Proxima Nova Rg" panose="02000506030000020004" pitchFamily="2" charset="0"/>
+              </a:rPr>
+              <a:t>Transform Stream</a:t>
+            </a:r>
+            <a:endParaRPr lang="en-US" dirty="0">
+              <a:solidFill>
+                <a:schemeClr val="bg1"/>
+              </a:solidFill>
+              <a:latin typeface="Proxima Nova Rg" panose="02000506030000020004" pitchFamily="2" charset="0"/>
+            </a:endParaRPr>
+          </a:p>
+        </p:txBody>
+      </p:sp>
+      <p:sp>
+        <p:nvSpPr>
+          <p:cNvPr id="3" name="Content Placeholder 2"/>
+          <p:cNvSpPr>
+            <a:spLocks noGrp="1"/>
+          </p:cNvSpPr>
+          <p:nvPr>
+            <p:ph idx="1"/>
+          </p:nvPr>
+        </p:nvSpPr>
+        <p:spPr/>
+        <p:txBody>
+          <a:bodyPr/>
+          <a:lstStyle/>
+          <a:p>
+            <a:r>
+              <a:rPr lang="en-US" dirty="0" smtClean="0">
+                <a:solidFill>
+                  <a:schemeClr val="bg1"/>
+                </a:solidFill>
+                <a:latin typeface="Proxima Nova Rg" panose="02000506030000020004" pitchFamily="2" charset="0"/>
+              </a:rPr>
+              <a:t>Transform input using _transform</a:t>
+            </a:r>
+            <a:endParaRPr lang="en-US" dirty="0" smtClean="0">
+              <a:solidFill>
+                <a:schemeClr val="bg1"/>
+              </a:solidFill>
+              <a:latin typeface="Proxima Nova Rg" panose="02000506030000020004" pitchFamily="2" charset="0"/>
+            </a:endParaRPr>
+          </a:p>
+          <a:p>
+            <a:r>
+              <a:rPr lang="en-US" dirty="0" smtClean="0">
+                <a:solidFill>
+                  <a:schemeClr val="bg1"/>
+                </a:solidFill>
+                <a:latin typeface="Proxima Nova Rg" panose="02000506030000020004" pitchFamily="2" charset="0"/>
+              </a:rPr>
+              <a:t>Process input with output function</a:t>
+            </a:r>
+            <a:endParaRPr lang="en-US" dirty="0" smtClean="0">
+              <a:solidFill>
+                <a:schemeClr val="bg1"/>
+              </a:solidFill>
+              <a:latin typeface="Proxima Nova Rg" panose="02000506030000020004" pitchFamily="2" charset="0"/>
+            </a:endParaRPr>
+          </a:p>
+          <a:p>
+            <a:r>
+              <a:rPr lang="en-US" dirty="0" smtClean="0">
+                <a:solidFill>
+                  <a:schemeClr val="bg1"/>
+                </a:solidFill>
+                <a:latin typeface="Proxima Nova Rg" panose="02000506030000020004" pitchFamily="2" charset="0"/>
+              </a:rPr>
+              <a:t>Call callback when finished</a:t>
+            </a:r>
+            <a:endParaRPr lang="en-US" dirty="0">
+              <a:solidFill>
+                <a:schemeClr val="bg1"/>
+              </a:solidFill>
+              <a:latin typeface="Proxima Nova Rg" panose="02000506030000020004" pitchFamily="2" charset="0"/>
+            </a:endParaRPr>
+          </a:p>
+        </p:txBody>
+      </p:sp>
+      <p:sp>
+        <p:nvSpPr>
+          <p:cNvPr id="4" name="TextBox 3"/>
+          <p:cNvSpPr txBox="1"/>
+          <p:nvPr/>
+        </p:nvSpPr>
+        <p:spPr>
+          <a:xfrm>
+            <a:off x="990600" y="4004608"/>
+            <a:ext cx="7315200" cy="1938992"/>
+          </a:xfrm>
+          <a:prstGeom prst="rect">
+            <a:avLst/>
+          </a:prstGeom>
+          <a:noFill/>
+        </p:spPr>
+        <p:txBody>
+          <a:bodyPr wrap="square" rtlCol="0">
+            <a:spAutoFit/>
+          </a:bodyPr>
+          <a:lstStyle/>
+          <a:p>
+            <a:r>
+              <a:rPr lang="en-US" sz="2400" b="1" dirty="0" smtClean="0">
+                <a:solidFill>
+                  <a:schemeClr val="bg1"/>
+                </a:solidFill>
+                <a:latin typeface="Consolas" pitchFamily="49" charset="0"/>
+              </a:rPr>
+              <a:t>..._</a:t>
+            </a:r>
+            <a:r>
+              <a:rPr lang="en-US" sz="2400" b="1" dirty="0">
+                <a:solidFill>
+                  <a:schemeClr val="bg1"/>
+                </a:solidFill>
+                <a:latin typeface="Consolas" pitchFamily="49" charset="0"/>
+              </a:rPr>
+              <a:t>transform = function </a:t>
+            </a:r>
+            <a:r>
+              <a:rPr lang="en-US" sz="2400" b="1" dirty="0" smtClean="0">
+                <a:solidFill>
+                  <a:schemeClr val="bg1"/>
+                </a:solidFill>
+                <a:latin typeface="Consolas" pitchFamily="49" charset="0"/>
+              </a:rPr>
+              <a:t>(</a:t>
+            </a:r>
+            <a:r>
+              <a:rPr lang="en-US" sz="2400" b="1" dirty="0">
+                <a:solidFill>
+                  <a:schemeClr val="bg1"/>
+                </a:solidFill>
+                <a:latin typeface="Consolas" pitchFamily="49" charset="0"/>
+              </a:rPr>
+              <a:t>c</a:t>
+            </a:r>
+            <a:r>
+              <a:rPr lang="en-US" sz="2400" b="1" dirty="0" smtClean="0">
+                <a:solidFill>
+                  <a:schemeClr val="bg1"/>
+                </a:solidFill>
+                <a:latin typeface="Consolas" pitchFamily="49" charset="0"/>
+              </a:rPr>
+              <a:t>, output, </a:t>
+            </a:r>
+            <a:r>
+              <a:rPr lang="en-US" sz="2400" b="1" dirty="0" err="1" smtClean="0">
+                <a:solidFill>
+                  <a:schemeClr val="bg1"/>
+                </a:solidFill>
+                <a:latin typeface="Consolas" pitchFamily="49" charset="0"/>
+              </a:rPr>
+              <a:t>cb</a:t>
+            </a:r>
+            <a:r>
+              <a:rPr lang="en-US" sz="2400" b="1" dirty="0" smtClean="0">
+                <a:solidFill>
+                  <a:schemeClr val="bg1"/>
+                </a:solidFill>
+                <a:latin typeface="Consolas" pitchFamily="49" charset="0"/>
+              </a:rPr>
+              <a:t>) {</a:t>
+            </a:r>
+          </a:p>
+          <a:p>
+            <a:r>
+              <a:rPr lang="en-US" sz="2400" b="1" dirty="0">
+                <a:solidFill>
+                  <a:schemeClr val="bg1"/>
+                </a:solidFill>
+                <a:latin typeface="Consolas" pitchFamily="49" charset="0"/>
+              </a:rPr>
+              <a:t> </a:t>
+            </a:r>
+            <a:r>
+              <a:rPr lang="en-US" sz="2400" b="1" dirty="0" smtClean="0">
+                <a:solidFill>
+                  <a:schemeClr val="bg1"/>
+                </a:solidFill>
+                <a:latin typeface="Consolas" pitchFamily="49" charset="0"/>
+              </a:rPr>
+              <a:t>   </a:t>
+            </a:r>
+            <a:r>
+              <a:rPr lang="en-US" sz="2400" b="1" dirty="0" err="1" smtClean="0">
+                <a:solidFill>
+                  <a:schemeClr val="bg1"/>
+                </a:solidFill>
+                <a:latin typeface="Consolas" pitchFamily="49" charset="0"/>
+              </a:rPr>
+              <a:t>var</a:t>
+            </a:r>
+            <a:r>
+              <a:rPr lang="en-US" sz="2400" b="1" dirty="0" smtClean="0">
+                <a:solidFill>
+                  <a:schemeClr val="bg1"/>
+                </a:solidFill>
+                <a:latin typeface="Consolas" pitchFamily="49" charset="0"/>
+              </a:rPr>
+              <a:t> s = String(c);</a:t>
+            </a:r>
+          </a:p>
+          <a:p>
+            <a:r>
+              <a:rPr lang="en-US" sz="2400" b="1" dirty="0">
+                <a:solidFill>
+                  <a:schemeClr val="bg1"/>
+                </a:solidFill>
+                <a:latin typeface="Consolas" pitchFamily="49" charset="0"/>
+              </a:rPr>
+              <a:t> </a:t>
+            </a:r>
+            <a:r>
+              <a:rPr lang="en-US" sz="2400" b="1" dirty="0" smtClean="0">
+                <a:solidFill>
+                  <a:schemeClr val="bg1"/>
+                </a:solidFill>
+                <a:latin typeface="Consolas" pitchFamily="49" charset="0"/>
+              </a:rPr>
+              <a:t>   </a:t>
+            </a:r>
+            <a:r>
+              <a:rPr lang="en-US" sz="2400" b="1" dirty="0" err="1" smtClean="0">
+                <a:solidFill>
+                  <a:schemeClr val="bg1"/>
+                </a:solidFill>
+                <a:latin typeface="Consolas" pitchFamily="49" charset="0"/>
+              </a:rPr>
+              <a:t>outFn</a:t>
+            </a:r>
+            <a:r>
+              <a:rPr lang="en-US" sz="2400" b="1" dirty="0" smtClean="0">
+                <a:solidFill>
+                  <a:schemeClr val="bg1"/>
+                </a:solidFill>
+                <a:latin typeface="Consolas" pitchFamily="49" charset="0"/>
+              </a:rPr>
+              <a:t>(new Buffer(</a:t>
+            </a:r>
+            <a:r>
+              <a:rPr lang="en-US" sz="2400" b="1" dirty="0" err="1" smtClean="0">
+                <a:solidFill>
+                  <a:schemeClr val="bg1"/>
+                </a:solidFill>
+                <a:latin typeface="Consolas" pitchFamily="49" charset="0"/>
+              </a:rPr>
+              <a:t>s.toUpperCase</a:t>
+            </a:r>
+            <a:r>
+              <a:rPr lang="en-US" sz="2400" b="1" dirty="0" smtClean="0">
+                <a:solidFill>
+                  <a:schemeClr val="bg1"/>
+                </a:solidFill>
+                <a:latin typeface="Consolas" pitchFamily="49" charset="0"/>
+              </a:rPr>
+              <a:t>()));</a:t>
+            </a:r>
+          </a:p>
+          <a:p>
+            <a:r>
+              <a:rPr lang="en-US" sz="2400" b="1" dirty="0">
+                <a:solidFill>
+                  <a:schemeClr val="bg1"/>
+                </a:solidFill>
+                <a:latin typeface="Consolas" pitchFamily="49" charset="0"/>
+              </a:rPr>
+              <a:t> </a:t>
+            </a:r>
+            <a:r>
+              <a:rPr lang="en-US" sz="2400" b="1" dirty="0" smtClean="0">
+                <a:solidFill>
+                  <a:schemeClr val="bg1"/>
+                </a:solidFill>
+                <a:latin typeface="Consolas" pitchFamily="49" charset="0"/>
+              </a:rPr>
+              <a:t>   </a:t>
+            </a:r>
+            <a:r>
+              <a:rPr lang="en-US" sz="2400" b="1" dirty="0" err="1" smtClean="0">
+                <a:solidFill>
+                  <a:schemeClr val="bg1"/>
+                </a:solidFill>
+                <a:latin typeface="Consolas" pitchFamily="49" charset="0"/>
+              </a:rPr>
+              <a:t>cb</a:t>
+            </a:r>
+            <a:r>
+              <a:rPr lang="en-US" sz="2400" b="1" dirty="0" smtClean="0">
+                <a:solidFill>
+                  <a:schemeClr val="bg1"/>
+                </a:solidFill>
+                <a:latin typeface="Consolas" pitchFamily="49" charset="0"/>
+              </a:rPr>
+              <a:t>();</a:t>
+            </a:r>
+          </a:p>
+          <a:p>
+            <a:r>
+              <a:rPr lang="en-US" sz="2400" b="1" dirty="0">
+                <a:solidFill>
+                  <a:schemeClr val="bg1"/>
+                </a:solidFill>
+                <a:latin typeface="Consolas" pitchFamily="49" charset="0"/>
+              </a:rPr>
+              <a:t>}</a:t>
+            </a:r>
+          </a:p>
+        </p:txBody>
+      </p:sp>
     </p:spTree>
     <p:extLst>
       <p:ext uri="{BB962C8B-B14F-4D97-AF65-F5344CB8AC3E}">
-        <p14:creationId xmlns:p14="http://schemas.microsoft.com/office/powerpoint/2010/main" val="1272914086"/>
+        <p14:creationId xmlns:p14="http://schemas.microsoft.com/office/powerpoint/2010/main" val="1778485574"/>
       </p:ext>
     </p:extLst>
   </p:cSld>
@@ -17597,15 +17898,15 @@
                 <a:solidFill>
                   <a:schemeClr val="bg1"/>
                 </a:solidFill>
-                <a:latin typeface="Ghostbusters" panose="00000400000000000000" pitchFamily="2" charset="0"/>
-              </a:rPr>
-              <a:t>CREDITS</a:t>
+                <a:latin typeface="Proxima Nova Rg" panose="02000506030000020004" pitchFamily="2" charset="0"/>
+              </a:rPr>
+              <a:t>Credits</a:t>
             </a:r>
             <a:endParaRPr lang="en-US" dirty="0">
               <a:solidFill>
                 <a:schemeClr val="bg1"/>
               </a:solidFill>
-              <a:latin typeface="Ghostbusters" panose="00000400000000000000" pitchFamily="2" charset="0"/>
+              <a:latin typeface="Proxima Nova Rg" panose="02000506030000020004" pitchFamily="2" charset="0"/>
             </a:endParaRPr>
           </a:p>
         </p:txBody>
@@ -17630,6 +17931,7 @@
                 <a:solidFill>
                   <a:schemeClr val="bg1"/>
                 </a:solidFill>
+                <a:latin typeface="Proxima Nova Rg" panose="02000506030000020004" pitchFamily="2" charset="0"/>
               </a:rPr>
               <a:t>Proton Stream:</a:t>
             </a:r>
@@ -17638,6 +17940,7 @@
                 <a:solidFill>
                   <a:schemeClr val="bg1"/>
                 </a:solidFill>
+                <a:latin typeface="Proxima Nova Rg" panose="02000506030000020004" pitchFamily="2" charset="0"/>
               </a:rPr>
             </a:br>
             <a:r>
@@ -17645,6 +17948,7 @@
                 <a:solidFill>
                   <a:schemeClr val="bg1"/>
                 </a:solidFill>
+                <a:latin typeface="Proxima Nova Rg" panose="02000506030000020004" pitchFamily="2" charset="0"/>
               </a:rPr>
               <a:t>http://</a:t>
             </a:r>
@@ -17653,6 +17957,7 @@
                 <a:solidFill>
                   <a:schemeClr val="bg1"/>
                 </a:solidFill>
+                <a:latin typeface="Proxima Nova Rg" panose="02000506030000020004" pitchFamily="2" charset="0"/>
               </a:rPr>
               <a:t>current.com/technology/90461049_las-vegas-ghostbusters-proton-stream-test.htm</a:t>
             </a:r>
@@ -17663,6 +17968,7 @@
                 <a:solidFill>
                   <a:schemeClr val="bg1"/>
                 </a:solidFill>
+                <a:latin typeface="Proxima Nova Rg" panose="02000506030000020004" pitchFamily="2" charset="0"/>
               </a:rPr>
               <a:t>Twinkie: </a:t>
             </a:r>
@@ -17671,6 +17977,7 @@
                 <a:solidFill>
                   <a:schemeClr val="bg1"/>
                 </a:solidFill>
+                <a:latin typeface="Proxima Nova Rg" panose="02000506030000020004" pitchFamily="2" charset="0"/>
               </a:rPr>
               <a:t>http://www.pics-site.com/2011/01/27/a-twinkie-in-a-ct-scanner</a:t>
             </a:r>
@@ -17679,6 +17986,7 @@
                 <a:solidFill>
                   <a:schemeClr val="bg1"/>
                 </a:solidFill>
+                <a:latin typeface="Proxima Nova Rg" panose="02000506030000020004" pitchFamily="2" charset="0"/>
               </a:rPr>
               <a:t>/</a:t>
             </a:r>
